--- a/userGuide.pptx
+++ b/userGuide.pptx
@@ -9,16 +9,17 @@
     <p:sldId id="257" r:id="rId3"/>
     <p:sldId id="258" r:id="rId4"/>
     <p:sldId id="260" r:id="rId5"/>
-    <p:sldId id="261" r:id="rId6"/>
-    <p:sldId id="259" r:id="rId7"/>
-    <p:sldId id="262" r:id="rId8"/>
-    <p:sldId id="263" r:id="rId9"/>
-    <p:sldId id="264" r:id="rId10"/>
-    <p:sldId id="265" r:id="rId11"/>
-    <p:sldId id="266" r:id="rId12"/>
-    <p:sldId id="267" r:id="rId13"/>
-    <p:sldId id="268" r:id="rId14"/>
-    <p:sldId id="269" r:id="rId15"/>
+    <p:sldId id="270" r:id="rId6"/>
+    <p:sldId id="261" r:id="rId7"/>
+    <p:sldId id="259" r:id="rId8"/>
+    <p:sldId id="262" r:id="rId9"/>
+    <p:sldId id="263" r:id="rId10"/>
+    <p:sldId id="264" r:id="rId11"/>
+    <p:sldId id="265" r:id="rId12"/>
+    <p:sldId id="266" r:id="rId13"/>
+    <p:sldId id="267" r:id="rId14"/>
+    <p:sldId id="268" r:id="rId15"/>
+    <p:sldId id="269" r:id="rId16"/>
   </p:sldIdLst>
   <p:sldSz cx="9144000" cy="6858000" type="screen4x3"/>
   <p:notesSz cx="6858000" cy="9144000"/>
@@ -3130,7 +3131,12 @@
             <p:ph type="title"/>
           </p:nvPr>
         </p:nvSpPr>
-        <p:spPr/>
+        <p:spPr>
+          <a:xfrm>
+            <a:off x="457200" y="274638"/>
+            <a:ext cx="8229600" cy="922114"/>
+          </a:xfrm>
+        </p:spPr>
         <p:txBody>
           <a:bodyPr>
             <a:normAutofit/>
@@ -3138,8 +3144,16 @@
           <a:lstStyle/>
           <a:p>
             <a:r>
-              <a:rPr lang="en-US" altLang="zh-CN" sz="3200" dirty="0"/>
-              <a:t>-c pekingduckchrominfo.autosomescaffolds_1</a:t>
+              <a:rPr lang="en-US" altLang="zh-CN" sz="3200" dirty="0" smtClean="0"/>
+              <a:t>-T/-R </a:t>
+            </a:r>
+            <a:r>
+              <a:rPr lang="en-US" altLang="zh-CN" sz="3200" dirty="0" err="1" smtClean="0"/>
+              <a:t>mallard.VCFBAMconfig</a:t>
+            </a:r>
+            <a:r>
+              <a:rPr lang="en-US" altLang="zh-CN" sz="3200" dirty="0" smtClean="0"/>
+              <a:t>  file</a:t>
             </a:r>
             <a:endParaRPr lang="zh-CN" altLang="en-US" sz="3200" dirty="0"/>
           </a:p>
@@ -3147,7 +3161,7 @@
       </p:sp>
       <p:pic>
         <p:nvPicPr>
-          <p:cNvPr id="5" name="内容占位符 4"/>
+          <p:cNvPr id="6" name="内容占位符 5"/>
           <p:cNvPicPr>
             <a:picLocks noGrp="1" noChangeAspect="1"/>
           </p:cNvPicPr>
@@ -3169,59 +3183,21 @@
         </p:blipFill>
         <p:spPr>
           <a:xfrm>
-            <a:off x="959761" y="1484784"/>
-            <a:ext cx="7219950" cy="2466975"/>
+            <a:off x="611560" y="1268760"/>
+            <a:ext cx="7800975" cy="2924175"/>
           </a:xfrm>
         </p:spPr>
       </p:pic>
-      <p:sp>
-        <p:nvSpPr>
-          <p:cNvPr id="4" name="TextBox 3"/>
-          <p:cNvSpPr txBox="1"/>
-          <p:nvPr/>
-        </p:nvSpPr>
-        <p:spPr>
-          <a:xfrm>
-            <a:off x="0" y="0"/>
-            <a:ext cx="9139472" cy="369332"/>
-          </a:xfrm>
-          <a:prstGeom prst="rect">
-            <a:avLst/>
-          </a:prstGeom>
-          <a:noFill/>
-        </p:spPr>
-        <p:txBody>
-          <a:bodyPr wrap="square" rtlCol="0">
-            <a:spAutoFit/>
-          </a:bodyPr>
-          <a:lstStyle/>
-          <a:p>
-            <a:r>
-              <a:rPr lang="en-US" altLang="zh-CN" dirty="0" smtClean="0"/>
-              <a:t>Detect </a:t>
-            </a:r>
-            <a:r>
-              <a:rPr lang="en-US" altLang="zh-CN" dirty="0"/>
-              <a:t>selection </a:t>
-            </a:r>
-            <a:r>
-              <a:rPr lang="en-US" altLang="zh-CN" dirty="0" err="1"/>
-              <a:t>signal:Detectsignalacrossgenome_master.py</a:t>
-            </a:r>
-            <a:endParaRPr lang="zh-CN" altLang="en-US" dirty="0"/>
-          </a:p>
-        </p:txBody>
-      </p:sp>
       <p:cxnSp>
         <p:nvCxnSpPr>
-          <p:cNvPr id="7" name="直接箭头连接符 6"/>
+          <p:cNvPr id="9" name="直接箭头连接符 8"/>
           <p:cNvCxnSpPr/>
           <p:nvPr/>
         </p:nvCxnSpPr>
         <p:spPr>
-          <a:xfrm flipH="1">
-            <a:off x="827584" y="3933056"/>
-            <a:ext cx="360040" cy="936104"/>
+          <a:xfrm>
+            <a:off x="1296144" y="3814936"/>
+            <a:ext cx="0" cy="838200"/>
           </a:xfrm>
           <a:prstGeom prst="straightConnector1">
             <a:avLst/>
@@ -3245,16 +3221,54 @@
           </a:fontRef>
         </p:style>
       </p:cxnSp>
+      <p:sp>
+        <p:nvSpPr>
+          <p:cNvPr id="11" name="TextBox 10"/>
+          <p:cNvSpPr txBox="1"/>
+          <p:nvPr/>
+        </p:nvSpPr>
+        <p:spPr>
+          <a:xfrm>
+            <a:off x="683568" y="4869160"/>
+            <a:ext cx="1368152" cy="646331"/>
+          </a:xfrm>
+          <a:prstGeom prst="rect">
+            <a:avLst/>
+          </a:prstGeom>
+          <a:noFill/>
+        </p:spPr>
+        <p:txBody>
+          <a:bodyPr wrap="square" rtlCol="0">
+            <a:spAutoFit/>
+          </a:bodyPr>
+          <a:lstStyle/>
+          <a:p>
+            <a:r>
+              <a:rPr lang="en-US" altLang="zh-CN" dirty="0" smtClean="0"/>
+              <a:t>Population </a:t>
+            </a:r>
+            <a:r>
+              <a:rPr lang="en-US" altLang="zh-CN" dirty="0" err="1" smtClean="0"/>
+              <a:t>vcf</a:t>
+            </a:r>
+            <a:r>
+              <a:rPr lang="en-US" altLang="zh-CN" dirty="0" smtClean="0"/>
+              <a:t> file</a:t>
+            </a:r>
+            <a:endParaRPr lang="zh-CN" altLang="en-US" dirty="0"/>
+          </a:p>
+        </p:txBody>
+      </p:sp>
       <p:cxnSp>
         <p:nvCxnSpPr>
-          <p:cNvPr id="9" name="直接箭头连接符 8"/>
+          <p:cNvPr id="12" name="直接箭头连接符 11"/>
           <p:cNvCxnSpPr/>
           <p:nvPr/>
         </p:nvCxnSpPr>
         <p:spPr>
           <a:xfrm>
-            <a:off x="2627784" y="3933056"/>
-            <a:ext cx="432048" cy="936104"/>
+            <a:off x="4932040" y="4026701"/>
+            <a:ext cx="0" cy="838200"/>
           </a:xfrm>
           <a:prstGeom prst="straightConnector1">
             <a:avLst/>
@@ -3280,14 +3294,14 @@
       </p:cxnSp>
       <p:sp>
         <p:nvSpPr>
-          <p:cNvPr id="11" name="TextBox 10"/>
+          <p:cNvPr id="14" name="TextBox 13"/>
           <p:cNvSpPr txBox="1"/>
           <p:nvPr/>
         </p:nvSpPr>
         <p:spPr>
           <a:xfrm>
-            <a:off x="323528" y="5013176"/>
-            <a:ext cx="1656184" cy="369332"/>
+            <a:off x="2771800" y="4869160"/>
+            <a:ext cx="6120680" cy="923330"/>
           </a:xfrm>
           <a:prstGeom prst="rect">
             <a:avLst/>
@@ -3302,7 +3316,29 @@
           <a:p>
             <a:r>
               <a:rPr lang="en-US" altLang="zh-CN" dirty="0" smtClean="0"/>
-              <a:t>Scaffold ID</a:t>
+              <a:t>Bam file list that used to produce </a:t>
+            </a:r>
+            <a:r>
+              <a:rPr lang="en-US" altLang="zh-CN" dirty="0" err="1" smtClean="0"/>
+              <a:t>vcf</a:t>
+            </a:r>
+            <a:r>
+              <a:rPr lang="en-US" altLang="zh-CN" dirty="0" smtClean="0"/>
+              <a:t> file.</a:t>
+            </a:r>
+          </a:p>
+          <a:p>
+            <a:r>
+              <a:rPr lang="en-US" altLang="zh-CN" dirty="0" smtClean="0"/>
+              <a:t>Used to check sites is uncovered or fixed as reference allele </a:t>
+            </a:r>
+            <a:r>
+              <a:rPr lang="en-US" altLang="zh-CN" dirty="0" err="1" smtClean="0"/>
+              <a:t>whhen</a:t>
+            </a:r>
+            <a:r>
+              <a:rPr lang="en-US" altLang="zh-CN" dirty="0" smtClean="0"/>
+              <a:t> multiple populations are used in frequency calculation</a:t>
             </a:r>
             <a:endParaRPr lang="zh-CN" altLang="en-US" dirty="0"/>
           </a:p>
@@ -3310,14 +3346,14 @@
       </p:sp>
       <p:sp>
         <p:nvSpPr>
-          <p:cNvPr id="12" name="TextBox 11"/>
+          <p:cNvPr id="15" name="TextBox 14"/>
           <p:cNvSpPr txBox="1"/>
           <p:nvPr/>
         </p:nvSpPr>
         <p:spPr>
           <a:xfrm>
-            <a:off x="2610226" y="5013176"/>
-            <a:ext cx="1656184" cy="369332"/>
+            <a:off x="0" y="0"/>
+            <a:ext cx="9139472" cy="369332"/>
           </a:xfrm>
           <a:prstGeom prst="rect">
             <a:avLst/>
@@ -3332,37 +3368,15 @@
           <a:p>
             <a:r>
               <a:rPr lang="en-US" altLang="zh-CN" dirty="0" smtClean="0"/>
-              <a:t>Scaffold length</a:t>
-            </a:r>
-            <a:endParaRPr lang="zh-CN" altLang="en-US" dirty="0"/>
-          </a:p>
-        </p:txBody>
-      </p:sp>
-      <p:sp>
-        <p:nvSpPr>
-          <p:cNvPr id="13" name="TextBox 12"/>
-          <p:cNvSpPr txBox="1"/>
-          <p:nvPr/>
-        </p:nvSpPr>
-        <p:spPr>
-          <a:xfrm>
-            <a:off x="4932040" y="4401108"/>
-            <a:ext cx="3384376" cy="1477328"/>
-          </a:xfrm>
-          <a:prstGeom prst="rect">
-            <a:avLst/>
-          </a:prstGeom>
-          <a:noFill/>
-        </p:spPr>
-        <p:txBody>
-          <a:bodyPr wrap="square" rtlCol="0">
-            <a:spAutoFit/>
-          </a:bodyPr>
-          <a:lstStyle/>
-          <a:p>
-            <a:r>
-              <a:rPr lang="en-US" altLang="zh-CN" dirty="0" smtClean="0"/>
-              <a:t>In this case , calculation was divided into 8 threads. And all the results from those 8 threads will be merged automatically in the end.</a:t>
+              <a:t>Detect </a:t>
+            </a:r>
+            <a:r>
+              <a:rPr lang="en-US" altLang="zh-CN" dirty="0"/>
+              <a:t>selection </a:t>
+            </a:r>
+            <a:r>
+              <a:rPr lang="en-US" altLang="zh-CN" dirty="0" err="1"/>
+              <a:t>signal:Detectsignalacrossgenome_master.py</a:t>
             </a:r>
             <a:endParaRPr lang="zh-CN" altLang="en-US" dirty="0"/>
           </a:p>
@@ -3371,7 +3385,7 @@
     </p:spTree>
     <p:extLst>
       <p:ext uri="{BB962C8B-B14F-4D97-AF65-F5344CB8AC3E}">
-        <p14:creationId xmlns:p14="http://schemas.microsoft.com/office/powerpoint/2010/main" val="2241269385"/>
+        <p14:creationId xmlns:p14="http://schemas.microsoft.com/office/powerpoint/2010/main" val="531900783"/>
       </p:ext>
     </p:extLst>
   </p:cSld>
@@ -3408,12 +3422,7 @@
             <p:ph type="title"/>
           </p:nvPr>
         </p:nvSpPr>
-        <p:spPr>
-          <a:xfrm>
-            <a:off x="457200" y="116632"/>
-            <a:ext cx="8229600" cy="936104"/>
-          </a:xfrm>
-        </p:spPr>
+        <p:spPr/>
         <p:txBody>
           <a:bodyPr>
             <a:normAutofit/>
@@ -3422,7 +3431,7 @@
           <a:p>
             <a:r>
               <a:rPr lang="en-US" altLang="zh-CN" sz="3200" dirty="0"/>
-              <a:t>-t mspsgjlksy10pop_toplevel_pekingduckref</a:t>
+              <a:t>-c pekingduckchrominfo.autosomescaffolds_1</a:t>
             </a:r>
             <a:endParaRPr lang="zh-CN" altLang="en-US" sz="3200" dirty="0"/>
           </a:p>
@@ -3430,7 +3439,7 @@
       </p:sp>
       <p:pic>
         <p:nvPicPr>
-          <p:cNvPr id="4" name="内容占位符 3"/>
+          <p:cNvPr id="5" name="内容占位符 4"/>
           <p:cNvPicPr>
             <a:picLocks noGrp="1" noChangeAspect="1"/>
           </p:cNvPicPr>
@@ -3452,330 +3461,21 @@
         </p:blipFill>
         <p:spPr>
           <a:xfrm>
-            <a:off x="251520" y="908720"/>
-            <a:ext cx="8572110" cy="2218049"/>
+            <a:off x="959761" y="1484784"/>
+            <a:ext cx="7219950" cy="2466975"/>
           </a:xfrm>
         </p:spPr>
       </p:pic>
       <p:sp>
         <p:nvSpPr>
-          <p:cNvPr id="6" name="矩形 5"/>
-          <p:cNvSpPr/>
-          <p:nvPr/>
-        </p:nvSpPr>
-        <p:spPr>
-          <a:xfrm>
-            <a:off x="-36512" y="3212976"/>
-            <a:ext cx="5701186" cy="3754874"/>
-          </a:xfrm>
-          <a:prstGeom prst="rect">
-            <a:avLst/>
-          </a:prstGeom>
-        </p:spPr>
-        <p:txBody>
-          <a:bodyPr wrap="square">
-            <a:spAutoFit/>
-          </a:bodyPr>
-          <a:lstStyle/>
-          <a:p>
-            <a:r>
-              <a:rPr lang="en-US" altLang="zh-CN" sz="1400" dirty="0" smtClean="0"/>
-              <a:t>CREATE </a:t>
-            </a:r>
-            <a:r>
-              <a:rPr lang="en-US" altLang="zh-CN" sz="1400" dirty="0"/>
-              <a:t>TABLE `mspsgjlksy10pop_toplevel_pekingduckref` (                </a:t>
-            </a:r>
-          </a:p>
-          <a:p>
-            <a:r>
-              <a:rPr lang="en-US" altLang="zh-CN" sz="1400" dirty="0" smtClean="0"/>
-              <a:t>`</a:t>
-            </a:r>
-            <a:r>
-              <a:rPr lang="en-US" altLang="zh-CN" sz="1400" dirty="0" err="1"/>
-              <a:t>chrID</a:t>
-            </a:r>
-            <a:r>
-              <a:rPr lang="en-US" altLang="zh-CN" sz="1400" dirty="0"/>
-              <a:t>` char(128) NOT NULL DEFAULT '',                               </a:t>
-            </a:r>
-          </a:p>
-          <a:p>
-            <a:r>
-              <a:rPr lang="en-US" altLang="zh-CN" sz="1400" dirty="0" smtClean="0"/>
-              <a:t>`</a:t>
-            </a:r>
-            <a:r>
-              <a:rPr lang="en-US" altLang="zh-CN" sz="1400" dirty="0" err="1"/>
-              <a:t>snp_pos</a:t>
-            </a:r>
-            <a:r>
-              <a:rPr lang="en-US" altLang="zh-CN" sz="1400" dirty="0"/>
-              <a:t>` </a:t>
-            </a:r>
-            <a:r>
-              <a:rPr lang="en-US" altLang="zh-CN" sz="1400" dirty="0" err="1"/>
-              <a:t>bigint</a:t>
-            </a:r>
-            <a:r>
-              <a:rPr lang="en-US" altLang="zh-CN" sz="1400" dirty="0"/>
-              <a:t>(20) NOT NULL DEFAULT '0',                           </a:t>
-            </a:r>
-          </a:p>
-          <a:p>
-            <a:r>
-              <a:rPr lang="en-US" altLang="zh-CN" sz="1400" dirty="0" smtClean="0"/>
-              <a:t>`</a:t>
-            </a:r>
-            <a:r>
-              <a:rPr lang="en-US" altLang="zh-CN" sz="1400" dirty="0" err="1"/>
-              <a:t>snpID</a:t>
-            </a:r>
-            <a:r>
-              <a:rPr lang="en-US" altLang="zh-CN" sz="1400" dirty="0"/>
-              <a:t>` char(128) NOT NULL,                                          </a:t>
-            </a:r>
-          </a:p>
-          <a:p>
-            <a:r>
-              <a:rPr lang="en-US" altLang="zh-CN" sz="1400" dirty="0" smtClean="0"/>
-              <a:t>`</a:t>
-            </a:r>
-            <a:r>
-              <a:rPr lang="en-US" altLang="zh-CN" sz="1400" dirty="0" err="1"/>
-              <a:t>ref_base</a:t>
-            </a:r>
-            <a:r>
-              <a:rPr lang="en-US" altLang="zh-CN" sz="1400" dirty="0"/>
-              <a:t>` </a:t>
-            </a:r>
-            <a:r>
-              <a:rPr lang="en-US" altLang="zh-CN" sz="1400" dirty="0" err="1"/>
-              <a:t>varchar</a:t>
-            </a:r>
-            <a:r>
-              <a:rPr lang="en-US" altLang="zh-CN" sz="1400" dirty="0"/>
-              <a:t>(1000) DEFAULT NULL,                               </a:t>
-            </a:r>
-          </a:p>
-          <a:p>
-            <a:r>
-              <a:rPr lang="en-US" altLang="zh-CN" sz="1400" dirty="0" smtClean="0"/>
-              <a:t>`</a:t>
-            </a:r>
-            <a:r>
-              <a:rPr lang="en-US" altLang="zh-CN" sz="1400" dirty="0" err="1"/>
-              <a:t>alt_base</a:t>
-            </a:r>
-            <a:r>
-              <a:rPr lang="en-US" altLang="zh-CN" sz="1400" dirty="0"/>
-              <a:t>` </a:t>
-            </a:r>
-            <a:r>
-              <a:rPr lang="en-US" altLang="zh-CN" sz="1400" dirty="0" err="1"/>
-              <a:t>varchar</a:t>
-            </a:r>
-            <a:r>
-              <a:rPr lang="en-US" altLang="zh-CN" sz="1400" dirty="0"/>
-              <a:t>(1000) DEFAULT NULL,                               </a:t>
-            </a:r>
-          </a:p>
-          <a:p>
-            <a:r>
-              <a:rPr lang="en-US" altLang="zh-CN" sz="1400" dirty="0" smtClean="0"/>
-              <a:t>`</a:t>
-            </a:r>
-            <a:r>
-              <a:rPr lang="en-US" altLang="zh-CN" sz="1400" dirty="0"/>
-              <a:t>context` </a:t>
-            </a:r>
-            <a:r>
-              <a:rPr lang="en-US" altLang="zh-CN" sz="1400" dirty="0" err="1"/>
-              <a:t>varchar</a:t>
-            </a:r>
-            <a:r>
-              <a:rPr lang="en-US" altLang="zh-CN" sz="1400" dirty="0"/>
-              <a:t>(3) DEFAULT NULL,                                   </a:t>
-            </a:r>
-          </a:p>
-          <a:p>
-            <a:r>
-              <a:rPr lang="en-US" altLang="zh-CN" sz="1400" dirty="0" smtClean="0"/>
-              <a:t>`</a:t>
-            </a:r>
-            <a:r>
-              <a:rPr lang="en-US" altLang="zh-CN" sz="1400" dirty="0" err="1"/>
-              <a:t>wegeon</a:t>
-            </a:r>
-            <a:r>
-              <a:rPr lang="en-US" altLang="zh-CN" sz="1400" dirty="0"/>
-              <a:t>__</a:t>
-            </a:r>
-            <a:r>
-              <a:rPr lang="en-US" altLang="zh-CN" sz="1400" dirty="0" err="1"/>
-              <a:t>pool_withindel_vcf_alt</a:t>
-            </a:r>
-            <a:r>
-              <a:rPr lang="en-US" altLang="zh-CN" sz="1400" dirty="0"/>
-              <a:t>` char(128) DEFAULT NULL,             </a:t>
-            </a:r>
-          </a:p>
-          <a:p>
-            <a:r>
-              <a:rPr lang="en-US" altLang="zh-CN" sz="1400" dirty="0" smtClean="0"/>
-              <a:t>`</a:t>
-            </a:r>
-            <a:r>
-              <a:rPr lang="en-US" altLang="zh-CN" sz="1400" dirty="0" err="1"/>
-              <a:t>wegeon</a:t>
-            </a:r>
-            <a:r>
-              <a:rPr lang="en-US" altLang="zh-CN" sz="1400" dirty="0"/>
-              <a:t>__</a:t>
-            </a:r>
-            <a:r>
-              <a:rPr lang="en-US" altLang="zh-CN" sz="1400" dirty="0" err="1"/>
-              <a:t>pool_withindel_vcf_dep</a:t>
-            </a:r>
-            <a:r>
-              <a:rPr lang="en-US" altLang="zh-CN" sz="1400" dirty="0"/>
-              <a:t>` char(128) DEFAULT NULL,             </a:t>
-            </a:r>
-          </a:p>
-          <a:p>
-            <a:r>
-              <a:rPr lang="en-US" altLang="zh-CN" sz="1400" dirty="0" smtClean="0"/>
-              <a:t>`</a:t>
-            </a:r>
-            <a:r>
-              <a:rPr lang="en-US" altLang="zh-CN" sz="1400" dirty="0"/>
-              <a:t>fanya1_pool_withindel_vcf_alt` char(128) DEFAULT NULL,              </a:t>
-            </a:r>
-          </a:p>
-          <a:p>
-            <a:r>
-              <a:rPr lang="en-US" altLang="zh-CN" sz="1400" dirty="0" smtClean="0"/>
-              <a:t>`</a:t>
-            </a:r>
-            <a:r>
-              <a:rPr lang="en-US" altLang="zh-CN" sz="1400" dirty="0"/>
-              <a:t>fanya1_pool_withindel_vcf_dep` char(128) DEFAULT NULL,              </a:t>
-            </a:r>
-          </a:p>
-          <a:p>
-            <a:r>
-              <a:rPr lang="en-US" altLang="zh-CN" sz="1400" dirty="0" smtClean="0"/>
-              <a:t>`</a:t>
-            </a:r>
-            <a:r>
-              <a:rPr lang="en-US" altLang="zh-CN" sz="1400" dirty="0" err="1"/>
-              <a:t>barheadedgoose_pool_withindel_vcf_alt</a:t>
-            </a:r>
-            <a:r>
-              <a:rPr lang="en-US" altLang="zh-CN" sz="1400" dirty="0"/>
-              <a:t>` char(128) DEFAULT NULL,      </a:t>
-            </a:r>
-          </a:p>
-          <a:p>
-            <a:r>
-              <a:rPr lang="en-US" altLang="zh-CN" sz="1400" dirty="0" smtClean="0"/>
-              <a:t>`</a:t>
-            </a:r>
-            <a:r>
-              <a:rPr lang="en-US" altLang="zh-CN" sz="1400" dirty="0" err="1"/>
-              <a:t>barheadedgoose_pool_withindel_vcf_dep</a:t>
-            </a:r>
-            <a:r>
-              <a:rPr lang="en-US" altLang="zh-CN" sz="1400" dirty="0"/>
-              <a:t>` char(128) DEFAULT NULL,      </a:t>
-            </a:r>
-          </a:p>
-          <a:p>
-            <a:r>
-              <a:rPr lang="en-US" altLang="zh-CN" sz="1400" dirty="0" smtClean="0"/>
-              <a:t>`</a:t>
-            </a:r>
-            <a:r>
-              <a:rPr lang="en-US" altLang="zh-CN" sz="1400" dirty="0" err="1"/>
-              <a:t>taihudomesticgoose_pool_withindel_vcf_alt</a:t>
-            </a:r>
-            <a:r>
-              <a:rPr lang="en-US" altLang="zh-CN" sz="1400" dirty="0"/>
-              <a:t>` char(128) DEFAULT NULL,  </a:t>
-            </a:r>
-          </a:p>
-          <a:p>
-            <a:r>
-              <a:rPr lang="en-US" altLang="zh-CN" sz="1400" dirty="0" smtClean="0"/>
-              <a:t>`</a:t>
-            </a:r>
-            <a:r>
-              <a:rPr lang="en-US" altLang="zh-CN" sz="1400" dirty="0" err="1"/>
-              <a:t>taihudomesticgoose_pool_withindel_vcf_dep</a:t>
-            </a:r>
-            <a:r>
-              <a:rPr lang="en-US" altLang="zh-CN" sz="1400" dirty="0"/>
-              <a:t>` char(128) DEFAULT NULL,  </a:t>
-            </a:r>
-          </a:p>
-          <a:p>
-            <a:r>
-              <a:rPr lang="en-US" altLang="zh-CN" sz="1400" dirty="0" smtClean="0"/>
-              <a:t>PRIMARY </a:t>
-            </a:r>
-            <a:r>
-              <a:rPr lang="en-US" altLang="zh-CN" sz="1400" dirty="0"/>
-              <a:t>KEY (`</a:t>
-            </a:r>
-            <a:r>
-              <a:rPr lang="en-US" altLang="zh-CN" sz="1400" dirty="0" err="1"/>
-              <a:t>chrID</a:t>
-            </a:r>
-            <a:r>
-              <a:rPr lang="en-US" altLang="zh-CN" sz="1400" dirty="0"/>
-              <a:t>`,`</a:t>
-            </a:r>
-            <a:r>
-              <a:rPr lang="en-US" altLang="zh-CN" sz="1400" dirty="0" err="1"/>
-              <a:t>snp_pos</a:t>
-            </a:r>
-            <a:r>
-              <a:rPr lang="en-US" altLang="zh-CN" sz="1400" dirty="0"/>
-              <a:t>`)                                      </a:t>
-            </a:r>
-          </a:p>
-          <a:p>
-            <a:r>
-              <a:rPr lang="en-US" altLang="zh-CN" sz="1400" dirty="0" smtClean="0"/>
-              <a:t>) </a:t>
-            </a:r>
-            <a:r>
-              <a:rPr lang="en-US" altLang="zh-CN" sz="1400" dirty="0"/>
-              <a:t>ENGINE=</a:t>
-            </a:r>
-            <a:r>
-              <a:rPr lang="en-US" altLang="zh-CN" sz="1400" dirty="0" err="1"/>
-              <a:t>InnoDB</a:t>
-            </a:r>
-            <a:r>
-              <a:rPr lang="en-US" altLang="zh-CN" sz="1400" dirty="0"/>
-              <a:t> DEFAULT CHARSET=utf8</a:t>
-            </a:r>
-            <a:endParaRPr lang="zh-CN" altLang="en-US" sz="1400" dirty="0"/>
-          </a:p>
-        </p:txBody>
-      </p:sp>
-      <p:sp>
-        <p:nvSpPr>
-          <p:cNvPr id="7" name="TextBox 6"/>
+          <p:cNvPr id="4" name="TextBox 3"/>
           <p:cNvSpPr txBox="1"/>
           <p:nvPr/>
         </p:nvSpPr>
         <p:spPr>
           <a:xfrm>
-            <a:off x="4932040" y="3068960"/>
-            <a:ext cx="4536504" cy="2893100"/>
+            <a:off x="0" y="0"/>
+            <a:ext cx="9139472" cy="369332"/>
           </a:xfrm>
           <a:prstGeom prst="rect">
             <a:avLst/>
@@ -3789,184 +3489,31 @@
           <a:lstStyle/>
           <a:p>
             <a:r>
-              <a:rPr lang="en-US" altLang="zh-CN" sz="1400" dirty="0" err="1" smtClean="0"/>
-              <a:t>Thit</a:t>
-            </a:r>
-            <a:r>
-              <a:rPr lang="en-US" altLang="zh-CN" sz="1400" dirty="0" smtClean="0"/>
-              <a:t> table can be initially create by such command:</a:t>
-            </a:r>
-          </a:p>
-          <a:p>
-            <a:r>
-              <a:rPr lang="en-US" altLang="zh-CN" sz="1400" dirty="0" smtClean="0"/>
-              <a:t>CREATE </a:t>
-            </a:r>
-            <a:r>
-              <a:rPr lang="en-US" altLang="zh-CN" sz="1400" dirty="0"/>
-              <a:t>TABLE `mspsgjlksy10pop_toplevel_pekingduckref` (                </a:t>
-            </a:r>
-          </a:p>
-          <a:p>
-            <a:r>
-              <a:rPr lang="en-US" altLang="zh-CN" sz="1400" dirty="0"/>
-              <a:t>`</a:t>
-            </a:r>
-            <a:r>
-              <a:rPr lang="en-US" altLang="zh-CN" sz="1400" dirty="0" err="1"/>
-              <a:t>chrID</a:t>
-            </a:r>
-            <a:r>
-              <a:rPr lang="en-US" altLang="zh-CN" sz="1400" dirty="0"/>
-              <a:t>` char(128) NOT NULL DEFAULT '',                               </a:t>
-            </a:r>
-          </a:p>
-          <a:p>
-            <a:r>
-              <a:rPr lang="en-US" altLang="zh-CN" sz="1400" dirty="0"/>
-              <a:t>`</a:t>
-            </a:r>
-            <a:r>
-              <a:rPr lang="en-US" altLang="zh-CN" sz="1400" dirty="0" err="1"/>
-              <a:t>snp_pos</a:t>
-            </a:r>
-            <a:r>
-              <a:rPr lang="en-US" altLang="zh-CN" sz="1400" dirty="0"/>
-              <a:t>` </a:t>
-            </a:r>
-            <a:r>
-              <a:rPr lang="en-US" altLang="zh-CN" sz="1400" dirty="0" err="1"/>
-              <a:t>bigint</a:t>
-            </a:r>
-            <a:r>
-              <a:rPr lang="en-US" altLang="zh-CN" sz="1400" dirty="0"/>
-              <a:t>(20) NOT NULL DEFAULT '0',                           </a:t>
-            </a:r>
-          </a:p>
-          <a:p>
-            <a:r>
-              <a:rPr lang="en-US" altLang="zh-CN" sz="1400" dirty="0"/>
-              <a:t>`</a:t>
-            </a:r>
-            <a:r>
-              <a:rPr lang="en-US" altLang="zh-CN" sz="1400" dirty="0" err="1"/>
-              <a:t>snpID</a:t>
-            </a:r>
-            <a:r>
-              <a:rPr lang="en-US" altLang="zh-CN" sz="1400" dirty="0"/>
-              <a:t>` char(128) NOT NULL,                                          </a:t>
-            </a:r>
-          </a:p>
-          <a:p>
-            <a:r>
-              <a:rPr lang="en-US" altLang="zh-CN" sz="1400" dirty="0"/>
-              <a:t>`</a:t>
-            </a:r>
-            <a:r>
-              <a:rPr lang="en-US" altLang="zh-CN" sz="1400" dirty="0" err="1"/>
-              <a:t>ref_base</a:t>
-            </a:r>
-            <a:r>
-              <a:rPr lang="en-US" altLang="zh-CN" sz="1400" dirty="0"/>
-              <a:t>` </a:t>
-            </a:r>
-            <a:r>
-              <a:rPr lang="en-US" altLang="zh-CN" sz="1400" dirty="0" err="1"/>
-              <a:t>varchar</a:t>
-            </a:r>
-            <a:r>
-              <a:rPr lang="en-US" altLang="zh-CN" sz="1400" dirty="0"/>
-              <a:t>(1000) DEFAULT NULL,                               </a:t>
-            </a:r>
-          </a:p>
-          <a:p>
-            <a:r>
-              <a:rPr lang="en-US" altLang="zh-CN" sz="1400" dirty="0"/>
-              <a:t>`</a:t>
-            </a:r>
-            <a:r>
-              <a:rPr lang="en-US" altLang="zh-CN" sz="1400" dirty="0" err="1"/>
-              <a:t>alt_base</a:t>
-            </a:r>
-            <a:r>
-              <a:rPr lang="en-US" altLang="zh-CN" sz="1400" dirty="0"/>
-              <a:t>` </a:t>
-            </a:r>
-            <a:r>
-              <a:rPr lang="en-US" altLang="zh-CN" sz="1400" dirty="0" err="1"/>
-              <a:t>varchar</a:t>
-            </a:r>
-            <a:r>
-              <a:rPr lang="en-US" altLang="zh-CN" sz="1400" dirty="0"/>
-              <a:t>(1000) DEFAULT NULL,                               </a:t>
-            </a:r>
-          </a:p>
-          <a:p>
-            <a:r>
-              <a:rPr lang="en-US" altLang="zh-CN" sz="1400" dirty="0"/>
-              <a:t>`context` </a:t>
-            </a:r>
-            <a:r>
-              <a:rPr lang="en-US" altLang="zh-CN" sz="1400" dirty="0" err="1"/>
-              <a:t>varchar</a:t>
-            </a:r>
-            <a:r>
-              <a:rPr lang="en-US" altLang="zh-CN" sz="1400" dirty="0"/>
-              <a:t>(3) DEFAULT NULL, PRIMARY KEY (`</a:t>
-            </a:r>
-            <a:r>
-              <a:rPr lang="en-US" altLang="zh-CN" sz="1400" dirty="0" err="1"/>
-              <a:t>chrID</a:t>
-            </a:r>
-            <a:r>
-              <a:rPr lang="en-US" altLang="zh-CN" sz="1400" dirty="0"/>
-              <a:t>`,`</a:t>
-            </a:r>
-            <a:r>
-              <a:rPr lang="en-US" altLang="zh-CN" sz="1400" dirty="0" err="1"/>
-              <a:t>snp_pos</a:t>
-            </a:r>
-            <a:r>
-              <a:rPr lang="en-US" altLang="zh-CN" sz="1400" dirty="0"/>
-              <a:t>`)                                      </a:t>
-            </a:r>
-          </a:p>
-          <a:p>
-            <a:r>
-              <a:rPr lang="en-US" altLang="zh-CN" sz="1400" dirty="0"/>
-              <a:t>) ENGINE=</a:t>
-            </a:r>
-            <a:r>
-              <a:rPr lang="en-US" altLang="zh-CN" sz="1400" dirty="0" err="1"/>
-              <a:t>InnoDB</a:t>
-            </a:r>
-            <a:r>
-              <a:rPr lang="en-US" altLang="zh-CN" sz="1400" dirty="0"/>
-              <a:t> DEFAULT CHARSET=utf8</a:t>
-            </a:r>
-            <a:endParaRPr lang="zh-CN" altLang="en-US" sz="1400" dirty="0"/>
-          </a:p>
-          <a:p>
-            <a:r>
-              <a:rPr lang="en-US" altLang="zh-CN" sz="1400" dirty="0" smtClean="0"/>
-              <a:t>The other information(sites and out group population information) could be filled automatically when this table is used.</a:t>
-            </a:r>
-            <a:endParaRPr lang="zh-CN" altLang="en-US" sz="1400" dirty="0"/>
+              <a:rPr lang="en-US" altLang="zh-CN" dirty="0" smtClean="0"/>
+              <a:t>Detect </a:t>
+            </a:r>
+            <a:r>
+              <a:rPr lang="en-US" altLang="zh-CN" dirty="0"/>
+              <a:t>selection </a:t>
+            </a:r>
+            <a:r>
+              <a:rPr lang="en-US" altLang="zh-CN" dirty="0" err="1"/>
+              <a:t>signal:Detectsignalacrossgenome_master.py</a:t>
+            </a:r>
+            <a:endParaRPr lang="zh-CN" altLang="en-US" dirty="0"/>
           </a:p>
         </p:txBody>
       </p:sp>
       <p:cxnSp>
         <p:nvCxnSpPr>
-          <p:cNvPr id="9" name="直接箭头连接符 8"/>
-          <p:cNvCxnSpPr>
-            <a:endCxn id="10" idx="0"/>
-          </p:cNvCxnSpPr>
+          <p:cNvPr id="7" name="直接箭头连接符 6"/>
+          <p:cNvCxnSpPr/>
           <p:nvPr/>
         </p:nvCxnSpPr>
         <p:spPr>
-          <a:xfrm>
-            <a:off x="7200292" y="2132856"/>
-            <a:ext cx="269776" cy="360040"/>
+          <a:xfrm flipH="1">
+            <a:off x="827584" y="3933056"/>
+            <a:ext cx="360040" cy="936104"/>
           </a:xfrm>
           <a:prstGeom prst="straightConnector1">
             <a:avLst/>
@@ -3990,16 +3537,49 @@
           </a:fontRef>
         </p:style>
       </p:cxnSp>
-      <p:sp>
-        <p:nvSpPr>
-          <p:cNvPr id="10" name="TextBox 9"/>
+      <p:cxnSp>
+        <p:nvCxnSpPr>
+          <p:cNvPr id="9" name="直接箭头连接符 8"/>
+          <p:cNvCxnSpPr/>
+          <p:nvPr/>
+        </p:nvCxnSpPr>
+        <p:spPr>
+          <a:xfrm>
+            <a:off x="2627784" y="3933056"/>
+            <a:ext cx="432048" cy="936104"/>
+          </a:xfrm>
+          <a:prstGeom prst="straightConnector1">
+            <a:avLst/>
+          </a:prstGeom>
+          <a:ln>
+            <a:tailEnd type="arrow"/>
+          </a:ln>
+        </p:spPr>
+        <p:style>
+          <a:lnRef idx="1">
+            <a:schemeClr val="accent1"/>
+          </a:lnRef>
+          <a:fillRef idx="0">
+            <a:schemeClr val="accent1"/>
+          </a:fillRef>
+          <a:effectRef idx="0">
+            <a:schemeClr val="accent1"/>
+          </a:effectRef>
+          <a:fontRef idx="minor">
+            <a:schemeClr val="tx1"/>
+          </a:fontRef>
+        </p:style>
+      </p:cxnSp>
+      <p:sp>
+        <p:nvSpPr>
+          <p:cNvPr id="11" name="TextBox 10"/>
           <p:cNvSpPr txBox="1"/>
           <p:nvPr/>
         </p:nvSpPr>
         <p:spPr>
           <a:xfrm>
-            <a:off x="5796136" y="2492896"/>
-            <a:ext cx="3347864" cy="369332"/>
+            <a:off x="323528" y="5013176"/>
+            <a:ext cx="1656184" cy="369332"/>
           </a:xfrm>
           <a:prstGeom prst="rect">
             <a:avLst/>
@@ -4014,7 +3594,7 @@
           <a:p>
             <a:r>
               <a:rPr lang="en-US" altLang="zh-CN" dirty="0" smtClean="0"/>
-              <a:t>Ref allele depth, alt allele depth</a:t>
+              <a:t>Scaffold ID</a:t>
             </a:r>
             <a:endParaRPr lang="zh-CN" altLang="en-US" dirty="0"/>
           </a:p>
@@ -4022,14 +3602,14 @@
       </p:sp>
       <p:sp>
         <p:nvSpPr>
-          <p:cNvPr id="14" name="TextBox 13"/>
+          <p:cNvPr id="12" name="TextBox 11"/>
           <p:cNvSpPr txBox="1"/>
           <p:nvPr/>
         </p:nvSpPr>
         <p:spPr>
           <a:xfrm>
-            <a:off x="0" y="0"/>
-            <a:ext cx="9139472" cy="369332"/>
+            <a:off x="2610226" y="5013176"/>
+            <a:ext cx="1656184" cy="369332"/>
           </a:xfrm>
           <a:prstGeom prst="rect">
             <a:avLst/>
@@ -4044,15 +3624,37 @@
           <a:p>
             <a:r>
               <a:rPr lang="en-US" altLang="zh-CN" dirty="0" smtClean="0"/>
-              <a:t>Detect </a:t>
-            </a:r>
-            <a:r>
-              <a:rPr lang="en-US" altLang="zh-CN" dirty="0"/>
-              <a:t>selection </a:t>
-            </a:r>
-            <a:r>
-              <a:rPr lang="en-US" altLang="zh-CN" dirty="0" err="1"/>
-              <a:t>signal:Detectsignalacrossgenome_master.py</a:t>
+              <a:t>Scaffold length</a:t>
+            </a:r>
+            <a:endParaRPr lang="zh-CN" altLang="en-US" dirty="0"/>
+          </a:p>
+        </p:txBody>
+      </p:sp>
+      <p:sp>
+        <p:nvSpPr>
+          <p:cNvPr id="13" name="TextBox 12"/>
+          <p:cNvSpPr txBox="1"/>
+          <p:nvPr/>
+        </p:nvSpPr>
+        <p:spPr>
+          <a:xfrm>
+            <a:off x="4932040" y="4401108"/>
+            <a:ext cx="3384376" cy="1477328"/>
+          </a:xfrm>
+          <a:prstGeom prst="rect">
+            <a:avLst/>
+          </a:prstGeom>
+          <a:noFill/>
+        </p:spPr>
+        <p:txBody>
+          <a:bodyPr wrap="square" rtlCol="0">
+            <a:spAutoFit/>
+          </a:bodyPr>
+          <a:lstStyle/>
+          <a:p>
+            <a:r>
+              <a:rPr lang="en-US" altLang="zh-CN" dirty="0" smtClean="0"/>
+              <a:t>In this case , calculation was divided into 8 threads. And all the results from those 8 threads will be merged automatically in the end.</a:t>
             </a:r>
             <a:endParaRPr lang="zh-CN" altLang="en-US" dirty="0"/>
           </a:p>
@@ -4061,7 +3663,7 @@
     </p:spTree>
     <p:extLst>
       <p:ext uri="{BB962C8B-B14F-4D97-AF65-F5344CB8AC3E}">
-        <p14:creationId xmlns:p14="http://schemas.microsoft.com/office/powerpoint/2010/main" val="229221375"/>
+        <p14:creationId xmlns:p14="http://schemas.microsoft.com/office/powerpoint/2010/main" val="2241269385"/>
       </p:ext>
     </p:extLst>
   </p:cSld>
@@ -4100,8 +3702,8 @@
         </p:nvSpPr>
         <p:spPr>
           <a:xfrm>
-            <a:off x="457200" y="274638"/>
-            <a:ext cx="8229600" cy="706090"/>
+            <a:off x="457200" y="116632"/>
+            <a:ext cx="8229600" cy="936104"/>
           </a:xfrm>
         </p:spPr>
         <p:txBody>
@@ -4111,300 +3713,552 @@
           <a:lstStyle/>
           <a:p>
             <a:r>
-              <a:rPr lang="en-US" altLang="zh-CN" sz="3200" dirty="0" err="1" smtClean="0"/>
-              <a:t>config.properties</a:t>
-            </a:r>
-            <a:r>
-              <a:rPr lang="en-US" altLang="zh-CN" sz="3200" dirty="0" smtClean="0"/>
-              <a:t> file</a:t>
+              <a:rPr lang="en-US" altLang="zh-CN" sz="3200" dirty="0"/>
+              <a:t>-t mspsgjlksy10pop_toplevel_pekingduckref</a:t>
             </a:r>
             <a:endParaRPr lang="zh-CN" altLang="en-US" sz="3200" dirty="0"/>
           </a:p>
         </p:txBody>
       </p:sp>
-      <p:sp>
-        <p:nvSpPr>
-          <p:cNvPr id="3" name="内容占位符 2"/>
-          <p:cNvSpPr>
-            <a:spLocks noGrp="1"/>
-          </p:cNvSpPr>
+      <p:pic>
+        <p:nvPicPr>
+          <p:cNvPr id="4" name="内容占位符 3"/>
+          <p:cNvPicPr>
+            <a:picLocks noGrp="1" noChangeAspect="1"/>
+          </p:cNvPicPr>
           <p:nvPr>
             <p:ph idx="1"/>
           </p:nvPr>
-        </p:nvSpPr>
-        <p:spPr/>
-        <p:txBody>
-          <a:bodyPr>
-            <a:normAutofit fontScale="62500" lnSpcReduction="20000"/>
+        </p:nvPicPr>
+        <p:blipFill>
+          <a:blip r:embed="rId2">
+            <a:extLst>
+              <a:ext uri="{28A0092B-C50C-407E-A947-70E740481C1C}">
+                <a14:useLocalDpi xmlns:a14="http://schemas.microsoft.com/office/drawing/2010/main" val="0"/>
+              </a:ext>
+            </a:extLst>
+          </a:blip>
+          <a:stretch>
+            <a:fillRect/>
+          </a:stretch>
+        </p:blipFill>
+        <p:spPr>
+          <a:xfrm>
+            <a:off x="251520" y="908720"/>
+            <a:ext cx="8572110" cy="2218049"/>
+          </a:xfrm>
+        </p:spPr>
+      </p:pic>
+      <p:sp>
+        <p:nvSpPr>
+          <p:cNvPr id="6" name="矩形 5"/>
+          <p:cNvSpPr/>
+          <p:nvPr/>
+        </p:nvSpPr>
+        <p:spPr>
+          <a:xfrm>
+            <a:off x="-36512" y="3212976"/>
+            <a:ext cx="5701186" cy="3754874"/>
+          </a:xfrm>
+          <a:prstGeom prst="rect">
+            <a:avLst/>
+          </a:prstGeom>
+        </p:spPr>
+        <p:txBody>
+          <a:bodyPr wrap="square">
+            <a:spAutoFit/>
           </a:bodyPr>
           <a:lstStyle/>
           <a:p>
-            <a:pPr marL="0" indent="0">
-              <a:buNone/>
-            </a:pPr>
-            <a:r>
-              <a:rPr lang="en-US" altLang="zh-CN" dirty="0"/>
-              <a:t>[</a:t>
-            </a:r>
-            <a:r>
-              <a:rPr lang="en-US" altLang="zh-CN" dirty="0" err="1"/>
-              <a:t>mysqldatabase</a:t>
-            </a:r>
-            <a:r>
-              <a:rPr lang="en-US" altLang="zh-CN" dirty="0"/>
-              <a:t>]</a:t>
-            </a:r>
-          </a:p>
-          <a:p>
-            <a:pPr marL="0" indent="0">
-              <a:buNone/>
-            </a:pPr>
-            <a:r>
-              <a:rPr lang="en-US" altLang="zh-CN" dirty="0" err="1"/>
-              <a:t>ip</a:t>
-            </a:r>
-            <a:r>
-              <a:rPr lang="en-US" altLang="zh-CN" dirty="0"/>
-              <a:t>=10.2.48.147</a:t>
-            </a:r>
-          </a:p>
-          <a:p>
-            <a:pPr marL="0" indent="0">
-              <a:buNone/>
-            </a:pPr>
-            <a:r>
-              <a:rPr lang="en-US" altLang="zh-CN" dirty="0"/>
-              <a:t>username=root</a:t>
-            </a:r>
-          </a:p>
-          <a:p>
-            <a:pPr marL="0" indent="0">
-              <a:buNone/>
-            </a:pPr>
-            <a:r>
-              <a:rPr lang="en-US" altLang="zh-CN" dirty="0"/>
-              <a:t>password=1234567</a:t>
-            </a:r>
-          </a:p>
-          <a:p>
-            <a:pPr marL="0" indent="0">
-              <a:buNone/>
-            </a:pPr>
-            <a:r>
-              <a:rPr lang="en-US" altLang="zh-CN" dirty="0" err="1"/>
-              <a:t>webdbname</a:t>
-            </a:r>
-            <a:r>
-              <a:rPr lang="en-US" altLang="zh-CN" dirty="0"/>
-              <a:t>=</a:t>
-            </a:r>
-            <a:r>
-              <a:rPr lang="en-US" altLang="zh-CN" dirty="0" err="1"/>
-              <a:t>ninglabweb</a:t>
-            </a:r>
-            <a:endParaRPr lang="en-US" altLang="zh-CN" dirty="0"/>
-          </a:p>
-          <a:p>
-            <a:pPr marL="0" indent="0">
-              <a:buNone/>
-            </a:pPr>
-            <a:r>
-              <a:rPr lang="en-US" altLang="zh-CN" dirty="0" err="1"/>
-              <a:t>vcfdbname</a:t>
-            </a:r>
-            <a:r>
-              <a:rPr lang="en-US" altLang="zh-CN" dirty="0"/>
-              <a:t>=</a:t>
-            </a:r>
-            <a:r>
-              <a:rPr lang="en-US" altLang="zh-CN" dirty="0" err="1"/>
-              <a:t>ninglabvariantdata</a:t>
-            </a:r>
-            <a:endParaRPr lang="en-US" altLang="zh-CN" dirty="0"/>
-          </a:p>
-          <a:p>
-            <a:pPr marL="0" indent="0">
-              <a:buNone/>
-            </a:pPr>
-            <a:r>
-              <a:rPr lang="en-US" altLang="zh-CN" dirty="0" err="1"/>
-              <a:t>ghostdbname</a:t>
-            </a:r>
-            <a:r>
-              <a:rPr lang="en-US" altLang="zh-CN" dirty="0"/>
-              <a:t>=</a:t>
-            </a:r>
-            <a:r>
-              <a:rPr lang="en-US" altLang="zh-CN" dirty="0" err="1"/>
-              <a:t>ninglabvariantdata_tmp</a:t>
-            </a:r>
-            <a:endParaRPr lang="en-US" altLang="zh-CN" dirty="0"/>
-          </a:p>
-          <a:p>
-            <a:pPr marL="0" indent="0">
-              <a:buNone/>
-            </a:pPr>
-            <a:r>
-              <a:rPr lang="en-US" altLang="zh-CN" dirty="0" err="1"/>
-              <a:t>genomeinfodbname</a:t>
-            </a:r>
-            <a:r>
-              <a:rPr lang="en-US" altLang="zh-CN" dirty="0"/>
-              <a:t>=</a:t>
-            </a:r>
-            <a:r>
-              <a:rPr lang="en-US" altLang="zh-CN" dirty="0" err="1"/>
-              <a:t>genomebasicinfo</a:t>
-            </a:r>
-            <a:endParaRPr lang="en-US" altLang="zh-CN" dirty="0"/>
-          </a:p>
-          <a:p>
-            <a:pPr marL="0" indent="0">
-              <a:buNone/>
-            </a:pPr>
-            <a:r>
-              <a:rPr lang="en-US" altLang="zh-CN" dirty="0" err="1"/>
-              <a:t>pekingduckchromtable</a:t>
-            </a:r>
-            <a:r>
-              <a:rPr lang="en-US" altLang="zh-CN" dirty="0"/>
-              <a:t>=</a:t>
-            </a:r>
-            <a:r>
-              <a:rPr lang="en-US" altLang="zh-CN" dirty="0" err="1"/>
-              <a:t>pekingduckchrominfo</a:t>
-            </a:r>
-            <a:endParaRPr lang="en-US" altLang="zh-CN" dirty="0"/>
-          </a:p>
-          <a:p>
-            <a:pPr marL="0" indent="0">
-              <a:buNone/>
-            </a:pPr>
-            <a:r>
-              <a:rPr lang="en-US" altLang="zh-CN" dirty="0" err="1"/>
-              <a:t>TranscriptGenetable</a:t>
-            </a:r>
-            <a:r>
-              <a:rPr lang="en-US" altLang="zh-CN" dirty="0"/>
-              <a:t>=</a:t>
-            </a:r>
-            <a:r>
-              <a:rPr lang="en-US" altLang="zh-CN" dirty="0" err="1"/>
-              <a:t>pekinduckmiRNA_Transcript</a:t>
-            </a:r>
-            <a:endParaRPr lang="en-US" altLang="zh-CN" dirty="0"/>
-          </a:p>
-          <a:p>
-            <a:pPr marL="0" indent="0">
-              <a:buNone/>
-            </a:pPr>
-            <a:r>
-              <a:rPr lang="en-US" altLang="zh-CN" dirty="0" err="1"/>
-              <a:t>outgroupVCFBAMconfig_beijingref</a:t>
-            </a:r>
-            <a:r>
-              <a:rPr lang="en-US" altLang="zh-CN" dirty="0"/>
-              <a:t>=/home/</a:t>
-            </a:r>
-            <a:r>
-              <a:rPr lang="en-US" altLang="zh-CN" dirty="0" err="1"/>
-              <a:t>liurui</a:t>
-            </a:r>
-            <a:r>
-              <a:rPr lang="en-US" altLang="zh-CN" dirty="0"/>
-              <a:t>/data/</a:t>
-            </a:r>
-            <a:r>
-              <a:rPr lang="en-US" altLang="zh-CN" dirty="0" err="1"/>
-              <a:t>config</a:t>
-            </a:r>
-            <a:r>
-              <a:rPr lang="en-US" altLang="zh-CN" dirty="0"/>
-              <a:t>/BJ/</a:t>
-            </a:r>
-            <a:r>
-              <a:rPr lang="en-US" altLang="zh-CN" dirty="0" err="1"/>
-              <a:t>fanyaBJ.VCFBAMconfig</a:t>
-            </a:r>
-            <a:r>
-              <a:rPr lang="en-US" altLang="zh-CN" dirty="0"/>
-              <a:t>;/home/</a:t>
-            </a:r>
-            <a:r>
-              <a:rPr lang="en-US" altLang="zh-CN" dirty="0" err="1"/>
-              <a:t>liurui</a:t>
-            </a:r>
-            <a:r>
-              <a:rPr lang="en-US" altLang="zh-CN" dirty="0"/>
-              <a:t>/data/</a:t>
-            </a:r>
-            <a:r>
-              <a:rPr lang="en-US" altLang="zh-CN" dirty="0" err="1"/>
-              <a:t>config</a:t>
-            </a:r>
-            <a:r>
-              <a:rPr lang="en-US" altLang="zh-CN" dirty="0"/>
-              <a:t>/BJ/</a:t>
-            </a:r>
-            <a:r>
-              <a:rPr lang="en-US" altLang="zh-CN" dirty="0" err="1"/>
-              <a:t>taihugooseBJ.VCFBAMconfig</a:t>
-            </a:r>
-            <a:endParaRPr lang="en-US" altLang="zh-CN" dirty="0"/>
-          </a:p>
-          <a:p>
-            <a:pPr marL="0" indent="0">
-              <a:buNone/>
-            </a:pPr>
-            <a:r>
-              <a:rPr lang="en-US" altLang="zh-CN" dirty="0" err="1"/>
-              <a:t>beijingreffa</a:t>
-            </a:r>
-            <a:r>
-              <a:rPr lang="en-US" altLang="zh-CN" dirty="0"/>
-              <a:t>=/home/</a:t>
-            </a:r>
-            <a:r>
-              <a:rPr lang="en-US" altLang="zh-CN" dirty="0" err="1"/>
-              <a:t>liurui</a:t>
-            </a:r>
-            <a:r>
-              <a:rPr lang="en-US" altLang="zh-CN" dirty="0"/>
-              <a:t>/databases/Anas_platyrhynchos.BGI_duck_1.0.dna_sm.toplevel.fa</a:t>
-            </a:r>
-          </a:p>
-          <a:p>
-            <a:pPr marL="0" indent="0">
-              <a:buNone/>
-            </a:pPr>
-            <a:r>
-              <a:rPr lang="en-US" altLang="zh-CN" dirty="0" err="1" smtClean="0"/>
-              <a:t>pathtoPython</a:t>
-            </a:r>
-            <a:r>
-              <a:rPr lang="en-US" altLang="zh-CN" dirty="0" smtClean="0"/>
-              <a:t>=Python3.3/python</a:t>
-            </a:r>
-            <a:endParaRPr lang="en-US" altLang="zh-CN" dirty="0"/>
-          </a:p>
-          <a:p>
-            <a:pPr marL="0" indent="0">
-              <a:buNone/>
-            </a:pPr>
-            <a:endParaRPr lang="zh-CN" altLang="en-US" dirty="0"/>
+            <a:r>
+              <a:rPr lang="en-US" altLang="zh-CN" sz="1400" dirty="0" smtClean="0"/>
+              <a:t>CREATE </a:t>
+            </a:r>
+            <a:r>
+              <a:rPr lang="en-US" altLang="zh-CN" sz="1400" dirty="0"/>
+              <a:t>TABLE `mspsgjlksy10pop_toplevel_pekingduckref` (                </a:t>
+            </a:r>
+          </a:p>
+          <a:p>
+            <a:r>
+              <a:rPr lang="en-US" altLang="zh-CN" sz="1400" dirty="0" smtClean="0"/>
+              <a:t>`</a:t>
+            </a:r>
+            <a:r>
+              <a:rPr lang="en-US" altLang="zh-CN" sz="1400" dirty="0" err="1"/>
+              <a:t>chrID</a:t>
+            </a:r>
+            <a:r>
+              <a:rPr lang="en-US" altLang="zh-CN" sz="1400" dirty="0"/>
+              <a:t>` char(128) NOT NULL DEFAULT '',                               </a:t>
+            </a:r>
+          </a:p>
+          <a:p>
+            <a:r>
+              <a:rPr lang="en-US" altLang="zh-CN" sz="1400" dirty="0" smtClean="0"/>
+              <a:t>`</a:t>
+            </a:r>
+            <a:r>
+              <a:rPr lang="en-US" altLang="zh-CN" sz="1400" dirty="0" err="1"/>
+              <a:t>snp_pos</a:t>
+            </a:r>
+            <a:r>
+              <a:rPr lang="en-US" altLang="zh-CN" sz="1400" dirty="0"/>
+              <a:t>` </a:t>
+            </a:r>
+            <a:r>
+              <a:rPr lang="en-US" altLang="zh-CN" sz="1400" dirty="0" err="1"/>
+              <a:t>bigint</a:t>
+            </a:r>
+            <a:r>
+              <a:rPr lang="en-US" altLang="zh-CN" sz="1400" dirty="0"/>
+              <a:t>(20) NOT NULL DEFAULT '0',                           </a:t>
+            </a:r>
+          </a:p>
+          <a:p>
+            <a:r>
+              <a:rPr lang="en-US" altLang="zh-CN" sz="1400" dirty="0" smtClean="0"/>
+              <a:t>`</a:t>
+            </a:r>
+            <a:r>
+              <a:rPr lang="en-US" altLang="zh-CN" sz="1400" dirty="0" err="1"/>
+              <a:t>snpID</a:t>
+            </a:r>
+            <a:r>
+              <a:rPr lang="en-US" altLang="zh-CN" sz="1400" dirty="0"/>
+              <a:t>` char(128) NOT NULL,                                          </a:t>
+            </a:r>
+          </a:p>
+          <a:p>
+            <a:r>
+              <a:rPr lang="en-US" altLang="zh-CN" sz="1400" dirty="0" smtClean="0"/>
+              <a:t>`</a:t>
+            </a:r>
+            <a:r>
+              <a:rPr lang="en-US" altLang="zh-CN" sz="1400" dirty="0" err="1"/>
+              <a:t>ref_base</a:t>
+            </a:r>
+            <a:r>
+              <a:rPr lang="en-US" altLang="zh-CN" sz="1400" dirty="0"/>
+              <a:t>` </a:t>
+            </a:r>
+            <a:r>
+              <a:rPr lang="en-US" altLang="zh-CN" sz="1400" dirty="0" err="1"/>
+              <a:t>varchar</a:t>
+            </a:r>
+            <a:r>
+              <a:rPr lang="en-US" altLang="zh-CN" sz="1400" dirty="0"/>
+              <a:t>(1000) DEFAULT NULL,                               </a:t>
+            </a:r>
+          </a:p>
+          <a:p>
+            <a:r>
+              <a:rPr lang="en-US" altLang="zh-CN" sz="1400" dirty="0" smtClean="0"/>
+              <a:t>`</a:t>
+            </a:r>
+            <a:r>
+              <a:rPr lang="en-US" altLang="zh-CN" sz="1400" dirty="0" err="1"/>
+              <a:t>alt_base</a:t>
+            </a:r>
+            <a:r>
+              <a:rPr lang="en-US" altLang="zh-CN" sz="1400" dirty="0"/>
+              <a:t>` </a:t>
+            </a:r>
+            <a:r>
+              <a:rPr lang="en-US" altLang="zh-CN" sz="1400" dirty="0" err="1"/>
+              <a:t>varchar</a:t>
+            </a:r>
+            <a:r>
+              <a:rPr lang="en-US" altLang="zh-CN" sz="1400" dirty="0"/>
+              <a:t>(1000) DEFAULT NULL,                               </a:t>
+            </a:r>
+          </a:p>
+          <a:p>
+            <a:r>
+              <a:rPr lang="en-US" altLang="zh-CN" sz="1400" dirty="0" smtClean="0"/>
+              <a:t>`</a:t>
+            </a:r>
+            <a:r>
+              <a:rPr lang="en-US" altLang="zh-CN" sz="1400" dirty="0"/>
+              <a:t>context` </a:t>
+            </a:r>
+            <a:r>
+              <a:rPr lang="en-US" altLang="zh-CN" sz="1400" dirty="0" err="1"/>
+              <a:t>varchar</a:t>
+            </a:r>
+            <a:r>
+              <a:rPr lang="en-US" altLang="zh-CN" sz="1400" dirty="0"/>
+              <a:t>(3) DEFAULT NULL,                                   </a:t>
+            </a:r>
+          </a:p>
+          <a:p>
+            <a:r>
+              <a:rPr lang="en-US" altLang="zh-CN" sz="1400" dirty="0" smtClean="0"/>
+              <a:t>`</a:t>
+            </a:r>
+            <a:r>
+              <a:rPr lang="en-US" altLang="zh-CN" sz="1400" dirty="0" err="1"/>
+              <a:t>wegeon</a:t>
+            </a:r>
+            <a:r>
+              <a:rPr lang="en-US" altLang="zh-CN" sz="1400" dirty="0"/>
+              <a:t>__</a:t>
+            </a:r>
+            <a:r>
+              <a:rPr lang="en-US" altLang="zh-CN" sz="1400" dirty="0" err="1"/>
+              <a:t>pool_withindel_vcf_alt</a:t>
+            </a:r>
+            <a:r>
+              <a:rPr lang="en-US" altLang="zh-CN" sz="1400" dirty="0"/>
+              <a:t>` char(128) DEFAULT NULL,             </a:t>
+            </a:r>
+          </a:p>
+          <a:p>
+            <a:r>
+              <a:rPr lang="en-US" altLang="zh-CN" sz="1400" dirty="0" smtClean="0"/>
+              <a:t>`</a:t>
+            </a:r>
+            <a:r>
+              <a:rPr lang="en-US" altLang="zh-CN" sz="1400" dirty="0" err="1"/>
+              <a:t>wegeon</a:t>
+            </a:r>
+            <a:r>
+              <a:rPr lang="en-US" altLang="zh-CN" sz="1400" dirty="0"/>
+              <a:t>__</a:t>
+            </a:r>
+            <a:r>
+              <a:rPr lang="en-US" altLang="zh-CN" sz="1400" dirty="0" err="1"/>
+              <a:t>pool_withindel_vcf_dep</a:t>
+            </a:r>
+            <a:r>
+              <a:rPr lang="en-US" altLang="zh-CN" sz="1400" dirty="0"/>
+              <a:t>` char(128) DEFAULT NULL,             </a:t>
+            </a:r>
+          </a:p>
+          <a:p>
+            <a:r>
+              <a:rPr lang="en-US" altLang="zh-CN" sz="1400" dirty="0" smtClean="0"/>
+              <a:t>`</a:t>
+            </a:r>
+            <a:r>
+              <a:rPr lang="en-US" altLang="zh-CN" sz="1400" dirty="0"/>
+              <a:t>fanya1_pool_withindel_vcf_alt` char(128) DEFAULT NULL,              </a:t>
+            </a:r>
+          </a:p>
+          <a:p>
+            <a:r>
+              <a:rPr lang="en-US" altLang="zh-CN" sz="1400" dirty="0" smtClean="0"/>
+              <a:t>`</a:t>
+            </a:r>
+            <a:r>
+              <a:rPr lang="en-US" altLang="zh-CN" sz="1400" dirty="0"/>
+              <a:t>fanya1_pool_withindel_vcf_dep` char(128) DEFAULT NULL,              </a:t>
+            </a:r>
+          </a:p>
+          <a:p>
+            <a:r>
+              <a:rPr lang="en-US" altLang="zh-CN" sz="1400" dirty="0" smtClean="0"/>
+              <a:t>`</a:t>
+            </a:r>
+            <a:r>
+              <a:rPr lang="en-US" altLang="zh-CN" sz="1400" dirty="0" err="1"/>
+              <a:t>barheadedgoose_pool_withindel_vcf_alt</a:t>
+            </a:r>
+            <a:r>
+              <a:rPr lang="en-US" altLang="zh-CN" sz="1400" dirty="0"/>
+              <a:t>` char(128) DEFAULT NULL,      </a:t>
+            </a:r>
+          </a:p>
+          <a:p>
+            <a:r>
+              <a:rPr lang="en-US" altLang="zh-CN" sz="1400" dirty="0" smtClean="0"/>
+              <a:t>`</a:t>
+            </a:r>
+            <a:r>
+              <a:rPr lang="en-US" altLang="zh-CN" sz="1400" dirty="0" err="1"/>
+              <a:t>barheadedgoose_pool_withindel_vcf_dep</a:t>
+            </a:r>
+            <a:r>
+              <a:rPr lang="en-US" altLang="zh-CN" sz="1400" dirty="0"/>
+              <a:t>` char(128) DEFAULT NULL,      </a:t>
+            </a:r>
+          </a:p>
+          <a:p>
+            <a:r>
+              <a:rPr lang="en-US" altLang="zh-CN" sz="1400" dirty="0" smtClean="0"/>
+              <a:t>`</a:t>
+            </a:r>
+            <a:r>
+              <a:rPr lang="en-US" altLang="zh-CN" sz="1400" dirty="0" err="1"/>
+              <a:t>taihudomesticgoose_pool_withindel_vcf_alt</a:t>
+            </a:r>
+            <a:r>
+              <a:rPr lang="en-US" altLang="zh-CN" sz="1400" dirty="0"/>
+              <a:t>` char(128) DEFAULT NULL,  </a:t>
+            </a:r>
+          </a:p>
+          <a:p>
+            <a:r>
+              <a:rPr lang="en-US" altLang="zh-CN" sz="1400" dirty="0" smtClean="0"/>
+              <a:t>`</a:t>
+            </a:r>
+            <a:r>
+              <a:rPr lang="en-US" altLang="zh-CN" sz="1400" dirty="0" err="1"/>
+              <a:t>taihudomesticgoose_pool_withindel_vcf_dep</a:t>
+            </a:r>
+            <a:r>
+              <a:rPr lang="en-US" altLang="zh-CN" sz="1400" dirty="0"/>
+              <a:t>` char(128) DEFAULT NULL,  </a:t>
+            </a:r>
+          </a:p>
+          <a:p>
+            <a:r>
+              <a:rPr lang="en-US" altLang="zh-CN" sz="1400" dirty="0" smtClean="0"/>
+              <a:t>PRIMARY </a:t>
+            </a:r>
+            <a:r>
+              <a:rPr lang="en-US" altLang="zh-CN" sz="1400" dirty="0"/>
+              <a:t>KEY (`</a:t>
+            </a:r>
+            <a:r>
+              <a:rPr lang="en-US" altLang="zh-CN" sz="1400" dirty="0" err="1"/>
+              <a:t>chrID</a:t>
+            </a:r>
+            <a:r>
+              <a:rPr lang="en-US" altLang="zh-CN" sz="1400" dirty="0"/>
+              <a:t>`,`</a:t>
+            </a:r>
+            <a:r>
+              <a:rPr lang="en-US" altLang="zh-CN" sz="1400" dirty="0" err="1"/>
+              <a:t>snp_pos</a:t>
+            </a:r>
+            <a:r>
+              <a:rPr lang="en-US" altLang="zh-CN" sz="1400" dirty="0"/>
+              <a:t>`)                                      </a:t>
+            </a:r>
+          </a:p>
+          <a:p>
+            <a:r>
+              <a:rPr lang="en-US" altLang="zh-CN" sz="1400" dirty="0" smtClean="0"/>
+              <a:t>) </a:t>
+            </a:r>
+            <a:r>
+              <a:rPr lang="en-US" altLang="zh-CN" sz="1400" dirty="0"/>
+              <a:t>ENGINE=</a:t>
+            </a:r>
+            <a:r>
+              <a:rPr lang="en-US" altLang="zh-CN" sz="1400" dirty="0" err="1"/>
+              <a:t>InnoDB</a:t>
+            </a:r>
+            <a:r>
+              <a:rPr lang="en-US" altLang="zh-CN" sz="1400" dirty="0"/>
+              <a:t> DEFAULT CHARSET=utf8</a:t>
+            </a:r>
+            <a:endParaRPr lang="zh-CN" altLang="en-US" sz="1400" dirty="0"/>
+          </a:p>
+        </p:txBody>
+      </p:sp>
+      <p:sp>
+        <p:nvSpPr>
+          <p:cNvPr id="7" name="TextBox 6"/>
+          <p:cNvSpPr txBox="1"/>
+          <p:nvPr/>
+        </p:nvSpPr>
+        <p:spPr>
+          <a:xfrm>
+            <a:off x="4932040" y="3068960"/>
+            <a:ext cx="4536504" cy="2893100"/>
+          </a:xfrm>
+          <a:prstGeom prst="rect">
+            <a:avLst/>
+          </a:prstGeom>
+          <a:noFill/>
+        </p:spPr>
+        <p:txBody>
+          <a:bodyPr wrap="square" rtlCol="0">
+            <a:spAutoFit/>
+          </a:bodyPr>
+          <a:lstStyle/>
+          <a:p>
+            <a:r>
+              <a:rPr lang="en-US" altLang="zh-CN" sz="1400" dirty="0" err="1" smtClean="0"/>
+              <a:t>Thit</a:t>
+            </a:r>
+            <a:r>
+              <a:rPr lang="en-US" altLang="zh-CN" sz="1400" dirty="0" smtClean="0"/>
+              <a:t> table can be initially create by such command:</a:t>
+            </a:r>
+          </a:p>
+          <a:p>
+            <a:r>
+              <a:rPr lang="en-US" altLang="zh-CN" sz="1400" dirty="0" smtClean="0"/>
+              <a:t>CREATE </a:t>
+            </a:r>
+            <a:r>
+              <a:rPr lang="en-US" altLang="zh-CN" sz="1400" dirty="0"/>
+              <a:t>TABLE `mspsgjlksy10pop_toplevel_pekingduckref` (                </a:t>
+            </a:r>
+          </a:p>
+          <a:p>
+            <a:r>
+              <a:rPr lang="en-US" altLang="zh-CN" sz="1400" dirty="0"/>
+              <a:t>`</a:t>
+            </a:r>
+            <a:r>
+              <a:rPr lang="en-US" altLang="zh-CN" sz="1400" dirty="0" err="1"/>
+              <a:t>chrID</a:t>
+            </a:r>
+            <a:r>
+              <a:rPr lang="en-US" altLang="zh-CN" sz="1400" dirty="0"/>
+              <a:t>` char(128) NOT NULL DEFAULT '',                               </a:t>
+            </a:r>
+          </a:p>
+          <a:p>
+            <a:r>
+              <a:rPr lang="en-US" altLang="zh-CN" sz="1400" dirty="0"/>
+              <a:t>`</a:t>
+            </a:r>
+            <a:r>
+              <a:rPr lang="en-US" altLang="zh-CN" sz="1400" dirty="0" err="1"/>
+              <a:t>snp_pos</a:t>
+            </a:r>
+            <a:r>
+              <a:rPr lang="en-US" altLang="zh-CN" sz="1400" dirty="0"/>
+              <a:t>` </a:t>
+            </a:r>
+            <a:r>
+              <a:rPr lang="en-US" altLang="zh-CN" sz="1400" dirty="0" err="1"/>
+              <a:t>bigint</a:t>
+            </a:r>
+            <a:r>
+              <a:rPr lang="en-US" altLang="zh-CN" sz="1400" dirty="0"/>
+              <a:t>(20) NOT NULL DEFAULT '0',                           </a:t>
+            </a:r>
+          </a:p>
+          <a:p>
+            <a:r>
+              <a:rPr lang="en-US" altLang="zh-CN" sz="1400" dirty="0"/>
+              <a:t>`</a:t>
+            </a:r>
+            <a:r>
+              <a:rPr lang="en-US" altLang="zh-CN" sz="1400" dirty="0" err="1"/>
+              <a:t>snpID</a:t>
+            </a:r>
+            <a:r>
+              <a:rPr lang="en-US" altLang="zh-CN" sz="1400" dirty="0"/>
+              <a:t>` char(128) NOT NULL,                                          </a:t>
+            </a:r>
+          </a:p>
+          <a:p>
+            <a:r>
+              <a:rPr lang="en-US" altLang="zh-CN" sz="1400" dirty="0"/>
+              <a:t>`</a:t>
+            </a:r>
+            <a:r>
+              <a:rPr lang="en-US" altLang="zh-CN" sz="1400" dirty="0" err="1"/>
+              <a:t>ref_base</a:t>
+            </a:r>
+            <a:r>
+              <a:rPr lang="en-US" altLang="zh-CN" sz="1400" dirty="0"/>
+              <a:t>` </a:t>
+            </a:r>
+            <a:r>
+              <a:rPr lang="en-US" altLang="zh-CN" sz="1400" dirty="0" err="1"/>
+              <a:t>varchar</a:t>
+            </a:r>
+            <a:r>
+              <a:rPr lang="en-US" altLang="zh-CN" sz="1400" dirty="0"/>
+              <a:t>(1000) DEFAULT NULL,                               </a:t>
+            </a:r>
+          </a:p>
+          <a:p>
+            <a:r>
+              <a:rPr lang="en-US" altLang="zh-CN" sz="1400" dirty="0"/>
+              <a:t>`</a:t>
+            </a:r>
+            <a:r>
+              <a:rPr lang="en-US" altLang="zh-CN" sz="1400" dirty="0" err="1"/>
+              <a:t>alt_base</a:t>
+            </a:r>
+            <a:r>
+              <a:rPr lang="en-US" altLang="zh-CN" sz="1400" dirty="0"/>
+              <a:t>` </a:t>
+            </a:r>
+            <a:r>
+              <a:rPr lang="en-US" altLang="zh-CN" sz="1400" dirty="0" err="1"/>
+              <a:t>varchar</a:t>
+            </a:r>
+            <a:r>
+              <a:rPr lang="en-US" altLang="zh-CN" sz="1400" dirty="0"/>
+              <a:t>(1000) DEFAULT NULL,                               </a:t>
+            </a:r>
+          </a:p>
+          <a:p>
+            <a:r>
+              <a:rPr lang="en-US" altLang="zh-CN" sz="1400" dirty="0"/>
+              <a:t>`context` </a:t>
+            </a:r>
+            <a:r>
+              <a:rPr lang="en-US" altLang="zh-CN" sz="1400" dirty="0" err="1"/>
+              <a:t>varchar</a:t>
+            </a:r>
+            <a:r>
+              <a:rPr lang="en-US" altLang="zh-CN" sz="1400" dirty="0"/>
+              <a:t>(3) DEFAULT NULL, PRIMARY KEY (`</a:t>
+            </a:r>
+            <a:r>
+              <a:rPr lang="en-US" altLang="zh-CN" sz="1400" dirty="0" err="1"/>
+              <a:t>chrID</a:t>
+            </a:r>
+            <a:r>
+              <a:rPr lang="en-US" altLang="zh-CN" sz="1400" dirty="0"/>
+              <a:t>`,`</a:t>
+            </a:r>
+            <a:r>
+              <a:rPr lang="en-US" altLang="zh-CN" sz="1400" dirty="0" err="1"/>
+              <a:t>snp_pos</a:t>
+            </a:r>
+            <a:r>
+              <a:rPr lang="en-US" altLang="zh-CN" sz="1400" dirty="0"/>
+              <a:t>`)                                      </a:t>
+            </a:r>
+          </a:p>
+          <a:p>
+            <a:r>
+              <a:rPr lang="en-US" altLang="zh-CN" sz="1400" dirty="0"/>
+              <a:t>) ENGINE=</a:t>
+            </a:r>
+            <a:r>
+              <a:rPr lang="en-US" altLang="zh-CN" sz="1400" dirty="0" err="1"/>
+              <a:t>InnoDB</a:t>
+            </a:r>
+            <a:r>
+              <a:rPr lang="en-US" altLang="zh-CN" sz="1400" dirty="0"/>
+              <a:t> DEFAULT CHARSET=utf8</a:t>
+            </a:r>
+            <a:endParaRPr lang="zh-CN" altLang="en-US" sz="1400" dirty="0"/>
+          </a:p>
+          <a:p>
+            <a:r>
+              <a:rPr lang="en-US" altLang="zh-CN" sz="1400" dirty="0" smtClean="0"/>
+              <a:t>The other information(sites and out group population information) could be filled automatically when this table is used.</a:t>
+            </a:r>
+            <a:endParaRPr lang="zh-CN" altLang="en-US" sz="1400" dirty="0"/>
           </a:p>
         </p:txBody>
       </p:sp>
       <p:cxnSp>
         <p:nvCxnSpPr>
-          <p:cNvPr id="5" name="直接箭头连接符 4"/>
-          <p:cNvCxnSpPr/>
+          <p:cNvPr id="9" name="直接箭头连接符 8"/>
+          <p:cNvCxnSpPr>
+            <a:endCxn id="10" idx="0"/>
+          </p:cNvCxnSpPr>
           <p:nvPr/>
         </p:nvCxnSpPr>
         <p:spPr>
-          <a:xfrm flipV="1">
-            <a:off x="3669432" y="2229768"/>
-            <a:ext cx="1728192" cy="72008"/>
+          <a:xfrm>
+            <a:off x="7200292" y="2132856"/>
+            <a:ext cx="269776" cy="360040"/>
           </a:xfrm>
           <a:prstGeom prst="straightConnector1">
             <a:avLst/>
@@ -4430,52 +4284,14 @@
       </p:cxnSp>
       <p:sp>
         <p:nvSpPr>
-          <p:cNvPr id="6" name="右大括号 5"/>
-          <p:cNvSpPr/>
-          <p:nvPr/>
-        </p:nvSpPr>
-        <p:spPr>
-          <a:xfrm>
-            <a:off x="3275856" y="1844824"/>
-            <a:ext cx="360040" cy="864096"/>
-          </a:xfrm>
-          <a:prstGeom prst="rightBrace">
-            <a:avLst/>
-          </a:prstGeom>
-        </p:spPr>
-        <p:style>
-          <a:lnRef idx="1">
-            <a:schemeClr val="accent1"/>
-          </a:lnRef>
-          <a:fillRef idx="0">
-            <a:schemeClr val="accent1"/>
-          </a:fillRef>
-          <a:effectRef idx="0">
-            <a:schemeClr val="accent1"/>
-          </a:effectRef>
-          <a:fontRef idx="minor">
-            <a:schemeClr val="tx1"/>
-          </a:fontRef>
-        </p:style>
-        <p:txBody>
-          <a:bodyPr rtlCol="0" anchor="ctr"/>
-          <a:lstStyle/>
-          <a:p>
-            <a:pPr algn="ctr"/>
-            <a:endParaRPr lang="zh-CN" altLang="en-US"/>
-          </a:p>
-        </p:txBody>
-      </p:sp>
-      <p:sp>
-        <p:nvSpPr>
-          <p:cNvPr id="7" name="TextBox 6"/>
+          <p:cNvPr id="10" name="TextBox 9"/>
           <p:cNvSpPr txBox="1"/>
           <p:nvPr/>
         </p:nvSpPr>
         <p:spPr>
           <a:xfrm>
-            <a:off x="5724128" y="1700808"/>
-            <a:ext cx="1728192" cy="646331"/>
+            <a:off x="5796136" y="2492896"/>
+            <a:ext cx="3347864" cy="369332"/>
           </a:xfrm>
           <a:prstGeom prst="rect">
             <a:avLst/>
@@ -4489,60 +4305,23 @@
           <a:lstStyle/>
           <a:p>
             <a:r>
-              <a:rPr lang="en-US" altLang="zh-CN" dirty="0" err="1" smtClean="0"/>
-              <a:t>Mysql</a:t>
-            </a:r>
-            <a:r>
               <a:rPr lang="en-US" altLang="zh-CN" dirty="0" smtClean="0"/>
-              <a:t> database information</a:t>
+              <a:t>Ref allele depth, alt allele depth</a:t>
             </a:r>
             <a:endParaRPr lang="zh-CN" altLang="en-US" dirty="0"/>
           </a:p>
         </p:txBody>
       </p:sp>
-      <p:cxnSp>
-        <p:nvCxnSpPr>
-          <p:cNvPr id="9" name="直接箭头连接符 8"/>
-          <p:cNvCxnSpPr/>
-          <p:nvPr/>
-        </p:nvCxnSpPr>
-        <p:spPr>
-          <a:xfrm flipV="1">
-            <a:off x="3923928" y="3212976"/>
-            <a:ext cx="1473696" cy="72008"/>
-          </a:xfrm>
-          <a:prstGeom prst="straightConnector1">
-            <a:avLst/>
-          </a:prstGeom>
-          <a:ln>
-            <a:tailEnd type="arrow"/>
-          </a:ln>
-        </p:spPr>
-        <p:style>
-          <a:lnRef idx="1">
-            <a:schemeClr val="accent1"/>
-          </a:lnRef>
-          <a:fillRef idx="0">
-            <a:schemeClr val="accent1"/>
-          </a:fillRef>
-          <a:effectRef idx="0">
-            <a:schemeClr val="accent1"/>
-          </a:effectRef>
-          <a:fontRef idx="minor">
-            <a:schemeClr val="tx1"/>
-          </a:fontRef>
-        </p:style>
-      </p:cxnSp>
-      <p:sp>
-        <p:nvSpPr>
-          <p:cNvPr id="10" name="TextBox 9"/>
+      <p:sp>
+        <p:nvSpPr>
+          <p:cNvPr id="14" name="TextBox 13"/>
           <p:cNvSpPr txBox="1"/>
           <p:nvPr/>
         </p:nvSpPr>
         <p:spPr>
           <a:xfrm>
-            <a:off x="5724128" y="3068960"/>
-            <a:ext cx="2232248" cy="1200329"/>
+            <a:off x="0" y="0"/>
+            <a:ext cx="9139472" cy="369332"/>
           </a:xfrm>
           <a:prstGeom prst="rect">
             <a:avLst/>
@@ -4557,170 +4336,6 @@
           <a:p>
             <a:r>
               <a:rPr lang="en-US" altLang="zh-CN" dirty="0" smtClean="0"/>
-              <a:t>Database that (-t </a:t>
-            </a:r>
-            <a:r>
-              <a:rPr lang="en-US" altLang="zh-CN" dirty="0"/>
-              <a:t>)mspsgjlksy10pop_toplevel_pekingduckref belong </a:t>
-            </a:r>
-            <a:r>
-              <a:rPr lang="en-US" altLang="zh-CN" dirty="0" smtClean="0"/>
-              <a:t>to </a:t>
-            </a:r>
-            <a:endParaRPr lang="zh-CN" altLang="en-US" dirty="0"/>
-          </a:p>
-        </p:txBody>
-      </p:sp>
-      <p:cxnSp>
-        <p:nvCxnSpPr>
-          <p:cNvPr id="12" name="直接箭头连接符 11"/>
-          <p:cNvCxnSpPr/>
-          <p:nvPr/>
-        </p:nvCxnSpPr>
-        <p:spPr>
-          <a:xfrm>
-            <a:off x="2555776" y="6021288"/>
-            <a:ext cx="504056" cy="648072"/>
-          </a:xfrm>
-          <a:prstGeom prst="straightConnector1">
-            <a:avLst/>
-          </a:prstGeom>
-          <a:ln>
-            <a:tailEnd type="arrow"/>
-          </a:ln>
-        </p:spPr>
-        <p:style>
-          <a:lnRef idx="1">
-            <a:schemeClr val="accent1"/>
-          </a:lnRef>
-          <a:fillRef idx="0">
-            <a:schemeClr val="accent1"/>
-          </a:fillRef>
-          <a:effectRef idx="0">
-            <a:schemeClr val="accent1"/>
-          </a:effectRef>
-          <a:fontRef idx="minor">
-            <a:schemeClr val="tx1"/>
-          </a:fontRef>
-        </p:style>
-      </p:cxnSp>
-      <p:sp>
-        <p:nvSpPr>
-          <p:cNvPr id="13" name="TextBox 12"/>
-          <p:cNvSpPr txBox="1"/>
-          <p:nvPr/>
-        </p:nvSpPr>
-        <p:spPr>
-          <a:xfrm>
-            <a:off x="3059832" y="6484694"/>
-            <a:ext cx="1728192" cy="369332"/>
-          </a:xfrm>
-          <a:prstGeom prst="rect">
-            <a:avLst/>
-          </a:prstGeom>
-          <a:noFill/>
-        </p:spPr>
-        <p:txBody>
-          <a:bodyPr wrap="square" rtlCol="0">
-            <a:spAutoFit/>
-          </a:bodyPr>
-          <a:lstStyle/>
-          <a:p>
-            <a:r>
-              <a:rPr lang="en-US" altLang="zh-CN" dirty="0" smtClean="0"/>
-              <a:t>Python path</a:t>
-            </a:r>
-            <a:endParaRPr lang="zh-CN" altLang="en-US" dirty="0"/>
-          </a:p>
-        </p:txBody>
-      </p:sp>
-      <p:cxnSp>
-        <p:nvCxnSpPr>
-          <p:cNvPr id="15" name="直接箭头连接符 14"/>
-          <p:cNvCxnSpPr/>
-          <p:nvPr/>
-        </p:nvCxnSpPr>
-        <p:spPr>
-          <a:xfrm>
-            <a:off x="7956376" y="5085184"/>
-            <a:ext cx="0" cy="792088"/>
-          </a:xfrm>
-          <a:prstGeom prst="straightConnector1">
-            <a:avLst/>
-          </a:prstGeom>
-          <a:ln>
-            <a:tailEnd type="arrow"/>
-          </a:ln>
-        </p:spPr>
-        <p:style>
-          <a:lnRef idx="1">
-            <a:schemeClr val="accent1"/>
-          </a:lnRef>
-          <a:fillRef idx="0">
-            <a:schemeClr val="accent1"/>
-          </a:fillRef>
-          <a:effectRef idx="0">
-            <a:schemeClr val="accent1"/>
-          </a:effectRef>
-          <a:fontRef idx="minor">
-            <a:schemeClr val="tx1"/>
-          </a:fontRef>
-        </p:style>
-      </p:cxnSp>
-      <p:sp>
-        <p:nvSpPr>
-          <p:cNvPr id="16" name="TextBox 15"/>
-          <p:cNvSpPr txBox="1"/>
-          <p:nvPr/>
-        </p:nvSpPr>
-        <p:spPr>
-          <a:xfrm>
-            <a:off x="6300192" y="6021288"/>
-            <a:ext cx="2304256" cy="369332"/>
-          </a:xfrm>
-          <a:prstGeom prst="rect">
-            <a:avLst/>
-          </a:prstGeom>
-          <a:noFill/>
-        </p:spPr>
-        <p:txBody>
-          <a:bodyPr wrap="square" rtlCol="0">
-            <a:spAutoFit/>
-          </a:bodyPr>
-          <a:lstStyle/>
-          <a:p>
-            <a:r>
-              <a:rPr lang="en-US" altLang="zh-CN" dirty="0" smtClean="0"/>
-              <a:t>Out group information;</a:t>
-            </a:r>
-            <a:endParaRPr lang="zh-CN" altLang="en-US" dirty="0"/>
-          </a:p>
-        </p:txBody>
-      </p:sp>
-      <p:sp>
-        <p:nvSpPr>
-          <p:cNvPr id="17" name="TextBox 16"/>
-          <p:cNvSpPr txBox="1"/>
-          <p:nvPr/>
-        </p:nvSpPr>
-        <p:spPr>
-          <a:xfrm>
-            <a:off x="0" y="0"/>
-            <a:ext cx="9139472" cy="369332"/>
-          </a:xfrm>
-          <a:prstGeom prst="rect">
-            <a:avLst/>
-          </a:prstGeom>
-          <a:noFill/>
-        </p:spPr>
-        <p:txBody>
-          <a:bodyPr wrap="square" rtlCol="0">
-            <a:spAutoFit/>
-          </a:bodyPr>
-          <a:lstStyle/>
-          <a:p>
-            <a:r>
-              <a:rPr lang="en-US" altLang="zh-CN" dirty="0" smtClean="0"/>
               <a:t>Detect </a:t>
             </a:r>
             <a:r>
@@ -4738,7 +4353,7 @@
     </p:spTree>
     <p:extLst>
       <p:ext uri="{BB962C8B-B14F-4D97-AF65-F5344CB8AC3E}">
-        <p14:creationId xmlns:p14="http://schemas.microsoft.com/office/powerpoint/2010/main" val="2481941364"/>
+        <p14:creationId xmlns:p14="http://schemas.microsoft.com/office/powerpoint/2010/main" val="229221375"/>
       </p:ext>
     </p:extLst>
   </p:cSld>
@@ -4775,6 +4390,683 @@
             <p:ph type="title"/>
           </p:nvPr>
         </p:nvSpPr>
+        <p:spPr>
+          <a:xfrm>
+            <a:off x="457200" y="274638"/>
+            <a:ext cx="8229600" cy="706090"/>
+          </a:xfrm>
+        </p:spPr>
+        <p:txBody>
+          <a:bodyPr>
+            <a:normAutofit/>
+          </a:bodyPr>
+          <a:lstStyle/>
+          <a:p>
+            <a:r>
+              <a:rPr lang="en-US" altLang="zh-CN" sz="3200" dirty="0" err="1" smtClean="0"/>
+              <a:t>config.properties</a:t>
+            </a:r>
+            <a:r>
+              <a:rPr lang="en-US" altLang="zh-CN" sz="3200" dirty="0" smtClean="0"/>
+              <a:t> file</a:t>
+            </a:r>
+            <a:endParaRPr lang="zh-CN" altLang="en-US" sz="3200" dirty="0"/>
+          </a:p>
+        </p:txBody>
+      </p:sp>
+      <p:sp>
+        <p:nvSpPr>
+          <p:cNvPr id="3" name="内容占位符 2"/>
+          <p:cNvSpPr>
+            <a:spLocks noGrp="1"/>
+          </p:cNvSpPr>
+          <p:nvPr>
+            <p:ph idx="1"/>
+          </p:nvPr>
+        </p:nvSpPr>
+        <p:spPr/>
+        <p:txBody>
+          <a:bodyPr>
+            <a:normAutofit fontScale="62500" lnSpcReduction="20000"/>
+          </a:bodyPr>
+          <a:lstStyle/>
+          <a:p>
+            <a:pPr marL="0" indent="0">
+              <a:buNone/>
+            </a:pPr>
+            <a:r>
+              <a:rPr lang="en-US" altLang="zh-CN" dirty="0"/>
+              <a:t>[</a:t>
+            </a:r>
+            <a:r>
+              <a:rPr lang="en-US" altLang="zh-CN" dirty="0" err="1"/>
+              <a:t>mysqldatabase</a:t>
+            </a:r>
+            <a:r>
+              <a:rPr lang="en-US" altLang="zh-CN" dirty="0"/>
+              <a:t>]</a:t>
+            </a:r>
+          </a:p>
+          <a:p>
+            <a:pPr marL="0" indent="0">
+              <a:buNone/>
+            </a:pPr>
+            <a:r>
+              <a:rPr lang="en-US" altLang="zh-CN" dirty="0" err="1"/>
+              <a:t>ip</a:t>
+            </a:r>
+            <a:r>
+              <a:rPr lang="en-US" altLang="zh-CN" dirty="0"/>
+              <a:t>=10.2.48.147</a:t>
+            </a:r>
+          </a:p>
+          <a:p>
+            <a:pPr marL="0" indent="0">
+              <a:buNone/>
+            </a:pPr>
+            <a:r>
+              <a:rPr lang="en-US" altLang="zh-CN" dirty="0"/>
+              <a:t>username=root</a:t>
+            </a:r>
+          </a:p>
+          <a:p>
+            <a:pPr marL="0" indent="0">
+              <a:buNone/>
+            </a:pPr>
+            <a:r>
+              <a:rPr lang="en-US" altLang="zh-CN" dirty="0"/>
+              <a:t>password=1234567</a:t>
+            </a:r>
+          </a:p>
+          <a:p>
+            <a:pPr marL="0" indent="0">
+              <a:buNone/>
+            </a:pPr>
+            <a:r>
+              <a:rPr lang="en-US" altLang="zh-CN" dirty="0" err="1"/>
+              <a:t>webdbname</a:t>
+            </a:r>
+            <a:r>
+              <a:rPr lang="en-US" altLang="zh-CN" dirty="0"/>
+              <a:t>=</a:t>
+            </a:r>
+            <a:r>
+              <a:rPr lang="en-US" altLang="zh-CN" dirty="0" err="1"/>
+              <a:t>ninglabweb</a:t>
+            </a:r>
+            <a:endParaRPr lang="en-US" altLang="zh-CN" dirty="0"/>
+          </a:p>
+          <a:p>
+            <a:pPr marL="0" indent="0">
+              <a:buNone/>
+            </a:pPr>
+            <a:r>
+              <a:rPr lang="en-US" altLang="zh-CN" dirty="0" err="1"/>
+              <a:t>vcfdbname</a:t>
+            </a:r>
+            <a:r>
+              <a:rPr lang="en-US" altLang="zh-CN" dirty="0"/>
+              <a:t>=</a:t>
+            </a:r>
+            <a:r>
+              <a:rPr lang="en-US" altLang="zh-CN" dirty="0" err="1"/>
+              <a:t>ninglabvariantdata</a:t>
+            </a:r>
+            <a:endParaRPr lang="en-US" altLang="zh-CN" dirty="0"/>
+          </a:p>
+          <a:p>
+            <a:pPr marL="0" indent="0">
+              <a:buNone/>
+            </a:pPr>
+            <a:r>
+              <a:rPr lang="en-US" altLang="zh-CN" dirty="0" err="1"/>
+              <a:t>ghostdbname</a:t>
+            </a:r>
+            <a:r>
+              <a:rPr lang="en-US" altLang="zh-CN" dirty="0"/>
+              <a:t>=</a:t>
+            </a:r>
+            <a:r>
+              <a:rPr lang="en-US" altLang="zh-CN" dirty="0" err="1"/>
+              <a:t>ninglabvariantdata_tmp</a:t>
+            </a:r>
+            <a:endParaRPr lang="en-US" altLang="zh-CN" dirty="0"/>
+          </a:p>
+          <a:p>
+            <a:pPr marL="0" indent="0">
+              <a:buNone/>
+            </a:pPr>
+            <a:r>
+              <a:rPr lang="en-US" altLang="zh-CN" dirty="0" err="1"/>
+              <a:t>genomeinfodbname</a:t>
+            </a:r>
+            <a:r>
+              <a:rPr lang="en-US" altLang="zh-CN" dirty="0"/>
+              <a:t>=</a:t>
+            </a:r>
+            <a:r>
+              <a:rPr lang="en-US" altLang="zh-CN" dirty="0" err="1"/>
+              <a:t>genomebasicinfo</a:t>
+            </a:r>
+            <a:endParaRPr lang="en-US" altLang="zh-CN" dirty="0"/>
+          </a:p>
+          <a:p>
+            <a:pPr marL="0" indent="0">
+              <a:buNone/>
+            </a:pPr>
+            <a:r>
+              <a:rPr lang="en-US" altLang="zh-CN" dirty="0" err="1"/>
+              <a:t>pekingduckchromtable</a:t>
+            </a:r>
+            <a:r>
+              <a:rPr lang="en-US" altLang="zh-CN" dirty="0"/>
+              <a:t>=</a:t>
+            </a:r>
+            <a:r>
+              <a:rPr lang="en-US" altLang="zh-CN" dirty="0" err="1"/>
+              <a:t>pekingduckchrominfo</a:t>
+            </a:r>
+            <a:endParaRPr lang="en-US" altLang="zh-CN" dirty="0"/>
+          </a:p>
+          <a:p>
+            <a:pPr marL="0" indent="0">
+              <a:buNone/>
+            </a:pPr>
+            <a:r>
+              <a:rPr lang="en-US" altLang="zh-CN" dirty="0" err="1"/>
+              <a:t>TranscriptGenetable</a:t>
+            </a:r>
+            <a:r>
+              <a:rPr lang="en-US" altLang="zh-CN" dirty="0"/>
+              <a:t>=</a:t>
+            </a:r>
+            <a:r>
+              <a:rPr lang="en-US" altLang="zh-CN" dirty="0" err="1"/>
+              <a:t>pekinduckmiRNA_Transcript</a:t>
+            </a:r>
+            <a:endParaRPr lang="en-US" altLang="zh-CN" dirty="0"/>
+          </a:p>
+          <a:p>
+            <a:pPr marL="0" indent="0">
+              <a:buNone/>
+            </a:pPr>
+            <a:r>
+              <a:rPr lang="en-US" altLang="zh-CN" dirty="0" err="1"/>
+              <a:t>outgroupVCFBAMconfig_beijingref</a:t>
+            </a:r>
+            <a:r>
+              <a:rPr lang="en-US" altLang="zh-CN" dirty="0"/>
+              <a:t>=/home/</a:t>
+            </a:r>
+            <a:r>
+              <a:rPr lang="en-US" altLang="zh-CN" dirty="0" err="1"/>
+              <a:t>liurui</a:t>
+            </a:r>
+            <a:r>
+              <a:rPr lang="en-US" altLang="zh-CN" dirty="0"/>
+              <a:t>/data/</a:t>
+            </a:r>
+            <a:r>
+              <a:rPr lang="en-US" altLang="zh-CN" dirty="0" err="1"/>
+              <a:t>config</a:t>
+            </a:r>
+            <a:r>
+              <a:rPr lang="en-US" altLang="zh-CN" dirty="0"/>
+              <a:t>/BJ/</a:t>
+            </a:r>
+            <a:r>
+              <a:rPr lang="en-US" altLang="zh-CN" dirty="0" err="1"/>
+              <a:t>fanyaBJ.VCFBAMconfig</a:t>
+            </a:r>
+            <a:r>
+              <a:rPr lang="en-US" altLang="zh-CN" dirty="0"/>
+              <a:t>;/home/</a:t>
+            </a:r>
+            <a:r>
+              <a:rPr lang="en-US" altLang="zh-CN" dirty="0" err="1"/>
+              <a:t>liurui</a:t>
+            </a:r>
+            <a:r>
+              <a:rPr lang="en-US" altLang="zh-CN" dirty="0"/>
+              <a:t>/data/</a:t>
+            </a:r>
+            <a:r>
+              <a:rPr lang="en-US" altLang="zh-CN" dirty="0" err="1"/>
+              <a:t>config</a:t>
+            </a:r>
+            <a:r>
+              <a:rPr lang="en-US" altLang="zh-CN" dirty="0"/>
+              <a:t>/BJ/</a:t>
+            </a:r>
+            <a:r>
+              <a:rPr lang="en-US" altLang="zh-CN" dirty="0" err="1"/>
+              <a:t>taihugooseBJ.VCFBAMconfig</a:t>
+            </a:r>
+            <a:endParaRPr lang="en-US" altLang="zh-CN" dirty="0"/>
+          </a:p>
+          <a:p>
+            <a:pPr marL="0" indent="0">
+              <a:buNone/>
+            </a:pPr>
+            <a:r>
+              <a:rPr lang="en-US" altLang="zh-CN" dirty="0" err="1"/>
+              <a:t>beijingreffa</a:t>
+            </a:r>
+            <a:r>
+              <a:rPr lang="en-US" altLang="zh-CN" dirty="0"/>
+              <a:t>=/home/</a:t>
+            </a:r>
+            <a:r>
+              <a:rPr lang="en-US" altLang="zh-CN" dirty="0" err="1"/>
+              <a:t>liurui</a:t>
+            </a:r>
+            <a:r>
+              <a:rPr lang="en-US" altLang="zh-CN" dirty="0"/>
+              <a:t>/databases/Anas_platyrhynchos.BGI_duck_1.0.dna_sm.toplevel.fa</a:t>
+            </a:r>
+          </a:p>
+          <a:p>
+            <a:pPr marL="0" indent="0">
+              <a:buNone/>
+            </a:pPr>
+            <a:r>
+              <a:rPr lang="en-US" altLang="zh-CN" dirty="0" err="1" smtClean="0"/>
+              <a:t>pathtoPython</a:t>
+            </a:r>
+            <a:r>
+              <a:rPr lang="en-US" altLang="zh-CN" dirty="0" smtClean="0"/>
+              <a:t>=Python3.3/python</a:t>
+            </a:r>
+            <a:endParaRPr lang="en-US" altLang="zh-CN" dirty="0"/>
+          </a:p>
+          <a:p>
+            <a:pPr marL="0" indent="0">
+              <a:buNone/>
+            </a:pPr>
+            <a:endParaRPr lang="zh-CN" altLang="en-US" dirty="0"/>
+          </a:p>
+        </p:txBody>
+      </p:sp>
+      <p:cxnSp>
+        <p:nvCxnSpPr>
+          <p:cNvPr id="5" name="直接箭头连接符 4"/>
+          <p:cNvCxnSpPr/>
+          <p:nvPr/>
+        </p:nvCxnSpPr>
+        <p:spPr>
+          <a:xfrm flipV="1">
+            <a:off x="3669432" y="2229768"/>
+            <a:ext cx="1728192" cy="72008"/>
+          </a:xfrm>
+          <a:prstGeom prst="straightConnector1">
+            <a:avLst/>
+          </a:prstGeom>
+          <a:ln>
+            <a:tailEnd type="arrow"/>
+          </a:ln>
+        </p:spPr>
+        <p:style>
+          <a:lnRef idx="1">
+            <a:schemeClr val="accent1"/>
+          </a:lnRef>
+          <a:fillRef idx="0">
+            <a:schemeClr val="accent1"/>
+          </a:fillRef>
+          <a:effectRef idx="0">
+            <a:schemeClr val="accent1"/>
+          </a:effectRef>
+          <a:fontRef idx="minor">
+            <a:schemeClr val="tx1"/>
+          </a:fontRef>
+        </p:style>
+      </p:cxnSp>
+      <p:sp>
+        <p:nvSpPr>
+          <p:cNvPr id="6" name="右大括号 5"/>
+          <p:cNvSpPr/>
+          <p:nvPr/>
+        </p:nvSpPr>
+        <p:spPr>
+          <a:xfrm>
+            <a:off x="3275856" y="1844824"/>
+            <a:ext cx="360040" cy="864096"/>
+          </a:xfrm>
+          <a:prstGeom prst="rightBrace">
+            <a:avLst/>
+          </a:prstGeom>
+        </p:spPr>
+        <p:style>
+          <a:lnRef idx="1">
+            <a:schemeClr val="accent1"/>
+          </a:lnRef>
+          <a:fillRef idx="0">
+            <a:schemeClr val="accent1"/>
+          </a:fillRef>
+          <a:effectRef idx="0">
+            <a:schemeClr val="accent1"/>
+          </a:effectRef>
+          <a:fontRef idx="minor">
+            <a:schemeClr val="tx1"/>
+          </a:fontRef>
+        </p:style>
+        <p:txBody>
+          <a:bodyPr rtlCol="0" anchor="ctr"/>
+          <a:lstStyle/>
+          <a:p>
+            <a:pPr algn="ctr"/>
+            <a:endParaRPr lang="zh-CN" altLang="en-US"/>
+          </a:p>
+        </p:txBody>
+      </p:sp>
+      <p:sp>
+        <p:nvSpPr>
+          <p:cNvPr id="7" name="TextBox 6"/>
+          <p:cNvSpPr txBox="1"/>
+          <p:nvPr/>
+        </p:nvSpPr>
+        <p:spPr>
+          <a:xfrm>
+            <a:off x="5724128" y="1700808"/>
+            <a:ext cx="1728192" cy="646331"/>
+          </a:xfrm>
+          <a:prstGeom prst="rect">
+            <a:avLst/>
+          </a:prstGeom>
+          <a:noFill/>
+        </p:spPr>
+        <p:txBody>
+          <a:bodyPr wrap="square" rtlCol="0">
+            <a:spAutoFit/>
+          </a:bodyPr>
+          <a:lstStyle/>
+          <a:p>
+            <a:r>
+              <a:rPr lang="en-US" altLang="zh-CN" dirty="0" err="1" smtClean="0"/>
+              <a:t>Mysql</a:t>
+            </a:r>
+            <a:r>
+              <a:rPr lang="en-US" altLang="zh-CN" dirty="0" smtClean="0"/>
+              <a:t> database information</a:t>
+            </a:r>
+            <a:endParaRPr lang="zh-CN" altLang="en-US" dirty="0"/>
+          </a:p>
+        </p:txBody>
+      </p:sp>
+      <p:cxnSp>
+        <p:nvCxnSpPr>
+          <p:cNvPr id="9" name="直接箭头连接符 8"/>
+          <p:cNvCxnSpPr/>
+          <p:nvPr/>
+        </p:nvCxnSpPr>
+        <p:spPr>
+          <a:xfrm flipV="1">
+            <a:off x="3923928" y="3212976"/>
+            <a:ext cx="1473696" cy="72008"/>
+          </a:xfrm>
+          <a:prstGeom prst="straightConnector1">
+            <a:avLst/>
+          </a:prstGeom>
+          <a:ln>
+            <a:tailEnd type="arrow"/>
+          </a:ln>
+        </p:spPr>
+        <p:style>
+          <a:lnRef idx="1">
+            <a:schemeClr val="accent1"/>
+          </a:lnRef>
+          <a:fillRef idx="0">
+            <a:schemeClr val="accent1"/>
+          </a:fillRef>
+          <a:effectRef idx="0">
+            <a:schemeClr val="accent1"/>
+          </a:effectRef>
+          <a:fontRef idx="minor">
+            <a:schemeClr val="tx1"/>
+          </a:fontRef>
+        </p:style>
+      </p:cxnSp>
+      <p:sp>
+        <p:nvSpPr>
+          <p:cNvPr id="10" name="TextBox 9"/>
+          <p:cNvSpPr txBox="1"/>
+          <p:nvPr/>
+        </p:nvSpPr>
+        <p:spPr>
+          <a:xfrm>
+            <a:off x="5724128" y="3068960"/>
+            <a:ext cx="2232248" cy="1200329"/>
+          </a:xfrm>
+          <a:prstGeom prst="rect">
+            <a:avLst/>
+          </a:prstGeom>
+          <a:noFill/>
+        </p:spPr>
+        <p:txBody>
+          <a:bodyPr wrap="square" rtlCol="0">
+            <a:spAutoFit/>
+          </a:bodyPr>
+          <a:lstStyle/>
+          <a:p>
+            <a:r>
+              <a:rPr lang="en-US" altLang="zh-CN" dirty="0" smtClean="0"/>
+              <a:t>Database that (-t </a:t>
+            </a:r>
+            <a:r>
+              <a:rPr lang="en-US" altLang="zh-CN" dirty="0"/>
+              <a:t>)mspsgjlksy10pop_toplevel_pekingduckref belong </a:t>
+            </a:r>
+            <a:r>
+              <a:rPr lang="en-US" altLang="zh-CN" dirty="0" smtClean="0"/>
+              <a:t>to </a:t>
+            </a:r>
+            <a:endParaRPr lang="zh-CN" altLang="en-US" dirty="0"/>
+          </a:p>
+        </p:txBody>
+      </p:sp>
+      <p:cxnSp>
+        <p:nvCxnSpPr>
+          <p:cNvPr id="12" name="直接箭头连接符 11"/>
+          <p:cNvCxnSpPr/>
+          <p:nvPr/>
+        </p:nvCxnSpPr>
+        <p:spPr>
+          <a:xfrm>
+            <a:off x="2555776" y="6021288"/>
+            <a:ext cx="504056" cy="648072"/>
+          </a:xfrm>
+          <a:prstGeom prst="straightConnector1">
+            <a:avLst/>
+          </a:prstGeom>
+          <a:ln>
+            <a:tailEnd type="arrow"/>
+          </a:ln>
+        </p:spPr>
+        <p:style>
+          <a:lnRef idx="1">
+            <a:schemeClr val="accent1"/>
+          </a:lnRef>
+          <a:fillRef idx="0">
+            <a:schemeClr val="accent1"/>
+          </a:fillRef>
+          <a:effectRef idx="0">
+            <a:schemeClr val="accent1"/>
+          </a:effectRef>
+          <a:fontRef idx="minor">
+            <a:schemeClr val="tx1"/>
+          </a:fontRef>
+        </p:style>
+      </p:cxnSp>
+      <p:sp>
+        <p:nvSpPr>
+          <p:cNvPr id="13" name="TextBox 12"/>
+          <p:cNvSpPr txBox="1"/>
+          <p:nvPr/>
+        </p:nvSpPr>
+        <p:spPr>
+          <a:xfrm>
+            <a:off x="3059832" y="6484694"/>
+            <a:ext cx="1728192" cy="369332"/>
+          </a:xfrm>
+          <a:prstGeom prst="rect">
+            <a:avLst/>
+          </a:prstGeom>
+          <a:noFill/>
+        </p:spPr>
+        <p:txBody>
+          <a:bodyPr wrap="square" rtlCol="0">
+            <a:spAutoFit/>
+          </a:bodyPr>
+          <a:lstStyle/>
+          <a:p>
+            <a:r>
+              <a:rPr lang="en-US" altLang="zh-CN" dirty="0" smtClean="0"/>
+              <a:t>Python path</a:t>
+            </a:r>
+            <a:endParaRPr lang="zh-CN" altLang="en-US" dirty="0"/>
+          </a:p>
+        </p:txBody>
+      </p:sp>
+      <p:cxnSp>
+        <p:nvCxnSpPr>
+          <p:cNvPr id="15" name="直接箭头连接符 14"/>
+          <p:cNvCxnSpPr/>
+          <p:nvPr/>
+        </p:nvCxnSpPr>
+        <p:spPr>
+          <a:xfrm>
+            <a:off x="7956376" y="5085184"/>
+            <a:ext cx="0" cy="792088"/>
+          </a:xfrm>
+          <a:prstGeom prst="straightConnector1">
+            <a:avLst/>
+          </a:prstGeom>
+          <a:ln>
+            <a:tailEnd type="arrow"/>
+          </a:ln>
+        </p:spPr>
+        <p:style>
+          <a:lnRef idx="1">
+            <a:schemeClr val="accent1"/>
+          </a:lnRef>
+          <a:fillRef idx="0">
+            <a:schemeClr val="accent1"/>
+          </a:fillRef>
+          <a:effectRef idx="0">
+            <a:schemeClr val="accent1"/>
+          </a:effectRef>
+          <a:fontRef idx="minor">
+            <a:schemeClr val="tx1"/>
+          </a:fontRef>
+        </p:style>
+      </p:cxnSp>
+      <p:sp>
+        <p:nvSpPr>
+          <p:cNvPr id="16" name="TextBox 15"/>
+          <p:cNvSpPr txBox="1"/>
+          <p:nvPr/>
+        </p:nvSpPr>
+        <p:spPr>
+          <a:xfrm>
+            <a:off x="6300192" y="6021288"/>
+            <a:ext cx="2304256" cy="369332"/>
+          </a:xfrm>
+          <a:prstGeom prst="rect">
+            <a:avLst/>
+          </a:prstGeom>
+          <a:noFill/>
+        </p:spPr>
+        <p:txBody>
+          <a:bodyPr wrap="square" rtlCol="0">
+            <a:spAutoFit/>
+          </a:bodyPr>
+          <a:lstStyle/>
+          <a:p>
+            <a:r>
+              <a:rPr lang="en-US" altLang="zh-CN" dirty="0" smtClean="0"/>
+              <a:t>Out group information;</a:t>
+            </a:r>
+            <a:endParaRPr lang="zh-CN" altLang="en-US" dirty="0"/>
+          </a:p>
+        </p:txBody>
+      </p:sp>
+      <p:sp>
+        <p:nvSpPr>
+          <p:cNvPr id="17" name="TextBox 16"/>
+          <p:cNvSpPr txBox="1"/>
+          <p:nvPr/>
+        </p:nvSpPr>
+        <p:spPr>
+          <a:xfrm>
+            <a:off x="0" y="0"/>
+            <a:ext cx="9139472" cy="369332"/>
+          </a:xfrm>
+          <a:prstGeom prst="rect">
+            <a:avLst/>
+          </a:prstGeom>
+          <a:noFill/>
+        </p:spPr>
+        <p:txBody>
+          <a:bodyPr wrap="square" rtlCol="0">
+            <a:spAutoFit/>
+          </a:bodyPr>
+          <a:lstStyle/>
+          <a:p>
+            <a:r>
+              <a:rPr lang="en-US" altLang="zh-CN" dirty="0" smtClean="0"/>
+              <a:t>Detect </a:t>
+            </a:r>
+            <a:r>
+              <a:rPr lang="en-US" altLang="zh-CN" dirty="0"/>
+              <a:t>selection </a:t>
+            </a:r>
+            <a:r>
+              <a:rPr lang="en-US" altLang="zh-CN" dirty="0" err="1"/>
+              <a:t>signal:Detectsignalacrossgenome_master.py</a:t>
+            </a:r>
+            <a:endParaRPr lang="zh-CN" altLang="en-US" dirty="0"/>
+          </a:p>
+        </p:txBody>
+      </p:sp>
+    </p:spTree>
+    <p:extLst>
+      <p:ext uri="{BB962C8B-B14F-4D97-AF65-F5344CB8AC3E}">
+        <p14:creationId xmlns:p14="http://schemas.microsoft.com/office/powerpoint/2010/main" val="2481941364"/>
+      </p:ext>
+    </p:extLst>
+  </p:cSld>
+  <p:clrMapOvr>
+    <a:masterClrMapping/>
+  </p:clrMapOvr>
+</p:sld>
+</file>
+
+<file path=ppt/slides/slide14.xml><?xml version="1.0" encoding="utf-8"?>
+<p:sld xmlns:a="http://schemas.openxmlformats.org/drawingml/2006/main" xmlns:r="http://schemas.openxmlformats.org/officeDocument/2006/relationships" xmlns:p="http://schemas.openxmlformats.org/presentationml/2006/main">
+  <p:cSld>
+    <p:spTree>
+      <p:nvGrpSpPr>
+        <p:cNvPr id="1" name=""/>
+        <p:cNvGrpSpPr/>
+        <p:nvPr/>
+      </p:nvGrpSpPr>
+      <p:grpSpPr>
+        <a:xfrm>
+          <a:off x="0" y="0"/>
+          <a:ext cx="0" cy="0"/>
+          <a:chOff x="0" y="0"/>
+          <a:chExt cx="0" cy="0"/>
+        </a:xfrm>
+      </p:grpSpPr>
+      <p:sp>
+        <p:nvSpPr>
+          <p:cNvPr id="2" name="标题 1"/>
+          <p:cNvSpPr>
+            <a:spLocks noGrp="1"/>
+          </p:cNvSpPr>
+          <p:nvPr>
+            <p:ph type="title"/>
+          </p:nvPr>
+        </p:nvSpPr>
         <p:spPr/>
         <p:txBody>
           <a:bodyPr/>
@@ -4784,25 +5076,6 @@
               <a:rPr lang="en-US" altLang="zh-CN" dirty="0"/>
               <a:t>overview</a:t>
             </a:r>
-            <a:endParaRPr lang="zh-CN" altLang="en-US" dirty="0"/>
-          </a:p>
-        </p:txBody>
-      </p:sp>
-      <p:sp>
-        <p:nvSpPr>
-          <p:cNvPr id="3" name="内容占位符 2"/>
-          <p:cNvSpPr>
-            <a:spLocks noGrp="1"/>
-          </p:cNvSpPr>
-          <p:nvPr>
-            <p:ph idx="1"/>
-          </p:nvPr>
-        </p:nvSpPr>
-        <p:spPr/>
-        <p:txBody>
-          <a:bodyPr/>
-          <a:lstStyle/>
-          <a:p>
             <a:endParaRPr lang="zh-CN" altLang="en-US" dirty="0"/>
           </a:p>
         </p:txBody>
@@ -4997,7 +5270,7 @@
         <p:spPr>
           <a:xfrm>
             <a:off x="-16046" y="737984"/>
-            <a:ext cx="3363910" cy="5078313"/>
+            <a:ext cx="3363910" cy="6463308"/>
           </a:xfrm>
           <a:prstGeom prst="rect">
             <a:avLst/>
@@ -5019,145 +5292,87 @@
               <a:t>n </a:t>
             </a:r>
             <a:r>
-              <a:rPr lang="en-US" altLang="zh-CN" dirty="0" err="1" smtClean="0"/>
+              <a:rPr lang="en-US" altLang="zh-CN" dirty="0" err="1"/>
               <a:t>popname</a:t>
             </a:r>
             <a:r>
+              <a:rPr lang="en-US" altLang="zh-CN" dirty="0"/>
+              <a:t>(multiple </a:t>
+            </a:r>
+            <a:r>
               <a:rPr lang="en-US" altLang="zh-CN" dirty="0" smtClean="0"/>
-              <a:t> (</a:t>
+              <a:t>when multiple populations were used in model, </a:t>
             </a:r>
             <a:r>
               <a:rPr lang="en-US" altLang="zh-CN" dirty="0"/>
-              <a:t>multiple , two parameters for every one)</a:t>
-            </a:r>
-          </a:p>
-          <a:p>
-            <a:endParaRPr lang="en-US" altLang="zh-CN" dirty="0" smtClean="0"/>
-          </a:p>
-          <a:p>
+              <a:t>two </a:t>
+            </a:r>
             <a:r>
               <a:rPr lang="en-US" altLang="zh-CN" dirty="0" smtClean="0"/>
-              <a:t>-f </a:t>
-            </a:r>
-            <a:r>
-              <a:rPr lang="en-US" altLang="zh-CN" dirty="0" err="1" smtClean="0"/>
-              <a:t>fsfile</a:t>
+              <a:t>values assign </a:t>
+            </a:r>
+            <a:r>
+              <a:rPr lang="en-US" altLang="zh-CN" dirty="0"/>
+              <a:t>the population name and sample size </a:t>
             </a:r>
             <a:r>
               <a:rPr lang="en-US" altLang="zh-CN" dirty="0" smtClean="0"/>
-              <a:t>-R </a:t>
-            </a:r>
-            <a:r>
-              <a:rPr lang="en-US" altLang="zh-CN" dirty="0" err="1" smtClean="0"/>
-              <a:t>refpopvcf</a:t>
-            </a:r>
+              <a:t>that be projected to </a:t>
+            </a:r>
+            <a:r>
+              <a:rPr lang="en-US" altLang="zh-CN" dirty="0"/>
+              <a:t>for assigned model)</a:t>
+            </a:r>
+          </a:p>
+          <a:p>
             <a:r>
               <a:rPr lang="en-US" altLang="zh-CN" dirty="0" smtClean="0"/>
-              <a:t> </a:t>
-            </a:r>
-            <a:r>
-              <a:rPr lang="en-US" altLang="zh-CN" dirty="0" err="1" smtClean="0"/>
-              <a:t>depthconfig</a:t>
+              <a:t>-</a:t>
             </a:r>
             <a:r>
               <a:rPr lang="en-US" altLang="zh-CN" dirty="0" smtClean="0"/>
-              <a:t> (</a:t>
-            </a:r>
-            <a:r>
-              <a:rPr lang="en-US" altLang="zh-CN" dirty="0"/>
-              <a:t>multiple , two parameters for every </a:t>
+              <a:t>f </a:t>
             </a:r>
             <a:r>
               <a:rPr lang="en-US" altLang="zh-CN" dirty="0" smtClean="0"/>
-              <a:t>one, omit when calculate </a:t>
-            </a:r>
-            <a:r>
-              <a:rPr lang="en-US" altLang="zh-CN" dirty="0" err="1" smtClean="0"/>
-              <a:t>Hp</a:t>
+              <a:t>fs file (containing population name </a:t>
+            </a:r>
+            <a:r>
+              <a:rPr lang="en-US" altLang="zh-CN" dirty="0" smtClean="0"/>
+              <a:t>that assigned in  -n options</a:t>
             </a:r>
             <a:r>
               <a:rPr lang="en-US" altLang="zh-CN" dirty="0" smtClean="0"/>
               <a:t>)</a:t>
             </a:r>
-            <a:endParaRPr lang="en-US" altLang="zh-CN" dirty="0"/>
           </a:p>
           <a:p>
             <a:r>
               <a:rPr lang="en-US" altLang="zh-CN" dirty="0" smtClean="0"/>
-              <a:t>-t </a:t>
-            </a:r>
-            <a:r>
-              <a:rPr lang="en-US" altLang="zh-CN" dirty="0" err="1" smtClean="0"/>
-              <a:t>toplevel_snp_table</a:t>
-            </a:r>
+              <a:t>-m assign demography model that code built-in  dadicode.py</a:t>
+            </a:r>
+            <a:endParaRPr lang="en-US" altLang="zh-CN" dirty="0" smtClean="0"/>
+          </a:p>
+          <a:p>
             <a:r>
               <a:rPr lang="en-US" altLang="zh-CN" dirty="0" smtClean="0"/>
-              <a:t> (to know ancestral allele and context bases)</a:t>
-            </a:r>
+              <a:t>-b repeat times (two values assigning repeat times and time limit for every run)</a:t>
+            </a:r>
+            <a:endParaRPr lang="en-US" altLang="zh-CN" dirty="0" smtClean="0"/>
           </a:p>
           <a:p>
             <a:r>
               <a:rPr lang="en-US" altLang="zh-CN" dirty="0" smtClean="0"/>
-              <a:t>-c/-b multiple chromosome list or bed like file ( -c or –b only one is needed)</a:t>
+              <a:t>-l total length of genome stretch that  SNPs come from</a:t>
             </a:r>
           </a:p>
           <a:p>
             <a:r>
               <a:rPr lang="en-US" altLang="zh-CN" dirty="0" smtClean="0"/>
-              <a:t>-p type of signal (early, </a:t>
-            </a:r>
-            <a:r>
-              <a:rPr lang="en-US" altLang="zh-CN" dirty="0" err="1" smtClean="0"/>
-              <a:t>hp</a:t>
-            </a:r>
-            <a:r>
-              <a:rPr lang="en-US" altLang="zh-CN" dirty="0" smtClean="0"/>
-              <a:t>, </a:t>
-            </a:r>
-            <a:r>
-              <a:rPr lang="en-US" altLang="zh-CN" dirty="0" err="1" smtClean="0"/>
-              <a:t>Fst</a:t>
-            </a:r>
-            <a:r>
-              <a:rPr lang="en-US" altLang="zh-CN" dirty="0" smtClean="0"/>
-              <a:t>)</a:t>
-            </a:r>
-          </a:p>
-          <a:p>
-            <a:r>
-              <a:rPr lang="en-US" altLang="zh-CN" dirty="0" smtClean="0"/>
-              <a:t>-C </a:t>
-            </a:r>
-            <a:r>
-              <a:rPr lang="en-US" altLang="zh-CN" dirty="0" err="1" smtClean="0"/>
-              <a:t>freq_correlation</a:t>
-            </a:r>
-            <a:r>
-              <a:rPr lang="en-US" altLang="zh-CN" dirty="0"/>
-              <a:t> </a:t>
-            </a:r>
-            <a:r>
-              <a:rPr lang="en-US" altLang="zh-CN" dirty="0" smtClean="0"/>
-              <a:t>file ,for “early” only</a:t>
-            </a:r>
-          </a:p>
-          <a:p>
-            <a:r>
-              <a:rPr lang="en-US" altLang="zh-CN" dirty="0" smtClean="0"/>
-              <a:t>-n number of individuals , for “early” only. Decide to </a:t>
-            </a:r>
-            <a:r>
-              <a:rPr lang="en-US" altLang="zh-CN" dirty="0" err="1" smtClean="0"/>
-              <a:t>divid</a:t>
-            </a:r>
-            <a:r>
-              <a:rPr lang="en-US" altLang="zh-CN" dirty="0" smtClean="0"/>
-              <a:t> frequency in to how many </a:t>
-            </a:r>
-            <a:r>
-              <a:rPr lang="en-US" altLang="zh-CN" dirty="0" smtClean="0"/>
-              <a:t>bins</a:t>
-            </a:r>
+              <a:t>-p parameters of demographical model (multiple, 4  values assign parameter name, initial value, lower bound, upper bound) initial value will be little different in each simulation in the range of lower bound and upper bound</a:t>
+            </a:r>
+          </a:p>
+          <a:p>
             <a:endParaRPr lang="en-US" altLang="zh-CN" dirty="0" smtClean="0"/>
           </a:p>
         </p:txBody>
@@ -5637,7 +5852,7 @@
 </p:sld>
 </file>
 
-<file path=ppt/slides/slide14.xml><?xml version="1.0" encoding="utf-8"?>
+<file path=ppt/slides/slide15.xml><?xml version="1.0" encoding="utf-8"?>
 <p:sld xmlns:a="http://schemas.openxmlformats.org/drawingml/2006/main" xmlns:r="http://schemas.openxmlformats.org/officeDocument/2006/relationships" xmlns:p="http://schemas.openxmlformats.org/presentationml/2006/main">
   <p:cSld>
     <p:spTree>
@@ -6301,39 +6516,77 @@
           <a:p>
             <a:r>
               <a:rPr lang="en-US" altLang="zh-CN" dirty="0"/>
-              <a:t>task </a:t>
-            </a:r>
+              <a:t>overview</a:t>
+            </a:r>
+            <a:endParaRPr lang="zh-CN" altLang="en-US" dirty="0"/>
+          </a:p>
+        </p:txBody>
+      </p:sp>
+      <p:sp>
+        <p:nvSpPr>
+          <p:cNvPr id="3" name="内容占位符 2"/>
+          <p:cNvSpPr>
+            <a:spLocks noGrp="1"/>
+          </p:cNvSpPr>
+          <p:nvPr>
+            <p:ph idx="1"/>
+          </p:nvPr>
+        </p:nvSpPr>
+        <p:spPr/>
+        <p:txBody>
+          <a:bodyPr/>
+          <a:lstStyle/>
+          <a:p>
+            <a:endParaRPr lang="zh-CN" altLang="en-US"/>
+          </a:p>
+        </p:txBody>
+      </p:sp>
+      <p:sp>
+        <p:nvSpPr>
+          <p:cNvPr id="4" name="TextBox 3"/>
+          <p:cNvSpPr txBox="1"/>
+          <p:nvPr/>
+        </p:nvSpPr>
+        <p:spPr>
+          <a:xfrm>
+            <a:off x="0" y="0"/>
+            <a:ext cx="9139472" cy="369332"/>
+          </a:xfrm>
+          <a:prstGeom prst="rect">
+            <a:avLst/>
+          </a:prstGeom>
+          <a:noFill/>
+        </p:spPr>
+        <p:txBody>
+          <a:bodyPr wrap="square" rtlCol="0">
+            <a:spAutoFit/>
+          </a:bodyPr>
+          <a:lstStyle/>
+          <a:p>
             <a:r>
               <a:rPr lang="en-US" altLang="zh-CN" dirty="0" smtClean="0"/>
-              <a:t>management module</a:t>
+              <a:t>Detect </a:t>
+            </a:r>
+            <a:r>
+              <a:rPr lang="en-US" altLang="zh-CN" dirty="0"/>
+              <a:t>selection </a:t>
+            </a:r>
+            <a:r>
+              <a:rPr lang="en-US" altLang="zh-CN" dirty="0"/>
+              <a:t>signal</a:t>
+            </a:r>
+            <a:r>
+              <a:rPr lang="en-US" altLang="zh-CN" dirty="0" smtClean="0"/>
+              <a:t>: scriptcontrol.py</a:t>
             </a:r>
             <a:endParaRPr lang="zh-CN" altLang="en-US" dirty="0"/>
-          </a:p>
-        </p:txBody>
-      </p:sp>
-      <p:sp>
-        <p:nvSpPr>
-          <p:cNvPr id="3" name="内容占位符 2"/>
-          <p:cNvSpPr>
-            <a:spLocks noGrp="1"/>
-          </p:cNvSpPr>
-          <p:nvPr>
-            <p:ph idx="1"/>
-          </p:nvPr>
-        </p:nvSpPr>
-        <p:spPr/>
-        <p:txBody>
-          <a:bodyPr/>
-          <a:lstStyle/>
-          <a:p>
-            <a:endParaRPr lang="zh-CN" altLang="en-US"/>
           </a:p>
         </p:txBody>
       </p:sp>
     </p:spTree>
     <p:extLst>
       <p:ext uri="{BB962C8B-B14F-4D97-AF65-F5344CB8AC3E}">
-        <p14:creationId xmlns:p14="http://schemas.microsoft.com/office/powerpoint/2010/main" val="1881083272"/>
+        <p14:creationId xmlns:p14="http://schemas.microsoft.com/office/powerpoint/2010/main" val="1349072874"/>
       </p:ext>
     </p:extLst>
   </p:cSld>
@@ -6377,7 +6630,11 @@
           <a:p>
             <a:r>
               <a:rPr lang="en-US" altLang="zh-CN" dirty="0"/>
-              <a:t>analysis module</a:t>
+              <a:t>task </a:t>
+            </a:r>
+            <a:r>
+              <a:rPr lang="en-US" altLang="zh-CN" dirty="0" smtClean="0"/>
+              <a:t>management module</a:t>
             </a:r>
             <a:endParaRPr lang="zh-CN" altLang="en-US" dirty="0"/>
           </a:p>
@@ -6398,14 +6655,14 @@
           <a:bodyPr/>
           <a:lstStyle/>
           <a:p>
-            <a:endParaRPr lang="zh-CN" altLang="en-US" dirty="0"/>
+            <a:endParaRPr lang="zh-CN" altLang="en-US"/>
           </a:p>
         </p:txBody>
       </p:sp>
     </p:spTree>
     <p:extLst>
       <p:ext uri="{BB962C8B-B14F-4D97-AF65-F5344CB8AC3E}">
-        <p14:creationId xmlns:p14="http://schemas.microsoft.com/office/powerpoint/2010/main" val="837385016"/>
+        <p14:creationId xmlns:p14="http://schemas.microsoft.com/office/powerpoint/2010/main" val="1881083272"/>
       </p:ext>
     </p:extLst>
   </p:cSld>
@@ -6444,14 +6701,12 @@
         </p:nvSpPr>
         <p:spPr/>
         <p:txBody>
-          <a:bodyPr>
-            <a:normAutofit/>
-          </a:bodyPr>
-          <a:lstStyle/>
-          <a:p>
-            <a:r>
-              <a:rPr lang="en-US" altLang="zh-CN" dirty="0" smtClean="0"/>
-              <a:t>overview</a:t>
+          <a:bodyPr/>
+          <a:lstStyle/>
+          <a:p>
+            <a:r>
+              <a:rPr lang="en-US" altLang="zh-CN" dirty="0"/>
+              <a:t>analysis module</a:t>
             </a:r>
             <a:endParaRPr lang="zh-CN" altLang="en-US" dirty="0"/>
           </a:p>
@@ -6459,983 +6714,19 @@
       </p:sp>
       <p:sp>
         <p:nvSpPr>
-          <p:cNvPr id="4" name="TextBox 3"/>
-          <p:cNvSpPr txBox="1"/>
-          <p:nvPr/>
-        </p:nvSpPr>
-        <p:spPr>
-          <a:xfrm>
-            <a:off x="0" y="0"/>
-            <a:ext cx="9139472" cy="369332"/>
-          </a:xfrm>
-          <a:prstGeom prst="rect">
-            <a:avLst/>
-          </a:prstGeom>
-          <a:noFill/>
-        </p:spPr>
-        <p:txBody>
-          <a:bodyPr wrap="square" rtlCol="0">
-            <a:spAutoFit/>
-          </a:bodyPr>
-          <a:lstStyle/>
-          <a:p>
-            <a:r>
-              <a:rPr lang="en-US" altLang="zh-CN" dirty="0" smtClean="0"/>
-              <a:t>Detect </a:t>
-            </a:r>
-            <a:r>
-              <a:rPr lang="en-US" altLang="zh-CN" dirty="0"/>
-              <a:t>selection </a:t>
-            </a:r>
-            <a:r>
-              <a:rPr lang="en-US" altLang="zh-CN" dirty="0" err="1"/>
-              <a:t>signal:Detectsignalacrossgenome_master.py</a:t>
-            </a:r>
-            <a:endParaRPr lang="zh-CN" altLang="en-US" dirty="0"/>
-          </a:p>
-        </p:txBody>
-      </p:sp>
-      <p:sp>
-        <p:nvSpPr>
-          <p:cNvPr id="5" name="矩形 4"/>
-          <p:cNvSpPr/>
-          <p:nvPr/>
-        </p:nvSpPr>
-        <p:spPr>
-          <a:xfrm>
-            <a:off x="4074541" y="2323332"/>
-            <a:ext cx="1728192" cy="1152128"/>
-          </a:xfrm>
-          <a:prstGeom prst="rect">
-            <a:avLst/>
-          </a:prstGeom>
-          <a:solidFill>
-            <a:schemeClr val="accent1">
-              <a:alpha val="0"/>
-            </a:schemeClr>
-          </a:solidFill>
-        </p:spPr>
-        <p:style>
-          <a:lnRef idx="2">
-            <a:schemeClr val="accent1">
-              <a:shade val="50000"/>
-            </a:schemeClr>
-          </a:lnRef>
-          <a:fillRef idx="1">
-            <a:schemeClr val="accent1"/>
-          </a:fillRef>
-          <a:effectRef idx="0">
-            <a:schemeClr val="accent1"/>
-          </a:effectRef>
-          <a:fontRef idx="minor">
-            <a:schemeClr val="lt1"/>
-          </a:fontRef>
-        </p:style>
-        <p:txBody>
-          <a:bodyPr rtlCol="0" anchor="ctr"/>
-          <a:lstStyle/>
-          <a:p>
-            <a:pPr algn="ctr"/>
-            <a:r>
-              <a:rPr lang="en-US" altLang="zh-CN" dirty="0">
-                <a:solidFill>
-                  <a:schemeClr val="tx1"/>
-                </a:solidFill>
-              </a:rPr>
-              <a:t>Detectsignalacrossgenome_master.py</a:t>
-            </a:r>
-            <a:endParaRPr lang="zh-CN" altLang="en-US" dirty="0">
-              <a:solidFill>
-                <a:schemeClr val="tx1"/>
-              </a:solidFill>
-            </a:endParaRPr>
-          </a:p>
-        </p:txBody>
-      </p:sp>
-      <p:sp>
-        <p:nvSpPr>
-          <p:cNvPr id="6" name="TextBox 5"/>
-          <p:cNvSpPr txBox="1"/>
-          <p:nvPr/>
-        </p:nvSpPr>
-        <p:spPr>
-          <a:xfrm>
-            <a:off x="-16046" y="332656"/>
-            <a:ext cx="3363910" cy="7294305"/>
-          </a:xfrm>
-          <a:prstGeom prst="rect">
-            <a:avLst/>
-          </a:prstGeom>
-          <a:noFill/>
-        </p:spPr>
-        <p:txBody>
-          <a:bodyPr wrap="square" rtlCol="0">
-            <a:spAutoFit/>
-          </a:bodyPr>
-          <a:lstStyle/>
-          <a:p>
-            <a:r>
-              <a:rPr lang="en-US" altLang="zh-CN" dirty="0" smtClean="0"/>
-              <a:t>-o path to </a:t>
-            </a:r>
-            <a:r>
-              <a:rPr lang="en-US" altLang="zh-CN" dirty="0" err="1" smtClean="0"/>
-              <a:t>ouput</a:t>
-            </a:r>
-            <a:r>
-              <a:rPr lang="en-US" altLang="zh-CN" dirty="0" smtClean="0"/>
-              <a:t> prefix name</a:t>
-            </a:r>
-          </a:p>
-          <a:p>
-            <a:r>
-              <a:rPr lang="en-US" altLang="zh-CN" dirty="0" smtClean="0"/>
-              <a:t>-T </a:t>
-            </a:r>
-            <a:r>
-              <a:rPr lang="en-US" altLang="zh-CN" dirty="0" err="1" smtClean="0"/>
-              <a:t>targetpopvcf</a:t>
-            </a:r>
-            <a:r>
-              <a:rPr lang="en-US" altLang="zh-CN" dirty="0"/>
-              <a:t> </a:t>
-            </a:r>
-            <a:r>
-              <a:rPr lang="en-US" altLang="zh-CN" dirty="0" err="1" smtClean="0"/>
-              <a:t>depthconfig</a:t>
-            </a:r>
-            <a:r>
-              <a:rPr lang="en-US" altLang="zh-CN" dirty="0" smtClean="0"/>
-              <a:t> (multiple , two parameters for every one)</a:t>
-            </a:r>
-          </a:p>
-          <a:p>
-            <a:r>
-              <a:rPr lang="en-US" altLang="zh-CN" dirty="0" smtClean="0"/>
-              <a:t>-</a:t>
-            </a:r>
-            <a:r>
-              <a:rPr lang="en-US" altLang="zh-CN" dirty="0"/>
-              <a:t>R </a:t>
-            </a:r>
-            <a:r>
-              <a:rPr lang="en-US" altLang="zh-CN" dirty="0" err="1" smtClean="0"/>
-              <a:t>refpopvcf</a:t>
-            </a:r>
-            <a:r>
-              <a:rPr lang="en-US" altLang="zh-CN" dirty="0" smtClean="0"/>
-              <a:t> </a:t>
-            </a:r>
-            <a:r>
-              <a:rPr lang="en-US" altLang="zh-CN" dirty="0" err="1" smtClean="0"/>
-              <a:t>depthconfig</a:t>
-            </a:r>
-            <a:r>
-              <a:rPr lang="en-US" altLang="zh-CN" dirty="0" smtClean="0"/>
-              <a:t> (</a:t>
-            </a:r>
-            <a:r>
-              <a:rPr lang="en-US" altLang="zh-CN" dirty="0"/>
-              <a:t>multiple , two parameters for every </a:t>
-            </a:r>
-            <a:r>
-              <a:rPr lang="en-US" altLang="zh-CN" dirty="0" smtClean="0"/>
-              <a:t>one, omit when calculate </a:t>
-            </a:r>
-            <a:r>
-              <a:rPr lang="en-US" altLang="zh-CN" dirty="0" err="1" smtClean="0"/>
-              <a:t>Hp</a:t>
-            </a:r>
-            <a:r>
-              <a:rPr lang="en-US" altLang="zh-CN" dirty="0" smtClean="0"/>
-              <a:t>)</a:t>
-            </a:r>
-            <a:endParaRPr lang="en-US" altLang="zh-CN" dirty="0"/>
-          </a:p>
-          <a:p>
-            <a:r>
-              <a:rPr lang="en-US" altLang="zh-CN" dirty="0" smtClean="0"/>
-              <a:t>-t </a:t>
-            </a:r>
-            <a:r>
-              <a:rPr lang="en-US" altLang="zh-CN" dirty="0" err="1" smtClean="0"/>
-              <a:t>toplevel_snp_table</a:t>
-            </a:r>
-            <a:r>
-              <a:rPr lang="en-US" altLang="zh-CN" dirty="0" smtClean="0"/>
-              <a:t> (to know ancestral allele and context bases)</a:t>
-            </a:r>
-          </a:p>
-          <a:p>
-            <a:r>
-              <a:rPr lang="en-US" altLang="zh-CN" dirty="0" smtClean="0"/>
-              <a:t>-c/-b multiple chromosome list or bed like file ( -c or –b only one is needed)</a:t>
-            </a:r>
-          </a:p>
-          <a:p>
-            <a:r>
-              <a:rPr lang="en-US" altLang="zh-CN" dirty="0" smtClean="0"/>
-              <a:t>-p type of signal (early, </a:t>
-            </a:r>
-            <a:r>
-              <a:rPr lang="en-US" altLang="zh-CN" dirty="0" err="1" smtClean="0"/>
-              <a:t>hp</a:t>
-            </a:r>
-            <a:r>
-              <a:rPr lang="en-US" altLang="zh-CN" dirty="0" smtClean="0"/>
-              <a:t>, </a:t>
-            </a:r>
-            <a:r>
-              <a:rPr lang="en-US" altLang="zh-CN" dirty="0" err="1" smtClean="0"/>
-              <a:t>Fst</a:t>
-            </a:r>
-            <a:r>
-              <a:rPr lang="en-US" altLang="zh-CN" dirty="0" smtClean="0"/>
-              <a:t>)</a:t>
-            </a:r>
-          </a:p>
-          <a:p>
-            <a:r>
-              <a:rPr lang="en-US" altLang="zh-CN" dirty="0" smtClean="0"/>
-              <a:t>-C </a:t>
-            </a:r>
-            <a:r>
-              <a:rPr lang="en-US" altLang="zh-CN" dirty="0" err="1" smtClean="0"/>
-              <a:t>freq_correlation</a:t>
-            </a:r>
-            <a:r>
-              <a:rPr lang="en-US" altLang="zh-CN" dirty="0"/>
-              <a:t> </a:t>
-            </a:r>
-            <a:r>
-              <a:rPr lang="en-US" altLang="zh-CN" dirty="0" smtClean="0"/>
-              <a:t>file ,for “early” only</a:t>
-            </a:r>
-          </a:p>
-          <a:p>
-            <a:r>
-              <a:rPr lang="en-US" altLang="zh-CN" dirty="0" smtClean="0"/>
-              <a:t>-n number of individuals , for “early” only. Decide to </a:t>
-            </a:r>
-            <a:r>
-              <a:rPr lang="en-US" altLang="zh-CN" dirty="0" err="1" smtClean="0"/>
-              <a:t>divid</a:t>
-            </a:r>
-            <a:r>
-              <a:rPr lang="en-US" altLang="zh-CN" dirty="0" smtClean="0"/>
-              <a:t> frequency in to how many bins</a:t>
-            </a:r>
-          </a:p>
-          <a:p>
-            <a:r>
-              <a:rPr lang="en-US" altLang="zh-CN" dirty="0" smtClean="0"/>
-              <a:t>-1 frequency correlation calculate slaver </a:t>
-            </a:r>
-            <a:r>
-              <a:rPr lang="en-US" altLang="zh-CN" dirty="0" err="1" smtClean="0"/>
-              <a:t>programm</a:t>
-            </a:r>
-            <a:r>
-              <a:rPr lang="en-US" altLang="zh-CN" dirty="0" smtClean="0"/>
-              <a:t> name</a:t>
-            </a:r>
-          </a:p>
-          <a:p>
-            <a:r>
-              <a:rPr lang="en-US" altLang="zh-CN" dirty="0" smtClean="0"/>
-              <a:t>-2 slaver that slide window to calculate signal</a:t>
-            </a:r>
-          </a:p>
-          <a:p>
-            <a:r>
-              <a:rPr lang="en-US" altLang="zh-CN" dirty="0" smtClean="0"/>
-              <a:t>-w window size</a:t>
-            </a:r>
-          </a:p>
-          <a:p>
-            <a:r>
-              <a:rPr lang="en-US" altLang="zh-CN" dirty="0" smtClean="0"/>
-              <a:t>-s slide steps</a:t>
-            </a:r>
-          </a:p>
-        </p:txBody>
-      </p:sp>
-      <p:sp>
-        <p:nvSpPr>
-          <p:cNvPr id="7" name="右大括号 6"/>
-          <p:cNvSpPr/>
-          <p:nvPr/>
-        </p:nvSpPr>
-        <p:spPr>
-          <a:xfrm>
-            <a:off x="3059832" y="1628801"/>
-            <a:ext cx="432048" cy="3612018"/>
-          </a:xfrm>
-          <a:prstGeom prst="rightBrace">
-            <a:avLst>
-              <a:gd name="adj1" fmla="val 8333"/>
-              <a:gd name="adj2" fmla="val 36699"/>
-            </a:avLst>
-          </a:prstGeom>
-        </p:spPr>
-        <p:style>
-          <a:lnRef idx="1">
-            <a:schemeClr val="accent1"/>
-          </a:lnRef>
-          <a:fillRef idx="0">
-            <a:schemeClr val="accent1"/>
-          </a:fillRef>
-          <a:effectRef idx="0">
-            <a:schemeClr val="accent1"/>
-          </a:effectRef>
-          <a:fontRef idx="minor">
-            <a:schemeClr val="tx1"/>
-          </a:fontRef>
-        </p:style>
-        <p:txBody>
-          <a:bodyPr rtlCol="0" anchor="ctr"/>
-          <a:lstStyle/>
-          <a:p>
-            <a:pPr algn="ctr"/>
-            <a:endParaRPr lang="zh-CN" altLang="en-US"/>
-          </a:p>
-        </p:txBody>
-      </p:sp>
-      <p:sp>
-        <p:nvSpPr>
-          <p:cNvPr id="8" name="右箭头 7"/>
-          <p:cNvSpPr/>
-          <p:nvPr/>
-        </p:nvSpPr>
-        <p:spPr>
-          <a:xfrm>
-            <a:off x="5809999" y="2899396"/>
-            <a:ext cx="638092" cy="108012"/>
-          </a:xfrm>
-          <a:prstGeom prst="rightArrow">
-            <a:avLst/>
-          </a:prstGeom>
-        </p:spPr>
-        <p:style>
-          <a:lnRef idx="2">
-            <a:schemeClr val="accent1">
-              <a:shade val="50000"/>
-            </a:schemeClr>
-          </a:lnRef>
-          <a:fillRef idx="1">
-            <a:schemeClr val="accent1"/>
-          </a:fillRef>
-          <a:effectRef idx="0">
-            <a:schemeClr val="accent1"/>
-          </a:effectRef>
-          <a:fontRef idx="minor">
-            <a:schemeClr val="lt1"/>
-          </a:fontRef>
-        </p:style>
-        <p:txBody>
-          <a:bodyPr rtlCol="0" anchor="ctr"/>
-          <a:lstStyle/>
-          <a:p>
-            <a:pPr algn="ctr"/>
-            <a:endParaRPr lang="zh-CN" altLang="en-US"/>
-          </a:p>
-        </p:txBody>
-      </p:sp>
-      <p:sp>
-        <p:nvSpPr>
-          <p:cNvPr id="9" name="右箭头 8"/>
-          <p:cNvSpPr/>
-          <p:nvPr/>
-        </p:nvSpPr>
-        <p:spPr>
-          <a:xfrm>
-            <a:off x="3534989" y="2899396"/>
-            <a:ext cx="539552" cy="108012"/>
-          </a:xfrm>
-          <a:prstGeom prst="rightArrow">
-            <a:avLst/>
-          </a:prstGeom>
-        </p:spPr>
-        <p:style>
-          <a:lnRef idx="2">
-            <a:schemeClr val="accent1">
-              <a:shade val="50000"/>
-            </a:schemeClr>
-          </a:lnRef>
-          <a:fillRef idx="1">
-            <a:schemeClr val="accent1"/>
-          </a:fillRef>
-          <a:effectRef idx="0">
-            <a:schemeClr val="accent1"/>
-          </a:effectRef>
-          <a:fontRef idx="minor">
-            <a:schemeClr val="lt1"/>
-          </a:fontRef>
-        </p:style>
-        <p:txBody>
-          <a:bodyPr rtlCol="0" anchor="ctr"/>
-          <a:lstStyle/>
-          <a:p>
-            <a:pPr algn="ctr"/>
-            <a:endParaRPr lang="zh-CN" altLang="en-US"/>
-          </a:p>
-        </p:txBody>
-      </p:sp>
-      <p:sp>
-        <p:nvSpPr>
-          <p:cNvPr id="10" name="TextBox 9"/>
-          <p:cNvSpPr txBox="1"/>
-          <p:nvPr/>
-        </p:nvSpPr>
-        <p:spPr>
-          <a:xfrm>
-            <a:off x="3275856" y="2539356"/>
-            <a:ext cx="798685" cy="369332"/>
-          </a:xfrm>
-          <a:prstGeom prst="rect">
-            <a:avLst/>
-          </a:prstGeom>
-          <a:noFill/>
-        </p:spPr>
-        <p:txBody>
-          <a:bodyPr wrap="square" rtlCol="0">
-            <a:spAutoFit/>
-          </a:bodyPr>
-          <a:lstStyle/>
-          <a:p>
-            <a:r>
-              <a:rPr lang="en-US" altLang="zh-CN" dirty="0" smtClean="0"/>
-              <a:t>input</a:t>
-            </a:r>
-            <a:endParaRPr lang="zh-CN" altLang="en-US" dirty="0"/>
-          </a:p>
-        </p:txBody>
-      </p:sp>
-      <p:sp>
-        <p:nvSpPr>
-          <p:cNvPr id="11" name="TextBox 10"/>
-          <p:cNvSpPr txBox="1"/>
-          <p:nvPr/>
-        </p:nvSpPr>
-        <p:spPr>
-          <a:xfrm>
-            <a:off x="6907224" y="2576230"/>
-            <a:ext cx="2232248" cy="646331"/>
-          </a:xfrm>
-          <a:prstGeom prst="rect">
-            <a:avLst/>
-          </a:prstGeom>
-          <a:noFill/>
-        </p:spPr>
-        <p:txBody>
-          <a:bodyPr wrap="square" rtlCol="0">
-            <a:spAutoFit/>
-          </a:bodyPr>
-          <a:lstStyle/>
-          <a:p>
-            <a:r>
-              <a:rPr lang="en-US" altLang="zh-CN" dirty="0" err="1" smtClean="0"/>
-              <a:t>winfile</a:t>
-            </a:r>
-            <a:endParaRPr lang="en-US" altLang="zh-CN" dirty="0" smtClean="0"/>
-          </a:p>
-          <a:p>
-            <a:r>
-              <a:rPr lang="en-US" altLang="zh-CN" dirty="0"/>
-              <a:t>(</a:t>
-            </a:r>
-            <a:r>
-              <a:rPr lang="en-US" altLang="zh-CN" dirty="0" err="1" smtClean="0"/>
-              <a:t>freq_correlation</a:t>
-            </a:r>
-            <a:r>
-              <a:rPr lang="en-US" altLang="zh-CN" dirty="0" smtClean="0"/>
-              <a:t>  file)</a:t>
-            </a:r>
-          </a:p>
-        </p:txBody>
-      </p:sp>
-      <p:sp>
-        <p:nvSpPr>
-          <p:cNvPr id="12" name="TextBox 11"/>
-          <p:cNvSpPr txBox="1"/>
-          <p:nvPr/>
-        </p:nvSpPr>
-        <p:spPr>
-          <a:xfrm>
-            <a:off x="5802733" y="2564904"/>
-            <a:ext cx="915918" cy="369332"/>
-          </a:xfrm>
-          <a:prstGeom prst="rect">
-            <a:avLst/>
-          </a:prstGeom>
-          <a:noFill/>
-        </p:spPr>
-        <p:txBody>
-          <a:bodyPr wrap="square" rtlCol="0">
-            <a:spAutoFit/>
-          </a:bodyPr>
-          <a:lstStyle/>
-          <a:p>
-            <a:r>
-              <a:rPr lang="en-US" altLang="zh-CN" dirty="0" smtClean="0"/>
-              <a:t>output</a:t>
-            </a:r>
-            <a:endParaRPr lang="zh-CN" altLang="en-US" dirty="0"/>
-          </a:p>
-        </p:txBody>
-      </p:sp>
-      <p:sp>
-        <p:nvSpPr>
-          <p:cNvPr id="13" name="左大括号 12"/>
-          <p:cNvSpPr/>
-          <p:nvPr/>
-        </p:nvSpPr>
-        <p:spPr>
-          <a:xfrm>
-            <a:off x="6530079" y="2060848"/>
-            <a:ext cx="377145" cy="1800200"/>
-          </a:xfrm>
-          <a:prstGeom prst="leftBrace">
-            <a:avLst/>
-          </a:prstGeom>
-        </p:spPr>
-        <p:style>
-          <a:lnRef idx="1">
-            <a:schemeClr val="accent1"/>
-          </a:lnRef>
-          <a:fillRef idx="0">
-            <a:schemeClr val="accent1"/>
-          </a:fillRef>
-          <a:effectRef idx="0">
-            <a:schemeClr val="accent1"/>
-          </a:effectRef>
-          <a:fontRef idx="minor">
-            <a:schemeClr val="tx1"/>
-          </a:fontRef>
-        </p:style>
-        <p:txBody>
-          <a:bodyPr rtlCol="0" anchor="ctr"/>
-          <a:lstStyle/>
-          <a:p>
-            <a:pPr algn="ctr"/>
-            <a:endParaRPr lang="zh-CN" altLang="en-US"/>
-          </a:p>
-        </p:txBody>
-      </p:sp>
-      <p:cxnSp>
-        <p:nvCxnSpPr>
-          <p:cNvPr id="14" name="直接箭头连接符 13"/>
-          <p:cNvCxnSpPr/>
-          <p:nvPr/>
-        </p:nvCxnSpPr>
-        <p:spPr>
-          <a:xfrm flipH="1">
-            <a:off x="3975991" y="3475460"/>
-            <a:ext cx="425450" cy="1396027"/>
-          </a:xfrm>
-          <a:prstGeom prst="straightConnector1">
-            <a:avLst/>
-          </a:prstGeom>
-          <a:ln>
-            <a:tailEnd type="arrow"/>
-          </a:ln>
-        </p:spPr>
-        <p:style>
-          <a:lnRef idx="1">
-            <a:schemeClr val="accent1"/>
-          </a:lnRef>
-          <a:fillRef idx="0">
-            <a:schemeClr val="accent1"/>
-          </a:fillRef>
-          <a:effectRef idx="0">
-            <a:schemeClr val="accent1"/>
-          </a:effectRef>
-          <a:fontRef idx="minor">
-            <a:schemeClr val="tx1"/>
-          </a:fontRef>
-        </p:style>
-      </p:cxnSp>
-      <p:cxnSp>
-        <p:nvCxnSpPr>
-          <p:cNvPr id="15" name="直接箭头连接符 14"/>
-          <p:cNvCxnSpPr/>
-          <p:nvPr/>
-        </p:nvCxnSpPr>
-        <p:spPr>
-          <a:xfrm>
-            <a:off x="4788024" y="3575343"/>
-            <a:ext cx="0" cy="1296144"/>
-          </a:xfrm>
-          <a:prstGeom prst="straightConnector1">
-            <a:avLst/>
-          </a:prstGeom>
-          <a:ln>
-            <a:tailEnd type="arrow"/>
-          </a:ln>
-        </p:spPr>
-        <p:style>
-          <a:lnRef idx="1">
-            <a:schemeClr val="accent1"/>
-          </a:lnRef>
-          <a:fillRef idx="0">
-            <a:schemeClr val="accent1"/>
-          </a:fillRef>
-          <a:effectRef idx="0">
-            <a:schemeClr val="accent1"/>
-          </a:effectRef>
-          <a:fontRef idx="minor">
-            <a:schemeClr val="tx1"/>
-          </a:fontRef>
-        </p:style>
-      </p:cxnSp>
-      <p:cxnSp>
-        <p:nvCxnSpPr>
-          <p:cNvPr id="16" name="直接箭头连接符 15"/>
-          <p:cNvCxnSpPr/>
-          <p:nvPr/>
-        </p:nvCxnSpPr>
-        <p:spPr>
-          <a:xfrm>
-            <a:off x="5249144" y="3575343"/>
-            <a:ext cx="373903" cy="1296144"/>
-          </a:xfrm>
-          <a:prstGeom prst="straightConnector1">
-            <a:avLst/>
-          </a:prstGeom>
-          <a:ln>
-            <a:tailEnd type="arrow"/>
-          </a:ln>
-        </p:spPr>
-        <p:style>
-          <a:lnRef idx="1">
-            <a:schemeClr val="accent1"/>
-          </a:lnRef>
-          <a:fillRef idx="0">
-            <a:schemeClr val="accent1"/>
-          </a:fillRef>
-          <a:effectRef idx="0">
-            <a:schemeClr val="accent1"/>
-          </a:effectRef>
-          <a:fontRef idx="minor">
-            <a:schemeClr val="tx1"/>
-          </a:fontRef>
-        </p:style>
-      </p:cxnSp>
-      <p:sp>
-        <p:nvSpPr>
-          <p:cNvPr id="17" name="TextBox 16"/>
-          <p:cNvSpPr txBox="1"/>
-          <p:nvPr/>
-        </p:nvSpPr>
-        <p:spPr>
-          <a:xfrm>
-            <a:off x="4188716" y="4029457"/>
-            <a:ext cx="1247379" cy="369332"/>
-          </a:xfrm>
-          <a:prstGeom prst="rect">
-            <a:avLst/>
-          </a:prstGeom>
-          <a:noFill/>
-          <a:ln>
-            <a:noFill/>
-          </a:ln>
-        </p:spPr>
-        <p:txBody>
-          <a:bodyPr wrap="square" rtlCol="0">
-            <a:spAutoFit/>
-          </a:bodyPr>
-          <a:lstStyle/>
-          <a:p>
-            <a:r>
-              <a:rPr lang="en-US" altLang="zh-CN" dirty="0" smtClean="0">
-                <a:solidFill>
-                  <a:schemeClr val="tx2">
-                    <a:lumMod val="60000"/>
-                    <a:lumOff val="40000"/>
-                  </a:schemeClr>
-                </a:solidFill>
-              </a:rPr>
-              <a:t>. . .       . . .</a:t>
-            </a:r>
-            <a:endParaRPr lang="zh-CN" altLang="en-US" dirty="0">
-              <a:solidFill>
-                <a:schemeClr val="tx2">
-                  <a:lumMod val="60000"/>
-                  <a:lumOff val="40000"/>
-                </a:schemeClr>
-              </a:solidFill>
-            </a:endParaRPr>
-          </a:p>
-        </p:txBody>
-      </p:sp>
-      <p:sp>
-        <p:nvSpPr>
-          <p:cNvPr id="18" name="TextBox 17"/>
-          <p:cNvSpPr txBox="1"/>
-          <p:nvPr/>
-        </p:nvSpPr>
-        <p:spPr>
-          <a:xfrm>
-            <a:off x="3604795" y="4871487"/>
-            <a:ext cx="651460" cy="369332"/>
-          </a:xfrm>
-          <a:prstGeom prst="rect">
-            <a:avLst/>
-          </a:prstGeom>
-          <a:noFill/>
-        </p:spPr>
-        <p:txBody>
-          <a:bodyPr wrap="none" rtlCol="0">
-            <a:spAutoFit/>
-          </a:bodyPr>
-          <a:lstStyle/>
-          <a:p>
-            <a:r>
-              <a:rPr lang="en-US" altLang="zh-CN" dirty="0" smtClean="0"/>
-              <a:t>slave</a:t>
-            </a:r>
-            <a:endParaRPr lang="zh-CN" altLang="en-US" dirty="0"/>
-          </a:p>
-        </p:txBody>
-      </p:sp>
-      <p:sp>
-        <p:nvSpPr>
-          <p:cNvPr id="19" name="TextBox 18"/>
-          <p:cNvSpPr txBox="1"/>
-          <p:nvPr/>
-        </p:nvSpPr>
-        <p:spPr>
-          <a:xfrm>
-            <a:off x="4462294" y="4871487"/>
-            <a:ext cx="651460" cy="369332"/>
-          </a:xfrm>
-          <a:prstGeom prst="rect">
-            <a:avLst/>
-          </a:prstGeom>
-          <a:noFill/>
-        </p:spPr>
-        <p:txBody>
-          <a:bodyPr wrap="none" rtlCol="0">
-            <a:spAutoFit/>
-          </a:bodyPr>
-          <a:lstStyle/>
-          <a:p>
-            <a:r>
-              <a:rPr lang="en-US" altLang="zh-CN" dirty="0" smtClean="0"/>
-              <a:t>slave</a:t>
-            </a:r>
-            <a:endParaRPr lang="zh-CN" altLang="en-US" dirty="0"/>
-          </a:p>
-        </p:txBody>
-      </p:sp>
-      <p:sp>
-        <p:nvSpPr>
-          <p:cNvPr id="20" name="TextBox 19"/>
-          <p:cNvSpPr txBox="1"/>
-          <p:nvPr/>
-        </p:nvSpPr>
-        <p:spPr>
-          <a:xfrm>
-            <a:off x="5297317" y="4871487"/>
-            <a:ext cx="651460" cy="369332"/>
-          </a:xfrm>
-          <a:prstGeom prst="rect">
-            <a:avLst/>
-          </a:prstGeom>
-          <a:noFill/>
-        </p:spPr>
-        <p:txBody>
-          <a:bodyPr wrap="none" rtlCol="0">
-            <a:spAutoFit/>
-          </a:bodyPr>
-          <a:lstStyle/>
-          <a:p>
-            <a:r>
-              <a:rPr lang="en-US" altLang="zh-CN" dirty="0" smtClean="0"/>
-              <a:t>slave</a:t>
-            </a:r>
-            <a:endParaRPr lang="zh-CN" altLang="en-US" dirty="0"/>
-          </a:p>
-        </p:txBody>
-      </p:sp>
-      <p:sp>
-        <p:nvSpPr>
-          <p:cNvPr id="21" name="左弧形箭头 20"/>
-          <p:cNvSpPr/>
-          <p:nvPr/>
-        </p:nvSpPr>
-        <p:spPr>
-          <a:xfrm rot="11639433">
-            <a:off x="5260879" y="3203804"/>
-            <a:ext cx="860480" cy="2776383"/>
-          </a:xfrm>
-          <a:prstGeom prst="curvedRightArrow">
-            <a:avLst/>
-          </a:prstGeom>
-        </p:spPr>
-        <p:style>
-          <a:lnRef idx="2">
-            <a:schemeClr val="accent1">
-              <a:shade val="50000"/>
-            </a:schemeClr>
-          </a:lnRef>
-          <a:fillRef idx="1">
-            <a:schemeClr val="accent1"/>
-          </a:fillRef>
-          <a:effectRef idx="0">
-            <a:schemeClr val="accent1"/>
-          </a:effectRef>
-          <a:fontRef idx="minor">
-            <a:schemeClr val="lt1"/>
-          </a:fontRef>
-        </p:style>
-        <p:txBody>
-          <a:bodyPr rtlCol="0" anchor="ctr"/>
-          <a:lstStyle/>
-          <a:p>
-            <a:pPr algn="ctr"/>
-            <a:endParaRPr lang="zh-CN" altLang="en-US">
-              <a:solidFill>
-                <a:schemeClr val="tx1"/>
-              </a:solidFill>
-            </a:endParaRPr>
-          </a:p>
-        </p:txBody>
-      </p:sp>
-      <p:cxnSp>
-        <p:nvCxnSpPr>
-          <p:cNvPr id="22" name="直接箭头连接符 21"/>
-          <p:cNvCxnSpPr/>
-          <p:nvPr/>
-        </p:nvCxnSpPr>
-        <p:spPr>
-          <a:xfrm>
-            <a:off x="3930525" y="5240819"/>
-            <a:ext cx="641475" cy="383615"/>
-          </a:xfrm>
-          <a:prstGeom prst="straightConnector1">
-            <a:avLst/>
-          </a:prstGeom>
-          <a:ln>
-            <a:tailEnd type="arrow"/>
-          </a:ln>
-        </p:spPr>
-        <p:style>
-          <a:lnRef idx="1">
-            <a:schemeClr val="accent1"/>
-          </a:lnRef>
-          <a:fillRef idx="0">
-            <a:schemeClr val="accent1"/>
-          </a:fillRef>
-          <a:effectRef idx="0">
-            <a:schemeClr val="accent1"/>
-          </a:effectRef>
-          <a:fontRef idx="minor">
-            <a:schemeClr val="tx1"/>
-          </a:fontRef>
-        </p:style>
-      </p:cxnSp>
-      <p:cxnSp>
-        <p:nvCxnSpPr>
-          <p:cNvPr id="23" name="直接箭头连接符 22"/>
-          <p:cNvCxnSpPr/>
-          <p:nvPr/>
-        </p:nvCxnSpPr>
-        <p:spPr>
-          <a:xfrm>
-            <a:off x="4788024" y="5240819"/>
-            <a:ext cx="0" cy="383615"/>
-          </a:xfrm>
-          <a:prstGeom prst="straightConnector1">
-            <a:avLst/>
-          </a:prstGeom>
-          <a:ln>
-            <a:tailEnd type="arrow"/>
-          </a:ln>
-        </p:spPr>
-        <p:style>
-          <a:lnRef idx="1">
-            <a:schemeClr val="accent1"/>
-          </a:lnRef>
-          <a:fillRef idx="0">
-            <a:schemeClr val="accent1"/>
-          </a:fillRef>
-          <a:effectRef idx="0">
-            <a:schemeClr val="accent1"/>
-          </a:effectRef>
-          <a:fontRef idx="minor">
-            <a:schemeClr val="tx1"/>
-          </a:fontRef>
-        </p:style>
-      </p:cxnSp>
-      <p:cxnSp>
-        <p:nvCxnSpPr>
-          <p:cNvPr id="24" name="直接箭头连接符 23"/>
-          <p:cNvCxnSpPr/>
-          <p:nvPr/>
-        </p:nvCxnSpPr>
-        <p:spPr>
-          <a:xfrm flipH="1">
-            <a:off x="4938637" y="5240819"/>
-            <a:ext cx="621939" cy="383615"/>
-          </a:xfrm>
-          <a:prstGeom prst="straightConnector1">
-            <a:avLst/>
-          </a:prstGeom>
-          <a:ln>
-            <a:tailEnd type="arrow"/>
-          </a:ln>
-        </p:spPr>
-        <p:style>
-          <a:lnRef idx="1">
-            <a:schemeClr val="accent1"/>
-          </a:lnRef>
-          <a:fillRef idx="0">
-            <a:schemeClr val="accent1"/>
-          </a:fillRef>
-          <a:effectRef idx="0">
-            <a:schemeClr val="accent1"/>
-          </a:effectRef>
-          <a:fontRef idx="minor">
-            <a:schemeClr val="tx1"/>
-          </a:fontRef>
-        </p:style>
-      </p:cxnSp>
-      <p:sp>
-        <p:nvSpPr>
-          <p:cNvPr id="25" name="TextBox 24"/>
-          <p:cNvSpPr txBox="1"/>
-          <p:nvPr/>
-        </p:nvSpPr>
-        <p:spPr>
-          <a:xfrm>
-            <a:off x="3230955" y="5733256"/>
-            <a:ext cx="3861325" cy="1200329"/>
-          </a:xfrm>
-          <a:prstGeom prst="rect">
-            <a:avLst/>
-          </a:prstGeom>
-          <a:noFill/>
-        </p:spPr>
-        <p:txBody>
-          <a:bodyPr wrap="square" rtlCol="0">
-            <a:spAutoFit/>
-          </a:bodyPr>
-          <a:lstStyle/>
-          <a:p>
-            <a:r>
-              <a:rPr lang="en-US" altLang="zh-CN" dirty="0" smtClean="0"/>
-              <a:t>Whole genome was divided into multiple chromosomes or scaffolds (-c). And each scaffold was calculated by Slave </a:t>
-            </a:r>
-            <a:r>
-              <a:rPr lang="en-US" altLang="zh-CN" dirty="0" err="1" smtClean="0"/>
-              <a:t>programm</a:t>
-            </a:r>
-            <a:r>
-              <a:rPr lang="en-US" altLang="zh-CN" dirty="0" smtClean="0"/>
-              <a:t> simultaneously. </a:t>
-            </a:r>
+          <p:cNvPr id="3" name="内容占位符 2"/>
+          <p:cNvSpPr>
+            <a:spLocks noGrp="1"/>
+          </p:cNvSpPr>
+          <p:nvPr>
+            <p:ph idx="1"/>
+          </p:nvPr>
+        </p:nvSpPr>
+        <p:spPr/>
+        <p:txBody>
+          <a:bodyPr/>
+          <a:lstStyle/>
+          <a:p>
             <a:endParaRPr lang="zh-CN" altLang="en-US" dirty="0"/>
           </a:p>
         </p:txBody>
@@ -7443,7 +6734,7 @@
     </p:spTree>
     <p:extLst>
       <p:ext uri="{BB962C8B-B14F-4D97-AF65-F5344CB8AC3E}">
-        <p14:creationId xmlns:p14="http://schemas.microsoft.com/office/powerpoint/2010/main" val="3455380252"/>
+        <p14:creationId xmlns:p14="http://schemas.microsoft.com/office/powerpoint/2010/main" val="837385016"/>
       </p:ext>
     </p:extLst>
   </p:cSld>
@@ -7482,12 +6773,14 @@
         </p:nvSpPr>
         <p:spPr/>
         <p:txBody>
-          <a:bodyPr/>
+          <a:bodyPr>
+            <a:normAutofit/>
+          </a:bodyPr>
           <a:lstStyle/>
           <a:p>
             <a:r>
               <a:rPr lang="en-US" altLang="zh-CN" dirty="0" smtClean="0"/>
-              <a:t>usage</a:t>
+              <a:t>overview</a:t>
             </a:r>
             <a:endParaRPr lang="zh-CN" altLang="en-US" dirty="0"/>
           </a:p>
@@ -7495,292 +6788,7 @@
       </p:sp>
       <p:sp>
         <p:nvSpPr>
-          <p:cNvPr id="3" name="内容占位符 2"/>
-          <p:cNvSpPr>
-            <a:spLocks noGrp="1"/>
-          </p:cNvSpPr>
-          <p:nvPr>
-            <p:ph idx="1"/>
-          </p:nvPr>
-        </p:nvSpPr>
-        <p:spPr/>
-        <p:txBody>
-          <a:bodyPr>
-            <a:noAutofit/>
-          </a:bodyPr>
-          <a:lstStyle/>
-          <a:p>
-            <a:r>
-              <a:rPr lang="en-US" altLang="zh-CN" sz="1800" dirty="0" smtClean="0"/>
-              <a:t>Python-3.3.3/python life/src/NGS/Analysis/</a:t>
-            </a:r>
-            <a:r>
-              <a:rPr lang="en-US" altLang="zh-CN" sz="1800" dirty="0"/>
-              <a:t>Detectsignalacrossgenome_master.</a:t>
-            </a:r>
-            <a:r>
-              <a:rPr lang="en-US" altLang="zh-CN" sz="1800" dirty="0" smtClean="0"/>
-              <a:t>py </a:t>
-            </a:r>
-            <a:r>
-              <a:rPr lang="en-US" altLang="zh-CN" sz="1800" dirty="0"/>
-              <a:t>-o /</a:t>
-            </a:r>
-            <a:r>
-              <a:rPr lang="en-US" altLang="zh-CN" sz="1800" dirty="0" smtClean="0"/>
-              <a:t>home/</a:t>
-            </a:r>
-            <a:r>
-              <a:rPr lang="en-US" altLang="zh-CN" sz="1800" dirty="0" err="1" smtClean="0"/>
-              <a:t>bioinfo</a:t>
-            </a:r>
-            <a:r>
-              <a:rPr lang="en-US" altLang="zh-CN" sz="1800" dirty="0" smtClean="0"/>
-              <a:t>/</a:t>
-            </a:r>
-            <a:r>
-              <a:rPr lang="en-US" altLang="zh-CN" sz="1800" dirty="0" err="1" smtClean="0"/>
-              <a:t>liurui</a:t>
-            </a:r>
-            <a:r>
-              <a:rPr lang="en-US" altLang="zh-CN" sz="1800" dirty="0" smtClean="0"/>
-              <a:t>/data/</a:t>
-            </a:r>
-            <a:r>
-              <a:rPr lang="en-US" altLang="zh-CN" sz="1800" dirty="0" err="1" smtClean="0"/>
-              <a:t>detectselection</a:t>
-            </a:r>
-            <a:r>
-              <a:rPr lang="en-US" altLang="zh-CN" sz="1800" dirty="0" smtClean="0"/>
-              <a:t>/</a:t>
-            </a:r>
-            <a:r>
-              <a:rPr lang="en-US" altLang="zh-CN" sz="1800" dirty="0" err="1" smtClean="0"/>
-              <a:t>uniqmap</a:t>
-            </a:r>
-            <a:r>
-              <a:rPr lang="en-US" altLang="zh-CN" sz="1800" dirty="0" smtClean="0"/>
-              <a:t>/</a:t>
-            </a:r>
-            <a:r>
-              <a:rPr lang="en-US" altLang="zh-CN" sz="1800" dirty="0" err="1" smtClean="0"/>
-              <a:t>earlystageselectivesweep</a:t>
-            </a:r>
-            <a:r>
-              <a:rPr lang="en-US" altLang="zh-CN" sz="1800" dirty="0" smtClean="0"/>
-              <a:t>/</a:t>
-            </a:r>
-            <a:r>
-              <a:rPr lang="en-US" altLang="zh-CN" sz="1800" dirty="0" err="1" smtClean="0"/>
-              <a:t>finaleditionfromproducetoslidwin</a:t>
-            </a:r>
-            <a:r>
-              <a:rPr lang="en-US" altLang="zh-CN" sz="1800" dirty="0" smtClean="0"/>
-              <a:t>  -</a:t>
-            </a:r>
-            <a:r>
-              <a:rPr lang="en-US" altLang="zh-CN" sz="1800" dirty="0"/>
-              <a:t>n 14  -t mspsgjlksy10pop_toplevel_pekingduckref -T </a:t>
-            </a:r>
-            <a:r>
-              <a:rPr lang="en-US" altLang="zh-CN" sz="1800" dirty="0" err="1" smtClean="0"/>
-              <a:t>mallard.VCFBAMconfig</a:t>
-            </a:r>
-            <a:r>
-              <a:rPr lang="en-US" altLang="zh-CN" sz="1800" dirty="0" smtClean="0"/>
-              <a:t> </a:t>
-            </a:r>
-            <a:r>
-              <a:rPr lang="en-US" altLang="zh-CN" sz="1800" dirty="0"/>
-              <a:t>-T </a:t>
-            </a:r>
-            <a:r>
-              <a:rPr lang="en-US" altLang="zh-CN" sz="1800" dirty="0" err="1" smtClean="0"/>
-              <a:t>spotbilled.VCFBAMconfig</a:t>
-            </a:r>
-            <a:r>
-              <a:rPr lang="en-US" altLang="zh-CN" sz="1800" dirty="0" smtClean="0"/>
-              <a:t> </a:t>
-            </a:r>
-            <a:r>
-              <a:rPr lang="en-US" altLang="zh-CN" sz="1800" dirty="0"/>
-              <a:t>-R </a:t>
-            </a:r>
-            <a:r>
-              <a:rPr lang="en-US" altLang="zh-CN" sz="1800" dirty="0" err="1" smtClean="0"/>
-              <a:t>gaoyou.VCFBAMconfig</a:t>
-            </a:r>
-            <a:r>
-              <a:rPr lang="en-US" altLang="zh-CN" sz="1800" dirty="0" smtClean="0"/>
-              <a:t> </a:t>
-            </a:r>
-            <a:r>
-              <a:rPr lang="en-US" altLang="zh-CN" sz="1800" dirty="0"/>
-              <a:t>-R </a:t>
-            </a:r>
-            <a:r>
-              <a:rPr lang="en-US" altLang="zh-CN" sz="1800" dirty="0" err="1" smtClean="0"/>
-              <a:t>lianchengbai.VCFBAMconfig</a:t>
-            </a:r>
-            <a:r>
-              <a:rPr lang="en-US" altLang="zh-CN" sz="1800" dirty="0" smtClean="0"/>
-              <a:t> </a:t>
-            </a:r>
-            <a:r>
-              <a:rPr lang="en-US" altLang="zh-CN" sz="1800" dirty="0"/>
-              <a:t>-R </a:t>
-            </a:r>
-            <a:r>
-              <a:rPr lang="en-US" altLang="zh-CN" sz="1800" dirty="0" err="1" smtClean="0"/>
-              <a:t>jinding.VCFBAMconfig</a:t>
-            </a:r>
-            <a:r>
-              <a:rPr lang="en-US" altLang="zh-CN" sz="1800" dirty="0" smtClean="0"/>
-              <a:t> </a:t>
-            </a:r>
-            <a:r>
-              <a:rPr lang="en-US" altLang="zh-CN" sz="1800" dirty="0"/>
-              <a:t>-R </a:t>
-            </a:r>
-            <a:r>
-              <a:rPr lang="en-US" altLang="zh-CN" sz="1800" dirty="0" err="1" smtClean="0"/>
-              <a:t>campbell.VCFBAMconfig</a:t>
-            </a:r>
-            <a:r>
-              <a:rPr lang="en-US" altLang="zh-CN" sz="1800" dirty="0" smtClean="0"/>
-              <a:t> </a:t>
-            </a:r>
-            <a:r>
-              <a:rPr lang="en-US" altLang="zh-CN" sz="1800" dirty="0"/>
-              <a:t>-R </a:t>
-            </a:r>
-            <a:r>
-              <a:rPr lang="en-US" altLang="zh-CN" sz="1800" dirty="0" err="1" smtClean="0"/>
-              <a:t>cherryvalley.VCFBAMconfig</a:t>
-            </a:r>
-            <a:r>
-              <a:rPr lang="en-US" altLang="zh-CN" sz="1800" dirty="0" smtClean="0"/>
-              <a:t> </a:t>
-            </a:r>
-            <a:r>
-              <a:rPr lang="en-US" altLang="zh-CN" sz="1800" dirty="0"/>
-              <a:t>-R </a:t>
-            </a:r>
-            <a:r>
-              <a:rPr lang="en-US" altLang="zh-CN" sz="1800" dirty="0" err="1" smtClean="0"/>
-              <a:t>beijing.VCFBAMconfig</a:t>
-            </a:r>
-            <a:r>
-              <a:rPr lang="en-US" altLang="zh-CN" sz="1800" dirty="0" smtClean="0"/>
-              <a:t> </a:t>
-            </a:r>
-            <a:r>
-              <a:rPr lang="en-US" altLang="zh-CN" sz="1800" dirty="0"/>
-              <a:t>-R </a:t>
-            </a:r>
-            <a:r>
-              <a:rPr lang="en-US" altLang="zh-CN" sz="1800" dirty="0" err="1" smtClean="0"/>
-              <a:t>shaoxing.VCFBAMconfig</a:t>
-            </a:r>
-            <a:r>
-              <a:rPr lang="en-US" altLang="zh-CN" sz="1800" dirty="0" smtClean="0"/>
-              <a:t> </a:t>
-            </a:r>
-            <a:r>
-              <a:rPr lang="en-US" altLang="zh-CN" sz="1800" dirty="0"/>
-              <a:t>-R </a:t>
-            </a:r>
-            <a:r>
-              <a:rPr lang="en-US" altLang="zh-CN" sz="1800" dirty="0" err="1" smtClean="0"/>
-              <a:t>shanma.VCFBAMconfig</a:t>
-            </a:r>
-            <a:r>
-              <a:rPr lang="en-US" altLang="zh-CN" sz="1800" dirty="0" smtClean="0"/>
-              <a:t> </a:t>
-            </a:r>
-            <a:r>
-              <a:rPr lang="en-US" altLang="zh-CN" sz="1800" dirty="0"/>
-              <a:t>-w 20000 -s 10000 -c </a:t>
-            </a:r>
-            <a:r>
-              <a:rPr lang="en-US" altLang="zh-CN" sz="1800" dirty="0" smtClean="0"/>
-              <a:t>pekingduckchrominfo.autosomescaffolds_1  </a:t>
-            </a:r>
-            <a:r>
-              <a:rPr lang="en-US" altLang="zh-CN" sz="1800" dirty="0"/>
-              <a:t>-c </a:t>
-            </a:r>
-            <a:r>
-              <a:rPr lang="en-US" altLang="zh-CN" sz="1800" dirty="0" smtClean="0"/>
-              <a:t>pekingduckchrominfo.autosomescaffolds_2  -</a:t>
-            </a:r>
-            <a:r>
-              <a:rPr lang="en-US" altLang="zh-CN" sz="1800" dirty="0"/>
-              <a:t>c </a:t>
-            </a:r>
-            <a:r>
-              <a:rPr lang="en-US" altLang="zh-CN" sz="1800" dirty="0" smtClean="0"/>
-              <a:t>pekingduckchrominfo.autosomescaffolds_3   -</a:t>
-            </a:r>
-            <a:r>
-              <a:rPr lang="en-US" altLang="zh-CN" sz="1800" dirty="0"/>
-              <a:t>c </a:t>
-            </a:r>
-            <a:r>
-              <a:rPr lang="en-US" altLang="zh-CN" sz="1800" dirty="0" smtClean="0"/>
-              <a:t>pekingduckchrominfo.autosomescaffolds_4  -</a:t>
-            </a:r>
-            <a:r>
-              <a:rPr lang="en-US" altLang="zh-CN" sz="1800" dirty="0"/>
-              <a:t>c </a:t>
-            </a:r>
-            <a:r>
-              <a:rPr lang="en-US" altLang="zh-CN" sz="1800" dirty="0" smtClean="0"/>
-              <a:t>pekingduckchrominfo.autosomescaffolds_5   -</a:t>
-            </a:r>
-            <a:r>
-              <a:rPr lang="en-US" altLang="zh-CN" sz="1800" dirty="0"/>
-              <a:t>c </a:t>
-            </a:r>
-            <a:r>
-              <a:rPr lang="en-US" altLang="zh-CN" sz="1800" dirty="0" smtClean="0"/>
-              <a:t>pekingduckchrominfo.autosomescaffolds_6  </a:t>
-            </a:r>
-            <a:r>
-              <a:rPr lang="en-US" altLang="zh-CN" sz="1800" dirty="0"/>
-              <a:t>-c </a:t>
-            </a:r>
-            <a:r>
-              <a:rPr lang="en-US" altLang="zh-CN" sz="1800" dirty="0" smtClean="0"/>
-              <a:t>pekingduckchrominfo.autosomescaffolds_7  -</a:t>
-            </a:r>
-            <a:r>
-              <a:rPr lang="en-US" altLang="zh-CN" sz="1800" dirty="0"/>
-              <a:t>c </a:t>
-            </a:r>
-            <a:r>
-              <a:rPr lang="en-US" altLang="zh-CN" sz="1800" dirty="0" smtClean="0"/>
-              <a:t>pekingduckchrominfo.autosomescaffolds_8  </a:t>
-            </a:r>
-            <a:r>
-              <a:rPr lang="en-US" altLang="zh-CN" sz="1800" dirty="0"/>
-              <a:t>-1 </a:t>
-            </a:r>
-            <a:r>
-              <a:rPr lang="en-US" altLang="zh-CN" sz="1800" dirty="0" smtClean="0"/>
-              <a:t>life/src/NGS/Slave/Detectsignalacrossgenome_producecorrelation_slave.py </a:t>
-            </a:r>
-            <a:r>
-              <a:rPr lang="en-US" altLang="zh-CN" sz="1800" dirty="0"/>
-              <a:t>-2 life/src/NGS/Slave/Detectsignalacrossgenome_slidewin_slave.py -p early</a:t>
-            </a:r>
-            <a:endParaRPr lang="zh-CN" altLang="en-US" sz="1800" dirty="0"/>
-          </a:p>
-        </p:txBody>
-      </p:sp>
-      <p:sp>
-        <p:nvSpPr>
-          <p:cNvPr id="5" name="TextBox 4"/>
+          <p:cNvPr id="4" name="TextBox 3"/>
           <p:cNvSpPr txBox="1"/>
           <p:nvPr/>
         </p:nvSpPr>
@@ -7816,10 +6824,956 @@
           </a:p>
         </p:txBody>
       </p:sp>
+      <p:sp>
+        <p:nvSpPr>
+          <p:cNvPr id="5" name="矩形 4"/>
+          <p:cNvSpPr/>
+          <p:nvPr/>
+        </p:nvSpPr>
+        <p:spPr>
+          <a:xfrm>
+            <a:off x="4074541" y="2323332"/>
+            <a:ext cx="1728192" cy="1152128"/>
+          </a:xfrm>
+          <a:prstGeom prst="rect">
+            <a:avLst/>
+          </a:prstGeom>
+          <a:solidFill>
+            <a:schemeClr val="accent1">
+              <a:alpha val="0"/>
+            </a:schemeClr>
+          </a:solidFill>
+        </p:spPr>
+        <p:style>
+          <a:lnRef idx="2">
+            <a:schemeClr val="accent1">
+              <a:shade val="50000"/>
+            </a:schemeClr>
+          </a:lnRef>
+          <a:fillRef idx="1">
+            <a:schemeClr val="accent1"/>
+          </a:fillRef>
+          <a:effectRef idx="0">
+            <a:schemeClr val="accent1"/>
+          </a:effectRef>
+          <a:fontRef idx="minor">
+            <a:schemeClr val="lt1"/>
+          </a:fontRef>
+        </p:style>
+        <p:txBody>
+          <a:bodyPr rtlCol="0" anchor="ctr"/>
+          <a:lstStyle/>
+          <a:p>
+            <a:pPr algn="ctr"/>
+            <a:r>
+              <a:rPr lang="en-US" altLang="zh-CN" dirty="0">
+                <a:solidFill>
+                  <a:schemeClr val="tx1"/>
+                </a:solidFill>
+              </a:rPr>
+              <a:t>Detectsignalacrossgenome_master.py</a:t>
+            </a:r>
+            <a:endParaRPr lang="zh-CN" altLang="en-US" dirty="0">
+              <a:solidFill>
+                <a:schemeClr val="tx1"/>
+              </a:solidFill>
+            </a:endParaRPr>
+          </a:p>
+        </p:txBody>
+      </p:sp>
+      <p:sp>
+        <p:nvSpPr>
+          <p:cNvPr id="6" name="TextBox 5"/>
+          <p:cNvSpPr txBox="1"/>
+          <p:nvPr/>
+        </p:nvSpPr>
+        <p:spPr>
+          <a:xfrm>
+            <a:off x="-16046" y="332656"/>
+            <a:ext cx="3363910" cy="6740307"/>
+          </a:xfrm>
+          <a:prstGeom prst="rect">
+            <a:avLst/>
+          </a:prstGeom>
+          <a:noFill/>
+        </p:spPr>
+        <p:txBody>
+          <a:bodyPr wrap="square" rtlCol="0">
+            <a:spAutoFit/>
+          </a:bodyPr>
+          <a:lstStyle/>
+          <a:p>
+            <a:r>
+              <a:rPr lang="en-US" altLang="zh-CN" dirty="0" smtClean="0"/>
+              <a:t>-o path to </a:t>
+            </a:r>
+            <a:r>
+              <a:rPr lang="en-US" altLang="zh-CN" dirty="0" err="1" smtClean="0"/>
+              <a:t>ouput</a:t>
+            </a:r>
+            <a:r>
+              <a:rPr lang="en-US" altLang="zh-CN" dirty="0" smtClean="0"/>
+              <a:t> prefix name</a:t>
+            </a:r>
+          </a:p>
+          <a:p>
+            <a:r>
+              <a:rPr lang="en-US" altLang="zh-CN" dirty="0" smtClean="0"/>
+              <a:t>-T </a:t>
+            </a:r>
+            <a:r>
+              <a:rPr lang="en-US" altLang="zh-CN" dirty="0" err="1" smtClean="0"/>
+              <a:t>targetpopvcf</a:t>
+            </a:r>
+            <a:r>
+              <a:rPr lang="en-US" altLang="zh-CN" dirty="0"/>
+              <a:t> </a:t>
+            </a:r>
+            <a:r>
+              <a:rPr lang="en-US" altLang="zh-CN" dirty="0" err="1" smtClean="0"/>
+              <a:t>depthconfig</a:t>
+            </a:r>
+            <a:r>
+              <a:rPr lang="en-US" altLang="zh-CN" dirty="0" smtClean="0"/>
+              <a:t> </a:t>
+            </a:r>
+            <a:r>
+              <a:rPr lang="en-US" altLang="zh-CN" dirty="0"/>
+              <a:t>(multiple –R when multiple populations were used, omit when calculate </a:t>
+            </a:r>
+            <a:r>
+              <a:rPr lang="en-US" altLang="zh-CN" dirty="0" err="1" smtClean="0"/>
+              <a:t>Hp</a:t>
+            </a:r>
+            <a:r>
+              <a:rPr lang="en-US" altLang="zh-CN" dirty="0" smtClean="0"/>
+              <a:t>)</a:t>
+            </a:r>
+            <a:endParaRPr lang="en-US" altLang="zh-CN" dirty="0" smtClean="0"/>
+          </a:p>
+          <a:p>
+            <a:r>
+              <a:rPr lang="en-US" altLang="zh-CN" dirty="0" smtClean="0"/>
+              <a:t>-</a:t>
+            </a:r>
+            <a:r>
+              <a:rPr lang="en-US" altLang="zh-CN" dirty="0"/>
+              <a:t>R </a:t>
+            </a:r>
+            <a:r>
+              <a:rPr lang="en-US" altLang="zh-CN" dirty="0" err="1" smtClean="0"/>
+              <a:t>refpopvcf</a:t>
+            </a:r>
+            <a:r>
+              <a:rPr lang="en-US" altLang="zh-CN" dirty="0" smtClean="0"/>
+              <a:t> </a:t>
+            </a:r>
+            <a:r>
+              <a:rPr lang="en-US" altLang="zh-CN" dirty="0" err="1" smtClean="0"/>
+              <a:t>depthconfig</a:t>
+            </a:r>
+            <a:r>
+              <a:rPr lang="en-US" altLang="zh-CN" dirty="0" smtClean="0"/>
+              <a:t> </a:t>
+            </a:r>
+            <a:r>
+              <a:rPr lang="en-US" altLang="zh-CN" dirty="0" smtClean="0"/>
+              <a:t>(multiple)</a:t>
+            </a:r>
+            <a:endParaRPr lang="en-US" altLang="zh-CN" dirty="0"/>
+          </a:p>
+          <a:p>
+            <a:r>
+              <a:rPr lang="en-US" altLang="zh-CN" dirty="0" smtClean="0"/>
+              <a:t>-t </a:t>
+            </a:r>
+            <a:r>
+              <a:rPr lang="en-US" altLang="zh-CN" dirty="0" err="1" smtClean="0"/>
+              <a:t>toplevel_snp_table</a:t>
+            </a:r>
+            <a:r>
+              <a:rPr lang="en-US" altLang="zh-CN" dirty="0" smtClean="0"/>
+              <a:t> (to know ancestral allele and context bases)</a:t>
+            </a:r>
+          </a:p>
+          <a:p>
+            <a:r>
+              <a:rPr lang="en-US" altLang="zh-CN" dirty="0" smtClean="0"/>
+              <a:t>-c/-b multiple chromosome list or bed like file ( -c or –b only one is needed)</a:t>
+            </a:r>
+          </a:p>
+          <a:p>
+            <a:r>
+              <a:rPr lang="en-US" altLang="zh-CN" dirty="0" smtClean="0"/>
+              <a:t>-p type of signal (early, </a:t>
+            </a:r>
+            <a:r>
+              <a:rPr lang="en-US" altLang="zh-CN" dirty="0" err="1" smtClean="0"/>
+              <a:t>hp</a:t>
+            </a:r>
+            <a:r>
+              <a:rPr lang="en-US" altLang="zh-CN" dirty="0" smtClean="0"/>
+              <a:t>, </a:t>
+            </a:r>
+            <a:r>
+              <a:rPr lang="en-US" altLang="zh-CN" dirty="0" err="1" smtClean="0"/>
+              <a:t>Fst</a:t>
+            </a:r>
+            <a:r>
+              <a:rPr lang="en-US" altLang="zh-CN" dirty="0" smtClean="0"/>
+              <a:t>)</a:t>
+            </a:r>
+          </a:p>
+          <a:p>
+            <a:r>
+              <a:rPr lang="en-US" altLang="zh-CN" dirty="0" smtClean="0"/>
+              <a:t>-C </a:t>
+            </a:r>
+            <a:r>
+              <a:rPr lang="en-US" altLang="zh-CN" dirty="0" err="1" smtClean="0"/>
+              <a:t>freq_correlation</a:t>
+            </a:r>
+            <a:r>
+              <a:rPr lang="en-US" altLang="zh-CN" dirty="0"/>
+              <a:t> </a:t>
+            </a:r>
+            <a:r>
+              <a:rPr lang="en-US" altLang="zh-CN" dirty="0" smtClean="0"/>
+              <a:t>file ,for “early” only</a:t>
+            </a:r>
+          </a:p>
+          <a:p>
+            <a:r>
+              <a:rPr lang="en-US" altLang="zh-CN" dirty="0" smtClean="0"/>
+              <a:t>-n number of individuals , for “early” only. Decide to </a:t>
+            </a:r>
+            <a:r>
+              <a:rPr lang="en-US" altLang="zh-CN" dirty="0" err="1" smtClean="0"/>
+              <a:t>divid</a:t>
+            </a:r>
+            <a:r>
+              <a:rPr lang="en-US" altLang="zh-CN" dirty="0" smtClean="0"/>
+              <a:t> frequency in to how many bins</a:t>
+            </a:r>
+          </a:p>
+          <a:p>
+            <a:r>
+              <a:rPr lang="en-US" altLang="zh-CN" dirty="0" smtClean="0"/>
+              <a:t>-1 frequency correlation calculate slaver </a:t>
+            </a:r>
+            <a:r>
+              <a:rPr lang="en-US" altLang="zh-CN" dirty="0" err="1" smtClean="0"/>
+              <a:t>programm</a:t>
+            </a:r>
+            <a:r>
+              <a:rPr lang="en-US" altLang="zh-CN" dirty="0" smtClean="0"/>
+              <a:t> name</a:t>
+            </a:r>
+          </a:p>
+          <a:p>
+            <a:r>
+              <a:rPr lang="en-US" altLang="zh-CN" dirty="0" smtClean="0"/>
+              <a:t>-2 slaver that slide window to calculate signal</a:t>
+            </a:r>
+          </a:p>
+          <a:p>
+            <a:r>
+              <a:rPr lang="en-US" altLang="zh-CN" dirty="0" smtClean="0"/>
+              <a:t>-w window size</a:t>
+            </a:r>
+          </a:p>
+          <a:p>
+            <a:r>
+              <a:rPr lang="en-US" altLang="zh-CN" dirty="0" smtClean="0"/>
+              <a:t>-s slide steps</a:t>
+            </a:r>
+          </a:p>
+        </p:txBody>
+      </p:sp>
+      <p:sp>
+        <p:nvSpPr>
+          <p:cNvPr id="7" name="右大括号 6"/>
+          <p:cNvSpPr/>
+          <p:nvPr/>
+        </p:nvSpPr>
+        <p:spPr>
+          <a:xfrm>
+            <a:off x="3059832" y="1628801"/>
+            <a:ext cx="432048" cy="3612018"/>
+          </a:xfrm>
+          <a:prstGeom prst="rightBrace">
+            <a:avLst>
+              <a:gd name="adj1" fmla="val 8333"/>
+              <a:gd name="adj2" fmla="val 36699"/>
+            </a:avLst>
+          </a:prstGeom>
+        </p:spPr>
+        <p:style>
+          <a:lnRef idx="1">
+            <a:schemeClr val="accent1"/>
+          </a:lnRef>
+          <a:fillRef idx="0">
+            <a:schemeClr val="accent1"/>
+          </a:fillRef>
+          <a:effectRef idx="0">
+            <a:schemeClr val="accent1"/>
+          </a:effectRef>
+          <a:fontRef idx="minor">
+            <a:schemeClr val="tx1"/>
+          </a:fontRef>
+        </p:style>
+        <p:txBody>
+          <a:bodyPr rtlCol="0" anchor="ctr"/>
+          <a:lstStyle/>
+          <a:p>
+            <a:pPr algn="ctr"/>
+            <a:endParaRPr lang="zh-CN" altLang="en-US"/>
+          </a:p>
+        </p:txBody>
+      </p:sp>
+      <p:sp>
+        <p:nvSpPr>
+          <p:cNvPr id="8" name="右箭头 7"/>
+          <p:cNvSpPr/>
+          <p:nvPr/>
+        </p:nvSpPr>
+        <p:spPr>
+          <a:xfrm>
+            <a:off x="5809999" y="2899396"/>
+            <a:ext cx="638092" cy="108012"/>
+          </a:xfrm>
+          <a:prstGeom prst="rightArrow">
+            <a:avLst/>
+          </a:prstGeom>
+        </p:spPr>
+        <p:style>
+          <a:lnRef idx="2">
+            <a:schemeClr val="accent1">
+              <a:shade val="50000"/>
+            </a:schemeClr>
+          </a:lnRef>
+          <a:fillRef idx="1">
+            <a:schemeClr val="accent1"/>
+          </a:fillRef>
+          <a:effectRef idx="0">
+            <a:schemeClr val="accent1"/>
+          </a:effectRef>
+          <a:fontRef idx="minor">
+            <a:schemeClr val="lt1"/>
+          </a:fontRef>
+        </p:style>
+        <p:txBody>
+          <a:bodyPr rtlCol="0" anchor="ctr"/>
+          <a:lstStyle/>
+          <a:p>
+            <a:pPr algn="ctr"/>
+            <a:endParaRPr lang="zh-CN" altLang="en-US"/>
+          </a:p>
+        </p:txBody>
+      </p:sp>
+      <p:sp>
+        <p:nvSpPr>
+          <p:cNvPr id="9" name="右箭头 8"/>
+          <p:cNvSpPr/>
+          <p:nvPr/>
+        </p:nvSpPr>
+        <p:spPr>
+          <a:xfrm>
+            <a:off x="3534989" y="2899396"/>
+            <a:ext cx="539552" cy="108012"/>
+          </a:xfrm>
+          <a:prstGeom prst="rightArrow">
+            <a:avLst/>
+          </a:prstGeom>
+        </p:spPr>
+        <p:style>
+          <a:lnRef idx="2">
+            <a:schemeClr val="accent1">
+              <a:shade val="50000"/>
+            </a:schemeClr>
+          </a:lnRef>
+          <a:fillRef idx="1">
+            <a:schemeClr val="accent1"/>
+          </a:fillRef>
+          <a:effectRef idx="0">
+            <a:schemeClr val="accent1"/>
+          </a:effectRef>
+          <a:fontRef idx="minor">
+            <a:schemeClr val="lt1"/>
+          </a:fontRef>
+        </p:style>
+        <p:txBody>
+          <a:bodyPr rtlCol="0" anchor="ctr"/>
+          <a:lstStyle/>
+          <a:p>
+            <a:pPr algn="ctr"/>
+            <a:endParaRPr lang="zh-CN" altLang="en-US"/>
+          </a:p>
+        </p:txBody>
+      </p:sp>
+      <p:sp>
+        <p:nvSpPr>
+          <p:cNvPr id="10" name="TextBox 9"/>
+          <p:cNvSpPr txBox="1"/>
+          <p:nvPr/>
+        </p:nvSpPr>
+        <p:spPr>
+          <a:xfrm>
+            <a:off x="3275856" y="2539356"/>
+            <a:ext cx="798685" cy="369332"/>
+          </a:xfrm>
+          <a:prstGeom prst="rect">
+            <a:avLst/>
+          </a:prstGeom>
+          <a:noFill/>
+        </p:spPr>
+        <p:txBody>
+          <a:bodyPr wrap="square" rtlCol="0">
+            <a:spAutoFit/>
+          </a:bodyPr>
+          <a:lstStyle/>
+          <a:p>
+            <a:r>
+              <a:rPr lang="en-US" altLang="zh-CN" dirty="0" smtClean="0"/>
+              <a:t>input</a:t>
+            </a:r>
+            <a:endParaRPr lang="zh-CN" altLang="en-US" dirty="0"/>
+          </a:p>
+        </p:txBody>
+      </p:sp>
+      <p:sp>
+        <p:nvSpPr>
+          <p:cNvPr id="11" name="TextBox 10"/>
+          <p:cNvSpPr txBox="1"/>
+          <p:nvPr/>
+        </p:nvSpPr>
+        <p:spPr>
+          <a:xfrm>
+            <a:off x="6907224" y="2576230"/>
+            <a:ext cx="2232248" cy="646331"/>
+          </a:xfrm>
+          <a:prstGeom prst="rect">
+            <a:avLst/>
+          </a:prstGeom>
+          <a:noFill/>
+        </p:spPr>
+        <p:txBody>
+          <a:bodyPr wrap="square" rtlCol="0">
+            <a:spAutoFit/>
+          </a:bodyPr>
+          <a:lstStyle/>
+          <a:p>
+            <a:r>
+              <a:rPr lang="en-US" altLang="zh-CN" dirty="0" err="1" smtClean="0"/>
+              <a:t>winfile</a:t>
+            </a:r>
+            <a:endParaRPr lang="en-US" altLang="zh-CN" dirty="0" smtClean="0"/>
+          </a:p>
+          <a:p>
+            <a:r>
+              <a:rPr lang="en-US" altLang="zh-CN" dirty="0"/>
+              <a:t>(</a:t>
+            </a:r>
+            <a:r>
+              <a:rPr lang="en-US" altLang="zh-CN" dirty="0" err="1" smtClean="0"/>
+              <a:t>freq_correlation</a:t>
+            </a:r>
+            <a:r>
+              <a:rPr lang="en-US" altLang="zh-CN" dirty="0" smtClean="0"/>
+              <a:t>  file)</a:t>
+            </a:r>
+          </a:p>
+        </p:txBody>
+      </p:sp>
+      <p:sp>
+        <p:nvSpPr>
+          <p:cNvPr id="12" name="TextBox 11"/>
+          <p:cNvSpPr txBox="1"/>
+          <p:nvPr/>
+        </p:nvSpPr>
+        <p:spPr>
+          <a:xfrm>
+            <a:off x="5802733" y="2564904"/>
+            <a:ext cx="915918" cy="369332"/>
+          </a:xfrm>
+          <a:prstGeom prst="rect">
+            <a:avLst/>
+          </a:prstGeom>
+          <a:noFill/>
+        </p:spPr>
+        <p:txBody>
+          <a:bodyPr wrap="square" rtlCol="0">
+            <a:spAutoFit/>
+          </a:bodyPr>
+          <a:lstStyle/>
+          <a:p>
+            <a:r>
+              <a:rPr lang="en-US" altLang="zh-CN" dirty="0" smtClean="0"/>
+              <a:t>output</a:t>
+            </a:r>
+            <a:endParaRPr lang="zh-CN" altLang="en-US" dirty="0"/>
+          </a:p>
+        </p:txBody>
+      </p:sp>
+      <p:sp>
+        <p:nvSpPr>
+          <p:cNvPr id="13" name="左大括号 12"/>
+          <p:cNvSpPr/>
+          <p:nvPr/>
+        </p:nvSpPr>
+        <p:spPr>
+          <a:xfrm>
+            <a:off x="6530079" y="2060848"/>
+            <a:ext cx="377145" cy="1800200"/>
+          </a:xfrm>
+          <a:prstGeom prst="leftBrace">
+            <a:avLst/>
+          </a:prstGeom>
+        </p:spPr>
+        <p:style>
+          <a:lnRef idx="1">
+            <a:schemeClr val="accent1"/>
+          </a:lnRef>
+          <a:fillRef idx="0">
+            <a:schemeClr val="accent1"/>
+          </a:fillRef>
+          <a:effectRef idx="0">
+            <a:schemeClr val="accent1"/>
+          </a:effectRef>
+          <a:fontRef idx="minor">
+            <a:schemeClr val="tx1"/>
+          </a:fontRef>
+        </p:style>
+        <p:txBody>
+          <a:bodyPr rtlCol="0" anchor="ctr"/>
+          <a:lstStyle/>
+          <a:p>
+            <a:pPr algn="ctr"/>
+            <a:endParaRPr lang="zh-CN" altLang="en-US"/>
+          </a:p>
+        </p:txBody>
+      </p:sp>
+      <p:cxnSp>
+        <p:nvCxnSpPr>
+          <p:cNvPr id="14" name="直接箭头连接符 13"/>
+          <p:cNvCxnSpPr/>
+          <p:nvPr/>
+        </p:nvCxnSpPr>
+        <p:spPr>
+          <a:xfrm flipH="1">
+            <a:off x="3975991" y="3475460"/>
+            <a:ext cx="425450" cy="1396027"/>
+          </a:xfrm>
+          <a:prstGeom prst="straightConnector1">
+            <a:avLst/>
+          </a:prstGeom>
+          <a:ln>
+            <a:tailEnd type="arrow"/>
+          </a:ln>
+        </p:spPr>
+        <p:style>
+          <a:lnRef idx="1">
+            <a:schemeClr val="accent1"/>
+          </a:lnRef>
+          <a:fillRef idx="0">
+            <a:schemeClr val="accent1"/>
+          </a:fillRef>
+          <a:effectRef idx="0">
+            <a:schemeClr val="accent1"/>
+          </a:effectRef>
+          <a:fontRef idx="minor">
+            <a:schemeClr val="tx1"/>
+          </a:fontRef>
+        </p:style>
+      </p:cxnSp>
+      <p:cxnSp>
+        <p:nvCxnSpPr>
+          <p:cNvPr id="15" name="直接箭头连接符 14"/>
+          <p:cNvCxnSpPr/>
+          <p:nvPr/>
+        </p:nvCxnSpPr>
+        <p:spPr>
+          <a:xfrm>
+            <a:off x="4788024" y="3575343"/>
+            <a:ext cx="0" cy="1296144"/>
+          </a:xfrm>
+          <a:prstGeom prst="straightConnector1">
+            <a:avLst/>
+          </a:prstGeom>
+          <a:ln>
+            <a:tailEnd type="arrow"/>
+          </a:ln>
+        </p:spPr>
+        <p:style>
+          <a:lnRef idx="1">
+            <a:schemeClr val="accent1"/>
+          </a:lnRef>
+          <a:fillRef idx="0">
+            <a:schemeClr val="accent1"/>
+          </a:fillRef>
+          <a:effectRef idx="0">
+            <a:schemeClr val="accent1"/>
+          </a:effectRef>
+          <a:fontRef idx="minor">
+            <a:schemeClr val="tx1"/>
+          </a:fontRef>
+        </p:style>
+      </p:cxnSp>
+      <p:cxnSp>
+        <p:nvCxnSpPr>
+          <p:cNvPr id="16" name="直接箭头连接符 15"/>
+          <p:cNvCxnSpPr/>
+          <p:nvPr/>
+        </p:nvCxnSpPr>
+        <p:spPr>
+          <a:xfrm>
+            <a:off x="5249144" y="3575343"/>
+            <a:ext cx="373903" cy="1296144"/>
+          </a:xfrm>
+          <a:prstGeom prst="straightConnector1">
+            <a:avLst/>
+          </a:prstGeom>
+          <a:ln>
+            <a:tailEnd type="arrow"/>
+          </a:ln>
+        </p:spPr>
+        <p:style>
+          <a:lnRef idx="1">
+            <a:schemeClr val="accent1"/>
+          </a:lnRef>
+          <a:fillRef idx="0">
+            <a:schemeClr val="accent1"/>
+          </a:fillRef>
+          <a:effectRef idx="0">
+            <a:schemeClr val="accent1"/>
+          </a:effectRef>
+          <a:fontRef idx="minor">
+            <a:schemeClr val="tx1"/>
+          </a:fontRef>
+        </p:style>
+      </p:cxnSp>
+      <p:sp>
+        <p:nvSpPr>
+          <p:cNvPr id="17" name="TextBox 16"/>
+          <p:cNvSpPr txBox="1"/>
+          <p:nvPr/>
+        </p:nvSpPr>
+        <p:spPr>
+          <a:xfrm>
+            <a:off x="4188716" y="4029457"/>
+            <a:ext cx="1247379" cy="369332"/>
+          </a:xfrm>
+          <a:prstGeom prst="rect">
+            <a:avLst/>
+          </a:prstGeom>
+          <a:noFill/>
+          <a:ln>
+            <a:noFill/>
+          </a:ln>
+        </p:spPr>
+        <p:txBody>
+          <a:bodyPr wrap="square" rtlCol="0">
+            <a:spAutoFit/>
+          </a:bodyPr>
+          <a:lstStyle/>
+          <a:p>
+            <a:r>
+              <a:rPr lang="en-US" altLang="zh-CN" dirty="0" smtClean="0">
+                <a:solidFill>
+                  <a:schemeClr val="tx2">
+                    <a:lumMod val="60000"/>
+                    <a:lumOff val="40000"/>
+                  </a:schemeClr>
+                </a:solidFill>
+              </a:rPr>
+              <a:t>. . .       . . .</a:t>
+            </a:r>
+            <a:endParaRPr lang="zh-CN" altLang="en-US" dirty="0">
+              <a:solidFill>
+                <a:schemeClr val="tx2">
+                  <a:lumMod val="60000"/>
+                  <a:lumOff val="40000"/>
+                </a:schemeClr>
+              </a:solidFill>
+            </a:endParaRPr>
+          </a:p>
+        </p:txBody>
+      </p:sp>
+      <p:sp>
+        <p:nvSpPr>
+          <p:cNvPr id="18" name="TextBox 17"/>
+          <p:cNvSpPr txBox="1"/>
+          <p:nvPr/>
+        </p:nvSpPr>
+        <p:spPr>
+          <a:xfrm>
+            <a:off x="3604795" y="4871487"/>
+            <a:ext cx="651460" cy="369332"/>
+          </a:xfrm>
+          <a:prstGeom prst="rect">
+            <a:avLst/>
+          </a:prstGeom>
+          <a:noFill/>
+        </p:spPr>
+        <p:txBody>
+          <a:bodyPr wrap="none" rtlCol="0">
+            <a:spAutoFit/>
+          </a:bodyPr>
+          <a:lstStyle/>
+          <a:p>
+            <a:r>
+              <a:rPr lang="en-US" altLang="zh-CN" dirty="0" smtClean="0"/>
+              <a:t>slave</a:t>
+            </a:r>
+            <a:endParaRPr lang="zh-CN" altLang="en-US" dirty="0"/>
+          </a:p>
+        </p:txBody>
+      </p:sp>
+      <p:sp>
+        <p:nvSpPr>
+          <p:cNvPr id="19" name="TextBox 18"/>
+          <p:cNvSpPr txBox="1"/>
+          <p:nvPr/>
+        </p:nvSpPr>
+        <p:spPr>
+          <a:xfrm>
+            <a:off x="4462294" y="4871487"/>
+            <a:ext cx="651460" cy="369332"/>
+          </a:xfrm>
+          <a:prstGeom prst="rect">
+            <a:avLst/>
+          </a:prstGeom>
+          <a:noFill/>
+        </p:spPr>
+        <p:txBody>
+          <a:bodyPr wrap="none" rtlCol="0">
+            <a:spAutoFit/>
+          </a:bodyPr>
+          <a:lstStyle/>
+          <a:p>
+            <a:r>
+              <a:rPr lang="en-US" altLang="zh-CN" dirty="0" smtClean="0"/>
+              <a:t>slave</a:t>
+            </a:r>
+            <a:endParaRPr lang="zh-CN" altLang="en-US" dirty="0"/>
+          </a:p>
+        </p:txBody>
+      </p:sp>
+      <p:sp>
+        <p:nvSpPr>
+          <p:cNvPr id="20" name="TextBox 19"/>
+          <p:cNvSpPr txBox="1"/>
+          <p:nvPr/>
+        </p:nvSpPr>
+        <p:spPr>
+          <a:xfrm>
+            <a:off x="5297317" y="4871487"/>
+            <a:ext cx="651460" cy="369332"/>
+          </a:xfrm>
+          <a:prstGeom prst="rect">
+            <a:avLst/>
+          </a:prstGeom>
+          <a:noFill/>
+        </p:spPr>
+        <p:txBody>
+          <a:bodyPr wrap="none" rtlCol="0">
+            <a:spAutoFit/>
+          </a:bodyPr>
+          <a:lstStyle/>
+          <a:p>
+            <a:r>
+              <a:rPr lang="en-US" altLang="zh-CN" dirty="0" smtClean="0"/>
+              <a:t>slave</a:t>
+            </a:r>
+            <a:endParaRPr lang="zh-CN" altLang="en-US" dirty="0"/>
+          </a:p>
+        </p:txBody>
+      </p:sp>
+      <p:sp>
+        <p:nvSpPr>
+          <p:cNvPr id="21" name="左弧形箭头 20"/>
+          <p:cNvSpPr/>
+          <p:nvPr/>
+        </p:nvSpPr>
+        <p:spPr>
+          <a:xfrm rot="11639433">
+            <a:off x="5260879" y="3203804"/>
+            <a:ext cx="860480" cy="2776383"/>
+          </a:xfrm>
+          <a:prstGeom prst="curvedRightArrow">
+            <a:avLst/>
+          </a:prstGeom>
+        </p:spPr>
+        <p:style>
+          <a:lnRef idx="2">
+            <a:schemeClr val="accent1">
+              <a:shade val="50000"/>
+            </a:schemeClr>
+          </a:lnRef>
+          <a:fillRef idx="1">
+            <a:schemeClr val="accent1"/>
+          </a:fillRef>
+          <a:effectRef idx="0">
+            <a:schemeClr val="accent1"/>
+          </a:effectRef>
+          <a:fontRef idx="minor">
+            <a:schemeClr val="lt1"/>
+          </a:fontRef>
+        </p:style>
+        <p:txBody>
+          <a:bodyPr rtlCol="0" anchor="ctr"/>
+          <a:lstStyle/>
+          <a:p>
+            <a:pPr algn="ctr"/>
+            <a:endParaRPr lang="zh-CN" altLang="en-US">
+              <a:solidFill>
+                <a:schemeClr val="tx1"/>
+              </a:solidFill>
+            </a:endParaRPr>
+          </a:p>
+        </p:txBody>
+      </p:sp>
+      <p:cxnSp>
+        <p:nvCxnSpPr>
+          <p:cNvPr id="22" name="直接箭头连接符 21"/>
+          <p:cNvCxnSpPr/>
+          <p:nvPr/>
+        </p:nvCxnSpPr>
+        <p:spPr>
+          <a:xfrm>
+            <a:off x="3930525" y="5240819"/>
+            <a:ext cx="641475" cy="383615"/>
+          </a:xfrm>
+          <a:prstGeom prst="straightConnector1">
+            <a:avLst/>
+          </a:prstGeom>
+          <a:ln>
+            <a:tailEnd type="arrow"/>
+          </a:ln>
+        </p:spPr>
+        <p:style>
+          <a:lnRef idx="1">
+            <a:schemeClr val="accent1"/>
+          </a:lnRef>
+          <a:fillRef idx="0">
+            <a:schemeClr val="accent1"/>
+          </a:fillRef>
+          <a:effectRef idx="0">
+            <a:schemeClr val="accent1"/>
+          </a:effectRef>
+          <a:fontRef idx="minor">
+            <a:schemeClr val="tx1"/>
+          </a:fontRef>
+        </p:style>
+      </p:cxnSp>
+      <p:cxnSp>
+        <p:nvCxnSpPr>
+          <p:cNvPr id="23" name="直接箭头连接符 22"/>
+          <p:cNvCxnSpPr/>
+          <p:nvPr/>
+        </p:nvCxnSpPr>
+        <p:spPr>
+          <a:xfrm>
+            <a:off x="4788024" y="5240819"/>
+            <a:ext cx="0" cy="383615"/>
+          </a:xfrm>
+          <a:prstGeom prst="straightConnector1">
+            <a:avLst/>
+          </a:prstGeom>
+          <a:ln>
+            <a:tailEnd type="arrow"/>
+          </a:ln>
+        </p:spPr>
+        <p:style>
+          <a:lnRef idx="1">
+            <a:schemeClr val="accent1"/>
+          </a:lnRef>
+          <a:fillRef idx="0">
+            <a:schemeClr val="accent1"/>
+          </a:fillRef>
+          <a:effectRef idx="0">
+            <a:schemeClr val="accent1"/>
+          </a:effectRef>
+          <a:fontRef idx="minor">
+            <a:schemeClr val="tx1"/>
+          </a:fontRef>
+        </p:style>
+      </p:cxnSp>
+      <p:cxnSp>
+        <p:nvCxnSpPr>
+          <p:cNvPr id="24" name="直接箭头连接符 23"/>
+          <p:cNvCxnSpPr/>
+          <p:nvPr/>
+        </p:nvCxnSpPr>
+        <p:spPr>
+          <a:xfrm flipH="1">
+            <a:off x="4938637" y="5240819"/>
+            <a:ext cx="621939" cy="383615"/>
+          </a:xfrm>
+          <a:prstGeom prst="straightConnector1">
+            <a:avLst/>
+          </a:prstGeom>
+          <a:ln>
+            <a:tailEnd type="arrow"/>
+          </a:ln>
+        </p:spPr>
+        <p:style>
+          <a:lnRef idx="1">
+            <a:schemeClr val="accent1"/>
+          </a:lnRef>
+          <a:fillRef idx="0">
+            <a:schemeClr val="accent1"/>
+          </a:fillRef>
+          <a:effectRef idx="0">
+            <a:schemeClr val="accent1"/>
+          </a:effectRef>
+          <a:fontRef idx="minor">
+            <a:schemeClr val="tx1"/>
+          </a:fontRef>
+        </p:style>
+      </p:cxnSp>
+      <p:sp>
+        <p:nvSpPr>
+          <p:cNvPr id="25" name="TextBox 24"/>
+          <p:cNvSpPr txBox="1"/>
+          <p:nvPr/>
+        </p:nvSpPr>
+        <p:spPr>
+          <a:xfrm>
+            <a:off x="3230955" y="5733256"/>
+            <a:ext cx="3861325" cy="1200329"/>
+          </a:xfrm>
+          <a:prstGeom prst="rect">
+            <a:avLst/>
+          </a:prstGeom>
+          <a:noFill/>
+        </p:spPr>
+        <p:txBody>
+          <a:bodyPr wrap="square" rtlCol="0">
+            <a:spAutoFit/>
+          </a:bodyPr>
+          <a:lstStyle/>
+          <a:p>
+            <a:r>
+              <a:rPr lang="en-US" altLang="zh-CN" dirty="0" smtClean="0"/>
+              <a:t>Whole genome was divided into multiple chromosomes or scaffolds (-c). And each scaffold was calculated by Slave </a:t>
+            </a:r>
+            <a:r>
+              <a:rPr lang="en-US" altLang="zh-CN" dirty="0" err="1" smtClean="0"/>
+              <a:t>programm</a:t>
+            </a:r>
+            <a:r>
+              <a:rPr lang="en-US" altLang="zh-CN" dirty="0" smtClean="0"/>
+              <a:t> simultaneously. </a:t>
+            </a:r>
+            <a:endParaRPr lang="zh-CN" altLang="en-US" dirty="0"/>
+          </a:p>
+        </p:txBody>
+      </p:sp>
     </p:spTree>
     <p:extLst>
       <p:ext uri="{BB962C8B-B14F-4D97-AF65-F5344CB8AC3E}">
-        <p14:creationId xmlns:p14="http://schemas.microsoft.com/office/powerpoint/2010/main" val="1538647101"/>
+        <p14:creationId xmlns:p14="http://schemas.microsoft.com/office/powerpoint/2010/main" val="3455380252"/>
       </p:ext>
     </p:extLst>
   </p:cSld>
@@ -7856,106 +7810,314 @@
             <p:ph type="title"/>
           </p:nvPr>
         </p:nvSpPr>
-        <p:spPr>
-          <a:xfrm>
-            <a:off x="457200" y="274638"/>
-            <a:ext cx="8229600" cy="922114"/>
-          </a:xfrm>
-        </p:spPr>
+        <p:spPr/>
+        <p:txBody>
+          <a:bodyPr/>
+          <a:lstStyle/>
+          <a:p>
+            <a:r>
+              <a:rPr lang="en-US" altLang="zh-CN" dirty="0" smtClean="0"/>
+              <a:t>usage</a:t>
+            </a:r>
+            <a:endParaRPr lang="zh-CN" altLang="en-US" dirty="0"/>
+          </a:p>
+        </p:txBody>
+      </p:sp>
+      <p:sp>
+        <p:nvSpPr>
+          <p:cNvPr id="3" name="内容占位符 2"/>
+          <p:cNvSpPr>
+            <a:spLocks noGrp="1"/>
+          </p:cNvSpPr>
+          <p:nvPr>
+            <p:ph idx="1"/>
+          </p:nvPr>
+        </p:nvSpPr>
+        <p:spPr/>
         <p:txBody>
           <a:bodyPr>
-            <a:normAutofit/>
+            <a:noAutofit/>
           </a:bodyPr>
           <a:lstStyle/>
           <a:p>
             <a:r>
-              <a:rPr lang="en-US" altLang="zh-CN" sz="3200" dirty="0" smtClean="0"/>
-              <a:t>-T/-R </a:t>
-            </a:r>
-            <a:r>
-              <a:rPr lang="en-US" altLang="zh-CN" sz="3200" dirty="0" err="1" smtClean="0"/>
+              <a:rPr lang="en-US" altLang="zh-CN" sz="1800" dirty="0" smtClean="0"/>
+              <a:t>Python-3.3.3/python life/src/NGS/Analysis/</a:t>
+            </a:r>
+            <a:r>
+              <a:rPr lang="en-US" altLang="zh-CN" sz="1800" dirty="0"/>
+              <a:t>Detectsignalacrossgenome_master.</a:t>
+            </a:r>
+            <a:r>
+              <a:rPr lang="en-US" altLang="zh-CN" sz="1800" dirty="0" smtClean="0"/>
+              <a:t>py </a:t>
+            </a:r>
+            <a:r>
+              <a:rPr lang="en-US" altLang="zh-CN" sz="1800" dirty="0"/>
+              <a:t>-o /</a:t>
+            </a:r>
+            <a:r>
+              <a:rPr lang="en-US" altLang="zh-CN" sz="1800" dirty="0" smtClean="0"/>
+              <a:t>home/</a:t>
+            </a:r>
+            <a:r>
+              <a:rPr lang="en-US" altLang="zh-CN" sz="1800" dirty="0" err="1" smtClean="0"/>
+              <a:t>bioinfo</a:t>
+            </a:r>
+            <a:r>
+              <a:rPr lang="en-US" altLang="zh-CN" sz="1800" dirty="0" smtClean="0"/>
+              <a:t>/</a:t>
+            </a:r>
+            <a:r>
+              <a:rPr lang="en-US" altLang="zh-CN" sz="1800" dirty="0" err="1" smtClean="0"/>
+              <a:t>liurui</a:t>
+            </a:r>
+            <a:r>
+              <a:rPr lang="en-US" altLang="zh-CN" sz="1800" dirty="0" smtClean="0"/>
+              <a:t>/data/</a:t>
+            </a:r>
+            <a:r>
+              <a:rPr lang="en-US" altLang="zh-CN" sz="1800" dirty="0" err="1" smtClean="0"/>
+              <a:t>detectselection</a:t>
+            </a:r>
+            <a:r>
+              <a:rPr lang="en-US" altLang="zh-CN" sz="1800" dirty="0" smtClean="0"/>
+              <a:t>/</a:t>
+            </a:r>
+            <a:r>
+              <a:rPr lang="en-US" altLang="zh-CN" sz="1800" dirty="0" err="1" smtClean="0"/>
+              <a:t>uniqmap</a:t>
+            </a:r>
+            <a:r>
+              <a:rPr lang="en-US" altLang="zh-CN" sz="1800" dirty="0" smtClean="0"/>
+              <a:t>/</a:t>
+            </a:r>
+            <a:r>
+              <a:rPr lang="en-US" altLang="zh-CN" sz="1800" dirty="0" err="1" smtClean="0"/>
+              <a:t>earlystageselectivesweep</a:t>
+            </a:r>
+            <a:r>
+              <a:rPr lang="en-US" altLang="zh-CN" sz="1800" dirty="0" smtClean="0"/>
+              <a:t>/</a:t>
+            </a:r>
+            <a:r>
+              <a:rPr lang="en-US" altLang="zh-CN" sz="1800" dirty="0" err="1" smtClean="0"/>
+              <a:t>finaleditionfromproducetoslidwin</a:t>
+            </a:r>
+            <a:r>
+              <a:rPr lang="en-US" altLang="zh-CN" sz="1800" dirty="0" smtClean="0"/>
+              <a:t>  -</a:t>
+            </a:r>
+            <a:r>
+              <a:rPr lang="en-US" altLang="zh-CN" sz="1800" dirty="0"/>
+              <a:t>n 14  -t mspsgjlksy10pop_toplevel_pekingduckref -T </a:t>
+            </a:r>
+            <a:r>
+              <a:rPr lang="en-US" altLang="zh-CN" sz="1800" dirty="0" err="1" smtClean="0"/>
               <a:t>mallard.VCFBAMconfig</a:t>
             </a:r>
             <a:r>
-              <a:rPr lang="en-US" altLang="zh-CN" sz="3200" dirty="0" smtClean="0"/>
-              <a:t>  file</a:t>
-            </a:r>
-            <a:endParaRPr lang="zh-CN" altLang="en-US" sz="3200" dirty="0"/>
-          </a:p>
-        </p:txBody>
-      </p:sp>
-      <p:pic>
-        <p:nvPicPr>
-          <p:cNvPr id="6" name="内容占位符 5"/>
-          <p:cNvPicPr>
-            <a:picLocks noGrp="1" noChangeAspect="1"/>
-          </p:cNvPicPr>
-          <p:nvPr>
-            <p:ph idx="1"/>
-          </p:nvPr>
-        </p:nvPicPr>
-        <p:blipFill>
-          <a:blip r:embed="rId2">
-            <a:extLst>
-              <a:ext uri="{28A0092B-C50C-407E-A947-70E740481C1C}">
-                <a14:useLocalDpi xmlns:a14="http://schemas.microsoft.com/office/drawing/2010/main" val="0"/>
-              </a:ext>
-            </a:extLst>
-          </a:blip>
-          <a:stretch>
-            <a:fillRect/>
-          </a:stretch>
-        </p:blipFill>
-        <p:spPr>
-          <a:xfrm>
-            <a:off x="611560" y="1268760"/>
-            <a:ext cx="7800975" cy="2924175"/>
-          </a:xfrm>
-        </p:spPr>
-      </p:pic>
-      <p:cxnSp>
-        <p:nvCxnSpPr>
-          <p:cNvPr id="9" name="直接箭头连接符 8"/>
-          <p:cNvCxnSpPr/>
-          <p:nvPr/>
-        </p:nvCxnSpPr>
-        <p:spPr>
-          <a:xfrm>
-            <a:off x="1296144" y="3814936"/>
-            <a:ext cx="0" cy="838200"/>
-          </a:xfrm>
-          <a:prstGeom prst="straightConnector1">
-            <a:avLst/>
-          </a:prstGeom>
-          <a:ln>
-            <a:tailEnd type="arrow"/>
-          </a:ln>
-        </p:spPr>
-        <p:style>
-          <a:lnRef idx="1">
-            <a:schemeClr val="accent1"/>
-          </a:lnRef>
-          <a:fillRef idx="0">
-            <a:schemeClr val="accent1"/>
-          </a:fillRef>
-          <a:effectRef idx="0">
-            <a:schemeClr val="accent1"/>
-          </a:effectRef>
-          <a:fontRef idx="minor">
-            <a:schemeClr val="tx1"/>
-          </a:fontRef>
-        </p:style>
-      </p:cxnSp>
-      <p:sp>
-        <p:nvSpPr>
-          <p:cNvPr id="11" name="TextBox 10"/>
+              <a:rPr lang="en-US" altLang="zh-CN" sz="1800" dirty="0" smtClean="0"/>
+              <a:t> </a:t>
+            </a:r>
+            <a:r>
+              <a:rPr lang="en-US" altLang="zh-CN" sz="1800" dirty="0"/>
+              <a:t>-T </a:t>
+            </a:r>
+            <a:r>
+              <a:rPr lang="en-US" altLang="zh-CN" sz="1800" dirty="0" err="1" smtClean="0"/>
+              <a:t>spotbilled.VCFBAMconfig</a:t>
+            </a:r>
+            <a:r>
+              <a:rPr lang="en-US" altLang="zh-CN" sz="1800" dirty="0" smtClean="0"/>
+              <a:t> </a:t>
+            </a:r>
+            <a:r>
+              <a:rPr lang="en-US" altLang="zh-CN" sz="1800" dirty="0"/>
+              <a:t>-R </a:t>
+            </a:r>
+            <a:r>
+              <a:rPr lang="en-US" altLang="zh-CN" sz="1800" dirty="0" err="1" smtClean="0"/>
+              <a:t>gaoyou.VCFBAMconfig</a:t>
+            </a:r>
+            <a:r>
+              <a:rPr lang="en-US" altLang="zh-CN" sz="1800" dirty="0" smtClean="0"/>
+              <a:t> </a:t>
+            </a:r>
+            <a:r>
+              <a:rPr lang="en-US" altLang="zh-CN" sz="1800" dirty="0"/>
+              <a:t>-R </a:t>
+            </a:r>
+            <a:r>
+              <a:rPr lang="en-US" altLang="zh-CN" sz="1800" dirty="0" err="1" smtClean="0"/>
+              <a:t>lianchengbai.VCFBAMconfig</a:t>
+            </a:r>
+            <a:r>
+              <a:rPr lang="en-US" altLang="zh-CN" sz="1800" dirty="0" smtClean="0"/>
+              <a:t> </a:t>
+            </a:r>
+            <a:r>
+              <a:rPr lang="en-US" altLang="zh-CN" sz="1800" dirty="0"/>
+              <a:t>-R </a:t>
+            </a:r>
+            <a:r>
+              <a:rPr lang="en-US" altLang="zh-CN" sz="1800" dirty="0" err="1" smtClean="0"/>
+              <a:t>jinding.VCFBAMconfig</a:t>
+            </a:r>
+            <a:r>
+              <a:rPr lang="en-US" altLang="zh-CN" sz="1800" dirty="0" smtClean="0"/>
+              <a:t> </a:t>
+            </a:r>
+            <a:r>
+              <a:rPr lang="en-US" altLang="zh-CN" sz="1800" dirty="0"/>
+              <a:t>-R </a:t>
+            </a:r>
+            <a:r>
+              <a:rPr lang="en-US" altLang="zh-CN" sz="1800" dirty="0" err="1" smtClean="0"/>
+              <a:t>campbell.VCFBAMconfig</a:t>
+            </a:r>
+            <a:r>
+              <a:rPr lang="en-US" altLang="zh-CN" sz="1800" dirty="0" smtClean="0"/>
+              <a:t> </a:t>
+            </a:r>
+            <a:r>
+              <a:rPr lang="en-US" altLang="zh-CN" sz="1800" dirty="0"/>
+              <a:t>-R </a:t>
+            </a:r>
+            <a:r>
+              <a:rPr lang="en-US" altLang="zh-CN" sz="1800" dirty="0" err="1" smtClean="0"/>
+              <a:t>cherryvalley.VCFBAMconfig</a:t>
+            </a:r>
+            <a:r>
+              <a:rPr lang="en-US" altLang="zh-CN" sz="1800" dirty="0" smtClean="0"/>
+              <a:t> </a:t>
+            </a:r>
+            <a:r>
+              <a:rPr lang="en-US" altLang="zh-CN" sz="1800" dirty="0"/>
+              <a:t>-R </a:t>
+            </a:r>
+            <a:r>
+              <a:rPr lang="en-US" altLang="zh-CN" sz="1800" dirty="0" err="1" smtClean="0"/>
+              <a:t>beijing.VCFBAMconfig</a:t>
+            </a:r>
+            <a:r>
+              <a:rPr lang="en-US" altLang="zh-CN" sz="1800" dirty="0" smtClean="0"/>
+              <a:t> </a:t>
+            </a:r>
+            <a:r>
+              <a:rPr lang="en-US" altLang="zh-CN" sz="1800" dirty="0"/>
+              <a:t>-R </a:t>
+            </a:r>
+            <a:r>
+              <a:rPr lang="en-US" altLang="zh-CN" sz="1800" dirty="0" err="1" smtClean="0"/>
+              <a:t>shaoxing.VCFBAMconfig</a:t>
+            </a:r>
+            <a:r>
+              <a:rPr lang="en-US" altLang="zh-CN" sz="1800" dirty="0" smtClean="0"/>
+              <a:t> </a:t>
+            </a:r>
+            <a:r>
+              <a:rPr lang="en-US" altLang="zh-CN" sz="1800" dirty="0"/>
+              <a:t>-R </a:t>
+            </a:r>
+            <a:r>
+              <a:rPr lang="en-US" altLang="zh-CN" sz="1800" dirty="0" err="1" smtClean="0"/>
+              <a:t>shanma.VCFBAMconfig</a:t>
+            </a:r>
+            <a:r>
+              <a:rPr lang="en-US" altLang="zh-CN" sz="1800" dirty="0" smtClean="0"/>
+              <a:t> </a:t>
+            </a:r>
+            <a:r>
+              <a:rPr lang="en-US" altLang="zh-CN" sz="1800" dirty="0"/>
+              <a:t>-w 20000 -s 10000 -c </a:t>
+            </a:r>
+            <a:r>
+              <a:rPr lang="en-US" altLang="zh-CN" sz="1800" dirty="0" smtClean="0"/>
+              <a:t>pekingduckchrominfo.autosomescaffolds_1  </a:t>
+            </a:r>
+            <a:r>
+              <a:rPr lang="en-US" altLang="zh-CN" sz="1800" dirty="0"/>
+              <a:t>-c </a:t>
+            </a:r>
+            <a:r>
+              <a:rPr lang="en-US" altLang="zh-CN" sz="1800" dirty="0" smtClean="0"/>
+              <a:t>pekingduckchrominfo.autosomescaffolds_2  -</a:t>
+            </a:r>
+            <a:r>
+              <a:rPr lang="en-US" altLang="zh-CN" sz="1800" dirty="0"/>
+              <a:t>c </a:t>
+            </a:r>
+            <a:r>
+              <a:rPr lang="en-US" altLang="zh-CN" sz="1800" dirty="0" smtClean="0"/>
+              <a:t>pekingduckchrominfo.autosomescaffolds_3   -</a:t>
+            </a:r>
+            <a:r>
+              <a:rPr lang="en-US" altLang="zh-CN" sz="1800" dirty="0"/>
+              <a:t>c </a:t>
+            </a:r>
+            <a:r>
+              <a:rPr lang="en-US" altLang="zh-CN" sz="1800" dirty="0" smtClean="0"/>
+              <a:t>pekingduckchrominfo.autosomescaffolds_4  -</a:t>
+            </a:r>
+            <a:r>
+              <a:rPr lang="en-US" altLang="zh-CN" sz="1800" dirty="0"/>
+              <a:t>c </a:t>
+            </a:r>
+            <a:r>
+              <a:rPr lang="en-US" altLang="zh-CN" sz="1800" dirty="0" smtClean="0"/>
+              <a:t>pekingduckchrominfo.autosomescaffolds_5   -</a:t>
+            </a:r>
+            <a:r>
+              <a:rPr lang="en-US" altLang="zh-CN" sz="1800" dirty="0"/>
+              <a:t>c </a:t>
+            </a:r>
+            <a:r>
+              <a:rPr lang="en-US" altLang="zh-CN" sz="1800" dirty="0" smtClean="0"/>
+              <a:t>pekingduckchrominfo.autosomescaffolds_6  </a:t>
+            </a:r>
+            <a:r>
+              <a:rPr lang="en-US" altLang="zh-CN" sz="1800" dirty="0"/>
+              <a:t>-c </a:t>
+            </a:r>
+            <a:r>
+              <a:rPr lang="en-US" altLang="zh-CN" sz="1800" dirty="0" smtClean="0"/>
+              <a:t>pekingduckchrominfo.autosomescaffolds_7  -</a:t>
+            </a:r>
+            <a:r>
+              <a:rPr lang="en-US" altLang="zh-CN" sz="1800" dirty="0"/>
+              <a:t>c </a:t>
+            </a:r>
+            <a:r>
+              <a:rPr lang="en-US" altLang="zh-CN" sz="1800" dirty="0" smtClean="0"/>
+              <a:t>pekingduckchrominfo.autosomescaffolds_8  </a:t>
+            </a:r>
+            <a:r>
+              <a:rPr lang="en-US" altLang="zh-CN" sz="1800" dirty="0"/>
+              <a:t>-1 </a:t>
+            </a:r>
+            <a:r>
+              <a:rPr lang="en-US" altLang="zh-CN" sz="1800" dirty="0" smtClean="0"/>
+              <a:t>life/src/NGS/Slave/Detectsignalacrossgenome_producecorrelation_slave.py </a:t>
+            </a:r>
+            <a:r>
+              <a:rPr lang="en-US" altLang="zh-CN" sz="1800" dirty="0"/>
+              <a:t>-2 life/src/NGS/Slave/Detectsignalacrossgenome_slidewin_slave.py -p early</a:t>
+            </a:r>
+            <a:endParaRPr lang="zh-CN" altLang="en-US" sz="1800" dirty="0"/>
+          </a:p>
+        </p:txBody>
+      </p:sp>
+      <p:sp>
+        <p:nvSpPr>
+          <p:cNvPr id="5" name="TextBox 4"/>
           <p:cNvSpPr txBox="1"/>
           <p:nvPr/>
         </p:nvSpPr>
         <p:spPr>
           <a:xfrm>
-            <a:off x="683568" y="4869160"/>
-            <a:ext cx="1368152" cy="646331"/>
+            <a:off x="0" y="0"/>
+            <a:ext cx="9139472" cy="369332"/>
           </a:xfrm>
           <a:prstGeom prst="rect">
             <a:avLst/>
@@ -7970,129 +8132,6 @@
           <a:p>
             <a:r>
               <a:rPr lang="en-US" altLang="zh-CN" dirty="0" smtClean="0"/>
-              <a:t>Population </a:t>
-            </a:r>
-            <a:r>
-              <a:rPr lang="en-US" altLang="zh-CN" dirty="0" err="1" smtClean="0"/>
-              <a:t>vcf</a:t>
-            </a:r>
-            <a:r>
-              <a:rPr lang="en-US" altLang="zh-CN" dirty="0" smtClean="0"/>
-              <a:t> file</a:t>
-            </a:r>
-            <a:endParaRPr lang="zh-CN" altLang="en-US" dirty="0"/>
-          </a:p>
-        </p:txBody>
-      </p:sp>
-      <p:cxnSp>
-        <p:nvCxnSpPr>
-          <p:cNvPr id="12" name="直接箭头连接符 11"/>
-          <p:cNvCxnSpPr/>
-          <p:nvPr/>
-        </p:nvCxnSpPr>
-        <p:spPr>
-          <a:xfrm>
-            <a:off x="4932040" y="4026701"/>
-            <a:ext cx="0" cy="838200"/>
-          </a:xfrm>
-          <a:prstGeom prst="straightConnector1">
-            <a:avLst/>
-          </a:prstGeom>
-          <a:ln>
-            <a:tailEnd type="arrow"/>
-          </a:ln>
-        </p:spPr>
-        <p:style>
-          <a:lnRef idx="1">
-            <a:schemeClr val="accent1"/>
-          </a:lnRef>
-          <a:fillRef idx="0">
-            <a:schemeClr val="accent1"/>
-          </a:fillRef>
-          <a:effectRef idx="0">
-            <a:schemeClr val="accent1"/>
-          </a:effectRef>
-          <a:fontRef idx="minor">
-            <a:schemeClr val="tx1"/>
-          </a:fontRef>
-        </p:style>
-      </p:cxnSp>
-      <p:sp>
-        <p:nvSpPr>
-          <p:cNvPr id="14" name="TextBox 13"/>
-          <p:cNvSpPr txBox="1"/>
-          <p:nvPr/>
-        </p:nvSpPr>
-        <p:spPr>
-          <a:xfrm>
-            <a:off x="2771800" y="4869160"/>
-            <a:ext cx="6120680" cy="923330"/>
-          </a:xfrm>
-          <a:prstGeom prst="rect">
-            <a:avLst/>
-          </a:prstGeom>
-          <a:noFill/>
-        </p:spPr>
-        <p:txBody>
-          <a:bodyPr wrap="square" rtlCol="0">
-            <a:spAutoFit/>
-          </a:bodyPr>
-          <a:lstStyle/>
-          <a:p>
-            <a:r>
-              <a:rPr lang="en-US" altLang="zh-CN" dirty="0" smtClean="0"/>
-              <a:t>Bam file list that used to produce </a:t>
-            </a:r>
-            <a:r>
-              <a:rPr lang="en-US" altLang="zh-CN" dirty="0" err="1" smtClean="0"/>
-              <a:t>vcf</a:t>
-            </a:r>
-            <a:r>
-              <a:rPr lang="en-US" altLang="zh-CN" dirty="0" smtClean="0"/>
-              <a:t> file.</a:t>
-            </a:r>
-          </a:p>
-          <a:p>
-            <a:r>
-              <a:rPr lang="en-US" altLang="zh-CN" dirty="0" smtClean="0"/>
-              <a:t>Used to check sites is uncovered or fixed as reference allele </a:t>
-            </a:r>
-            <a:r>
-              <a:rPr lang="en-US" altLang="zh-CN" dirty="0" err="1" smtClean="0"/>
-              <a:t>whhen</a:t>
-            </a:r>
-            <a:r>
-              <a:rPr lang="en-US" altLang="zh-CN" dirty="0" smtClean="0"/>
-              <a:t> multiple populations are used in frequency calculation</a:t>
-            </a:r>
-            <a:endParaRPr lang="zh-CN" altLang="en-US" dirty="0"/>
-          </a:p>
-        </p:txBody>
-      </p:sp>
-      <p:sp>
-        <p:nvSpPr>
-          <p:cNvPr id="15" name="TextBox 14"/>
-          <p:cNvSpPr txBox="1"/>
-          <p:nvPr/>
-        </p:nvSpPr>
-        <p:spPr>
-          <a:xfrm>
-            <a:off x="0" y="0"/>
-            <a:ext cx="9139472" cy="369332"/>
-          </a:xfrm>
-          <a:prstGeom prst="rect">
-            <a:avLst/>
-          </a:prstGeom>
-          <a:noFill/>
-        </p:spPr>
-        <p:txBody>
-          <a:bodyPr wrap="square" rtlCol="0">
-            <a:spAutoFit/>
-          </a:bodyPr>
-          <a:lstStyle/>
-          <a:p>
-            <a:r>
-              <a:rPr lang="en-US" altLang="zh-CN" dirty="0" smtClean="0"/>
               <a:t>Detect </a:t>
             </a:r>
             <a:r>
@@ -8110,7 +8149,7 @@
     </p:spTree>
     <p:extLst>
       <p:ext uri="{BB962C8B-B14F-4D97-AF65-F5344CB8AC3E}">
-        <p14:creationId xmlns:p14="http://schemas.microsoft.com/office/powerpoint/2010/main" val="531900783"/>
+        <p14:creationId xmlns:p14="http://schemas.microsoft.com/office/powerpoint/2010/main" val="1538647101"/>
       </p:ext>
     </p:extLst>
   </p:cSld>

--- a/userGuide.pptx
+++ b/userGuide.pptx
@@ -9,17 +9,23 @@
     <p:sldId id="257" r:id="rId3"/>
     <p:sldId id="258" r:id="rId4"/>
     <p:sldId id="260" r:id="rId5"/>
-    <p:sldId id="270" r:id="rId6"/>
-    <p:sldId id="261" r:id="rId7"/>
-    <p:sldId id="259" r:id="rId8"/>
-    <p:sldId id="262" r:id="rId9"/>
-    <p:sldId id="263" r:id="rId10"/>
-    <p:sldId id="264" r:id="rId11"/>
-    <p:sldId id="265" r:id="rId12"/>
-    <p:sldId id="266" r:id="rId13"/>
-    <p:sldId id="267" r:id="rId14"/>
-    <p:sldId id="268" r:id="rId15"/>
-    <p:sldId id="269" r:id="rId16"/>
+    <p:sldId id="271" r:id="rId6"/>
+    <p:sldId id="270" r:id="rId7"/>
+    <p:sldId id="272" r:id="rId8"/>
+    <p:sldId id="274" r:id="rId9"/>
+    <p:sldId id="261" r:id="rId10"/>
+    <p:sldId id="275" r:id="rId11"/>
+    <p:sldId id="259" r:id="rId12"/>
+    <p:sldId id="262" r:id="rId13"/>
+    <p:sldId id="263" r:id="rId14"/>
+    <p:sldId id="264" r:id="rId15"/>
+    <p:sldId id="265" r:id="rId16"/>
+    <p:sldId id="266" r:id="rId17"/>
+    <p:sldId id="267" r:id="rId18"/>
+    <p:sldId id="268" r:id="rId19"/>
+    <p:sldId id="269" r:id="rId20"/>
+    <p:sldId id="273" r:id="rId21"/>
+    <p:sldId id="276" r:id="rId22"/>
   </p:sldIdLst>
   <p:sldSz cx="9144000" cy="6858000" type="screen4x3"/>
   <p:notesSz cx="6858000" cy="9144000"/>
@@ -302,7 +308,7 @@
           <a:p>
             <a:fld id="{530820CF-B880-4189-942D-D702A7CBA730}" type="datetimeFigureOut">
               <a:rPr lang="zh-CN" altLang="en-US" smtClean="0"/>
-              <a:t>2017/5/10</a:t>
+              <a:t>2017/5/13</a:t>
             </a:fld>
             <a:endParaRPr lang="zh-CN" altLang="en-US"/>
           </a:p>
@@ -467,7 +473,7 @@
           <a:p>
             <a:fld id="{530820CF-B880-4189-942D-D702A7CBA730}" type="datetimeFigureOut">
               <a:rPr lang="zh-CN" altLang="en-US" smtClean="0"/>
-              <a:t>2017/5/10</a:t>
+              <a:t>2017/5/13</a:t>
             </a:fld>
             <a:endParaRPr lang="zh-CN" altLang="en-US"/>
           </a:p>
@@ -642,7 +648,7 @@
           <a:p>
             <a:fld id="{530820CF-B880-4189-942D-D702A7CBA730}" type="datetimeFigureOut">
               <a:rPr lang="zh-CN" altLang="en-US" smtClean="0"/>
-              <a:t>2017/5/10</a:t>
+              <a:t>2017/5/13</a:t>
             </a:fld>
             <a:endParaRPr lang="zh-CN" altLang="en-US"/>
           </a:p>
@@ -807,7 +813,7 @@
           <a:p>
             <a:fld id="{530820CF-B880-4189-942D-D702A7CBA730}" type="datetimeFigureOut">
               <a:rPr lang="zh-CN" altLang="en-US" smtClean="0"/>
-              <a:t>2017/5/10</a:t>
+              <a:t>2017/5/13</a:t>
             </a:fld>
             <a:endParaRPr lang="zh-CN" altLang="en-US"/>
           </a:p>
@@ -1048,7 +1054,7 @@
           <a:p>
             <a:fld id="{530820CF-B880-4189-942D-D702A7CBA730}" type="datetimeFigureOut">
               <a:rPr lang="zh-CN" altLang="en-US" smtClean="0"/>
-              <a:t>2017/5/10</a:t>
+              <a:t>2017/5/13</a:t>
             </a:fld>
             <a:endParaRPr lang="zh-CN" altLang="en-US"/>
           </a:p>
@@ -1331,7 +1337,7 @@
           <a:p>
             <a:fld id="{530820CF-B880-4189-942D-D702A7CBA730}" type="datetimeFigureOut">
               <a:rPr lang="zh-CN" altLang="en-US" smtClean="0"/>
-              <a:t>2017/5/10</a:t>
+              <a:t>2017/5/13</a:t>
             </a:fld>
             <a:endParaRPr lang="zh-CN" altLang="en-US"/>
           </a:p>
@@ -1748,7 +1754,7 @@
           <a:p>
             <a:fld id="{530820CF-B880-4189-942D-D702A7CBA730}" type="datetimeFigureOut">
               <a:rPr lang="zh-CN" altLang="en-US" smtClean="0"/>
-              <a:t>2017/5/10</a:t>
+              <a:t>2017/5/13</a:t>
             </a:fld>
             <a:endParaRPr lang="zh-CN" altLang="en-US"/>
           </a:p>
@@ -1861,7 +1867,7 @@
           <a:p>
             <a:fld id="{530820CF-B880-4189-942D-D702A7CBA730}" type="datetimeFigureOut">
               <a:rPr lang="zh-CN" altLang="en-US" smtClean="0"/>
-              <a:t>2017/5/10</a:t>
+              <a:t>2017/5/13</a:t>
             </a:fld>
             <a:endParaRPr lang="zh-CN" altLang="en-US"/>
           </a:p>
@@ -1951,7 +1957,7 @@
           <a:p>
             <a:fld id="{530820CF-B880-4189-942D-D702A7CBA730}" type="datetimeFigureOut">
               <a:rPr lang="zh-CN" altLang="en-US" smtClean="0"/>
-              <a:t>2017/5/10</a:t>
+              <a:t>2017/5/13</a:t>
             </a:fld>
             <a:endParaRPr lang="zh-CN" altLang="en-US"/>
           </a:p>
@@ -2223,7 +2229,7 @@
           <a:p>
             <a:fld id="{530820CF-B880-4189-942D-D702A7CBA730}" type="datetimeFigureOut">
               <a:rPr lang="zh-CN" altLang="en-US" smtClean="0"/>
-              <a:t>2017/5/10</a:t>
+              <a:t>2017/5/13</a:t>
             </a:fld>
             <a:endParaRPr lang="zh-CN" altLang="en-US"/>
           </a:p>
@@ -2471,7 +2477,7 @@
           <a:p>
             <a:fld id="{530820CF-B880-4189-942D-D702A7CBA730}" type="datetimeFigureOut">
               <a:rPr lang="zh-CN" altLang="en-US" smtClean="0"/>
-              <a:t>2017/5/10</a:t>
+              <a:t>2017/5/13</a:t>
             </a:fld>
             <a:endParaRPr lang="zh-CN" altLang="en-US"/>
           </a:p>
@@ -2679,7 +2685,7 @@
           <a:p>
             <a:fld id="{530820CF-B880-4189-942D-D702A7CBA730}" type="datetimeFigureOut">
               <a:rPr lang="zh-CN" altLang="en-US" smtClean="0"/>
-              <a:t>2017/5/10</a:t>
+              <a:t>2017/5/13</a:t>
             </a:fld>
             <a:endParaRPr lang="zh-CN" altLang="en-US"/>
           </a:p>
@@ -3087,7 +3093,11 @@
           <a:bodyPr/>
           <a:lstStyle/>
           <a:p>
-            <a:endParaRPr lang="zh-CN" altLang="en-US"/>
+            <a:r>
+              <a:rPr lang="en-US" altLang="zh-CN" dirty="0" smtClean="0"/>
+              <a:t>Developed by PYTHON 3.3</a:t>
+            </a:r>
+            <a:endParaRPr lang="zh-CN" altLang="en-US" dirty="0"/>
           </a:p>
         </p:txBody>
       </p:sp>
@@ -3101,6 +3111,13 @@
   <p:clrMapOvr>
     <a:masterClrMapping/>
   </p:clrMapOvr>
+  <p:timing>
+    <p:tnLst>
+      <p:par>
+        <p:cTn id="1" dur="indefinite" restart="never" nodeType="tmRoot"/>
+      </p:par>
+    </p:tnLst>
+  </p:timing>
 </p:sld>
 </file>
 
@@ -3131,252 +3148,33 @@
             <p:ph type="title"/>
           </p:nvPr>
         </p:nvSpPr>
-        <p:spPr>
-          <a:xfrm>
-            <a:off x="457200" y="274638"/>
-            <a:ext cx="8229600" cy="922114"/>
-          </a:xfrm>
-        </p:spPr>
-        <p:txBody>
-          <a:bodyPr>
-            <a:normAutofit/>
-          </a:bodyPr>
-          <a:lstStyle/>
-          <a:p>
-            <a:r>
-              <a:rPr lang="en-US" altLang="zh-CN" sz="3200" dirty="0" smtClean="0"/>
-              <a:t>-T/-R </a:t>
-            </a:r>
-            <a:r>
-              <a:rPr lang="en-US" altLang="zh-CN" sz="3200" dirty="0" err="1" smtClean="0"/>
-              <a:t>mallard.VCFBAMconfig</a:t>
-            </a:r>
-            <a:r>
-              <a:rPr lang="en-US" altLang="zh-CN" sz="3200" dirty="0" smtClean="0"/>
-              <a:t>  file</a:t>
-            </a:r>
-            <a:endParaRPr lang="zh-CN" altLang="en-US" sz="3200" dirty="0"/>
-          </a:p>
-        </p:txBody>
-      </p:sp>
-      <p:pic>
-        <p:nvPicPr>
-          <p:cNvPr id="6" name="内容占位符 5"/>
-          <p:cNvPicPr>
-            <a:picLocks noGrp="1" noChangeAspect="1"/>
-          </p:cNvPicPr>
+        <p:spPr/>
+        <p:txBody>
+          <a:bodyPr/>
+          <a:lstStyle/>
+          <a:p>
+            <a:endParaRPr lang="zh-CN" altLang="en-US"/>
+          </a:p>
+        </p:txBody>
+      </p:sp>
+      <p:sp>
+        <p:nvSpPr>
+          <p:cNvPr id="3" name="内容占位符 2"/>
+          <p:cNvSpPr>
+            <a:spLocks noGrp="1"/>
+          </p:cNvSpPr>
           <p:nvPr>
             <p:ph idx="1"/>
           </p:nvPr>
-        </p:nvPicPr>
-        <p:blipFill>
-          <a:blip r:embed="rId2">
-            <a:extLst>
-              <a:ext uri="{28A0092B-C50C-407E-A947-70E740481C1C}">
-                <a14:useLocalDpi xmlns:a14="http://schemas.microsoft.com/office/drawing/2010/main" val="0"/>
-              </a:ext>
-            </a:extLst>
-          </a:blip>
-          <a:stretch>
-            <a:fillRect/>
-          </a:stretch>
-        </p:blipFill>
-        <p:spPr>
-          <a:xfrm>
-            <a:off x="611560" y="1268760"/>
-            <a:ext cx="7800975" cy="2924175"/>
-          </a:xfrm>
-        </p:spPr>
-      </p:pic>
-      <p:cxnSp>
-        <p:nvCxnSpPr>
-          <p:cNvPr id="9" name="直接箭头连接符 8"/>
-          <p:cNvCxnSpPr/>
-          <p:nvPr/>
-        </p:nvCxnSpPr>
-        <p:spPr>
-          <a:xfrm>
-            <a:off x="1296144" y="3814936"/>
-            <a:ext cx="0" cy="838200"/>
-          </a:xfrm>
-          <a:prstGeom prst="straightConnector1">
-            <a:avLst/>
-          </a:prstGeom>
-          <a:ln>
-            <a:tailEnd type="arrow"/>
-          </a:ln>
-        </p:spPr>
-        <p:style>
-          <a:lnRef idx="1">
-            <a:schemeClr val="accent1"/>
-          </a:lnRef>
-          <a:fillRef idx="0">
-            <a:schemeClr val="accent1"/>
-          </a:fillRef>
-          <a:effectRef idx="0">
-            <a:schemeClr val="accent1"/>
-          </a:effectRef>
-          <a:fontRef idx="minor">
-            <a:schemeClr val="tx1"/>
-          </a:fontRef>
-        </p:style>
-      </p:cxnSp>
-      <p:sp>
-        <p:nvSpPr>
-          <p:cNvPr id="11" name="TextBox 10"/>
-          <p:cNvSpPr txBox="1"/>
-          <p:nvPr/>
-        </p:nvSpPr>
-        <p:spPr>
-          <a:xfrm>
-            <a:off x="683568" y="4869160"/>
-            <a:ext cx="1368152" cy="646331"/>
-          </a:xfrm>
-          <a:prstGeom prst="rect">
-            <a:avLst/>
-          </a:prstGeom>
-          <a:noFill/>
-        </p:spPr>
-        <p:txBody>
-          <a:bodyPr wrap="square" rtlCol="0">
-            <a:spAutoFit/>
-          </a:bodyPr>
-          <a:lstStyle/>
-          <a:p>
-            <a:r>
-              <a:rPr lang="en-US" altLang="zh-CN" dirty="0" smtClean="0"/>
-              <a:t>Population </a:t>
-            </a:r>
-            <a:r>
-              <a:rPr lang="en-US" altLang="zh-CN" dirty="0" err="1" smtClean="0"/>
-              <a:t>vcf</a:t>
-            </a:r>
-            <a:r>
-              <a:rPr lang="en-US" altLang="zh-CN" dirty="0" smtClean="0"/>
-              <a:t> file</a:t>
-            </a:r>
-            <a:endParaRPr lang="zh-CN" altLang="en-US" dirty="0"/>
-          </a:p>
-        </p:txBody>
-      </p:sp>
-      <p:cxnSp>
-        <p:nvCxnSpPr>
-          <p:cNvPr id="12" name="直接箭头连接符 11"/>
-          <p:cNvCxnSpPr/>
-          <p:nvPr/>
-        </p:nvCxnSpPr>
-        <p:spPr>
-          <a:xfrm>
-            <a:off x="4932040" y="4026701"/>
-            <a:ext cx="0" cy="838200"/>
-          </a:xfrm>
-          <a:prstGeom prst="straightConnector1">
-            <a:avLst/>
-          </a:prstGeom>
-          <a:ln>
-            <a:tailEnd type="arrow"/>
-          </a:ln>
-        </p:spPr>
-        <p:style>
-          <a:lnRef idx="1">
-            <a:schemeClr val="accent1"/>
-          </a:lnRef>
-          <a:fillRef idx="0">
-            <a:schemeClr val="accent1"/>
-          </a:fillRef>
-          <a:effectRef idx="0">
-            <a:schemeClr val="accent1"/>
-          </a:effectRef>
-          <a:fontRef idx="minor">
-            <a:schemeClr val="tx1"/>
-          </a:fontRef>
-        </p:style>
-      </p:cxnSp>
-      <p:sp>
-        <p:nvSpPr>
-          <p:cNvPr id="14" name="TextBox 13"/>
-          <p:cNvSpPr txBox="1"/>
-          <p:nvPr/>
-        </p:nvSpPr>
-        <p:spPr>
-          <a:xfrm>
-            <a:off x="2771800" y="4869160"/>
-            <a:ext cx="6120680" cy="923330"/>
-          </a:xfrm>
-          <a:prstGeom prst="rect">
-            <a:avLst/>
-          </a:prstGeom>
-          <a:noFill/>
-        </p:spPr>
-        <p:txBody>
-          <a:bodyPr wrap="square" rtlCol="0">
-            <a:spAutoFit/>
-          </a:bodyPr>
-          <a:lstStyle/>
-          <a:p>
-            <a:r>
-              <a:rPr lang="en-US" altLang="zh-CN" dirty="0" smtClean="0"/>
-              <a:t>Bam file list that used to produce </a:t>
-            </a:r>
-            <a:r>
-              <a:rPr lang="en-US" altLang="zh-CN" dirty="0" err="1" smtClean="0"/>
-              <a:t>vcf</a:t>
-            </a:r>
-            <a:r>
-              <a:rPr lang="en-US" altLang="zh-CN" dirty="0" smtClean="0"/>
-              <a:t> file.</a:t>
-            </a:r>
-          </a:p>
-          <a:p>
-            <a:r>
-              <a:rPr lang="en-US" altLang="zh-CN" dirty="0" smtClean="0"/>
-              <a:t>Used to check sites is uncovered or fixed as reference allele </a:t>
-            </a:r>
-            <a:r>
-              <a:rPr lang="en-US" altLang="zh-CN" dirty="0" err="1" smtClean="0"/>
-              <a:t>whhen</a:t>
-            </a:r>
-            <a:r>
-              <a:rPr lang="en-US" altLang="zh-CN" dirty="0" smtClean="0"/>
-              <a:t> multiple populations are used in frequency calculation</a:t>
-            </a:r>
-            <a:endParaRPr lang="zh-CN" altLang="en-US" dirty="0"/>
-          </a:p>
-        </p:txBody>
-      </p:sp>
-      <p:sp>
-        <p:nvSpPr>
-          <p:cNvPr id="15" name="TextBox 14"/>
-          <p:cNvSpPr txBox="1"/>
-          <p:nvPr/>
-        </p:nvSpPr>
-        <p:spPr>
-          <a:xfrm>
-            <a:off x="0" y="0"/>
-            <a:ext cx="9139472" cy="369332"/>
-          </a:xfrm>
-          <a:prstGeom prst="rect">
-            <a:avLst/>
-          </a:prstGeom>
-          <a:noFill/>
-        </p:spPr>
-        <p:txBody>
-          <a:bodyPr wrap="square" rtlCol="0">
-            <a:spAutoFit/>
-          </a:bodyPr>
-          <a:lstStyle/>
-          <a:p>
-            <a:r>
-              <a:rPr lang="en-US" altLang="zh-CN" dirty="0" smtClean="0"/>
-              <a:t>Detect </a:t>
-            </a:r>
-            <a:r>
-              <a:rPr lang="en-US" altLang="zh-CN" dirty="0"/>
-              <a:t>selection </a:t>
-            </a:r>
-            <a:r>
-              <a:rPr lang="en-US" altLang="zh-CN" dirty="0" err="1"/>
-              <a:t>signal:Detectsignalacrossgenome_master.py</a:t>
+        </p:nvSpPr>
+        <p:spPr/>
+        <p:txBody>
+          <a:bodyPr/>
+          <a:lstStyle/>
+          <a:p>
+            <a:r>
+              <a:rPr lang="en-US" altLang="zh-CN" dirty="0" smtClean="0"/>
+              <a:t>… …</a:t>
             </a:r>
             <a:endParaRPr lang="zh-CN" altLang="en-US" dirty="0"/>
           </a:p>
@@ -3385,7 +3183,7 @@
     </p:spTree>
     <p:extLst>
       <p:ext uri="{BB962C8B-B14F-4D97-AF65-F5344CB8AC3E}">
-        <p14:creationId xmlns:p14="http://schemas.microsoft.com/office/powerpoint/2010/main" val="531900783"/>
+        <p14:creationId xmlns:p14="http://schemas.microsoft.com/office/powerpoint/2010/main" val="4174471164"/>
       </p:ext>
     </p:extLst>
   </p:cSld>
@@ -3430,6 +3228,1933 @@
           <a:lstStyle/>
           <a:p>
             <a:r>
+              <a:rPr lang="en-US" altLang="zh-CN" sz="4000" b="1" dirty="0" smtClean="0"/>
+              <a:t>4. analysis </a:t>
+            </a:r>
+            <a:r>
+              <a:rPr lang="en-US" altLang="zh-CN" sz="4000" b="1" dirty="0"/>
+              <a:t>module</a:t>
+            </a:r>
+            <a:endParaRPr lang="zh-CN" altLang="en-US" sz="4000" b="1" dirty="0"/>
+          </a:p>
+        </p:txBody>
+      </p:sp>
+      <p:sp>
+        <p:nvSpPr>
+          <p:cNvPr id="3" name="内容占位符 2"/>
+          <p:cNvSpPr>
+            <a:spLocks noGrp="1"/>
+          </p:cNvSpPr>
+          <p:nvPr>
+            <p:ph idx="1"/>
+          </p:nvPr>
+        </p:nvSpPr>
+        <p:spPr/>
+        <p:txBody>
+          <a:bodyPr/>
+          <a:lstStyle/>
+          <a:p>
+            <a:endParaRPr lang="zh-CN" altLang="en-US" dirty="0"/>
+          </a:p>
+        </p:txBody>
+      </p:sp>
+    </p:spTree>
+    <p:extLst>
+      <p:ext uri="{BB962C8B-B14F-4D97-AF65-F5344CB8AC3E}">
+        <p14:creationId xmlns:p14="http://schemas.microsoft.com/office/powerpoint/2010/main" val="837385016"/>
+      </p:ext>
+    </p:extLst>
+  </p:cSld>
+  <p:clrMapOvr>
+    <a:masterClrMapping/>
+  </p:clrMapOvr>
+  <p:timing>
+    <p:tnLst>
+      <p:par>
+        <p:cTn id="1" dur="indefinite" restart="never" nodeType="tmRoot"/>
+      </p:par>
+    </p:tnLst>
+  </p:timing>
+</p:sld>
+</file>
+
+<file path=ppt/slides/slide12.xml><?xml version="1.0" encoding="utf-8"?>
+<p:sld xmlns:a="http://schemas.openxmlformats.org/drawingml/2006/main" xmlns:r="http://schemas.openxmlformats.org/officeDocument/2006/relationships" xmlns:p="http://schemas.openxmlformats.org/presentationml/2006/main">
+  <p:cSld>
+    <p:spTree>
+      <p:nvGrpSpPr>
+        <p:cNvPr id="1" name=""/>
+        <p:cNvGrpSpPr/>
+        <p:nvPr/>
+      </p:nvGrpSpPr>
+      <p:grpSpPr>
+        <a:xfrm>
+          <a:off x="0" y="0"/>
+          <a:ext cx="0" cy="0"/>
+          <a:chOff x="0" y="0"/>
+          <a:chExt cx="0" cy="0"/>
+        </a:xfrm>
+      </p:grpSpPr>
+      <p:sp>
+        <p:nvSpPr>
+          <p:cNvPr id="2" name="标题 1"/>
+          <p:cNvSpPr>
+            <a:spLocks noGrp="1"/>
+          </p:cNvSpPr>
+          <p:nvPr>
+            <p:ph type="title"/>
+          </p:nvPr>
+        </p:nvSpPr>
+        <p:spPr/>
+        <p:txBody>
+          <a:bodyPr>
+            <a:normAutofit/>
+          </a:bodyPr>
+          <a:lstStyle/>
+          <a:p>
+            <a:r>
+              <a:rPr lang="en-US" altLang="zh-CN" sz="3200" dirty="0" smtClean="0"/>
+              <a:t>overview</a:t>
+            </a:r>
+            <a:endParaRPr lang="zh-CN" altLang="en-US" sz="3200" dirty="0"/>
+          </a:p>
+        </p:txBody>
+      </p:sp>
+      <p:sp>
+        <p:nvSpPr>
+          <p:cNvPr id="4" name="TextBox 3"/>
+          <p:cNvSpPr txBox="1"/>
+          <p:nvPr/>
+        </p:nvSpPr>
+        <p:spPr>
+          <a:xfrm>
+            <a:off x="0" y="0"/>
+            <a:ext cx="9139472" cy="369332"/>
+          </a:xfrm>
+          <a:prstGeom prst="rect">
+            <a:avLst/>
+          </a:prstGeom>
+          <a:noFill/>
+        </p:spPr>
+        <p:txBody>
+          <a:bodyPr wrap="square" rtlCol="0">
+            <a:spAutoFit/>
+          </a:bodyPr>
+          <a:lstStyle/>
+          <a:p>
+            <a:r>
+              <a:rPr lang="en-US" altLang="zh-CN" dirty="0" smtClean="0"/>
+              <a:t>Detect </a:t>
+            </a:r>
+            <a:r>
+              <a:rPr lang="en-US" altLang="zh-CN" dirty="0"/>
+              <a:t>selection </a:t>
+            </a:r>
+            <a:r>
+              <a:rPr lang="en-US" altLang="zh-CN" dirty="0" err="1"/>
+              <a:t>signal:Detectsignalacrossgenome_master.py</a:t>
+            </a:r>
+            <a:endParaRPr lang="zh-CN" altLang="en-US" dirty="0"/>
+          </a:p>
+        </p:txBody>
+      </p:sp>
+      <p:sp>
+        <p:nvSpPr>
+          <p:cNvPr id="5" name="矩形 4"/>
+          <p:cNvSpPr/>
+          <p:nvPr/>
+        </p:nvSpPr>
+        <p:spPr>
+          <a:xfrm>
+            <a:off x="4074541" y="2323332"/>
+            <a:ext cx="1728192" cy="1152128"/>
+          </a:xfrm>
+          <a:prstGeom prst="rect">
+            <a:avLst/>
+          </a:prstGeom>
+          <a:solidFill>
+            <a:schemeClr val="accent1">
+              <a:alpha val="0"/>
+            </a:schemeClr>
+          </a:solidFill>
+        </p:spPr>
+        <p:style>
+          <a:lnRef idx="2">
+            <a:schemeClr val="accent1">
+              <a:shade val="50000"/>
+            </a:schemeClr>
+          </a:lnRef>
+          <a:fillRef idx="1">
+            <a:schemeClr val="accent1"/>
+          </a:fillRef>
+          <a:effectRef idx="0">
+            <a:schemeClr val="accent1"/>
+          </a:effectRef>
+          <a:fontRef idx="minor">
+            <a:schemeClr val="lt1"/>
+          </a:fontRef>
+        </p:style>
+        <p:txBody>
+          <a:bodyPr rtlCol="0" anchor="ctr"/>
+          <a:lstStyle/>
+          <a:p>
+            <a:pPr algn="ctr"/>
+            <a:r>
+              <a:rPr lang="en-US" altLang="zh-CN" dirty="0">
+                <a:solidFill>
+                  <a:schemeClr val="tx1"/>
+                </a:solidFill>
+              </a:rPr>
+              <a:t>Detectsignalacrossgenome_master.py</a:t>
+            </a:r>
+            <a:endParaRPr lang="zh-CN" altLang="en-US" dirty="0">
+              <a:solidFill>
+                <a:schemeClr val="tx1"/>
+              </a:solidFill>
+            </a:endParaRPr>
+          </a:p>
+        </p:txBody>
+      </p:sp>
+      <p:sp>
+        <p:nvSpPr>
+          <p:cNvPr id="6" name="TextBox 5"/>
+          <p:cNvSpPr txBox="1"/>
+          <p:nvPr/>
+        </p:nvSpPr>
+        <p:spPr>
+          <a:xfrm>
+            <a:off x="-16046" y="332656"/>
+            <a:ext cx="3363910" cy="6740307"/>
+          </a:xfrm>
+          <a:prstGeom prst="rect">
+            <a:avLst/>
+          </a:prstGeom>
+          <a:noFill/>
+        </p:spPr>
+        <p:txBody>
+          <a:bodyPr wrap="square" rtlCol="0">
+            <a:spAutoFit/>
+          </a:bodyPr>
+          <a:lstStyle/>
+          <a:p>
+            <a:r>
+              <a:rPr lang="en-US" altLang="zh-CN" dirty="0" smtClean="0"/>
+              <a:t>-o path to </a:t>
+            </a:r>
+            <a:r>
+              <a:rPr lang="en-US" altLang="zh-CN" dirty="0" err="1" smtClean="0"/>
+              <a:t>ouput</a:t>
+            </a:r>
+            <a:r>
+              <a:rPr lang="en-US" altLang="zh-CN" dirty="0" smtClean="0"/>
+              <a:t> prefix name</a:t>
+            </a:r>
+          </a:p>
+          <a:p>
+            <a:r>
+              <a:rPr lang="en-US" altLang="zh-CN" dirty="0" smtClean="0"/>
+              <a:t>-T </a:t>
+            </a:r>
+            <a:r>
+              <a:rPr lang="en-US" altLang="zh-CN" dirty="0" err="1" smtClean="0"/>
+              <a:t>targetpopvcf</a:t>
+            </a:r>
+            <a:r>
+              <a:rPr lang="en-US" altLang="zh-CN" dirty="0"/>
+              <a:t> </a:t>
+            </a:r>
+            <a:r>
+              <a:rPr lang="en-US" altLang="zh-CN" dirty="0" err="1" smtClean="0"/>
+              <a:t>depthconfig</a:t>
+            </a:r>
+            <a:r>
+              <a:rPr lang="en-US" altLang="zh-CN" dirty="0" smtClean="0"/>
+              <a:t> </a:t>
+            </a:r>
+            <a:r>
+              <a:rPr lang="en-US" altLang="zh-CN" dirty="0"/>
+              <a:t>(multiple –R when multiple populations were used, omit when calculate </a:t>
+            </a:r>
+            <a:r>
+              <a:rPr lang="en-US" altLang="zh-CN" dirty="0" err="1" smtClean="0"/>
+              <a:t>Hp</a:t>
+            </a:r>
+            <a:r>
+              <a:rPr lang="en-US" altLang="zh-CN" dirty="0" smtClean="0"/>
+              <a:t>)</a:t>
+            </a:r>
+          </a:p>
+          <a:p>
+            <a:r>
+              <a:rPr lang="en-US" altLang="zh-CN" dirty="0" smtClean="0"/>
+              <a:t>-</a:t>
+            </a:r>
+            <a:r>
+              <a:rPr lang="en-US" altLang="zh-CN" dirty="0"/>
+              <a:t>R </a:t>
+            </a:r>
+            <a:r>
+              <a:rPr lang="en-US" altLang="zh-CN" dirty="0" err="1" smtClean="0"/>
+              <a:t>refpopvcf</a:t>
+            </a:r>
+            <a:r>
+              <a:rPr lang="en-US" altLang="zh-CN" dirty="0" smtClean="0"/>
+              <a:t> </a:t>
+            </a:r>
+            <a:r>
+              <a:rPr lang="en-US" altLang="zh-CN" dirty="0" err="1" smtClean="0"/>
+              <a:t>depthconfig</a:t>
+            </a:r>
+            <a:r>
+              <a:rPr lang="en-US" altLang="zh-CN" dirty="0" smtClean="0"/>
+              <a:t> (multiple)</a:t>
+            </a:r>
+            <a:endParaRPr lang="en-US" altLang="zh-CN" dirty="0"/>
+          </a:p>
+          <a:p>
+            <a:r>
+              <a:rPr lang="en-US" altLang="zh-CN" dirty="0" smtClean="0"/>
+              <a:t>-t </a:t>
+            </a:r>
+            <a:r>
+              <a:rPr lang="en-US" altLang="zh-CN" dirty="0" err="1" smtClean="0"/>
+              <a:t>toplevel_snp_table</a:t>
+            </a:r>
+            <a:r>
+              <a:rPr lang="en-US" altLang="zh-CN" dirty="0" smtClean="0"/>
+              <a:t> (to know ancestral allele and context bases)</a:t>
+            </a:r>
+          </a:p>
+          <a:p>
+            <a:r>
+              <a:rPr lang="en-US" altLang="zh-CN" dirty="0" smtClean="0"/>
+              <a:t>-c/-b multiple chromosome list or bed like file ( -c or –b only one is needed)</a:t>
+            </a:r>
+          </a:p>
+          <a:p>
+            <a:r>
+              <a:rPr lang="en-US" altLang="zh-CN" dirty="0" smtClean="0"/>
+              <a:t>-p type of signal (early, </a:t>
+            </a:r>
+            <a:r>
+              <a:rPr lang="en-US" altLang="zh-CN" dirty="0" err="1" smtClean="0"/>
+              <a:t>hp</a:t>
+            </a:r>
+            <a:r>
+              <a:rPr lang="en-US" altLang="zh-CN" dirty="0" smtClean="0"/>
+              <a:t>, </a:t>
+            </a:r>
+            <a:r>
+              <a:rPr lang="en-US" altLang="zh-CN" dirty="0" err="1" smtClean="0"/>
+              <a:t>Fst</a:t>
+            </a:r>
+            <a:r>
+              <a:rPr lang="en-US" altLang="zh-CN" dirty="0" smtClean="0"/>
+              <a:t>)</a:t>
+            </a:r>
+          </a:p>
+          <a:p>
+            <a:r>
+              <a:rPr lang="en-US" altLang="zh-CN" dirty="0" smtClean="0"/>
+              <a:t>-C </a:t>
+            </a:r>
+            <a:r>
+              <a:rPr lang="en-US" altLang="zh-CN" dirty="0" err="1" smtClean="0"/>
+              <a:t>freq_correlation</a:t>
+            </a:r>
+            <a:r>
+              <a:rPr lang="en-US" altLang="zh-CN" dirty="0"/>
+              <a:t> </a:t>
+            </a:r>
+            <a:r>
+              <a:rPr lang="en-US" altLang="zh-CN" dirty="0" smtClean="0"/>
+              <a:t>file ,for “early” only</a:t>
+            </a:r>
+          </a:p>
+          <a:p>
+            <a:r>
+              <a:rPr lang="en-US" altLang="zh-CN" dirty="0" smtClean="0"/>
+              <a:t>-n number of individuals , for “early” only. Decide to </a:t>
+            </a:r>
+            <a:r>
+              <a:rPr lang="en-US" altLang="zh-CN" dirty="0" err="1" smtClean="0"/>
+              <a:t>divid</a:t>
+            </a:r>
+            <a:r>
+              <a:rPr lang="en-US" altLang="zh-CN" dirty="0" smtClean="0"/>
+              <a:t> frequency in to how many bins</a:t>
+            </a:r>
+          </a:p>
+          <a:p>
+            <a:r>
+              <a:rPr lang="en-US" altLang="zh-CN" dirty="0" smtClean="0"/>
+              <a:t>-1 frequency correlation calculate slaver </a:t>
+            </a:r>
+            <a:r>
+              <a:rPr lang="en-US" altLang="zh-CN" dirty="0" err="1" smtClean="0"/>
+              <a:t>programm</a:t>
+            </a:r>
+            <a:r>
+              <a:rPr lang="en-US" altLang="zh-CN" dirty="0" smtClean="0"/>
+              <a:t> name</a:t>
+            </a:r>
+          </a:p>
+          <a:p>
+            <a:r>
+              <a:rPr lang="en-US" altLang="zh-CN" dirty="0" smtClean="0"/>
+              <a:t>-2 slaver that slide window to calculate signal</a:t>
+            </a:r>
+          </a:p>
+          <a:p>
+            <a:r>
+              <a:rPr lang="en-US" altLang="zh-CN" dirty="0" smtClean="0"/>
+              <a:t>-w window size</a:t>
+            </a:r>
+          </a:p>
+          <a:p>
+            <a:r>
+              <a:rPr lang="en-US" altLang="zh-CN" dirty="0" smtClean="0"/>
+              <a:t>-s slide steps</a:t>
+            </a:r>
+          </a:p>
+        </p:txBody>
+      </p:sp>
+      <p:sp>
+        <p:nvSpPr>
+          <p:cNvPr id="7" name="右大括号 6"/>
+          <p:cNvSpPr/>
+          <p:nvPr/>
+        </p:nvSpPr>
+        <p:spPr>
+          <a:xfrm>
+            <a:off x="3059832" y="1628801"/>
+            <a:ext cx="432048" cy="3612018"/>
+          </a:xfrm>
+          <a:prstGeom prst="rightBrace">
+            <a:avLst>
+              <a:gd name="adj1" fmla="val 8333"/>
+              <a:gd name="adj2" fmla="val 36699"/>
+            </a:avLst>
+          </a:prstGeom>
+        </p:spPr>
+        <p:style>
+          <a:lnRef idx="1">
+            <a:schemeClr val="accent1"/>
+          </a:lnRef>
+          <a:fillRef idx="0">
+            <a:schemeClr val="accent1"/>
+          </a:fillRef>
+          <a:effectRef idx="0">
+            <a:schemeClr val="accent1"/>
+          </a:effectRef>
+          <a:fontRef idx="minor">
+            <a:schemeClr val="tx1"/>
+          </a:fontRef>
+        </p:style>
+        <p:txBody>
+          <a:bodyPr rtlCol="0" anchor="ctr"/>
+          <a:lstStyle/>
+          <a:p>
+            <a:pPr algn="ctr"/>
+            <a:endParaRPr lang="zh-CN" altLang="en-US"/>
+          </a:p>
+        </p:txBody>
+      </p:sp>
+      <p:sp>
+        <p:nvSpPr>
+          <p:cNvPr id="8" name="右箭头 7"/>
+          <p:cNvSpPr/>
+          <p:nvPr/>
+        </p:nvSpPr>
+        <p:spPr>
+          <a:xfrm>
+            <a:off x="5809999" y="2899396"/>
+            <a:ext cx="638092" cy="108012"/>
+          </a:xfrm>
+          <a:prstGeom prst="rightArrow">
+            <a:avLst/>
+          </a:prstGeom>
+        </p:spPr>
+        <p:style>
+          <a:lnRef idx="2">
+            <a:schemeClr val="accent1">
+              <a:shade val="50000"/>
+            </a:schemeClr>
+          </a:lnRef>
+          <a:fillRef idx="1">
+            <a:schemeClr val="accent1"/>
+          </a:fillRef>
+          <a:effectRef idx="0">
+            <a:schemeClr val="accent1"/>
+          </a:effectRef>
+          <a:fontRef idx="minor">
+            <a:schemeClr val="lt1"/>
+          </a:fontRef>
+        </p:style>
+        <p:txBody>
+          <a:bodyPr rtlCol="0" anchor="ctr"/>
+          <a:lstStyle/>
+          <a:p>
+            <a:pPr algn="ctr"/>
+            <a:endParaRPr lang="zh-CN" altLang="en-US"/>
+          </a:p>
+        </p:txBody>
+      </p:sp>
+      <p:sp>
+        <p:nvSpPr>
+          <p:cNvPr id="9" name="右箭头 8"/>
+          <p:cNvSpPr/>
+          <p:nvPr/>
+        </p:nvSpPr>
+        <p:spPr>
+          <a:xfrm>
+            <a:off x="3534989" y="2899396"/>
+            <a:ext cx="539552" cy="108012"/>
+          </a:xfrm>
+          <a:prstGeom prst="rightArrow">
+            <a:avLst/>
+          </a:prstGeom>
+        </p:spPr>
+        <p:style>
+          <a:lnRef idx="2">
+            <a:schemeClr val="accent1">
+              <a:shade val="50000"/>
+            </a:schemeClr>
+          </a:lnRef>
+          <a:fillRef idx="1">
+            <a:schemeClr val="accent1"/>
+          </a:fillRef>
+          <a:effectRef idx="0">
+            <a:schemeClr val="accent1"/>
+          </a:effectRef>
+          <a:fontRef idx="minor">
+            <a:schemeClr val="lt1"/>
+          </a:fontRef>
+        </p:style>
+        <p:txBody>
+          <a:bodyPr rtlCol="0" anchor="ctr"/>
+          <a:lstStyle/>
+          <a:p>
+            <a:pPr algn="ctr"/>
+            <a:endParaRPr lang="zh-CN" altLang="en-US"/>
+          </a:p>
+        </p:txBody>
+      </p:sp>
+      <p:sp>
+        <p:nvSpPr>
+          <p:cNvPr id="10" name="TextBox 9"/>
+          <p:cNvSpPr txBox="1"/>
+          <p:nvPr/>
+        </p:nvSpPr>
+        <p:spPr>
+          <a:xfrm>
+            <a:off x="3275856" y="2539356"/>
+            <a:ext cx="798685" cy="369332"/>
+          </a:xfrm>
+          <a:prstGeom prst="rect">
+            <a:avLst/>
+          </a:prstGeom>
+          <a:noFill/>
+        </p:spPr>
+        <p:txBody>
+          <a:bodyPr wrap="square" rtlCol="0">
+            <a:spAutoFit/>
+          </a:bodyPr>
+          <a:lstStyle/>
+          <a:p>
+            <a:r>
+              <a:rPr lang="en-US" altLang="zh-CN" dirty="0" smtClean="0"/>
+              <a:t>input</a:t>
+            </a:r>
+            <a:endParaRPr lang="zh-CN" altLang="en-US" dirty="0"/>
+          </a:p>
+        </p:txBody>
+      </p:sp>
+      <p:sp>
+        <p:nvSpPr>
+          <p:cNvPr id="11" name="TextBox 10"/>
+          <p:cNvSpPr txBox="1"/>
+          <p:nvPr/>
+        </p:nvSpPr>
+        <p:spPr>
+          <a:xfrm>
+            <a:off x="6907224" y="2576230"/>
+            <a:ext cx="2232248" cy="646331"/>
+          </a:xfrm>
+          <a:prstGeom prst="rect">
+            <a:avLst/>
+          </a:prstGeom>
+          <a:noFill/>
+        </p:spPr>
+        <p:txBody>
+          <a:bodyPr wrap="square" rtlCol="0">
+            <a:spAutoFit/>
+          </a:bodyPr>
+          <a:lstStyle/>
+          <a:p>
+            <a:r>
+              <a:rPr lang="en-US" altLang="zh-CN" dirty="0" err="1" smtClean="0"/>
+              <a:t>winfile</a:t>
+            </a:r>
+            <a:endParaRPr lang="en-US" altLang="zh-CN" dirty="0" smtClean="0"/>
+          </a:p>
+          <a:p>
+            <a:r>
+              <a:rPr lang="en-US" altLang="zh-CN" dirty="0"/>
+              <a:t>(</a:t>
+            </a:r>
+            <a:r>
+              <a:rPr lang="en-US" altLang="zh-CN" dirty="0" err="1" smtClean="0"/>
+              <a:t>freq_correlation</a:t>
+            </a:r>
+            <a:r>
+              <a:rPr lang="en-US" altLang="zh-CN" dirty="0" smtClean="0"/>
+              <a:t>  file)</a:t>
+            </a:r>
+          </a:p>
+        </p:txBody>
+      </p:sp>
+      <p:sp>
+        <p:nvSpPr>
+          <p:cNvPr id="12" name="TextBox 11"/>
+          <p:cNvSpPr txBox="1"/>
+          <p:nvPr/>
+        </p:nvSpPr>
+        <p:spPr>
+          <a:xfrm>
+            <a:off x="5802733" y="2564904"/>
+            <a:ext cx="915918" cy="369332"/>
+          </a:xfrm>
+          <a:prstGeom prst="rect">
+            <a:avLst/>
+          </a:prstGeom>
+          <a:noFill/>
+        </p:spPr>
+        <p:txBody>
+          <a:bodyPr wrap="square" rtlCol="0">
+            <a:spAutoFit/>
+          </a:bodyPr>
+          <a:lstStyle/>
+          <a:p>
+            <a:r>
+              <a:rPr lang="en-US" altLang="zh-CN" dirty="0" smtClean="0"/>
+              <a:t>output</a:t>
+            </a:r>
+            <a:endParaRPr lang="zh-CN" altLang="en-US" dirty="0"/>
+          </a:p>
+        </p:txBody>
+      </p:sp>
+      <p:sp>
+        <p:nvSpPr>
+          <p:cNvPr id="13" name="左大括号 12"/>
+          <p:cNvSpPr/>
+          <p:nvPr/>
+        </p:nvSpPr>
+        <p:spPr>
+          <a:xfrm>
+            <a:off x="6530079" y="2060848"/>
+            <a:ext cx="377145" cy="1800200"/>
+          </a:xfrm>
+          <a:prstGeom prst="leftBrace">
+            <a:avLst/>
+          </a:prstGeom>
+        </p:spPr>
+        <p:style>
+          <a:lnRef idx="1">
+            <a:schemeClr val="accent1"/>
+          </a:lnRef>
+          <a:fillRef idx="0">
+            <a:schemeClr val="accent1"/>
+          </a:fillRef>
+          <a:effectRef idx="0">
+            <a:schemeClr val="accent1"/>
+          </a:effectRef>
+          <a:fontRef idx="minor">
+            <a:schemeClr val="tx1"/>
+          </a:fontRef>
+        </p:style>
+        <p:txBody>
+          <a:bodyPr rtlCol="0" anchor="ctr"/>
+          <a:lstStyle/>
+          <a:p>
+            <a:pPr algn="ctr"/>
+            <a:endParaRPr lang="zh-CN" altLang="en-US"/>
+          </a:p>
+        </p:txBody>
+      </p:sp>
+      <p:cxnSp>
+        <p:nvCxnSpPr>
+          <p:cNvPr id="14" name="直接箭头连接符 13"/>
+          <p:cNvCxnSpPr/>
+          <p:nvPr/>
+        </p:nvCxnSpPr>
+        <p:spPr>
+          <a:xfrm flipH="1">
+            <a:off x="3975991" y="3475460"/>
+            <a:ext cx="425450" cy="1396027"/>
+          </a:xfrm>
+          <a:prstGeom prst="straightConnector1">
+            <a:avLst/>
+          </a:prstGeom>
+          <a:ln>
+            <a:tailEnd type="arrow"/>
+          </a:ln>
+        </p:spPr>
+        <p:style>
+          <a:lnRef idx="1">
+            <a:schemeClr val="accent1"/>
+          </a:lnRef>
+          <a:fillRef idx="0">
+            <a:schemeClr val="accent1"/>
+          </a:fillRef>
+          <a:effectRef idx="0">
+            <a:schemeClr val="accent1"/>
+          </a:effectRef>
+          <a:fontRef idx="minor">
+            <a:schemeClr val="tx1"/>
+          </a:fontRef>
+        </p:style>
+      </p:cxnSp>
+      <p:cxnSp>
+        <p:nvCxnSpPr>
+          <p:cNvPr id="15" name="直接箭头连接符 14"/>
+          <p:cNvCxnSpPr/>
+          <p:nvPr/>
+        </p:nvCxnSpPr>
+        <p:spPr>
+          <a:xfrm>
+            <a:off x="4788024" y="3575343"/>
+            <a:ext cx="0" cy="1296144"/>
+          </a:xfrm>
+          <a:prstGeom prst="straightConnector1">
+            <a:avLst/>
+          </a:prstGeom>
+          <a:ln>
+            <a:tailEnd type="arrow"/>
+          </a:ln>
+        </p:spPr>
+        <p:style>
+          <a:lnRef idx="1">
+            <a:schemeClr val="accent1"/>
+          </a:lnRef>
+          <a:fillRef idx="0">
+            <a:schemeClr val="accent1"/>
+          </a:fillRef>
+          <a:effectRef idx="0">
+            <a:schemeClr val="accent1"/>
+          </a:effectRef>
+          <a:fontRef idx="minor">
+            <a:schemeClr val="tx1"/>
+          </a:fontRef>
+        </p:style>
+      </p:cxnSp>
+      <p:cxnSp>
+        <p:nvCxnSpPr>
+          <p:cNvPr id="16" name="直接箭头连接符 15"/>
+          <p:cNvCxnSpPr/>
+          <p:nvPr/>
+        </p:nvCxnSpPr>
+        <p:spPr>
+          <a:xfrm>
+            <a:off x="5249144" y="3575343"/>
+            <a:ext cx="373903" cy="1296144"/>
+          </a:xfrm>
+          <a:prstGeom prst="straightConnector1">
+            <a:avLst/>
+          </a:prstGeom>
+          <a:ln>
+            <a:tailEnd type="arrow"/>
+          </a:ln>
+        </p:spPr>
+        <p:style>
+          <a:lnRef idx="1">
+            <a:schemeClr val="accent1"/>
+          </a:lnRef>
+          <a:fillRef idx="0">
+            <a:schemeClr val="accent1"/>
+          </a:fillRef>
+          <a:effectRef idx="0">
+            <a:schemeClr val="accent1"/>
+          </a:effectRef>
+          <a:fontRef idx="minor">
+            <a:schemeClr val="tx1"/>
+          </a:fontRef>
+        </p:style>
+      </p:cxnSp>
+      <p:sp>
+        <p:nvSpPr>
+          <p:cNvPr id="17" name="TextBox 16"/>
+          <p:cNvSpPr txBox="1"/>
+          <p:nvPr/>
+        </p:nvSpPr>
+        <p:spPr>
+          <a:xfrm>
+            <a:off x="4188716" y="4029457"/>
+            <a:ext cx="1247379" cy="369332"/>
+          </a:xfrm>
+          <a:prstGeom prst="rect">
+            <a:avLst/>
+          </a:prstGeom>
+          <a:noFill/>
+          <a:ln>
+            <a:noFill/>
+          </a:ln>
+        </p:spPr>
+        <p:txBody>
+          <a:bodyPr wrap="square" rtlCol="0">
+            <a:spAutoFit/>
+          </a:bodyPr>
+          <a:lstStyle/>
+          <a:p>
+            <a:r>
+              <a:rPr lang="en-US" altLang="zh-CN" dirty="0" smtClean="0">
+                <a:solidFill>
+                  <a:schemeClr val="tx2">
+                    <a:lumMod val="60000"/>
+                    <a:lumOff val="40000"/>
+                  </a:schemeClr>
+                </a:solidFill>
+              </a:rPr>
+              <a:t>. . .       . . .</a:t>
+            </a:r>
+            <a:endParaRPr lang="zh-CN" altLang="en-US" dirty="0">
+              <a:solidFill>
+                <a:schemeClr val="tx2">
+                  <a:lumMod val="60000"/>
+                  <a:lumOff val="40000"/>
+                </a:schemeClr>
+              </a:solidFill>
+            </a:endParaRPr>
+          </a:p>
+        </p:txBody>
+      </p:sp>
+      <p:sp>
+        <p:nvSpPr>
+          <p:cNvPr id="18" name="TextBox 17"/>
+          <p:cNvSpPr txBox="1"/>
+          <p:nvPr/>
+        </p:nvSpPr>
+        <p:spPr>
+          <a:xfrm>
+            <a:off x="3604795" y="4871487"/>
+            <a:ext cx="651460" cy="369332"/>
+          </a:xfrm>
+          <a:prstGeom prst="rect">
+            <a:avLst/>
+          </a:prstGeom>
+          <a:noFill/>
+        </p:spPr>
+        <p:txBody>
+          <a:bodyPr wrap="none" rtlCol="0">
+            <a:spAutoFit/>
+          </a:bodyPr>
+          <a:lstStyle/>
+          <a:p>
+            <a:r>
+              <a:rPr lang="en-US" altLang="zh-CN" dirty="0" smtClean="0"/>
+              <a:t>slave</a:t>
+            </a:r>
+            <a:endParaRPr lang="zh-CN" altLang="en-US" dirty="0"/>
+          </a:p>
+        </p:txBody>
+      </p:sp>
+      <p:sp>
+        <p:nvSpPr>
+          <p:cNvPr id="19" name="TextBox 18"/>
+          <p:cNvSpPr txBox="1"/>
+          <p:nvPr/>
+        </p:nvSpPr>
+        <p:spPr>
+          <a:xfrm>
+            <a:off x="4462294" y="4871487"/>
+            <a:ext cx="651460" cy="369332"/>
+          </a:xfrm>
+          <a:prstGeom prst="rect">
+            <a:avLst/>
+          </a:prstGeom>
+          <a:noFill/>
+        </p:spPr>
+        <p:txBody>
+          <a:bodyPr wrap="none" rtlCol="0">
+            <a:spAutoFit/>
+          </a:bodyPr>
+          <a:lstStyle/>
+          <a:p>
+            <a:r>
+              <a:rPr lang="en-US" altLang="zh-CN" dirty="0" smtClean="0"/>
+              <a:t>slave</a:t>
+            </a:r>
+            <a:endParaRPr lang="zh-CN" altLang="en-US" dirty="0"/>
+          </a:p>
+        </p:txBody>
+      </p:sp>
+      <p:sp>
+        <p:nvSpPr>
+          <p:cNvPr id="20" name="TextBox 19"/>
+          <p:cNvSpPr txBox="1"/>
+          <p:nvPr/>
+        </p:nvSpPr>
+        <p:spPr>
+          <a:xfrm>
+            <a:off x="5297317" y="4871487"/>
+            <a:ext cx="651460" cy="369332"/>
+          </a:xfrm>
+          <a:prstGeom prst="rect">
+            <a:avLst/>
+          </a:prstGeom>
+          <a:noFill/>
+        </p:spPr>
+        <p:txBody>
+          <a:bodyPr wrap="none" rtlCol="0">
+            <a:spAutoFit/>
+          </a:bodyPr>
+          <a:lstStyle/>
+          <a:p>
+            <a:r>
+              <a:rPr lang="en-US" altLang="zh-CN" dirty="0" smtClean="0"/>
+              <a:t>slave</a:t>
+            </a:r>
+            <a:endParaRPr lang="zh-CN" altLang="en-US" dirty="0"/>
+          </a:p>
+        </p:txBody>
+      </p:sp>
+      <p:sp>
+        <p:nvSpPr>
+          <p:cNvPr id="21" name="左弧形箭头 20"/>
+          <p:cNvSpPr/>
+          <p:nvPr/>
+        </p:nvSpPr>
+        <p:spPr>
+          <a:xfrm rot="11639433">
+            <a:off x="5260879" y="3203804"/>
+            <a:ext cx="860480" cy="2776383"/>
+          </a:xfrm>
+          <a:prstGeom prst="curvedRightArrow">
+            <a:avLst/>
+          </a:prstGeom>
+        </p:spPr>
+        <p:style>
+          <a:lnRef idx="2">
+            <a:schemeClr val="accent1">
+              <a:shade val="50000"/>
+            </a:schemeClr>
+          </a:lnRef>
+          <a:fillRef idx="1">
+            <a:schemeClr val="accent1"/>
+          </a:fillRef>
+          <a:effectRef idx="0">
+            <a:schemeClr val="accent1"/>
+          </a:effectRef>
+          <a:fontRef idx="minor">
+            <a:schemeClr val="lt1"/>
+          </a:fontRef>
+        </p:style>
+        <p:txBody>
+          <a:bodyPr rtlCol="0" anchor="ctr"/>
+          <a:lstStyle/>
+          <a:p>
+            <a:pPr algn="ctr"/>
+            <a:endParaRPr lang="zh-CN" altLang="en-US">
+              <a:solidFill>
+                <a:schemeClr val="tx1"/>
+              </a:solidFill>
+            </a:endParaRPr>
+          </a:p>
+        </p:txBody>
+      </p:sp>
+      <p:cxnSp>
+        <p:nvCxnSpPr>
+          <p:cNvPr id="22" name="直接箭头连接符 21"/>
+          <p:cNvCxnSpPr/>
+          <p:nvPr/>
+        </p:nvCxnSpPr>
+        <p:spPr>
+          <a:xfrm>
+            <a:off x="3930525" y="5240819"/>
+            <a:ext cx="641475" cy="383615"/>
+          </a:xfrm>
+          <a:prstGeom prst="straightConnector1">
+            <a:avLst/>
+          </a:prstGeom>
+          <a:ln>
+            <a:tailEnd type="arrow"/>
+          </a:ln>
+        </p:spPr>
+        <p:style>
+          <a:lnRef idx="1">
+            <a:schemeClr val="accent1"/>
+          </a:lnRef>
+          <a:fillRef idx="0">
+            <a:schemeClr val="accent1"/>
+          </a:fillRef>
+          <a:effectRef idx="0">
+            <a:schemeClr val="accent1"/>
+          </a:effectRef>
+          <a:fontRef idx="minor">
+            <a:schemeClr val="tx1"/>
+          </a:fontRef>
+        </p:style>
+      </p:cxnSp>
+      <p:cxnSp>
+        <p:nvCxnSpPr>
+          <p:cNvPr id="23" name="直接箭头连接符 22"/>
+          <p:cNvCxnSpPr/>
+          <p:nvPr/>
+        </p:nvCxnSpPr>
+        <p:spPr>
+          <a:xfrm>
+            <a:off x="4788024" y="5240819"/>
+            <a:ext cx="0" cy="383615"/>
+          </a:xfrm>
+          <a:prstGeom prst="straightConnector1">
+            <a:avLst/>
+          </a:prstGeom>
+          <a:ln>
+            <a:tailEnd type="arrow"/>
+          </a:ln>
+        </p:spPr>
+        <p:style>
+          <a:lnRef idx="1">
+            <a:schemeClr val="accent1"/>
+          </a:lnRef>
+          <a:fillRef idx="0">
+            <a:schemeClr val="accent1"/>
+          </a:fillRef>
+          <a:effectRef idx="0">
+            <a:schemeClr val="accent1"/>
+          </a:effectRef>
+          <a:fontRef idx="minor">
+            <a:schemeClr val="tx1"/>
+          </a:fontRef>
+        </p:style>
+      </p:cxnSp>
+      <p:cxnSp>
+        <p:nvCxnSpPr>
+          <p:cNvPr id="24" name="直接箭头连接符 23"/>
+          <p:cNvCxnSpPr/>
+          <p:nvPr/>
+        </p:nvCxnSpPr>
+        <p:spPr>
+          <a:xfrm flipH="1">
+            <a:off x="4938637" y="5240819"/>
+            <a:ext cx="621939" cy="383615"/>
+          </a:xfrm>
+          <a:prstGeom prst="straightConnector1">
+            <a:avLst/>
+          </a:prstGeom>
+          <a:ln>
+            <a:tailEnd type="arrow"/>
+          </a:ln>
+        </p:spPr>
+        <p:style>
+          <a:lnRef idx="1">
+            <a:schemeClr val="accent1"/>
+          </a:lnRef>
+          <a:fillRef idx="0">
+            <a:schemeClr val="accent1"/>
+          </a:fillRef>
+          <a:effectRef idx="0">
+            <a:schemeClr val="accent1"/>
+          </a:effectRef>
+          <a:fontRef idx="minor">
+            <a:schemeClr val="tx1"/>
+          </a:fontRef>
+        </p:style>
+      </p:cxnSp>
+      <p:sp>
+        <p:nvSpPr>
+          <p:cNvPr id="25" name="TextBox 24"/>
+          <p:cNvSpPr txBox="1"/>
+          <p:nvPr/>
+        </p:nvSpPr>
+        <p:spPr>
+          <a:xfrm>
+            <a:off x="3230955" y="5733256"/>
+            <a:ext cx="3861325" cy="1200329"/>
+          </a:xfrm>
+          <a:prstGeom prst="rect">
+            <a:avLst/>
+          </a:prstGeom>
+          <a:noFill/>
+        </p:spPr>
+        <p:txBody>
+          <a:bodyPr wrap="square" rtlCol="0">
+            <a:spAutoFit/>
+          </a:bodyPr>
+          <a:lstStyle/>
+          <a:p>
+            <a:r>
+              <a:rPr lang="en-US" altLang="zh-CN" dirty="0" smtClean="0"/>
+              <a:t>Whole genome was divided into multiple chromosomes or scaffolds (-c). And each scaffold was calculated by Slave </a:t>
+            </a:r>
+            <a:r>
+              <a:rPr lang="en-US" altLang="zh-CN" dirty="0" err="1" smtClean="0"/>
+              <a:t>programm</a:t>
+            </a:r>
+            <a:r>
+              <a:rPr lang="en-US" altLang="zh-CN" dirty="0" smtClean="0"/>
+              <a:t> simultaneously. </a:t>
+            </a:r>
+            <a:endParaRPr lang="zh-CN" altLang="en-US" dirty="0"/>
+          </a:p>
+        </p:txBody>
+      </p:sp>
+    </p:spTree>
+    <p:extLst>
+      <p:ext uri="{BB962C8B-B14F-4D97-AF65-F5344CB8AC3E}">
+        <p14:creationId xmlns:p14="http://schemas.microsoft.com/office/powerpoint/2010/main" val="3455380252"/>
+      </p:ext>
+    </p:extLst>
+  </p:cSld>
+  <p:clrMapOvr>
+    <a:masterClrMapping/>
+  </p:clrMapOvr>
+  <p:timing>
+    <p:tnLst>
+      <p:par>
+        <p:cTn id="1" dur="indefinite" restart="never" nodeType="tmRoot"/>
+      </p:par>
+    </p:tnLst>
+  </p:timing>
+</p:sld>
+</file>
+
+<file path=ppt/slides/slide13.xml><?xml version="1.0" encoding="utf-8"?>
+<p:sld xmlns:a="http://schemas.openxmlformats.org/drawingml/2006/main" xmlns:r="http://schemas.openxmlformats.org/officeDocument/2006/relationships" xmlns:p="http://schemas.openxmlformats.org/presentationml/2006/main">
+  <p:cSld>
+    <p:spTree>
+      <p:nvGrpSpPr>
+        <p:cNvPr id="1" name=""/>
+        <p:cNvGrpSpPr/>
+        <p:nvPr/>
+      </p:nvGrpSpPr>
+      <p:grpSpPr>
+        <a:xfrm>
+          <a:off x="0" y="0"/>
+          <a:ext cx="0" cy="0"/>
+          <a:chOff x="0" y="0"/>
+          <a:chExt cx="0" cy="0"/>
+        </a:xfrm>
+      </p:grpSpPr>
+      <p:sp>
+        <p:nvSpPr>
+          <p:cNvPr id="2" name="标题 1"/>
+          <p:cNvSpPr>
+            <a:spLocks noGrp="1"/>
+          </p:cNvSpPr>
+          <p:nvPr>
+            <p:ph type="title"/>
+          </p:nvPr>
+        </p:nvSpPr>
+        <p:spPr/>
+        <p:txBody>
+          <a:bodyPr/>
+          <a:lstStyle/>
+          <a:p>
+            <a:r>
+              <a:rPr lang="en-US" altLang="zh-CN" sz="4000" dirty="0" smtClean="0"/>
+              <a:t>usage</a:t>
+            </a:r>
+            <a:endParaRPr lang="zh-CN" altLang="en-US" sz="4000" dirty="0"/>
+          </a:p>
+        </p:txBody>
+      </p:sp>
+      <p:sp>
+        <p:nvSpPr>
+          <p:cNvPr id="3" name="内容占位符 2"/>
+          <p:cNvSpPr>
+            <a:spLocks noGrp="1"/>
+          </p:cNvSpPr>
+          <p:nvPr>
+            <p:ph idx="1"/>
+          </p:nvPr>
+        </p:nvSpPr>
+        <p:spPr/>
+        <p:txBody>
+          <a:bodyPr>
+            <a:noAutofit/>
+          </a:bodyPr>
+          <a:lstStyle/>
+          <a:p>
+            <a:r>
+              <a:rPr lang="en-US" altLang="zh-CN" sz="1800" dirty="0" smtClean="0"/>
+              <a:t>Python-3.3.3/python life/src/NGS/Analysis/</a:t>
+            </a:r>
+            <a:r>
+              <a:rPr lang="en-US" altLang="zh-CN" sz="1800" dirty="0"/>
+              <a:t>Detectsignalacrossgenome_master.</a:t>
+            </a:r>
+            <a:r>
+              <a:rPr lang="en-US" altLang="zh-CN" sz="1800" dirty="0" smtClean="0"/>
+              <a:t>py </a:t>
+            </a:r>
+            <a:r>
+              <a:rPr lang="en-US" altLang="zh-CN" sz="1800" b="1" dirty="0"/>
+              <a:t>-o </a:t>
+            </a:r>
+            <a:r>
+              <a:rPr lang="en-US" altLang="zh-CN" sz="1800" dirty="0"/>
+              <a:t>/</a:t>
+            </a:r>
+            <a:r>
+              <a:rPr lang="en-US" altLang="zh-CN" sz="1800" dirty="0" smtClean="0"/>
+              <a:t>home/</a:t>
+            </a:r>
+            <a:r>
+              <a:rPr lang="en-US" altLang="zh-CN" sz="1800" dirty="0" err="1" smtClean="0"/>
+              <a:t>bioinfo</a:t>
+            </a:r>
+            <a:r>
+              <a:rPr lang="en-US" altLang="zh-CN" sz="1800" dirty="0" smtClean="0"/>
+              <a:t>/</a:t>
+            </a:r>
+            <a:r>
+              <a:rPr lang="en-US" altLang="zh-CN" sz="1800" dirty="0" err="1" smtClean="0"/>
+              <a:t>liurui</a:t>
+            </a:r>
+            <a:r>
+              <a:rPr lang="en-US" altLang="zh-CN" sz="1800" dirty="0" smtClean="0"/>
+              <a:t>/data/</a:t>
+            </a:r>
+            <a:r>
+              <a:rPr lang="en-US" altLang="zh-CN" sz="1800" dirty="0" err="1" smtClean="0"/>
+              <a:t>detectselection</a:t>
+            </a:r>
+            <a:r>
+              <a:rPr lang="en-US" altLang="zh-CN" sz="1800" dirty="0" smtClean="0"/>
+              <a:t>/</a:t>
+            </a:r>
+            <a:r>
+              <a:rPr lang="en-US" altLang="zh-CN" sz="1800" dirty="0" err="1" smtClean="0"/>
+              <a:t>uniqmap</a:t>
+            </a:r>
+            <a:r>
+              <a:rPr lang="en-US" altLang="zh-CN" sz="1800" dirty="0" smtClean="0"/>
+              <a:t>/</a:t>
+            </a:r>
+            <a:r>
+              <a:rPr lang="en-US" altLang="zh-CN" sz="1800" dirty="0" err="1" smtClean="0"/>
+              <a:t>earlystageselectivesweep</a:t>
+            </a:r>
+            <a:r>
+              <a:rPr lang="en-US" altLang="zh-CN" sz="1800" dirty="0" smtClean="0"/>
+              <a:t>/</a:t>
+            </a:r>
+            <a:r>
+              <a:rPr lang="en-US" altLang="zh-CN" sz="1800" dirty="0" err="1" smtClean="0"/>
+              <a:t>finaleditionfromproducetoslidwin</a:t>
+            </a:r>
+            <a:r>
+              <a:rPr lang="en-US" altLang="zh-CN" sz="1800" dirty="0" smtClean="0"/>
+              <a:t>  </a:t>
+            </a:r>
+            <a:r>
+              <a:rPr lang="en-US" altLang="zh-CN" sz="1800" b="1" dirty="0" smtClean="0"/>
+              <a:t>-</a:t>
+            </a:r>
+            <a:r>
+              <a:rPr lang="en-US" altLang="zh-CN" sz="1800" b="1" dirty="0"/>
+              <a:t>n</a:t>
+            </a:r>
+            <a:r>
+              <a:rPr lang="en-US" altLang="zh-CN" sz="1800" dirty="0"/>
+              <a:t> 14  -t mspsgjlksy10pop_toplevel_pekingduckref </a:t>
+            </a:r>
+            <a:r>
+              <a:rPr lang="en-US" altLang="zh-CN" sz="1800" b="1" dirty="0"/>
+              <a:t>-T </a:t>
+            </a:r>
+            <a:r>
+              <a:rPr lang="en-US" altLang="zh-CN" sz="1800" dirty="0" err="1" smtClean="0"/>
+              <a:t>mallard.VCFBAMconfig</a:t>
+            </a:r>
+            <a:r>
+              <a:rPr lang="en-US" altLang="zh-CN" sz="1800" dirty="0" smtClean="0"/>
+              <a:t> </a:t>
+            </a:r>
+            <a:r>
+              <a:rPr lang="en-US" altLang="zh-CN" sz="1800" b="1" dirty="0"/>
+              <a:t>-T </a:t>
+            </a:r>
+            <a:r>
+              <a:rPr lang="en-US" altLang="zh-CN" sz="1800" dirty="0" err="1" smtClean="0"/>
+              <a:t>spotbilled.VCFBAMconfig</a:t>
+            </a:r>
+            <a:r>
+              <a:rPr lang="en-US" altLang="zh-CN" sz="1800" dirty="0" smtClean="0"/>
+              <a:t> </a:t>
+            </a:r>
+            <a:r>
+              <a:rPr lang="en-US" altLang="zh-CN" sz="1800" b="1" dirty="0"/>
+              <a:t>-R</a:t>
+            </a:r>
+            <a:r>
+              <a:rPr lang="en-US" altLang="zh-CN" sz="1800" dirty="0"/>
+              <a:t> </a:t>
+            </a:r>
+            <a:r>
+              <a:rPr lang="en-US" altLang="zh-CN" sz="1800" dirty="0" err="1" smtClean="0"/>
+              <a:t>gaoyou.VCFBAMconfig</a:t>
+            </a:r>
+            <a:r>
+              <a:rPr lang="en-US" altLang="zh-CN" sz="1800" dirty="0" smtClean="0"/>
+              <a:t> </a:t>
+            </a:r>
+            <a:r>
+              <a:rPr lang="en-US" altLang="zh-CN" sz="1800" b="1" dirty="0"/>
+              <a:t>-R</a:t>
+            </a:r>
+            <a:r>
+              <a:rPr lang="en-US" altLang="zh-CN" sz="1800" dirty="0"/>
+              <a:t> </a:t>
+            </a:r>
+            <a:r>
+              <a:rPr lang="en-US" altLang="zh-CN" sz="1800" dirty="0" err="1" smtClean="0"/>
+              <a:t>lianchengbai.VCFBAMconfig</a:t>
+            </a:r>
+            <a:r>
+              <a:rPr lang="en-US" altLang="zh-CN" sz="1800" dirty="0" smtClean="0"/>
+              <a:t> </a:t>
+            </a:r>
+            <a:r>
+              <a:rPr lang="en-US" altLang="zh-CN" sz="1800" b="1" dirty="0"/>
+              <a:t>-R</a:t>
+            </a:r>
+            <a:r>
+              <a:rPr lang="en-US" altLang="zh-CN" sz="1800" dirty="0"/>
+              <a:t> </a:t>
+            </a:r>
+            <a:r>
+              <a:rPr lang="en-US" altLang="zh-CN" sz="1800" dirty="0" err="1" smtClean="0"/>
+              <a:t>jinding.VCFBAMconfig</a:t>
+            </a:r>
+            <a:r>
+              <a:rPr lang="en-US" altLang="zh-CN" sz="1800" dirty="0" smtClean="0"/>
+              <a:t> </a:t>
+            </a:r>
+            <a:r>
+              <a:rPr lang="en-US" altLang="zh-CN" sz="1800" b="1" dirty="0"/>
+              <a:t>-R</a:t>
+            </a:r>
+            <a:r>
+              <a:rPr lang="en-US" altLang="zh-CN" sz="1800" dirty="0"/>
+              <a:t> </a:t>
+            </a:r>
+            <a:r>
+              <a:rPr lang="en-US" altLang="zh-CN" sz="1800" dirty="0" err="1" smtClean="0"/>
+              <a:t>campbell.VCFBAMconfig</a:t>
+            </a:r>
+            <a:r>
+              <a:rPr lang="en-US" altLang="zh-CN" sz="1800" dirty="0" smtClean="0"/>
+              <a:t> </a:t>
+            </a:r>
+            <a:r>
+              <a:rPr lang="en-US" altLang="zh-CN" sz="1800" b="1" dirty="0"/>
+              <a:t>-R </a:t>
+            </a:r>
+            <a:r>
+              <a:rPr lang="en-US" altLang="zh-CN" sz="1800" dirty="0" err="1" smtClean="0"/>
+              <a:t>cherryvalley.VCFBAMconfig</a:t>
+            </a:r>
+            <a:r>
+              <a:rPr lang="en-US" altLang="zh-CN" sz="1800" dirty="0" smtClean="0"/>
+              <a:t> </a:t>
+            </a:r>
+            <a:r>
+              <a:rPr lang="en-US" altLang="zh-CN" sz="1800" b="1" dirty="0"/>
+              <a:t>-R</a:t>
+            </a:r>
+            <a:r>
+              <a:rPr lang="en-US" altLang="zh-CN" sz="1800" dirty="0"/>
+              <a:t> </a:t>
+            </a:r>
+            <a:r>
+              <a:rPr lang="en-US" altLang="zh-CN" sz="1800" dirty="0" err="1" smtClean="0"/>
+              <a:t>beijing.VCFBAMconfig</a:t>
+            </a:r>
+            <a:r>
+              <a:rPr lang="en-US" altLang="zh-CN" sz="1800" dirty="0" smtClean="0"/>
+              <a:t> </a:t>
+            </a:r>
+            <a:r>
+              <a:rPr lang="en-US" altLang="zh-CN" sz="1800" b="1" dirty="0" smtClean="0"/>
+              <a:t>-R</a:t>
+            </a:r>
+            <a:r>
+              <a:rPr lang="en-US" altLang="zh-CN" sz="1800" dirty="0" smtClean="0"/>
+              <a:t> </a:t>
+            </a:r>
+            <a:r>
+              <a:rPr lang="en-US" altLang="zh-CN" sz="1800" dirty="0" err="1" smtClean="0"/>
+              <a:t>shaoxing.VCFBAMconfig</a:t>
+            </a:r>
+            <a:r>
+              <a:rPr lang="en-US" altLang="zh-CN" sz="1800" dirty="0" smtClean="0"/>
+              <a:t> </a:t>
+            </a:r>
+            <a:r>
+              <a:rPr lang="en-US" altLang="zh-CN" sz="1800" b="1" dirty="0"/>
+              <a:t>-R</a:t>
+            </a:r>
+            <a:r>
+              <a:rPr lang="en-US" altLang="zh-CN" sz="1800" dirty="0"/>
+              <a:t> </a:t>
+            </a:r>
+            <a:r>
+              <a:rPr lang="en-US" altLang="zh-CN" sz="1800" dirty="0" err="1" smtClean="0"/>
+              <a:t>shanma.VCFBAMconfig</a:t>
+            </a:r>
+            <a:r>
+              <a:rPr lang="en-US" altLang="zh-CN" sz="1800" dirty="0" smtClean="0"/>
+              <a:t> </a:t>
+            </a:r>
+            <a:r>
+              <a:rPr lang="en-US" altLang="zh-CN" sz="1800" b="1" dirty="0"/>
+              <a:t>-w</a:t>
+            </a:r>
+            <a:r>
+              <a:rPr lang="en-US" altLang="zh-CN" sz="1800" dirty="0"/>
+              <a:t> 20000 </a:t>
+            </a:r>
+            <a:r>
+              <a:rPr lang="en-US" altLang="zh-CN" sz="1800" b="1" dirty="0"/>
+              <a:t>-s</a:t>
+            </a:r>
+            <a:r>
+              <a:rPr lang="en-US" altLang="zh-CN" sz="1800" dirty="0"/>
+              <a:t> 10000 </a:t>
+            </a:r>
+            <a:r>
+              <a:rPr lang="en-US" altLang="zh-CN" sz="1800" b="1" dirty="0"/>
+              <a:t>-c</a:t>
+            </a:r>
+            <a:r>
+              <a:rPr lang="en-US" altLang="zh-CN" sz="1800" dirty="0"/>
+              <a:t> </a:t>
+            </a:r>
+            <a:r>
+              <a:rPr lang="en-US" altLang="zh-CN" sz="1800" dirty="0" smtClean="0"/>
+              <a:t>pekingduckchrominfo.autosomescaffolds_1  </a:t>
+            </a:r>
+            <a:r>
+              <a:rPr lang="en-US" altLang="zh-CN" sz="1800" dirty="0"/>
+              <a:t>-</a:t>
+            </a:r>
+            <a:r>
+              <a:rPr lang="en-US" altLang="zh-CN" sz="1800" b="1" dirty="0"/>
+              <a:t>c</a:t>
+            </a:r>
+            <a:r>
+              <a:rPr lang="en-US" altLang="zh-CN" sz="1800" dirty="0"/>
+              <a:t> </a:t>
+            </a:r>
+            <a:r>
+              <a:rPr lang="en-US" altLang="zh-CN" sz="1800" dirty="0" smtClean="0"/>
+              <a:t>pekingduckchrominfo.autosomescaffolds_2  -</a:t>
+            </a:r>
+            <a:r>
+              <a:rPr lang="en-US" altLang="zh-CN" sz="1800" b="1" dirty="0"/>
+              <a:t>c</a:t>
+            </a:r>
+            <a:r>
+              <a:rPr lang="en-US" altLang="zh-CN" sz="1800" dirty="0"/>
+              <a:t> </a:t>
+            </a:r>
+            <a:r>
+              <a:rPr lang="en-US" altLang="zh-CN" sz="1800" dirty="0" smtClean="0"/>
+              <a:t>pekingduckchrominfo.autosomescaffolds_3   -</a:t>
+            </a:r>
+            <a:r>
+              <a:rPr lang="en-US" altLang="zh-CN" sz="1800" b="1" dirty="0"/>
+              <a:t>c</a:t>
+            </a:r>
+            <a:r>
+              <a:rPr lang="en-US" altLang="zh-CN" sz="1800" dirty="0"/>
+              <a:t> </a:t>
+            </a:r>
+            <a:r>
+              <a:rPr lang="en-US" altLang="zh-CN" sz="1800" dirty="0" smtClean="0"/>
+              <a:t>pekingduckchrominfo.autosomescaffolds_4  -</a:t>
+            </a:r>
+            <a:r>
+              <a:rPr lang="en-US" altLang="zh-CN" sz="1800" b="1" dirty="0"/>
+              <a:t>c</a:t>
+            </a:r>
+            <a:r>
+              <a:rPr lang="en-US" altLang="zh-CN" sz="1800" dirty="0"/>
+              <a:t> </a:t>
+            </a:r>
+            <a:r>
+              <a:rPr lang="en-US" altLang="zh-CN" sz="1800" dirty="0" smtClean="0"/>
+              <a:t>pekingduckchrominfo.autosomescaffolds_5   -</a:t>
+            </a:r>
+            <a:r>
+              <a:rPr lang="en-US" altLang="zh-CN" sz="1800" b="1" dirty="0"/>
+              <a:t>c</a:t>
+            </a:r>
+            <a:r>
+              <a:rPr lang="en-US" altLang="zh-CN" sz="1800" dirty="0"/>
+              <a:t> </a:t>
+            </a:r>
+            <a:r>
+              <a:rPr lang="en-US" altLang="zh-CN" sz="1800" dirty="0" smtClean="0"/>
+              <a:t>pekingduckchrominfo.autosomescaffolds_6  </a:t>
+            </a:r>
+            <a:r>
+              <a:rPr lang="en-US" altLang="zh-CN" sz="1800" dirty="0"/>
+              <a:t>-</a:t>
+            </a:r>
+            <a:r>
+              <a:rPr lang="en-US" altLang="zh-CN" sz="1800" b="1" dirty="0"/>
+              <a:t>c</a:t>
+            </a:r>
+            <a:r>
+              <a:rPr lang="en-US" altLang="zh-CN" sz="1800" dirty="0"/>
+              <a:t> </a:t>
+            </a:r>
+            <a:r>
+              <a:rPr lang="en-US" altLang="zh-CN" sz="1800" dirty="0" smtClean="0"/>
+              <a:t>pekingduckchrominfo.autosomescaffolds_7  -</a:t>
+            </a:r>
+            <a:r>
+              <a:rPr lang="en-US" altLang="zh-CN" sz="1800" b="1" dirty="0"/>
+              <a:t>c</a:t>
+            </a:r>
+            <a:r>
+              <a:rPr lang="en-US" altLang="zh-CN" sz="1800" dirty="0"/>
+              <a:t> </a:t>
+            </a:r>
+            <a:r>
+              <a:rPr lang="en-US" altLang="zh-CN" sz="1800" dirty="0" smtClean="0"/>
+              <a:t>pekingduckchrominfo.autosomescaffolds_8  </a:t>
+            </a:r>
+            <a:r>
+              <a:rPr lang="en-US" altLang="zh-CN" sz="1800" b="1" dirty="0"/>
+              <a:t>-1</a:t>
+            </a:r>
+            <a:r>
+              <a:rPr lang="en-US" altLang="zh-CN" sz="1800" dirty="0"/>
+              <a:t> </a:t>
+            </a:r>
+            <a:r>
+              <a:rPr lang="en-US" altLang="zh-CN" sz="1800" dirty="0" smtClean="0"/>
+              <a:t>life/src/NGS/Slave/Detectsignalacrossgenome_producecorrelation_slave.py </a:t>
+            </a:r>
+            <a:r>
+              <a:rPr lang="en-US" altLang="zh-CN" sz="1800" dirty="0"/>
+              <a:t>-</a:t>
+            </a:r>
+            <a:r>
+              <a:rPr lang="en-US" altLang="zh-CN" sz="1800" b="1" dirty="0"/>
+              <a:t>2</a:t>
+            </a:r>
+            <a:r>
+              <a:rPr lang="en-US" altLang="zh-CN" sz="1800" dirty="0"/>
+              <a:t> life/src/NGS/Slave/Detectsignalacrossgenome_slidewin_slave.py -</a:t>
+            </a:r>
+            <a:r>
+              <a:rPr lang="en-US" altLang="zh-CN" sz="1800" b="1" dirty="0"/>
+              <a:t>p</a:t>
+            </a:r>
+            <a:r>
+              <a:rPr lang="en-US" altLang="zh-CN" sz="1800" dirty="0"/>
+              <a:t> early</a:t>
+            </a:r>
+            <a:endParaRPr lang="zh-CN" altLang="en-US" sz="1800" dirty="0"/>
+          </a:p>
+        </p:txBody>
+      </p:sp>
+      <p:sp>
+        <p:nvSpPr>
+          <p:cNvPr id="5" name="TextBox 4"/>
+          <p:cNvSpPr txBox="1"/>
+          <p:nvPr/>
+        </p:nvSpPr>
+        <p:spPr>
+          <a:xfrm>
+            <a:off x="0" y="0"/>
+            <a:ext cx="9139472" cy="369332"/>
+          </a:xfrm>
+          <a:prstGeom prst="rect">
+            <a:avLst/>
+          </a:prstGeom>
+          <a:noFill/>
+        </p:spPr>
+        <p:txBody>
+          <a:bodyPr wrap="square" rtlCol="0">
+            <a:spAutoFit/>
+          </a:bodyPr>
+          <a:lstStyle/>
+          <a:p>
+            <a:r>
+              <a:rPr lang="en-US" altLang="zh-CN" dirty="0" smtClean="0"/>
+              <a:t>Detect </a:t>
+            </a:r>
+            <a:r>
+              <a:rPr lang="en-US" altLang="zh-CN" dirty="0"/>
+              <a:t>selection </a:t>
+            </a:r>
+            <a:r>
+              <a:rPr lang="en-US" altLang="zh-CN" dirty="0" err="1"/>
+              <a:t>signal:Detectsignalacrossgenome_master.py</a:t>
+            </a:r>
+            <a:endParaRPr lang="zh-CN" altLang="en-US" dirty="0"/>
+          </a:p>
+        </p:txBody>
+      </p:sp>
+    </p:spTree>
+    <p:extLst>
+      <p:ext uri="{BB962C8B-B14F-4D97-AF65-F5344CB8AC3E}">
+        <p14:creationId xmlns:p14="http://schemas.microsoft.com/office/powerpoint/2010/main" val="1538647101"/>
+      </p:ext>
+    </p:extLst>
+  </p:cSld>
+  <p:clrMapOvr>
+    <a:masterClrMapping/>
+  </p:clrMapOvr>
+  <p:timing>
+    <p:tnLst>
+      <p:par>
+        <p:cTn id="1" dur="indefinite" restart="never" nodeType="tmRoot"/>
+      </p:par>
+    </p:tnLst>
+  </p:timing>
+</p:sld>
+</file>
+
+<file path=ppt/slides/slide14.xml><?xml version="1.0" encoding="utf-8"?>
+<p:sld xmlns:a="http://schemas.openxmlformats.org/drawingml/2006/main" xmlns:r="http://schemas.openxmlformats.org/officeDocument/2006/relationships" xmlns:p="http://schemas.openxmlformats.org/presentationml/2006/main">
+  <p:cSld>
+    <p:spTree>
+      <p:nvGrpSpPr>
+        <p:cNvPr id="1" name=""/>
+        <p:cNvGrpSpPr/>
+        <p:nvPr/>
+      </p:nvGrpSpPr>
+      <p:grpSpPr>
+        <a:xfrm>
+          <a:off x="0" y="0"/>
+          <a:ext cx="0" cy="0"/>
+          <a:chOff x="0" y="0"/>
+          <a:chExt cx="0" cy="0"/>
+        </a:xfrm>
+      </p:grpSpPr>
+      <p:sp>
+        <p:nvSpPr>
+          <p:cNvPr id="2" name="标题 1"/>
+          <p:cNvSpPr>
+            <a:spLocks noGrp="1"/>
+          </p:cNvSpPr>
+          <p:nvPr>
+            <p:ph type="title"/>
+          </p:nvPr>
+        </p:nvSpPr>
+        <p:spPr>
+          <a:xfrm>
+            <a:off x="457200" y="274638"/>
+            <a:ext cx="8229600" cy="922114"/>
+          </a:xfrm>
+        </p:spPr>
+        <p:txBody>
+          <a:bodyPr>
+            <a:normAutofit/>
+          </a:bodyPr>
+          <a:lstStyle/>
+          <a:p>
+            <a:r>
+              <a:rPr lang="en-US" altLang="zh-CN" sz="3200" dirty="0" smtClean="0"/>
+              <a:t>-T/-R </a:t>
+            </a:r>
+            <a:r>
+              <a:rPr lang="en-US" altLang="zh-CN" sz="3200" dirty="0" err="1" smtClean="0"/>
+              <a:t>mallard.VCFBAMconfig</a:t>
+            </a:r>
+            <a:r>
+              <a:rPr lang="en-US" altLang="zh-CN" sz="3200" dirty="0" smtClean="0"/>
+              <a:t>  file</a:t>
+            </a:r>
+            <a:endParaRPr lang="zh-CN" altLang="en-US" sz="3200" dirty="0"/>
+          </a:p>
+        </p:txBody>
+      </p:sp>
+      <p:pic>
+        <p:nvPicPr>
+          <p:cNvPr id="6" name="内容占位符 5"/>
+          <p:cNvPicPr>
+            <a:picLocks noGrp="1" noChangeAspect="1"/>
+          </p:cNvPicPr>
+          <p:nvPr>
+            <p:ph idx="1"/>
+          </p:nvPr>
+        </p:nvPicPr>
+        <p:blipFill>
+          <a:blip r:embed="rId2">
+            <a:extLst>
+              <a:ext uri="{28A0092B-C50C-407E-A947-70E740481C1C}">
+                <a14:useLocalDpi xmlns:a14="http://schemas.microsoft.com/office/drawing/2010/main" val="0"/>
+              </a:ext>
+            </a:extLst>
+          </a:blip>
+          <a:stretch>
+            <a:fillRect/>
+          </a:stretch>
+        </p:blipFill>
+        <p:spPr>
+          <a:xfrm>
+            <a:off x="611560" y="1268760"/>
+            <a:ext cx="7800975" cy="2924175"/>
+          </a:xfrm>
+        </p:spPr>
+      </p:pic>
+      <p:cxnSp>
+        <p:nvCxnSpPr>
+          <p:cNvPr id="9" name="直接箭头连接符 8"/>
+          <p:cNvCxnSpPr/>
+          <p:nvPr/>
+        </p:nvCxnSpPr>
+        <p:spPr>
+          <a:xfrm>
+            <a:off x="1296144" y="3814936"/>
+            <a:ext cx="0" cy="838200"/>
+          </a:xfrm>
+          <a:prstGeom prst="straightConnector1">
+            <a:avLst/>
+          </a:prstGeom>
+          <a:ln>
+            <a:tailEnd type="arrow"/>
+          </a:ln>
+        </p:spPr>
+        <p:style>
+          <a:lnRef idx="1">
+            <a:schemeClr val="accent1"/>
+          </a:lnRef>
+          <a:fillRef idx="0">
+            <a:schemeClr val="accent1"/>
+          </a:fillRef>
+          <a:effectRef idx="0">
+            <a:schemeClr val="accent1"/>
+          </a:effectRef>
+          <a:fontRef idx="minor">
+            <a:schemeClr val="tx1"/>
+          </a:fontRef>
+        </p:style>
+      </p:cxnSp>
+      <p:sp>
+        <p:nvSpPr>
+          <p:cNvPr id="11" name="TextBox 10"/>
+          <p:cNvSpPr txBox="1"/>
+          <p:nvPr/>
+        </p:nvSpPr>
+        <p:spPr>
+          <a:xfrm>
+            <a:off x="683568" y="4869160"/>
+            <a:ext cx="1368152" cy="646331"/>
+          </a:xfrm>
+          <a:prstGeom prst="rect">
+            <a:avLst/>
+          </a:prstGeom>
+          <a:noFill/>
+        </p:spPr>
+        <p:txBody>
+          <a:bodyPr wrap="square" rtlCol="0">
+            <a:spAutoFit/>
+          </a:bodyPr>
+          <a:lstStyle/>
+          <a:p>
+            <a:r>
+              <a:rPr lang="en-US" altLang="zh-CN" dirty="0" smtClean="0"/>
+              <a:t>Population </a:t>
+            </a:r>
+            <a:r>
+              <a:rPr lang="en-US" altLang="zh-CN" dirty="0" err="1" smtClean="0"/>
+              <a:t>vcf</a:t>
+            </a:r>
+            <a:r>
+              <a:rPr lang="en-US" altLang="zh-CN" dirty="0" smtClean="0"/>
+              <a:t> file</a:t>
+            </a:r>
+            <a:endParaRPr lang="zh-CN" altLang="en-US" dirty="0"/>
+          </a:p>
+        </p:txBody>
+      </p:sp>
+      <p:cxnSp>
+        <p:nvCxnSpPr>
+          <p:cNvPr id="12" name="直接箭头连接符 11"/>
+          <p:cNvCxnSpPr/>
+          <p:nvPr/>
+        </p:nvCxnSpPr>
+        <p:spPr>
+          <a:xfrm>
+            <a:off x="4932040" y="4026701"/>
+            <a:ext cx="0" cy="838200"/>
+          </a:xfrm>
+          <a:prstGeom prst="straightConnector1">
+            <a:avLst/>
+          </a:prstGeom>
+          <a:ln>
+            <a:tailEnd type="arrow"/>
+          </a:ln>
+        </p:spPr>
+        <p:style>
+          <a:lnRef idx="1">
+            <a:schemeClr val="accent1"/>
+          </a:lnRef>
+          <a:fillRef idx="0">
+            <a:schemeClr val="accent1"/>
+          </a:fillRef>
+          <a:effectRef idx="0">
+            <a:schemeClr val="accent1"/>
+          </a:effectRef>
+          <a:fontRef idx="minor">
+            <a:schemeClr val="tx1"/>
+          </a:fontRef>
+        </p:style>
+      </p:cxnSp>
+      <p:sp>
+        <p:nvSpPr>
+          <p:cNvPr id="14" name="TextBox 13"/>
+          <p:cNvSpPr txBox="1"/>
+          <p:nvPr/>
+        </p:nvSpPr>
+        <p:spPr>
+          <a:xfrm>
+            <a:off x="2771800" y="4869160"/>
+            <a:ext cx="6120680" cy="923330"/>
+          </a:xfrm>
+          <a:prstGeom prst="rect">
+            <a:avLst/>
+          </a:prstGeom>
+          <a:noFill/>
+        </p:spPr>
+        <p:txBody>
+          <a:bodyPr wrap="square" rtlCol="0">
+            <a:spAutoFit/>
+          </a:bodyPr>
+          <a:lstStyle/>
+          <a:p>
+            <a:r>
+              <a:rPr lang="en-US" altLang="zh-CN" dirty="0" smtClean="0"/>
+              <a:t>Bam file list that used to produce </a:t>
+            </a:r>
+            <a:r>
+              <a:rPr lang="en-US" altLang="zh-CN" dirty="0" err="1" smtClean="0"/>
+              <a:t>vcf</a:t>
+            </a:r>
+            <a:r>
+              <a:rPr lang="en-US" altLang="zh-CN" dirty="0" smtClean="0"/>
+              <a:t> file.</a:t>
+            </a:r>
+          </a:p>
+          <a:p>
+            <a:r>
+              <a:rPr lang="en-US" altLang="zh-CN" dirty="0" smtClean="0"/>
+              <a:t>Used to check sites is uncovered or fixed as reference allele </a:t>
+            </a:r>
+            <a:r>
+              <a:rPr lang="en-US" altLang="zh-CN" dirty="0" err="1" smtClean="0"/>
+              <a:t>whhen</a:t>
+            </a:r>
+            <a:r>
+              <a:rPr lang="en-US" altLang="zh-CN" dirty="0" smtClean="0"/>
+              <a:t> multiple populations are used in frequency calculation</a:t>
+            </a:r>
+            <a:endParaRPr lang="zh-CN" altLang="en-US" dirty="0"/>
+          </a:p>
+        </p:txBody>
+      </p:sp>
+      <p:sp>
+        <p:nvSpPr>
+          <p:cNvPr id="15" name="TextBox 14"/>
+          <p:cNvSpPr txBox="1"/>
+          <p:nvPr/>
+        </p:nvSpPr>
+        <p:spPr>
+          <a:xfrm>
+            <a:off x="0" y="0"/>
+            <a:ext cx="9139472" cy="369332"/>
+          </a:xfrm>
+          <a:prstGeom prst="rect">
+            <a:avLst/>
+          </a:prstGeom>
+          <a:noFill/>
+        </p:spPr>
+        <p:txBody>
+          <a:bodyPr wrap="square" rtlCol="0">
+            <a:spAutoFit/>
+          </a:bodyPr>
+          <a:lstStyle/>
+          <a:p>
+            <a:r>
+              <a:rPr lang="en-US" altLang="zh-CN" dirty="0" smtClean="0"/>
+              <a:t>Detect </a:t>
+            </a:r>
+            <a:r>
+              <a:rPr lang="en-US" altLang="zh-CN" dirty="0"/>
+              <a:t>selection </a:t>
+            </a:r>
+            <a:r>
+              <a:rPr lang="en-US" altLang="zh-CN" dirty="0" err="1"/>
+              <a:t>signal:Detectsignalacrossgenome_master.py</a:t>
+            </a:r>
+            <a:endParaRPr lang="zh-CN" altLang="en-US" dirty="0"/>
+          </a:p>
+        </p:txBody>
+      </p:sp>
+    </p:spTree>
+    <p:extLst>
+      <p:ext uri="{BB962C8B-B14F-4D97-AF65-F5344CB8AC3E}">
+        <p14:creationId xmlns:p14="http://schemas.microsoft.com/office/powerpoint/2010/main" val="531900783"/>
+      </p:ext>
+    </p:extLst>
+  </p:cSld>
+  <p:clrMapOvr>
+    <a:masterClrMapping/>
+  </p:clrMapOvr>
+  <p:timing>
+    <p:tnLst>
+      <p:par>
+        <p:cTn id="1" dur="indefinite" restart="never" nodeType="tmRoot"/>
+      </p:par>
+    </p:tnLst>
+  </p:timing>
+</p:sld>
+</file>
+
+<file path=ppt/slides/slide15.xml><?xml version="1.0" encoding="utf-8"?>
+<p:sld xmlns:a="http://schemas.openxmlformats.org/drawingml/2006/main" xmlns:r="http://schemas.openxmlformats.org/officeDocument/2006/relationships" xmlns:p="http://schemas.openxmlformats.org/presentationml/2006/main">
+  <p:cSld>
+    <p:spTree>
+      <p:nvGrpSpPr>
+        <p:cNvPr id="1" name=""/>
+        <p:cNvGrpSpPr/>
+        <p:nvPr/>
+      </p:nvGrpSpPr>
+      <p:grpSpPr>
+        <a:xfrm>
+          <a:off x="0" y="0"/>
+          <a:ext cx="0" cy="0"/>
+          <a:chOff x="0" y="0"/>
+          <a:chExt cx="0" cy="0"/>
+        </a:xfrm>
+      </p:grpSpPr>
+      <p:sp>
+        <p:nvSpPr>
+          <p:cNvPr id="2" name="标题 1"/>
+          <p:cNvSpPr>
+            <a:spLocks noGrp="1"/>
+          </p:cNvSpPr>
+          <p:nvPr>
+            <p:ph type="title"/>
+          </p:nvPr>
+        </p:nvSpPr>
+        <p:spPr/>
+        <p:txBody>
+          <a:bodyPr>
+            <a:normAutofit/>
+          </a:bodyPr>
+          <a:lstStyle/>
+          <a:p>
+            <a:r>
               <a:rPr lang="en-US" altLang="zh-CN" sz="3200" dirty="0"/>
               <a:t>-c pekingduckchrominfo.autosomescaffolds_1</a:t>
             </a:r>
@@ -3670,10 +5395,17 @@
   <p:clrMapOvr>
     <a:masterClrMapping/>
   </p:clrMapOvr>
+  <p:timing>
+    <p:tnLst>
+      <p:par>
+        <p:cTn id="1" dur="indefinite" restart="never" nodeType="tmRoot"/>
+      </p:par>
+    </p:tnLst>
+  </p:timing>
 </p:sld>
 </file>
 
-<file path=ppt/slides/slide12.xml><?xml version="1.0" encoding="utf-8"?>
+<file path=ppt/slides/slide16.xml><?xml version="1.0" encoding="utf-8"?>
 <p:sld xmlns:a="http://schemas.openxmlformats.org/drawingml/2006/main" xmlns:r="http://schemas.openxmlformats.org/officeDocument/2006/relationships" xmlns:p="http://schemas.openxmlformats.org/presentationml/2006/main">
   <p:cSld>
     <p:spTree>
@@ -4360,10 +6092,17 @@
   <p:clrMapOvr>
     <a:masterClrMapping/>
   </p:clrMapOvr>
+  <p:timing>
+    <p:tnLst>
+      <p:par>
+        <p:cTn id="1" dur="indefinite" restart="never" nodeType="tmRoot"/>
+      </p:par>
+    </p:tnLst>
+  </p:timing>
 </p:sld>
 </file>
 
-<file path=ppt/slides/slide13.xml><?xml version="1.0" encoding="utf-8"?>
+<file path=ppt/slides/slide17.xml><?xml version="1.0" encoding="utf-8"?>
 <p:sld xmlns:a="http://schemas.openxmlformats.org/drawingml/2006/main" xmlns:r="http://schemas.openxmlformats.org/officeDocument/2006/relationships" xmlns:p="http://schemas.openxmlformats.org/presentationml/2006/main">
   <p:cSld>
     <p:spTree>
@@ -5037,10 +6776,17 @@
   <p:clrMapOvr>
     <a:masterClrMapping/>
   </p:clrMapOvr>
+  <p:timing>
+    <p:tnLst>
+      <p:par>
+        <p:cTn id="1" dur="indefinite" restart="never" nodeType="tmRoot"/>
+      </p:par>
+    </p:tnLst>
+  </p:timing>
 </p:sld>
 </file>
 
-<file path=ppt/slides/slide14.xml><?xml version="1.0" encoding="utf-8"?>
+<file path=ppt/slides/slide18.xml><?xml version="1.0" encoding="utf-8"?>
 <p:sld xmlns:a="http://schemas.openxmlformats.org/drawingml/2006/main" xmlns:r="http://schemas.openxmlformats.org/officeDocument/2006/relationships" xmlns:p="http://schemas.openxmlformats.org/presentationml/2006/main">
   <p:cSld>
     <p:spTree>
@@ -5069,14 +6815,16 @@
         </p:nvSpPr>
         <p:spPr/>
         <p:txBody>
-          <a:bodyPr/>
-          <a:lstStyle/>
-          <a:p>
-            <a:r>
-              <a:rPr lang="en-US" altLang="zh-CN" dirty="0"/>
+          <a:bodyPr>
+            <a:normAutofit/>
+          </a:bodyPr>
+          <a:lstStyle/>
+          <a:p>
+            <a:r>
+              <a:rPr lang="en-US" altLang="zh-CN" sz="3200" dirty="0" smtClean="0"/>
               <a:t>overview</a:t>
             </a:r>
-            <a:endParaRPr lang="zh-CN" altLang="en-US" dirty="0"/>
+            <a:endParaRPr lang="zh-CN" altLang="en-US" sz="3200" dirty="0"/>
           </a:p>
         </p:txBody>
       </p:sp>
@@ -5269,8 +7017,8 @@
         </p:nvSpPr>
         <p:spPr>
           <a:xfrm>
-            <a:off x="-16046" y="737984"/>
-            <a:ext cx="3363910" cy="6463308"/>
+            <a:off x="-16046" y="548680"/>
+            <a:ext cx="3291902" cy="6463308"/>
           </a:xfrm>
           <a:prstGeom prst="rect">
             <a:avLst/>
@@ -5327,23 +7075,7 @@
           <a:p>
             <a:r>
               <a:rPr lang="en-US" altLang="zh-CN" dirty="0" smtClean="0"/>
-              <a:t>-</a:t>
-            </a:r>
-            <a:r>
-              <a:rPr lang="en-US" altLang="zh-CN" dirty="0" smtClean="0"/>
-              <a:t>f </a:t>
-            </a:r>
-            <a:r>
-              <a:rPr lang="en-US" altLang="zh-CN" dirty="0" smtClean="0"/>
-              <a:t>fs file (containing population name </a:t>
-            </a:r>
-            <a:r>
-              <a:rPr lang="en-US" altLang="zh-CN" dirty="0" smtClean="0"/>
-              <a:t>that assigned in  -n options</a:t>
-            </a:r>
-            <a:r>
-              <a:rPr lang="en-US" altLang="zh-CN" dirty="0" smtClean="0"/>
-              <a:t>)</a:t>
+              <a:t>-f fs file (containing population name that assigned in  -n options)</a:t>
             </a:r>
           </a:p>
           <a:p>
@@ -5351,14 +7083,12 @@
               <a:rPr lang="en-US" altLang="zh-CN" dirty="0" smtClean="0"/>
               <a:t>-m assign demography model that code built-in  dadicode.py</a:t>
             </a:r>
-            <a:endParaRPr lang="en-US" altLang="zh-CN" dirty="0" smtClean="0"/>
           </a:p>
           <a:p>
             <a:r>
               <a:rPr lang="en-US" altLang="zh-CN" dirty="0" smtClean="0"/>
               <a:t>-b repeat times (two values assigning repeat times and time limit for every run)</a:t>
             </a:r>
-            <a:endParaRPr lang="en-US" altLang="zh-CN" dirty="0" smtClean="0"/>
           </a:p>
           <a:p>
             <a:r>
@@ -5369,11 +7099,8 @@
           <a:p>
             <a:r>
               <a:rPr lang="en-US" altLang="zh-CN" dirty="0" smtClean="0"/>
-              <a:t>-p parameters of demographical model (multiple, 4  values assign parameter name, initial value, lower bound, upper bound) initial value will be little different in each simulation in the range of lower bound and upper bound</a:t>
-            </a:r>
-          </a:p>
-          <a:p>
-            <a:endParaRPr lang="en-US" altLang="zh-CN" dirty="0" smtClean="0"/>
+              <a:t>-p parameters of demographical model (multiple , 4  values assign parameter name, initial value, lower bound, upper bound for each parameter) initial value will be little different in each simulation in the range of lower bound and upper bound</a:t>
+            </a:r>
           </a:p>
         </p:txBody>
       </p:sp>
@@ -5643,9 +7370,9 @@
           <p:nvPr/>
         </p:nvCxnSpPr>
         <p:spPr>
-          <a:xfrm>
-            <a:off x="4938637" y="3247099"/>
-            <a:ext cx="0" cy="1393263"/>
+          <a:xfrm flipH="1">
+            <a:off x="4885327" y="3247099"/>
+            <a:ext cx="53310" cy="1393263"/>
           </a:xfrm>
           <a:prstGeom prst="straightConnector1">
             <a:avLst/>
@@ -5680,8 +7407,8 @@
         </p:nvSpPr>
         <p:spPr>
           <a:xfrm>
-            <a:off x="3911385" y="3717032"/>
-            <a:ext cx="2054504" cy="923330"/>
+            <a:off x="3804765" y="3717032"/>
+            <a:ext cx="2161124" cy="923330"/>
           </a:xfrm>
           <a:prstGeom prst="rect">
             <a:avLst/>
@@ -5700,15 +7427,7 @@
             </a:r>
             <a:r>
               <a:rPr lang="en-US" altLang="zh-CN" dirty="0" smtClean="0"/>
-              <a:t>dadicode.py by </a:t>
-            </a:r>
-            <a:r>
-              <a:rPr lang="en-US" altLang="zh-CN" dirty="0"/>
-              <a:t>Setting </a:t>
-            </a:r>
-            <a:r>
-              <a:rPr lang="en-US" altLang="zh-CN" dirty="0" smtClean="0"/>
-              <a:t>different initial parameters </a:t>
+              <a:t>dadicode.py and setting different initial parameters </a:t>
             </a:r>
             <a:endParaRPr lang="zh-CN" altLang="en-US" dirty="0"/>
           </a:p>
@@ -5818,7 +7537,7 @@
         <p:spPr>
           <a:xfrm>
             <a:off x="3347864" y="5733256"/>
-            <a:ext cx="3370787" cy="1200329"/>
+            <a:ext cx="3816424" cy="923330"/>
           </a:xfrm>
           <a:prstGeom prst="rect">
             <a:avLst/>
@@ -5849,10 +7568,17 @@
   <p:clrMapOvr>
     <a:masterClrMapping/>
   </p:clrMapOvr>
+  <p:timing>
+    <p:tnLst>
+      <p:par>
+        <p:cTn id="1" dur="indefinite" restart="never" nodeType="tmRoot"/>
+      </p:par>
+    </p:tnLst>
+  </p:timing>
 </p:sld>
 </file>
 
-<file path=ppt/slides/slide15.xml><?xml version="1.0" encoding="utf-8"?>
+<file path=ppt/slides/slide19.xml><?xml version="1.0" encoding="utf-8"?>
 <p:sld xmlns:a="http://schemas.openxmlformats.org/drawingml/2006/main" xmlns:r="http://schemas.openxmlformats.org/officeDocument/2006/relationships" xmlns:p="http://schemas.openxmlformats.org/presentationml/2006/main">
   <p:cSld>
     <p:spTree>
@@ -5881,10 +7607,16 @@
         </p:nvSpPr>
         <p:spPr/>
         <p:txBody>
-          <a:bodyPr/>
-          <a:lstStyle/>
-          <a:p>
-            <a:endParaRPr lang="zh-CN" altLang="en-US"/>
+          <a:bodyPr>
+            <a:normAutofit/>
+          </a:bodyPr>
+          <a:lstStyle/>
+          <a:p>
+            <a:r>
+              <a:rPr lang="en-US" altLang="zh-CN" sz="3200" dirty="0"/>
+              <a:t>usage</a:t>
+            </a:r>
+            <a:endParaRPr lang="zh-CN" altLang="en-US" sz="3200" dirty="0"/>
           </a:p>
         </p:txBody>
       </p:sp>
@@ -5898,222 +7630,309 @@
             <p:ph idx="1"/>
           </p:nvPr>
         </p:nvSpPr>
-        <p:spPr/>
+        <p:spPr>
+          <a:xfrm>
+            <a:off x="457200" y="1340768"/>
+            <a:ext cx="8229600" cy="5517232"/>
+          </a:xfrm>
+        </p:spPr>
         <p:txBody>
           <a:bodyPr>
-            <a:normAutofit fontScale="62500" lnSpcReduction="20000"/>
+            <a:normAutofit fontScale="85000" lnSpcReduction="20000"/>
           </a:bodyPr>
           <a:lstStyle/>
           <a:p>
+            <a:pPr marL="514350" indent="-514350">
+              <a:buFont typeface="+mj-lt"/>
+              <a:buAutoNum type="arabicPeriod"/>
+            </a:pPr>
+            <a:r>
+              <a:rPr lang="en-US" altLang="zh-CN" dirty="0" smtClean="0"/>
+              <a:t>rewriting line 32-th with your python2.7 </a:t>
+            </a:r>
+            <a:r>
+              <a:rPr lang="en-US" altLang="zh-CN" dirty="0" err="1" smtClean="0"/>
+              <a:t>config</a:t>
+            </a:r>
+            <a:r>
+              <a:rPr lang="en-US" altLang="zh-CN" dirty="0" smtClean="0"/>
+              <a:t> “</a:t>
+            </a:r>
+            <a:r>
+              <a:rPr lang="en-US" altLang="zh-CN" dirty="0" err="1"/>
+              <a:t>pythonpath_pre</a:t>
+            </a:r>
+            <a:r>
+              <a:rPr lang="en-US" altLang="zh-CN" dirty="0" smtClean="0"/>
+              <a:t>=</a:t>
+            </a:r>
+            <a:r>
+              <a:rPr lang="en-US" altLang="zh-CN" i="1" dirty="0" smtClean="0"/>
+              <a:t>‘</a:t>
+            </a:r>
+            <a:r>
+              <a:rPr lang="en-US" altLang="zh-CN" dirty="0" smtClean="0"/>
+              <a:t>~/Python-2.7/python </a:t>
+            </a:r>
             <a:r>
               <a:rPr lang="en-US" altLang="zh-CN" dirty="0"/>
-              <a:t>~/</a:t>
+              <a:t>~/life/src/NGS/Analysis/usedadiPy2_7/dadicode.py </a:t>
+            </a:r>
+            <a:r>
+              <a:rPr lang="en-US" altLang="zh-CN" dirty="0" smtClean="0"/>
+              <a:t>‘”</a:t>
+            </a:r>
+          </a:p>
+          <a:p>
+            <a:pPr marL="514350" indent="-514350">
+              <a:buFont typeface="+mj-lt"/>
+              <a:buAutoNum type="arabicPeriod"/>
+            </a:pPr>
+            <a:r>
+              <a:rPr lang="en-US" altLang="zh-CN" dirty="0" smtClean="0"/>
+              <a:t>rewriting line 468-th with proper mutation rate</a:t>
+            </a:r>
+          </a:p>
+          <a:p>
+            <a:pPr marL="514350" indent="-514350">
+              <a:buFont typeface="+mj-lt"/>
+              <a:buAutoNum type="arabicPeriod"/>
+            </a:pPr>
+            <a:r>
+              <a:rPr lang="en-US" altLang="zh-CN" dirty="0" smtClean="0"/>
+              <a:t>python </a:t>
+            </a:r>
+            <a:r>
+              <a:rPr lang="en-US" altLang="zh-CN" dirty="0"/>
+              <a:t>~/life/src/NGS/Analysis/usedadiPy2_7/bootstrapdadisimulation.py </a:t>
+            </a:r>
+            <a:r>
+              <a:rPr lang="en-US" altLang="zh-CN" b="1" dirty="0"/>
+              <a:t>-n </a:t>
+            </a:r>
+            <a:r>
+              <a:rPr lang="en-US" altLang="zh-CN" dirty="0">
+                <a:solidFill>
+                  <a:srgbClr val="FF0000"/>
+                </a:solidFill>
+              </a:rPr>
+              <a:t>mallard14</a:t>
+            </a:r>
+            <a:r>
+              <a:rPr lang="en-US" altLang="zh-CN" dirty="0"/>
+              <a:t> </a:t>
+            </a:r>
+            <a:r>
+              <a:rPr lang="en-US" altLang="zh-CN" dirty="0" smtClean="0"/>
+              <a:t> </a:t>
+            </a:r>
+            <a:r>
+              <a:rPr lang="en-US" altLang="zh-CN" dirty="0" smtClean="0">
+                <a:solidFill>
+                  <a:schemeClr val="accent6">
+                    <a:lumMod val="50000"/>
+                  </a:schemeClr>
+                </a:solidFill>
+              </a:rPr>
+              <a:t>26</a:t>
+            </a:r>
+            <a:r>
+              <a:rPr lang="en-US" altLang="zh-CN" dirty="0" smtClean="0"/>
+              <a:t> </a:t>
+            </a:r>
+            <a:r>
+              <a:rPr lang="en-US" altLang="zh-CN" b="1" dirty="0"/>
+              <a:t>-n </a:t>
+            </a:r>
+            <a:r>
+              <a:rPr lang="en-US" altLang="zh-CN" dirty="0" err="1">
+                <a:solidFill>
+                  <a:srgbClr val="FF0000"/>
+                </a:solidFill>
+              </a:rPr>
+              <a:t>quantizpool</a:t>
+            </a:r>
+            <a:r>
+              <a:rPr lang="en-US" altLang="zh-CN" dirty="0">
+                <a:solidFill>
+                  <a:srgbClr val="FF0000"/>
+                </a:solidFill>
+              </a:rPr>
+              <a:t> </a:t>
+            </a:r>
+            <a:r>
+              <a:rPr lang="en-US" altLang="zh-CN" dirty="0" smtClean="0">
+                <a:solidFill>
+                  <a:srgbClr val="FF0000"/>
+                </a:solidFill>
+              </a:rPr>
+              <a:t> </a:t>
+            </a:r>
+            <a:r>
+              <a:rPr lang="en-US" altLang="zh-CN" dirty="0" smtClean="0">
+                <a:solidFill>
+                  <a:schemeClr val="accent6">
+                    <a:lumMod val="50000"/>
+                  </a:schemeClr>
+                </a:solidFill>
+              </a:rPr>
+              <a:t>24</a:t>
+            </a:r>
+            <a:r>
+              <a:rPr lang="en-US" altLang="zh-CN" dirty="0" smtClean="0">
+                <a:solidFill>
+                  <a:srgbClr val="FF0000"/>
+                </a:solidFill>
+              </a:rPr>
+              <a:t>    </a:t>
+            </a:r>
+            <a:r>
+              <a:rPr lang="en-US" altLang="zh-CN" b="1" dirty="0"/>
+              <a:t>-f </a:t>
+            </a:r>
+            <a:r>
+              <a:rPr lang="en-US" altLang="zh-CN" dirty="0" smtClean="0"/>
+              <a:t>fs_file.dilutetodensity0.01 </a:t>
+            </a:r>
+            <a:r>
+              <a:rPr lang="en-US" altLang="zh-CN" b="1" dirty="0"/>
+              <a:t>-m</a:t>
+            </a:r>
+            <a:r>
+              <a:rPr lang="en-US" altLang="zh-CN" dirty="0"/>
+              <a:t> </a:t>
+            </a:r>
+            <a:r>
+              <a:rPr lang="en-US" altLang="zh-CN" dirty="0">
+                <a:solidFill>
+                  <a:srgbClr val="00B050"/>
+                </a:solidFill>
+              </a:rPr>
+              <a:t>split_mig_1_IM</a:t>
+            </a:r>
+            <a:r>
+              <a:rPr lang="en-US" altLang="zh-CN" dirty="0"/>
+              <a:t>  -</a:t>
+            </a:r>
+            <a:r>
+              <a:rPr lang="en-US" altLang="zh-CN" b="1" dirty="0"/>
+              <a:t>p</a:t>
+            </a:r>
+            <a:r>
+              <a:rPr lang="en-US" altLang="zh-CN" dirty="0">
+                <a:solidFill>
+                  <a:srgbClr val="FF0000"/>
+                </a:solidFill>
+              </a:rPr>
+              <a:t> </a:t>
             </a:r>
             <a:r>
               <a:rPr lang="en-US" altLang="zh-CN" dirty="0" err="1"/>
-              <a:t>liurui</a:t>
+              <a:t>nuA</a:t>
             </a:r>
             <a:r>
               <a:rPr lang="en-US" altLang="zh-CN" dirty="0"/>
-              <a:t>/software/Python-3.3.3/python ~/liurui/software/life/src/NGS/Analysis/usedadiPy2_7/GenerateSNPfilefromvcftable.py -t mspsgjlksy10pop_toplevel_pekingduckref -m 10000 -d 0.01 -o </a:t>
+              <a:t> 2 1e-05 50 -</a:t>
+            </a:r>
+            <a:r>
+              <a:rPr lang="en-US" altLang="zh-CN" b="1" dirty="0"/>
+              <a:t>p</a:t>
+            </a:r>
+            <a:r>
+              <a:rPr lang="en-US" altLang="zh-CN" dirty="0"/>
+              <a:t> s 0.5 0 1 -</a:t>
+            </a:r>
+            <a:r>
+              <a:rPr lang="en-US" altLang="zh-CN" b="1" dirty="0"/>
+              <a:t>p</a:t>
+            </a:r>
+            <a:r>
+              <a:rPr lang="en-US" altLang="zh-CN" dirty="0"/>
+              <a:t> TA 0.3 1e-06 10 -</a:t>
+            </a:r>
+            <a:r>
+              <a:rPr lang="en-US" altLang="zh-CN" b="1" dirty="0"/>
+              <a:t>p</a:t>
+            </a:r>
+            <a:r>
+              <a:rPr lang="en-US" altLang="zh-CN" dirty="0"/>
+              <a:t> TS 0.1 1e-06 5  -</a:t>
+            </a:r>
+            <a:r>
+              <a:rPr lang="en-US" altLang="zh-CN" b="1" dirty="0"/>
+              <a:t>p</a:t>
+            </a:r>
+            <a:r>
+              <a:rPr lang="en-US" altLang="zh-CN" dirty="0"/>
+              <a:t> m12 1 1e-06 8 -</a:t>
+            </a:r>
+            <a:r>
+              <a:rPr lang="en-US" altLang="zh-CN" b="1" dirty="0"/>
+              <a:t>p</a:t>
+            </a:r>
+            <a:r>
+              <a:rPr lang="en-US" altLang="zh-CN" dirty="0"/>
+              <a:t> m21 1 1e-06 8 </a:t>
+            </a:r>
+            <a:r>
+              <a:rPr lang="en-US" altLang="zh-CN" b="1" dirty="0"/>
+              <a:t>-l</a:t>
+            </a:r>
+            <a:r>
+              <a:rPr lang="en-US" altLang="zh-CN" dirty="0"/>
+              <a:t> 480650.4721472733 </a:t>
+            </a:r>
+            <a:r>
+              <a:rPr lang="en-US" altLang="zh-CN" b="1" dirty="0"/>
+              <a:t>-T</a:t>
+            </a:r>
+            <a:r>
+              <a:rPr lang="en-US" altLang="zh-CN" dirty="0"/>
+              <a:t> </a:t>
             </a:r>
             <a:r>
               <a:rPr lang="en-US" altLang="zh-CN" dirty="0" err="1"/>
-              <a:t>m_sp_sx_pk_gy_lcb_jd_sm_ytg_kbe_fanyaonly</a:t>
+              <a:t>m_d</a:t>
             </a:r>
             <a:r>
               <a:rPr lang="en-US" altLang="zh-CN" dirty="0"/>
-              <a:t> -C /home/</a:t>
-            </a:r>
-            <a:r>
-              <a:rPr lang="en-US" altLang="zh-CN" dirty="0" err="1"/>
-              <a:t>bioinfo</a:t>
+              <a:t> </a:t>
+            </a:r>
+            <a:r>
+              <a:rPr lang="en-US" altLang="zh-CN" b="1" dirty="0"/>
+              <a:t>-b</a:t>
             </a:r>
             <a:r>
               <a:rPr lang="en-US" altLang="zh-CN" dirty="0"/>
-              <a:t>/</a:t>
-            </a:r>
-            <a:r>
-              <a:rPr lang="en-US" altLang="zh-CN" dirty="0" err="1"/>
-              <a:t>liurui</a:t>
-            </a:r>
-            <a:r>
-              <a:rPr lang="en-US" altLang="zh-CN" dirty="0"/>
-              <a:t>/data/</a:t>
-            </a:r>
-            <a:r>
-              <a:rPr lang="en-US" altLang="zh-CN" dirty="0" err="1"/>
-              <a:t>vcffiles</a:t>
-            </a:r>
-            <a:r>
-              <a:rPr lang="en-US" altLang="zh-CN" dirty="0"/>
-              <a:t>/</a:t>
-            </a:r>
-            <a:r>
-              <a:rPr lang="en-US" altLang="zh-CN" dirty="0" err="1"/>
-              <a:t>uniqmap</a:t>
-            </a:r>
-            <a:r>
-              <a:rPr lang="en-US" altLang="zh-CN" dirty="0"/>
-              <a:t>/pool/p_m_sx_sp_gy_kbe_sm_lcb_ytg_jd_10pool10.SNV.vcf  -v pekingduck27_indvd_withindel_vcf 54 -v shaoxingqingkeegg27_indvd_withindel_vcf 40  -v mallard14_indvd_withindel_vcf 26 -v spotbilled13_indvd_withindel_vcf 26 -v </a:t>
-            </a:r>
-            <a:r>
-              <a:rPr lang="en-US" altLang="zh-CN" dirty="0" err="1"/>
-              <a:t>gaoyou</a:t>
-            </a:r>
-            <a:r>
-              <a:rPr lang="en-US" altLang="zh-CN" dirty="0"/>
-              <a:t>__</a:t>
-            </a:r>
-            <a:r>
-              <a:rPr lang="en-US" altLang="zh-CN" dirty="0" err="1"/>
-              <a:t>pool_withindel_vcf</a:t>
-            </a:r>
-            <a:r>
-              <a:rPr lang="en-US" altLang="zh-CN" dirty="0"/>
-              <a:t> 20 -v </a:t>
-            </a:r>
-            <a:r>
-              <a:rPr lang="en-US" altLang="zh-CN" dirty="0" err="1"/>
-              <a:t>jinding</a:t>
-            </a:r>
-            <a:r>
-              <a:rPr lang="en-US" altLang="zh-CN" dirty="0"/>
-              <a:t>__</a:t>
-            </a:r>
-            <a:r>
-              <a:rPr lang="en-US" altLang="zh-CN" dirty="0" err="1"/>
-              <a:t>pool_withindel_vcf</a:t>
-            </a:r>
-            <a:r>
-              <a:rPr lang="en-US" altLang="zh-CN" dirty="0"/>
-              <a:t> 20 -v </a:t>
-            </a:r>
-            <a:r>
-              <a:rPr lang="en-US" altLang="zh-CN" dirty="0" err="1"/>
-              <a:t>kangbeier</a:t>
-            </a:r>
-            <a:r>
-              <a:rPr lang="en-US" altLang="zh-CN" dirty="0"/>
-              <a:t>__</a:t>
-            </a:r>
-            <a:r>
-              <a:rPr lang="en-US" altLang="zh-CN" dirty="0" err="1"/>
-              <a:t>pool_withindel_vcf</a:t>
-            </a:r>
-            <a:r>
-              <a:rPr lang="en-US" altLang="zh-CN" dirty="0"/>
-              <a:t> 20 -v </a:t>
-            </a:r>
-            <a:r>
-              <a:rPr lang="en-US" altLang="zh-CN" dirty="0" err="1"/>
-              <a:t>lianchengbai</a:t>
-            </a:r>
-            <a:r>
-              <a:rPr lang="en-US" altLang="zh-CN" dirty="0"/>
-              <a:t>__</a:t>
-            </a:r>
-            <a:r>
-              <a:rPr lang="en-US" altLang="zh-CN" dirty="0" err="1"/>
-              <a:t>pool_withindel_vcf</a:t>
-            </a:r>
-            <a:r>
-              <a:rPr lang="en-US" altLang="zh-CN" dirty="0"/>
-              <a:t> 20 -v </a:t>
-            </a:r>
-            <a:r>
-              <a:rPr lang="en-US" altLang="zh-CN" dirty="0" err="1"/>
-              <a:t>shanma</a:t>
-            </a:r>
-            <a:r>
-              <a:rPr lang="en-US" altLang="zh-CN" dirty="0"/>
-              <a:t>__</a:t>
-            </a:r>
-            <a:r>
-              <a:rPr lang="en-US" altLang="zh-CN" dirty="0" err="1"/>
-              <a:t>pool_withindel_vcf</a:t>
-            </a:r>
-            <a:r>
-              <a:rPr lang="en-US" altLang="zh-CN" dirty="0"/>
-              <a:t> 20 -v </a:t>
-            </a:r>
-            <a:r>
-              <a:rPr lang="en-US" altLang="zh-CN" dirty="0" err="1"/>
-              <a:t>yingtaogu</a:t>
-            </a:r>
-            <a:r>
-              <a:rPr lang="en-US" altLang="zh-CN" dirty="0"/>
-              <a:t>__</a:t>
-            </a:r>
-            <a:r>
-              <a:rPr lang="en-US" altLang="zh-CN" dirty="0" err="1"/>
-              <a:t>pool_withindel_vcf</a:t>
-            </a:r>
-            <a:r>
-              <a:rPr lang="en-US" altLang="zh-CN" dirty="0"/>
-              <a:t> 20 -n 26 -q pekingduck27_indvd_withindel_vcf -q </a:t>
-            </a:r>
-            <a:r>
-              <a:rPr lang="en-US" altLang="zh-CN" dirty="0" err="1"/>
-              <a:t>shanma</a:t>
-            </a:r>
-            <a:r>
-              <a:rPr lang="en-US" altLang="zh-CN" dirty="0"/>
-              <a:t>__</a:t>
-            </a:r>
-            <a:r>
-              <a:rPr lang="en-US" altLang="zh-CN" dirty="0" err="1"/>
-              <a:t>pool_withindel_vcf</a:t>
-            </a:r>
-            <a:r>
-              <a:rPr lang="en-US" altLang="zh-CN" dirty="0"/>
-              <a:t> -q </a:t>
-            </a:r>
-            <a:r>
-              <a:rPr lang="en-US" altLang="zh-CN" dirty="0" err="1"/>
-              <a:t>lianchengbai</a:t>
-            </a:r>
-            <a:r>
-              <a:rPr lang="en-US" altLang="zh-CN" dirty="0"/>
-              <a:t>__</a:t>
-            </a:r>
-            <a:r>
-              <a:rPr lang="en-US" altLang="zh-CN" dirty="0" err="1"/>
-              <a:t>pool_withindel_vcf</a:t>
-            </a:r>
-            <a:r>
-              <a:rPr lang="en-US" altLang="zh-CN" dirty="0"/>
-              <a:t> -q shaoxingqingkeegg27_indvd_withindel_vcf -q </a:t>
-            </a:r>
-            <a:r>
-              <a:rPr lang="en-US" altLang="zh-CN" dirty="0" err="1"/>
-              <a:t>jinding</a:t>
-            </a:r>
-            <a:r>
-              <a:rPr lang="en-US" altLang="zh-CN" dirty="0"/>
-              <a:t>__</a:t>
-            </a:r>
-            <a:r>
-              <a:rPr lang="en-US" altLang="zh-CN" dirty="0" err="1"/>
-              <a:t>pool_withindel_vcf</a:t>
-            </a:r>
-            <a:r>
-              <a:rPr lang="en-US" altLang="zh-CN" dirty="0"/>
-              <a:t> -q </a:t>
-            </a:r>
-            <a:r>
-              <a:rPr lang="en-US" altLang="zh-CN" dirty="0" err="1"/>
-              <a:t>gaoyou</a:t>
-            </a:r>
-            <a:r>
-              <a:rPr lang="en-US" altLang="zh-CN" dirty="0"/>
-              <a:t>__</a:t>
-            </a:r>
-            <a:r>
-              <a:rPr lang="en-US" altLang="zh-CN"/>
-              <a:t>pool_withindel_vcf</a:t>
-            </a:r>
-            <a:endParaRPr lang="zh-CN" altLang="en-US" dirty="0"/>
+              <a:t> 100 </a:t>
+            </a:r>
+            <a:r>
+              <a:rPr lang="en-US" altLang="zh-CN" dirty="0" smtClean="0"/>
+              <a:t>15</a:t>
+            </a:r>
+          </a:p>
+          <a:p>
+            <a:pPr marL="514350" indent="-514350">
+              <a:buFont typeface="+mj-lt"/>
+              <a:buAutoNum type="arabicPeriod"/>
+            </a:pPr>
+            <a:r>
+              <a:rPr lang="en-US" altLang="zh-CN" dirty="0" smtClean="0"/>
+              <a:t>-</a:t>
+            </a:r>
+            <a:r>
+              <a:rPr lang="en-US" altLang="zh-CN" b="1" dirty="0" smtClean="0"/>
+              <a:t>b 100 15</a:t>
+            </a:r>
+            <a:r>
+              <a:rPr lang="en-US" altLang="zh-CN" dirty="0" smtClean="0"/>
+              <a:t>, indicate running 100 times simulations ,terminate this simulation run when its running time beyond 15 </a:t>
+            </a:r>
+            <a:r>
+              <a:rPr lang="en-US" altLang="zh-CN" dirty="0" err="1" smtClean="0"/>
+              <a:t>mins</a:t>
+            </a:r>
+            <a:endParaRPr lang="en-US" altLang="zh-CN" dirty="0"/>
           </a:p>
         </p:txBody>
       </p:sp>
@@ -6121,7 +7940,7 @@
         <mc:Choice Requires="a14">
           <p:sp>
             <p:nvSpPr>
-              <p:cNvPr id="5" name="TextBox 4"/>
+              <p:cNvPr id="6" name="TextBox 5"/>
               <p:cNvSpPr txBox="1"/>
               <p:nvPr/>
             </p:nvSpPr>
@@ -6195,7 +8014,7 @@
                 </a:r>
                 <a:r>
                   <a:rPr lang="en-US" altLang="zh-CN" dirty="0"/>
-                  <a:t>GenerateSNPfilefromvcftable.py</a:t>
+                  <a:t>bootstrapdadisimulation.py</a:t>
                 </a:r>
                 <a:endParaRPr lang="zh-CN" altLang="en-US" dirty="0"/>
               </a:p>
@@ -6205,7 +8024,7 @@
         <mc:Fallback xmlns="">
           <p:sp>
             <p:nvSpPr>
-              <p:cNvPr id="5" name="TextBox 4"/>
+              <p:cNvPr id="6" name="TextBox 5"/>
               <p:cNvSpPr txBox="1">
                 <a:spLocks noRot="1" noChangeAspect="1" noMove="1" noResize="1" noEditPoints="1" noAdjustHandles="1" noChangeArrowheads="1" noChangeShapeType="1" noTextEdit="1"/>
               </p:cNvSpPr>
@@ -6251,6 +8070,13 @@
   <p:clrMapOvr>
     <a:masterClrMapping/>
   </p:clrMapOvr>
+  <p:timing>
+    <p:tnLst>
+      <p:par>
+        <p:cTn id="1" dur="indefinite" restart="never" nodeType="tmRoot"/>
+      </p:par>
+    </p:tnLst>
+  </p:timing>
 </p:sld>
 </file>
 
@@ -6284,11 +8110,13 @@
         <p:spPr>
           <a:xfrm>
             <a:off x="457200" y="332656"/>
-            <a:ext cx="8229600" cy="5793507"/>
-          </a:xfrm>
-        </p:spPr>
-        <p:txBody>
-          <a:bodyPr/>
+            <a:ext cx="8229600" cy="6048672"/>
+          </a:xfrm>
+        </p:spPr>
+        <p:txBody>
+          <a:bodyPr>
+            <a:normAutofit/>
+          </a:bodyPr>
           <a:lstStyle/>
           <a:p>
             <a:r>
@@ -6319,6 +8147,238 @@
     <p:extLst>
       <p:ext uri="{BB962C8B-B14F-4D97-AF65-F5344CB8AC3E}">
         <p14:creationId xmlns:p14="http://schemas.microsoft.com/office/powerpoint/2010/main" val="1011378635"/>
+      </p:ext>
+    </p:extLst>
+  </p:cSld>
+  <p:clrMapOvr>
+    <a:masterClrMapping/>
+  </p:clrMapOvr>
+  <p:timing>
+    <p:tnLst>
+      <p:par>
+        <p:cTn id="1" dur="indefinite" restart="never" nodeType="tmRoot"/>
+      </p:par>
+    </p:tnLst>
+  </p:timing>
+</p:sld>
+</file>
+
+<file path=ppt/slides/slide20.xml><?xml version="1.0" encoding="utf-8"?>
+<p:sld xmlns:a="http://schemas.openxmlformats.org/drawingml/2006/main" xmlns:r="http://schemas.openxmlformats.org/officeDocument/2006/relationships" xmlns:p="http://schemas.openxmlformats.org/presentationml/2006/main">
+  <p:cSld>
+    <p:spTree>
+      <p:nvGrpSpPr>
+        <p:cNvPr id="1" name=""/>
+        <p:cNvGrpSpPr/>
+        <p:nvPr/>
+      </p:nvGrpSpPr>
+      <p:grpSpPr>
+        <a:xfrm>
+          <a:off x="0" y="0"/>
+          <a:ext cx="0" cy="0"/>
+          <a:chOff x="0" y="0"/>
+          <a:chExt cx="0" cy="0"/>
+        </a:xfrm>
+      </p:grpSpPr>
+      <p:sp>
+        <p:nvSpPr>
+          <p:cNvPr id="2" name="标题 1"/>
+          <p:cNvSpPr>
+            <a:spLocks noGrp="1"/>
+          </p:cNvSpPr>
+          <p:nvPr>
+            <p:ph type="title"/>
+          </p:nvPr>
+        </p:nvSpPr>
+        <p:spPr/>
+        <p:txBody>
+          <a:bodyPr/>
+          <a:lstStyle/>
+          <a:p>
+            <a:r>
+              <a:rPr lang="en-US" altLang="zh-CN" sz="3200" dirty="0"/>
+              <a:t>overview</a:t>
+            </a:r>
+            <a:endParaRPr lang="zh-CN" altLang="en-US" sz="3200" dirty="0"/>
+          </a:p>
+        </p:txBody>
+      </p:sp>
+      <p:sp>
+        <p:nvSpPr>
+          <p:cNvPr id="3" name="内容占位符 2"/>
+          <p:cNvSpPr>
+            <a:spLocks noGrp="1"/>
+          </p:cNvSpPr>
+          <p:nvPr>
+            <p:ph idx="1"/>
+          </p:nvPr>
+        </p:nvSpPr>
+        <p:spPr>
+          <a:xfrm>
+            <a:off x="457200" y="1412776"/>
+            <a:ext cx="8229600" cy="5112568"/>
+          </a:xfrm>
+        </p:spPr>
+        <p:txBody>
+          <a:bodyPr>
+            <a:normAutofit/>
+          </a:bodyPr>
+          <a:lstStyle/>
+          <a:p>
+            <a:r>
+              <a:rPr lang="en-US" altLang="zh-CN" sz="2400" dirty="0" smtClean="0"/>
+              <a:t>VCF variant annotation program</a:t>
+            </a:r>
+          </a:p>
+          <a:p>
+            <a:r>
+              <a:rPr lang="en-US" altLang="zh-CN" sz="2400" dirty="0" smtClean="0"/>
+              <a:t>Classify SNPs according its location in intron, </a:t>
+            </a:r>
+            <a:r>
+              <a:rPr lang="en-US" altLang="zh-CN" sz="2400" dirty="0" err="1" smtClean="0"/>
+              <a:t>utr</a:t>
+            </a:r>
+            <a:r>
+              <a:rPr lang="en-US" altLang="zh-CN" sz="2400" dirty="0" smtClean="0"/>
+              <a:t>, </a:t>
+            </a:r>
+            <a:r>
+              <a:rPr lang="en-US" altLang="zh-CN" sz="2400" dirty="0" err="1" smtClean="0"/>
+              <a:t>intergenetic</a:t>
+            </a:r>
+            <a:r>
+              <a:rPr lang="en-US" altLang="zh-CN" sz="2400" dirty="0" smtClean="0"/>
+              <a:t> or synonymous and </a:t>
+            </a:r>
+            <a:r>
+              <a:rPr lang="en-US" altLang="zh-CN" sz="2400" dirty="0" err="1" smtClean="0"/>
+              <a:t>nosynonymous</a:t>
+            </a:r>
+            <a:endParaRPr lang="en-US" altLang="zh-CN" sz="2400" dirty="0" smtClean="0"/>
+          </a:p>
+          <a:p>
+            <a:r>
+              <a:rPr lang="en-US" altLang="zh-CN" sz="2400" dirty="0" smtClean="0"/>
+              <a:t>Translate mutation CDS into mutation AA </a:t>
+            </a:r>
+            <a:r>
+              <a:rPr lang="en-US" altLang="zh-CN" sz="2400" dirty="0" err="1" smtClean="0"/>
+              <a:t>seq</a:t>
+            </a:r>
+            <a:endParaRPr lang="zh-CN" altLang="en-US" sz="2400" dirty="0"/>
+          </a:p>
+        </p:txBody>
+      </p:sp>
+      <p:sp>
+        <p:nvSpPr>
+          <p:cNvPr id="4" name="TextBox 3"/>
+          <p:cNvSpPr txBox="1"/>
+          <p:nvPr/>
+        </p:nvSpPr>
+        <p:spPr>
+          <a:xfrm>
+            <a:off x="0" y="0"/>
+            <a:ext cx="9139472" cy="369332"/>
+          </a:xfrm>
+          <a:prstGeom prst="rect">
+            <a:avLst/>
+          </a:prstGeom>
+          <a:noFill/>
+        </p:spPr>
+        <p:txBody>
+          <a:bodyPr wrap="square" rtlCol="0">
+            <a:spAutoFit/>
+          </a:bodyPr>
+          <a:lstStyle/>
+          <a:p>
+            <a:r>
+              <a:rPr lang="en-US" altLang="zh-CN" dirty="0" smtClean="0"/>
+              <a:t>CatalogSNP_getAAseq_CDSseq.py</a:t>
+            </a:r>
+            <a:endParaRPr lang="zh-CN" altLang="en-US" dirty="0"/>
+          </a:p>
+        </p:txBody>
+      </p:sp>
+    </p:spTree>
+    <p:extLst>
+      <p:ext uri="{BB962C8B-B14F-4D97-AF65-F5344CB8AC3E}">
+        <p14:creationId xmlns:p14="http://schemas.microsoft.com/office/powerpoint/2010/main" val="2686708445"/>
+      </p:ext>
+    </p:extLst>
+  </p:cSld>
+  <p:clrMapOvr>
+    <a:masterClrMapping/>
+  </p:clrMapOvr>
+  <p:timing>
+    <p:tnLst>
+      <p:par>
+        <p:cTn id="1" dur="indefinite" restart="never" nodeType="tmRoot"/>
+      </p:par>
+    </p:tnLst>
+  </p:timing>
+</p:sld>
+</file>
+
+<file path=ppt/slides/slide21.xml><?xml version="1.0" encoding="utf-8"?>
+<p:sld xmlns:a="http://schemas.openxmlformats.org/drawingml/2006/main" xmlns:r="http://schemas.openxmlformats.org/officeDocument/2006/relationships" xmlns:p="http://schemas.openxmlformats.org/presentationml/2006/main">
+  <p:cSld>
+    <p:spTree>
+      <p:nvGrpSpPr>
+        <p:cNvPr id="1" name=""/>
+        <p:cNvGrpSpPr/>
+        <p:nvPr/>
+      </p:nvGrpSpPr>
+      <p:grpSpPr>
+        <a:xfrm>
+          <a:off x="0" y="0"/>
+          <a:ext cx="0" cy="0"/>
+          <a:chOff x="0" y="0"/>
+          <a:chExt cx="0" cy="0"/>
+        </a:xfrm>
+      </p:grpSpPr>
+      <p:sp>
+        <p:nvSpPr>
+          <p:cNvPr id="2" name="标题 1"/>
+          <p:cNvSpPr>
+            <a:spLocks noGrp="1"/>
+          </p:cNvSpPr>
+          <p:nvPr>
+            <p:ph type="title"/>
+          </p:nvPr>
+        </p:nvSpPr>
+        <p:spPr/>
+        <p:txBody>
+          <a:bodyPr/>
+          <a:lstStyle/>
+          <a:p>
+            <a:endParaRPr lang="zh-CN" altLang="en-US"/>
+          </a:p>
+        </p:txBody>
+      </p:sp>
+      <p:sp>
+        <p:nvSpPr>
+          <p:cNvPr id="3" name="内容占位符 2"/>
+          <p:cNvSpPr>
+            <a:spLocks noGrp="1"/>
+          </p:cNvSpPr>
+          <p:nvPr>
+            <p:ph idx="1"/>
+          </p:nvPr>
+        </p:nvSpPr>
+        <p:spPr/>
+        <p:txBody>
+          <a:bodyPr/>
+          <a:lstStyle/>
+          <a:p>
+            <a:endParaRPr lang="zh-CN" altLang="en-US"/>
+          </a:p>
+        </p:txBody>
+      </p:sp>
+    </p:spTree>
+    <p:extLst>
+      <p:ext uri="{BB962C8B-B14F-4D97-AF65-F5344CB8AC3E}">
+        <p14:creationId xmlns:p14="http://schemas.microsoft.com/office/powerpoint/2010/main" val="1152856256"/>
       </p:ext>
     </p:extLst>
   </p:cSld>
@@ -6357,18 +8417,16 @@
         </p:nvSpPr>
         <p:spPr/>
         <p:txBody>
-          <a:bodyPr/>
-          <a:lstStyle/>
-          <a:p>
-            <a:r>
-              <a:rPr lang="en-US" altLang="zh-CN" dirty="0"/>
-              <a:t>data </a:t>
-            </a:r>
-            <a:r>
-              <a:rPr lang="en-US" altLang="zh-CN" dirty="0" smtClean="0"/>
-              <a:t>management module</a:t>
-            </a:r>
-            <a:endParaRPr lang="zh-CN" altLang="en-US" dirty="0"/>
+          <a:bodyPr>
+            <a:normAutofit/>
+          </a:bodyPr>
+          <a:lstStyle/>
+          <a:p>
+            <a:r>
+              <a:rPr lang="en-US" altLang="zh-CN" sz="4000" b="1" dirty="0" smtClean="0"/>
+              <a:t>1. data management module</a:t>
+            </a:r>
+            <a:endParaRPr lang="zh-CN" altLang="en-US" sz="4000" b="1" dirty="0"/>
           </a:p>
         </p:txBody>
       </p:sp>
@@ -6387,6 +8445,10 @@
           <a:bodyPr/>
           <a:lstStyle/>
           <a:p>
+            <a:r>
+              <a:rPr lang="en-US" altLang="zh-CN" dirty="0" smtClean="0"/>
+              <a:t>… …</a:t>
+            </a:r>
             <a:endParaRPr lang="zh-CN" altLang="en-US" dirty="0"/>
           </a:p>
         </p:txBody>
@@ -6401,6 +8463,13 @@
   <p:clrMapOvr>
     <a:masterClrMapping/>
   </p:clrMapOvr>
+  <p:timing>
+    <p:tnLst>
+      <p:par>
+        <p:cTn id="1" dur="indefinite" restart="never" nodeType="tmRoot"/>
+      </p:par>
+    </p:tnLst>
+  </p:timing>
 </p:sld>
 </file>
 
@@ -6439,14 +8508,18 @@
           <a:lstStyle/>
           <a:p>
             <a:r>
-              <a:rPr lang="en-US" altLang="zh-CN" dirty="0"/>
-              <a:t>analysis pipeline </a:t>
-            </a:r>
-            <a:r>
-              <a:rPr lang="en-US" altLang="zh-CN" dirty="0" smtClean="0"/>
+              <a:rPr lang="en-US" altLang="zh-CN" b="1" dirty="0" smtClean="0"/>
+              <a:t>2. analysis </a:t>
+            </a:r>
+            <a:r>
+              <a:rPr lang="en-US" altLang="zh-CN" b="1" dirty="0"/>
+              <a:t>pipeline </a:t>
+            </a:r>
+            <a:r>
+              <a:rPr lang="en-US" altLang="zh-CN" b="1" dirty="0" smtClean="0"/>
               <a:t>management module</a:t>
             </a:r>
-            <a:endParaRPr lang="zh-CN" altLang="en-US" dirty="0"/>
+            <a:endParaRPr lang="zh-CN" altLang="en-US" b="1" dirty="0"/>
           </a:p>
         </p:txBody>
       </p:sp>
@@ -6460,12 +8533,29 @@
             <p:ph idx="1"/>
           </p:nvPr>
         </p:nvSpPr>
-        <p:spPr/>
-        <p:txBody>
-          <a:bodyPr/>
-          <a:lstStyle/>
-          <a:p>
-            <a:endParaRPr lang="zh-CN" altLang="en-US"/>
+        <p:spPr>
+          <a:xfrm>
+            <a:off x="457200" y="1600200"/>
+            <a:ext cx="8229600" cy="4925144"/>
+          </a:xfrm>
+        </p:spPr>
+        <p:txBody>
+          <a:bodyPr>
+            <a:normAutofit fontScale="92500"/>
+          </a:bodyPr>
+          <a:lstStyle/>
+          <a:p>
+            <a:r>
+              <a:rPr lang="en-US" altLang="zh-CN" dirty="0" smtClean="0"/>
+              <a:t>NGS project usually involve in multiple data sets and multiple steps. Similar commands with same parameters but different input and output could be produced by program. In this way could not only avoid mistaken by manually commands coding, reduce labor. Arrangement rule could also help to manage data and pipeline scripts.</a:t>
+            </a:r>
+          </a:p>
+          <a:p>
+            <a:r>
+              <a:rPr lang="en-US" altLang="zh-CN" dirty="0" smtClean="0"/>
+              <a:t>In the base of such semi automatic arrangement, an B/S mode system is easy to implement</a:t>
+            </a:r>
+            <a:endParaRPr lang="zh-CN" altLang="en-US" dirty="0"/>
           </a:p>
         </p:txBody>
       </p:sp>
@@ -6479,6 +8569,13 @@
   <p:clrMapOvr>
     <a:masterClrMapping/>
   </p:clrMapOvr>
+  <p:timing>
+    <p:tnLst>
+      <p:par>
+        <p:cTn id="1" dur="indefinite" restart="never" nodeType="tmRoot"/>
+      </p:par>
+    </p:tnLst>
+  </p:timing>
 </p:sld>
 </file>
 
@@ -6509,16 +8606,21 @@
             <p:ph type="title"/>
           </p:nvPr>
         </p:nvSpPr>
-        <p:spPr/>
+        <p:spPr>
+          <a:xfrm>
+            <a:off x="467544" y="12778"/>
+            <a:ext cx="8229600" cy="1143000"/>
+          </a:xfrm>
+        </p:spPr>
         <p:txBody>
           <a:bodyPr/>
           <a:lstStyle/>
           <a:p>
             <a:r>
-              <a:rPr lang="en-US" altLang="zh-CN" dirty="0"/>
-              <a:t>overview</a:t>
-            </a:r>
-            <a:endParaRPr lang="zh-CN" altLang="en-US" dirty="0"/>
+              <a:rPr lang="en-US" altLang="zh-CN" sz="3200" dirty="0" smtClean="0"/>
+              <a:t>Data store and name arrangement</a:t>
+            </a:r>
+            <a:endParaRPr lang="zh-CN" altLang="en-US" sz="3200" dirty="0"/>
           </a:p>
         </p:txBody>
       </p:sp>
@@ -6532,67 +8634,175 @@
             <p:ph idx="1"/>
           </p:nvPr>
         </p:nvSpPr>
-        <p:spPr/>
+        <p:spPr>
+          <a:xfrm>
+            <a:off x="457200" y="980728"/>
+            <a:ext cx="5770984" cy="5145435"/>
+          </a:xfrm>
+        </p:spPr>
         <p:txBody>
           <a:bodyPr/>
           <a:lstStyle/>
           <a:p>
-            <a:endParaRPr lang="zh-CN" altLang="en-US"/>
-          </a:p>
-        </p:txBody>
-      </p:sp>
-      <p:sp>
-        <p:nvSpPr>
-          <p:cNvPr id="4" name="TextBox 3"/>
-          <p:cNvSpPr txBox="1"/>
+            <a:r>
+              <a:rPr lang="en-US" altLang="zh-CN" dirty="0" smtClean="0"/>
+              <a:t>Similar </a:t>
+            </a:r>
+            <a:r>
+              <a:rPr lang="en-US" altLang="zh-CN" dirty="0"/>
+              <a:t>d</a:t>
+            </a:r>
+            <a:r>
+              <a:rPr lang="en-US" altLang="zh-CN" dirty="0" smtClean="0"/>
+              <a:t>ata were stored in different folders but same suffix. Those folders are under same folder and same depth.</a:t>
+            </a:r>
+          </a:p>
+          <a:p>
+            <a:r>
+              <a:rPr lang="en-US" altLang="zh-CN" dirty="0" smtClean="0"/>
+              <a:t>For example.</a:t>
+            </a:r>
+          </a:p>
+          <a:p>
+            <a:pPr marL="0" indent="0">
+              <a:buNone/>
+            </a:pPr>
+            <a:r>
+              <a:rPr lang="en-US" altLang="zh-CN" dirty="0" smtClean="0"/>
+              <a:t>A batch of paired </a:t>
+            </a:r>
+          </a:p>
+          <a:p>
+            <a:pPr marL="0" indent="0">
+              <a:buNone/>
+            </a:pPr>
+            <a:r>
+              <a:rPr lang="en-US" altLang="zh-CN" dirty="0" err="1" smtClean="0"/>
+              <a:t>fastq</a:t>
+            </a:r>
+            <a:r>
+              <a:rPr lang="en-US" altLang="zh-CN" dirty="0" smtClean="0"/>
+              <a:t> data.</a:t>
+            </a:r>
+          </a:p>
+          <a:p>
+            <a:endParaRPr lang="zh-CN" altLang="en-US" dirty="0"/>
+          </a:p>
+        </p:txBody>
+      </p:sp>
+      <p:pic>
+        <p:nvPicPr>
+          <p:cNvPr id="4" name="图片 3"/>
+          <p:cNvPicPr>
+            <a:picLocks noChangeAspect="1"/>
+          </p:cNvPicPr>
           <p:nvPr/>
-        </p:nvSpPr>
-        <p:spPr>
-          <a:xfrm>
-            <a:off x="0" y="0"/>
-            <a:ext cx="9139472" cy="369332"/>
+        </p:nvPicPr>
+        <p:blipFill>
+          <a:blip r:embed="rId2">
+            <a:extLst>
+              <a:ext uri="{28A0092B-C50C-407E-A947-70E740481C1C}">
+                <a14:useLocalDpi xmlns:a14="http://schemas.microsoft.com/office/drawing/2010/main" val="0"/>
+              </a:ext>
+            </a:extLst>
+          </a:blip>
+          <a:stretch>
+            <a:fillRect/>
+          </a:stretch>
+        </p:blipFill>
+        <p:spPr>
+          <a:xfrm>
+            <a:off x="4288457" y="2981325"/>
+            <a:ext cx="4829175" cy="3876675"/>
           </a:xfrm>
           <a:prstGeom prst="rect">
             <a:avLst/>
           </a:prstGeom>
-          <a:noFill/>
-        </p:spPr>
-        <p:txBody>
-          <a:bodyPr wrap="square" rtlCol="0">
-            <a:spAutoFit/>
-          </a:bodyPr>
-          <a:lstStyle/>
-          <a:p>
-            <a:r>
-              <a:rPr lang="en-US" altLang="zh-CN" dirty="0" smtClean="0"/>
-              <a:t>Detect </a:t>
-            </a:r>
-            <a:r>
-              <a:rPr lang="en-US" altLang="zh-CN" dirty="0"/>
-              <a:t>selection </a:t>
-            </a:r>
-            <a:r>
-              <a:rPr lang="en-US" altLang="zh-CN" dirty="0"/>
-              <a:t>signal</a:t>
-            </a:r>
-            <a:r>
-              <a:rPr lang="en-US" altLang="zh-CN" dirty="0" smtClean="0"/>
-              <a:t>: scriptcontrol.py</a:t>
-            </a:r>
-            <a:endParaRPr lang="zh-CN" altLang="en-US" dirty="0"/>
-          </a:p>
-        </p:txBody>
-      </p:sp>
+        </p:spPr>
+      </p:pic>
+      <p:pic>
+        <p:nvPicPr>
+          <p:cNvPr id="6" name="图片 5"/>
+          <p:cNvPicPr>
+            <a:picLocks noChangeAspect="1"/>
+          </p:cNvPicPr>
+          <p:nvPr/>
+        </p:nvPicPr>
+        <p:blipFill>
+          <a:blip r:embed="rId3">
+            <a:extLst>
+              <a:ext uri="{28A0092B-C50C-407E-A947-70E740481C1C}">
+                <a14:useLocalDpi xmlns:a14="http://schemas.microsoft.com/office/drawing/2010/main" val="0"/>
+              </a:ext>
+            </a:extLst>
+          </a:blip>
+          <a:stretch>
+            <a:fillRect/>
+          </a:stretch>
+        </p:blipFill>
+        <p:spPr>
+          <a:xfrm>
+            <a:off x="0" y="5301208"/>
+            <a:ext cx="4248150" cy="1104900"/>
+          </a:xfrm>
+          <a:prstGeom prst="rect">
+            <a:avLst/>
+          </a:prstGeom>
+        </p:spPr>
+      </p:pic>
+      <p:cxnSp>
+        <p:nvCxnSpPr>
+          <p:cNvPr id="8" name="直接箭头连接符 7"/>
+          <p:cNvCxnSpPr/>
+          <p:nvPr/>
+        </p:nvCxnSpPr>
+        <p:spPr>
+          <a:xfrm flipH="1" flipV="1">
+            <a:off x="4139952" y="6165304"/>
+            <a:ext cx="3528392" cy="144016"/>
+          </a:xfrm>
+          <a:prstGeom prst="straightConnector1">
+            <a:avLst/>
+          </a:prstGeom>
+          <a:ln>
+            <a:solidFill>
+              <a:srgbClr val="FF0000"/>
+            </a:solidFill>
+            <a:tailEnd type="arrow"/>
+          </a:ln>
+        </p:spPr>
+        <p:style>
+          <a:lnRef idx="1">
+            <a:schemeClr val="accent1"/>
+          </a:lnRef>
+          <a:fillRef idx="0">
+            <a:schemeClr val="accent1"/>
+          </a:fillRef>
+          <a:effectRef idx="0">
+            <a:schemeClr val="accent1"/>
+          </a:effectRef>
+          <a:fontRef idx="minor">
+            <a:schemeClr val="tx1"/>
+          </a:fontRef>
+        </p:style>
+      </p:cxnSp>
     </p:spTree>
     <p:extLst>
       <p:ext uri="{BB962C8B-B14F-4D97-AF65-F5344CB8AC3E}">
-        <p14:creationId xmlns:p14="http://schemas.microsoft.com/office/powerpoint/2010/main" val="1349072874"/>
+        <p14:creationId xmlns:p14="http://schemas.microsoft.com/office/powerpoint/2010/main" val="4097813005"/>
       </p:ext>
     </p:extLst>
   </p:cSld>
   <p:clrMapOvr>
     <a:masterClrMapping/>
   </p:clrMapOvr>
+  <p:timing>
+    <p:tnLst>
+      <p:par>
+        <p:cTn id="1" dur="indefinite" restart="never" nodeType="tmRoot"/>
+      </p:par>
+    </p:tnLst>
+  </p:timing>
 </p:sld>
 </file>
 
@@ -6625,18 +8835,16 @@
         </p:nvSpPr>
         <p:spPr/>
         <p:txBody>
-          <a:bodyPr/>
-          <a:lstStyle/>
-          <a:p>
-            <a:r>
-              <a:rPr lang="en-US" altLang="zh-CN" dirty="0"/>
-              <a:t>task </a:t>
-            </a:r>
-            <a:r>
-              <a:rPr lang="en-US" altLang="zh-CN" dirty="0" smtClean="0"/>
-              <a:t>management module</a:t>
-            </a:r>
-            <a:endParaRPr lang="zh-CN" altLang="en-US" dirty="0"/>
+          <a:bodyPr>
+            <a:normAutofit/>
+          </a:bodyPr>
+          <a:lstStyle/>
+          <a:p>
+            <a:r>
+              <a:rPr lang="en-US" altLang="zh-CN" sz="3200" dirty="0"/>
+              <a:t>Scripts template </a:t>
+            </a:r>
+            <a:endParaRPr lang="zh-CN" altLang="en-US" sz="3200" dirty="0"/>
           </a:p>
         </p:txBody>
       </p:sp>
@@ -6650,25 +8858,130 @@
             <p:ph idx="1"/>
           </p:nvPr>
         </p:nvSpPr>
-        <p:spPr/>
+        <p:spPr>
+          <a:xfrm>
+            <a:off x="457200" y="1600200"/>
+            <a:ext cx="8229600" cy="4925144"/>
+          </a:xfrm>
+        </p:spPr>
         <p:txBody>
           <a:bodyPr/>
           <a:lstStyle/>
           <a:p>
-            <a:endParaRPr lang="zh-CN" altLang="en-US"/>
-          </a:p>
-        </p:txBody>
-      </p:sp>
+            <a:r>
+              <a:rPr lang="en-US" altLang="zh-CN" dirty="0" smtClean="0"/>
+              <a:t>For example. produce bam file from paired </a:t>
+            </a:r>
+            <a:r>
+              <a:rPr lang="en-US" altLang="zh-CN" dirty="0" err="1" smtClean="0"/>
+              <a:t>fastq</a:t>
+            </a:r>
+            <a:r>
+              <a:rPr lang="en-US" altLang="zh-CN" dirty="0"/>
+              <a:t> </a:t>
+            </a:r>
+            <a:r>
+              <a:rPr lang="en-US" altLang="zh-CN" dirty="0" smtClean="0"/>
+              <a:t>for all individuals of different populations. Template file was shown blow.</a:t>
+            </a:r>
+          </a:p>
+          <a:p>
+            <a:endParaRPr lang="en-US" altLang="zh-CN" dirty="0"/>
+          </a:p>
+          <a:p>
+            <a:endParaRPr lang="en-US" altLang="zh-CN" dirty="0" smtClean="0"/>
+          </a:p>
+          <a:p>
+            <a:endParaRPr lang="en-US" altLang="zh-CN" dirty="0"/>
+          </a:p>
+          <a:p>
+            <a:r>
+              <a:rPr lang="en-US" altLang="zh-CN" dirty="0" smtClean="0"/>
+              <a:t>${} represent  variable parameters in each scripts.</a:t>
+            </a:r>
+          </a:p>
+          <a:p>
+            <a:endParaRPr lang="zh-CN" altLang="en-US" dirty="0"/>
+          </a:p>
+        </p:txBody>
+      </p:sp>
+      <p:sp>
+        <p:nvSpPr>
+          <p:cNvPr id="4" name="TextBox 3"/>
+          <p:cNvSpPr txBox="1"/>
+          <p:nvPr/>
+        </p:nvSpPr>
+        <p:spPr>
+          <a:xfrm>
+            <a:off x="0" y="0"/>
+            <a:ext cx="9139472" cy="369332"/>
+          </a:xfrm>
+          <a:prstGeom prst="rect">
+            <a:avLst/>
+          </a:prstGeom>
+          <a:noFill/>
+        </p:spPr>
+        <p:txBody>
+          <a:bodyPr wrap="square" rtlCol="0">
+            <a:spAutoFit/>
+          </a:bodyPr>
+          <a:lstStyle/>
+          <a:p>
+            <a:r>
+              <a:rPr lang="en-US" altLang="zh-CN" dirty="0" smtClean="0"/>
+              <a:t>Produce batch of scripts: scriptcontrol.py</a:t>
+            </a:r>
+            <a:endParaRPr lang="zh-CN" altLang="en-US" dirty="0"/>
+          </a:p>
+        </p:txBody>
+      </p:sp>
+      <p:pic>
+        <p:nvPicPr>
+          <p:cNvPr id="6" name="图片 5"/>
+          <p:cNvPicPr>
+            <a:picLocks noChangeAspect="1"/>
+          </p:cNvPicPr>
+          <p:nvPr/>
+        </p:nvPicPr>
+        <p:blipFill>
+          <a:blip r:embed="rId2">
+            <a:extLst>
+              <a:ext uri="{28A0092B-C50C-407E-A947-70E740481C1C}">
+                <a14:useLocalDpi xmlns:a14="http://schemas.microsoft.com/office/drawing/2010/main" val="0"/>
+              </a:ext>
+            </a:extLst>
+          </a:blip>
+          <a:stretch>
+            <a:fillRect/>
+          </a:stretch>
+        </p:blipFill>
+        <p:spPr>
+          <a:xfrm>
+            <a:off x="1201358" y="3284984"/>
+            <a:ext cx="6724650" cy="1762125"/>
+          </a:xfrm>
+          <a:prstGeom prst="rect">
+            <a:avLst/>
+          </a:prstGeom>
+        </p:spPr>
+      </p:pic>
     </p:spTree>
     <p:extLst>
       <p:ext uri="{BB962C8B-B14F-4D97-AF65-F5344CB8AC3E}">
-        <p14:creationId xmlns:p14="http://schemas.microsoft.com/office/powerpoint/2010/main" val="1881083272"/>
+        <p14:creationId xmlns:p14="http://schemas.microsoft.com/office/powerpoint/2010/main" val="1349072874"/>
       </p:ext>
     </p:extLst>
   </p:cSld>
   <p:clrMapOvr>
     <a:masterClrMapping/>
   </p:clrMapOvr>
+  <p:timing>
+    <p:tnLst>
+      <p:par>
+        <p:cTn id="1" dur="indefinite" restart="never" nodeType="tmRoot"/>
+      </p:par>
+    </p:tnLst>
+  </p:timing>
 </p:sld>
 </file>
 
@@ -6701,14 +9014,32 @@
         </p:nvSpPr>
         <p:spPr/>
         <p:txBody>
-          <a:bodyPr/>
-          <a:lstStyle/>
-          <a:p>
-            <a:r>
-              <a:rPr lang="en-US" altLang="zh-CN" dirty="0"/>
-              <a:t>analysis module</a:t>
-            </a:r>
-            <a:endParaRPr lang="zh-CN" altLang="en-US" dirty="0"/>
+          <a:bodyPr>
+            <a:normAutofit/>
+          </a:bodyPr>
+          <a:lstStyle/>
+          <a:p>
+            <a:r>
+              <a:rPr lang="en-US" altLang="zh-CN" sz="3200" dirty="0" smtClean="0"/>
+              <a:t>Produce scripts for every individual paired </a:t>
+            </a:r>
+            <a:r>
+              <a:rPr lang="en-US" altLang="zh-CN" sz="3200" dirty="0" err="1" smtClean="0"/>
+              <a:t>fq</a:t>
+            </a:r>
+            <a:r>
+              <a:rPr lang="en-US" altLang="zh-CN" sz="3200" dirty="0" smtClean="0"/>
+              <a:t> files </a:t>
+            </a:r>
+            <a:r>
+              <a:rPr lang="en-US" altLang="zh-CN" sz="3200" dirty="0" smtClean="0"/>
+              <a:t>according the </a:t>
+            </a:r>
+            <a:r>
+              <a:rPr lang="en-US" altLang="zh-CN" sz="3200" dirty="0" smtClean="0"/>
+              <a:t>template </a:t>
+            </a:r>
+            <a:endParaRPr lang="zh-CN" altLang="en-US" sz="3200" dirty="0"/>
           </a:p>
         </p:txBody>
       </p:sp>
@@ -6722,25 +9053,777 @@
             <p:ph idx="1"/>
           </p:nvPr>
         </p:nvSpPr>
-        <p:spPr/>
-        <p:txBody>
-          <a:bodyPr/>
-          <a:lstStyle/>
-          <a:p>
+        <p:spPr>
+          <a:xfrm>
+            <a:off x="457200" y="1340768"/>
+            <a:ext cx="8229600" cy="4785395"/>
+          </a:xfrm>
+        </p:spPr>
+        <p:txBody>
+          <a:bodyPr>
+            <a:normAutofit/>
+          </a:bodyPr>
+          <a:lstStyle/>
+          <a:p>
+            <a:r>
+              <a:rPr lang="en-US" altLang="zh-CN" sz="2400" dirty="0"/>
+              <a:t>Python ~/life/src/pipelinecontrol/scriptcontrol.py </a:t>
+            </a:r>
+            <a:r>
+              <a:rPr lang="en-US" altLang="zh-CN" sz="2400" dirty="0" smtClean="0"/>
+              <a:t> </a:t>
+            </a:r>
+            <a:r>
+              <a:rPr lang="en-US" altLang="zh-CN" sz="2400" b="1" dirty="0" smtClean="0"/>
+              <a:t>-c</a:t>
+            </a:r>
+            <a:r>
+              <a:rPr lang="en-US" altLang="zh-CN" sz="2400" dirty="0" smtClean="0"/>
+              <a:t> 1_getbam_D2L.sh </a:t>
+            </a:r>
+            <a:r>
+              <a:rPr lang="en-US" altLang="zh-CN" sz="2400" b="1" dirty="0" smtClean="0"/>
+              <a:t>–d</a:t>
+            </a:r>
+            <a:r>
+              <a:rPr lang="en-US" altLang="zh-CN" sz="2400" dirty="0" smtClean="0"/>
+              <a:t>  2 </a:t>
+            </a:r>
+            <a:r>
+              <a:rPr lang="en-US" altLang="zh-CN" sz="2400" b="1" dirty="0" smtClean="0"/>
+              <a:t>–s</a:t>
+            </a:r>
+            <a:r>
+              <a:rPr lang="en-US" altLang="zh-CN" sz="2400" dirty="0" smtClean="0"/>
+              <a:t> /</a:t>
+            </a:r>
+            <a:r>
+              <a:rPr lang="en-US" altLang="zh-CN" sz="2400" dirty="0" err="1" smtClean="0"/>
+              <a:t>pathto</a:t>
+            </a:r>
+            <a:r>
+              <a:rPr lang="en-US" altLang="zh-CN" sz="2400" dirty="0" smtClean="0"/>
+              <a:t>/step1_scripts </a:t>
+            </a:r>
+            <a:r>
+              <a:rPr lang="en-US" altLang="zh-CN" sz="2400" b="1" dirty="0" smtClean="0"/>
+              <a:t>–m</a:t>
+            </a:r>
+            <a:r>
+              <a:rPr lang="en-US" altLang="zh-CN" sz="2400" dirty="0" smtClean="0"/>
+              <a:t> 1 </a:t>
+            </a:r>
+            <a:r>
+              <a:rPr lang="en-US" altLang="zh-CN" sz="2400" b="1" dirty="0" smtClean="0"/>
+              <a:t>-1</a:t>
+            </a:r>
+            <a:r>
+              <a:rPr lang="en-US" altLang="zh-CN" sz="2400" dirty="0" smtClean="0"/>
+              <a:t> 2</a:t>
+            </a:r>
+          </a:p>
+          <a:p>
+            <a:r>
+              <a:rPr lang="en-US" altLang="zh-CN" sz="2400" dirty="0" smtClean="0"/>
+              <a:t>It will produce runnable scripts that is used to call bam for every individual of all populations.</a:t>
+            </a:r>
+            <a:endParaRPr lang="zh-CN" altLang="en-US" sz="2400" dirty="0"/>
+          </a:p>
+        </p:txBody>
+      </p:sp>
+      <p:sp>
+        <p:nvSpPr>
+          <p:cNvPr id="4" name="TextBox 3"/>
+          <p:cNvSpPr txBox="1"/>
+          <p:nvPr/>
+        </p:nvSpPr>
+        <p:spPr>
+          <a:xfrm>
+            <a:off x="0" y="0"/>
+            <a:ext cx="9139472" cy="369332"/>
+          </a:xfrm>
+          <a:prstGeom prst="rect">
+            <a:avLst/>
+          </a:prstGeom>
+          <a:noFill/>
+        </p:spPr>
+        <p:txBody>
+          <a:bodyPr wrap="square" rtlCol="0">
+            <a:spAutoFit/>
+          </a:bodyPr>
+          <a:lstStyle/>
+          <a:p>
+            <a:r>
+              <a:rPr lang="en-US" altLang="zh-CN" dirty="0" smtClean="0"/>
+              <a:t>Produce batch of scripts: scriptcontrol.py</a:t>
+            </a:r>
             <a:endParaRPr lang="zh-CN" altLang="en-US" dirty="0"/>
+          </a:p>
+        </p:txBody>
+      </p:sp>
+      <p:cxnSp>
+        <p:nvCxnSpPr>
+          <p:cNvPr id="6" name="直接箭头连接符 5"/>
+          <p:cNvCxnSpPr>
+            <a:endCxn id="9" idx="0"/>
+          </p:cNvCxnSpPr>
+          <p:nvPr/>
+        </p:nvCxnSpPr>
+        <p:spPr>
+          <a:xfrm flipH="1">
+            <a:off x="2303748" y="2035778"/>
+            <a:ext cx="1309228" cy="817158"/>
+          </a:xfrm>
+          <a:prstGeom prst="straightConnector1">
+            <a:avLst/>
+          </a:prstGeom>
+          <a:ln>
+            <a:tailEnd type="arrow"/>
+          </a:ln>
+        </p:spPr>
+        <p:style>
+          <a:lnRef idx="1">
+            <a:schemeClr val="accent1"/>
+          </a:lnRef>
+          <a:fillRef idx="0">
+            <a:schemeClr val="accent1"/>
+          </a:fillRef>
+          <a:effectRef idx="0">
+            <a:schemeClr val="accent1"/>
+          </a:effectRef>
+          <a:fontRef idx="minor">
+            <a:schemeClr val="tx1"/>
+          </a:fontRef>
+        </p:style>
+      </p:cxnSp>
+      <p:cxnSp>
+        <p:nvCxnSpPr>
+          <p:cNvPr id="8" name="直接箭头连接符 7"/>
+          <p:cNvCxnSpPr/>
+          <p:nvPr/>
+        </p:nvCxnSpPr>
+        <p:spPr>
+          <a:xfrm flipH="1">
+            <a:off x="7862766" y="1990158"/>
+            <a:ext cx="144016" cy="792088"/>
+          </a:xfrm>
+          <a:prstGeom prst="straightConnector1">
+            <a:avLst/>
+          </a:prstGeom>
+          <a:ln>
+            <a:tailEnd type="arrow"/>
+          </a:ln>
+        </p:spPr>
+        <p:style>
+          <a:lnRef idx="1">
+            <a:schemeClr val="accent1"/>
+          </a:lnRef>
+          <a:fillRef idx="0">
+            <a:schemeClr val="accent1"/>
+          </a:fillRef>
+          <a:effectRef idx="0">
+            <a:schemeClr val="accent1"/>
+          </a:effectRef>
+          <a:fontRef idx="minor">
+            <a:schemeClr val="tx1"/>
+          </a:fontRef>
+        </p:style>
+      </p:cxnSp>
+      <p:sp>
+        <p:nvSpPr>
+          <p:cNvPr id="9" name="TextBox 8"/>
+          <p:cNvSpPr txBox="1"/>
+          <p:nvPr/>
+        </p:nvSpPr>
+        <p:spPr>
+          <a:xfrm>
+            <a:off x="323528" y="2852936"/>
+            <a:ext cx="3960440" cy="646331"/>
+          </a:xfrm>
+          <a:prstGeom prst="rect">
+            <a:avLst/>
+          </a:prstGeom>
+          <a:noFill/>
+        </p:spPr>
+        <p:txBody>
+          <a:bodyPr wrap="square" rtlCol="0">
+            <a:spAutoFit/>
+          </a:bodyPr>
+          <a:lstStyle/>
+          <a:p>
+            <a:r>
+              <a:rPr lang="en-US" altLang="zh-CN" dirty="0" smtClean="0"/>
+              <a:t>Input data files were in the second level folder under the 0-the level folder.</a:t>
+            </a:r>
+            <a:endParaRPr lang="zh-CN" altLang="en-US" dirty="0"/>
+          </a:p>
+        </p:txBody>
+      </p:sp>
+      <p:sp>
+        <p:nvSpPr>
+          <p:cNvPr id="10" name="TextBox 9"/>
+          <p:cNvSpPr txBox="1"/>
+          <p:nvPr/>
+        </p:nvSpPr>
+        <p:spPr>
+          <a:xfrm>
+            <a:off x="4745732" y="2780928"/>
+            <a:ext cx="3888432" cy="923330"/>
+          </a:xfrm>
+          <a:prstGeom prst="rect">
+            <a:avLst/>
+          </a:prstGeom>
+          <a:noFill/>
+        </p:spPr>
+        <p:txBody>
+          <a:bodyPr wrap="square" rtlCol="0">
+            <a:spAutoFit/>
+          </a:bodyPr>
+          <a:lstStyle/>
+          <a:p>
+            <a:r>
+              <a:rPr lang="en-US" altLang="zh-CN" dirty="0" smtClean="0"/>
+              <a:t>Produce scripts for every second level folder under the 0-th level folder. This parameter is usually same with -d</a:t>
+            </a:r>
+            <a:endParaRPr lang="zh-CN" altLang="en-US" dirty="0"/>
+          </a:p>
+        </p:txBody>
+      </p:sp>
+      <p:sp>
+        <p:nvSpPr>
+          <p:cNvPr id="11" name="TextBox 10"/>
+          <p:cNvSpPr txBox="1"/>
+          <p:nvPr/>
+        </p:nvSpPr>
+        <p:spPr>
+          <a:xfrm>
+            <a:off x="922512" y="3573016"/>
+            <a:ext cx="3312368" cy="369332"/>
+          </a:xfrm>
+          <a:prstGeom prst="rect">
+            <a:avLst/>
+          </a:prstGeom>
+          <a:noFill/>
+        </p:spPr>
+        <p:txBody>
+          <a:bodyPr wrap="square" rtlCol="0">
+            <a:spAutoFit/>
+          </a:bodyPr>
+          <a:lstStyle/>
+          <a:p>
+            <a:r>
+              <a:rPr lang="en-US" altLang="zh-CN" dirty="0" smtClean="0"/>
+              <a:t>Template file describe as above</a:t>
+            </a:r>
+            <a:endParaRPr lang="zh-CN" altLang="en-US" dirty="0"/>
+          </a:p>
+        </p:txBody>
+      </p:sp>
+      <p:cxnSp>
+        <p:nvCxnSpPr>
+          <p:cNvPr id="13" name="直接箭头连接符 12"/>
+          <p:cNvCxnSpPr>
+            <a:endCxn id="11" idx="0"/>
+          </p:cNvCxnSpPr>
+          <p:nvPr/>
+        </p:nvCxnSpPr>
+        <p:spPr>
+          <a:xfrm>
+            <a:off x="2398676" y="2017194"/>
+            <a:ext cx="180020" cy="1555822"/>
+          </a:xfrm>
+          <a:prstGeom prst="straightConnector1">
+            <a:avLst/>
+          </a:prstGeom>
+          <a:ln>
+            <a:tailEnd type="arrow"/>
+          </a:ln>
+        </p:spPr>
+        <p:style>
+          <a:lnRef idx="1">
+            <a:schemeClr val="accent1"/>
+          </a:lnRef>
+          <a:fillRef idx="0">
+            <a:schemeClr val="accent1"/>
+          </a:fillRef>
+          <a:effectRef idx="0">
+            <a:schemeClr val="accent1"/>
+          </a:effectRef>
+          <a:fontRef idx="minor">
+            <a:schemeClr val="tx1"/>
+          </a:fontRef>
+        </p:style>
+      </p:cxnSp>
+      <p:sp>
+        <p:nvSpPr>
+          <p:cNvPr id="17" name="矩形 16"/>
+          <p:cNvSpPr/>
+          <p:nvPr/>
+        </p:nvSpPr>
+        <p:spPr>
+          <a:xfrm>
+            <a:off x="3901812" y="4617710"/>
+            <a:ext cx="1728192" cy="1152128"/>
+          </a:xfrm>
+          <a:prstGeom prst="rect">
+            <a:avLst/>
+          </a:prstGeom>
+          <a:solidFill>
+            <a:schemeClr val="accent1">
+              <a:alpha val="0"/>
+            </a:schemeClr>
+          </a:solidFill>
+        </p:spPr>
+        <p:style>
+          <a:lnRef idx="2">
+            <a:schemeClr val="accent1">
+              <a:shade val="50000"/>
+            </a:schemeClr>
+          </a:lnRef>
+          <a:fillRef idx="1">
+            <a:schemeClr val="accent1"/>
+          </a:fillRef>
+          <a:effectRef idx="0">
+            <a:schemeClr val="accent1"/>
+          </a:effectRef>
+          <a:fontRef idx="minor">
+            <a:schemeClr val="lt1"/>
+          </a:fontRef>
+        </p:style>
+        <p:txBody>
+          <a:bodyPr rtlCol="0" anchor="ctr"/>
+          <a:lstStyle/>
+          <a:p>
+            <a:pPr algn="ctr"/>
+            <a:r>
+              <a:rPr lang="en-US" altLang="zh-CN" dirty="0">
+                <a:solidFill>
+                  <a:schemeClr val="tx1"/>
+                </a:solidFill>
+              </a:rPr>
+              <a:t>scriptcontrol.py</a:t>
+            </a:r>
+            <a:endParaRPr lang="zh-CN" altLang="en-US" dirty="0">
+              <a:solidFill>
+                <a:schemeClr val="tx1"/>
+              </a:solidFill>
+            </a:endParaRPr>
+          </a:p>
+        </p:txBody>
+      </p:sp>
+      <p:sp>
+        <p:nvSpPr>
+          <p:cNvPr id="18" name="TextBox 17"/>
+          <p:cNvSpPr txBox="1"/>
+          <p:nvPr/>
+        </p:nvSpPr>
+        <p:spPr>
+          <a:xfrm>
+            <a:off x="0" y="3861048"/>
+            <a:ext cx="3275856" cy="3416320"/>
+          </a:xfrm>
+          <a:prstGeom prst="rect">
+            <a:avLst/>
+          </a:prstGeom>
+          <a:noFill/>
+        </p:spPr>
+        <p:txBody>
+          <a:bodyPr wrap="square" rtlCol="0">
+            <a:spAutoFit/>
+          </a:bodyPr>
+          <a:lstStyle/>
+          <a:p>
+            <a:r>
+              <a:rPr lang="en-US" altLang="zh-CN" dirty="0" smtClean="0"/>
+              <a:t>-c </a:t>
+            </a:r>
+            <a:r>
+              <a:rPr lang="en-US" altLang="zh-CN" dirty="0"/>
+              <a:t>Template file </a:t>
+            </a:r>
+            <a:endParaRPr lang="en-US" altLang="zh-CN" dirty="0" smtClean="0"/>
+          </a:p>
+          <a:p>
+            <a:r>
+              <a:rPr lang="en-US" altLang="zh-CN" dirty="0" smtClean="0"/>
+              <a:t>-</a:t>
+            </a:r>
+            <a:r>
+              <a:rPr lang="en-US" altLang="zh-CN" dirty="0" smtClean="0"/>
+              <a:t>d </a:t>
+            </a:r>
+            <a:r>
+              <a:rPr lang="en-US" altLang="zh-CN" dirty="0" smtClean="0"/>
+              <a:t>depth of input </a:t>
+            </a:r>
+            <a:r>
+              <a:rPr lang="en-US" altLang="zh-CN" dirty="0"/>
+              <a:t>data </a:t>
+            </a:r>
+            <a:r>
+              <a:rPr lang="en-US" altLang="zh-CN" dirty="0" smtClean="0"/>
+              <a:t>(</a:t>
+            </a:r>
+            <a:r>
+              <a:rPr lang="en-US" altLang="zh-CN" dirty="0" err="1" smtClean="0"/>
+              <a:t>inputdatafilesrootpath</a:t>
+            </a:r>
+            <a:r>
+              <a:rPr lang="en-US" altLang="zh-CN" dirty="0" smtClean="0"/>
+              <a:t>=0</a:t>
+            </a:r>
+            <a:r>
+              <a:rPr lang="en-US" altLang="zh-CN" baseline="30000" dirty="0" smtClean="0"/>
+              <a:t>th</a:t>
+            </a:r>
+            <a:r>
+              <a:rPr lang="en-US" altLang="zh-CN" dirty="0" smtClean="0"/>
+              <a:t> level</a:t>
+            </a:r>
+            <a:r>
+              <a:rPr lang="en-US" altLang="zh-CN" dirty="0"/>
+              <a:t>)</a:t>
+            </a:r>
+            <a:endParaRPr lang="en-US" altLang="zh-CN" dirty="0" smtClean="0"/>
+          </a:p>
+          <a:p>
+            <a:r>
+              <a:rPr lang="en-US" altLang="zh-CN" dirty="0" smtClean="0"/>
+              <a:t>-s </a:t>
+            </a:r>
+            <a:r>
+              <a:rPr lang="en-US" altLang="zh-CN" dirty="0" smtClean="0"/>
+              <a:t>folder to store scripts</a:t>
+            </a:r>
+            <a:endParaRPr lang="en-US" altLang="zh-CN" dirty="0" smtClean="0"/>
+          </a:p>
+          <a:p>
+            <a:r>
+              <a:rPr lang="en-US" altLang="zh-CN" dirty="0" smtClean="0"/>
+              <a:t>-m </a:t>
+            </a:r>
+            <a:r>
+              <a:rPr lang="en-US" altLang="zh-CN" dirty="0" smtClean="0"/>
+              <a:t>mode1/2</a:t>
+            </a:r>
+            <a:endParaRPr lang="en-US" altLang="zh-CN" dirty="0" smtClean="0"/>
+          </a:p>
+          <a:p>
+            <a:r>
+              <a:rPr lang="en-US" altLang="zh-CN" dirty="0" smtClean="0"/>
+              <a:t>-I </a:t>
+            </a:r>
+            <a:r>
+              <a:rPr lang="en-US" altLang="zh-CN" dirty="0" smtClean="0"/>
+              <a:t>depth of intercept folders</a:t>
+            </a:r>
+            <a:endParaRPr lang="en-US" altLang="zh-CN" dirty="0" smtClean="0"/>
+          </a:p>
+          <a:p>
+            <a:r>
+              <a:rPr lang="en-US" altLang="zh-CN" dirty="0" smtClean="0"/>
+              <a:t>-l </a:t>
+            </a:r>
+            <a:r>
+              <a:rPr lang="en-US" altLang="zh-CN" dirty="0" smtClean="0"/>
+              <a:t>names </a:t>
+            </a:r>
+            <a:r>
+              <a:rPr lang="en-US" altLang="zh-CN" dirty="0"/>
+              <a:t>of intercept </a:t>
+            </a:r>
+            <a:r>
+              <a:rPr lang="en-US" altLang="zh-CN" dirty="0" smtClean="0"/>
+              <a:t>folders in the assigned level</a:t>
+            </a:r>
+            <a:endParaRPr lang="en-US" altLang="zh-CN" dirty="0" smtClean="0"/>
+          </a:p>
+          <a:p>
+            <a:r>
+              <a:rPr lang="en-US" altLang="zh-CN" dirty="0" smtClean="0"/>
+              <a:t>-</a:t>
+            </a:r>
+            <a:r>
+              <a:rPr lang="en-US" altLang="zh-CN" dirty="0" smtClean="0"/>
+              <a:t>t </a:t>
+            </a:r>
+            <a:r>
+              <a:rPr lang="en-US" altLang="zh-CN" dirty="0" smtClean="0"/>
+              <a:t>level of the folder name used to substitute </a:t>
+            </a:r>
+            <a:r>
+              <a:rPr lang="en-US" altLang="zh-CN" dirty="0" err="1" smtClean="0"/>
+              <a:t>tha</a:t>
+            </a:r>
+            <a:r>
+              <a:rPr lang="en-US" altLang="zh-CN" dirty="0" smtClean="0"/>
+              <a:t> ${tag}</a:t>
+            </a:r>
+          </a:p>
+          <a:p>
+            <a:r>
+              <a:rPr lang="en-US" altLang="zh-CN" dirty="0" smtClean="0"/>
+              <a:t>-</a:t>
+            </a:r>
+            <a:r>
+              <a:rPr lang="en-US" altLang="zh-CN" dirty="0"/>
+              <a:t>1</a:t>
+            </a:r>
+          </a:p>
+          <a:p>
+            <a:r>
+              <a:rPr lang="en-US" altLang="zh-CN" dirty="0"/>
+              <a:t>-</a:t>
+            </a:r>
+            <a:r>
+              <a:rPr lang="en-US" altLang="zh-CN" dirty="0" smtClean="0"/>
+              <a:t>2</a:t>
+            </a:r>
+            <a:endParaRPr lang="en-US" altLang="zh-CN" dirty="0"/>
+          </a:p>
+        </p:txBody>
+      </p:sp>
+      <p:sp>
+        <p:nvSpPr>
+          <p:cNvPr id="19" name="右大括号 18"/>
+          <p:cNvSpPr/>
+          <p:nvPr/>
+        </p:nvSpPr>
+        <p:spPr>
+          <a:xfrm>
+            <a:off x="3189487" y="4617710"/>
+            <a:ext cx="432048" cy="1152128"/>
+          </a:xfrm>
+          <a:prstGeom prst="rightBrace">
+            <a:avLst/>
+          </a:prstGeom>
+        </p:spPr>
+        <p:style>
+          <a:lnRef idx="1">
+            <a:schemeClr val="accent1"/>
+          </a:lnRef>
+          <a:fillRef idx="0">
+            <a:schemeClr val="accent1"/>
+          </a:fillRef>
+          <a:effectRef idx="0">
+            <a:schemeClr val="accent1"/>
+          </a:effectRef>
+          <a:fontRef idx="minor">
+            <a:schemeClr val="tx1"/>
+          </a:fontRef>
+        </p:style>
+        <p:txBody>
+          <a:bodyPr rtlCol="0" anchor="ctr"/>
+          <a:lstStyle/>
+          <a:p>
+            <a:pPr algn="ctr"/>
+            <a:endParaRPr lang="zh-CN" altLang="en-US"/>
+          </a:p>
+        </p:txBody>
+      </p:sp>
+      <p:sp>
+        <p:nvSpPr>
+          <p:cNvPr id="20" name="右箭头 19"/>
+          <p:cNvSpPr/>
+          <p:nvPr/>
+        </p:nvSpPr>
+        <p:spPr>
+          <a:xfrm>
+            <a:off x="5717554" y="5157192"/>
+            <a:ext cx="720080" cy="144016"/>
+          </a:xfrm>
+          <a:prstGeom prst="rightArrow">
+            <a:avLst/>
+          </a:prstGeom>
+        </p:spPr>
+        <p:style>
+          <a:lnRef idx="2">
+            <a:schemeClr val="accent1">
+              <a:shade val="50000"/>
+            </a:schemeClr>
+          </a:lnRef>
+          <a:fillRef idx="1">
+            <a:schemeClr val="accent1"/>
+          </a:fillRef>
+          <a:effectRef idx="0">
+            <a:schemeClr val="accent1"/>
+          </a:effectRef>
+          <a:fontRef idx="minor">
+            <a:schemeClr val="lt1"/>
+          </a:fontRef>
+        </p:style>
+        <p:txBody>
+          <a:bodyPr rtlCol="0" anchor="ctr"/>
+          <a:lstStyle/>
+          <a:p>
+            <a:pPr algn="ctr"/>
+            <a:endParaRPr lang="zh-CN" altLang="en-US"/>
+          </a:p>
+        </p:txBody>
+      </p:sp>
+      <p:sp>
+        <p:nvSpPr>
+          <p:cNvPr id="21" name="TextBox 20"/>
+          <p:cNvSpPr txBox="1"/>
+          <p:nvPr/>
+        </p:nvSpPr>
+        <p:spPr>
+          <a:xfrm>
+            <a:off x="3362259" y="4833734"/>
+            <a:ext cx="763332" cy="369332"/>
+          </a:xfrm>
+          <a:prstGeom prst="rect">
+            <a:avLst/>
+          </a:prstGeom>
+          <a:noFill/>
+        </p:spPr>
+        <p:txBody>
+          <a:bodyPr wrap="square" rtlCol="0">
+            <a:spAutoFit/>
+          </a:bodyPr>
+          <a:lstStyle/>
+          <a:p>
+            <a:r>
+              <a:rPr lang="en-US" altLang="zh-CN" dirty="0" smtClean="0"/>
+              <a:t>input</a:t>
+            </a:r>
+            <a:endParaRPr lang="zh-CN" altLang="en-US" dirty="0"/>
+          </a:p>
+        </p:txBody>
+      </p:sp>
+      <p:sp>
+        <p:nvSpPr>
+          <p:cNvPr id="22" name="TextBox 21"/>
+          <p:cNvSpPr txBox="1"/>
+          <p:nvPr/>
+        </p:nvSpPr>
+        <p:spPr>
+          <a:xfrm>
+            <a:off x="6876256" y="4870608"/>
+            <a:ext cx="2232248" cy="1200329"/>
+          </a:xfrm>
+          <a:prstGeom prst="rect">
+            <a:avLst/>
+          </a:prstGeom>
+          <a:noFill/>
+        </p:spPr>
+        <p:txBody>
+          <a:bodyPr wrap="square" rtlCol="0">
+            <a:spAutoFit/>
+          </a:bodyPr>
+          <a:lstStyle/>
+          <a:p>
+            <a:r>
+              <a:rPr lang="en-US" altLang="zh-CN" dirty="0"/>
+              <a:t>Produce </a:t>
+            </a:r>
+            <a:r>
+              <a:rPr lang="en-US" altLang="zh-CN" dirty="0" smtClean="0"/>
+              <a:t>batch </a:t>
+            </a:r>
+            <a:r>
+              <a:rPr lang="en-US" altLang="zh-CN" dirty="0"/>
+              <a:t>of </a:t>
+            </a:r>
+            <a:r>
+              <a:rPr lang="en-US" altLang="zh-CN" dirty="0" smtClean="0"/>
+              <a:t>scripts</a:t>
+            </a:r>
+          </a:p>
+          <a:p>
+            <a:r>
+              <a:rPr lang="en-US" altLang="zh-CN" dirty="0" smtClean="0"/>
+              <a:t>Create folders for all output data</a:t>
+            </a:r>
+            <a:endParaRPr lang="en-US" altLang="zh-CN" dirty="0" smtClean="0"/>
+          </a:p>
+        </p:txBody>
+      </p:sp>
+      <p:sp>
+        <p:nvSpPr>
+          <p:cNvPr id="23" name="TextBox 22"/>
+          <p:cNvSpPr txBox="1"/>
+          <p:nvPr/>
+        </p:nvSpPr>
+        <p:spPr>
+          <a:xfrm>
+            <a:off x="5630003" y="4797152"/>
+            <a:ext cx="869107" cy="369332"/>
+          </a:xfrm>
+          <a:prstGeom prst="rect">
+            <a:avLst/>
+          </a:prstGeom>
+          <a:noFill/>
+        </p:spPr>
+        <p:txBody>
+          <a:bodyPr wrap="square" rtlCol="0">
+            <a:spAutoFit/>
+          </a:bodyPr>
+          <a:lstStyle/>
+          <a:p>
+            <a:r>
+              <a:rPr lang="en-US" altLang="zh-CN" dirty="0" smtClean="0"/>
+              <a:t>output</a:t>
+            </a:r>
+            <a:endParaRPr lang="zh-CN" altLang="en-US" dirty="0"/>
+          </a:p>
+        </p:txBody>
+      </p:sp>
+      <p:sp>
+        <p:nvSpPr>
+          <p:cNvPr id="24" name="左大括号 23"/>
+          <p:cNvSpPr/>
+          <p:nvPr/>
+        </p:nvSpPr>
+        <p:spPr>
+          <a:xfrm>
+            <a:off x="6499111" y="4293096"/>
+            <a:ext cx="377145" cy="1800200"/>
+          </a:xfrm>
+          <a:prstGeom prst="leftBrace">
+            <a:avLst/>
+          </a:prstGeom>
+        </p:spPr>
+        <p:style>
+          <a:lnRef idx="1">
+            <a:schemeClr val="accent1"/>
+          </a:lnRef>
+          <a:fillRef idx="0">
+            <a:schemeClr val="accent1"/>
+          </a:fillRef>
+          <a:effectRef idx="0">
+            <a:schemeClr val="accent1"/>
+          </a:effectRef>
+          <a:fontRef idx="minor">
+            <a:schemeClr val="tx1"/>
+          </a:fontRef>
+        </p:style>
+        <p:txBody>
+          <a:bodyPr rtlCol="0" anchor="ctr"/>
+          <a:lstStyle/>
+          <a:p>
+            <a:pPr algn="ctr"/>
+            <a:endParaRPr lang="zh-CN" altLang="en-US"/>
           </a:p>
         </p:txBody>
       </p:sp>
     </p:spTree>
     <p:extLst>
       <p:ext uri="{BB962C8B-B14F-4D97-AF65-F5344CB8AC3E}">
-        <p14:creationId xmlns:p14="http://schemas.microsoft.com/office/powerpoint/2010/main" val="837385016"/>
+        <p14:creationId xmlns:p14="http://schemas.microsoft.com/office/powerpoint/2010/main" val="508241294"/>
       </p:ext>
     </p:extLst>
   </p:cSld>
   <p:clrMapOvr>
     <a:masterClrMapping/>
   </p:clrMapOvr>
+  <p:timing>
+    <p:tnLst>
+      <p:par>
+        <p:cTn id="1" dur="indefinite" restart="never" nodeType="tmRoot"/>
+      </p:par>
+    </p:tnLst>
+  </p:timing>
 </p:sld>
 </file>
 
@@ -6779,593 +9862,87 @@
           <a:lstStyle/>
           <a:p>
             <a:r>
-              <a:rPr lang="en-US" altLang="zh-CN" dirty="0" smtClean="0"/>
-              <a:t>overview</a:t>
-            </a:r>
-            <a:endParaRPr lang="zh-CN" altLang="en-US" dirty="0"/>
-          </a:p>
-        </p:txBody>
-      </p:sp>
-      <p:sp>
-        <p:nvSpPr>
-          <p:cNvPr id="4" name="TextBox 3"/>
-          <p:cNvSpPr txBox="1"/>
+              <a:rPr lang="en-US" altLang="zh-CN" sz="3200" dirty="0" smtClean="0"/>
+              <a:t>results</a:t>
+            </a:r>
+            <a:endParaRPr lang="zh-CN" altLang="en-US" sz="3200" dirty="0"/>
+          </a:p>
+        </p:txBody>
+      </p:sp>
+      <p:pic>
+        <p:nvPicPr>
+          <p:cNvPr id="4" name="内容占位符 3"/>
+          <p:cNvPicPr>
+            <a:picLocks noGrp="1" noChangeAspect="1"/>
+          </p:cNvPicPr>
+          <p:nvPr>
+            <p:ph idx="1"/>
+          </p:nvPr>
+        </p:nvPicPr>
+        <p:blipFill>
+          <a:blip r:embed="rId2">
+            <a:extLst>
+              <a:ext uri="{28A0092B-C50C-407E-A947-70E740481C1C}">
+                <a14:useLocalDpi xmlns:a14="http://schemas.microsoft.com/office/drawing/2010/main" val="0"/>
+              </a:ext>
+            </a:extLst>
+          </a:blip>
+          <a:stretch>
+            <a:fillRect/>
+          </a:stretch>
+        </p:blipFill>
+        <p:spPr>
+          <a:xfrm>
+            <a:off x="229309" y="3501008"/>
+            <a:ext cx="8229600" cy="2014678"/>
+          </a:xfrm>
+        </p:spPr>
+      </p:pic>
+      <p:pic>
+        <p:nvPicPr>
+          <p:cNvPr id="5" name="图片 4"/>
+          <p:cNvPicPr>
+            <a:picLocks noChangeAspect="1"/>
+          </p:cNvPicPr>
           <p:nvPr/>
-        </p:nvSpPr>
-        <p:spPr>
-          <a:xfrm>
-            <a:off x="0" y="0"/>
-            <a:ext cx="9139472" cy="369332"/>
+        </p:nvPicPr>
+        <p:blipFill>
+          <a:blip r:embed="rId3">
+            <a:extLst>
+              <a:ext uri="{28A0092B-C50C-407E-A947-70E740481C1C}">
+                <a14:useLocalDpi xmlns:a14="http://schemas.microsoft.com/office/drawing/2010/main" val="0"/>
+              </a:ext>
+            </a:extLst>
+          </a:blip>
+          <a:stretch>
+            <a:fillRect/>
+          </a:stretch>
+        </p:blipFill>
+        <p:spPr>
+          <a:xfrm>
+            <a:off x="251520" y="1628800"/>
+            <a:ext cx="6800850" cy="1104900"/>
           </a:xfrm>
           <a:prstGeom prst="rect">
             <a:avLst/>
           </a:prstGeom>
-          <a:noFill/>
-        </p:spPr>
-        <p:txBody>
-          <a:bodyPr wrap="square" rtlCol="0">
-            <a:spAutoFit/>
-          </a:bodyPr>
-          <a:lstStyle/>
-          <a:p>
-            <a:r>
-              <a:rPr lang="en-US" altLang="zh-CN" dirty="0" smtClean="0"/>
-              <a:t>Detect </a:t>
-            </a:r>
-            <a:r>
-              <a:rPr lang="en-US" altLang="zh-CN" dirty="0"/>
-              <a:t>selection </a:t>
-            </a:r>
-            <a:r>
-              <a:rPr lang="en-US" altLang="zh-CN" dirty="0" err="1"/>
-              <a:t>signal:Detectsignalacrossgenome_master.py</a:t>
-            </a:r>
-            <a:endParaRPr lang="zh-CN" altLang="en-US" dirty="0"/>
-          </a:p>
-        </p:txBody>
-      </p:sp>
-      <p:sp>
-        <p:nvSpPr>
-          <p:cNvPr id="5" name="矩形 4"/>
-          <p:cNvSpPr/>
-          <p:nvPr/>
-        </p:nvSpPr>
-        <p:spPr>
-          <a:xfrm>
-            <a:off x="4074541" y="2323332"/>
-            <a:ext cx="1728192" cy="1152128"/>
-          </a:xfrm>
-          <a:prstGeom prst="rect">
-            <a:avLst/>
-          </a:prstGeom>
-          <a:solidFill>
-            <a:schemeClr val="accent1">
-              <a:alpha val="0"/>
-            </a:schemeClr>
-          </a:solidFill>
-        </p:spPr>
-        <p:style>
-          <a:lnRef idx="2">
-            <a:schemeClr val="accent1">
-              <a:shade val="50000"/>
-            </a:schemeClr>
-          </a:lnRef>
-          <a:fillRef idx="1">
-            <a:schemeClr val="accent1"/>
-          </a:fillRef>
-          <a:effectRef idx="0">
-            <a:schemeClr val="accent1"/>
-          </a:effectRef>
-          <a:fontRef idx="minor">
-            <a:schemeClr val="lt1"/>
-          </a:fontRef>
-        </p:style>
-        <p:txBody>
-          <a:bodyPr rtlCol="0" anchor="ctr"/>
-          <a:lstStyle/>
-          <a:p>
-            <a:pPr algn="ctr"/>
-            <a:r>
-              <a:rPr lang="en-US" altLang="zh-CN" dirty="0">
-                <a:solidFill>
-                  <a:schemeClr val="tx1"/>
-                </a:solidFill>
-              </a:rPr>
-              <a:t>Detectsignalacrossgenome_master.py</a:t>
-            </a:r>
-            <a:endParaRPr lang="zh-CN" altLang="en-US" dirty="0">
-              <a:solidFill>
-                <a:schemeClr val="tx1"/>
-              </a:solidFill>
-            </a:endParaRPr>
-          </a:p>
-        </p:txBody>
-      </p:sp>
-      <p:sp>
-        <p:nvSpPr>
-          <p:cNvPr id="6" name="TextBox 5"/>
-          <p:cNvSpPr txBox="1"/>
-          <p:nvPr/>
-        </p:nvSpPr>
-        <p:spPr>
-          <a:xfrm>
-            <a:off x="-16046" y="332656"/>
-            <a:ext cx="3363910" cy="6740307"/>
-          </a:xfrm>
-          <a:prstGeom prst="rect">
-            <a:avLst/>
-          </a:prstGeom>
-          <a:noFill/>
-        </p:spPr>
-        <p:txBody>
-          <a:bodyPr wrap="square" rtlCol="0">
-            <a:spAutoFit/>
-          </a:bodyPr>
-          <a:lstStyle/>
-          <a:p>
-            <a:r>
-              <a:rPr lang="en-US" altLang="zh-CN" dirty="0" smtClean="0"/>
-              <a:t>-o path to </a:t>
-            </a:r>
-            <a:r>
-              <a:rPr lang="en-US" altLang="zh-CN" dirty="0" err="1" smtClean="0"/>
-              <a:t>ouput</a:t>
-            </a:r>
-            <a:r>
-              <a:rPr lang="en-US" altLang="zh-CN" dirty="0" smtClean="0"/>
-              <a:t> prefix name</a:t>
-            </a:r>
-          </a:p>
-          <a:p>
-            <a:r>
-              <a:rPr lang="en-US" altLang="zh-CN" dirty="0" smtClean="0"/>
-              <a:t>-T </a:t>
-            </a:r>
-            <a:r>
-              <a:rPr lang="en-US" altLang="zh-CN" dirty="0" err="1" smtClean="0"/>
-              <a:t>targetpopvcf</a:t>
-            </a:r>
-            <a:r>
-              <a:rPr lang="en-US" altLang="zh-CN" dirty="0"/>
-              <a:t> </a:t>
-            </a:r>
-            <a:r>
-              <a:rPr lang="en-US" altLang="zh-CN" dirty="0" err="1" smtClean="0"/>
-              <a:t>depthconfig</a:t>
-            </a:r>
-            <a:r>
-              <a:rPr lang="en-US" altLang="zh-CN" dirty="0" smtClean="0"/>
-              <a:t> </a:t>
-            </a:r>
-            <a:r>
-              <a:rPr lang="en-US" altLang="zh-CN" dirty="0"/>
-              <a:t>(multiple –R when multiple populations were used, omit when calculate </a:t>
-            </a:r>
-            <a:r>
-              <a:rPr lang="en-US" altLang="zh-CN" dirty="0" err="1" smtClean="0"/>
-              <a:t>Hp</a:t>
-            </a:r>
-            <a:r>
-              <a:rPr lang="en-US" altLang="zh-CN" dirty="0" smtClean="0"/>
-              <a:t>)</a:t>
-            </a:r>
-            <a:endParaRPr lang="en-US" altLang="zh-CN" dirty="0" smtClean="0"/>
-          </a:p>
-          <a:p>
-            <a:r>
-              <a:rPr lang="en-US" altLang="zh-CN" dirty="0" smtClean="0"/>
-              <a:t>-</a:t>
-            </a:r>
-            <a:r>
-              <a:rPr lang="en-US" altLang="zh-CN" dirty="0"/>
-              <a:t>R </a:t>
-            </a:r>
-            <a:r>
-              <a:rPr lang="en-US" altLang="zh-CN" dirty="0" err="1" smtClean="0"/>
-              <a:t>refpopvcf</a:t>
-            </a:r>
-            <a:r>
-              <a:rPr lang="en-US" altLang="zh-CN" dirty="0" smtClean="0"/>
-              <a:t> </a:t>
-            </a:r>
-            <a:r>
-              <a:rPr lang="en-US" altLang="zh-CN" dirty="0" err="1" smtClean="0"/>
-              <a:t>depthconfig</a:t>
-            </a:r>
-            <a:r>
-              <a:rPr lang="en-US" altLang="zh-CN" dirty="0" smtClean="0"/>
-              <a:t> </a:t>
-            </a:r>
-            <a:r>
-              <a:rPr lang="en-US" altLang="zh-CN" dirty="0" smtClean="0"/>
-              <a:t>(multiple)</a:t>
-            </a:r>
-            <a:endParaRPr lang="en-US" altLang="zh-CN" dirty="0"/>
-          </a:p>
-          <a:p>
-            <a:r>
-              <a:rPr lang="en-US" altLang="zh-CN" dirty="0" smtClean="0"/>
-              <a:t>-t </a:t>
-            </a:r>
-            <a:r>
-              <a:rPr lang="en-US" altLang="zh-CN" dirty="0" err="1" smtClean="0"/>
-              <a:t>toplevel_snp_table</a:t>
-            </a:r>
-            <a:r>
-              <a:rPr lang="en-US" altLang="zh-CN" dirty="0" smtClean="0"/>
-              <a:t> (to know ancestral allele and context bases)</a:t>
-            </a:r>
-          </a:p>
-          <a:p>
-            <a:r>
-              <a:rPr lang="en-US" altLang="zh-CN" dirty="0" smtClean="0"/>
-              <a:t>-c/-b multiple chromosome list or bed like file ( -c or –b only one is needed)</a:t>
-            </a:r>
-          </a:p>
-          <a:p>
-            <a:r>
-              <a:rPr lang="en-US" altLang="zh-CN" dirty="0" smtClean="0"/>
-              <a:t>-p type of signal (early, </a:t>
-            </a:r>
-            <a:r>
-              <a:rPr lang="en-US" altLang="zh-CN" dirty="0" err="1" smtClean="0"/>
-              <a:t>hp</a:t>
-            </a:r>
-            <a:r>
-              <a:rPr lang="en-US" altLang="zh-CN" dirty="0" smtClean="0"/>
-              <a:t>, </a:t>
-            </a:r>
-            <a:r>
-              <a:rPr lang="en-US" altLang="zh-CN" dirty="0" err="1" smtClean="0"/>
-              <a:t>Fst</a:t>
-            </a:r>
-            <a:r>
-              <a:rPr lang="en-US" altLang="zh-CN" dirty="0" smtClean="0"/>
-              <a:t>)</a:t>
-            </a:r>
-          </a:p>
-          <a:p>
-            <a:r>
-              <a:rPr lang="en-US" altLang="zh-CN" dirty="0" smtClean="0"/>
-              <a:t>-C </a:t>
-            </a:r>
-            <a:r>
-              <a:rPr lang="en-US" altLang="zh-CN" dirty="0" err="1" smtClean="0"/>
-              <a:t>freq_correlation</a:t>
-            </a:r>
-            <a:r>
-              <a:rPr lang="en-US" altLang="zh-CN" dirty="0"/>
-              <a:t> </a:t>
-            </a:r>
-            <a:r>
-              <a:rPr lang="en-US" altLang="zh-CN" dirty="0" smtClean="0"/>
-              <a:t>file ,for “early” only</a:t>
-            </a:r>
-          </a:p>
-          <a:p>
-            <a:r>
-              <a:rPr lang="en-US" altLang="zh-CN" dirty="0" smtClean="0"/>
-              <a:t>-n number of individuals , for “early” only. Decide to </a:t>
-            </a:r>
-            <a:r>
-              <a:rPr lang="en-US" altLang="zh-CN" dirty="0" err="1" smtClean="0"/>
-              <a:t>divid</a:t>
-            </a:r>
-            <a:r>
-              <a:rPr lang="en-US" altLang="zh-CN" dirty="0" smtClean="0"/>
-              <a:t> frequency in to how many bins</a:t>
-            </a:r>
-          </a:p>
-          <a:p>
-            <a:r>
-              <a:rPr lang="en-US" altLang="zh-CN" dirty="0" smtClean="0"/>
-              <a:t>-1 frequency correlation calculate slaver </a:t>
-            </a:r>
-            <a:r>
-              <a:rPr lang="en-US" altLang="zh-CN" dirty="0" err="1" smtClean="0"/>
-              <a:t>programm</a:t>
-            </a:r>
-            <a:r>
-              <a:rPr lang="en-US" altLang="zh-CN" dirty="0" smtClean="0"/>
-              <a:t> name</a:t>
-            </a:r>
-          </a:p>
-          <a:p>
-            <a:r>
-              <a:rPr lang="en-US" altLang="zh-CN" dirty="0" smtClean="0"/>
-              <a:t>-2 slaver that slide window to calculate signal</a:t>
-            </a:r>
-          </a:p>
-          <a:p>
-            <a:r>
-              <a:rPr lang="en-US" altLang="zh-CN" dirty="0" smtClean="0"/>
-              <a:t>-w window size</a:t>
-            </a:r>
-          </a:p>
-          <a:p>
-            <a:r>
-              <a:rPr lang="en-US" altLang="zh-CN" dirty="0" smtClean="0"/>
-              <a:t>-s slide steps</a:t>
-            </a:r>
-          </a:p>
-        </p:txBody>
-      </p:sp>
-      <p:sp>
-        <p:nvSpPr>
-          <p:cNvPr id="7" name="右大括号 6"/>
-          <p:cNvSpPr/>
-          <p:nvPr/>
-        </p:nvSpPr>
-        <p:spPr>
-          <a:xfrm>
-            <a:off x="3059832" y="1628801"/>
-            <a:ext cx="432048" cy="3612018"/>
-          </a:xfrm>
-          <a:prstGeom prst="rightBrace">
-            <a:avLst>
-              <a:gd name="adj1" fmla="val 8333"/>
-              <a:gd name="adj2" fmla="val 36699"/>
-            </a:avLst>
-          </a:prstGeom>
-        </p:spPr>
-        <p:style>
-          <a:lnRef idx="1">
-            <a:schemeClr val="accent1"/>
-          </a:lnRef>
-          <a:fillRef idx="0">
-            <a:schemeClr val="accent1"/>
-          </a:fillRef>
-          <a:effectRef idx="0">
-            <a:schemeClr val="accent1"/>
-          </a:effectRef>
-          <a:fontRef idx="minor">
-            <a:schemeClr val="tx1"/>
-          </a:fontRef>
-        </p:style>
-        <p:txBody>
-          <a:bodyPr rtlCol="0" anchor="ctr"/>
-          <a:lstStyle/>
-          <a:p>
-            <a:pPr algn="ctr"/>
-            <a:endParaRPr lang="zh-CN" altLang="en-US"/>
-          </a:p>
-        </p:txBody>
-      </p:sp>
-      <p:sp>
-        <p:nvSpPr>
-          <p:cNvPr id="8" name="右箭头 7"/>
-          <p:cNvSpPr/>
-          <p:nvPr/>
-        </p:nvSpPr>
-        <p:spPr>
-          <a:xfrm>
-            <a:off x="5809999" y="2899396"/>
-            <a:ext cx="638092" cy="108012"/>
-          </a:xfrm>
-          <a:prstGeom prst="rightArrow">
-            <a:avLst/>
-          </a:prstGeom>
-        </p:spPr>
-        <p:style>
-          <a:lnRef idx="2">
-            <a:schemeClr val="accent1">
-              <a:shade val="50000"/>
-            </a:schemeClr>
-          </a:lnRef>
-          <a:fillRef idx="1">
-            <a:schemeClr val="accent1"/>
-          </a:fillRef>
-          <a:effectRef idx="0">
-            <a:schemeClr val="accent1"/>
-          </a:effectRef>
-          <a:fontRef idx="minor">
-            <a:schemeClr val="lt1"/>
-          </a:fontRef>
-        </p:style>
-        <p:txBody>
-          <a:bodyPr rtlCol="0" anchor="ctr"/>
-          <a:lstStyle/>
-          <a:p>
-            <a:pPr algn="ctr"/>
-            <a:endParaRPr lang="zh-CN" altLang="en-US"/>
-          </a:p>
-        </p:txBody>
-      </p:sp>
-      <p:sp>
-        <p:nvSpPr>
-          <p:cNvPr id="9" name="右箭头 8"/>
-          <p:cNvSpPr/>
-          <p:nvPr/>
-        </p:nvSpPr>
-        <p:spPr>
-          <a:xfrm>
-            <a:off x="3534989" y="2899396"/>
-            <a:ext cx="539552" cy="108012"/>
-          </a:xfrm>
-          <a:prstGeom prst="rightArrow">
-            <a:avLst/>
-          </a:prstGeom>
-        </p:spPr>
-        <p:style>
-          <a:lnRef idx="2">
-            <a:schemeClr val="accent1">
-              <a:shade val="50000"/>
-            </a:schemeClr>
-          </a:lnRef>
-          <a:fillRef idx="1">
-            <a:schemeClr val="accent1"/>
-          </a:fillRef>
-          <a:effectRef idx="0">
-            <a:schemeClr val="accent1"/>
-          </a:effectRef>
-          <a:fontRef idx="minor">
-            <a:schemeClr val="lt1"/>
-          </a:fontRef>
-        </p:style>
-        <p:txBody>
-          <a:bodyPr rtlCol="0" anchor="ctr"/>
-          <a:lstStyle/>
-          <a:p>
-            <a:pPr algn="ctr"/>
-            <a:endParaRPr lang="zh-CN" altLang="en-US"/>
-          </a:p>
-        </p:txBody>
-      </p:sp>
-      <p:sp>
-        <p:nvSpPr>
-          <p:cNvPr id="10" name="TextBox 9"/>
-          <p:cNvSpPr txBox="1"/>
-          <p:nvPr/>
-        </p:nvSpPr>
-        <p:spPr>
-          <a:xfrm>
-            <a:off x="3275856" y="2539356"/>
-            <a:ext cx="798685" cy="369332"/>
-          </a:xfrm>
-          <a:prstGeom prst="rect">
-            <a:avLst/>
-          </a:prstGeom>
-          <a:noFill/>
-        </p:spPr>
-        <p:txBody>
-          <a:bodyPr wrap="square" rtlCol="0">
-            <a:spAutoFit/>
-          </a:bodyPr>
-          <a:lstStyle/>
-          <a:p>
-            <a:r>
-              <a:rPr lang="en-US" altLang="zh-CN" dirty="0" smtClean="0"/>
-              <a:t>input</a:t>
-            </a:r>
-            <a:endParaRPr lang="zh-CN" altLang="en-US" dirty="0"/>
-          </a:p>
-        </p:txBody>
-      </p:sp>
-      <p:sp>
-        <p:nvSpPr>
-          <p:cNvPr id="11" name="TextBox 10"/>
-          <p:cNvSpPr txBox="1"/>
-          <p:nvPr/>
-        </p:nvSpPr>
-        <p:spPr>
-          <a:xfrm>
-            <a:off x="6907224" y="2576230"/>
-            <a:ext cx="2232248" cy="646331"/>
-          </a:xfrm>
-          <a:prstGeom prst="rect">
-            <a:avLst/>
-          </a:prstGeom>
-          <a:noFill/>
-        </p:spPr>
-        <p:txBody>
-          <a:bodyPr wrap="square" rtlCol="0">
-            <a:spAutoFit/>
-          </a:bodyPr>
-          <a:lstStyle/>
-          <a:p>
-            <a:r>
-              <a:rPr lang="en-US" altLang="zh-CN" dirty="0" err="1" smtClean="0"/>
-              <a:t>winfile</a:t>
-            </a:r>
-            <a:endParaRPr lang="en-US" altLang="zh-CN" dirty="0" smtClean="0"/>
-          </a:p>
-          <a:p>
-            <a:r>
-              <a:rPr lang="en-US" altLang="zh-CN" dirty="0"/>
-              <a:t>(</a:t>
-            </a:r>
-            <a:r>
-              <a:rPr lang="en-US" altLang="zh-CN" dirty="0" err="1" smtClean="0"/>
-              <a:t>freq_correlation</a:t>
-            </a:r>
-            <a:r>
-              <a:rPr lang="en-US" altLang="zh-CN" dirty="0" smtClean="0"/>
-              <a:t>  file)</a:t>
-            </a:r>
-          </a:p>
-        </p:txBody>
-      </p:sp>
-      <p:sp>
-        <p:nvSpPr>
-          <p:cNvPr id="12" name="TextBox 11"/>
-          <p:cNvSpPr txBox="1"/>
-          <p:nvPr/>
-        </p:nvSpPr>
-        <p:spPr>
-          <a:xfrm>
-            <a:off x="5802733" y="2564904"/>
-            <a:ext cx="915918" cy="369332"/>
-          </a:xfrm>
-          <a:prstGeom prst="rect">
-            <a:avLst/>
-          </a:prstGeom>
-          <a:noFill/>
-        </p:spPr>
-        <p:txBody>
-          <a:bodyPr wrap="square" rtlCol="0">
-            <a:spAutoFit/>
-          </a:bodyPr>
-          <a:lstStyle/>
-          <a:p>
-            <a:r>
-              <a:rPr lang="en-US" altLang="zh-CN" dirty="0" smtClean="0"/>
-              <a:t>output</a:t>
-            </a:r>
-            <a:endParaRPr lang="zh-CN" altLang="en-US" dirty="0"/>
-          </a:p>
-        </p:txBody>
-      </p:sp>
-      <p:sp>
-        <p:nvSpPr>
-          <p:cNvPr id="13" name="左大括号 12"/>
-          <p:cNvSpPr/>
-          <p:nvPr/>
-        </p:nvSpPr>
-        <p:spPr>
-          <a:xfrm>
-            <a:off x="6530079" y="2060848"/>
-            <a:ext cx="377145" cy="1800200"/>
-          </a:xfrm>
-          <a:prstGeom prst="leftBrace">
-            <a:avLst/>
-          </a:prstGeom>
-        </p:spPr>
-        <p:style>
-          <a:lnRef idx="1">
-            <a:schemeClr val="accent1"/>
-          </a:lnRef>
-          <a:fillRef idx="0">
-            <a:schemeClr val="accent1"/>
-          </a:fillRef>
-          <a:effectRef idx="0">
-            <a:schemeClr val="accent1"/>
-          </a:effectRef>
-          <a:fontRef idx="minor">
-            <a:schemeClr val="tx1"/>
-          </a:fontRef>
-        </p:style>
-        <p:txBody>
-          <a:bodyPr rtlCol="0" anchor="ctr"/>
-          <a:lstStyle/>
-          <a:p>
-            <a:pPr algn="ctr"/>
-            <a:endParaRPr lang="zh-CN" altLang="en-US"/>
-          </a:p>
-        </p:txBody>
-      </p:sp>
+        </p:spPr>
+      </p:pic>
       <p:cxnSp>
         <p:nvCxnSpPr>
-          <p:cNvPr id="14" name="直接箭头连接符 13"/>
+          <p:cNvPr id="14" name="肘形连接符 13"/>
           <p:cNvCxnSpPr/>
           <p:nvPr/>
         </p:nvCxnSpPr>
         <p:spPr>
-          <a:xfrm flipH="1">
-            <a:off x="3975991" y="3475460"/>
-            <a:ext cx="425450" cy="1396027"/>
-          </a:xfrm>
-          <a:prstGeom prst="straightConnector1">
-            <a:avLst/>
+          <a:xfrm rot="16200000" flipH="1">
+            <a:off x="6540289" y="2356904"/>
+            <a:ext cx="1584176" cy="560015"/>
+          </a:xfrm>
+          <a:prstGeom prst="bentConnector3">
+            <a:avLst>
+              <a:gd name="adj1" fmla="val -506"/>
+            </a:avLst>
           </a:prstGeom>
           <a:ln>
             <a:tailEnd type="arrow"/>
@@ -7386,90 +9963,21 @@
           </a:fontRef>
         </p:style>
       </p:cxnSp>
-      <p:cxnSp>
-        <p:nvCxnSpPr>
-          <p:cNvPr id="15" name="直接箭头连接符 14"/>
-          <p:cNvCxnSpPr/>
-          <p:nvPr/>
-        </p:nvCxnSpPr>
-        <p:spPr>
-          <a:xfrm>
-            <a:off x="4788024" y="3575343"/>
-            <a:ext cx="0" cy="1296144"/>
-          </a:xfrm>
-          <a:prstGeom prst="straightConnector1">
-            <a:avLst/>
-          </a:prstGeom>
-          <a:ln>
-            <a:tailEnd type="arrow"/>
-          </a:ln>
-        </p:spPr>
-        <p:style>
-          <a:lnRef idx="1">
-            <a:schemeClr val="accent1"/>
-          </a:lnRef>
-          <a:fillRef idx="0">
-            <a:schemeClr val="accent1"/>
-          </a:fillRef>
-          <a:effectRef idx="0">
-            <a:schemeClr val="accent1"/>
-          </a:effectRef>
-          <a:fontRef idx="minor">
-            <a:schemeClr val="tx1"/>
-          </a:fontRef>
-        </p:style>
-      </p:cxnSp>
-      <p:cxnSp>
-        <p:nvCxnSpPr>
-          <p:cNvPr id="16" name="直接箭头连接符 15"/>
-          <p:cNvCxnSpPr/>
-          <p:nvPr/>
-        </p:nvCxnSpPr>
-        <p:spPr>
-          <a:xfrm>
-            <a:off x="5249144" y="3575343"/>
-            <a:ext cx="373903" cy="1296144"/>
-          </a:xfrm>
-          <a:prstGeom prst="straightConnector1">
-            <a:avLst/>
-          </a:prstGeom>
-          <a:ln>
-            <a:tailEnd type="arrow"/>
-          </a:ln>
-        </p:spPr>
-        <p:style>
-          <a:lnRef idx="1">
-            <a:schemeClr val="accent1"/>
-          </a:lnRef>
-          <a:fillRef idx="0">
-            <a:schemeClr val="accent1"/>
-          </a:fillRef>
-          <a:effectRef idx="0">
-            <a:schemeClr val="accent1"/>
-          </a:effectRef>
-          <a:fontRef idx="minor">
-            <a:schemeClr val="tx1"/>
-          </a:fontRef>
-        </p:style>
-      </p:cxnSp>
-      <p:sp>
-        <p:nvSpPr>
-          <p:cNvPr id="17" name="TextBox 16"/>
+      <p:sp>
+        <p:nvSpPr>
+          <p:cNvPr id="18" name="TextBox 17"/>
           <p:cNvSpPr txBox="1"/>
           <p:nvPr/>
         </p:nvSpPr>
         <p:spPr>
           <a:xfrm>
-            <a:off x="4188716" y="4029457"/>
-            <a:ext cx="1247379" cy="369332"/>
+            <a:off x="539552" y="6021288"/>
+            <a:ext cx="4392488" cy="646331"/>
           </a:xfrm>
           <a:prstGeom prst="rect">
             <a:avLst/>
           </a:prstGeom>
           <a:noFill/>
-          <a:ln>
-            <a:noFill/>
-          </a:ln>
         </p:spPr>
         <p:txBody>
           <a:bodyPr wrap="square" rtlCol="0">
@@ -7478,293 +9986,12 @@
           <a:lstStyle/>
           <a:p>
             <a:r>
-              <a:rPr lang="en-US" altLang="zh-CN" dirty="0" smtClean="0">
-                <a:solidFill>
-                  <a:schemeClr val="tx2">
-                    <a:lumMod val="60000"/>
-                    <a:lumOff val="40000"/>
-                  </a:schemeClr>
-                </a:solidFill>
-              </a:rPr>
-              <a:t>. . .       . . .</a:t>
-            </a:r>
-            <a:endParaRPr lang="zh-CN" altLang="en-US" dirty="0">
-              <a:solidFill>
-                <a:schemeClr val="tx2">
-                  <a:lumMod val="60000"/>
-                  <a:lumOff val="40000"/>
-                </a:schemeClr>
-              </a:solidFill>
-            </a:endParaRPr>
-          </a:p>
-        </p:txBody>
-      </p:sp>
-      <p:sp>
-        <p:nvSpPr>
-          <p:cNvPr id="18" name="TextBox 17"/>
-          <p:cNvSpPr txBox="1"/>
-          <p:nvPr/>
-        </p:nvSpPr>
-        <p:spPr>
-          <a:xfrm>
-            <a:off x="3604795" y="4871487"/>
-            <a:ext cx="651460" cy="369332"/>
-          </a:xfrm>
-          <a:prstGeom prst="rect">
-            <a:avLst/>
-          </a:prstGeom>
-          <a:noFill/>
-        </p:spPr>
-        <p:txBody>
-          <a:bodyPr wrap="none" rtlCol="0">
-            <a:spAutoFit/>
-          </a:bodyPr>
-          <a:lstStyle/>
-          <a:p>
-            <a:r>
-              <a:rPr lang="en-US" altLang="zh-CN" dirty="0" smtClean="0"/>
-              <a:t>slave</a:t>
-            </a:r>
-            <a:endParaRPr lang="zh-CN" altLang="en-US" dirty="0"/>
-          </a:p>
-        </p:txBody>
-      </p:sp>
-      <p:sp>
-        <p:nvSpPr>
-          <p:cNvPr id="19" name="TextBox 18"/>
-          <p:cNvSpPr txBox="1"/>
-          <p:nvPr/>
-        </p:nvSpPr>
-        <p:spPr>
-          <a:xfrm>
-            <a:off x="4462294" y="4871487"/>
-            <a:ext cx="651460" cy="369332"/>
-          </a:xfrm>
-          <a:prstGeom prst="rect">
-            <a:avLst/>
-          </a:prstGeom>
-          <a:noFill/>
-        </p:spPr>
-        <p:txBody>
-          <a:bodyPr wrap="none" rtlCol="0">
-            <a:spAutoFit/>
-          </a:bodyPr>
-          <a:lstStyle/>
-          <a:p>
-            <a:r>
-              <a:rPr lang="en-US" altLang="zh-CN" dirty="0" smtClean="0"/>
-              <a:t>slave</a:t>
-            </a:r>
-            <a:endParaRPr lang="zh-CN" altLang="en-US" dirty="0"/>
-          </a:p>
-        </p:txBody>
-      </p:sp>
-      <p:sp>
-        <p:nvSpPr>
-          <p:cNvPr id="20" name="TextBox 19"/>
-          <p:cNvSpPr txBox="1"/>
-          <p:nvPr/>
-        </p:nvSpPr>
-        <p:spPr>
-          <a:xfrm>
-            <a:off x="5297317" y="4871487"/>
-            <a:ext cx="651460" cy="369332"/>
-          </a:xfrm>
-          <a:prstGeom prst="rect">
-            <a:avLst/>
-          </a:prstGeom>
-          <a:noFill/>
-        </p:spPr>
-        <p:txBody>
-          <a:bodyPr wrap="none" rtlCol="0">
-            <a:spAutoFit/>
-          </a:bodyPr>
-          <a:lstStyle/>
-          <a:p>
-            <a:r>
-              <a:rPr lang="en-US" altLang="zh-CN" dirty="0" smtClean="0"/>
-              <a:t>slave</a:t>
-            </a:r>
-            <a:endParaRPr lang="zh-CN" altLang="en-US" dirty="0"/>
-          </a:p>
-        </p:txBody>
-      </p:sp>
-      <p:sp>
-        <p:nvSpPr>
-          <p:cNvPr id="21" name="左弧形箭头 20"/>
-          <p:cNvSpPr/>
-          <p:nvPr/>
-        </p:nvSpPr>
-        <p:spPr>
-          <a:xfrm rot="11639433">
-            <a:off x="5260879" y="3203804"/>
-            <a:ext cx="860480" cy="2776383"/>
-          </a:xfrm>
-          <a:prstGeom prst="curvedRightArrow">
-            <a:avLst/>
-          </a:prstGeom>
-        </p:spPr>
-        <p:style>
-          <a:lnRef idx="2">
-            <a:schemeClr val="accent1">
-              <a:shade val="50000"/>
-            </a:schemeClr>
-          </a:lnRef>
-          <a:fillRef idx="1">
-            <a:schemeClr val="accent1"/>
-          </a:fillRef>
-          <a:effectRef idx="0">
-            <a:schemeClr val="accent1"/>
-          </a:effectRef>
-          <a:fontRef idx="minor">
-            <a:schemeClr val="lt1"/>
-          </a:fontRef>
-        </p:style>
-        <p:txBody>
-          <a:bodyPr rtlCol="0" anchor="ctr"/>
-          <a:lstStyle/>
-          <a:p>
-            <a:pPr algn="ctr"/>
-            <a:endParaRPr lang="zh-CN" altLang="en-US">
-              <a:solidFill>
-                <a:schemeClr val="tx1"/>
-              </a:solidFill>
-            </a:endParaRPr>
-          </a:p>
-        </p:txBody>
-      </p:sp>
-      <p:cxnSp>
-        <p:nvCxnSpPr>
-          <p:cNvPr id="22" name="直接箭头连接符 21"/>
-          <p:cNvCxnSpPr/>
-          <p:nvPr/>
-        </p:nvCxnSpPr>
-        <p:spPr>
-          <a:xfrm>
-            <a:off x="3930525" y="5240819"/>
-            <a:ext cx="641475" cy="383615"/>
-          </a:xfrm>
-          <a:prstGeom prst="straightConnector1">
-            <a:avLst/>
-          </a:prstGeom>
-          <a:ln>
-            <a:tailEnd type="arrow"/>
-          </a:ln>
-        </p:spPr>
-        <p:style>
-          <a:lnRef idx="1">
-            <a:schemeClr val="accent1"/>
-          </a:lnRef>
-          <a:fillRef idx="0">
-            <a:schemeClr val="accent1"/>
-          </a:fillRef>
-          <a:effectRef idx="0">
-            <a:schemeClr val="accent1"/>
-          </a:effectRef>
-          <a:fontRef idx="minor">
-            <a:schemeClr val="tx1"/>
-          </a:fontRef>
-        </p:style>
-      </p:cxnSp>
-      <p:cxnSp>
-        <p:nvCxnSpPr>
-          <p:cNvPr id="23" name="直接箭头连接符 22"/>
-          <p:cNvCxnSpPr/>
-          <p:nvPr/>
-        </p:nvCxnSpPr>
-        <p:spPr>
-          <a:xfrm>
-            <a:off x="4788024" y="5240819"/>
-            <a:ext cx="0" cy="383615"/>
-          </a:xfrm>
-          <a:prstGeom prst="straightConnector1">
-            <a:avLst/>
-          </a:prstGeom>
-          <a:ln>
-            <a:tailEnd type="arrow"/>
-          </a:ln>
-        </p:spPr>
-        <p:style>
-          <a:lnRef idx="1">
-            <a:schemeClr val="accent1"/>
-          </a:lnRef>
-          <a:fillRef idx="0">
-            <a:schemeClr val="accent1"/>
-          </a:fillRef>
-          <a:effectRef idx="0">
-            <a:schemeClr val="accent1"/>
-          </a:effectRef>
-          <a:fontRef idx="minor">
-            <a:schemeClr val="tx1"/>
-          </a:fontRef>
-        </p:style>
-      </p:cxnSp>
-      <p:cxnSp>
-        <p:nvCxnSpPr>
-          <p:cNvPr id="24" name="直接箭头连接符 23"/>
-          <p:cNvCxnSpPr/>
-          <p:nvPr/>
-        </p:nvCxnSpPr>
-        <p:spPr>
-          <a:xfrm flipH="1">
-            <a:off x="4938637" y="5240819"/>
-            <a:ext cx="621939" cy="383615"/>
-          </a:xfrm>
-          <a:prstGeom prst="straightConnector1">
-            <a:avLst/>
-          </a:prstGeom>
-          <a:ln>
-            <a:tailEnd type="arrow"/>
-          </a:ln>
-        </p:spPr>
-        <p:style>
-          <a:lnRef idx="1">
-            <a:schemeClr val="accent1"/>
-          </a:lnRef>
-          <a:fillRef idx="0">
-            <a:schemeClr val="accent1"/>
-          </a:fillRef>
-          <a:effectRef idx="0">
-            <a:schemeClr val="accent1"/>
-          </a:effectRef>
-          <a:fontRef idx="minor">
-            <a:schemeClr val="tx1"/>
-          </a:fontRef>
-        </p:style>
-      </p:cxnSp>
-      <p:sp>
-        <p:nvSpPr>
-          <p:cNvPr id="25" name="TextBox 24"/>
-          <p:cNvSpPr txBox="1"/>
-          <p:nvPr/>
-        </p:nvSpPr>
-        <p:spPr>
-          <a:xfrm>
-            <a:off x="3230955" y="5733256"/>
-            <a:ext cx="3861325" cy="1200329"/>
-          </a:xfrm>
-          <a:prstGeom prst="rect">
-            <a:avLst/>
-          </a:prstGeom>
-          <a:noFill/>
-        </p:spPr>
-        <p:txBody>
-          <a:bodyPr wrap="square" rtlCol="0">
-            <a:spAutoFit/>
-          </a:bodyPr>
-          <a:lstStyle/>
-          <a:p>
-            <a:r>
-              <a:rPr lang="en-US" altLang="zh-CN" dirty="0" smtClean="0"/>
-              <a:t>Whole genome was divided into multiple chromosomes or scaffolds (-c). And each scaffold was calculated by Slave </a:t>
+              <a:rPr lang="en-US" altLang="zh-CN" dirty="0" smtClean="0"/>
+              <a:t>All those (output, scripts) folders and scripts were produce </a:t>
             </a:r>
             <a:r>
               <a:rPr lang="en-US" altLang="zh-CN" dirty="0" err="1" smtClean="0"/>
-              <a:t>programm</a:t>
-            </a:r>
-            <a:r>
-              <a:rPr lang="en-US" altLang="zh-CN" dirty="0" smtClean="0"/>
-              <a:t> simultaneously. </a:t>
+              <a:t>automaticly</a:t>
             </a:r>
             <a:endParaRPr lang="zh-CN" altLang="en-US" dirty="0"/>
           </a:p>
@@ -7773,7 +10000,7 @@
     </p:spTree>
     <p:extLst>
       <p:ext uri="{BB962C8B-B14F-4D97-AF65-F5344CB8AC3E}">
-        <p14:creationId xmlns:p14="http://schemas.microsoft.com/office/powerpoint/2010/main" val="3455380252"/>
+        <p14:creationId xmlns:p14="http://schemas.microsoft.com/office/powerpoint/2010/main" val="3105647256"/>
       </p:ext>
     </p:extLst>
   </p:cSld>
@@ -7812,14 +10039,16 @@
         </p:nvSpPr>
         <p:spPr/>
         <p:txBody>
-          <a:bodyPr/>
-          <a:lstStyle/>
-          <a:p>
-            <a:r>
-              <a:rPr lang="en-US" altLang="zh-CN" dirty="0" smtClean="0"/>
-              <a:t>usage</a:t>
-            </a:r>
-            <a:endParaRPr lang="zh-CN" altLang="en-US" dirty="0"/>
+          <a:bodyPr>
+            <a:normAutofit/>
+          </a:bodyPr>
+          <a:lstStyle/>
+          <a:p>
+            <a:r>
+              <a:rPr lang="en-US" altLang="zh-CN" sz="4000" b="1" dirty="0" smtClean="0"/>
+              <a:t>3. task management module</a:t>
+            </a:r>
+            <a:endParaRPr lang="zh-CN" altLang="en-US" sz="4000" b="1" dirty="0"/>
           </a:p>
         </p:txBody>
       </p:sp>
@@ -7835,327 +10064,72 @@
         </p:nvSpPr>
         <p:spPr/>
         <p:txBody>
-          <a:bodyPr>
-            <a:noAutofit/>
-          </a:bodyPr>
-          <a:lstStyle/>
-          <a:p>
-            <a:r>
-              <a:rPr lang="en-US" altLang="zh-CN" sz="1800" dirty="0" smtClean="0"/>
-              <a:t>Python-3.3.3/python life/src/NGS/Analysis/</a:t>
-            </a:r>
-            <a:r>
-              <a:rPr lang="en-US" altLang="zh-CN" sz="1800" dirty="0"/>
-              <a:t>Detectsignalacrossgenome_master.</a:t>
-            </a:r>
-            <a:r>
-              <a:rPr lang="en-US" altLang="zh-CN" sz="1800" dirty="0" smtClean="0"/>
-              <a:t>py </a:t>
-            </a:r>
-            <a:r>
-              <a:rPr lang="en-US" altLang="zh-CN" sz="1800" dirty="0"/>
-              <a:t>-o /</a:t>
-            </a:r>
-            <a:r>
-              <a:rPr lang="en-US" altLang="zh-CN" sz="1800" dirty="0" smtClean="0"/>
-              <a:t>home/</a:t>
-            </a:r>
-            <a:r>
-              <a:rPr lang="en-US" altLang="zh-CN" sz="1800" dirty="0" err="1" smtClean="0"/>
-              <a:t>bioinfo</a:t>
-            </a:r>
-            <a:r>
-              <a:rPr lang="en-US" altLang="zh-CN" sz="1800" dirty="0" smtClean="0"/>
-              <a:t>/</a:t>
-            </a:r>
-            <a:r>
-              <a:rPr lang="en-US" altLang="zh-CN" sz="1800" dirty="0" err="1" smtClean="0"/>
-              <a:t>liurui</a:t>
-            </a:r>
-            <a:r>
-              <a:rPr lang="en-US" altLang="zh-CN" sz="1800" dirty="0" smtClean="0"/>
-              <a:t>/data/</a:t>
-            </a:r>
-            <a:r>
-              <a:rPr lang="en-US" altLang="zh-CN" sz="1800" dirty="0" err="1" smtClean="0"/>
-              <a:t>detectselection</a:t>
-            </a:r>
-            <a:r>
-              <a:rPr lang="en-US" altLang="zh-CN" sz="1800" dirty="0" smtClean="0"/>
-              <a:t>/</a:t>
-            </a:r>
-            <a:r>
-              <a:rPr lang="en-US" altLang="zh-CN" sz="1800" dirty="0" err="1" smtClean="0"/>
-              <a:t>uniqmap</a:t>
-            </a:r>
-            <a:r>
-              <a:rPr lang="en-US" altLang="zh-CN" sz="1800" dirty="0" smtClean="0"/>
-              <a:t>/</a:t>
-            </a:r>
-            <a:r>
-              <a:rPr lang="en-US" altLang="zh-CN" sz="1800" dirty="0" err="1" smtClean="0"/>
-              <a:t>earlystageselectivesweep</a:t>
-            </a:r>
-            <a:r>
-              <a:rPr lang="en-US" altLang="zh-CN" sz="1800" dirty="0" smtClean="0"/>
-              <a:t>/</a:t>
-            </a:r>
-            <a:r>
-              <a:rPr lang="en-US" altLang="zh-CN" sz="1800" dirty="0" err="1" smtClean="0"/>
-              <a:t>finaleditionfromproducetoslidwin</a:t>
-            </a:r>
-            <a:r>
-              <a:rPr lang="en-US" altLang="zh-CN" sz="1800" dirty="0" smtClean="0"/>
-              <a:t>  -</a:t>
-            </a:r>
-            <a:r>
-              <a:rPr lang="en-US" altLang="zh-CN" sz="1800" dirty="0"/>
-              <a:t>n 14  -t mspsgjlksy10pop_toplevel_pekingduckref -T </a:t>
-            </a:r>
-            <a:r>
-              <a:rPr lang="en-US" altLang="zh-CN" sz="1800" dirty="0" err="1" smtClean="0"/>
-              <a:t>mallard.VCFBAMconfig</a:t>
-            </a:r>
-            <a:r>
-              <a:rPr lang="en-US" altLang="zh-CN" sz="1800" dirty="0" smtClean="0"/>
-              <a:t> </a:t>
-            </a:r>
-            <a:r>
-              <a:rPr lang="en-US" altLang="zh-CN" sz="1800" dirty="0"/>
-              <a:t>-T </a:t>
-            </a:r>
-            <a:r>
-              <a:rPr lang="en-US" altLang="zh-CN" sz="1800" dirty="0" err="1" smtClean="0"/>
-              <a:t>spotbilled.VCFBAMconfig</a:t>
-            </a:r>
-            <a:r>
-              <a:rPr lang="en-US" altLang="zh-CN" sz="1800" dirty="0" smtClean="0"/>
-              <a:t> </a:t>
-            </a:r>
-            <a:r>
-              <a:rPr lang="en-US" altLang="zh-CN" sz="1800" dirty="0"/>
-              <a:t>-R </a:t>
-            </a:r>
-            <a:r>
-              <a:rPr lang="en-US" altLang="zh-CN" sz="1800" dirty="0" err="1" smtClean="0"/>
-              <a:t>gaoyou.VCFBAMconfig</a:t>
-            </a:r>
-            <a:r>
-              <a:rPr lang="en-US" altLang="zh-CN" sz="1800" dirty="0" smtClean="0"/>
-              <a:t> </a:t>
-            </a:r>
-            <a:r>
-              <a:rPr lang="en-US" altLang="zh-CN" sz="1800" dirty="0"/>
-              <a:t>-R </a:t>
-            </a:r>
-            <a:r>
-              <a:rPr lang="en-US" altLang="zh-CN" sz="1800" dirty="0" err="1" smtClean="0"/>
-              <a:t>lianchengbai.VCFBAMconfig</a:t>
-            </a:r>
-            <a:r>
-              <a:rPr lang="en-US" altLang="zh-CN" sz="1800" dirty="0" smtClean="0"/>
-              <a:t> </a:t>
-            </a:r>
-            <a:r>
-              <a:rPr lang="en-US" altLang="zh-CN" sz="1800" dirty="0"/>
-              <a:t>-R </a:t>
-            </a:r>
-            <a:r>
-              <a:rPr lang="en-US" altLang="zh-CN" sz="1800" dirty="0" err="1" smtClean="0"/>
-              <a:t>jinding.VCFBAMconfig</a:t>
-            </a:r>
-            <a:r>
-              <a:rPr lang="en-US" altLang="zh-CN" sz="1800" dirty="0" smtClean="0"/>
-              <a:t> </a:t>
-            </a:r>
-            <a:r>
-              <a:rPr lang="en-US" altLang="zh-CN" sz="1800" dirty="0"/>
-              <a:t>-R </a:t>
-            </a:r>
-            <a:r>
-              <a:rPr lang="en-US" altLang="zh-CN" sz="1800" dirty="0" err="1" smtClean="0"/>
-              <a:t>campbell.VCFBAMconfig</a:t>
-            </a:r>
-            <a:r>
-              <a:rPr lang="en-US" altLang="zh-CN" sz="1800" dirty="0" smtClean="0"/>
-              <a:t> </a:t>
-            </a:r>
-            <a:r>
-              <a:rPr lang="en-US" altLang="zh-CN" sz="1800" dirty="0"/>
-              <a:t>-R </a:t>
-            </a:r>
-            <a:r>
-              <a:rPr lang="en-US" altLang="zh-CN" sz="1800" dirty="0" err="1" smtClean="0"/>
-              <a:t>cherryvalley.VCFBAMconfig</a:t>
-            </a:r>
-            <a:r>
-              <a:rPr lang="en-US" altLang="zh-CN" sz="1800" dirty="0" smtClean="0"/>
-              <a:t> </a:t>
-            </a:r>
-            <a:r>
-              <a:rPr lang="en-US" altLang="zh-CN" sz="1800" dirty="0"/>
-              <a:t>-R </a:t>
-            </a:r>
-            <a:r>
-              <a:rPr lang="en-US" altLang="zh-CN" sz="1800" dirty="0" err="1" smtClean="0"/>
-              <a:t>beijing.VCFBAMconfig</a:t>
-            </a:r>
-            <a:r>
-              <a:rPr lang="en-US" altLang="zh-CN" sz="1800" dirty="0" smtClean="0"/>
-              <a:t> </a:t>
-            </a:r>
-            <a:r>
-              <a:rPr lang="en-US" altLang="zh-CN" sz="1800" dirty="0"/>
-              <a:t>-R </a:t>
-            </a:r>
-            <a:r>
-              <a:rPr lang="en-US" altLang="zh-CN" sz="1800" dirty="0" err="1" smtClean="0"/>
-              <a:t>shaoxing.VCFBAMconfig</a:t>
-            </a:r>
-            <a:r>
-              <a:rPr lang="en-US" altLang="zh-CN" sz="1800" dirty="0" smtClean="0"/>
-              <a:t> </a:t>
-            </a:r>
-            <a:r>
-              <a:rPr lang="en-US" altLang="zh-CN" sz="1800" dirty="0"/>
-              <a:t>-R </a:t>
-            </a:r>
-            <a:r>
-              <a:rPr lang="en-US" altLang="zh-CN" sz="1800" dirty="0" err="1" smtClean="0"/>
-              <a:t>shanma.VCFBAMconfig</a:t>
-            </a:r>
-            <a:r>
-              <a:rPr lang="en-US" altLang="zh-CN" sz="1800" dirty="0" smtClean="0"/>
-              <a:t> </a:t>
-            </a:r>
-            <a:r>
-              <a:rPr lang="en-US" altLang="zh-CN" sz="1800" dirty="0"/>
-              <a:t>-w 20000 -s 10000 -c </a:t>
-            </a:r>
-            <a:r>
-              <a:rPr lang="en-US" altLang="zh-CN" sz="1800" dirty="0" smtClean="0"/>
-              <a:t>pekingduckchrominfo.autosomescaffolds_1  </a:t>
-            </a:r>
-            <a:r>
-              <a:rPr lang="en-US" altLang="zh-CN" sz="1800" dirty="0"/>
-              <a:t>-c </a:t>
-            </a:r>
-            <a:r>
-              <a:rPr lang="en-US" altLang="zh-CN" sz="1800" dirty="0" smtClean="0"/>
-              <a:t>pekingduckchrominfo.autosomescaffolds_2  -</a:t>
-            </a:r>
-            <a:r>
-              <a:rPr lang="en-US" altLang="zh-CN" sz="1800" dirty="0"/>
-              <a:t>c </a:t>
-            </a:r>
-            <a:r>
-              <a:rPr lang="en-US" altLang="zh-CN" sz="1800" dirty="0" smtClean="0"/>
-              <a:t>pekingduckchrominfo.autosomescaffolds_3   -</a:t>
-            </a:r>
-            <a:r>
-              <a:rPr lang="en-US" altLang="zh-CN" sz="1800" dirty="0"/>
-              <a:t>c </a:t>
-            </a:r>
-            <a:r>
-              <a:rPr lang="en-US" altLang="zh-CN" sz="1800" dirty="0" smtClean="0"/>
-              <a:t>pekingduckchrominfo.autosomescaffolds_4  -</a:t>
-            </a:r>
-            <a:r>
-              <a:rPr lang="en-US" altLang="zh-CN" sz="1800" dirty="0"/>
-              <a:t>c </a:t>
-            </a:r>
-            <a:r>
-              <a:rPr lang="en-US" altLang="zh-CN" sz="1800" dirty="0" smtClean="0"/>
-              <a:t>pekingduckchrominfo.autosomescaffolds_5   -</a:t>
-            </a:r>
-            <a:r>
-              <a:rPr lang="en-US" altLang="zh-CN" sz="1800" dirty="0"/>
-              <a:t>c </a:t>
-            </a:r>
-            <a:r>
-              <a:rPr lang="en-US" altLang="zh-CN" sz="1800" dirty="0" smtClean="0"/>
-              <a:t>pekingduckchrominfo.autosomescaffolds_6  </a:t>
-            </a:r>
-            <a:r>
-              <a:rPr lang="en-US" altLang="zh-CN" sz="1800" dirty="0"/>
-              <a:t>-c </a:t>
-            </a:r>
-            <a:r>
-              <a:rPr lang="en-US" altLang="zh-CN" sz="1800" dirty="0" smtClean="0"/>
-              <a:t>pekingduckchrominfo.autosomescaffolds_7  -</a:t>
-            </a:r>
-            <a:r>
-              <a:rPr lang="en-US" altLang="zh-CN" sz="1800" dirty="0"/>
-              <a:t>c </a:t>
-            </a:r>
-            <a:r>
-              <a:rPr lang="en-US" altLang="zh-CN" sz="1800" dirty="0" smtClean="0"/>
-              <a:t>pekingduckchrominfo.autosomescaffolds_8  </a:t>
-            </a:r>
-            <a:r>
-              <a:rPr lang="en-US" altLang="zh-CN" sz="1800" dirty="0"/>
-              <a:t>-1 </a:t>
-            </a:r>
-            <a:r>
-              <a:rPr lang="en-US" altLang="zh-CN" sz="1800" dirty="0" smtClean="0"/>
-              <a:t>life/src/NGS/Slave/Detectsignalacrossgenome_producecorrelation_slave.py </a:t>
-            </a:r>
-            <a:r>
-              <a:rPr lang="en-US" altLang="zh-CN" sz="1800" dirty="0"/>
-              <a:t>-2 life/src/NGS/Slave/Detectsignalacrossgenome_slidewin_slave.py -p early</a:t>
-            </a:r>
-            <a:endParaRPr lang="zh-CN" altLang="en-US" sz="1800" dirty="0"/>
-          </a:p>
-        </p:txBody>
-      </p:sp>
-      <p:sp>
-        <p:nvSpPr>
-          <p:cNvPr id="5" name="TextBox 4"/>
-          <p:cNvSpPr txBox="1"/>
-          <p:nvPr/>
-        </p:nvSpPr>
-        <p:spPr>
-          <a:xfrm>
-            <a:off x="0" y="0"/>
-            <a:ext cx="9139472" cy="369332"/>
-          </a:xfrm>
-          <a:prstGeom prst="rect">
-            <a:avLst/>
-          </a:prstGeom>
-          <a:noFill/>
-        </p:spPr>
-        <p:txBody>
-          <a:bodyPr wrap="square" rtlCol="0">
-            <a:spAutoFit/>
-          </a:bodyPr>
-          <a:lstStyle/>
-          <a:p>
-            <a:r>
-              <a:rPr lang="en-US" altLang="zh-CN" dirty="0" smtClean="0"/>
-              <a:t>Detect </a:t>
-            </a:r>
-            <a:r>
-              <a:rPr lang="en-US" altLang="zh-CN" dirty="0"/>
-              <a:t>selection </a:t>
-            </a:r>
-            <a:r>
-              <a:rPr lang="en-US" altLang="zh-CN" dirty="0" err="1"/>
-              <a:t>signal:Detectsignalacrossgenome_master.py</a:t>
-            </a:r>
-            <a:endParaRPr lang="zh-CN" altLang="en-US" dirty="0"/>
+          <a:bodyPr/>
+          <a:lstStyle/>
+          <a:p>
+            <a:r>
+              <a:rPr lang="en-US" altLang="zh-CN" dirty="0" smtClean="0"/>
+              <a:t>Throw several scripts into running at once </a:t>
+            </a:r>
+            <a:r>
+              <a:rPr lang="en-US" altLang="zh-CN" dirty="0" err="1" smtClean="0"/>
+              <a:t>untill</a:t>
+            </a:r>
+            <a:r>
+              <a:rPr lang="en-US" altLang="zh-CN" dirty="0" smtClean="0"/>
+              <a:t> run all scripts.</a:t>
+            </a:r>
+          </a:p>
+          <a:p>
+            <a:r>
+              <a:rPr lang="en-US" altLang="zh-CN" dirty="0" smtClean="0"/>
+              <a:t>Monitor the state of all scripts run in webpage or by </a:t>
+            </a:r>
+            <a:r>
+              <a:rPr lang="en-US" altLang="zh-CN" dirty="0" err="1" smtClean="0"/>
+              <a:t>mysql</a:t>
+            </a:r>
+            <a:r>
+              <a:rPr lang="en-US" altLang="zh-CN" dirty="0" smtClean="0"/>
+              <a:t> visual schema</a:t>
+            </a:r>
+          </a:p>
+          <a:p>
+            <a:r>
+              <a:rPr lang="en-US" altLang="zh-CN" dirty="0" smtClean="0"/>
+              <a:t>Record parameters , </a:t>
+            </a:r>
+            <a:r>
+              <a:rPr lang="en-US" altLang="zh-CN" dirty="0" err="1" smtClean="0"/>
+              <a:t>logfile</a:t>
+            </a:r>
+            <a:r>
+              <a:rPr lang="en-US" altLang="zh-CN" dirty="0" smtClean="0"/>
+              <a:t>, input data and output data.</a:t>
+            </a:r>
+          </a:p>
+          <a:p>
+            <a:endParaRPr lang="en-US" altLang="zh-CN" dirty="0" smtClean="0"/>
           </a:p>
         </p:txBody>
       </p:sp>
     </p:spTree>
     <p:extLst>
       <p:ext uri="{BB962C8B-B14F-4D97-AF65-F5344CB8AC3E}">
-        <p14:creationId xmlns:p14="http://schemas.microsoft.com/office/powerpoint/2010/main" val="1538647101"/>
+        <p14:creationId xmlns:p14="http://schemas.microsoft.com/office/powerpoint/2010/main" val="1881083272"/>
       </p:ext>
     </p:extLst>
   </p:cSld>
   <p:clrMapOvr>
     <a:masterClrMapping/>
   </p:clrMapOvr>
+  <p:timing>
+    <p:tnLst>
+      <p:par>
+        <p:cTn id="1" dur="indefinite" restart="never" nodeType="tmRoot"/>
+      </p:par>
+    </p:tnLst>
+  </p:timing>
 </p:sld>
 </file>
 

--- a/userGuide.pptx
+++ b/userGuide.pptx
@@ -13,19 +13,20 @@
     <p:sldId id="270" r:id="rId7"/>
     <p:sldId id="272" r:id="rId8"/>
     <p:sldId id="274" r:id="rId9"/>
-    <p:sldId id="261" r:id="rId10"/>
-    <p:sldId id="275" r:id="rId11"/>
-    <p:sldId id="259" r:id="rId12"/>
-    <p:sldId id="262" r:id="rId13"/>
-    <p:sldId id="263" r:id="rId14"/>
-    <p:sldId id="264" r:id="rId15"/>
-    <p:sldId id="265" r:id="rId16"/>
-    <p:sldId id="266" r:id="rId17"/>
-    <p:sldId id="267" r:id="rId18"/>
-    <p:sldId id="268" r:id="rId19"/>
-    <p:sldId id="269" r:id="rId20"/>
-    <p:sldId id="273" r:id="rId21"/>
-    <p:sldId id="276" r:id="rId22"/>
+    <p:sldId id="277" r:id="rId10"/>
+    <p:sldId id="261" r:id="rId11"/>
+    <p:sldId id="275" r:id="rId12"/>
+    <p:sldId id="259" r:id="rId13"/>
+    <p:sldId id="262" r:id="rId14"/>
+    <p:sldId id="263" r:id="rId15"/>
+    <p:sldId id="264" r:id="rId16"/>
+    <p:sldId id="265" r:id="rId17"/>
+    <p:sldId id="266" r:id="rId18"/>
+    <p:sldId id="267" r:id="rId19"/>
+    <p:sldId id="268" r:id="rId20"/>
+    <p:sldId id="269" r:id="rId21"/>
+    <p:sldId id="273" r:id="rId22"/>
+    <p:sldId id="276" r:id="rId23"/>
   </p:sldIdLst>
   <p:sldSz cx="9144000" cy="6858000" type="screen4x3"/>
   <p:notesSz cx="6858000" cy="9144000"/>
@@ -3150,10 +3151,16 @@
         </p:nvSpPr>
         <p:spPr/>
         <p:txBody>
-          <a:bodyPr/>
-          <a:lstStyle/>
-          <a:p>
-            <a:endParaRPr lang="zh-CN" altLang="en-US"/>
+          <a:bodyPr>
+            <a:normAutofit/>
+          </a:bodyPr>
+          <a:lstStyle/>
+          <a:p>
+            <a:r>
+              <a:rPr lang="en-US" altLang="zh-CN" sz="4000" b="1" dirty="0" smtClean="0"/>
+              <a:t>3. task management module</a:t>
+            </a:r>
+            <a:endParaRPr lang="zh-CN" altLang="en-US" sz="4000" b="1" dirty="0"/>
           </a:p>
         </p:txBody>
       </p:sp>
@@ -3174,22 +3181,67 @@
           <a:p>
             <a:r>
               <a:rPr lang="en-US" altLang="zh-CN" dirty="0" smtClean="0"/>
-              <a:t>… …</a:t>
-            </a:r>
-            <a:endParaRPr lang="zh-CN" altLang="en-US" dirty="0"/>
+              <a:t>Throw several scripts into running at once </a:t>
+            </a:r>
+            <a:r>
+              <a:rPr lang="en-US" altLang="zh-CN" dirty="0" err="1" smtClean="0"/>
+              <a:t>untill</a:t>
+            </a:r>
+            <a:r>
+              <a:rPr lang="en-US" altLang="zh-CN" dirty="0" smtClean="0"/>
+              <a:t> run all scripts.</a:t>
+            </a:r>
+          </a:p>
+          <a:p>
+            <a:r>
+              <a:rPr lang="en-US" altLang="zh-CN" dirty="0" smtClean="0"/>
+              <a:t>Monitor the state of all scripts run in webpage or by </a:t>
+            </a:r>
+            <a:r>
+              <a:rPr lang="en-US" altLang="zh-CN" dirty="0" err="1" smtClean="0"/>
+              <a:t>mysql</a:t>
+            </a:r>
+            <a:r>
+              <a:rPr lang="en-US" altLang="zh-CN" dirty="0" smtClean="0"/>
+              <a:t> visual schema</a:t>
+            </a:r>
+          </a:p>
+          <a:p>
+            <a:r>
+              <a:rPr lang="en-US" altLang="zh-CN" dirty="0" smtClean="0"/>
+              <a:t>Record parameters , </a:t>
+            </a:r>
+            <a:r>
+              <a:rPr lang="en-US" altLang="zh-CN" dirty="0" err="1" smtClean="0"/>
+              <a:t>logfile</a:t>
+            </a:r>
+            <a:r>
+              <a:rPr lang="en-US" altLang="zh-CN" dirty="0" smtClean="0"/>
+              <a:t>, input data and output data.</a:t>
+            </a:r>
+          </a:p>
+          <a:p>
+            <a:endParaRPr lang="en-US" altLang="zh-CN" dirty="0" smtClean="0"/>
           </a:p>
         </p:txBody>
       </p:sp>
     </p:spTree>
     <p:extLst>
       <p:ext uri="{BB962C8B-B14F-4D97-AF65-F5344CB8AC3E}">
-        <p14:creationId xmlns:p14="http://schemas.microsoft.com/office/powerpoint/2010/main" val="4174471164"/>
+        <p14:creationId xmlns:p14="http://schemas.microsoft.com/office/powerpoint/2010/main" val="1881083272"/>
       </p:ext>
     </p:extLst>
   </p:cSld>
   <p:clrMapOvr>
     <a:masterClrMapping/>
   </p:clrMapOvr>
+  <p:timing>
+    <p:tnLst>
+      <p:par>
+        <p:cTn id="1" dur="indefinite" restart="never" nodeType="tmRoot"/>
+      </p:par>
+    </p:tnLst>
+  </p:timing>
 </p:sld>
 </file>
 
@@ -3222,20 +3274,10 @@
         </p:nvSpPr>
         <p:spPr/>
         <p:txBody>
-          <a:bodyPr>
-            <a:normAutofit/>
-          </a:bodyPr>
-          <a:lstStyle/>
-          <a:p>
-            <a:r>
-              <a:rPr lang="en-US" altLang="zh-CN" sz="4000" b="1" dirty="0" smtClean="0"/>
-              <a:t>4. analysis </a:t>
-            </a:r>
-            <a:r>
-              <a:rPr lang="en-US" altLang="zh-CN" sz="4000" b="1" dirty="0"/>
-              <a:t>module</a:t>
-            </a:r>
-            <a:endParaRPr lang="zh-CN" altLang="en-US" sz="4000" b="1" dirty="0"/>
+          <a:bodyPr/>
+          <a:lstStyle/>
+          <a:p>
+            <a:endParaRPr lang="zh-CN" altLang="en-US"/>
           </a:p>
         </p:txBody>
       </p:sp>
@@ -3254,6 +3296,10 @@
           <a:bodyPr/>
           <a:lstStyle/>
           <a:p>
+            <a:r>
+              <a:rPr lang="en-US" altLang="zh-CN" dirty="0" smtClean="0"/>
+              <a:t>… …</a:t>
+            </a:r>
             <a:endParaRPr lang="zh-CN" altLang="en-US" dirty="0"/>
           </a:p>
         </p:txBody>
@@ -3261,20 +3307,13 @@
     </p:spTree>
     <p:extLst>
       <p:ext uri="{BB962C8B-B14F-4D97-AF65-F5344CB8AC3E}">
-        <p14:creationId xmlns:p14="http://schemas.microsoft.com/office/powerpoint/2010/main" val="837385016"/>
+        <p14:creationId xmlns:p14="http://schemas.microsoft.com/office/powerpoint/2010/main" val="4174471164"/>
       </p:ext>
     </p:extLst>
   </p:cSld>
   <p:clrMapOvr>
     <a:masterClrMapping/>
   </p:clrMapOvr>
-  <p:timing>
-    <p:tnLst>
-      <p:par>
-        <p:cTn id="1" dur="indefinite" restart="never" nodeType="tmRoot"/>
-      </p:par>
-    </p:tnLst>
-  </p:timing>
 </p:sld>
 </file>
 
@@ -3313,988 +3352,32 @@
           <a:lstStyle/>
           <a:p>
             <a:r>
-              <a:rPr lang="en-US" altLang="zh-CN" sz="3200" dirty="0" smtClean="0"/>
-              <a:t>overview</a:t>
-            </a:r>
-            <a:endParaRPr lang="zh-CN" altLang="en-US" sz="3200" dirty="0"/>
-          </a:p>
-        </p:txBody>
-      </p:sp>
-      <p:sp>
-        <p:nvSpPr>
-          <p:cNvPr id="4" name="TextBox 3"/>
-          <p:cNvSpPr txBox="1"/>
-          <p:nvPr/>
-        </p:nvSpPr>
-        <p:spPr>
-          <a:xfrm>
-            <a:off x="0" y="0"/>
-            <a:ext cx="9139472" cy="369332"/>
-          </a:xfrm>
-          <a:prstGeom prst="rect">
-            <a:avLst/>
-          </a:prstGeom>
-          <a:noFill/>
-        </p:spPr>
-        <p:txBody>
-          <a:bodyPr wrap="square" rtlCol="0">
-            <a:spAutoFit/>
-          </a:bodyPr>
-          <a:lstStyle/>
-          <a:p>
-            <a:r>
-              <a:rPr lang="en-US" altLang="zh-CN" dirty="0" smtClean="0"/>
-              <a:t>Detect </a:t>
-            </a:r>
-            <a:r>
-              <a:rPr lang="en-US" altLang="zh-CN" dirty="0"/>
-              <a:t>selection </a:t>
-            </a:r>
-            <a:r>
-              <a:rPr lang="en-US" altLang="zh-CN" dirty="0" err="1"/>
-              <a:t>signal:Detectsignalacrossgenome_master.py</a:t>
-            </a:r>
-            <a:endParaRPr lang="zh-CN" altLang="en-US" dirty="0"/>
-          </a:p>
-        </p:txBody>
-      </p:sp>
-      <p:sp>
-        <p:nvSpPr>
-          <p:cNvPr id="5" name="矩形 4"/>
-          <p:cNvSpPr/>
-          <p:nvPr/>
-        </p:nvSpPr>
-        <p:spPr>
-          <a:xfrm>
-            <a:off x="4074541" y="2323332"/>
-            <a:ext cx="1728192" cy="1152128"/>
-          </a:xfrm>
-          <a:prstGeom prst="rect">
-            <a:avLst/>
-          </a:prstGeom>
-          <a:solidFill>
-            <a:schemeClr val="accent1">
-              <a:alpha val="0"/>
-            </a:schemeClr>
-          </a:solidFill>
-        </p:spPr>
-        <p:style>
-          <a:lnRef idx="2">
-            <a:schemeClr val="accent1">
-              <a:shade val="50000"/>
-            </a:schemeClr>
-          </a:lnRef>
-          <a:fillRef idx="1">
-            <a:schemeClr val="accent1"/>
-          </a:fillRef>
-          <a:effectRef idx="0">
-            <a:schemeClr val="accent1"/>
-          </a:effectRef>
-          <a:fontRef idx="minor">
-            <a:schemeClr val="lt1"/>
-          </a:fontRef>
-        </p:style>
-        <p:txBody>
-          <a:bodyPr rtlCol="0" anchor="ctr"/>
-          <a:lstStyle/>
-          <a:p>
-            <a:pPr algn="ctr"/>
-            <a:r>
-              <a:rPr lang="en-US" altLang="zh-CN" dirty="0">
-                <a:solidFill>
-                  <a:schemeClr val="tx1"/>
-                </a:solidFill>
-              </a:rPr>
-              <a:t>Detectsignalacrossgenome_master.py</a:t>
-            </a:r>
-            <a:endParaRPr lang="zh-CN" altLang="en-US" dirty="0">
-              <a:solidFill>
-                <a:schemeClr val="tx1"/>
-              </a:solidFill>
-            </a:endParaRPr>
-          </a:p>
-        </p:txBody>
-      </p:sp>
-      <p:sp>
-        <p:nvSpPr>
-          <p:cNvPr id="6" name="TextBox 5"/>
-          <p:cNvSpPr txBox="1"/>
-          <p:nvPr/>
-        </p:nvSpPr>
-        <p:spPr>
-          <a:xfrm>
-            <a:off x="-16046" y="332656"/>
-            <a:ext cx="3363910" cy="6740307"/>
-          </a:xfrm>
-          <a:prstGeom prst="rect">
-            <a:avLst/>
-          </a:prstGeom>
-          <a:noFill/>
-        </p:spPr>
-        <p:txBody>
-          <a:bodyPr wrap="square" rtlCol="0">
-            <a:spAutoFit/>
-          </a:bodyPr>
-          <a:lstStyle/>
-          <a:p>
-            <a:r>
-              <a:rPr lang="en-US" altLang="zh-CN" dirty="0" smtClean="0"/>
-              <a:t>-o path to </a:t>
-            </a:r>
-            <a:r>
-              <a:rPr lang="en-US" altLang="zh-CN" dirty="0" err="1" smtClean="0"/>
-              <a:t>ouput</a:t>
-            </a:r>
-            <a:r>
-              <a:rPr lang="en-US" altLang="zh-CN" dirty="0" smtClean="0"/>
-              <a:t> prefix name</a:t>
-            </a:r>
-          </a:p>
-          <a:p>
-            <a:r>
-              <a:rPr lang="en-US" altLang="zh-CN" dirty="0" smtClean="0"/>
-              <a:t>-T </a:t>
-            </a:r>
-            <a:r>
-              <a:rPr lang="en-US" altLang="zh-CN" dirty="0" err="1" smtClean="0"/>
-              <a:t>targetpopvcf</a:t>
-            </a:r>
-            <a:r>
-              <a:rPr lang="en-US" altLang="zh-CN" dirty="0"/>
-              <a:t> </a:t>
-            </a:r>
-            <a:r>
-              <a:rPr lang="en-US" altLang="zh-CN" dirty="0" err="1" smtClean="0"/>
-              <a:t>depthconfig</a:t>
-            </a:r>
-            <a:r>
-              <a:rPr lang="en-US" altLang="zh-CN" dirty="0" smtClean="0"/>
-              <a:t> </a:t>
-            </a:r>
-            <a:r>
-              <a:rPr lang="en-US" altLang="zh-CN" dirty="0"/>
-              <a:t>(multiple –R when multiple populations were used, omit when calculate </a:t>
-            </a:r>
-            <a:r>
-              <a:rPr lang="en-US" altLang="zh-CN" dirty="0" err="1" smtClean="0"/>
-              <a:t>Hp</a:t>
-            </a:r>
-            <a:r>
-              <a:rPr lang="en-US" altLang="zh-CN" dirty="0" smtClean="0"/>
-              <a:t>)</a:t>
-            </a:r>
-          </a:p>
-          <a:p>
-            <a:r>
-              <a:rPr lang="en-US" altLang="zh-CN" dirty="0" smtClean="0"/>
-              <a:t>-</a:t>
-            </a:r>
-            <a:r>
-              <a:rPr lang="en-US" altLang="zh-CN" dirty="0"/>
-              <a:t>R </a:t>
-            </a:r>
-            <a:r>
-              <a:rPr lang="en-US" altLang="zh-CN" dirty="0" err="1" smtClean="0"/>
-              <a:t>refpopvcf</a:t>
-            </a:r>
-            <a:r>
-              <a:rPr lang="en-US" altLang="zh-CN" dirty="0" smtClean="0"/>
-              <a:t> </a:t>
-            </a:r>
-            <a:r>
-              <a:rPr lang="en-US" altLang="zh-CN" dirty="0" err="1" smtClean="0"/>
-              <a:t>depthconfig</a:t>
-            </a:r>
-            <a:r>
-              <a:rPr lang="en-US" altLang="zh-CN" dirty="0" smtClean="0"/>
-              <a:t> (multiple)</a:t>
-            </a:r>
-            <a:endParaRPr lang="en-US" altLang="zh-CN" dirty="0"/>
-          </a:p>
-          <a:p>
-            <a:r>
-              <a:rPr lang="en-US" altLang="zh-CN" dirty="0" smtClean="0"/>
-              <a:t>-t </a:t>
-            </a:r>
-            <a:r>
-              <a:rPr lang="en-US" altLang="zh-CN" dirty="0" err="1" smtClean="0"/>
-              <a:t>toplevel_snp_table</a:t>
-            </a:r>
-            <a:r>
-              <a:rPr lang="en-US" altLang="zh-CN" dirty="0" smtClean="0"/>
-              <a:t> (to know ancestral allele and context bases)</a:t>
-            </a:r>
-          </a:p>
-          <a:p>
-            <a:r>
-              <a:rPr lang="en-US" altLang="zh-CN" dirty="0" smtClean="0"/>
-              <a:t>-c/-b multiple chromosome list or bed like file ( -c or –b only one is needed)</a:t>
-            </a:r>
-          </a:p>
-          <a:p>
-            <a:r>
-              <a:rPr lang="en-US" altLang="zh-CN" dirty="0" smtClean="0"/>
-              <a:t>-p type of signal (early, </a:t>
-            </a:r>
-            <a:r>
-              <a:rPr lang="en-US" altLang="zh-CN" dirty="0" err="1" smtClean="0"/>
-              <a:t>hp</a:t>
-            </a:r>
-            <a:r>
-              <a:rPr lang="en-US" altLang="zh-CN" dirty="0" smtClean="0"/>
-              <a:t>, </a:t>
-            </a:r>
-            <a:r>
-              <a:rPr lang="en-US" altLang="zh-CN" dirty="0" err="1" smtClean="0"/>
-              <a:t>Fst</a:t>
-            </a:r>
-            <a:r>
-              <a:rPr lang="en-US" altLang="zh-CN" dirty="0" smtClean="0"/>
-              <a:t>)</a:t>
-            </a:r>
-          </a:p>
-          <a:p>
-            <a:r>
-              <a:rPr lang="en-US" altLang="zh-CN" dirty="0" smtClean="0"/>
-              <a:t>-C </a:t>
-            </a:r>
-            <a:r>
-              <a:rPr lang="en-US" altLang="zh-CN" dirty="0" err="1" smtClean="0"/>
-              <a:t>freq_correlation</a:t>
-            </a:r>
-            <a:r>
-              <a:rPr lang="en-US" altLang="zh-CN" dirty="0"/>
-              <a:t> </a:t>
-            </a:r>
-            <a:r>
-              <a:rPr lang="en-US" altLang="zh-CN" dirty="0" smtClean="0"/>
-              <a:t>file ,for “early” only</a:t>
-            </a:r>
-          </a:p>
-          <a:p>
-            <a:r>
-              <a:rPr lang="en-US" altLang="zh-CN" dirty="0" smtClean="0"/>
-              <a:t>-n number of individuals , for “early” only. Decide to </a:t>
-            </a:r>
-            <a:r>
-              <a:rPr lang="en-US" altLang="zh-CN" dirty="0" err="1" smtClean="0"/>
-              <a:t>divid</a:t>
-            </a:r>
-            <a:r>
-              <a:rPr lang="en-US" altLang="zh-CN" dirty="0" smtClean="0"/>
-              <a:t> frequency in to how many bins</a:t>
-            </a:r>
-          </a:p>
-          <a:p>
-            <a:r>
-              <a:rPr lang="en-US" altLang="zh-CN" dirty="0" smtClean="0"/>
-              <a:t>-1 frequency correlation calculate slaver </a:t>
-            </a:r>
-            <a:r>
-              <a:rPr lang="en-US" altLang="zh-CN" dirty="0" err="1" smtClean="0"/>
-              <a:t>programm</a:t>
-            </a:r>
-            <a:r>
-              <a:rPr lang="en-US" altLang="zh-CN" dirty="0" smtClean="0"/>
-              <a:t> name</a:t>
-            </a:r>
-          </a:p>
-          <a:p>
-            <a:r>
-              <a:rPr lang="en-US" altLang="zh-CN" dirty="0" smtClean="0"/>
-              <a:t>-2 slaver that slide window to calculate signal</a:t>
-            </a:r>
-          </a:p>
-          <a:p>
-            <a:r>
-              <a:rPr lang="en-US" altLang="zh-CN" dirty="0" smtClean="0"/>
-              <a:t>-w window size</a:t>
-            </a:r>
-          </a:p>
-          <a:p>
-            <a:r>
-              <a:rPr lang="en-US" altLang="zh-CN" dirty="0" smtClean="0"/>
-              <a:t>-s slide steps</a:t>
-            </a:r>
-          </a:p>
-        </p:txBody>
-      </p:sp>
-      <p:sp>
-        <p:nvSpPr>
-          <p:cNvPr id="7" name="右大括号 6"/>
-          <p:cNvSpPr/>
-          <p:nvPr/>
-        </p:nvSpPr>
-        <p:spPr>
-          <a:xfrm>
-            <a:off x="3059832" y="1628801"/>
-            <a:ext cx="432048" cy="3612018"/>
-          </a:xfrm>
-          <a:prstGeom prst="rightBrace">
-            <a:avLst>
-              <a:gd name="adj1" fmla="val 8333"/>
-              <a:gd name="adj2" fmla="val 36699"/>
-            </a:avLst>
-          </a:prstGeom>
-        </p:spPr>
-        <p:style>
-          <a:lnRef idx="1">
-            <a:schemeClr val="accent1"/>
-          </a:lnRef>
-          <a:fillRef idx="0">
-            <a:schemeClr val="accent1"/>
-          </a:fillRef>
-          <a:effectRef idx="0">
-            <a:schemeClr val="accent1"/>
-          </a:effectRef>
-          <a:fontRef idx="minor">
-            <a:schemeClr val="tx1"/>
-          </a:fontRef>
-        </p:style>
-        <p:txBody>
-          <a:bodyPr rtlCol="0" anchor="ctr"/>
-          <a:lstStyle/>
-          <a:p>
-            <a:pPr algn="ctr"/>
-            <a:endParaRPr lang="zh-CN" altLang="en-US"/>
-          </a:p>
-        </p:txBody>
-      </p:sp>
-      <p:sp>
-        <p:nvSpPr>
-          <p:cNvPr id="8" name="右箭头 7"/>
-          <p:cNvSpPr/>
-          <p:nvPr/>
-        </p:nvSpPr>
-        <p:spPr>
-          <a:xfrm>
-            <a:off x="5809999" y="2899396"/>
-            <a:ext cx="638092" cy="108012"/>
-          </a:xfrm>
-          <a:prstGeom prst="rightArrow">
-            <a:avLst/>
-          </a:prstGeom>
-        </p:spPr>
-        <p:style>
-          <a:lnRef idx="2">
-            <a:schemeClr val="accent1">
-              <a:shade val="50000"/>
-            </a:schemeClr>
-          </a:lnRef>
-          <a:fillRef idx="1">
-            <a:schemeClr val="accent1"/>
-          </a:fillRef>
-          <a:effectRef idx="0">
-            <a:schemeClr val="accent1"/>
-          </a:effectRef>
-          <a:fontRef idx="minor">
-            <a:schemeClr val="lt1"/>
-          </a:fontRef>
-        </p:style>
-        <p:txBody>
-          <a:bodyPr rtlCol="0" anchor="ctr"/>
-          <a:lstStyle/>
-          <a:p>
-            <a:pPr algn="ctr"/>
-            <a:endParaRPr lang="zh-CN" altLang="en-US"/>
-          </a:p>
-        </p:txBody>
-      </p:sp>
-      <p:sp>
-        <p:nvSpPr>
-          <p:cNvPr id="9" name="右箭头 8"/>
-          <p:cNvSpPr/>
-          <p:nvPr/>
-        </p:nvSpPr>
-        <p:spPr>
-          <a:xfrm>
-            <a:off x="3534989" y="2899396"/>
-            <a:ext cx="539552" cy="108012"/>
-          </a:xfrm>
-          <a:prstGeom prst="rightArrow">
-            <a:avLst/>
-          </a:prstGeom>
-        </p:spPr>
-        <p:style>
-          <a:lnRef idx="2">
-            <a:schemeClr val="accent1">
-              <a:shade val="50000"/>
-            </a:schemeClr>
-          </a:lnRef>
-          <a:fillRef idx="1">
-            <a:schemeClr val="accent1"/>
-          </a:fillRef>
-          <a:effectRef idx="0">
-            <a:schemeClr val="accent1"/>
-          </a:effectRef>
-          <a:fontRef idx="minor">
-            <a:schemeClr val="lt1"/>
-          </a:fontRef>
-        </p:style>
-        <p:txBody>
-          <a:bodyPr rtlCol="0" anchor="ctr"/>
-          <a:lstStyle/>
-          <a:p>
-            <a:pPr algn="ctr"/>
-            <a:endParaRPr lang="zh-CN" altLang="en-US"/>
-          </a:p>
-        </p:txBody>
-      </p:sp>
-      <p:sp>
-        <p:nvSpPr>
-          <p:cNvPr id="10" name="TextBox 9"/>
-          <p:cNvSpPr txBox="1"/>
-          <p:nvPr/>
-        </p:nvSpPr>
-        <p:spPr>
-          <a:xfrm>
-            <a:off x="3275856" y="2539356"/>
-            <a:ext cx="798685" cy="369332"/>
-          </a:xfrm>
-          <a:prstGeom prst="rect">
-            <a:avLst/>
-          </a:prstGeom>
-          <a:noFill/>
-        </p:spPr>
-        <p:txBody>
-          <a:bodyPr wrap="square" rtlCol="0">
-            <a:spAutoFit/>
-          </a:bodyPr>
-          <a:lstStyle/>
-          <a:p>
-            <a:r>
-              <a:rPr lang="en-US" altLang="zh-CN" dirty="0" smtClean="0"/>
-              <a:t>input</a:t>
-            </a:r>
-            <a:endParaRPr lang="zh-CN" altLang="en-US" dirty="0"/>
-          </a:p>
-        </p:txBody>
-      </p:sp>
-      <p:sp>
-        <p:nvSpPr>
-          <p:cNvPr id="11" name="TextBox 10"/>
-          <p:cNvSpPr txBox="1"/>
-          <p:nvPr/>
-        </p:nvSpPr>
-        <p:spPr>
-          <a:xfrm>
-            <a:off x="6907224" y="2576230"/>
-            <a:ext cx="2232248" cy="646331"/>
-          </a:xfrm>
-          <a:prstGeom prst="rect">
-            <a:avLst/>
-          </a:prstGeom>
-          <a:noFill/>
-        </p:spPr>
-        <p:txBody>
-          <a:bodyPr wrap="square" rtlCol="0">
-            <a:spAutoFit/>
-          </a:bodyPr>
-          <a:lstStyle/>
-          <a:p>
-            <a:r>
-              <a:rPr lang="en-US" altLang="zh-CN" dirty="0" err="1" smtClean="0"/>
-              <a:t>winfile</a:t>
-            </a:r>
-            <a:endParaRPr lang="en-US" altLang="zh-CN" dirty="0" smtClean="0"/>
-          </a:p>
-          <a:p>
-            <a:r>
-              <a:rPr lang="en-US" altLang="zh-CN" dirty="0"/>
-              <a:t>(</a:t>
-            </a:r>
-            <a:r>
-              <a:rPr lang="en-US" altLang="zh-CN" dirty="0" err="1" smtClean="0"/>
-              <a:t>freq_correlation</a:t>
-            </a:r>
-            <a:r>
-              <a:rPr lang="en-US" altLang="zh-CN" dirty="0" smtClean="0"/>
-              <a:t>  file)</a:t>
-            </a:r>
-          </a:p>
-        </p:txBody>
-      </p:sp>
-      <p:sp>
-        <p:nvSpPr>
-          <p:cNvPr id="12" name="TextBox 11"/>
-          <p:cNvSpPr txBox="1"/>
-          <p:nvPr/>
-        </p:nvSpPr>
-        <p:spPr>
-          <a:xfrm>
-            <a:off x="5802733" y="2564904"/>
-            <a:ext cx="915918" cy="369332"/>
-          </a:xfrm>
-          <a:prstGeom prst="rect">
-            <a:avLst/>
-          </a:prstGeom>
-          <a:noFill/>
-        </p:spPr>
-        <p:txBody>
-          <a:bodyPr wrap="square" rtlCol="0">
-            <a:spAutoFit/>
-          </a:bodyPr>
-          <a:lstStyle/>
-          <a:p>
-            <a:r>
-              <a:rPr lang="en-US" altLang="zh-CN" dirty="0" smtClean="0"/>
-              <a:t>output</a:t>
-            </a:r>
-            <a:endParaRPr lang="zh-CN" altLang="en-US" dirty="0"/>
-          </a:p>
-        </p:txBody>
-      </p:sp>
-      <p:sp>
-        <p:nvSpPr>
-          <p:cNvPr id="13" name="左大括号 12"/>
-          <p:cNvSpPr/>
-          <p:nvPr/>
-        </p:nvSpPr>
-        <p:spPr>
-          <a:xfrm>
-            <a:off x="6530079" y="2060848"/>
-            <a:ext cx="377145" cy="1800200"/>
-          </a:xfrm>
-          <a:prstGeom prst="leftBrace">
-            <a:avLst/>
-          </a:prstGeom>
-        </p:spPr>
-        <p:style>
-          <a:lnRef idx="1">
-            <a:schemeClr val="accent1"/>
-          </a:lnRef>
-          <a:fillRef idx="0">
-            <a:schemeClr val="accent1"/>
-          </a:fillRef>
-          <a:effectRef idx="0">
-            <a:schemeClr val="accent1"/>
-          </a:effectRef>
-          <a:fontRef idx="minor">
-            <a:schemeClr val="tx1"/>
-          </a:fontRef>
-        </p:style>
-        <p:txBody>
-          <a:bodyPr rtlCol="0" anchor="ctr"/>
-          <a:lstStyle/>
-          <a:p>
-            <a:pPr algn="ctr"/>
-            <a:endParaRPr lang="zh-CN" altLang="en-US"/>
-          </a:p>
-        </p:txBody>
-      </p:sp>
-      <p:cxnSp>
-        <p:nvCxnSpPr>
-          <p:cNvPr id="14" name="直接箭头连接符 13"/>
-          <p:cNvCxnSpPr/>
-          <p:nvPr/>
-        </p:nvCxnSpPr>
-        <p:spPr>
-          <a:xfrm flipH="1">
-            <a:off x="3975991" y="3475460"/>
-            <a:ext cx="425450" cy="1396027"/>
-          </a:xfrm>
-          <a:prstGeom prst="straightConnector1">
-            <a:avLst/>
-          </a:prstGeom>
-          <a:ln>
-            <a:tailEnd type="arrow"/>
-          </a:ln>
-        </p:spPr>
-        <p:style>
-          <a:lnRef idx="1">
-            <a:schemeClr val="accent1"/>
-          </a:lnRef>
-          <a:fillRef idx="0">
-            <a:schemeClr val="accent1"/>
-          </a:fillRef>
-          <a:effectRef idx="0">
-            <a:schemeClr val="accent1"/>
-          </a:effectRef>
-          <a:fontRef idx="minor">
-            <a:schemeClr val="tx1"/>
-          </a:fontRef>
-        </p:style>
-      </p:cxnSp>
-      <p:cxnSp>
-        <p:nvCxnSpPr>
-          <p:cNvPr id="15" name="直接箭头连接符 14"/>
-          <p:cNvCxnSpPr/>
-          <p:nvPr/>
-        </p:nvCxnSpPr>
-        <p:spPr>
-          <a:xfrm>
-            <a:off x="4788024" y="3575343"/>
-            <a:ext cx="0" cy="1296144"/>
-          </a:xfrm>
-          <a:prstGeom prst="straightConnector1">
-            <a:avLst/>
-          </a:prstGeom>
-          <a:ln>
-            <a:tailEnd type="arrow"/>
-          </a:ln>
-        </p:spPr>
-        <p:style>
-          <a:lnRef idx="1">
-            <a:schemeClr val="accent1"/>
-          </a:lnRef>
-          <a:fillRef idx="0">
-            <a:schemeClr val="accent1"/>
-          </a:fillRef>
-          <a:effectRef idx="0">
-            <a:schemeClr val="accent1"/>
-          </a:effectRef>
-          <a:fontRef idx="minor">
-            <a:schemeClr val="tx1"/>
-          </a:fontRef>
-        </p:style>
-      </p:cxnSp>
-      <p:cxnSp>
-        <p:nvCxnSpPr>
-          <p:cNvPr id="16" name="直接箭头连接符 15"/>
-          <p:cNvCxnSpPr/>
-          <p:nvPr/>
-        </p:nvCxnSpPr>
-        <p:spPr>
-          <a:xfrm>
-            <a:off x="5249144" y="3575343"/>
-            <a:ext cx="373903" cy="1296144"/>
-          </a:xfrm>
-          <a:prstGeom prst="straightConnector1">
-            <a:avLst/>
-          </a:prstGeom>
-          <a:ln>
-            <a:tailEnd type="arrow"/>
-          </a:ln>
-        </p:spPr>
-        <p:style>
-          <a:lnRef idx="1">
-            <a:schemeClr val="accent1"/>
-          </a:lnRef>
-          <a:fillRef idx="0">
-            <a:schemeClr val="accent1"/>
-          </a:fillRef>
-          <a:effectRef idx="0">
-            <a:schemeClr val="accent1"/>
-          </a:effectRef>
-          <a:fontRef idx="minor">
-            <a:schemeClr val="tx1"/>
-          </a:fontRef>
-        </p:style>
-      </p:cxnSp>
-      <p:sp>
-        <p:nvSpPr>
-          <p:cNvPr id="17" name="TextBox 16"/>
-          <p:cNvSpPr txBox="1"/>
-          <p:nvPr/>
-        </p:nvSpPr>
-        <p:spPr>
-          <a:xfrm>
-            <a:off x="4188716" y="4029457"/>
-            <a:ext cx="1247379" cy="369332"/>
-          </a:xfrm>
-          <a:prstGeom prst="rect">
-            <a:avLst/>
-          </a:prstGeom>
-          <a:noFill/>
-          <a:ln>
-            <a:noFill/>
-          </a:ln>
-        </p:spPr>
-        <p:txBody>
-          <a:bodyPr wrap="square" rtlCol="0">
-            <a:spAutoFit/>
-          </a:bodyPr>
-          <a:lstStyle/>
-          <a:p>
-            <a:r>
-              <a:rPr lang="en-US" altLang="zh-CN" dirty="0" smtClean="0">
-                <a:solidFill>
-                  <a:schemeClr val="tx2">
-                    <a:lumMod val="60000"/>
-                    <a:lumOff val="40000"/>
-                  </a:schemeClr>
-                </a:solidFill>
-              </a:rPr>
-              <a:t>. . .       . . .</a:t>
-            </a:r>
-            <a:endParaRPr lang="zh-CN" altLang="en-US" dirty="0">
-              <a:solidFill>
-                <a:schemeClr val="tx2">
-                  <a:lumMod val="60000"/>
-                  <a:lumOff val="40000"/>
-                </a:schemeClr>
-              </a:solidFill>
-            </a:endParaRPr>
-          </a:p>
-        </p:txBody>
-      </p:sp>
-      <p:sp>
-        <p:nvSpPr>
-          <p:cNvPr id="18" name="TextBox 17"/>
-          <p:cNvSpPr txBox="1"/>
-          <p:nvPr/>
-        </p:nvSpPr>
-        <p:spPr>
-          <a:xfrm>
-            <a:off x="3604795" y="4871487"/>
-            <a:ext cx="651460" cy="369332"/>
-          </a:xfrm>
-          <a:prstGeom prst="rect">
-            <a:avLst/>
-          </a:prstGeom>
-          <a:noFill/>
-        </p:spPr>
-        <p:txBody>
-          <a:bodyPr wrap="none" rtlCol="0">
-            <a:spAutoFit/>
-          </a:bodyPr>
-          <a:lstStyle/>
-          <a:p>
-            <a:r>
-              <a:rPr lang="en-US" altLang="zh-CN" dirty="0" smtClean="0"/>
-              <a:t>slave</a:t>
-            </a:r>
-            <a:endParaRPr lang="zh-CN" altLang="en-US" dirty="0"/>
-          </a:p>
-        </p:txBody>
-      </p:sp>
-      <p:sp>
-        <p:nvSpPr>
-          <p:cNvPr id="19" name="TextBox 18"/>
-          <p:cNvSpPr txBox="1"/>
-          <p:nvPr/>
-        </p:nvSpPr>
-        <p:spPr>
-          <a:xfrm>
-            <a:off x="4462294" y="4871487"/>
-            <a:ext cx="651460" cy="369332"/>
-          </a:xfrm>
-          <a:prstGeom prst="rect">
-            <a:avLst/>
-          </a:prstGeom>
-          <a:noFill/>
-        </p:spPr>
-        <p:txBody>
-          <a:bodyPr wrap="none" rtlCol="0">
-            <a:spAutoFit/>
-          </a:bodyPr>
-          <a:lstStyle/>
-          <a:p>
-            <a:r>
-              <a:rPr lang="en-US" altLang="zh-CN" dirty="0" smtClean="0"/>
-              <a:t>slave</a:t>
-            </a:r>
-            <a:endParaRPr lang="zh-CN" altLang="en-US" dirty="0"/>
-          </a:p>
-        </p:txBody>
-      </p:sp>
-      <p:sp>
-        <p:nvSpPr>
-          <p:cNvPr id="20" name="TextBox 19"/>
-          <p:cNvSpPr txBox="1"/>
-          <p:nvPr/>
-        </p:nvSpPr>
-        <p:spPr>
-          <a:xfrm>
-            <a:off x="5297317" y="4871487"/>
-            <a:ext cx="651460" cy="369332"/>
-          </a:xfrm>
-          <a:prstGeom prst="rect">
-            <a:avLst/>
-          </a:prstGeom>
-          <a:noFill/>
-        </p:spPr>
-        <p:txBody>
-          <a:bodyPr wrap="none" rtlCol="0">
-            <a:spAutoFit/>
-          </a:bodyPr>
-          <a:lstStyle/>
-          <a:p>
-            <a:r>
-              <a:rPr lang="en-US" altLang="zh-CN" dirty="0" smtClean="0"/>
-              <a:t>slave</a:t>
-            </a:r>
-            <a:endParaRPr lang="zh-CN" altLang="en-US" dirty="0"/>
-          </a:p>
-        </p:txBody>
-      </p:sp>
-      <p:sp>
-        <p:nvSpPr>
-          <p:cNvPr id="21" name="左弧形箭头 20"/>
-          <p:cNvSpPr/>
-          <p:nvPr/>
-        </p:nvSpPr>
-        <p:spPr>
-          <a:xfrm rot="11639433">
-            <a:off x="5260879" y="3203804"/>
-            <a:ext cx="860480" cy="2776383"/>
-          </a:xfrm>
-          <a:prstGeom prst="curvedRightArrow">
-            <a:avLst/>
-          </a:prstGeom>
-        </p:spPr>
-        <p:style>
-          <a:lnRef idx="2">
-            <a:schemeClr val="accent1">
-              <a:shade val="50000"/>
-            </a:schemeClr>
-          </a:lnRef>
-          <a:fillRef idx="1">
-            <a:schemeClr val="accent1"/>
-          </a:fillRef>
-          <a:effectRef idx="0">
-            <a:schemeClr val="accent1"/>
-          </a:effectRef>
-          <a:fontRef idx="minor">
-            <a:schemeClr val="lt1"/>
-          </a:fontRef>
-        </p:style>
-        <p:txBody>
-          <a:bodyPr rtlCol="0" anchor="ctr"/>
-          <a:lstStyle/>
-          <a:p>
-            <a:pPr algn="ctr"/>
-            <a:endParaRPr lang="zh-CN" altLang="en-US">
-              <a:solidFill>
-                <a:schemeClr val="tx1"/>
-              </a:solidFill>
-            </a:endParaRPr>
-          </a:p>
-        </p:txBody>
-      </p:sp>
-      <p:cxnSp>
-        <p:nvCxnSpPr>
-          <p:cNvPr id="22" name="直接箭头连接符 21"/>
-          <p:cNvCxnSpPr/>
-          <p:nvPr/>
-        </p:nvCxnSpPr>
-        <p:spPr>
-          <a:xfrm>
-            <a:off x="3930525" y="5240819"/>
-            <a:ext cx="641475" cy="383615"/>
-          </a:xfrm>
-          <a:prstGeom prst="straightConnector1">
-            <a:avLst/>
-          </a:prstGeom>
-          <a:ln>
-            <a:tailEnd type="arrow"/>
-          </a:ln>
-        </p:spPr>
-        <p:style>
-          <a:lnRef idx="1">
-            <a:schemeClr val="accent1"/>
-          </a:lnRef>
-          <a:fillRef idx="0">
-            <a:schemeClr val="accent1"/>
-          </a:fillRef>
-          <a:effectRef idx="0">
-            <a:schemeClr val="accent1"/>
-          </a:effectRef>
-          <a:fontRef idx="minor">
-            <a:schemeClr val="tx1"/>
-          </a:fontRef>
-        </p:style>
-      </p:cxnSp>
-      <p:cxnSp>
-        <p:nvCxnSpPr>
-          <p:cNvPr id="23" name="直接箭头连接符 22"/>
-          <p:cNvCxnSpPr/>
-          <p:nvPr/>
-        </p:nvCxnSpPr>
-        <p:spPr>
-          <a:xfrm>
-            <a:off x="4788024" y="5240819"/>
-            <a:ext cx="0" cy="383615"/>
-          </a:xfrm>
-          <a:prstGeom prst="straightConnector1">
-            <a:avLst/>
-          </a:prstGeom>
-          <a:ln>
-            <a:tailEnd type="arrow"/>
-          </a:ln>
-        </p:spPr>
-        <p:style>
-          <a:lnRef idx="1">
-            <a:schemeClr val="accent1"/>
-          </a:lnRef>
-          <a:fillRef idx="0">
-            <a:schemeClr val="accent1"/>
-          </a:fillRef>
-          <a:effectRef idx="0">
-            <a:schemeClr val="accent1"/>
-          </a:effectRef>
-          <a:fontRef idx="minor">
-            <a:schemeClr val="tx1"/>
-          </a:fontRef>
-        </p:style>
-      </p:cxnSp>
-      <p:cxnSp>
-        <p:nvCxnSpPr>
-          <p:cNvPr id="24" name="直接箭头连接符 23"/>
-          <p:cNvCxnSpPr/>
-          <p:nvPr/>
-        </p:nvCxnSpPr>
-        <p:spPr>
-          <a:xfrm flipH="1">
-            <a:off x="4938637" y="5240819"/>
-            <a:ext cx="621939" cy="383615"/>
-          </a:xfrm>
-          <a:prstGeom prst="straightConnector1">
-            <a:avLst/>
-          </a:prstGeom>
-          <a:ln>
-            <a:tailEnd type="arrow"/>
-          </a:ln>
-        </p:spPr>
-        <p:style>
-          <a:lnRef idx="1">
-            <a:schemeClr val="accent1"/>
-          </a:lnRef>
-          <a:fillRef idx="0">
-            <a:schemeClr val="accent1"/>
-          </a:fillRef>
-          <a:effectRef idx="0">
-            <a:schemeClr val="accent1"/>
-          </a:effectRef>
-          <a:fontRef idx="minor">
-            <a:schemeClr val="tx1"/>
-          </a:fontRef>
-        </p:style>
-      </p:cxnSp>
-      <p:sp>
-        <p:nvSpPr>
-          <p:cNvPr id="25" name="TextBox 24"/>
-          <p:cNvSpPr txBox="1"/>
-          <p:nvPr/>
-        </p:nvSpPr>
-        <p:spPr>
-          <a:xfrm>
-            <a:off x="3230955" y="5733256"/>
-            <a:ext cx="3861325" cy="1200329"/>
-          </a:xfrm>
-          <a:prstGeom prst="rect">
-            <a:avLst/>
-          </a:prstGeom>
-          <a:noFill/>
-        </p:spPr>
-        <p:txBody>
-          <a:bodyPr wrap="square" rtlCol="0">
-            <a:spAutoFit/>
-          </a:bodyPr>
-          <a:lstStyle/>
-          <a:p>
-            <a:r>
-              <a:rPr lang="en-US" altLang="zh-CN" dirty="0" smtClean="0"/>
-              <a:t>Whole genome was divided into multiple chromosomes or scaffolds (-c). And each scaffold was calculated by Slave </a:t>
-            </a:r>
-            <a:r>
-              <a:rPr lang="en-US" altLang="zh-CN" dirty="0" err="1" smtClean="0"/>
-              <a:t>programm</a:t>
-            </a:r>
-            <a:r>
-              <a:rPr lang="en-US" altLang="zh-CN" dirty="0" smtClean="0"/>
-              <a:t> simultaneously. </a:t>
-            </a:r>
+              <a:rPr lang="en-US" altLang="zh-CN" sz="4000" b="1" dirty="0" smtClean="0"/>
+              <a:t>4. analysis </a:t>
+            </a:r>
+            <a:r>
+              <a:rPr lang="en-US" altLang="zh-CN" sz="4000" b="1" dirty="0"/>
+              <a:t>module</a:t>
+            </a:r>
+            <a:endParaRPr lang="zh-CN" altLang="en-US" sz="4000" b="1" dirty="0"/>
+          </a:p>
+        </p:txBody>
+      </p:sp>
+      <p:sp>
+        <p:nvSpPr>
+          <p:cNvPr id="3" name="内容占位符 2"/>
+          <p:cNvSpPr>
+            <a:spLocks noGrp="1"/>
+          </p:cNvSpPr>
+          <p:nvPr>
+            <p:ph idx="1"/>
+          </p:nvPr>
+        </p:nvSpPr>
+        <p:spPr/>
+        <p:txBody>
+          <a:bodyPr/>
+          <a:lstStyle/>
+          <a:p>
             <a:endParaRPr lang="zh-CN" altLang="en-US" dirty="0"/>
           </a:p>
         </p:txBody>
@@ -4302,7 +3385,7 @@
     </p:spTree>
     <p:extLst>
       <p:ext uri="{BB962C8B-B14F-4D97-AF65-F5344CB8AC3E}">
-        <p14:creationId xmlns:p14="http://schemas.microsoft.com/office/powerpoint/2010/main" val="3455380252"/>
+        <p14:creationId xmlns:p14="http://schemas.microsoft.com/office/powerpoint/2010/main" val="837385016"/>
       </p:ext>
     </p:extLst>
   </p:cSld>
@@ -4348,425 +3431,22 @@
         </p:nvSpPr>
         <p:spPr/>
         <p:txBody>
-          <a:bodyPr/>
-          <a:lstStyle/>
-          <a:p>
-            <a:r>
-              <a:rPr lang="en-US" altLang="zh-CN" sz="4000" dirty="0" smtClean="0"/>
-              <a:t>usage</a:t>
-            </a:r>
-            <a:endParaRPr lang="zh-CN" altLang="en-US" sz="4000" dirty="0"/>
-          </a:p>
-        </p:txBody>
-      </p:sp>
-      <p:sp>
-        <p:nvSpPr>
-          <p:cNvPr id="3" name="内容占位符 2"/>
-          <p:cNvSpPr>
-            <a:spLocks noGrp="1"/>
-          </p:cNvSpPr>
-          <p:nvPr>
-            <p:ph idx="1"/>
-          </p:nvPr>
-        </p:nvSpPr>
-        <p:spPr/>
-        <p:txBody>
           <a:bodyPr>
-            <a:noAutofit/>
+            <a:normAutofit/>
           </a:bodyPr>
           <a:lstStyle/>
           <a:p>
             <a:r>
-              <a:rPr lang="en-US" altLang="zh-CN" sz="1800" dirty="0" smtClean="0"/>
-              <a:t>Python-3.3.3/python life/src/NGS/Analysis/</a:t>
-            </a:r>
-            <a:r>
-              <a:rPr lang="en-US" altLang="zh-CN" sz="1800" dirty="0"/>
-              <a:t>Detectsignalacrossgenome_master.</a:t>
-            </a:r>
-            <a:r>
-              <a:rPr lang="en-US" altLang="zh-CN" sz="1800" dirty="0" smtClean="0"/>
-              <a:t>py </a:t>
-            </a:r>
-            <a:r>
-              <a:rPr lang="en-US" altLang="zh-CN" sz="1800" b="1" dirty="0"/>
-              <a:t>-o </a:t>
-            </a:r>
-            <a:r>
-              <a:rPr lang="en-US" altLang="zh-CN" sz="1800" dirty="0"/>
-              <a:t>/</a:t>
-            </a:r>
-            <a:r>
-              <a:rPr lang="en-US" altLang="zh-CN" sz="1800" dirty="0" smtClean="0"/>
-              <a:t>home/</a:t>
-            </a:r>
-            <a:r>
-              <a:rPr lang="en-US" altLang="zh-CN" sz="1800" dirty="0" err="1" smtClean="0"/>
-              <a:t>bioinfo</a:t>
-            </a:r>
-            <a:r>
-              <a:rPr lang="en-US" altLang="zh-CN" sz="1800" dirty="0" smtClean="0"/>
-              <a:t>/</a:t>
-            </a:r>
-            <a:r>
-              <a:rPr lang="en-US" altLang="zh-CN" sz="1800" dirty="0" err="1" smtClean="0"/>
-              <a:t>liurui</a:t>
-            </a:r>
-            <a:r>
-              <a:rPr lang="en-US" altLang="zh-CN" sz="1800" dirty="0" smtClean="0"/>
-              <a:t>/data/</a:t>
-            </a:r>
-            <a:r>
-              <a:rPr lang="en-US" altLang="zh-CN" sz="1800" dirty="0" err="1" smtClean="0"/>
-              <a:t>detectselection</a:t>
-            </a:r>
-            <a:r>
-              <a:rPr lang="en-US" altLang="zh-CN" sz="1800" dirty="0" smtClean="0"/>
-              <a:t>/</a:t>
-            </a:r>
-            <a:r>
-              <a:rPr lang="en-US" altLang="zh-CN" sz="1800" dirty="0" err="1" smtClean="0"/>
-              <a:t>uniqmap</a:t>
-            </a:r>
-            <a:r>
-              <a:rPr lang="en-US" altLang="zh-CN" sz="1800" dirty="0" smtClean="0"/>
-              <a:t>/</a:t>
-            </a:r>
-            <a:r>
-              <a:rPr lang="en-US" altLang="zh-CN" sz="1800" dirty="0" err="1" smtClean="0"/>
-              <a:t>earlystageselectivesweep</a:t>
-            </a:r>
-            <a:r>
-              <a:rPr lang="en-US" altLang="zh-CN" sz="1800" dirty="0" smtClean="0"/>
-              <a:t>/</a:t>
-            </a:r>
-            <a:r>
-              <a:rPr lang="en-US" altLang="zh-CN" sz="1800" dirty="0" err="1" smtClean="0"/>
-              <a:t>finaleditionfromproducetoslidwin</a:t>
-            </a:r>
-            <a:r>
-              <a:rPr lang="en-US" altLang="zh-CN" sz="1800" dirty="0" smtClean="0"/>
-              <a:t>  </a:t>
-            </a:r>
-            <a:r>
-              <a:rPr lang="en-US" altLang="zh-CN" sz="1800" b="1" dirty="0" smtClean="0"/>
-              <a:t>-</a:t>
-            </a:r>
-            <a:r>
-              <a:rPr lang="en-US" altLang="zh-CN" sz="1800" b="1" dirty="0"/>
-              <a:t>n</a:t>
-            </a:r>
-            <a:r>
-              <a:rPr lang="en-US" altLang="zh-CN" sz="1800" dirty="0"/>
-              <a:t> 14  -t mspsgjlksy10pop_toplevel_pekingduckref </a:t>
-            </a:r>
-            <a:r>
-              <a:rPr lang="en-US" altLang="zh-CN" sz="1800" b="1" dirty="0"/>
-              <a:t>-T </a:t>
-            </a:r>
-            <a:r>
-              <a:rPr lang="en-US" altLang="zh-CN" sz="1800" dirty="0" err="1" smtClean="0"/>
-              <a:t>mallard.VCFBAMconfig</a:t>
-            </a:r>
-            <a:r>
-              <a:rPr lang="en-US" altLang="zh-CN" sz="1800" dirty="0" smtClean="0"/>
-              <a:t> </a:t>
-            </a:r>
-            <a:r>
-              <a:rPr lang="en-US" altLang="zh-CN" sz="1800" b="1" dirty="0"/>
-              <a:t>-T </a:t>
-            </a:r>
-            <a:r>
-              <a:rPr lang="en-US" altLang="zh-CN" sz="1800" dirty="0" err="1" smtClean="0"/>
-              <a:t>spotbilled.VCFBAMconfig</a:t>
-            </a:r>
-            <a:r>
-              <a:rPr lang="en-US" altLang="zh-CN" sz="1800" dirty="0" smtClean="0"/>
-              <a:t> </a:t>
-            </a:r>
-            <a:r>
-              <a:rPr lang="en-US" altLang="zh-CN" sz="1800" b="1" dirty="0"/>
-              <a:t>-R</a:t>
-            </a:r>
-            <a:r>
-              <a:rPr lang="en-US" altLang="zh-CN" sz="1800" dirty="0"/>
-              <a:t> </a:t>
-            </a:r>
-            <a:r>
-              <a:rPr lang="en-US" altLang="zh-CN" sz="1800" dirty="0" err="1" smtClean="0"/>
-              <a:t>gaoyou.VCFBAMconfig</a:t>
-            </a:r>
-            <a:r>
-              <a:rPr lang="en-US" altLang="zh-CN" sz="1800" dirty="0" smtClean="0"/>
-              <a:t> </a:t>
-            </a:r>
-            <a:r>
-              <a:rPr lang="en-US" altLang="zh-CN" sz="1800" b="1" dirty="0"/>
-              <a:t>-R</a:t>
-            </a:r>
-            <a:r>
-              <a:rPr lang="en-US" altLang="zh-CN" sz="1800" dirty="0"/>
-              <a:t> </a:t>
-            </a:r>
-            <a:r>
-              <a:rPr lang="en-US" altLang="zh-CN" sz="1800" dirty="0" err="1" smtClean="0"/>
-              <a:t>lianchengbai.VCFBAMconfig</a:t>
-            </a:r>
-            <a:r>
-              <a:rPr lang="en-US" altLang="zh-CN" sz="1800" dirty="0" smtClean="0"/>
-              <a:t> </a:t>
-            </a:r>
-            <a:r>
-              <a:rPr lang="en-US" altLang="zh-CN" sz="1800" b="1" dirty="0"/>
-              <a:t>-R</a:t>
-            </a:r>
-            <a:r>
-              <a:rPr lang="en-US" altLang="zh-CN" sz="1800" dirty="0"/>
-              <a:t> </a:t>
-            </a:r>
-            <a:r>
-              <a:rPr lang="en-US" altLang="zh-CN" sz="1800" dirty="0" err="1" smtClean="0"/>
-              <a:t>jinding.VCFBAMconfig</a:t>
-            </a:r>
-            <a:r>
-              <a:rPr lang="en-US" altLang="zh-CN" sz="1800" dirty="0" smtClean="0"/>
-              <a:t> </a:t>
-            </a:r>
-            <a:r>
-              <a:rPr lang="en-US" altLang="zh-CN" sz="1800" b="1" dirty="0"/>
-              <a:t>-R</a:t>
-            </a:r>
-            <a:r>
-              <a:rPr lang="en-US" altLang="zh-CN" sz="1800" dirty="0"/>
-              <a:t> </a:t>
-            </a:r>
-            <a:r>
-              <a:rPr lang="en-US" altLang="zh-CN" sz="1800" dirty="0" err="1" smtClean="0"/>
-              <a:t>campbell.VCFBAMconfig</a:t>
-            </a:r>
-            <a:r>
-              <a:rPr lang="en-US" altLang="zh-CN" sz="1800" dirty="0" smtClean="0"/>
-              <a:t> </a:t>
-            </a:r>
-            <a:r>
-              <a:rPr lang="en-US" altLang="zh-CN" sz="1800" b="1" dirty="0"/>
-              <a:t>-R </a:t>
-            </a:r>
-            <a:r>
-              <a:rPr lang="en-US" altLang="zh-CN" sz="1800" dirty="0" err="1" smtClean="0"/>
-              <a:t>cherryvalley.VCFBAMconfig</a:t>
-            </a:r>
-            <a:r>
-              <a:rPr lang="en-US" altLang="zh-CN" sz="1800" dirty="0" smtClean="0"/>
-              <a:t> </a:t>
-            </a:r>
-            <a:r>
-              <a:rPr lang="en-US" altLang="zh-CN" sz="1800" b="1" dirty="0"/>
-              <a:t>-R</a:t>
-            </a:r>
-            <a:r>
-              <a:rPr lang="en-US" altLang="zh-CN" sz="1800" dirty="0"/>
-              <a:t> </a:t>
-            </a:r>
-            <a:r>
-              <a:rPr lang="en-US" altLang="zh-CN" sz="1800" dirty="0" err="1" smtClean="0"/>
-              <a:t>beijing.VCFBAMconfig</a:t>
-            </a:r>
-            <a:r>
-              <a:rPr lang="en-US" altLang="zh-CN" sz="1800" dirty="0" smtClean="0"/>
-              <a:t> </a:t>
-            </a:r>
-            <a:r>
-              <a:rPr lang="en-US" altLang="zh-CN" sz="1800" b="1" dirty="0" smtClean="0"/>
-              <a:t>-R</a:t>
-            </a:r>
-            <a:r>
-              <a:rPr lang="en-US" altLang="zh-CN" sz="1800" dirty="0" smtClean="0"/>
-              <a:t> </a:t>
-            </a:r>
-            <a:r>
-              <a:rPr lang="en-US" altLang="zh-CN" sz="1800" dirty="0" err="1" smtClean="0"/>
-              <a:t>shaoxing.VCFBAMconfig</a:t>
-            </a:r>
-            <a:r>
-              <a:rPr lang="en-US" altLang="zh-CN" sz="1800" dirty="0" smtClean="0"/>
-              <a:t> </a:t>
-            </a:r>
-            <a:r>
-              <a:rPr lang="en-US" altLang="zh-CN" sz="1800" b="1" dirty="0"/>
-              <a:t>-R</a:t>
-            </a:r>
-            <a:r>
-              <a:rPr lang="en-US" altLang="zh-CN" sz="1800" dirty="0"/>
-              <a:t> </a:t>
-            </a:r>
-            <a:r>
-              <a:rPr lang="en-US" altLang="zh-CN" sz="1800" dirty="0" err="1" smtClean="0"/>
-              <a:t>shanma.VCFBAMconfig</a:t>
-            </a:r>
-            <a:r>
-              <a:rPr lang="en-US" altLang="zh-CN" sz="1800" dirty="0" smtClean="0"/>
-              <a:t> </a:t>
-            </a:r>
-            <a:r>
-              <a:rPr lang="en-US" altLang="zh-CN" sz="1800" b="1" dirty="0"/>
-              <a:t>-w</a:t>
-            </a:r>
-            <a:r>
-              <a:rPr lang="en-US" altLang="zh-CN" sz="1800" dirty="0"/>
-              <a:t> 20000 </a:t>
-            </a:r>
-            <a:r>
-              <a:rPr lang="en-US" altLang="zh-CN" sz="1800" b="1" dirty="0"/>
-              <a:t>-s</a:t>
-            </a:r>
-            <a:r>
-              <a:rPr lang="en-US" altLang="zh-CN" sz="1800" dirty="0"/>
-              <a:t> 10000 </a:t>
-            </a:r>
-            <a:r>
-              <a:rPr lang="en-US" altLang="zh-CN" sz="1800" b="1" dirty="0"/>
-              <a:t>-c</a:t>
-            </a:r>
-            <a:r>
-              <a:rPr lang="en-US" altLang="zh-CN" sz="1800" dirty="0"/>
-              <a:t> </a:t>
-            </a:r>
-            <a:r>
-              <a:rPr lang="en-US" altLang="zh-CN" sz="1800" dirty="0" smtClean="0"/>
-              <a:t>pekingduckchrominfo.autosomescaffolds_1  </a:t>
-            </a:r>
-            <a:r>
-              <a:rPr lang="en-US" altLang="zh-CN" sz="1800" dirty="0"/>
-              <a:t>-</a:t>
-            </a:r>
-            <a:r>
-              <a:rPr lang="en-US" altLang="zh-CN" sz="1800" b="1" dirty="0"/>
-              <a:t>c</a:t>
-            </a:r>
-            <a:r>
-              <a:rPr lang="en-US" altLang="zh-CN" sz="1800" dirty="0"/>
-              <a:t> </a:t>
-            </a:r>
-            <a:r>
-              <a:rPr lang="en-US" altLang="zh-CN" sz="1800" dirty="0" smtClean="0"/>
-              <a:t>pekingduckchrominfo.autosomescaffolds_2  -</a:t>
-            </a:r>
-            <a:r>
-              <a:rPr lang="en-US" altLang="zh-CN" sz="1800" b="1" dirty="0"/>
-              <a:t>c</a:t>
-            </a:r>
-            <a:r>
-              <a:rPr lang="en-US" altLang="zh-CN" sz="1800" dirty="0"/>
-              <a:t> </a:t>
-            </a:r>
-            <a:r>
-              <a:rPr lang="en-US" altLang="zh-CN" sz="1800" dirty="0" smtClean="0"/>
-              <a:t>pekingduckchrominfo.autosomescaffolds_3   -</a:t>
-            </a:r>
-            <a:r>
-              <a:rPr lang="en-US" altLang="zh-CN" sz="1800" b="1" dirty="0"/>
-              <a:t>c</a:t>
-            </a:r>
-            <a:r>
-              <a:rPr lang="en-US" altLang="zh-CN" sz="1800" dirty="0"/>
-              <a:t> </a:t>
-            </a:r>
-            <a:r>
-              <a:rPr lang="en-US" altLang="zh-CN" sz="1800" dirty="0" smtClean="0"/>
-              <a:t>pekingduckchrominfo.autosomescaffolds_4  -</a:t>
-            </a:r>
-            <a:r>
-              <a:rPr lang="en-US" altLang="zh-CN" sz="1800" b="1" dirty="0"/>
-              <a:t>c</a:t>
-            </a:r>
-            <a:r>
-              <a:rPr lang="en-US" altLang="zh-CN" sz="1800" dirty="0"/>
-              <a:t> </a:t>
-            </a:r>
-            <a:r>
-              <a:rPr lang="en-US" altLang="zh-CN" sz="1800" dirty="0" smtClean="0"/>
-              <a:t>pekingduckchrominfo.autosomescaffolds_5   -</a:t>
-            </a:r>
-            <a:r>
-              <a:rPr lang="en-US" altLang="zh-CN" sz="1800" b="1" dirty="0"/>
-              <a:t>c</a:t>
-            </a:r>
-            <a:r>
-              <a:rPr lang="en-US" altLang="zh-CN" sz="1800" dirty="0"/>
-              <a:t> </a:t>
-            </a:r>
-            <a:r>
-              <a:rPr lang="en-US" altLang="zh-CN" sz="1800" dirty="0" smtClean="0"/>
-              <a:t>pekingduckchrominfo.autosomescaffolds_6  </a:t>
-            </a:r>
-            <a:r>
-              <a:rPr lang="en-US" altLang="zh-CN" sz="1800" dirty="0"/>
-              <a:t>-</a:t>
-            </a:r>
-            <a:r>
-              <a:rPr lang="en-US" altLang="zh-CN" sz="1800" b="1" dirty="0"/>
-              <a:t>c</a:t>
-            </a:r>
-            <a:r>
-              <a:rPr lang="en-US" altLang="zh-CN" sz="1800" dirty="0"/>
-              <a:t> </a:t>
-            </a:r>
-            <a:r>
-              <a:rPr lang="en-US" altLang="zh-CN" sz="1800" dirty="0" smtClean="0"/>
-              <a:t>pekingduckchrominfo.autosomescaffolds_7  -</a:t>
-            </a:r>
-            <a:r>
-              <a:rPr lang="en-US" altLang="zh-CN" sz="1800" b="1" dirty="0"/>
-              <a:t>c</a:t>
-            </a:r>
-            <a:r>
-              <a:rPr lang="en-US" altLang="zh-CN" sz="1800" dirty="0"/>
-              <a:t> </a:t>
-            </a:r>
-            <a:r>
-              <a:rPr lang="en-US" altLang="zh-CN" sz="1800" dirty="0" smtClean="0"/>
-              <a:t>pekingduckchrominfo.autosomescaffolds_8  </a:t>
-            </a:r>
-            <a:r>
-              <a:rPr lang="en-US" altLang="zh-CN" sz="1800" b="1" dirty="0"/>
-              <a:t>-1</a:t>
-            </a:r>
-            <a:r>
-              <a:rPr lang="en-US" altLang="zh-CN" sz="1800" dirty="0"/>
-              <a:t> </a:t>
-            </a:r>
-            <a:r>
-              <a:rPr lang="en-US" altLang="zh-CN" sz="1800" dirty="0" smtClean="0"/>
-              <a:t>life/src/NGS/Slave/Detectsignalacrossgenome_producecorrelation_slave.py </a:t>
-            </a:r>
-            <a:r>
-              <a:rPr lang="en-US" altLang="zh-CN" sz="1800" dirty="0"/>
-              <a:t>-</a:t>
-            </a:r>
-            <a:r>
-              <a:rPr lang="en-US" altLang="zh-CN" sz="1800" b="1" dirty="0"/>
-              <a:t>2</a:t>
-            </a:r>
-            <a:r>
-              <a:rPr lang="en-US" altLang="zh-CN" sz="1800" dirty="0"/>
-              <a:t> life/src/NGS/Slave/Detectsignalacrossgenome_slidewin_slave.py -</a:t>
-            </a:r>
-            <a:r>
-              <a:rPr lang="en-US" altLang="zh-CN" sz="1800" b="1" dirty="0"/>
-              <a:t>p</a:t>
-            </a:r>
-            <a:r>
-              <a:rPr lang="en-US" altLang="zh-CN" sz="1800" dirty="0"/>
-              <a:t> early</a:t>
-            </a:r>
-            <a:endParaRPr lang="zh-CN" altLang="en-US" sz="1800" dirty="0"/>
-          </a:p>
-        </p:txBody>
-      </p:sp>
-      <p:sp>
-        <p:nvSpPr>
-          <p:cNvPr id="5" name="TextBox 4"/>
+              <a:rPr lang="en-US" altLang="zh-CN" sz="3200" dirty="0" smtClean="0"/>
+              <a:t>overview</a:t>
+            </a:r>
+            <a:endParaRPr lang="zh-CN" altLang="en-US" sz="3200" dirty="0"/>
+          </a:p>
+        </p:txBody>
+      </p:sp>
+      <p:sp>
+        <p:nvSpPr>
+          <p:cNvPr id="4" name="TextBox 3"/>
           <p:cNvSpPr txBox="1"/>
           <p:nvPr/>
         </p:nvSpPr>
@@ -4802,10 +3482,951 @@
           </a:p>
         </p:txBody>
       </p:sp>
+      <p:sp>
+        <p:nvSpPr>
+          <p:cNvPr id="5" name="矩形 4"/>
+          <p:cNvSpPr/>
+          <p:nvPr/>
+        </p:nvSpPr>
+        <p:spPr>
+          <a:xfrm>
+            <a:off x="4074541" y="2323332"/>
+            <a:ext cx="1728192" cy="1152128"/>
+          </a:xfrm>
+          <a:prstGeom prst="rect">
+            <a:avLst/>
+          </a:prstGeom>
+          <a:solidFill>
+            <a:schemeClr val="accent1">
+              <a:alpha val="0"/>
+            </a:schemeClr>
+          </a:solidFill>
+        </p:spPr>
+        <p:style>
+          <a:lnRef idx="2">
+            <a:schemeClr val="accent1">
+              <a:shade val="50000"/>
+            </a:schemeClr>
+          </a:lnRef>
+          <a:fillRef idx="1">
+            <a:schemeClr val="accent1"/>
+          </a:fillRef>
+          <a:effectRef idx="0">
+            <a:schemeClr val="accent1"/>
+          </a:effectRef>
+          <a:fontRef idx="minor">
+            <a:schemeClr val="lt1"/>
+          </a:fontRef>
+        </p:style>
+        <p:txBody>
+          <a:bodyPr rtlCol="0" anchor="ctr"/>
+          <a:lstStyle/>
+          <a:p>
+            <a:pPr algn="ctr"/>
+            <a:r>
+              <a:rPr lang="en-US" altLang="zh-CN" dirty="0">
+                <a:solidFill>
+                  <a:schemeClr val="tx1"/>
+                </a:solidFill>
+              </a:rPr>
+              <a:t>Detectsignalacrossgenome_master.py</a:t>
+            </a:r>
+            <a:endParaRPr lang="zh-CN" altLang="en-US" dirty="0">
+              <a:solidFill>
+                <a:schemeClr val="tx1"/>
+              </a:solidFill>
+            </a:endParaRPr>
+          </a:p>
+        </p:txBody>
+      </p:sp>
+      <p:sp>
+        <p:nvSpPr>
+          <p:cNvPr id="6" name="TextBox 5"/>
+          <p:cNvSpPr txBox="1"/>
+          <p:nvPr/>
+        </p:nvSpPr>
+        <p:spPr>
+          <a:xfrm>
+            <a:off x="-16046" y="332656"/>
+            <a:ext cx="3363910" cy="6740307"/>
+          </a:xfrm>
+          <a:prstGeom prst="rect">
+            <a:avLst/>
+          </a:prstGeom>
+          <a:noFill/>
+        </p:spPr>
+        <p:txBody>
+          <a:bodyPr wrap="square" rtlCol="0">
+            <a:spAutoFit/>
+          </a:bodyPr>
+          <a:lstStyle/>
+          <a:p>
+            <a:r>
+              <a:rPr lang="en-US" altLang="zh-CN" dirty="0" smtClean="0"/>
+              <a:t>-o path to </a:t>
+            </a:r>
+            <a:r>
+              <a:rPr lang="en-US" altLang="zh-CN" dirty="0" err="1" smtClean="0"/>
+              <a:t>ouput</a:t>
+            </a:r>
+            <a:r>
+              <a:rPr lang="en-US" altLang="zh-CN" dirty="0" smtClean="0"/>
+              <a:t> prefix name</a:t>
+            </a:r>
+          </a:p>
+          <a:p>
+            <a:r>
+              <a:rPr lang="en-US" altLang="zh-CN" dirty="0" smtClean="0"/>
+              <a:t>-T </a:t>
+            </a:r>
+            <a:r>
+              <a:rPr lang="en-US" altLang="zh-CN" dirty="0" err="1" smtClean="0"/>
+              <a:t>targetpopvcf</a:t>
+            </a:r>
+            <a:r>
+              <a:rPr lang="en-US" altLang="zh-CN" dirty="0"/>
+              <a:t> </a:t>
+            </a:r>
+            <a:r>
+              <a:rPr lang="en-US" altLang="zh-CN" dirty="0" err="1" smtClean="0"/>
+              <a:t>depthconfig</a:t>
+            </a:r>
+            <a:r>
+              <a:rPr lang="en-US" altLang="zh-CN" dirty="0" smtClean="0"/>
+              <a:t> </a:t>
+            </a:r>
+            <a:r>
+              <a:rPr lang="en-US" altLang="zh-CN" dirty="0"/>
+              <a:t>(multiple –R when multiple populations were used, omit when calculate </a:t>
+            </a:r>
+            <a:r>
+              <a:rPr lang="en-US" altLang="zh-CN" dirty="0" err="1" smtClean="0"/>
+              <a:t>Hp</a:t>
+            </a:r>
+            <a:r>
+              <a:rPr lang="en-US" altLang="zh-CN" dirty="0" smtClean="0"/>
+              <a:t>)</a:t>
+            </a:r>
+          </a:p>
+          <a:p>
+            <a:r>
+              <a:rPr lang="en-US" altLang="zh-CN" dirty="0" smtClean="0"/>
+              <a:t>-</a:t>
+            </a:r>
+            <a:r>
+              <a:rPr lang="en-US" altLang="zh-CN" dirty="0"/>
+              <a:t>R </a:t>
+            </a:r>
+            <a:r>
+              <a:rPr lang="en-US" altLang="zh-CN" dirty="0" err="1" smtClean="0"/>
+              <a:t>refpopvcf</a:t>
+            </a:r>
+            <a:r>
+              <a:rPr lang="en-US" altLang="zh-CN" dirty="0" smtClean="0"/>
+              <a:t> </a:t>
+            </a:r>
+            <a:r>
+              <a:rPr lang="en-US" altLang="zh-CN" dirty="0" err="1" smtClean="0"/>
+              <a:t>depthconfig</a:t>
+            </a:r>
+            <a:r>
+              <a:rPr lang="en-US" altLang="zh-CN" dirty="0" smtClean="0"/>
+              <a:t> (multiple)</a:t>
+            </a:r>
+            <a:endParaRPr lang="en-US" altLang="zh-CN" dirty="0"/>
+          </a:p>
+          <a:p>
+            <a:r>
+              <a:rPr lang="en-US" altLang="zh-CN" dirty="0" smtClean="0"/>
+              <a:t>-t </a:t>
+            </a:r>
+            <a:r>
+              <a:rPr lang="en-US" altLang="zh-CN" dirty="0" err="1" smtClean="0"/>
+              <a:t>toplevel_snp_table</a:t>
+            </a:r>
+            <a:r>
+              <a:rPr lang="en-US" altLang="zh-CN" dirty="0" smtClean="0"/>
+              <a:t> (to know ancestral allele and context bases)</a:t>
+            </a:r>
+          </a:p>
+          <a:p>
+            <a:r>
+              <a:rPr lang="en-US" altLang="zh-CN" dirty="0" smtClean="0"/>
+              <a:t>-c/-b multiple chromosome list or bed like file ( -c or –b only one is needed)</a:t>
+            </a:r>
+          </a:p>
+          <a:p>
+            <a:r>
+              <a:rPr lang="en-US" altLang="zh-CN" dirty="0" smtClean="0"/>
+              <a:t>-p type of signal (early, </a:t>
+            </a:r>
+            <a:r>
+              <a:rPr lang="en-US" altLang="zh-CN" dirty="0" err="1" smtClean="0"/>
+              <a:t>hp</a:t>
+            </a:r>
+            <a:r>
+              <a:rPr lang="en-US" altLang="zh-CN" dirty="0" smtClean="0"/>
+              <a:t>, </a:t>
+            </a:r>
+            <a:r>
+              <a:rPr lang="en-US" altLang="zh-CN" dirty="0" err="1" smtClean="0"/>
+              <a:t>Fst</a:t>
+            </a:r>
+            <a:r>
+              <a:rPr lang="en-US" altLang="zh-CN" dirty="0" smtClean="0"/>
+              <a:t>)</a:t>
+            </a:r>
+          </a:p>
+          <a:p>
+            <a:r>
+              <a:rPr lang="en-US" altLang="zh-CN" dirty="0" smtClean="0"/>
+              <a:t>-C </a:t>
+            </a:r>
+            <a:r>
+              <a:rPr lang="en-US" altLang="zh-CN" dirty="0" err="1" smtClean="0"/>
+              <a:t>freq_correlation</a:t>
+            </a:r>
+            <a:r>
+              <a:rPr lang="en-US" altLang="zh-CN" dirty="0"/>
+              <a:t> </a:t>
+            </a:r>
+            <a:r>
+              <a:rPr lang="en-US" altLang="zh-CN" dirty="0" smtClean="0"/>
+              <a:t>file ,for “early” only</a:t>
+            </a:r>
+          </a:p>
+          <a:p>
+            <a:r>
+              <a:rPr lang="en-US" altLang="zh-CN" dirty="0" smtClean="0"/>
+              <a:t>-n number of individuals , for “early” only. Decide to </a:t>
+            </a:r>
+            <a:r>
+              <a:rPr lang="en-US" altLang="zh-CN" dirty="0" err="1" smtClean="0"/>
+              <a:t>divid</a:t>
+            </a:r>
+            <a:r>
+              <a:rPr lang="en-US" altLang="zh-CN" dirty="0" smtClean="0"/>
+              <a:t> frequency in to how many bins</a:t>
+            </a:r>
+          </a:p>
+          <a:p>
+            <a:r>
+              <a:rPr lang="en-US" altLang="zh-CN" dirty="0" smtClean="0"/>
+              <a:t>-1 frequency correlation calculate slaver </a:t>
+            </a:r>
+            <a:r>
+              <a:rPr lang="en-US" altLang="zh-CN" dirty="0" err="1" smtClean="0"/>
+              <a:t>programm</a:t>
+            </a:r>
+            <a:r>
+              <a:rPr lang="en-US" altLang="zh-CN" dirty="0" smtClean="0"/>
+              <a:t> name</a:t>
+            </a:r>
+          </a:p>
+          <a:p>
+            <a:r>
+              <a:rPr lang="en-US" altLang="zh-CN" dirty="0" smtClean="0"/>
+              <a:t>-2 slaver that slide window to calculate signal</a:t>
+            </a:r>
+          </a:p>
+          <a:p>
+            <a:r>
+              <a:rPr lang="en-US" altLang="zh-CN" dirty="0" smtClean="0"/>
+              <a:t>-w window size</a:t>
+            </a:r>
+          </a:p>
+          <a:p>
+            <a:r>
+              <a:rPr lang="en-US" altLang="zh-CN" dirty="0" smtClean="0"/>
+              <a:t>-s slide steps</a:t>
+            </a:r>
+          </a:p>
+        </p:txBody>
+      </p:sp>
+      <p:sp>
+        <p:nvSpPr>
+          <p:cNvPr id="7" name="右大括号 6"/>
+          <p:cNvSpPr/>
+          <p:nvPr/>
+        </p:nvSpPr>
+        <p:spPr>
+          <a:xfrm>
+            <a:off x="3059832" y="1628801"/>
+            <a:ext cx="432048" cy="3612018"/>
+          </a:xfrm>
+          <a:prstGeom prst="rightBrace">
+            <a:avLst>
+              <a:gd name="adj1" fmla="val 8333"/>
+              <a:gd name="adj2" fmla="val 36699"/>
+            </a:avLst>
+          </a:prstGeom>
+        </p:spPr>
+        <p:style>
+          <a:lnRef idx="1">
+            <a:schemeClr val="accent1"/>
+          </a:lnRef>
+          <a:fillRef idx="0">
+            <a:schemeClr val="accent1"/>
+          </a:fillRef>
+          <a:effectRef idx="0">
+            <a:schemeClr val="accent1"/>
+          </a:effectRef>
+          <a:fontRef idx="minor">
+            <a:schemeClr val="tx1"/>
+          </a:fontRef>
+        </p:style>
+        <p:txBody>
+          <a:bodyPr rtlCol="0" anchor="ctr"/>
+          <a:lstStyle/>
+          <a:p>
+            <a:pPr algn="ctr"/>
+            <a:endParaRPr lang="zh-CN" altLang="en-US"/>
+          </a:p>
+        </p:txBody>
+      </p:sp>
+      <p:sp>
+        <p:nvSpPr>
+          <p:cNvPr id="8" name="右箭头 7"/>
+          <p:cNvSpPr/>
+          <p:nvPr/>
+        </p:nvSpPr>
+        <p:spPr>
+          <a:xfrm>
+            <a:off x="5809999" y="2899396"/>
+            <a:ext cx="638092" cy="108012"/>
+          </a:xfrm>
+          <a:prstGeom prst="rightArrow">
+            <a:avLst/>
+          </a:prstGeom>
+        </p:spPr>
+        <p:style>
+          <a:lnRef idx="2">
+            <a:schemeClr val="accent1">
+              <a:shade val="50000"/>
+            </a:schemeClr>
+          </a:lnRef>
+          <a:fillRef idx="1">
+            <a:schemeClr val="accent1"/>
+          </a:fillRef>
+          <a:effectRef idx="0">
+            <a:schemeClr val="accent1"/>
+          </a:effectRef>
+          <a:fontRef idx="minor">
+            <a:schemeClr val="lt1"/>
+          </a:fontRef>
+        </p:style>
+        <p:txBody>
+          <a:bodyPr rtlCol="0" anchor="ctr"/>
+          <a:lstStyle/>
+          <a:p>
+            <a:pPr algn="ctr"/>
+            <a:endParaRPr lang="zh-CN" altLang="en-US"/>
+          </a:p>
+        </p:txBody>
+      </p:sp>
+      <p:sp>
+        <p:nvSpPr>
+          <p:cNvPr id="9" name="右箭头 8"/>
+          <p:cNvSpPr/>
+          <p:nvPr/>
+        </p:nvSpPr>
+        <p:spPr>
+          <a:xfrm>
+            <a:off x="3534989" y="2899396"/>
+            <a:ext cx="539552" cy="108012"/>
+          </a:xfrm>
+          <a:prstGeom prst="rightArrow">
+            <a:avLst/>
+          </a:prstGeom>
+        </p:spPr>
+        <p:style>
+          <a:lnRef idx="2">
+            <a:schemeClr val="accent1">
+              <a:shade val="50000"/>
+            </a:schemeClr>
+          </a:lnRef>
+          <a:fillRef idx="1">
+            <a:schemeClr val="accent1"/>
+          </a:fillRef>
+          <a:effectRef idx="0">
+            <a:schemeClr val="accent1"/>
+          </a:effectRef>
+          <a:fontRef idx="minor">
+            <a:schemeClr val="lt1"/>
+          </a:fontRef>
+        </p:style>
+        <p:txBody>
+          <a:bodyPr rtlCol="0" anchor="ctr"/>
+          <a:lstStyle/>
+          <a:p>
+            <a:pPr algn="ctr"/>
+            <a:endParaRPr lang="zh-CN" altLang="en-US"/>
+          </a:p>
+        </p:txBody>
+      </p:sp>
+      <p:sp>
+        <p:nvSpPr>
+          <p:cNvPr id="10" name="TextBox 9"/>
+          <p:cNvSpPr txBox="1"/>
+          <p:nvPr/>
+        </p:nvSpPr>
+        <p:spPr>
+          <a:xfrm>
+            <a:off x="3275856" y="2539356"/>
+            <a:ext cx="798685" cy="369332"/>
+          </a:xfrm>
+          <a:prstGeom prst="rect">
+            <a:avLst/>
+          </a:prstGeom>
+          <a:noFill/>
+        </p:spPr>
+        <p:txBody>
+          <a:bodyPr wrap="square" rtlCol="0">
+            <a:spAutoFit/>
+          </a:bodyPr>
+          <a:lstStyle/>
+          <a:p>
+            <a:r>
+              <a:rPr lang="en-US" altLang="zh-CN" dirty="0" smtClean="0"/>
+              <a:t>input</a:t>
+            </a:r>
+            <a:endParaRPr lang="zh-CN" altLang="en-US" dirty="0"/>
+          </a:p>
+        </p:txBody>
+      </p:sp>
+      <p:sp>
+        <p:nvSpPr>
+          <p:cNvPr id="11" name="TextBox 10"/>
+          <p:cNvSpPr txBox="1"/>
+          <p:nvPr/>
+        </p:nvSpPr>
+        <p:spPr>
+          <a:xfrm>
+            <a:off x="6907224" y="2576230"/>
+            <a:ext cx="2232248" cy="646331"/>
+          </a:xfrm>
+          <a:prstGeom prst="rect">
+            <a:avLst/>
+          </a:prstGeom>
+          <a:noFill/>
+        </p:spPr>
+        <p:txBody>
+          <a:bodyPr wrap="square" rtlCol="0">
+            <a:spAutoFit/>
+          </a:bodyPr>
+          <a:lstStyle/>
+          <a:p>
+            <a:r>
+              <a:rPr lang="en-US" altLang="zh-CN" dirty="0" err="1" smtClean="0"/>
+              <a:t>winfile</a:t>
+            </a:r>
+            <a:endParaRPr lang="en-US" altLang="zh-CN" dirty="0" smtClean="0"/>
+          </a:p>
+          <a:p>
+            <a:r>
+              <a:rPr lang="en-US" altLang="zh-CN" dirty="0"/>
+              <a:t>(</a:t>
+            </a:r>
+            <a:r>
+              <a:rPr lang="en-US" altLang="zh-CN" dirty="0" err="1" smtClean="0"/>
+              <a:t>freq_correlation</a:t>
+            </a:r>
+            <a:r>
+              <a:rPr lang="en-US" altLang="zh-CN" dirty="0" smtClean="0"/>
+              <a:t>  file)</a:t>
+            </a:r>
+          </a:p>
+        </p:txBody>
+      </p:sp>
+      <p:sp>
+        <p:nvSpPr>
+          <p:cNvPr id="12" name="TextBox 11"/>
+          <p:cNvSpPr txBox="1"/>
+          <p:nvPr/>
+        </p:nvSpPr>
+        <p:spPr>
+          <a:xfrm>
+            <a:off x="5802733" y="2564904"/>
+            <a:ext cx="915918" cy="369332"/>
+          </a:xfrm>
+          <a:prstGeom prst="rect">
+            <a:avLst/>
+          </a:prstGeom>
+          <a:noFill/>
+        </p:spPr>
+        <p:txBody>
+          <a:bodyPr wrap="square" rtlCol="0">
+            <a:spAutoFit/>
+          </a:bodyPr>
+          <a:lstStyle/>
+          <a:p>
+            <a:r>
+              <a:rPr lang="en-US" altLang="zh-CN" dirty="0" smtClean="0"/>
+              <a:t>output</a:t>
+            </a:r>
+            <a:endParaRPr lang="zh-CN" altLang="en-US" dirty="0"/>
+          </a:p>
+        </p:txBody>
+      </p:sp>
+      <p:sp>
+        <p:nvSpPr>
+          <p:cNvPr id="13" name="左大括号 12"/>
+          <p:cNvSpPr/>
+          <p:nvPr/>
+        </p:nvSpPr>
+        <p:spPr>
+          <a:xfrm>
+            <a:off x="6530079" y="2060848"/>
+            <a:ext cx="377145" cy="1800200"/>
+          </a:xfrm>
+          <a:prstGeom prst="leftBrace">
+            <a:avLst/>
+          </a:prstGeom>
+        </p:spPr>
+        <p:style>
+          <a:lnRef idx="1">
+            <a:schemeClr val="accent1"/>
+          </a:lnRef>
+          <a:fillRef idx="0">
+            <a:schemeClr val="accent1"/>
+          </a:fillRef>
+          <a:effectRef idx="0">
+            <a:schemeClr val="accent1"/>
+          </a:effectRef>
+          <a:fontRef idx="minor">
+            <a:schemeClr val="tx1"/>
+          </a:fontRef>
+        </p:style>
+        <p:txBody>
+          <a:bodyPr rtlCol="0" anchor="ctr"/>
+          <a:lstStyle/>
+          <a:p>
+            <a:pPr algn="ctr"/>
+            <a:endParaRPr lang="zh-CN" altLang="en-US"/>
+          </a:p>
+        </p:txBody>
+      </p:sp>
+      <p:cxnSp>
+        <p:nvCxnSpPr>
+          <p:cNvPr id="14" name="直接箭头连接符 13"/>
+          <p:cNvCxnSpPr/>
+          <p:nvPr/>
+        </p:nvCxnSpPr>
+        <p:spPr>
+          <a:xfrm flipH="1">
+            <a:off x="3975991" y="3475460"/>
+            <a:ext cx="425450" cy="1396027"/>
+          </a:xfrm>
+          <a:prstGeom prst="straightConnector1">
+            <a:avLst/>
+          </a:prstGeom>
+          <a:ln>
+            <a:tailEnd type="arrow"/>
+          </a:ln>
+        </p:spPr>
+        <p:style>
+          <a:lnRef idx="1">
+            <a:schemeClr val="accent1"/>
+          </a:lnRef>
+          <a:fillRef idx="0">
+            <a:schemeClr val="accent1"/>
+          </a:fillRef>
+          <a:effectRef idx="0">
+            <a:schemeClr val="accent1"/>
+          </a:effectRef>
+          <a:fontRef idx="minor">
+            <a:schemeClr val="tx1"/>
+          </a:fontRef>
+        </p:style>
+      </p:cxnSp>
+      <p:cxnSp>
+        <p:nvCxnSpPr>
+          <p:cNvPr id="15" name="直接箭头连接符 14"/>
+          <p:cNvCxnSpPr/>
+          <p:nvPr/>
+        </p:nvCxnSpPr>
+        <p:spPr>
+          <a:xfrm>
+            <a:off x="4788024" y="3575343"/>
+            <a:ext cx="0" cy="1296144"/>
+          </a:xfrm>
+          <a:prstGeom prst="straightConnector1">
+            <a:avLst/>
+          </a:prstGeom>
+          <a:ln>
+            <a:tailEnd type="arrow"/>
+          </a:ln>
+        </p:spPr>
+        <p:style>
+          <a:lnRef idx="1">
+            <a:schemeClr val="accent1"/>
+          </a:lnRef>
+          <a:fillRef idx="0">
+            <a:schemeClr val="accent1"/>
+          </a:fillRef>
+          <a:effectRef idx="0">
+            <a:schemeClr val="accent1"/>
+          </a:effectRef>
+          <a:fontRef idx="minor">
+            <a:schemeClr val="tx1"/>
+          </a:fontRef>
+        </p:style>
+      </p:cxnSp>
+      <p:cxnSp>
+        <p:nvCxnSpPr>
+          <p:cNvPr id="16" name="直接箭头连接符 15"/>
+          <p:cNvCxnSpPr/>
+          <p:nvPr/>
+        </p:nvCxnSpPr>
+        <p:spPr>
+          <a:xfrm>
+            <a:off x="5249144" y="3575343"/>
+            <a:ext cx="373903" cy="1296144"/>
+          </a:xfrm>
+          <a:prstGeom prst="straightConnector1">
+            <a:avLst/>
+          </a:prstGeom>
+          <a:ln>
+            <a:tailEnd type="arrow"/>
+          </a:ln>
+        </p:spPr>
+        <p:style>
+          <a:lnRef idx="1">
+            <a:schemeClr val="accent1"/>
+          </a:lnRef>
+          <a:fillRef idx="0">
+            <a:schemeClr val="accent1"/>
+          </a:fillRef>
+          <a:effectRef idx="0">
+            <a:schemeClr val="accent1"/>
+          </a:effectRef>
+          <a:fontRef idx="minor">
+            <a:schemeClr val="tx1"/>
+          </a:fontRef>
+        </p:style>
+      </p:cxnSp>
+      <p:sp>
+        <p:nvSpPr>
+          <p:cNvPr id="17" name="TextBox 16"/>
+          <p:cNvSpPr txBox="1"/>
+          <p:nvPr/>
+        </p:nvSpPr>
+        <p:spPr>
+          <a:xfrm>
+            <a:off x="4188716" y="4029457"/>
+            <a:ext cx="1247379" cy="369332"/>
+          </a:xfrm>
+          <a:prstGeom prst="rect">
+            <a:avLst/>
+          </a:prstGeom>
+          <a:noFill/>
+          <a:ln>
+            <a:noFill/>
+          </a:ln>
+        </p:spPr>
+        <p:txBody>
+          <a:bodyPr wrap="square" rtlCol="0">
+            <a:spAutoFit/>
+          </a:bodyPr>
+          <a:lstStyle/>
+          <a:p>
+            <a:r>
+              <a:rPr lang="en-US" altLang="zh-CN" dirty="0" smtClean="0">
+                <a:solidFill>
+                  <a:schemeClr val="tx2">
+                    <a:lumMod val="60000"/>
+                    <a:lumOff val="40000"/>
+                  </a:schemeClr>
+                </a:solidFill>
+              </a:rPr>
+              <a:t>. . .       . . .</a:t>
+            </a:r>
+            <a:endParaRPr lang="zh-CN" altLang="en-US" dirty="0">
+              <a:solidFill>
+                <a:schemeClr val="tx2">
+                  <a:lumMod val="60000"/>
+                  <a:lumOff val="40000"/>
+                </a:schemeClr>
+              </a:solidFill>
+            </a:endParaRPr>
+          </a:p>
+        </p:txBody>
+      </p:sp>
+      <p:sp>
+        <p:nvSpPr>
+          <p:cNvPr id="18" name="TextBox 17"/>
+          <p:cNvSpPr txBox="1"/>
+          <p:nvPr/>
+        </p:nvSpPr>
+        <p:spPr>
+          <a:xfrm>
+            <a:off x="3604795" y="4871487"/>
+            <a:ext cx="651460" cy="369332"/>
+          </a:xfrm>
+          <a:prstGeom prst="rect">
+            <a:avLst/>
+          </a:prstGeom>
+          <a:noFill/>
+        </p:spPr>
+        <p:txBody>
+          <a:bodyPr wrap="none" rtlCol="0">
+            <a:spAutoFit/>
+          </a:bodyPr>
+          <a:lstStyle/>
+          <a:p>
+            <a:r>
+              <a:rPr lang="en-US" altLang="zh-CN" dirty="0" smtClean="0"/>
+              <a:t>slave</a:t>
+            </a:r>
+            <a:endParaRPr lang="zh-CN" altLang="en-US" dirty="0"/>
+          </a:p>
+        </p:txBody>
+      </p:sp>
+      <p:sp>
+        <p:nvSpPr>
+          <p:cNvPr id="19" name="TextBox 18"/>
+          <p:cNvSpPr txBox="1"/>
+          <p:nvPr/>
+        </p:nvSpPr>
+        <p:spPr>
+          <a:xfrm>
+            <a:off x="4462294" y="4871487"/>
+            <a:ext cx="651460" cy="369332"/>
+          </a:xfrm>
+          <a:prstGeom prst="rect">
+            <a:avLst/>
+          </a:prstGeom>
+          <a:noFill/>
+        </p:spPr>
+        <p:txBody>
+          <a:bodyPr wrap="none" rtlCol="0">
+            <a:spAutoFit/>
+          </a:bodyPr>
+          <a:lstStyle/>
+          <a:p>
+            <a:r>
+              <a:rPr lang="en-US" altLang="zh-CN" dirty="0" smtClean="0"/>
+              <a:t>slave</a:t>
+            </a:r>
+            <a:endParaRPr lang="zh-CN" altLang="en-US" dirty="0"/>
+          </a:p>
+        </p:txBody>
+      </p:sp>
+      <p:sp>
+        <p:nvSpPr>
+          <p:cNvPr id="20" name="TextBox 19"/>
+          <p:cNvSpPr txBox="1"/>
+          <p:nvPr/>
+        </p:nvSpPr>
+        <p:spPr>
+          <a:xfrm>
+            <a:off x="5297317" y="4871487"/>
+            <a:ext cx="651460" cy="369332"/>
+          </a:xfrm>
+          <a:prstGeom prst="rect">
+            <a:avLst/>
+          </a:prstGeom>
+          <a:noFill/>
+        </p:spPr>
+        <p:txBody>
+          <a:bodyPr wrap="none" rtlCol="0">
+            <a:spAutoFit/>
+          </a:bodyPr>
+          <a:lstStyle/>
+          <a:p>
+            <a:r>
+              <a:rPr lang="en-US" altLang="zh-CN" dirty="0" smtClean="0"/>
+              <a:t>slave</a:t>
+            </a:r>
+            <a:endParaRPr lang="zh-CN" altLang="en-US" dirty="0"/>
+          </a:p>
+        </p:txBody>
+      </p:sp>
+      <p:sp>
+        <p:nvSpPr>
+          <p:cNvPr id="21" name="左弧形箭头 20"/>
+          <p:cNvSpPr/>
+          <p:nvPr/>
+        </p:nvSpPr>
+        <p:spPr>
+          <a:xfrm rot="11639433">
+            <a:off x="5260879" y="3203804"/>
+            <a:ext cx="860480" cy="2776383"/>
+          </a:xfrm>
+          <a:prstGeom prst="curvedRightArrow">
+            <a:avLst/>
+          </a:prstGeom>
+        </p:spPr>
+        <p:style>
+          <a:lnRef idx="2">
+            <a:schemeClr val="accent1">
+              <a:shade val="50000"/>
+            </a:schemeClr>
+          </a:lnRef>
+          <a:fillRef idx="1">
+            <a:schemeClr val="accent1"/>
+          </a:fillRef>
+          <a:effectRef idx="0">
+            <a:schemeClr val="accent1"/>
+          </a:effectRef>
+          <a:fontRef idx="minor">
+            <a:schemeClr val="lt1"/>
+          </a:fontRef>
+        </p:style>
+        <p:txBody>
+          <a:bodyPr rtlCol="0" anchor="ctr"/>
+          <a:lstStyle/>
+          <a:p>
+            <a:pPr algn="ctr"/>
+            <a:endParaRPr lang="zh-CN" altLang="en-US">
+              <a:solidFill>
+                <a:schemeClr val="tx1"/>
+              </a:solidFill>
+            </a:endParaRPr>
+          </a:p>
+        </p:txBody>
+      </p:sp>
+      <p:cxnSp>
+        <p:nvCxnSpPr>
+          <p:cNvPr id="22" name="直接箭头连接符 21"/>
+          <p:cNvCxnSpPr/>
+          <p:nvPr/>
+        </p:nvCxnSpPr>
+        <p:spPr>
+          <a:xfrm>
+            <a:off x="3930525" y="5240819"/>
+            <a:ext cx="641475" cy="383615"/>
+          </a:xfrm>
+          <a:prstGeom prst="straightConnector1">
+            <a:avLst/>
+          </a:prstGeom>
+          <a:ln>
+            <a:tailEnd type="arrow"/>
+          </a:ln>
+        </p:spPr>
+        <p:style>
+          <a:lnRef idx="1">
+            <a:schemeClr val="accent1"/>
+          </a:lnRef>
+          <a:fillRef idx="0">
+            <a:schemeClr val="accent1"/>
+          </a:fillRef>
+          <a:effectRef idx="0">
+            <a:schemeClr val="accent1"/>
+          </a:effectRef>
+          <a:fontRef idx="minor">
+            <a:schemeClr val="tx1"/>
+          </a:fontRef>
+        </p:style>
+      </p:cxnSp>
+      <p:cxnSp>
+        <p:nvCxnSpPr>
+          <p:cNvPr id="23" name="直接箭头连接符 22"/>
+          <p:cNvCxnSpPr/>
+          <p:nvPr/>
+        </p:nvCxnSpPr>
+        <p:spPr>
+          <a:xfrm>
+            <a:off x="4788024" y="5240819"/>
+            <a:ext cx="0" cy="383615"/>
+          </a:xfrm>
+          <a:prstGeom prst="straightConnector1">
+            <a:avLst/>
+          </a:prstGeom>
+          <a:ln>
+            <a:tailEnd type="arrow"/>
+          </a:ln>
+        </p:spPr>
+        <p:style>
+          <a:lnRef idx="1">
+            <a:schemeClr val="accent1"/>
+          </a:lnRef>
+          <a:fillRef idx="0">
+            <a:schemeClr val="accent1"/>
+          </a:fillRef>
+          <a:effectRef idx="0">
+            <a:schemeClr val="accent1"/>
+          </a:effectRef>
+          <a:fontRef idx="minor">
+            <a:schemeClr val="tx1"/>
+          </a:fontRef>
+        </p:style>
+      </p:cxnSp>
+      <p:cxnSp>
+        <p:nvCxnSpPr>
+          <p:cNvPr id="24" name="直接箭头连接符 23"/>
+          <p:cNvCxnSpPr/>
+          <p:nvPr/>
+        </p:nvCxnSpPr>
+        <p:spPr>
+          <a:xfrm flipH="1">
+            <a:off x="4938637" y="5240819"/>
+            <a:ext cx="621939" cy="383615"/>
+          </a:xfrm>
+          <a:prstGeom prst="straightConnector1">
+            <a:avLst/>
+          </a:prstGeom>
+          <a:ln>
+            <a:tailEnd type="arrow"/>
+          </a:ln>
+        </p:spPr>
+        <p:style>
+          <a:lnRef idx="1">
+            <a:schemeClr val="accent1"/>
+          </a:lnRef>
+          <a:fillRef idx="0">
+            <a:schemeClr val="accent1"/>
+          </a:fillRef>
+          <a:effectRef idx="0">
+            <a:schemeClr val="accent1"/>
+          </a:effectRef>
+          <a:fontRef idx="minor">
+            <a:schemeClr val="tx1"/>
+          </a:fontRef>
+        </p:style>
+      </p:cxnSp>
+      <p:sp>
+        <p:nvSpPr>
+          <p:cNvPr id="25" name="TextBox 24"/>
+          <p:cNvSpPr txBox="1"/>
+          <p:nvPr/>
+        </p:nvSpPr>
+        <p:spPr>
+          <a:xfrm>
+            <a:off x="3230955" y="5733256"/>
+            <a:ext cx="3861325" cy="1200329"/>
+          </a:xfrm>
+          <a:prstGeom prst="rect">
+            <a:avLst/>
+          </a:prstGeom>
+          <a:noFill/>
+        </p:spPr>
+        <p:txBody>
+          <a:bodyPr wrap="square" rtlCol="0">
+            <a:spAutoFit/>
+          </a:bodyPr>
+          <a:lstStyle/>
+          <a:p>
+            <a:r>
+              <a:rPr lang="en-US" altLang="zh-CN" dirty="0" smtClean="0"/>
+              <a:t>Whole genome was divided into multiple chromosomes or scaffolds (-c). And each scaffold was calculated by Slave </a:t>
+            </a:r>
+            <a:r>
+              <a:rPr lang="en-US" altLang="zh-CN" dirty="0" err="1" smtClean="0"/>
+              <a:t>programm</a:t>
+            </a:r>
+            <a:r>
+              <a:rPr lang="en-US" altLang="zh-CN" dirty="0" smtClean="0"/>
+              <a:t> simultaneously. </a:t>
+            </a:r>
+            <a:endParaRPr lang="zh-CN" altLang="en-US" dirty="0"/>
+          </a:p>
+        </p:txBody>
+      </p:sp>
     </p:spTree>
     <p:extLst>
       <p:ext uri="{BB962C8B-B14F-4D97-AF65-F5344CB8AC3E}">
-        <p14:creationId xmlns:p14="http://schemas.microsoft.com/office/powerpoint/2010/main" val="1538647101"/>
+        <p14:creationId xmlns:p14="http://schemas.microsoft.com/office/powerpoint/2010/main" val="3455380252"/>
       </p:ext>
     </p:extLst>
   </p:cSld>
@@ -4849,106 +4470,434 @@
             <p:ph type="title"/>
           </p:nvPr>
         </p:nvSpPr>
-        <p:spPr>
-          <a:xfrm>
-            <a:off x="457200" y="274638"/>
-            <a:ext cx="8229600" cy="922114"/>
-          </a:xfrm>
-        </p:spPr>
-        <p:txBody>
-          <a:bodyPr>
-            <a:normAutofit/>
-          </a:bodyPr>
-          <a:lstStyle/>
-          <a:p>
-            <a:r>
-              <a:rPr lang="en-US" altLang="zh-CN" sz="3200" dirty="0" smtClean="0"/>
-              <a:t>-T/-R </a:t>
-            </a:r>
-            <a:r>
-              <a:rPr lang="en-US" altLang="zh-CN" sz="3200" dirty="0" err="1" smtClean="0"/>
-              <a:t>mallard.VCFBAMconfig</a:t>
-            </a:r>
-            <a:r>
-              <a:rPr lang="en-US" altLang="zh-CN" sz="3200" dirty="0" smtClean="0"/>
-              <a:t>  file</a:t>
-            </a:r>
-            <a:endParaRPr lang="zh-CN" altLang="en-US" sz="3200" dirty="0"/>
-          </a:p>
-        </p:txBody>
-      </p:sp>
-      <p:pic>
-        <p:nvPicPr>
-          <p:cNvPr id="6" name="内容占位符 5"/>
-          <p:cNvPicPr>
-            <a:picLocks noGrp="1" noChangeAspect="1"/>
-          </p:cNvPicPr>
+        <p:spPr/>
+        <p:txBody>
+          <a:bodyPr/>
+          <a:lstStyle/>
+          <a:p>
+            <a:r>
+              <a:rPr lang="en-US" altLang="zh-CN" sz="4000" dirty="0" smtClean="0"/>
+              <a:t>usage</a:t>
+            </a:r>
+            <a:endParaRPr lang="zh-CN" altLang="en-US" sz="4000" dirty="0"/>
+          </a:p>
+        </p:txBody>
+      </p:sp>
+      <p:sp>
+        <p:nvSpPr>
+          <p:cNvPr id="3" name="内容占位符 2"/>
+          <p:cNvSpPr>
+            <a:spLocks noGrp="1"/>
+          </p:cNvSpPr>
           <p:nvPr>
             <p:ph idx="1"/>
           </p:nvPr>
-        </p:nvPicPr>
-        <p:blipFill>
-          <a:blip r:embed="rId2">
-            <a:extLst>
-              <a:ext uri="{28A0092B-C50C-407E-A947-70E740481C1C}">
-                <a14:useLocalDpi xmlns:a14="http://schemas.microsoft.com/office/drawing/2010/main" val="0"/>
-              </a:ext>
-            </a:extLst>
-          </a:blip>
-          <a:stretch>
-            <a:fillRect/>
-          </a:stretch>
-        </p:blipFill>
-        <p:spPr>
-          <a:xfrm>
-            <a:off x="611560" y="1268760"/>
-            <a:ext cx="7800975" cy="2924175"/>
-          </a:xfrm>
-        </p:spPr>
-      </p:pic>
-      <p:cxnSp>
-        <p:nvCxnSpPr>
-          <p:cNvPr id="9" name="直接箭头连接符 8"/>
-          <p:cNvCxnSpPr/>
-          <p:nvPr/>
-        </p:nvCxnSpPr>
-        <p:spPr>
-          <a:xfrm>
-            <a:off x="1296144" y="3814936"/>
-            <a:ext cx="0" cy="838200"/>
-          </a:xfrm>
-          <a:prstGeom prst="straightConnector1">
-            <a:avLst/>
-          </a:prstGeom>
-          <a:ln>
-            <a:tailEnd type="arrow"/>
-          </a:ln>
-        </p:spPr>
-        <p:style>
-          <a:lnRef idx="1">
-            <a:schemeClr val="accent1"/>
-          </a:lnRef>
-          <a:fillRef idx="0">
-            <a:schemeClr val="accent1"/>
-          </a:fillRef>
-          <a:effectRef idx="0">
-            <a:schemeClr val="accent1"/>
-          </a:effectRef>
-          <a:fontRef idx="minor">
-            <a:schemeClr val="tx1"/>
-          </a:fontRef>
-        </p:style>
-      </p:cxnSp>
-      <p:sp>
-        <p:nvSpPr>
-          <p:cNvPr id="11" name="TextBox 10"/>
+        </p:nvSpPr>
+        <p:spPr/>
+        <p:txBody>
+          <a:bodyPr>
+            <a:noAutofit/>
+          </a:bodyPr>
+          <a:lstStyle/>
+          <a:p>
+            <a:r>
+              <a:rPr lang="en-US" altLang="zh-CN" sz="1800" dirty="0" smtClean="0"/>
+              <a:t>Python-3.3.3/python life/src/NGS/Analysis/</a:t>
+            </a:r>
+            <a:r>
+              <a:rPr lang="en-US" altLang="zh-CN" sz="1800" dirty="0"/>
+              <a:t>Detectsignalacrossgenome_master.</a:t>
+            </a:r>
+            <a:r>
+              <a:rPr lang="en-US" altLang="zh-CN" sz="1800" dirty="0" smtClean="0"/>
+              <a:t>py </a:t>
+            </a:r>
+            <a:r>
+              <a:rPr lang="en-US" altLang="zh-CN" sz="1800" b="1" dirty="0"/>
+              <a:t>-o </a:t>
+            </a:r>
+            <a:r>
+              <a:rPr lang="en-US" altLang="zh-CN" sz="1800" dirty="0"/>
+              <a:t>/</a:t>
+            </a:r>
+            <a:r>
+              <a:rPr lang="en-US" altLang="zh-CN" sz="1800" dirty="0" smtClean="0"/>
+              <a:t>home/</a:t>
+            </a:r>
+            <a:r>
+              <a:rPr lang="en-US" altLang="zh-CN" sz="1800" dirty="0" err="1" smtClean="0"/>
+              <a:t>bioinfo</a:t>
+            </a:r>
+            <a:r>
+              <a:rPr lang="en-US" altLang="zh-CN" sz="1800" dirty="0" smtClean="0"/>
+              <a:t>/</a:t>
+            </a:r>
+            <a:r>
+              <a:rPr lang="en-US" altLang="zh-CN" sz="1800" dirty="0" err="1" smtClean="0"/>
+              <a:t>liurui</a:t>
+            </a:r>
+            <a:r>
+              <a:rPr lang="en-US" altLang="zh-CN" sz="1800" dirty="0" smtClean="0"/>
+              <a:t>/data/</a:t>
+            </a:r>
+            <a:r>
+              <a:rPr lang="en-US" altLang="zh-CN" sz="1800" dirty="0" err="1" smtClean="0"/>
+              <a:t>detectselection</a:t>
+            </a:r>
+            <a:r>
+              <a:rPr lang="en-US" altLang="zh-CN" sz="1800" dirty="0" smtClean="0"/>
+              <a:t>/</a:t>
+            </a:r>
+            <a:r>
+              <a:rPr lang="en-US" altLang="zh-CN" sz="1800" dirty="0" err="1" smtClean="0"/>
+              <a:t>uniqmap</a:t>
+            </a:r>
+            <a:r>
+              <a:rPr lang="en-US" altLang="zh-CN" sz="1800" dirty="0" smtClean="0"/>
+              <a:t>/</a:t>
+            </a:r>
+            <a:r>
+              <a:rPr lang="en-US" altLang="zh-CN" sz="1800" dirty="0" err="1" smtClean="0"/>
+              <a:t>earlystageselectivesweep</a:t>
+            </a:r>
+            <a:r>
+              <a:rPr lang="en-US" altLang="zh-CN" sz="1800" dirty="0" smtClean="0"/>
+              <a:t>/</a:t>
+            </a:r>
+            <a:r>
+              <a:rPr lang="en-US" altLang="zh-CN" sz="1800" dirty="0" err="1" smtClean="0"/>
+              <a:t>finaleditionfromproducetoslidwin</a:t>
+            </a:r>
+            <a:r>
+              <a:rPr lang="en-US" altLang="zh-CN" sz="1800" dirty="0" smtClean="0"/>
+              <a:t>  </a:t>
+            </a:r>
+            <a:r>
+              <a:rPr lang="en-US" altLang="zh-CN" sz="1800" b="1" dirty="0" smtClean="0"/>
+              <a:t>-</a:t>
+            </a:r>
+            <a:r>
+              <a:rPr lang="en-US" altLang="zh-CN" sz="1800" b="1" dirty="0"/>
+              <a:t>n</a:t>
+            </a:r>
+            <a:r>
+              <a:rPr lang="en-US" altLang="zh-CN" sz="1800" dirty="0"/>
+              <a:t> 14  -t mspsgjlksy10pop_toplevel_pekingduckref </a:t>
+            </a:r>
+            <a:r>
+              <a:rPr lang="en-US" altLang="zh-CN" sz="1800" b="1" dirty="0"/>
+              <a:t>-T </a:t>
+            </a:r>
+            <a:r>
+              <a:rPr lang="en-US" altLang="zh-CN" sz="1800" dirty="0" err="1" smtClean="0"/>
+              <a:t>mallard.VCFBAMconfig</a:t>
+            </a:r>
+            <a:r>
+              <a:rPr lang="en-US" altLang="zh-CN" sz="1800" dirty="0" smtClean="0"/>
+              <a:t> </a:t>
+            </a:r>
+            <a:r>
+              <a:rPr lang="en-US" altLang="zh-CN" sz="1800" b="1" dirty="0"/>
+              <a:t>-T </a:t>
+            </a:r>
+            <a:r>
+              <a:rPr lang="en-US" altLang="zh-CN" sz="1800" dirty="0" err="1" smtClean="0"/>
+              <a:t>spotbilled.VCFBAMconfig</a:t>
+            </a:r>
+            <a:r>
+              <a:rPr lang="en-US" altLang="zh-CN" sz="1800" dirty="0" smtClean="0"/>
+              <a:t> </a:t>
+            </a:r>
+            <a:r>
+              <a:rPr lang="en-US" altLang="zh-CN" sz="1800" b="1" dirty="0"/>
+              <a:t>-R</a:t>
+            </a:r>
+            <a:r>
+              <a:rPr lang="en-US" altLang="zh-CN" sz="1800" dirty="0"/>
+              <a:t> </a:t>
+            </a:r>
+            <a:r>
+              <a:rPr lang="en-US" altLang="zh-CN" sz="1800" dirty="0" err="1" smtClean="0"/>
+              <a:t>gaoyou.VCFBAMconfig</a:t>
+            </a:r>
+            <a:r>
+              <a:rPr lang="en-US" altLang="zh-CN" sz="1800" dirty="0" smtClean="0"/>
+              <a:t> </a:t>
+            </a:r>
+            <a:r>
+              <a:rPr lang="en-US" altLang="zh-CN" sz="1800" b="1" dirty="0"/>
+              <a:t>-R</a:t>
+            </a:r>
+            <a:r>
+              <a:rPr lang="en-US" altLang="zh-CN" sz="1800" dirty="0"/>
+              <a:t> </a:t>
+            </a:r>
+            <a:r>
+              <a:rPr lang="en-US" altLang="zh-CN" sz="1800" dirty="0" err="1" smtClean="0"/>
+              <a:t>lianchengbai.VCFBAMconfig</a:t>
+            </a:r>
+            <a:r>
+              <a:rPr lang="en-US" altLang="zh-CN" sz="1800" dirty="0" smtClean="0"/>
+              <a:t> </a:t>
+            </a:r>
+            <a:r>
+              <a:rPr lang="en-US" altLang="zh-CN" sz="1800" b="1" dirty="0"/>
+              <a:t>-R</a:t>
+            </a:r>
+            <a:r>
+              <a:rPr lang="en-US" altLang="zh-CN" sz="1800" dirty="0"/>
+              <a:t> </a:t>
+            </a:r>
+            <a:r>
+              <a:rPr lang="en-US" altLang="zh-CN" sz="1800" dirty="0" err="1" smtClean="0"/>
+              <a:t>jinding.VCFBAMconfig</a:t>
+            </a:r>
+            <a:r>
+              <a:rPr lang="en-US" altLang="zh-CN" sz="1800" dirty="0" smtClean="0"/>
+              <a:t> </a:t>
+            </a:r>
+            <a:r>
+              <a:rPr lang="en-US" altLang="zh-CN" sz="1800" b="1" dirty="0"/>
+              <a:t>-R</a:t>
+            </a:r>
+            <a:r>
+              <a:rPr lang="en-US" altLang="zh-CN" sz="1800" dirty="0"/>
+              <a:t> </a:t>
+            </a:r>
+            <a:r>
+              <a:rPr lang="en-US" altLang="zh-CN" sz="1800" dirty="0" err="1" smtClean="0"/>
+              <a:t>campbell.VCFBAMconfig</a:t>
+            </a:r>
+            <a:r>
+              <a:rPr lang="en-US" altLang="zh-CN" sz="1800" dirty="0" smtClean="0"/>
+              <a:t> </a:t>
+            </a:r>
+            <a:r>
+              <a:rPr lang="en-US" altLang="zh-CN" sz="1800" b="1" dirty="0"/>
+              <a:t>-R </a:t>
+            </a:r>
+            <a:r>
+              <a:rPr lang="en-US" altLang="zh-CN" sz="1800" dirty="0" err="1" smtClean="0"/>
+              <a:t>cherryvalley.VCFBAMconfig</a:t>
+            </a:r>
+            <a:r>
+              <a:rPr lang="en-US" altLang="zh-CN" sz="1800" dirty="0" smtClean="0"/>
+              <a:t> </a:t>
+            </a:r>
+            <a:r>
+              <a:rPr lang="en-US" altLang="zh-CN" sz="1800" b="1" dirty="0"/>
+              <a:t>-R</a:t>
+            </a:r>
+            <a:r>
+              <a:rPr lang="en-US" altLang="zh-CN" sz="1800" dirty="0"/>
+              <a:t> </a:t>
+            </a:r>
+            <a:r>
+              <a:rPr lang="en-US" altLang="zh-CN" sz="1800" dirty="0" err="1" smtClean="0"/>
+              <a:t>beijing.VCFBAMconfig</a:t>
+            </a:r>
+            <a:r>
+              <a:rPr lang="en-US" altLang="zh-CN" sz="1800" dirty="0" smtClean="0"/>
+              <a:t> </a:t>
+            </a:r>
+            <a:r>
+              <a:rPr lang="en-US" altLang="zh-CN" sz="1800" b="1" dirty="0" smtClean="0"/>
+              <a:t>-R</a:t>
+            </a:r>
+            <a:r>
+              <a:rPr lang="en-US" altLang="zh-CN" sz="1800" dirty="0" smtClean="0"/>
+              <a:t> </a:t>
+            </a:r>
+            <a:r>
+              <a:rPr lang="en-US" altLang="zh-CN" sz="1800" dirty="0" err="1" smtClean="0"/>
+              <a:t>shaoxing.VCFBAMconfig</a:t>
+            </a:r>
+            <a:r>
+              <a:rPr lang="en-US" altLang="zh-CN" sz="1800" dirty="0" smtClean="0"/>
+              <a:t> </a:t>
+            </a:r>
+            <a:r>
+              <a:rPr lang="en-US" altLang="zh-CN" sz="1800" b="1" dirty="0"/>
+              <a:t>-R</a:t>
+            </a:r>
+            <a:r>
+              <a:rPr lang="en-US" altLang="zh-CN" sz="1800" dirty="0"/>
+              <a:t> </a:t>
+            </a:r>
+            <a:r>
+              <a:rPr lang="en-US" altLang="zh-CN" sz="1800" dirty="0" err="1" smtClean="0"/>
+              <a:t>shanma.VCFBAMconfig</a:t>
+            </a:r>
+            <a:r>
+              <a:rPr lang="en-US" altLang="zh-CN" sz="1800" dirty="0" smtClean="0"/>
+              <a:t> </a:t>
+            </a:r>
+            <a:r>
+              <a:rPr lang="en-US" altLang="zh-CN" sz="1800" b="1" dirty="0"/>
+              <a:t>-w</a:t>
+            </a:r>
+            <a:r>
+              <a:rPr lang="en-US" altLang="zh-CN" sz="1800" dirty="0"/>
+              <a:t> 20000 </a:t>
+            </a:r>
+            <a:r>
+              <a:rPr lang="en-US" altLang="zh-CN" sz="1800" b="1" dirty="0"/>
+              <a:t>-s</a:t>
+            </a:r>
+            <a:r>
+              <a:rPr lang="en-US" altLang="zh-CN" sz="1800" dirty="0"/>
+              <a:t> 10000 </a:t>
+            </a:r>
+            <a:r>
+              <a:rPr lang="en-US" altLang="zh-CN" sz="1800" b="1" dirty="0"/>
+              <a:t>-c</a:t>
+            </a:r>
+            <a:r>
+              <a:rPr lang="en-US" altLang="zh-CN" sz="1800" dirty="0"/>
+              <a:t> </a:t>
+            </a:r>
+            <a:r>
+              <a:rPr lang="en-US" altLang="zh-CN" sz="1800" dirty="0" smtClean="0"/>
+              <a:t>pekingduckchrominfo.autosomescaffolds_1  </a:t>
+            </a:r>
+            <a:r>
+              <a:rPr lang="en-US" altLang="zh-CN" sz="1800" dirty="0"/>
+              <a:t>-</a:t>
+            </a:r>
+            <a:r>
+              <a:rPr lang="en-US" altLang="zh-CN" sz="1800" b="1" dirty="0"/>
+              <a:t>c</a:t>
+            </a:r>
+            <a:r>
+              <a:rPr lang="en-US" altLang="zh-CN" sz="1800" dirty="0"/>
+              <a:t> </a:t>
+            </a:r>
+            <a:r>
+              <a:rPr lang="en-US" altLang="zh-CN" sz="1800" dirty="0" smtClean="0"/>
+              <a:t>pekingduckchrominfo.autosomescaffolds_2  -</a:t>
+            </a:r>
+            <a:r>
+              <a:rPr lang="en-US" altLang="zh-CN" sz="1800" b="1" dirty="0"/>
+              <a:t>c</a:t>
+            </a:r>
+            <a:r>
+              <a:rPr lang="en-US" altLang="zh-CN" sz="1800" dirty="0"/>
+              <a:t> </a:t>
+            </a:r>
+            <a:r>
+              <a:rPr lang="en-US" altLang="zh-CN" sz="1800" dirty="0" smtClean="0"/>
+              <a:t>pekingduckchrominfo.autosomescaffolds_3   -</a:t>
+            </a:r>
+            <a:r>
+              <a:rPr lang="en-US" altLang="zh-CN" sz="1800" b="1" dirty="0"/>
+              <a:t>c</a:t>
+            </a:r>
+            <a:r>
+              <a:rPr lang="en-US" altLang="zh-CN" sz="1800" dirty="0"/>
+              <a:t> </a:t>
+            </a:r>
+            <a:r>
+              <a:rPr lang="en-US" altLang="zh-CN" sz="1800" dirty="0" smtClean="0"/>
+              <a:t>pekingduckchrominfo.autosomescaffolds_4  -</a:t>
+            </a:r>
+            <a:r>
+              <a:rPr lang="en-US" altLang="zh-CN" sz="1800" b="1" dirty="0"/>
+              <a:t>c</a:t>
+            </a:r>
+            <a:r>
+              <a:rPr lang="en-US" altLang="zh-CN" sz="1800" dirty="0"/>
+              <a:t> </a:t>
+            </a:r>
+            <a:r>
+              <a:rPr lang="en-US" altLang="zh-CN" sz="1800" dirty="0" smtClean="0"/>
+              <a:t>pekingduckchrominfo.autosomescaffolds_5   -</a:t>
+            </a:r>
+            <a:r>
+              <a:rPr lang="en-US" altLang="zh-CN" sz="1800" b="1" dirty="0"/>
+              <a:t>c</a:t>
+            </a:r>
+            <a:r>
+              <a:rPr lang="en-US" altLang="zh-CN" sz="1800" dirty="0"/>
+              <a:t> </a:t>
+            </a:r>
+            <a:r>
+              <a:rPr lang="en-US" altLang="zh-CN" sz="1800" dirty="0" smtClean="0"/>
+              <a:t>pekingduckchrominfo.autosomescaffolds_6  </a:t>
+            </a:r>
+            <a:r>
+              <a:rPr lang="en-US" altLang="zh-CN" sz="1800" dirty="0"/>
+              <a:t>-</a:t>
+            </a:r>
+            <a:r>
+              <a:rPr lang="en-US" altLang="zh-CN" sz="1800" b="1" dirty="0"/>
+              <a:t>c</a:t>
+            </a:r>
+            <a:r>
+              <a:rPr lang="en-US" altLang="zh-CN" sz="1800" dirty="0"/>
+              <a:t> </a:t>
+            </a:r>
+            <a:r>
+              <a:rPr lang="en-US" altLang="zh-CN" sz="1800" dirty="0" smtClean="0"/>
+              <a:t>pekingduckchrominfo.autosomescaffolds_7  -</a:t>
+            </a:r>
+            <a:r>
+              <a:rPr lang="en-US" altLang="zh-CN" sz="1800" b="1" dirty="0"/>
+              <a:t>c</a:t>
+            </a:r>
+            <a:r>
+              <a:rPr lang="en-US" altLang="zh-CN" sz="1800" dirty="0"/>
+              <a:t> </a:t>
+            </a:r>
+            <a:r>
+              <a:rPr lang="en-US" altLang="zh-CN" sz="1800" dirty="0" smtClean="0"/>
+              <a:t>pekingduckchrominfo.autosomescaffolds_8  </a:t>
+            </a:r>
+            <a:r>
+              <a:rPr lang="en-US" altLang="zh-CN" sz="1800" b="1" dirty="0"/>
+              <a:t>-1</a:t>
+            </a:r>
+            <a:r>
+              <a:rPr lang="en-US" altLang="zh-CN" sz="1800" dirty="0"/>
+              <a:t> </a:t>
+            </a:r>
+            <a:r>
+              <a:rPr lang="en-US" altLang="zh-CN" sz="1800" dirty="0" smtClean="0"/>
+              <a:t>life/src/NGS/Slave/Detectsignalacrossgenome_producecorrelation_slave.py </a:t>
+            </a:r>
+            <a:r>
+              <a:rPr lang="en-US" altLang="zh-CN" sz="1800" dirty="0"/>
+              <a:t>-</a:t>
+            </a:r>
+            <a:r>
+              <a:rPr lang="en-US" altLang="zh-CN" sz="1800" b="1" dirty="0"/>
+              <a:t>2</a:t>
+            </a:r>
+            <a:r>
+              <a:rPr lang="en-US" altLang="zh-CN" sz="1800" dirty="0"/>
+              <a:t> life/src/NGS/Slave/Detectsignalacrossgenome_slidewin_slave.py -</a:t>
+            </a:r>
+            <a:r>
+              <a:rPr lang="en-US" altLang="zh-CN" sz="1800" b="1" dirty="0"/>
+              <a:t>p</a:t>
+            </a:r>
+            <a:r>
+              <a:rPr lang="en-US" altLang="zh-CN" sz="1800" dirty="0"/>
+              <a:t> early</a:t>
+            </a:r>
+            <a:endParaRPr lang="zh-CN" altLang="en-US" sz="1800" dirty="0"/>
+          </a:p>
+        </p:txBody>
+      </p:sp>
+      <p:sp>
+        <p:nvSpPr>
+          <p:cNvPr id="5" name="TextBox 4"/>
           <p:cNvSpPr txBox="1"/>
           <p:nvPr/>
         </p:nvSpPr>
         <p:spPr>
           <a:xfrm>
-            <a:off x="683568" y="4869160"/>
-            <a:ext cx="1368152" cy="646331"/>
+            <a:off x="0" y="0"/>
+            <a:ext cx="9139472" cy="369332"/>
           </a:xfrm>
           <a:prstGeom prst="rect">
             <a:avLst/>
@@ -4963,129 +4912,6 @@
           <a:p>
             <a:r>
               <a:rPr lang="en-US" altLang="zh-CN" dirty="0" smtClean="0"/>
-              <a:t>Population </a:t>
-            </a:r>
-            <a:r>
-              <a:rPr lang="en-US" altLang="zh-CN" dirty="0" err="1" smtClean="0"/>
-              <a:t>vcf</a:t>
-            </a:r>
-            <a:r>
-              <a:rPr lang="en-US" altLang="zh-CN" dirty="0" smtClean="0"/>
-              <a:t> file</a:t>
-            </a:r>
-            <a:endParaRPr lang="zh-CN" altLang="en-US" dirty="0"/>
-          </a:p>
-        </p:txBody>
-      </p:sp>
-      <p:cxnSp>
-        <p:nvCxnSpPr>
-          <p:cNvPr id="12" name="直接箭头连接符 11"/>
-          <p:cNvCxnSpPr/>
-          <p:nvPr/>
-        </p:nvCxnSpPr>
-        <p:spPr>
-          <a:xfrm>
-            <a:off x="4932040" y="4026701"/>
-            <a:ext cx="0" cy="838200"/>
-          </a:xfrm>
-          <a:prstGeom prst="straightConnector1">
-            <a:avLst/>
-          </a:prstGeom>
-          <a:ln>
-            <a:tailEnd type="arrow"/>
-          </a:ln>
-        </p:spPr>
-        <p:style>
-          <a:lnRef idx="1">
-            <a:schemeClr val="accent1"/>
-          </a:lnRef>
-          <a:fillRef idx="0">
-            <a:schemeClr val="accent1"/>
-          </a:fillRef>
-          <a:effectRef idx="0">
-            <a:schemeClr val="accent1"/>
-          </a:effectRef>
-          <a:fontRef idx="minor">
-            <a:schemeClr val="tx1"/>
-          </a:fontRef>
-        </p:style>
-      </p:cxnSp>
-      <p:sp>
-        <p:nvSpPr>
-          <p:cNvPr id="14" name="TextBox 13"/>
-          <p:cNvSpPr txBox="1"/>
-          <p:nvPr/>
-        </p:nvSpPr>
-        <p:spPr>
-          <a:xfrm>
-            <a:off x="2771800" y="4869160"/>
-            <a:ext cx="6120680" cy="923330"/>
-          </a:xfrm>
-          <a:prstGeom prst="rect">
-            <a:avLst/>
-          </a:prstGeom>
-          <a:noFill/>
-        </p:spPr>
-        <p:txBody>
-          <a:bodyPr wrap="square" rtlCol="0">
-            <a:spAutoFit/>
-          </a:bodyPr>
-          <a:lstStyle/>
-          <a:p>
-            <a:r>
-              <a:rPr lang="en-US" altLang="zh-CN" dirty="0" smtClean="0"/>
-              <a:t>Bam file list that used to produce </a:t>
-            </a:r>
-            <a:r>
-              <a:rPr lang="en-US" altLang="zh-CN" dirty="0" err="1" smtClean="0"/>
-              <a:t>vcf</a:t>
-            </a:r>
-            <a:r>
-              <a:rPr lang="en-US" altLang="zh-CN" dirty="0" smtClean="0"/>
-              <a:t> file.</a:t>
-            </a:r>
-          </a:p>
-          <a:p>
-            <a:r>
-              <a:rPr lang="en-US" altLang="zh-CN" dirty="0" smtClean="0"/>
-              <a:t>Used to check sites is uncovered or fixed as reference allele </a:t>
-            </a:r>
-            <a:r>
-              <a:rPr lang="en-US" altLang="zh-CN" dirty="0" err="1" smtClean="0"/>
-              <a:t>whhen</a:t>
-            </a:r>
-            <a:r>
-              <a:rPr lang="en-US" altLang="zh-CN" dirty="0" smtClean="0"/>
-              <a:t> multiple populations are used in frequency calculation</a:t>
-            </a:r>
-            <a:endParaRPr lang="zh-CN" altLang="en-US" dirty="0"/>
-          </a:p>
-        </p:txBody>
-      </p:sp>
-      <p:sp>
-        <p:nvSpPr>
-          <p:cNvPr id="15" name="TextBox 14"/>
-          <p:cNvSpPr txBox="1"/>
-          <p:nvPr/>
-        </p:nvSpPr>
-        <p:spPr>
-          <a:xfrm>
-            <a:off x="0" y="0"/>
-            <a:ext cx="9139472" cy="369332"/>
-          </a:xfrm>
-          <a:prstGeom prst="rect">
-            <a:avLst/>
-          </a:prstGeom>
-          <a:noFill/>
-        </p:spPr>
-        <p:txBody>
-          <a:bodyPr wrap="square" rtlCol="0">
-            <a:spAutoFit/>
-          </a:bodyPr>
-          <a:lstStyle/>
-          <a:p>
-            <a:r>
-              <a:rPr lang="en-US" altLang="zh-CN" dirty="0" smtClean="0"/>
               <a:t>Detect </a:t>
             </a:r>
             <a:r>
@@ -5103,7 +4929,7 @@
     </p:spTree>
     <p:extLst>
       <p:ext uri="{BB962C8B-B14F-4D97-AF65-F5344CB8AC3E}">
-        <p14:creationId xmlns:p14="http://schemas.microsoft.com/office/powerpoint/2010/main" val="531900783"/>
+        <p14:creationId xmlns:p14="http://schemas.microsoft.com/office/powerpoint/2010/main" val="1538647101"/>
       </p:ext>
     </p:extLst>
   </p:cSld>
@@ -5147,7 +4973,12 @@
             <p:ph type="title"/>
           </p:nvPr>
         </p:nvSpPr>
-        <p:spPr/>
+        <p:spPr>
+          <a:xfrm>
+            <a:off x="457200" y="274638"/>
+            <a:ext cx="8229600" cy="922114"/>
+          </a:xfrm>
+        </p:spPr>
         <p:txBody>
           <a:bodyPr>
             <a:normAutofit/>
@@ -5155,8 +4986,16 @@
           <a:lstStyle/>
           <a:p>
             <a:r>
-              <a:rPr lang="en-US" altLang="zh-CN" sz="3200" dirty="0"/>
-              <a:t>-c pekingduckchrominfo.autosomescaffolds_1</a:t>
+              <a:rPr lang="en-US" altLang="zh-CN" sz="3200" dirty="0" smtClean="0"/>
+              <a:t>-T/-R </a:t>
+            </a:r>
+            <a:r>
+              <a:rPr lang="en-US" altLang="zh-CN" sz="3200" dirty="0" err="1" smtClean="0"/>
+              <a:t>mallard.VCFBAMconfig</a:t>
+            </a:r>
+            <a:r>
+              <a:rPr lang="en-US" altLang="zh-CN" sz="3200" dirty="0" smtClean="0"/>
+              <a:t>  file</a:t>
             </a:r>
             <a:endParaRPr lang="zh-CN" altLang="en-US" sz="3200" dirty="0"/>
           </a:p>
@@ -5164,7 +5003,7 @@
       </p:sp>
       <p:pic>
         <p:nvPicPr>
-          <p:cNvPr id="5" name="内容占位符 4"/>
+          <p:cNvPr id="6" name="内容占位符 5"/>
           <p:cNvPicPr>
             <a:picLocks noGrp="1" noChangeAspect="1"/>
           </p:cNvPicPr>
@@ -5186,59 +5025,21 @@
         </p:blipFill>
         <p:spPr>
           <a:xfrm>
-            <a:off x="959761" y="1484784"/>
-            <a:ext cx="7219950" cy="2466975"/>
+            <a:off x="611560" y="1268760"/>
+            <a:ext cx="7800975" cy="2924175"/>
           </a:xfrm>
         </p:spPr>
       </p:pic>
-      <p:sp>
-        <p:nvSpPr>
-          <p:cNvPr id="4" name="TextBox 3"/>
-          <p:cNvSpPr txBox="1"/>
-          <p:nvPr/>
-        </p:nvSpPr>
-        <p:spPr>
-          <a:xfrm>
-            <a:off x="0" y="0"/>
-            <a:ext cx="9139472" cy="369332"/>
-          </a:xfrm>
-          <a:prstGeom prst="rect">
-            <a:avLst/>
-          </a:prstGeom>
-          <a:noFill/>
-        </p:spPr>
-        <p:txBody>
-          <a:bodyPr wrap="square" rtlCol="0">
-            <a:spAutoFit/>
-          </a:bodyPr>
-          <a:lstStyle/>
-          <a:p>
-            <a:r>
-              <a:rPr lang="en-US" altLang="zh-CN" dirty="0" smtClean="0"/>
-              <a:t>Detect </a:t>
-            </a:r>
-            <a:r>
-              <a:rPr lang="en-US" altLang="zh-CN" dirty="0"/>
-              <a:t>selection </a:t>
-            </a:r>
-            <a:r>
-              <a:rPr lang="en-US" altLang="zh-CN" dirty="0" err="1"/>
-              <a:t>signal:Detectsignalacrossgenome_master.py</a:t>
-            </a:r>
-            <a:endParaRPr lang="zh-CN" altLang="en-US" dirty="0"/>
-          </a:p>
-        </p:txBody>
-      </p:sp>
       <p:cxnSp>
         <p:nvCxnSpPr>
-          <p:cNvPr id="7" name="直接箭头连接符 6"/>
+          <p:cNvPr id="9" name="直接箭头连接符 8"/>
           <p:cNvCxnSpPr/>
           <p:nvPr/>
         </p:nvCxnSpPr>
         <p:spPr>
-          <a:xfrm flipH="1">
-            <a:off x="827584" y="3933056"/>
-            <a:ext cx="360040" cy="936104"/>
+          <a:xfrm>
+            <a:off x="1296144" y="3814936"/>
+            <a:ext cx="0" cy="838200"/>
           </a:xfrm>
           <a:prstGeom prst="straightConnector1">
             <a:avLst/>
@@ -5262,16 +5063,54 @@
           </a:fontRef>
         </p:style>
       </p:cxnSp>
+      <p:sp>
+        <p:nvSpPr>
+          <p:cNvPr id="11" name="TextBox 10"/>
+          <p:cNvSpPr txBox="1"/>
+          <p:nvPr/>
+        </p:nvSpPr>
+        <p:spPr>
+          <a:xfrm>
+            <a:off x="683568" y="4869160"/>
+            <a:ext cx="1368152" cy="646331"/>
+          </a:xfrm>
+          <a:prstGeom prst="rect">
+            <a:avLst/>
+          </a:prstGeom>
+          <a:noFill/>
+        </p:spPr>
+        <p:txBody>
+          <a:bodyPr wrap="square" rtlCol="0">
+            <a:spAutoFit/>
+          </a:bodyPr>
+          <a:lstStyle/>
+          <a:p>
+            <a:r>
+              <a:rPr lang="en-US" altLang="zh-CN" dirty="0" smtClean="0"/>
+              <a:t>Population </a:t>
+            </a:r>
+            <a:r>
+              <a:rPr lang="en-US" altLang="zh-CN" dirty="0" err="1" smtClean="0"/>
+              <a:t>vcf</a:t>
+            </a:r>
+            <a:r>
+              <a:rPr lang="en-US" altLang="zh-CN" dirty="0" smtClean="0"/>
+              <a:t> file</a:t>
+            </a:r>
+            <a:endParaRPr lang="zh-CN" altLang="en-US" dirty="0"/>
+          </a:p>
+        </p:txBody>
+      </p:sp>
       <p:cxnSp>
         <p:nvCxnSpPr>
-          <p:cNvPr id="9" name="直接箭头连接符 8"/>
+          <p:cNvPr id="12" name="直接箭头连接符 11"/>
           <p:cNvCxnSpPr/>
           <p:nvPr/>
         </p:nvCxnSpPr>
         <p:spPr>
           <a:xfrm>
-            <a:off x="2627784" y="3933056"/>
-            <a:ext cx="432048" cy="936104"/>
+            <a:off x="4932040" y="4026701"/>
+            <a:ext cx="0" cy="838200"/>
           </a:xfrm>
           <a:prstGeom prst="straightConnector1">
             <a:avLst/>
@@ -5297,14 +5136,14 @@
       </p:cxnSp>
       <p:sp>
         <p:nvSpPr>
-          <p:cNvPr id="11" name="TextBox 10"/>
+          <p:cNvPr id="14" name="TextBox 13"/>
           <p:cNvSpPr txBox="1"/>
           <p:nvPr/>
         </p:nvSpPr>
         <p:spPr>
           <a:xfrm>
-            <a:off x="323528" y="5013176"/>
-            <a:ext cx="1656184" cy="369332"/>
+            <a:off x="2771800" y="4869160"/>
+            <a:ext cx="6120680" cy="923330"/>
           </a:xfrm>
           <a:prstGeom prst="rect">
             <a:avLst/>
@@ -5319,7 +5158,29 @@
           <a:p>
             <a:r>
               <a:rPr lang="en-US" altLang="zh-CN" dirty="0" smtClean="0"/>
-              <a:t>Scaffold ID</a:t>
+              <a:t>Bam file list that used to produce </a:t>
+            </a:r>
+            <a:r>
+              <a:rPr lang="en-US" altLang="zh-CN" dirty="0" err="1" smtClean="0"/>
+              <a:t>vcf</a:t>
+            </a:r>
+            <a:r>
+              <a:rPr lang="en-US" altLang="zh-CN" dirty="0" smtClean="0"/>
+              <a:t> file.</a:t>
+            </a:r>
+          </a:p>
+          <a:p>
+            <a:r>
+              <a:rPr lang="en-US" altLang="zh-CN" dirty="0" smtClean="0"/>
+              <a:t>Used to check sites is uncovered or fixed as reference allele </a:t>
+            </a:r>
+            <a:r>
+              <a:rPr lang="en-US" altLang="zh-CN" dirty="0" err="1" smtClean="0"/>
+              <a:t>whhen</a:t>
+            </a:r>
+            <a:r>
+              <a:rPr lang="en-US" altLang="zh-CN" dirty="0" smtClean="0"/>
+              <a:t> multiple populations are used in frequency calculation</a:t>
             </a:r>
             <a:endParaRPr lang="zh-CN" altLang="en-US" dirty="0"/>
           </a:p>
@@ -5327,14 +5188,14 @@
       </p:sp>
       <p:sp>
         <p:nvSpPr>
-          <p:cNvPr id="12" name="TextBox 11"/>
+          <p:cNvPr id="15" name="TextBox 14"/>
           <p:cNvSpPr txBox="1"/>
           <p:nvPr/>
         </p:nvSpPr>
         <p:spPr>
           <a:xfrm>
-            <a:off x="2610226" y="5013176"/>
-            <a:ext cx="1656184" cy="369332"/>
+            <a:off x="0" y="0"/>
+            <a:ext cx="9139472" cy="369332"/>
           </a:xfrm>
           <a:prstGeom prst="rect">
             <a:avLst/>
@@ -5349,37 +5210,15 @@
           <a:p>
             <a:r>
               <a:rPr lang="en-US" altLang="zh-CN" dirty="0" smtClean="0"/>
-              <a:t>Scaffold length</a:t>
-            </a:r>
-            <a:endParaRPr lang="zh-CN" altLang="en-US" dirty="0"/>
-          </a:p>
-        </p:txBody>
-      </p:sp>
-      <p:sp>
-        <p:nvSpPr>
-          <p:cNvPr id="13" name="TextBox 12"/>
-          <p:cNvSpPr txBox="1"/>
-          <p:nvPr/>
-        </p:nvSpPr>
-        <p:spPr>
-          <a:xfrm>
-            <a:off x="4932040" y="4401108"/>
-            <a:ext cx="3384376" cy="1477328"/>
-          </a:xfrm>
-          <a:prstGeom prst="rect">
-            <a:avLst/>
-          </a:prstGeom>
-          <a:noFill/>
-        </p:spPr>
-        <p:txBody>
-          <a:bodyPr wrap="square" rtlCol="0">
-            <a:spAutoFit/>
-          </a:bodyPr>
-          <a:lstStyle/>
-          <a:p>
-            <a:r>
-              <a:rPr lang="en-US" altLang="zh-CN" dirty="0" smtClean="0"/>
-              <a:t>In this case , calculation was divided into 8 threads. And all the results from those 8 threads will be merged automatically in the end.</a:t>
+              <a:t>Detect </a:t>
+            </a:r>
+            <a:r>
+              <a:rPr lang="en-US" altLang="zh-CN" dirty="0"/>
+              <a:t>selection </a:t>
+            </a:r>
+            <a:r>
+              <a:rPr lang="en-US" altLang="zh-CN" dirty="0" err="1"/>
+              <a:t>signal:Detectsignalacrossgenome_master.py</a:t>
             </a:r>
             <a:endParaRPr lang="zh-CN" altLang="en-US" dirty="0"/>
           </a:p>
@@ -5388,7 +5227,7 @@
     </p:spTree>
     <p:extLst>
       <p:ext uri="{BB962C8B-B14F-4D97-AF65-F5344CB8AC3E}">
-        <p14:creationId xmlns:p14="http://schemas.microsoft.com/office/powerpoint/2010/main" val="2241269385"/>
+        <p14:creationId xmlns:p14="http://schemas.microsoft.com/office/powerpoint/2010/main" val="531900783"/>
       </p:ext>
     </p:extLst>
   </p:cSld>
@@ -5432,12 +5271,7 @@
             <p:ph type="title"/>
           </p:nvPr>
         </p:nvSpPr>
-        <p:spPr>
-          <a:xfrm>
-            <a:off x="457200" y="116632"/>
-            <a:ext cx="8229600" cy="936104"/>
-          </a:xfrm>
-        </p:spPr>
+        <p:spPr/>
         <p:txBody>
           <a:bodyPr>
             <a:normAutofit/>
@@ -5446,7 +5280,7 @@
           <a:p>
             <a:r>
               <a:rPr lang="en-US" altLang="zh-CN" sz="3200" dirty="0"/>
-              <a:t>-t mspsgjlksy10pop_toplevel_pekingduckref</a:t>
+              <a:t>-c pekingduckchrominfo.autosomescaffolds_1</a:t>
             </a:r>
             <a:endParaRPr lang="zh-CN" altLang="en-US" sz="3200" dirty="0"/>
           </a:p>
@@ -5454,7 +5288,7 @@
       </p:sp>
       <p:pic>
         <p:nvPicPr>
-          <p:cNvPr id="4" name="内容占位符 3"/>
+          <p:cNvPr id="5" name="内容占位符 4"/>
           <p:cNvPicPr>
             <a:picLocks noGrp="1" noChangeAspect="1"/>
           </p:cNvPicPr>
@@ -5476,330 +5310,21 @@
         </p:blipFill>
         <p:spPr>
           <a:xfrm>
-            <a:off x="251520" y="908720"/>
-            <a:ext cx="8572110" cy="2218049"/>
+            <a:off x="959761" y="1484784"/>
+            <a:ext cx="7219950" cy="2466975"/>
           </a:xfrm>
         </p:spPr>
       </p:pic>
       <p:sp>
         <p:nvSpPr>
-          <p:cNvPr id="6" name="矩形 5"/>
-          <p:cNvSpPr/>
-          <p:nvPr/>
-        </p:nvSpPr>
-        <p:spPr>
-          <a:xfrm>
-            <a:off x="-36512" y="3212976"/>
-            <a:ext cx="5701186" cy="3754874"/>
-          </a:xfrm>
-          <a:prstGeom prst="rect">
-            <a:avLst/>
-          </a:prstGeom>
-        </p:spPr>
-        <p:txBody>
-          <a:bodyPr wrap="square">
-            <a:spAutoFit/>
-          </a:bodyPr>
-          <a:lstStyle/>
-          <a:p>
-            <a:r>
-              <a:rPr lang="en-US" altLang="zh-CN" sz="1400" dirty="0" smtClean="0"/>
-              <a:t>CREATE </a:t>
-            </a:r>
-            <a:r>
-              <a:rPr lang="en-US" altLang="zh-CN" sz="1400" dirty="0"/>
-              <a:t>TABLE `mspsgjlksy10pop_toplevel_pekingduckref` (                </a:t>
-            </a:r>
-          </a:p>
-          <a:p>
-            <a:r>
-              <a:rPr lang="en-US" altLang="zh-CN" sz="1400" dirty="0" smtClean="0"/>
-              <a:t>`</a:t>
-            </a:r>
-            <a:r>
-              <a:rPr lang="en-US" altLang="zh-CN" sz="1400" dirty="0" err="1"/>
-              <a:t>chrID</a:t>
-            </a:r>
-            <a:r>
-              <a:rPr lang="en-US" altLang="zh-CN" sz="1400" dirty="0"/>
-              <a:t>` char(128) NOT NULL DEFAULT '',                               </a:t>
-            </a:r>
-          </a:p>
-          <a:p>
-            <a:r>
-              <a:rPr lang="en-US" altLang="zh-CN" sz="1400" dirty="0" smtClean="0"/>
-              <a:t>`</a:t>
-            </a:r>
-            <a:r>
-              <a:rPr lang="en-US" altLang="zh-CN" sz="1400" dirty="0" err="1"/>
-              <a:t>snp_pos</a:t>
-            </a:r>
-            <a:r>
-              <a:rPr lang="en-US" altLang="zh-CN" sz="1400" dirty="0"/>
-              <a:t>` </a:t>
-            </a:r>
-            <a:r>
-              <a:rPr lang="en-US" altLang="zh-CN" sz="1400" dirty="0" err="1"/>
-              <a:t>bigint</a:t>
-            </a:r>
-            <a:r>
-              <a:rPr lang="en-US" altLang="zh-CN" sz="1400" dirty="0"/>
-              <a:t>(20) NOT NULL DEFAULT '0',                           </a:t>
-            </a:r>
-          </a:p>
-          <a:p>
-            <a:r>
-              <a:rPr lang="en-US" altLang="zh-CN" sz="1400" dirty="0" smtClean="0"/>
-              <a:t>`</a:t>
-            </a:r>
-            <a:r>
-              <a:rPr lang="en-US" altLang="zh-CN" sz="1400" dirty="0" err="1"/>
-              <a:t>snpID</a:t>
-            </a:r>
-            <a:r>
-              <a:rPr lang="en-US" altLang="zh-CN" sz="1400" dirty="0"/>
-              <a:t>` char(128) NOT NULL,                                          </a:t>
-            </a:r>
-          </a:p>
-          <a:p>
-            <a:r>
-              <a:rPr lang="en-US" altLang="zh-CN" sz="1400" dirty="0" smtClean="0"/>
-              <a:t>`</a:t>
-            </a:r>
-            <a:r>
-              <a:rPr lang="en-US" altLang="zh-CN" sz="1400" dirty="0" err="1"/>
-              <a:t>ref_base</a:t>
-            </a:r>
-            <a:r>
-              <a:rPr lang="en-US" altLang="zh-CN" sz="1400" dirty="0"/>
-              <a:t>` </a:t>
-            </a:r>
-            <a:r>
-              <a:rPr lang="en-US" altLang="zh-CN" sz="1400" dirty="0" err="1"/>
-              <a:t>varchar</a:t>
-            </a:r>
-            <a:r>
-              <a:rPr lang="en-US" altLang="zh-CN" sz="1400" dirty="0"/>
-              <a:t>(1000) DEFAULT NULL,                               </a:t>
-            </a:r>
-          </a:p>
-          <a:p>
-            <a:r>
-              <a:rPr lang="en-US" altLang="zh-CN" sz="1400" dirty="0" smtClean="0"/>
-              <a:t>`</a:t>
-            </a:r>
-            <a:r>
-              <a:rPr lang="en-US" altLang="zh-CN" sz="1400" dirty="0" err="1"/>
-              <a:t>alt_base</a:t>
-            </a:r>
-            <a:r>
-              <a:rPr lang="en-US" altLang="zh-CN" sz="1400" dirty="0"/>
-              <a:t>` </a:t>
-            </a:r>
-            <a:r>
-              <a:rPr lang="en-US" altLang="zh-CN" sz="1400" dirty="0" err="1"/>
-              <a:t>varchar</a:t>
-            </a:r>
-            <a:r>
-              <a:rPr lang="en-US" altLang="zh-CN" sz="1400" dirty="0"/>
-              <a:t>(1000) DEFAULT NULL,                               </a:t>
-            </a:r>
-          </a:p>
-          <a:p>
-            <a:r>
-              <a:rPr lang="en-US" altLang="zh-CN" sz="1400" dirty="0" smtClean="0"/>
-              <a:t>`</a:t>
-            </a:r>
-            <a:r>
-              <a:rPr lang="en-US" altLang="zh-CN" sz="1400" dirty="0"/>
-              <a:t>context` </a:t>
-            </a:r>
-            <a:r>
-              <a:rPr lang="en-US" altLang="zh-CN" sz="1400" dirty="0" err="1"/>
-              <a:t>varchar</a:t>
-            </a:r>
-            <a:r>
-              <a:rPr lang="en-US" altLang="zh-CN" sz="1400" dirty="0"/>
-              <a:t>(3) DEFAULT NULL,                                   </a:t>
-            </a:r>
-          </a:p>
-          <a:p>
-            <a:r>
-              <a:rPr lang="en-US" altLang="zh-CN" sz="1400" dirty="0" smtClean="0"/>
-              <a:t>`</a:t>
-            </a:r>
-            <a:r>
-              <a:rPr lang="en-US" altLang="zh-CN" sz="1400" dirty="0" err="1"/>
-              <a:t>wegeon</a:t>
-            </a:r>
-            <a:r>
-              <a:rPr lang="en-US" altLang="zh-CN" sz="1400" dirty="0"/>
-              <a:t>__</a:t>
-            </a:r>
-            <a:r>
-              <a:rPr lang="en-US" altLang="zh-CN" sz="1400" dirty="0" err="1"/>
-              <a:t>pool_withindel_vcf_alt</a:t>
-            </a:r>
-            <a:r>
-              <a:rPr lang="en-US" altLang="zh-CN" sz="1400" dirty="0"/>
-              <a:t>` char(128) DEFAULT NULL,             </a:t>
-            </a:r>
-          </a:p>
-          <a:p>
-            <a:r>
-              <a:rPr lang="en-US" altLang="zh-CN" sz="1400" dirty="0" smtClean="0"/>
-              <a:t>`</a:t>
-            </a:r>
-            <a:r>
-              <a:rPr lang="en-US" altLang="zh-CN" sz="1400" dirty="0" err="1"/>
-              <a:t>wegeon</a:t>
-            </a:r>
-            <a:r>
-              <a:rPr lang="en-US" altLang="zh-CN" sz="1400" dirty="0"/>
-              <a:t>__</a:t>
-            </a:r>
-            <a:r>
-              <a:rPr lang="en-US" altLang="zh-CN" sz="1400" dirty="0" err="1"/>
-              <a:t>pool_withindel_vcf_dep</a:t>
-            </a:r>
-            <a:r>
-              <a:rPr lang="en-US" altLang="zh-CN" sz="1400" dirty="0"/>
-              <a:t>` char(128) DEFAULT NULL,             </a:t>
-            </a:r>
-          </a:p>
-          <a:p>
-            <a:r>
-              <a:rPr lang="en-US" altLang="zh-CN" sz="1400" dirty="0" smtClean="0"/>
-              <a:t>`</a:t>
-            </a:r>
-            <a:r>
-              <a:rPr lang="en-US" altLang="zh-CN" sz="1400" dirty="0"/>
-              <a:t>fanya1_pool_withindel_vcf_alt` char(128) DEFAULT NULL,              </a:t>
-            </a:r>
-          </a:p>
-          <a:p>
-            <a:r>
-              <a:rPr lang="en-US" altLang="zh-CN" sz="1400" dirty="0" smtClean="0"/>
-              <a:t>`</a:t>
-            </a:r>
-            <a:r>
-              <a:rPr lang="en-US" altLang="zh-CN" sz="1400" dirty="0"/>
-              <a:t>fanya1_pool_withindel_vcf_dep` char(128) DEFAULT NULL,              </a:t>
-            </a:r>
-          </a:p>
-          <a:p>
-            <a:r>
-              <a:rPr lang="en-US" altLang="zh-CN" sz="1400" dirty="0" smtClean="0"/>
-              <a:t>`</a:t>
-            </a:r>
-            <a:r>
-              <a:rPr lang="en-US" altLang="zh-CN" sz="1400" dirty="0" err="1"/>
-              <a:t>barheadedgoose_pool_withindel_vcf_alt</a:t>
-            </a:r>
-            <a:r>
-              <a:rPr lang="en-US" altLang="zh-CN" sz="1400" dirty="0"/>
-              <a:t>` char(128) DEFAULT NULL,      </a:t>
-            </a:r>
-          </a:p>
-          <a:p>
-            <a:r>
-              <a:rPr lang="en-US" altLang="zh-CN" sz="1400" dirty="0" smtClean="0"/>
-              <a:t>`</a:t>
-            </a:r>
-            <a:r>
-              <a:rPr lang="en-US" altLang="zh-CN" sz="1400" dirty="0" err="1"/>
-              <a:t>barheadedgoose_pool_withindel_vcf_dep</a:t>
-            </a:r>
-            <a:r>
-              <a:rPr lang="en-US" altLang="zh-CN" sz="1400" dirty="0"/>
-              <a:t>` char(128) DEFAULT NULL,      </a:t>
-            </a:r>
-          </a:p>
-          <a:p>
-            <a:r>
-              <a:rPr lang="en-US" altLang="zh-CN" sz="1400" dirty="0" smtClean="0"/>
-              <a:t>`</a:t>
-            </a:r>
-            <a:r>
-              <a:rPr lang="en-US" altLang="zh-CN" sz="1400" dirty="0" err="1"/>
-              <a:t>taihudomesticgoose_pool_withindel_vcf_alt</a:t>
-            </a:r>
-            <a:r>
-              <a:rPr lang="en-US" altLang="zh-CN" sz="1400" dirty="0"/>
-              <a:t>` char(128) DEFAULT NULL,  </a:t>
-            </a:r>
-          </a:p>
-          <a:p>
-            <a:r>
-              <a:rPr lang="en-US" altLang="zh-CN" sz="1400" dirty="0" smtClean="0"/>
-              <a:t>`</a:t>
-            </a:r>
-            <a:r>
-              <a:rPr lang="en-US" altLang="zh-CN" sz="1400" dirty="0" err="1"/>
-              <a:t>taihudomesticgoose_pool_withindel_vcf_dep</a:t>
-            </a:r>
-            <a:r>
-              <a:rPr lang="en-US" altLang="zh-CN" sz="1400" dirty="0"/>
-              <a:t>` char(128) DEFAULT NULL,  </a:t>
-            </a:r>
-          </a:p>
-          <a:p>
-            <a:r>
-              <a:rPr lang="en-US" altLang="zh-CN" sz="1400" dirty="0" smtClean="0"/>
-              <a:t>PRIMARY </a:t>
-            </a:r>
-            <a:r>
-              <a:rPr lang="en-US" altLang="zh-CN" sz="1400" dirty="0"/>
-              <a:t>KEY (`</a:t>
-            </a:r>
-            <a:r>
-              <a:rPr lang="en-US" altLang="zh-CN" sz="1400" dirty="0" err="1"/>
-              <a:t>chrID</a:t>
-            </a:r>
-            <a:r>
-              <a:rPr lang="en-US" altLang="zh-CN" sz="1400" dirty="0"/>
-              <a:t>`,`</a:t>
-            </a:r>
-            <a:r>
-              <a:rPr lang="en-US" altLang="zh-CN" sz="1400" dirty="0" err="1"/>
-              <a:t>snp_pos</a:t>
-            </a:r>
-            <a:r>
-              <a:rPr lang="en-US" altLang="zh-CN" sz="1400" dirty="0"/>
-              <a:t>`)                                      </a:t>
-            </a:r>
-          </a:p>
-          <a:p>
-            <a:r>
-              <a:rPr lang="en-US" altLang="zh-CN" sz="1400" dirty="0" smtClean="0"/>
-              <a:t>) </a:t>
-            </a:r>
-            <a:r>
-              <a:rPr lang="en-US" altLang="zh-CN" sz="1400" dirty="0"/>
-              <a:t>ENGINE=</a:t>
-            </a:r>
-            <a:r>
-              <a:rPr lang="en-US" altLang="zh-CN" sz="1400" dirty="0" err="1"/>
-              <a:t>InnoDB</a:t>
-            </a:r>
-            <a:r>
-              <a:rPr lang="en-US" altLang="zh-CN" sz="1400" dirty="0"/>
-              <a:t> DEFAULT CHARSET=utf8</a:t>
-            </a:r>
-            <a:endParaRPr lang="zh-CN" altLang="en-US" sz="1400" dirty="0"/>
-          </a:p>
-        </p:txBody>
-      </p:sp>
-      <p:sp>
-        <p:nvSpPr>
-          <p:cNvPr id="7" name="TextBox 6"/>
+          <p:cNvPr id="4" name="TextBox 3"/>
           <p:cNvSpPr txBox="1"/>
           <p:nvPr/>
         </p:nvSpPr>
         <p:spPr>
           <a:xfrm>
-            <a:off x="4932040" y="3068960"/>
-            <a:ext cx="4536504" cy="2893100"/>
+            <a:off x="0" y="0"/>
+            <a:ext cx="9139472" cy="369332"/>
           </a:xfrm>
           <a:prstGeom prst="rect">
             <a:avLst/>
@@ -5813,184 +5338,31 @@
           <a:lstStyle/>
           <a:p>
             <a:r>
-              <a:rPr lang="en-US" altLang="zh-CN" sz="1400" dirty="0" err="1" smtClean="0"/>
-              <a:t>Thit</a:t>
-            </a:r>
-            <a:r>
-              <a:rPr lang="en-US" altLang="zh-CN" sz="1400" dirty="0" smtClean="0"/>
-              <a:t> table can be initially create by such command:</a:t>
-            </a:r>
-          </a:p>
-          <a:p>
-            <a:r>
-              <a:rPr lang="en-US" altLang="zh-CN" sz="1400" dirty="0" smtClean="0"/>
-              <a:t>CREATE </a:t>
-            </a:r>
-            <a:r>
-              <a:rPr lang="en-US" altLang="zh-CN" sz="1400" dirty="0"/>
-              <a:t>TABLE `mspsgjlksy10pop_toplevel_pekingduckref` (                </a:t>
-            </a:r>
-          </a:p>
-          <a:p>
-            <a:r>
-              <a:rPr lang="en-US" altLang="zh-CN" sz="1400" dirty="0"/>
-              <a:t>`</a:t>
-            </a:r>
-            <a:r>
-              <a:rPr lang="en-US" altLang="zh-CN" sz="1400" dirty="0" err="1"/>
-              <a:t>chrID</a:t>
-            </a:r>
-            <a:r>
-              <a:rPr lang="en-US" altLang="zh-CN" sz="1400" dirty="0"/>
-              <a:t>` char(128) NOT NULL DEFAULT '',                               </a:t>
-            </a:r>
-          </a:p>
-          <a:p>
-            <a:r>
-              <a:rPr lang="en-US" altLang="zh-CN" sz="1400" dirty="0"/>
-              <a:t>`</a:t>
-            </a:r>
-            <a:r>
-              <a:rPr lang="en-US" altLang="zh-CN" sz="1400" dirty="0" err="1"/>
-              <a:t>snp_pos</a:t>
-            </a:r>
-            <a:r>
-              <a:rPr lang="en-US" altLang="zh-CN" sz="1400" dirty="0"/>
-              <a:t>` </a:t>
-            </a:r>
-            <a:r>
-              <a:rPr lang="en-US" altLang="zh-CN" sz="1400" dirty="0" err="1"/>
-              <a:t>bigint</a:t>
-            </a:r>
-            <a:r>
-              <a:rPr lang="en-US" altLang="zh-CN" sz="1400" dirty="0"/>
-              <a:t>(20) NOT NULL DEFAULT '0',                           </a:t>
-            </a:r>
-          </a:p>
-          <a:p>
-            <a:r>
-              <a:rPr lang="en-US" altLang="zh-CN" sz="1400" dirty="0"/>
-              <a:t>`</a:t>
-            </a:r>
-            <a:r>
-              <a:rPr lang="en-US" altLang="zh-CN" sz="1400" dirty="0" err="1"/>
-              <a:t>snpID</a:t>
-            </a:r>
-            <a:r>
-              <a:rPr lang="en-US" altLang="zh-CN" sz="1400" dirty="0"/>
-              <a:t>` char(128) NOT NULL,                                          </a:t>
-            </a:r>
-          </a:p>
-          <a:p>
-            <a:r>
-              <a:rPr lang="en-US" altLang="zh-CN" sz="1400" dirty="0"/>
-              <a:t>`</a:t>
-            </a:r>
-            <a:r>
-              <a:rPr lang="en-US" altLang="zh-CN" sz="1400" dirty="0" err="1"/>
-              <a:t>ref_base</a:t>
-            </a:r>
-            <a:r>
-              <a:rPr lang="en-US" altLang="zh-CN" sz="1400" dirty="0"/>
-              <a:t>` </a:t>
-            </a:r>
-            <a:r>
-              <a:rPr lang="en-US" altLang="zh-CN" sz="1400" dirty="0" err="1"/>
-              <a:t>varchar</a:t>
-            </a:r>
-            <a:r>
-              <a:rPr lang="en-US" altLang="zh-CN" sz="1400" dirty="0"/>
-              <a:t>(1000) DEFAULT NULL,                               </a:t>
-            </a:r>
-          </a:p>
-          <a:p>
-            <a:r>
-              <a:rPr lang="en-US" altLang="zh-CN" sz="1400" dirty="0"/>
-              <a:t>`</a:t>
-            </a:r>
-            <a:r>
-              <a:rPr lang="en-US" altLang="zh-CN" sz="1400" dirty="0" err="1"/>
-              <a:t>alt_base</a:t>
-            </a:r>
-            <a:r>
-              <a:rPr lang="en-US" altLang="zh-CN" sz="1400" dirty="0"/>
-              <a:t>` </a:t>
-            </a:r>
-            <a:r>
-              <a:rPr lang="en-US" altLang="zh-CN" sz="1400" dirty="0" err="1"/>
-              <a:t>varchar</a:t>
-            </a:r>
-            <a:r>
-              <a:rPr lang="en-US" altLang="zh-CN" sz="1400" dirty="0"/>
-              <a:t>(1000) DEFAULT NULL,                               </a:t>
-            </a:r>
-          </a:p>
-          <a:p>
-            <a:r>
-              <a:rPr lang="en-US" altLang="zh-CN" sz="1400" dirty="0"/>
-              <a:t>`context` </a:t>
-            </a:r>
-            <a:r>
-              <a:rPr lang="en-US" altLang="zh-CN" sz="1400" dirty="0" err="1"/>
-              <a:t>varchar</a:t>
-            </a:r>
-            <a:r>
-              <a:rPr lang="en-US" altLang="zh-CN" sz="1400" dirty="0"/>
-              <a:t>(3) DEFAULT NULL, PRIMARY KEY (`</a:t>
-            </a:r>
-            <a:r>
-              <a:rPr lang="en-US" altLang="zh-CN" sz="1400" dirty="0" err="1"/>
-              <a:t>chrID</a:t>
-            </a:r>
-            <a:r>
-              <a:rPr lang="en-US" altLang="zh-CN" sz="1400" dirty="0"/>
-              <a:t>`,`</a:t>
-            </a:r>
-            <a:r>
-              <a:rPr lang="en-US" altLang="zh-CN" sz="1400" dirty="0" err="1"/>
-              <a:t>snp_pos</a:t>
-            </a:r>
-            <a:r>
-              <a:rPr lang="en-US" altLang="zh-CN" sz="1400" dirty="0"/>
-              <a:t>`)                                      </a:t>
-            </a:r>
-          </a:p>
-          <a:p>
-            <a:r>
-              <a:rPr lang="en-US" altLang="zh-CN" sz="1400" dirty="0"/>
-              <a:t>) ENGINE=</a:t>
-            </a:r>
-            <a:r>
-              <a:rPr lang="en-US" altLang="zh-CN" sz="1400" dirty="0" err="1"/>
-              <a:t>InnoDB</a:t>
-            </a:r>
-            <a:r>
-              <a:rPr lang="en-US" altLang="zh-CN" sz="1400" dirty="0"/>
-              <a:t> DEFAULT CHARSET=utf8</a:t>
-            </a:r>
-            <a:endParaRPr lang="zh-CN" altLang="en-US" sz="1400" dirty="0"/>
-          </a:p>
-          <a:p>
-            <a:r>
-              <a:rPr lang="en-US" altLang="zh-CN" sz="1400" dirty="0" smtClean="0"/>
-              <a:t>The other information(sites and out group population information) could be filled automatically when this table is used.</a:t>
-            </a:r>
-            <a:endParaRPr lang="zh-CN" altLang="en-US" sz="1400" dirty="0"/>
+              <a:rPr lang="en-US" altLang="zh-CN" dirty="0" smtClean="0"/>
+              <a:t>Detect </a:t>
+            </a:r>
+            <a:r>
+              <a:rPr lang="en-US" altLang="zh-CN" dirty="0"/>
+              <a:t>selection </a:t>
+            </a:r>
+            <a:r>
+              <a:rPr lang="en-US" altLang="zh-CN" dirty="0" err="1"/>
+              <a:t>signal:Detectsignalacrossgenome_master.py</a:t>
+            </a:r>
+            <a:endParaRPr lang="zh-CN" altLang="en-US" dirty="0"/>
           </a:p>
         </p:txBody>
       </p:sp>
       <p:cxnSp>
         <p:nvCxnSpPr>
-          <p:cNvPr id="9" name="直接箭头连接符 8"/>
-          <p:cNvCxnSpPr>
-            <a:endCxn id="10" idx="0"/>
-          </p:cNvCxnSpPr>
+          <p:cNvPr id="7" name="直接箭头连接符 6"/>
+          <p:cNvCxnSpPr/>
           <p:nvPr/>
         </p:nvCxnSpPr>
         <p:spPr>
-          <a:xfrm>
-            <a:off x="7200292" y="2132856"/>
-            <a:ext cx="269776" cy="360040"/>
+          <a:xfrm flipH="1">
+            <a:off x="827584" y="3933056"/>
+            <a:ext cx="360040" cy="936104"/>
           </a:xfrm>
           <a:prstGeom prst="straightConnector1">
             <a:avLst/>
@@ -6014,16 +5386,49 @@
           </a:fontRef>
         </p:style>
       </p:cxnSp>
-      <p:sp>
-        <p:nvSpPr>
-          <p:cNvPr id="10" name="TextBox 9"/>
+      <p:cxnSp>
+        <p:nvCxnSpPr>
+          <p:cNvPr id="9" name="直接箭头连接符 8"/>
+          <p:cNvCxnSpPr/>
+          <p:nvPr/>
+        </p:nvCxnSpPr>
+        <p:spPr>
+          <a:xfrm>
+            <a:off x="2627784" y="3933056"/>
+            <a:ext cx="432048" cy="936104"/>
+          </a:xfrm>
+          <a:prstGeom prst="straightConnector1">
+            <a:avLst/>
+          </a:prstGeom>
+          <a:ln>
+            <a:tailEnd type="arrow"/>
+          </a:ln>
+        </p:spPr>
+        <p:style>
+          <a:lnRef idx="1">
+            <a:schemeClr val="accent1"/>
+          </a:lnRef>
+          <a:fillRef idx="0">
+            <a:schemeClr val="accent1"/>
+          </a:fillRef>
+          <a:effectRef idx="0">
+            <a:schemeClr val="accent1"/>
+          </a:effectRef>
+          <a:fontRef idx="minor">
+            <a:schemeClr val="tx1"/>
+          </a:fontRef>
+        </p:style>
+      </p:cxnSp>
+      <p:sp>
+        <p:nvSpPr>
+          <p:cNvPr id="11" name="TextBox 10"/>
           <p:cNvSpPr txBox="1"/>
           <p:nvPr/>
         </p:nvSpPr>
         <p:spPr>
           <a:xfrm>
-            <a:off x="5796136" y="2492896"/>
-            <a:ext cx="3347864" cy="369332"/>
+            <a:off x="323528" y="5013176"/>
+            <a:ext cx="1656184" cy="369332"/>
           </a:xfrm>
           <a:prstGeom prst="rect">
             <a:avLst/>
@@ -6038,7 +5443,7 @@
           <a:p>
             <a:r>
               <a:rPr lang="en-US" altLang="zh-CN" dirty="0" smtClean="0"/>
-              <a:t>Ref allele depth, alt allele depth</a:t>
+              <a:t>Scaffold ID</a:t>
             </a:r>
             <a:endParaRPr lang="zh-CN" altLang="en-US" dirty="0"/>
           </a:p>
@@ -6046,14 +5451,14 @@
       </p:sp>
       <p:sp>
         <p:nvSpPr>
-          <p:cNvPr id="14" name="TextBox 13"/>
+          <p:cNvPr id="12" name="TextBox 11"/>
           <p:cNvSpPr txBox="1"/>
           <p:nvPr/>
         </p:nvSpPr>
         <p:spPr>
           <a:xfrm>
-            <a:off x="0" y="0"/>
-            <a:ext cx="9139472" cy="369332"/>
+            <a:off x="2610226" y="5013176"/>
+            <a:ext cx="1656184" cy="369332"/>
           </a:xfrm>
           <a:prstGeom prst="rect">
             <a:avLst/>
@@ -6068,15 +5473,37 @@
           <a:p>
             <a:r>
               <a:rPr lang="en-US" altLang="zh-CN" dirty="0" smtClean="0"/>
-              <a:t>Detect </a:t>
-            </a:r>
-            <a:r>
-              <a:rPr lang="en-US" altLang="zh-CN" dirty="0"/>
-              <a:t>selection </a:t>
-            </a:r>
-            <a:r>
-              <a:rPr lang="en-US" altLang="zh-CN" dirty="0" err="1"/>
-              <a:t>signal:Detectsignalacrossgenome_master.py</a:t>
+              <a:t>Scaffold length</a:t>
+            </a:r>
+            <a:endParaRPr lang="zh-CN" altLang="en-US" dirty="0"/>
+          </a:p>
+        </p:txBody>
+      </p:sp>
+      <p:sp>
+        <p:nvSpPr>
+          <p:cNvPr id="13" name="TextBox 12"/>
+          <p:cNvSpPr txBox="1"/>
+          <p:nvPr/>
+        </p:nvSpPr>
+        <p:spPr>
+          <a:xfrm>
+            <a:off x="4932040" y="4401108"/>
+            <a:ext cx="3384376" cy="1477328"/>
+          </a:xfrm>
+          <a:prstGeom prst="rect">
+            <a:avLst/>
+          </a:prstGeom>
+          <a:noFill/>
+        </p:spPr>
+        <p:txBody>
+          <a:bodyPr wrap="square" rtlCol="0">
+            <a:spAutoFit/>
+          </a:bodyPr>
+          <a:lstStyle/>
+          <a:p>
+            <a:r>
+              <a:rPr lang="en-US" altLang="zh-CN" dirty="0" smtClean="0"/>
+              <a:t>In this case , calculation was divided into 8 threads. And all the results from those 8 threads will be merged automatically in the end.</a:t>
             </a:r>
             <a:endParaRPr lang="zh-CN" altLang="en-US" dirty="0"/>
           </a:p>
@@ -6085,7 +5512,7 @@
     </p:spTree>
     <p:extLst>
       <p:ext uri="{BB962C8B-B14F-4D97-AF65-F5344CB8AC3E}">
-        <p14:creationId xmlns:p14="http://schemas.microsoft.com/office/powerpoint/2010/main" val="229221375"/>
+        <p14:creationId xmlns:p14="http://schemas.microsoft.com/office/powerpoint/2010/main" val="2241269385"/>
       </p:ext>
     </p:extLst>
   </p:cSld>
@@ -6131,6 +5558,703 @@
         </p:nvSpPr>
         <p:spPr>
           <a:xfrm>
+            <a:off x="457200" y="116632"/>
+            <a:ext cx="8229600" cy="936104"/>
+          </a:xfrm>
+        </p:spPr>
+        <p:txBody>
+          <a:bodyPr>
+            <a:normAutofit/>
+          </a:bodyPr>
+          <a:lstStyle/>
+          <a:p>
+            <a:r>
+              <a:rPr lang="en-US" altLang="zh-CN" sz="3200" dirty="0"/>
+              <a:t>-t mspsgjlksy10pop_toplevel_pekingduckref</a:t>
+            </a:r>
+            <a:endParaRPr lang="zh-CN" altLang="en-US" sz="3200" dirty="0"/>
+          </a:p>
+        </p:txBody>
+      </p:sp>
+      <p:pic>
+        <p:nvPicPr>
+          <p:cNvPr id="4" name="内容占位符 3"/>
+          <p:cNvPicPr>
+            <a:picLocks noGrp="1" noChangeAspect="1"/>
+          </p:cNvPicPr>
+          <p:nvPr>
+            <p:ph idx="1"/>
+          </p:nvPr>
+        </p:nvPicPr>
+        <p:blipFill>
+          <a:blip r:embed="rId2">
+            <a:extLst>
+              <a:ext uri="{28A0092B-C50C-407E-A947-70E740481C1C}">
+                <a14:useLocalDpi xmlns:a14="http://schemas.microsoft.com/office/drawing/2010/main" val="0"/>
+              </a:ext>
+            </a:extLst>
+          </a:blip>
+          <a:stretch>
+            <a:fillRect/>
+          </a:stretch>
+        </p:blipFill>
+        <p:spPr>
+          <a:xfrm>
+            <a:off x="251520" y="908720"/>
+            <a:ext cx="8572110" cy="2218049"/>
+          </a:xfrm>
+        </p:spPr>
+      </p:pic>
+      <p:sp>
+        <p:nvSpPr>
+          <p:cNvPr id="6" name="矩形 5"/>
+          <p:cNvSpPr/>
+          <p:nvPr/>
+        </p:nvSpPr>
+        <p:spPr>
+          <a:xfrm>
+            <a:off x="-36512" y="3212976"/>
+            <a:ext cx="5701186" cy="3754874"/>
+          </a:xfrm>
+          <a:prstGeom prst="rect">
+            <a:avLst/>
+          </a:prstGeom>
+        </p:spPr>
+        <p:txBody>
+          <a:bodyPr wrap="square">
+            <a:spAutoFit/>
+          </a:bodyPr>
+          <a:lstStyle/>
+          <a:p>
+            <a:r>
+              <a:rPr lang="en-US" altLang="zh-CN" sz="1400" dirty="0" smtClean="0"/>
+              <a:t>CREATE </a:t>
+            </a:r>
+            <a:r>
+              <a:rPr lang="en-US" altLang="zh-CN" sz="1400" dirty="0"/>
+              <a:t>TABLE `mspsgjlksy10pop_toplevel_pekingduckref` (                </a:t>
+            </a:r>
+          </a:p>
+          <a:p>
+            <a:r>
+              <a:rPr lang="en-US" altLang="zh-CN" sz="1400" dirty="0" smtClean="0"/>
+              <a:t>`</a:t>
+            </a:r>
+            <a:r>
+              <a:rPr lang="en-US" altLang="zh-CN" sz="1400" dirty="0" err="1"/>
+              <a:t>chrID</a:t>
+            </a:r>
+            <a:r>
+              <a:rPr lang="en-US" altLang="zh-CN" sz="1400" dirty="0"/>
+              <a:t>` char(128) NOT NULL DEFAULT '',                               </a:t>
+            </a:r>
+          </a:p>
+          <a:p>
+            <a:r>
+              <a:rPr lang="en-US" altLang="zh-CN" sz="1400" dirty="0" smtClean="0"/>
+              <a:t>`</a:t>
+            </a:r>
+            <a:r>
+              <a:rPr lang="en-US" altLang="zh-CN" sz="1400" dirty="0" err="1"/>
+              <a:t>snp_pos</a:t>
+            </a:r>
+            <a:r>
+              <a:rPr lang="en-US" altLang="zh-CN" sz="1400" dirty="0"/>
+              <a:t>` </a:t>
+            </a:r>
+            <a:r>
+              <a:rPr lang="en-US" altLang="zh-CN" sz="1400" dirty="0" err="1"/>
+              <a:t>bigint</a:t>
+            </a:r>
+            <a:r>
+              <a:rPr lang="en-US" altLang="zh-CN" sz="1400" dirty="0"/>
+              <a:t>(20) NOT NULL DEFAULT '0',                           </a:t>
+            </a:r>
+          </a:p>
+          <a:p>
+            <a:r>
+              <a:rPr lang="en-US" altLang="zh-CN" sz="1400" dirty="0" smtClean="0"/>
+              <a:t>`</a:t>
+            </a:r>
+            <a:r>
+              <a:rPr lang="en-US" altLang="zh-CN" sz="1400" dirty="0" err="1"/>
+              <a:t>snpID</a:t>
+            </a:r>
+            <a:r>
+              <a:rPr lang="en-US" altLang="zh-CN" sz="1400" dirty="0"/>
+              <a:t>` char(128) NOT NULL,                                          </a:t>
+            </a:r>
+          </a:p>
+          <a:p>
+            <a:r>
+              <a:rPr lang="en-US" altLang="zh-CN" sz="1400" dirty="0" smtClean="0"/>
+              <a:t>`</a:t>
+            </a:r>
+            <a:r>
+              <a:rPr lang="en-US" altLang="zh-CN" sz="1400" dirty="0" err="1"/>
+              <a:t>ref_base</a:t>
+            </a:r>
+            <a:r>
+              <a:rPr lang="en-US" altLang="zh-CN" sz="1400" dirty="0"/>
+              <a:t>` </a:t>
+            </a:r>
+            <a:r>
+              <a:rPr lang="en-US" altLang="zh-CN" sz="1400" dirty="0" err="1"/>
+              <a:t>varchar</a:t>
+            </a:r>
+            <a:r>
+              <a:rPr lang="en-US" altLang="zh-CN" sz="1400" dirty="0"/>
+              <a:t>(1000) DEFAULT NULL,                               </a:t>
+            </a:r>
+          </a:p>
+          <a:p>
+            <a:r>
+              <a:rPr lang="en-US" altLang="zh-CN" sz="1400" dirty="0" smtClean="0"/>
+              <a:t>`</a:t>
+            </a:r>
+            <a:r>
+              <a:rPr lang="en-US" altLang="zh-CN" sz="1400" dirty="0" err="1"/>
+              <a:t>alt_base</a:t>
+            </a:r>
+            <a:r>
+              <a:rPr lang="en-US" altLang="zh-CN" sz="1400" dirty="0"/>
+              <a:t>` </a:t>
+            </a:r>
+            <a:r>
+              <a:rPr lang="en-US" altLang="zh-CN" sz="1400" dirty="0" err="1"/>
+              <a:t>varchar</a:t>
+            </a:r>
+            <a:r>
+              <a:rPr lang="en-US" altLang="zh-CN" sz="1400" dirty="0"/>
+              <a:t>(1000) DEFAULT NULL,                               </a:t>
+            </a:r>
+          </a:p>
+          <a:p>
+            <a:r>
+              <a:rPr lang="en-US" altLang="zh-CN" sz="1400" dirty="0" smtClean="0"/>
+              <a:t>`</a:t>
+            </a:r>
+            <a:r>
+              <a:rPr lang="en-US" altLang="zh-CN" sz="1400" dirty="0"/>
+              <a:t>context` </a:t>
+            </a:r>
+            <a:r>
+              <a:rPr lang="en-US" altLang="zh-CN" sz="1400" dirty="0" err="1"/>
+              <a:t>varchar</a:t>
+            </a:r>
+            <a:r>
+              <a:rPr lang="en-US" altLang="zh-CN" sz="1400" dirty="0"/>
+              <a:t>(3) DEFAULT NULL,                                   </a:t>
+            </a:r>
+          </a:p>
+          <a:p>
+            <a:r>
+              <a:rPr lang="en-US" altLang="zh-CN" sz="1400" dirty="0" smtClean="0"/>
+              <a:t>`</a:t>
+            </a:r>
+            <a:r>
+              <a:rPr lang="en-US" altLang="zh-CN" sz="1400" dirty="0" err="1"/>
+              <a:t>wegeon</a:t>
+            </a:r>
+            <a:r>
+              <a:rPr lang="en-US" altLang="zh-CN" sz="1400" dirty="0"/>
+              <a:t>__</a:t>
+            </a:r>
+            <a:r>
+              <a:rPr lang="en-US" altLang="zh-CN" sz="1400" dirty="0" err="1"/>
+              <a:t>pool_withindel_vcf_alt</a:t>
+            </a:r>
+            <a:r>
+              <a:rPr lang="en-US" altLang="zh-CN" sz="1400" dirty="0"/>
+              <a:t>` char(128) DEFAULT NULL,             </a:t>
+            </a:r>
+          </a:p>
+          <a:p>
+            <a:r>
+              <a:rPr lang="en-US" altLang="zh-CN" sz="1400" dirty="0" smtClean="0"/>
+              <a:t>`</a:t>
+            </a:r>
+            <a:r>
+              <a:rPr lang="en-US" altLang="zh-CN" sz="1400" dirty="0" err="1"/>
+              <a:t>wegeon</a:t>
+            </a:r>
+            <a:r>
+              <a:rPr lang="en-US" altLang="zh-CN" sz="1400" dirty="0"/>
+              <a:t>__</a:t>
+            </a:r>
+            <a:r>
+              <a:rPr lang="en-US" altLang="zh-CN" sz="1400" dirty="0" err="1"/>
+              <a:t>pool_withindel_vcf_dep</a:t>
+            </a:r>
+            <a:r>
+              <a:rPr lang="en-US" altLang="zh-CN" sz="1400" dirty="0"/>
+              <a:t>` char(128) DEFAULT NULL,             </a:t>
+            </a:r>
+          </a:p>
+          <a:p>
+            <a:r>
+              <a:rPr lang="en-US" altLang="zh-CN" sz="1400" dirty="0" smtClean="0"/>
+              <a:t>`</a:t>
+            </a:r>
+            <a:r>
+              <a:rPr lang="en-US" altLang="zh-CN" sz="1400" dirty="0"/>
+              <a:t>fanya1_pool_withindel_vcf_alt` char(128) DEFAULT NULL,              </a:t>
+            </a:r>
+          </a:p>
+          <a:p>
+            <a:r>
+              <a:rPr lang="en-US" altLang="zh-CN" sz="1400" dirty="0" smtClean="0"/>
+              <a:t>`</a:t>
+            </a:r>
+            <a:r>
+              <a:rPr lang="en-US" altLang="zh-CN" sz="1400" dirty="0"/>
+              <a:t>fanya1_pool_withindel_vcf_dep` char(128) DEFAULT NULL,              </a:t>
+            </a:r>
+          </a:p>
+          <a:p>
+            <a:r>
+              <a:rPr lang="en-US" altLang="zh-CN" sz="1400" dirty="0" smtClean="0"/>
+              <a:t>`</a:t>
+            </a:r>
+            <a:r>
+              <a:rPr lang="en-US" altLang="zh-CN" sz="1400" dirty="0" err="1"/>
+              <a:t>barheadedgoose_pool_withindel_vcf_alt</a:t>
+            </a:r>
+            <a:r>
+              <a:rPr lang="en-US" altLang="zh-CN" sz="1400" dirty="0"/>
+              <a:t>` char(128) DEFAULT NULL,      </a:t>
+            </a:r>
+          </a:p>
+          <a:p>
+            <a:r>
+              <a:rPr lang="en-US" altLang="zh-CN" sz="1400" dirty="0" smtClean="0"/>
+              <a:t>`</a:t>
+            </a:r>
+            <a:r>
+              <a:rPr lang="en-US" altLang="zh-CN" sz="1400" dirty="0" err="1"/>
+              <a:t>barheadedgoose_pool_withindel_vcf_dep</a:t>
+            </a:r>
+            <a:r>
+              <a:rPr lang="en-US" altLang="zh-CN" sz="1400" dirty="0"/>
+              <a:t>` char(128) DEFAULT NULL,      </a:t>
+            </a:r>
+          </a:p>
+          <a:p>
+            <a:r>
+              <a:rPr lang="en-US" altLang="zh-CN" sz="1400" dirty="0" smtClean="0"/>
+              <a:t>`</a:t>
+            </a:r>
+            <a:r>
+              <a:rPr lang="en-US" altLang="zh-CN" sz="1400" dirty="0" err="1"/>
+              <a:t>taihudomesticgoose_pool_withindel_vcf_alt</a:t>
+            </a:r>
+            <a:r>
+              <a:rPr lang="en-US" altLang="zh-CN" sz="1400" dirty="0"/>
+              <a:t>` char(128) DEFAULT NULL,  </a:t>
+            </a:r>
+          </a:p>
+          <a:p>
+            <a:r>
+              <a:rPr lang="en-US" altLang="zh-CN" sz="1400" dirty="0" smtClean="0"/>
+              <a:t>`</a:t>
+            </a:r>
+            <a:r>
+              <a:rPr lang="en-US" altLang="zh-CN" sz="1400" dirty="0" err="1"/>
+              <a:t>taihudomesticgoose_pool_withindel_vcf_dep</a:t>
+            </a:r>
+            <a:r>
+              <a:rPr lang="en-US" altLang="zh-CN" sz="1400" dirty="0"/>
+              <a:t>` char(128) DEFAULT NULL,  </a:t>
+            </a:r>
+          </a:p>
+          <a:p>
+            <a:r>
+              <a:rPr lang="en-US" altLang="zh-CN" sz="1400" dirty="0" smtClean="0"/>
+              <a:t>PRIMARY </a:t>
+            </a:r>
+            <a:r>
+              <a:rPr lang="en-US" altLang="zh-CN" sz="1400" dirty="0"/>
+              <a:t>KEY (`</a:t>
+            </a:r>
+            <a:r>
+              <a:rPr lang="en-US" altLang="zh-CN" sz="1400" dirty="0" err="1"/>
+              <a:t>chrID</a:t>
+            </a:r>
+            <a:r>
+              <a:rPr lang="en-US" altLang="zh-CN" sz="1400" dirty="0"/>
+              <a:t>`,`</a:t>
+            </a:r>
+            <a:r>
+              <a:rPr lang="en-US" altLang="zh-CN" sz="1400" dirty="0" err="1"/>
+              <a:t>snp_pos</a:t>
+            </a:r>
+            <a:r>
+              <a:rPr lang="en-US" altLang="zh-CN" sz="1400" dirty="0"/>
+              <a:t>`)                                      </a:t>
+            </a:r>
+          </a:p>
+          <a:p>
+            <a:r>
+              <a:rPr lang="en-US" altLang="zh-CN" sz="1400" dirty="0" smtClean="0"/>
+              <a:t>) </a:t>
+            </a:r>
+            <a:r>
+              <a:rPr lang="en-US" altLang="zh-CN" sz="1400" dirty="0"/>
+              <a:t>ENGINE=</a:t>
+            </a:r>
+            <a:r>
+              <a:rPr lang="en-US" altLang="zh-CN" sz="1400" dirty="0" err="1"/>
+              <a:t>InnoDB</a:t>
+            </a:r>
+            <a:r>
+              <a:rPr lang="en-US" altLang="zh-CN" sz="1400" dirty="0"/>
+              <a:t> DEFAULT CHARSET=utf8</a:t>
+            </a:r>
+            <a:endParaRPr lang="zh-CN" altLang="en-US" sz="1400" dirty="0"/>
+          </a:p>
+        </p:txBody>
+      </p:sp>
+      <p:sp>
+        <p:nvSpPr>
+          <p:cNvPr id="7" name="TextBox 6"/>
+          <p:cNvSpPr txBox="1"/>
+          <p:nvPr/>
+        </p:nvSpPr>
+        <p:spPr>
+          <a:xfrm>
+            <a:off x="4932040" y="3068960"/>
+            <a:ext cx="4536504" cy="2893100"/>
+          </a:xfrm>
+          <a:prstGeom prst="rect">
+            <a:avLst/>
+          </a:prstGeom>
+          <a:noFill/>
+        </p:spPr>
+        <p:txBody>
+          <a:bodyPr wrap="square" rtlCol="0">
+            <a:spAutoFit/>
+          </a:bodyPr>
+          <a:lstStyle/>
+          <a:p>
+            <a:r>
+              <a:rPr lang="en-US" altLang="zh-CN" sz="1400" dirty="0" err="1" smtClean="0"/>
+              <a:t>Thit</a:t>
+            </a:r>
+            <a:r>
+              <a:rPr lang="en-US" altLang="zh-CN" sz="1400" dirty="0" smtClean="0"/>
+              <a:t> table can be initially create by such command:</a:t>
+            </a:r>
+          </a:p>
+          <a:p>
+            <a:r>
+              <a:rPr lang="en-US" altLang="zh-CN" sz="1400" dirty="0" smtClean="0"/>
+              <a:t>CREATE </a:t>
+            </a:r>
+            <a:r>
+              <a:rPr lang="en-US" altLang="zh-CN" sz="1400" dirty="0"/>
+              <a:t>TABLE `mspsgjlksy10pop_toplevel_pekingduckref` (                </a:t>
+            </a:r>
+          </a:p>
+          <a:p>
+            <a:r>
+              <a:rPr lang="en-US" altLang="zh-CN" sz="1400" dirty="0"/>
+              <a:t>`</a:t>
+            </a:r>
+            <a:r>
+              <a:rPr lang="en-US" altLang="zh-CN" sz="1400" dirty="0" err="1"/>
+              <a:t>chrID</a:t>
+            </a:r>
+            <a:r>
+              <a:rPr lang="en-US" altLang="zh-CN" sz="1400" dirty="0"/>
+              <a:t>` char(128) NOT NULL DEFAULT '',                               </a:t>
+            </a:r>
+          </a:p>
+          <a:p>
+            <a:r>
+              <a:rPr lang="en-US" altLang="zh-CN" sz="1400" dirty="0"/>
+              <a:t>`</a:t>
+            </a:r>
+            <a:r>
+              <a:rPr lang="en-US" altLang="zh-CN" sz="1400" dirty="0" err="1"/>
+              <a:t>snp_pos</a:t>
+            </a:r>
+            <a:r>
+              <a:rPr lang="en-US" altLang="zh-CN" sz="1400" dirty="0"/>
+              <a:t>` </a:t>
+            </a:r>
+            <a:r>
+              <a:rPr lang="en-US" altLang="zh-CN" sz="1400" dirty="0" err="1"/>
+              <a:t>bigint</a:t>
+            </a:r>
+            <a:r>
+              <a:rPr lang="en-US" altLang="zh-CN" sz="1400" dirty="0"/>
+              <a:t>(20) NOT NULL DEFAULT '0',                           </a:t>
+            </a:r>
+          </a:p>
+          <a:p>
+            <a:r>
+              <a:rPr lang="en-US" altLang="zh-CN" sz="1400" dirty="0"/>
+              <a:t>`</a:t>
+            </a:r>
+            <a:r>
+              <a:rPr lang="en-US" altLang="zh-CN" sz="1400" dirty="0" err="1"/>
+              <a:t>snpID</a:t>
+            </a:r>
+            <a:r>
+              <a:rPr lang="en-US" altLang="zh-CN" sz="1400" dirty="0"/>
+              <a:t>` char(128) NOT NULL,                                          </a:t>
+            </a:r>
+          </a:p>
+          <a:p>
+            <a:r>
+              <a:rPr lang="en-US" altLang="zh-CN" sz="1400" dirty="0"/>
+              <a:t>`</a:t>
+            </a:r>
+            <a:r>
+              <a:rPr lang="en-US" altLang="zh-CN" sz="1400" dirty="0" err="1"/>
+              <a:t>ref_base</a:t>
+            </a:r>
+            <a:r>
+              <a:rPr lang="en-US" altLang="zh-CN" sz="1400" dirty="0"/>
+              <a:t>` </a:t>
+            </a:r>
+            <a:r>
+              <a:rPr lang="en-US" altLang="zh-CN" sz="1400" dirty="0" err="1"/>
+              <a:t>varchar</a:t>
+            </a:r>
+            <a:r>
+              <a:rPr lang="en-US" altLang="zh-CN" sz="1400" dirty="0"/>
+              <a:t>(1000) DEFAULT NULL,                               </a:t>
+            </a:r>
+          </a:p>
+          <a:p>
+            <a:r>
+              <a:rPr lang="en-US" altLang="zh-CN" sz="1400" dirty="0"/>
+              <a:t>`</a:t>
+            </a:r>
+            <a:r>
+              <a:rPr lang="en-US" altLang="zh-CN" sz="1400" dirty="0" err="1"/>
+              <a:t>alt_base</a:t>
+            </a:r>
+            <a:r>
+              <a:rPr lang="en-US" altLang="zh-CN" sz="1400" dirty="0"/>
+              <a:t>` </a:t>
+            </a:r>
+            <a:r>
+              <a:rPr lang="en-US" altLang="zh-CN" sz="1400" dirty="0" err="1"/>
+              <a:t>varchar</a:t>
+            </a:r>
+            <a:r>
+              <a:rPr lang="en-US" altLang="zh-CN" sz="1400" dirty="0"/>
+              <a:t>(1000) DEFAULT NULL,                               </a:t>
+            </a:r>
+          </a:p>
+          <a:p>
+            <a:r>
+              <a:rPr lang="en-US" altLang="zh-CN" sz="1400" dirty="0"/>
+              <a:t>`context` </a:t>
+            </a:r>
+            <a:r>
+              <a:rPr lang="en-US" altLang="zh-CN" sz="1400" dirty="0" err="1"/>
+              <a:t>varchar</a:t>
+            </a:r>
+            <a:r>
+              <a:rPr lang="en-US" altLang="zh-CN" sz="1400" dirty="0"/>
+              <a:t>(3) DEFAULT NULL, PRIMARY KEY (`</a:t>
+            </a:r>
+            <a:r>
+              <a:rPr lang="en-US" altLang="zh-CN" sz="1400" dirty="0" err="1"/>
+              <a:t>chrID</a:t>
+            </a:r>
+            <a:r>
+              <a:rPr lang="en-US" altLang="zh-CN" sz="1400" dirty="0"/>
+              <a:t>`,`</a:t>
+            </a:r>
+            <a:r>
+              <a:rPr lang="en-US" altLang="zh-CN" sz="1400" dirty="0" err="1"/>
+              <a:t>snp_pos</a:t>
+            </a:r>
+            <a:r>
+              <a:rPr lang="en-US" altLang="zh-CN" sz="1400" dirty="0"/>
+              <a:t>`)                                      </a:t>
+            </a:r>
+          </a:p>
+          <a:p>
+            <a:r>
+              <a:rPr lang="en-US" altLang="zh-CN" sz="1400" dirty="0"/>
+              <a:t>) ENGINE=</a:t>
+            </a:r>
+            <a:r>
+              <a:rPr lang="en-US" altLang="zh-CN" sz="1400" dirty="0" err="1"/>
+              <a:t>InnoDB</a:t>
+            </a:r>
+            <a:r>
+              <a:rPr lang="en-US" altLang="zh-CN" sz="1400" dirty="0"/>
+              <a:t> DEFAULT CHARSET=utf8</a:t>
+            </a:r>
+            <a:endParaRPr lang="zh-CN" altLang="en-US" sz="1400" dirty="0"/>
+          </a:p>
+          <a:p>
+            <a:r>
+              <a:rPr lang="en-US" altLang="zh-CN" sz="1400" dirty="0" smtClean="0"/>
+              <a:t>The other information(sites and out group population information) could be filled automatically when this table is used.</a:t>
+            </a:r>
+            <a:endParaRPr lang="zh-CN" altLang="en-US" sz="1400" dirty="0"/>
+          </a:p>
+        </p:txBody>
+      </p:sp>
+      <p:cxnSp>
+        <p:nvCxnSpPr>
+          <p:cNvPr id="9" name="直接箭头连接符 8"/>
+          <p:cNvCxnSpPr>
+            <a:endCxn id="10" idx="0"/>
+          </p:cNvCxnSpPr>
+          <p:nvPr/>
+        </p:nvCxnSpPr>
+        <p:spPr>
+          <a:xfrm>
+            <a:off x="7200292" y="2132856"/>
+            <a:ext cx="269776" cy="360040"/>
+          </a:xfrm>
+          <a:prstGeom prst="straightConnector1">
+            <a:avLst/>
+          </a:prstGeom>
+          <a:ln>
+            <a:tailEnd type="arrow"/>
+          </a:ln>
+        </p:spPr>
+        <p:style>
+          <a:lnRef idx="1">
+            <a:schemeClr val="accent1"/>
+          </a:lnRef>
+          <a:fillRef idx="0">
+            <a:schemeClr val="accent1"/>
+          </a:fillRef>
+          <a:effectRef idx="0">
+            <a:schemeClr val="accent1"/>
+          </a:effectRef>
+          <a:fontRef idx="minor">
+            <a:schemeClr val="tx1"/>
+          </a:fontRef>
+        </p:style>
+      </p:cxnSp>
+      <p:sp>
+        <p:nvSpPr>
+          <p:cNvPr id="10" name="TextBox 9"/>
+          <p:cNvSpPr txBox="1"/>
+          <p:nvPr/>
+        </p:nvSpPr>
+        <p:spPr>
+          <a:xfrm>
+            <a:off x="5796136" y="2492896"/>
+            <a:ext cx="3347864" cy="369332"/>
+          </a:xfrm>
+          <a:prstGeom prst="rect">
+            <a:avLst/>
+          </a:prstGeom>
+          <a:noFill/>
+        </p:spPr>
+        <p:txBody>
+          <a:bodyPr wrap="square" rtlCol="0">
+            <a:spAutoFit/>
+          </a:bodyPr>
+          <a:lstStyle/>
+          <a:p>
+            <a:r>
+              <a:rPr lang="en-US" altLang="zh-CN" dirty="0" smtClean="0"/>
+              <a:t>Ref allele depth, alt allele depth</a:t>
+            </a:r>
+            <a:endParaRPr lang="zh-CN" altLang="en-US" dirty="0"/>
+          </a:p>
+        </p:txBody>
+      </p:sp>
+      <p:sp>
+        <p:nvSpPr>
+          <p:cNvPr id="14" name="TextBox 13"/>
+          <p:cNvSpPr txBox="1"/>
+          <p:nvPr/>
+        </p:nvSpPr>
+        <p:spPr>
+          <a:xfrm>
+            <a:off x="0" y="0"/>
+            <a:ext cx="9139472" cy="369332"/>
+          </a:xfrm>
+          <a:prstGeom prst="rect">
+            <a:avLst/>
+          </a:prstGeom>
+          <a:noFill/>
+        </p:spPr>
+        <p:txBody>
+          <a:bodyPr wrap="square" rtlCol="0">
+            <a:spAutoFit/>
+          </a:bodyPr>
+          <a:lstStyle/>
+          <a:p>
+            <a:r>
+              <a:rPr lang="en-US" altLang="zh-CN" dirty="0" smtClean="0"/>
+              <a:t>Detect </a:t>
+            </a:r>
+            <a:r>
+              <a:rPr lang="en-US" altLang="zh-CN" dirty="0"/>
+              <a:t>selection </a:t>
+            </a:r>
+            <a:r>
+              <a:rPr lang="en-US" altLang="zh-CN" dirty="0" err="1"/>
+              <a:t>signal:Detectsignalacrossgenome_master.py</a:t>
+            </a:r>
+            <a:endParaRPr lang="zh-CN" altLang="en-US" dirty="0"/>
+          </a:p>
+        </p:txBody>
+      </p:sp>
+    </p:spTree>
+    <p:extLst>
+      <p:ext uri="{BB962C8B-B14F-4D97-AF65-F5344CB8AC3E}">
+        <p14:creationId xmlns:p14="http://schemas.microsoft.com/office/powerpoint/2010/main" val="229221375"/>
+      </p:ext>
+    </p:extLst>
+  </p:cSld>
+  <p:clrMapOvr>
+    <a:masterClrMapping/>
+  </p:clrMapOvr>
+  <p:timing>
+    <p:tnLst>
+      <p:par>
+        <p:cTn id="1" dur="indefinite" restart="never" nodeType="tmRoot"/>
+      </p:par>
+    </p:tnLst>
+  </p:timing>
+</p:sld>
+</file>
+
+<file path=ppt/slides/slide18.xml><?xml version="1.0" encoding="utf-8"?>
+<p:sld xmlns:a="http://schemas.openxmlformats.org/drawingml/2006/main" xmlns:r="http://schemas.openxmlformats.org/officeDocument/2006/relationships" xmlns:p="http://schemas.openxmlformats.org/presentationml/2006/main">
+  <p:cSld>
+    <p:spTree>
+      <p:nvGrpSpPr>
+        <p:cNvPr id="1" name=""/>
+        <p:cNvGrpSpPr/>
+        <p:nvPr/>
+      </p:nvGrpSpPr>
+      <p:grpSpPr>
+        <a:xfrm>
+          <a:off x="0" y="0"/>
+          <a:ext cx="0" cy="0"/>
+          <a:chOff x="0" y="0"/>
+          <a:chExt cx="0" cy="0"/>
+        </a:xfrm>
+      </p:grpSpPr>
+      <p:sp>
+        <p:nvSpPr>
+          <p:cNvPr id="2" name="标题 1"/>
+          <p:cNvSpPr>
+            <a:spLocks noGrp="1"/>
+          </p:cNvSpPr>
+          <p:nvPr>
+            <p:ph type="title"/>
+          </p:nvPr>
+        </p:nvSpPr>
+        <p:spPr>
+          <a:xfrm>
             <a:off x="457200" y="274638"/>
             <a:ext cx="8229600" cy="706090"/>
           </a:xfrm>
@@ -6786,7 +6910,7 @@
 </p:sld>
 </file>
 
-<file path=ppt/slides/slide18.xml><?xml version="1.0" encoding="utf-8"?>
+<file path=ppt/slides/slide19.xml><?xml version="1.0" encoding="utf-8"?>
 <p:sld xmlns:a="http://schemas.openxmlformats.org/drawingml/2006/main" xmlns:r="http://schemas.openxmlformats.org/officeDocument/2006/relationships" xmlns:p="http://schemas.openxmlformats.org/presentationml/2006/main">
   <p:cSld>
     <p:spTree>
@@ -7578,7 +7702,90 @@
 </p:sld>
 </file>
 
-<file path=ppt/slides/slide19.xml><?xml version="1.0" encoding="utf-8"?>
+<file path=ppt/slides/slide2.xml><?xml version="1.0" encoding="utf-8"?>
+<p:sld xmlns:a="http://schemas.openxmlformats.org/drawingml/2006/main" xmlns:r="http://schemas.openxmlformats.org/officeDocument/2006/relationships" xmlns:p="http://schemas.openxmlformats.org/presentationml/2006/main">
+  <p:cSld>
+    <p:spTree>
+      <p:nvGrpSpPr>
+        <p:cNvPr id="1" name=""/>
+        <p:cNvGrpSpPr/>
+        <p:nvPr/>
+      </p:nvGrpSpPr>
+      <p:grpSpPr>
+        <a:xfrm>
+          <a:off x="0" y="0"/>
+          <a:ext cx="0" cy="0"/>
+          <a:chOff x="0" y="0"/>
+          <a:chExt cx="0" cy="0"/>
+        </a:xfrm>
+      </p:grpSpPr>
+      <p:sp>
+        <p:nvSpPr>
+          <p:cNvPr id="3" name="内容占位符 2"/>
+          <p:cNvSpPr>
+            <a:spLocks noGrp="1"/>
+          </p:cNvSpPr>
+          <p:nvPr>
+            <p:ph idx="1"/>
+          </p:nvPr>
+        </p:nvSpPr>
+        <p:spPr>
+          <a:xfrm>
+            <a:off x="457200" y="332656"/>
+            <a:ext cx="8229600" cy="6048672"/>
+          </a:xfrm>
+        </p:spPr>
+        <p:txBody>
+          <a:bodyPr>
+            <a:normAutofit/>
+          </a:bodyPr>
+          <a:lstStyle/>
+          <a:p>
+            <a:r>
+              <a:rPr lang="en-US" altLang="zh-CN" dirty="0"/>
+              <a:t>Life is an integrated biology data analyses and observation </a:t>
+            </a:r>
+            <a:r>
+              <a:rPr lang="en-US" altLang="zh-CN" dirty="0" smtClean="0"/>
+              <a:t>system.</a:t>
+            </a:r>
+          </a:p>
+          <a:p>
+            <a:r>
+              <a:rPr lang="en-US" altLang="zh-CN" dirty="0" smtClean="0"/>
+              <a:t>Current version mainly consist of four modules, focus on evolutionary genomics, and could be easy to develop into more powerful system to visualize, mine and analyses genomes.</a:t>
+            </a:r>
+          </a:p>
+          <a:p>
+            <a:r>
+              <a:rPr lang="en-US" altLang="zh-CN" dirty="0" smtClean="0"/>
+              <a:t>As its idea is to simple the data process and to manipulate the data in a intuition way that is in line with mathematic description of evolutionary theory. It is easy to vary to design new idea, observation, calculation and theory.</a:t>
+            </a:r>
+            <a:endParaRPr lang="zh-CN" altLang="en-US" dirty="0"/>
+          </a:p>
+        </p:txBody>
+      </p:sp>
+    </p:spTree>
+    <p:extLst>
+      <p:ext uri="{BB962C8B-B14F-4D97-AF65-F5344CB8AC3E}">
+        <p14:creationId xmlns:p14="http://schemas.microsoft.com/office/powerpoint/2010/main" val="1011378635"/>
+      </p:ext>
+    </p:extLst>
+  </p:cSld>
+  <p:clrMapOvr>
+    <a:masterClrMapping/>
+  </p:clrMapOvr>
+  <p:timing>
+    <p:tnLst>
+      <p:par>
+        <p:cTn id="1" dur="indefinite" restart="never" nodeType="tmRoot"/>
+      </p:par>
+    </p:tnLst>
+  </p:timing>
+</p:sld>
+</file>
+
+<file path=ppt/slides/slide20.xml><?xml version="1.0" encoding="utf-8"?>
 <p:sld xmlns:a="http://schemas.openxmlformats.org/drawingml/2006/main" xmlns:r="http://schemas.openxmlformats.org/officeDocument/2006/relationships" xmlns:p="http://schemas.openxmlformats.org/presentationml/2006/main">
   <p:cSld>
     <p:spTree>
@@ -8080,7 +8287,7 @@
 </p:sld>
 </file>
 
-<file path=ppt/slides/slide2.xml><?xml version="1.0" encoding="utf-8"?>
+<file path=ppt/slides/slide21.xml><?xml version="1.0" encoding="utf-8"?>
 <p:sld xmlns:a="http://schemas.openxmlformats.org/drawingml/2006/main" xmlns:r="http://schemas.openxmlformats.org/officeDocument/2006/relationships" xmlns:p="http://schemas.openxmlformats.org/presentationml/2006/main">
   <p:cSld>
     <p:spTree>
@@ -8099,6 +8306,29 @@
       </p:grpSpPr>
       <p:sp>
         <p:nvSpPr>
+          <p:cNvPr id="2" name="标题 1"/>
+          <p:cNvSpPr>
+            <a:spLocks noGrp="1"/>
+          </p:cNvSpPr>
+          <p:nvPr>
+            <p:ph type="title"/>
+          </p:nvPr>
+        </p:nvSpPr>
+        <p:spPr/>
+        <p:txBody>
+          <a:bodyPr/>
+          <a:lstStyle/>
+          <a:p>
+            <a:r>
+              <a:rPr lang="en-US" altLang="zh-CN" sz="3200" dirty="0"/>
+              <a:t>overview</a:t>
+            </a:r>
+            <a:endParaRPr lang="zh-CN" altLang="en-US" sz="3200" dirty="0"/>
+          </a:p>
+        </p:txBody>
+      </p:sp>
+      <p:sp>
+        <p:nvSpPr>
           <p:cNvPr id="3" name="内容占位符 2"/>
           <p:cNvSpPr>
             <a:spLocks noGrp="1"/>
@@ -8109,114 +8339,8 @@
         </p:nvSpPr>
         <p:spPr>
           <a:xfrm>
-            <a:off x="457200" y="332656"/>
-            <a:ext cx="8229600" cy="6048672"/>
-          </a:xfrm>
-        </p:spPr>
-        <p:txBody>
-          <a:bodyPr>
-            <a:normAutofit/>
-          </a:bodyPr>
-          <a:lstStyle/>
-          <a:p>
-            <a:r>
-              <a:rPr lang="en-US" altLang="zh-CN" dirty="0"/>
-              <a:t>Life is an integrated biology data analyses and observation </a:t>
-            </a:r>
-            <a:r>
-              <a:rPr lang="en-US" altLang="zh-CN" dirty="0" smtClean="0"/>
-              <a:t>system.</a:t>
-            </a:r>
-          </a:p>
-          <a:p>
-            <a:r>
-              <a:rPr lang="en-US" altLang="zh-CN" dirty="0" smtClean="0"/>
-              <a:t>Current version mainly consist of four modules, focus on evolutionary genomics, and could be easy to develop into more powerful system to visualize, mine and analyses genomes.</a:t>
-            </a:r>
-          </a:p>
-          <a:p>
-            <a:r>
-              <a:rPr lang="en-US" altLang="zh-CN" dirty="0" smtClean="0"/>
-              <a:t>As its idea is to simple the data process and to manipulate the data in a intuition way that is in line with mathematic description of evolutionary theory. It is easy to vary to design new idea, observation, calculation and theory.</a:t>
-            </a:r>
-            <a:endParaRPr lang="zh-CN" altLang="en-US" dirty="0"/>
-          </a:p>
-        </p:txBody>
-      </p:sp>
-    </p:spTree>
-    <p:extLst>
-      <p:ext uri="{BB962C8B-B14F-4D97-AF65-F5344CB8AC3E}">
-        <p14:creationId xmlns:p14="http://schemas.microsoft.com/office/powerpoint/2010/main" val="1011378635"/>
-      </p:ext>
-    </p:extLst>
-  </p:cSld>
-  <p:clrMapOvr>
-    <a:masterClrMapping/>
-  </p:clrMapOvr>
-  <p:timing>
-    <p:tnLst>
-      <p:par>
-        <p:cTn id="1" dur="indefinite" restart="never" nodeType="tmRoot"/>
-      </p:par>
-    </p:tnLst>
-  </p:timing>
-</p:sld>
-</file>
-
-<file path=ppt/slides/slide20.xml><?xml version="1.0" encoding="utf-8"?>
-<p:sld xmlns:a="http://schemas.openxmlformats.org/drawingml/2006/main" xmlns:r="http://schemas.openxmlformats.org/officeDocument/2006/relationships" xmlns:p="http://schemas.openxmlformats.org/presentationml/2006/main">
-  <p:cSld>
-    <p:spTree>
-      <p:nvGrpSpPr>
-        <p:cNvPr id="1" name=""/>
-        <p:cNvGrpSpPr/>
-        <p:nvPr/>
-      </p:nvGrpSpPr>
-      <p:grpSpPr>
-        <a:xfrm>
-          <a:off x="0" y="0"/>
-          <a:ext cx="0" cy="0"/>
-          <a:chOff x="0" y="0"/>
-          <a:chExt cx="0" cy="0"/>
-        </a:xfrm>
-      </p:grpSpPr>
-      <p:sp>
-        <p:nvSpPr>
-          <p:cNvPr id="2" name="标题 1"/>
-          <p:cNvSpPr>
-            <a:spLocks noGrp="1"/>
-          </p:cNvSpPr>
-          <p:nvPr>
-            <p:ph type="title"/>
-          </p:nvPr>
-        </p:nvSpPr>
-        <p:spPr/>
-        <p:txBody>
-          <a:bodyPr/>
-          <a:lstStyle/>
-          <a:p>
-            <a:r>
-              <a:rPr lang="en-US" altLang="zh-CN" sz="3200" dirty="0"/>
-              <a:t>overview</a:t>
-            </a:r>
-            <a:endParaRPr lang="zh-CN" altLang="en-US" sz="3200" dirty="0"/>
-          </a:p>
-        </p:txBody>
-      </p:sp>
-      <p:sp>
-        <p:nvSpPr>
-          <p:cNvPr id="3" name="内容占位符 2"/>
-          <p:cNvSpPr>
-            <a:spLocks noGrp="1"/>
-          </p:cNvSpPr>
-          <p:nvPr>
-            <p:ph idx="1"/>
-          </p:nvPr>
-        </p:nvSpPr>
-        <p:spPr>
-          <a:xfrm>
-            <a:off x="457200" y="1412776"/>
-            <a:ext cx="8229600" cy="5112568"/>
+            <a:off x="457200" y="1196752"/>
+            <a:ext cx="8229600" cy="5328592"/>
           </a:xfrm>
         </p:spPr>
         <p:txBody>
@@ -8297,6 +8421,568 @@
               <a:t>CatalogSNP_getAAseq_CDSseq.py</a:t>
             </a:r>
             <a:endParaRPr lang="zh-CN" altLang="en-US" dirty="0"/>
+          </a:p>
+        </p:txBody>
+      </p:sp>
+      <p:sp>
+        <p:nvSpPr>
+          <p:cNvPr id="5" name="矩形 4"/>
+          <p:cNvSpPr/>
+          <p:nvPr/>
+        </p:nvSpPr>
+        <p:spPr>
+          <a:xfrm>
+            <a:off x="3399361" y="3816037"/>
+            <a:ext cx="1728192" cy="1152128"/>
+          </a:xfrm>
+          <a:prstGeom prst="rect">
+            <a:avLst/>
+          </a:prstGeom>
+          <a:solidFill>
+            <a:schemeClr val="accent1">
+              <a:alpha val="0"/>
+            </a:schemeClr>
+          </a:solidFill>
+        </p:spPr>
+        <p:style>
+          <a:lnRef idx="2">
+            <a:schemeClr val="accent1">
+              <a:shade val="50000"/>
+            </a:schemeClr>
+          </a:lnRef>
+          <a:fillRef idx="1">
+            <a:schemeClr val="accent1"/>
+          </a:fillRef>
+          <a:effectRef idx="0">
+            <a:schemeClr val="accent1"/>
+          </a:effectRef>
+          <a:fontRef idx="minor">
+            <a:schemeClr val="lt1"/>
+          </a:fontRef>
+        </p:style>
+        <p:txBody>
+          <a:bodyPr rtlCol="0" anchor="ctr"/>
+          <a:lstStyle/>
+          <a:p>
+            <a:pPr algn="ctr"/>
+            <a:r>
+              <a:rPr lang="en-US" altLang="zh-CN" dirty="0">
+                <a:solidFill>
+                  <a:schemeClr val="tx1"/>
+                </a:solidFill>
+              </a:rPr>
+              <a:t>CatalogSNP_withaaseq_cdsseq.py</a:t>
+            </a:r>
+            <a:endParaRPr lang="zh-CN" altLang="en-US" dirty="0">
+              <a:solidFill>
+                <a:schemeClr val="tx1"/>
+              </a:solidFill>
+            </a:endParaRPr>
+          </a:p>
+        </p:txBody>
+      </p:sp>
+      <p:sp>
+        <p:nvSpPr>
+          <p:cNvPr id="6" name="TextBox 5"/>
+          <p:cNvSpPr txBox="1"/>
+          <p:nvPr/>
+        </p:nvSpPr>
+        <p:spPr>
+          <a:xfrm>
+            <a:off x="0" y="2970232"/>
+            <a:ext cx="2928571" cy="4247317"/>
+          </a:xfrm>
+          <a:prstGeom prst="rect">
+            <a:avLst/>
+          </a:prstGeom>
+          <a:noFill/>
+        </p:spPr>
+        <p:txBody>
+          <a:bodyPr wrap="square" rtlCol="0">
+            <a:spAutoFit/>
+          </a:bodyPr>
+          <a:lstStyle/>
+          <a:p>
+            <a:r>
+              <a:rPr lang="en-US" altLang="zh-CN" dirty="0" smtClean="0"/>
+              <a:t>-v SNPs </a:t>
+            </a:r>
+            <a:r>
+              <a:rPr lang="en-US" altLang="zh-CN" dirty="0" err="1" smtClean="0"/>
+              <a:t>mysql</a:t>
+            </a:r>
+            <a:r>
+              <a:rPr lang="zh-CN" altLang="en-US" dirty="0" smtClean="0"/>
+              <a:t> </a:t>
+            </a:r>
+            <a:r>
+              <a:rPr lang="en-US" altLang="zh-CN" dirty="0" smtClean="0"/>
+              <a:t>table name</a:t>
+            </a:r>
+          </a:p>
+          <a:p>
+            <a:r>
+              <a:rPr lang="en-US" altLang="zh-CN" dirty="0" smtClean="0"/>
+              <a:t>-V VCF file name</a:t>
+            </a:r>
+          </a:p>
+          <a:p>
+            <a:r>
+              <a:rPr lang="en-US" altLang="zh-CN" dirty="0" smtClean="0"/>
+              <a:t>-r reference </a:t>
+            </a:r>
+            <a:r>
+              <a:rPr lang="en-US" altLang="zh-CN" dirty="0" err="1" smtClean="0"/>
+              <a:t>fasta</a:t>
+            </a:r>
+            <a:r>
+              <a:rPr lang="en-US" altLang="zh-CN" dirty="0" smtClean="0"/>
+              <a:t> file</a:t>
+            </a:r>
+          </a:p>
+          <a:p>
+            <a:r>
+              <a:rPr lang="en-US" altLang="zh-CN" dirty="0" smtClean="0"/>
+              <a:t>-g GTF file</a:t>
+            </a:r>
+          </a:p>
+          <a:p>
+            <a:r>
+              <a:rPr lang="en-US" altLang="zh-CN" dirty="0" smtClean="0"/>
+              <a:t>-o output path</a:t>
+            </a:r>
+          </a:p>
+          <a:p>
+            <a:r>
+              <a:rPr lang="en-US" altLang="zh-CN" dirty="0" smtClean="0"/>
+              <a:t>-b bed</a:t>
+            </a:r>
+            <a:r>
+              <a:rPr lang="zh-CN" altLang="en-US" dirty="0" smtClean="0"/>
+              <a:t> </a:t>
+            </a:r>
+            <a:r>
+              <a:rPr lang="en-US" altLang="zh-CN" dirty="0" smtClean="0"/>
+              <a:t>file</a:t>
+            </a:r>
+            <a:r>
+              <a:rPr lang="zh-CN" altLang="en-US" dirty="0" smtClean="0"/>
+              <a:t>（</a:t>
+            </a:r>
+            <a:r>
+              <a:rPr lang="en-US" altLang="zh-CN" dirty="0" smtClean="0"/>
+              <a:t>…</a:t>
+            </a:r>
+            <a:r>
+              <a:rPr lang="en-US" altLang="zh-CN" dirty="0" err="1" smtClean="0"/>
+              <a:t>ing</a:t>
+            </a:r>
+            <a:r>
+              <a:rPr lang="zh-CN" altLang="en-US" dirty="0" smtClean="0"/>
+              <a:t>）</a:t>
+            </a:r>
+            <a:endParaRPr lang="en-US" altLang="zh-CN" dirty="0" smtClean="0"/>
+          </a:p>
+          <a:p>
+            <a:r>
+              <a:rPr lang="en-US" altLang="zh-CN" dirty="0" smtClean="0"/>
+              <a:t>-m min length of the scaffolds (for –v only)</a:t>
+            </a:r>
+          </a:p>
+          <a:p>
+            <a:r>
+              <a:rPr lang="en-US" altLang="zh-CN" dirty="0" smtClean="0"/>
+              <a:t>-5,-3 define distance from the start/stop codon as 5’/3’ UTR, in the case UTR annotation are absent in GTF annotation </a:t>
+            </a:r>
+          </a:p>
+          <a:p>
+            <a:endParaRPr lang="en-US" altLang="zh-CN" dirty="0" smtClean="0"/>
+          </a:p>
+          <a:p>
+            <a:endParaRPr lang="zh-CN" altLang="en-US" dirty="0"/>
+          </a:p>
+        </p:txBody>
+      </p:sp>
+      <p:sp>
+        <p:nvSpPr>
+          <p:cNvPr id="7" name="右大括号 6"/>
+          <p:cNvSpPr/>
+          <p:nvPr/>
+        </p:nvSpPr>
+        <p:spPr>
+          <a:xfrm>
+            <a:off x="2555776" y="3816037"/>
+            <a:ext cx="432048" cy="1152128"/>
+          </a:xfrm>
+          <a:prstGeom prst="rightBrace">
+            <a:avLst/>
+          </a:prstGeom>
+        </p:spPr>
+        <p:style>
+          <a:lnRef idx="1">
+            <a:schemeClr val="accent1"/>
+          </a:lnRef>
+          <a:fillRef idx="0">
+            <a:schemeClr val="accent1"/>
+          </a:fillRef>
+          <a:effectRef idx="0">
+            <a:schemeClr val="accent1"/>
+          </a:effectRef>
+          <a:fontRef idx="minor">
+            <a:schemeClr val="tx1"/>
+          </a:fontRef>
+        </p:style>
+        <p:txBody>
+          <a:bodyPr rtlCol="0" anchor="ctr"/>
+          <a:lstStyle/>
+          <a:p>
+            <a:pPr algn="ctr"/>
+            <a:endParaRPr lang="zh-CN" altLang="en-US"/>
+          </a:p>
+        </p:txBody>
+      </p:sp>
+      <p:sp>
+        <p:nvSpPr>
+          <p:cNvPr id="8" name="右箭头 7"/>
+          <p:cNvSpPr/>
+          <p:nvPr/>
+        </p:nvSpPr>
+        <p:spPr>
+          <a:xfrm>
+            <a:off x="5215103" y="4392101"/>
+            <a:ext cx="720080" cy="144016"/>
+          </a:xfrm>
+          <a:prstGeom prst="rightArrow">
+            <a:avLst/>
+          </a:prstGeom>
+        </p:spPr>
+        <p:style>
+          <a:lnRef idx="2">
+            <a:schemeClr val="accent1">
+              <a:shade val="50000"/>
+            </a:schemeClr>
+          </a:lnRef>
+          <a:fillRef idx="1">
+            <a:schemeClr val="accent1"/>
+          </a:fillRef>
+          <a:effectRef idx="0">
+            <a:schemeClr val="accent1"/>
+          </a:effectRef>
+          <a:fontRef idx="minor">
+            <a:schemeClr val="lt1"/>
+          </a:fontRef>
+        </p:style>
+        <p:txBody>
+          <a:bodyPr rtlCol="0" anchor="ctr"/>
+          <a:lstStyle/>
+          <a:p>
+            <a:pPr algn="ctr"/>
+            <a:endParaRPr lang="zh-CN" altLang="en-US"/>
+          </a:p>
+        </p:txBody>
+      </p:sp>
+      <p:sp>
+        <p:nvSpPr>
+          <p:cNvPr id="9" name="右箭头 8"/>
+          <p:cNvSpPr/>
+          <p:nvPr/>
+        </p:nvSpPr>
+        <p:spPr>
+          <a:xfrm>
+            <a:off x="2859809" y="4392101"/>
+            <a:ext cx="539552" cy="72008"/>
+          </a:xfrm>
+          <a:prstGeom prst="rightArrow">
+            <a:avLst/>
+          </a:prstGeom>
+        </p:spPr>
+        <p:style>
+          <a:lnRef idx="2">
+            <a:schemeClr val="accent1">
+              <a:shade val="50000"/>
+            </a:schemeClr>
+          </a:lnRef>
+          <a:fillRef idx="1">
+            <a:schemeClr val="accent1"/>
+          </a:fillRef>
+          <a:effectRef idx="0">
+            <a:schemeClr val="accent1"/>
+          </a:effectRef>
+          <a:fontRef idx="minor">
+            <a:schemeClr val="lt1"/>
+          </a:fontRef>
+        </p:style>
+        <p:txBody>
+          <a:bodyPr rtlCol="0" anchor="ctr"/>
+          <a:lstStyle/>
+          <a:p>
+            <a:pPr algn="ctr"/>
+            <a:endParaRPr lang="zh-CN" altLang="en-US"/>
+          </a:p>
+        </p:txBody>
+      </p:sp>
+      <p:sp>
+        <p:nvSpPr>
+          <p:cNvPr id="10" name="TextBox 9"/>
+          <p:cNvSpPr txBox="1"/>
+          <p:nvPr/>
+        </p:nvSpPr>
+        <p:spPr>
+          <a:xfrm>
+            <a:off x="2779556" y="4067780"/>
+            <a:ext cx="699569" cy="369332"/>
+          </a:xfrm>
+          <a:prstGeom prst="rect">
+            <a:avLst/>
+          </a:prstGeom>
+          <a:noFill/>
+        </p:spPr>
+        <p:txBody>
+          <a:bodyPr wrap="square" rtlCol="0">
+            <a:spAutoFit/>
+          </a:bodyPr>
+          <a:lstStyle/>
+          <a:p>
+            <a:r>
+              <a:rPr lang="en-US" altLang="zh-CN" dirty="0" smtClean="0"/>
+              <a:t>input</a:t>
+            </a:r>
+            <a:endParaRPr lang="zh-CN" altLang="en-US" dirty="0"/>
+          </a:p>
+        </p:txBody>
+      </p:sp>
+      <p:sp>
+        <p:nvSpPr>
+          <p:cNvPr id="11" name="TextBox 10"/>
+          <p:cNvSpPr txBox="1"/>
+          <p:nvPr/>
+        </p:nvSpPr>
+        <p:spPr>
+          <a:xfrm>
+            <a:off x="6372952" y="2766111"/>
+            <a:ext cx="2793952" cy="3970318"/>
+          </a:xfrm>
+          <a:prstGeom prst="rect">
+            <a:avLst/>
+          </a:prstGeom>
+          <a:noFill/>
+        </p:spPr>
+        <p:txBody>
+          <a:bodyPr wrap="square" rtlCol="0">
+            <a:spAutoFit/>
+          </a:bodyPr>
+          <a:lstStyle/>
+          <a:p>
+            <a:r>
+              <a:rPr lang="en-US" altLang="zh-CN" dirty="0" smtClean="0"/>
+              <a:t>.</a:t>
+            </a:r>
+            <a:r>
+              <a:rPr lang="en-US" altLang="zh-CN" dirty="0" err="1" smtClean="0"/>
+              <a:t>cds</a:t>
+            </a:r>
+            <a:r>
+              <a:rPr lang="zh-CN" altLang="en-US" dirty="0" smtClean="0"/>
+              <a:t> </a:t>
+            </a:r>
+            <a:r>
+              <a:rPr lang="en-US" altLang="zh-CN" dirty="0" smtClean="0"/>
+              <a:t>file:</a:t>
+            </a:r>
+            <a:r>
+              <a:rPr lang="zh-CN" altLang="en-US" dirty="0" smtClean="0"/>
+              <a:t> </a:t>
+            </a:r>
+            <a:r>
+              <a:rPr lang="en-US" altLang="zh-CN" dirty="0" smtClean="0"/>
+              <a:t>SNPs annotation  of CDS region</a:t>
+            </a:r>
+          </a:p>
+          <a:p>
+            <a:r>
+              <a:rPr lang="en-US" altLang="zh-CN" dirty="0" smtClean="0"/>
+              <a:t>.UTR file:</a:t>
+            </a:r>
+          </a:p>
+          <a:p>
+            <a:r>
+              <a:rPr lang="en-US" altLang="zh-CN" dirty="0"/>
+              <a:t>. </a:t>
+            </a:r>
+            <a:r>
+              <a:rPr lang="en-US" altLang="zh-CN" dirty="0" smtClean="0"/>
+              <a:t>Intergenic</a:t>
+            </a:r>
+            <a:r>
+              <a:rPr lang="zh-CN" altLang="en-US" dirty="0" smtClean="0"/>
+              <a:t>  </a:t>
+            </a:r>
+            <a:r>
+              <a:rPr lang="en-US" altLang="zh-CN" dirty="0" smtClean="0"/>
+              <a:t>file: </a:t>
+            </a:r>
+            <a:endParaRPr lang="en-US" altLang="zh-CN" dirty="0"/>
+          </a:p>
+          <a:p>
+            <a:r>
+              <a:rPr lang="en-US" altLang="zh-CN" dirty="0" smtClean="0"/>
+              <a:t>.</a:t>
+            </a:r>
+            <a:r>
+              <a:rPr lang="en-US" altLang="zh-CN" dirty="0" err="1" smtClean="0"/>
+              <a:t>utr</a:t>
+            </a:r>
+            <a:r>
+              <a:rPr lang="zh-CN" altLang="en-US" dirty="0" smtClean="0"/>
+              <a:t> </a:t>
+            </a:r>
+            <a:r>
+              <a:rPr lang="en-US" altLang="zh-CN" dirty="0" smtClean="0"/>
+              <a:t>file :</a:t>
+            </a:r>
+          </a:p>
+          <a:p>
+            <a:r>
+              <a:rPr lang="en-US" altLang="zh-CN" dirty="0" smtClean="0"/>
+              <a:t>.intron file:</a:t>
+            </a:r>
+          </a:p>
+          <a:p>
+            <a:r>
+              <a:rPr lang="en-US" altLang="zh-CN" dirty="0" smtClean="0"/>
+              <a:t>.</a:t>
+            </a:r>
+            <a:r>
+              <a:rPr lang="en-US" altLang="zh-CN" dirty="0" err="1" smtClean="0"/>
+              <a:t>mutcds</a:t>
+            </a:r>
+            <a:r>
+              <a:rPr lang="en-US" altLang="zh-CN" dirty="0" smtClean="0"/>
+              <a:t> file</a:t>
+            </a:r>
+            <a:r>
+              <a:rPr lang="zh-CN" altLang="en-US" dirty="0" smtClean="0"/>
+              <a:t>：</a:t>
+            </a:r>
+            <a:r>
+              <a:rPr lang="en-US" altLang="zh-CN" dirty="0" smtClean="0"/>
+              <a:t>fill mutate SNPs into CDS sequence</a:t>
+            </a:r>
+          </a:p>
+          <a:p>
+            <a:r>
+              <a:rPr lang="en-US" altLang="zh-CN" dirty="0"/>
+              <a:t>.</a:t>
+            </a:r>
+            <a:r>
+              <a:rPr lang="en-US" altLang="zh-CN" dirty="0" err="1"/>
+              <a:t>mutaa</a:t>
+            </a:r>
+            <a:r>
+              <a:rPr lang="en-US" altLang="zh-CN" dirty="0"/>
+              <a:t> file: </a:t>
+            </a:r>
+            <a:r>
+              <a:rPr lang="en-US" altLang="zh-CN" dirty="0" smtClean="0"/>
+              <a:t>translate mutate CDS sequence in to amino acid sequence</a:t>
+            </a:r>
+          </a:p>
+          <a:p>
+            <a:r>
+              <a:rPr lang="en-US" altLang="zh-CN" dirty="0"/>
+              <a:t>.</a:t>
+            </a:r>
+            <a:r>
+              <a:rPr lang="en-US" altLang="zh-CN" dirty="0" err="1" smtClean="0"/>
+              <a:t>refaa</a:t>
+            </a:r>
+            <a:r>
+              <a:rPr lang="zh-CN" altLang="en-US" dirty="0" smtClean="0"/>
+              <a:t> </a:t>
+            </a:r>
+            <a:r>
+              <a:rPr lang="en-US" altLang="zh-CN" dirty="0" smtClean="0"/>
+              <a:t>file: original amino acid </a:t>
+            </a:r>
+            <a:r>
+              <a:rPr lang="en-US" altLang="zh-CN" dirty="0" err="1" smtClean="0"/>
+              <a:t>sequcenc</a:t>
+            </a:r>
+            <a:r>
+              <a:rPr lang="en-US" altLang="zh-CN" dirty="0" smtClean="0"/>
+              <a:t>.</a:t>
+            </a:r>
+          </a:p>
+          <a:p>
+            <a:endParaRPr lang="en-US" altLang="zh-CN" dirty="0" smtClean="0"/>
+          </a:p>
+        </p:txBody>
+      </p:sp>
+      <p:sp>
+        <p:nvSpPr>
+          <p:cNvPr id="12" name="TextBox 11"/>
+          <p:cNvSpPr txBox="1"/>
+          <p:nvPr/>
+        </p:nvSpPr>
+        <p:spPr>
+          <a:xfrm>
+            <a:off x="5127553" y="4104939"/>
+            <a:ext cx="869107" cy="369332"/>
+          </a:xfrm>
+          <a:prstGeom prst="rect">
+            <a:avLst/>
+          </a:prstGeom>
+          <a:noFill/>
+        </p:spPr>
+        <p:txBody>
+          <a:bodyPr wrap="square" rtlCol="0">
+            <a:spAutoFit/>
+          </a:bodyPr>
+          <a:lstStyle/>
+          <a:p>
+            <a:r>
+              <a:rPr lang="en-US" altLang="zh-CN" dirty="0" smtClean="0"/>
+              <a:t>output</a:t>
+            </a:r>
+            <a:endParaRPr lang="zh-CN" altLang="en-US" dirty="0"/>
+          </a:p>
+        </p:txBody>
+      </p:sp>
+      <p:sp>
+        <p:nvSpPr>
+          <p:cNvPr id="13" name="左大括号 12"/>
+          <p:cNvSpPr/>
+          <p:nvPr/>
+        </p:nvSpPr>
+        <p:spPr>
+          <a:xfrm>
+            <a:off x="5996660" y="3600013"/>
+            <a:ext cx="377145" cy="1800200"/>
+          </a:xfrm>
+          <a:prstGeom prst="leftBrace">
+            <a:avLst/>
+          </a:prstGeom>
+        </p:spPr>
+        <p:style>
+          <a:lnRef idx="1">
+            <a:schemeClr val="accent1"/>
+          </a:lnRef>
+          <a:fillRef idx="0">
+            <a:schemeClr val="accent1"/>
+          </a:fillRef>
+          <a:effectRef idx="0">
+            <a:schemeClr val="accent1"/>
+          </a:effectRef>
+          <a:fontRef idx="minor">
+            <a:schemeClr val="tx1"/>
+          </a:fontRef>
+        </p:style>
+        <p:txBody>
+          <a:bodyPr rtlCol="0" anchor="ctr"/>
+          <a:lstStyle/>
+          <a:p>
+            <a:pPr algn="ctr"/>
+            <a:endParaRPr lang="zh-CN" altLang="en-US"/>
           </a:p>
         </p:txBody>
       </p:sp>
@@ -8320,7 +9006,7 @@
 </p:sld>
 </file>
 
-<file path=ppt/slides/slide21.xml><?xml version="1.0" encoding="utf-8"?>
+<file path=ppt/slides/slide22.xml><?xml version="1.0" encoding="utf-8"?>
 <p:sld xmlns:a="http://schemas.openxmlformats.org/drawingml/2006/main" xmlns:r="http://schemas.openxmlformats.org/officeDocument/2006/relationships" xmlns:p="http://schemas.openxmlformats.org/presentationml/2006/main">
   <p:cSld>
     <p:spTree>
@@ -9029,15 +9715,7 @@
             </a:r>
             <a:r>
               <a:rPr lang="en-US" altLang="zh-CN" sz="3200" dirty="0" smtClean="0"/>
-              <a:t> files </a:t>
-            </a:r>
-            <a:r>
-              <a:rPr lang="en-US" altLang="zh-CN" sz="3200" dirty="0" smtClean="0"/>
-              <a:t>according the </a:t>
-            </a:r>
-            <a:r>
-              <a:rPr lang="en-US" altLang="zh-CN" sz="3200" dirty="0" smtClean="0"/>
-              <a:t>template </a:t>
+              <a:t> files according the template </a:t>
             </a:r>
             <a:endParaRPr lang="zh-CN" altLang="en-US" sz="3200" dirty="0"/>
           </a:p>
@@ -9446,15 +10124,7 @@
           <a:p>
             <a:r>
               <a:rPr lang="en-US" altLang="zh-CN" dirty="0" smtClean="0"/>
-              <a:t>-</a:t>
-            </a:r>
-            <a:r>
-              <a:rPr lang="en-US" altLang="zh-CN" dirty="0" smtClean="0"/>
-              <a:t>d </a:t>
-            </a:r>
-            <a:r>
-              <a:rPr lang="en-US" altLang="zh-CN" dirty="0" smtClean="0"/>
-              <a:t>depth of input </a:t>
+              <a:t>-d depth of input </a:t>
             </a:r>
             <a:r>
               <a:rPr lang="en-US" altLang="zh-CN" dirty="0"/>
@@ -9489,44 +10159,25 @@
           <a:p>
             <a:r>
               <a:rPr lang="en-US" altLang="zh-CN" dirty="0" smtClean="0"/>
-              <a:t>-s </a:t>
-            </a:r>
-            <a:r>
-              <a:rPr lang="en-US" altLang="zh-CN" dirty="0" smtClean="0"/>
-              <a:t>folder to store scripts</a:t>
-            </a:r>
-            <a:endParaRPr lang="en-US" altLang="zh-CN" dirty="0" smtClean="0"/>
-          </a:p>
-          <a:p>
-            <a:r>
-              <a:rPr lang="en-US" altLang="zh-CN" dirty="0" smtClean="0"/>
-              <a:t>-m </a:t>
-            </a:r>
-            <a:r>
-              <a:rPr lang="en-US" altLang="zh-CN" dirty="0" smtClean="0"/>
-              <a:t>mode1/2</a:t>
-            </a:r>
-            <a:endParaRPr lang="en-US" altLang="zh-CN" dirty="0" smtClean="0"/>
-          </a:p>
-          <a:p>
-            <a:r>
-              <a:rPr lang="en-US" altLang="zh-CN" dirty="0" smtClean="0"/>
-              <a:t>-I </a:t>
-            </a:r>
-            <a:r>
-              <a:rPr lang="en-US" altLang="zh-CN" dirty="0" smtClean="0"/>
-              <a:t>depth of intercept folders</a:t>
-            </a:r>
-            <a:endParaRPr lang="en-US" altLang="zh-CN" dirty="0" smtClean="0"/>
-          </a:p>
-          <a:p>
-            <a:r>
-              <a:rPr lang="en-US" altLang="zh-CN" dirty="0" smtClean="0"/>
-              <a:t>-l </a:t>
-            </a:r>
-            <a:r>
-              <a:rPr lang="en-US" altLang="zh-CN" dirty="0" smtClean="0"/>
-              <a:t>names </a:t>
+              <a:t>-s folder to store scripts</a:t>
+            </a:r>
+          </a:p>
+          <a:p>
+            <a:r>
+              <a:rPr lang="en-US" altLang="zh-CN" dirty="0" smtClean="0"/>
+              <a:t>-m mode1/2</a:t>
+            </a:r>
+          </a:p>
+          <a:p>
+            <a:r>
+              <a:rPr lang="en-US" altLang="zh-CN" dirty="0" smtClean="0"/>
+              <a:t>-I depth of intercept folders</a:t>
+            </a:r>
+          </a:p>
+          <a:p>
+            <a:r>
+              <a:rPr lang="en-US" altLang="zh-CN" dirty="0" smtClean="0"/>
+              <a:t>-l names </a:t>
             </a:r>
             <a:r>
               <a:rPr lang="en-US" altLang="zh-CN" dirty="0"/>
@@ -9536,20 +10187,11 @@
               <a:rPr lang="en-US" altLang="zh-CN" dirty="0" smtClean="0"/>
               <a:t>folders in the assigned level</a:t>
             </a:r>
-            <a:endParaRPr lang="en-US" altLang="zh-CN" dirty="0" smtClean="0"/>
-          </a:p>
-          <a:p>
-            <a:r>
-              <a:rPr lang="en-US" altLang="zh-CN" dirty="0" smtClean="0"/>
-              <a:t>-</a:t>
-            </a:r>
-            <a:r>
-              <a:rPr lang="en-US" altLang="zh-CN" dirty="0" smtClean="0"/>
-              <a:t>t </a:t>
-            </a:r>
-            <a:r>
-              <a:rPr lang="en-US" altLang="zh-CN" dirty="0" smtClean="0"/>
-              <a:t>level of the folder name used to substitute </a:t>
+          </a:p>
+          <a:p>
+            <a:r>
+              <a:rPr lang="en-US" altLang="zh-CN" dirty="0" smtClean="0"/>
+              <a:t>-t level of the folder name used to substitute </a:t>
             </a:r>
             <a:r>
               <a:rPr lang="en-US" altLang="zh-CN" dirty="0" err="1" smtClean="0"/>
@@ -9735,7 +10377,6 @@
               <a:rPr lang="en-US" altLang="zh-CN" dirty="0" smtClean="0"/>
               <a:t>Create folders for all output data</a:t>
             </a:r>
-            <a:endParaRPr lang="en-US" altLang="zh-CN" dirty="0" smtClean="0"/>
           </a:p>
         </p:txBody>
       </p:sp>
@@ -9997,6 +10638,36 @@
           </a:p>
         </p:txBody>
       </p:sp>
+      <p:sp>
+        <p:nvSpPr>
+          <p:cNvPr id="7" name="TextBox 6"/>
+          <p:cNvSpPr txBox="1"/>
+          <p:nvPr/>
+        </p:nvSpPr>
+        <p:spPr>
+          <a:xfrm>
+            <a:off x="0" y="0"/>
+            <a:ext cx="9139472" cy="369332"/>
+          </a:xfrm>
+          <a:prstGeom prst="rect">
+            <a:avLst/>
+          </a:prstGeom>
+          <a:noFill/>
+        </p:spPr>
+        <p:txBody>
+          <a:bodyPr wrap="square" rtlCol="0">
+            <a:spAutoFit/>
+          </a:bodyPr>
+          <a:lstStyle/>
+          <a:p>
+            <a:r>
+              <a:rPr lang="en-US" altLang="zh-CN" dirty="0" smtClean="0"/>
+              <a:t>Produce batch of scripts: scriptcontrol.py</a:t>
+            </a:r>
+            <a:endParaRPr lang="zh-CN" altLang="en-US" dirty="0"/>
+          </a:p>
+        </p:txBody>
+      </p:sp>
     </p:spTree>
     <p:extLst>
       <p:ext uri="{BB962C8B-B14F-4D97-AF65-F5344CB8AC3E}">
@@ -10045,10 +10716,10 @@
           <a:lstStyle/>
           <a:p>
             <a:r>
-              <a:rPr lang="en-US" altLang="zh-CN" sz="4000" b="1" dirty="0" smtClean="0"/>
-              <a:t>3. task management module</a:t>
-            </a:r>
-            <a:endParaRPr lang="zh-CN" altLang="en-US" sz="4000" b="1" dirty="0"/>
+              <a:rPr lang="en-US" altLang="zh-CN" sz="3200" dirty="0" smtClean="0"/>
+              <a:t>Mode 2</a:t>
+            </a:r>
+            <a:endParaRPr lang="zh-CN" altLang="en-US" sz="3200" dirty="0"/>
           </a:p>
         </p:txBody>
       </p:sp>
@@ -10067,69 +10738,50 @@
           <a:bodyPr/>
           <a:lstStyle/>
           <a:p>
-            <a:r>
-              <a:rPr lang="en-US" altLang="zh-CN" dirty="0" smtClean="0"/>
-              <a:t>Throw several scripts into running at once </a:t>
-            </a:r>
-            <a:r>
-              <a:rPr lang="en-US" altLang="zh-CN" dirty="0" err="1" smtClean="0"/>
-              <a:t>untill</a:t>
-            </a:r>
-            <a:r>
-              <a:rPr lang="en-US" altLang="zh-CN" dirty="0" smtClean="0"/>
-              <a:t> run all scripts.</a:t>
-            </a:r>
-          </a:p>
-          <a:p>
-            <a:r>
-              <a:rPr lang="en-US" altLang="zh-CN" dirty="0" smtClean="0"/>
-              <a:t>Monitor the state of all scripts run in webpage or by </a:t>
-            </a:r>
-            <a:r>
-              <a:rPr lang="en-US" altLang="zh-CN" dirty="0" err="1" smtClean="0"/>
-              <a:t>mysql</a:t>
-            </a:r>
-            <a:r>
-              <a:rPr lang="en-US" altLang="zh-CN" dirty="0" smtClean="0"/>
-              <a:t> visual schema</a:t>
-            </a:r>
-          </a:p>
-          <a:p>
-            <a:r>
-              <a:rPr lang="en-US" altLang="zh-CN" dirty="0" smtClean="0"/>
-              <a:t>Record parameters , </a:t>
-            </a:r>
-            <a:r>
-              <a:rPr lang="en-US" altLang="zh-CN" dirty="0" err="1" smtClean="0"/>
-              <a:t>logfile</a:t>
-            </a:r>
-            <a:r>
-              <a:rPr lang="en-US" altLang="zh-CN" dirty="0" smtClean="0"/>
-              <a:t>, input data and output data.</a:t>
-            </a:r>
-          </a:p>
-          <a:p>
-            <a:endParaRPr lang="en-US" altLang="zh-CN" dirty="0" smtClean="0"/>
+            <a:endParaRPr lang="zh-CN" altLang="en-US"/>
+          </a:p>
+        </p:txBody>
+      </p:sp>
+      <p:sp>
+        <p:nvSpPr>
+          <p:cNvPr id="4" name="TextBox 3"/>
+          <p:cNvSpPr txBox="1"/>
+          <p:nvPr/>
+        </p:nvSpPr>
+        <p:spPr>
+          <a:xfrm>
+            <a:off x="0" y="0"/>
+            <a:ext cx="9139472" cy="369332"/>
+          </a:xfrm>
+          <a:prstGeom prst="rect">
+            <a:avLst/>
+          </a:prstGeom>
+          <a:noFill/>
+        </p:spPr>
+        <p:txBody>
+          <a:bodyPr wrap="square" rtlCol="0">
+            <a:spAutoFit/>
+          </a:bodyPr>
+          <a:lstStyle/>
+          <a:p>
+            <a:r>
+              <a:rPr lang="en-US" altLang="zh-CN" dirty="0" smtClean="0"/>
+              <a:t>Produce batch of scripts: scriptcontrol.py</a:t>
+            </a:r>
+            <a:endParaRPr lang="zh-CN" altLang="en-US" dirty="0"/>
           </a:p>
         </p:txBody>
       </p:sp>
     </p:spTree>
     <p:extLst>
       <p:ext uri="{BB962C8B-B14F-4D97-AF65-F5344CB8AC3E}">
-        <p14:creationId xmlns:p14="http://schemas.microsoft.com/office/powerpoint/2010/main" val="1881083272"/>
+        <p14:creationId xmlns:p14="http://schemas.microsoft.com/office/powerpoint/2010/main" val="3796959593"/>
       </p:ext>
     </p:extLst>
   </p:cSld>
   <p:clrMapOvr>
     <a:masterClrMapping/>
   </p:clrMapOvr>
-  <p:timing>
-    <p:tnLst>
-      <p:par>
-        <p:cTn id="1" dur="indefinite" restart="never" nodeType="tmRoot"/>
-      </p:par>
-    </p:tnLst>
-  </p:timing>
 </p:sld>
 </file>
 

--- a/userGuide.pptx
+++ b/userGuide.pptx
@@ -309,7 +309,7 @@
           <a:p>
             <a:fld id="{530820CF-B880-4189-942D-D702A7CBA730}" type="datetimeFigureOut">
               <a:rPr lang="zh-CN" altLang="en-US" smtClean="0"/>
-              <a:t>2017/5/13</a:t>
+              <a:t>2017/5/16</a:t>
             </a:fld>
             <a:endParaRPr lang="zh-CN" altLang="en-US"/>
           </a:p>
@@ -474,7 +474,7 @@
           <a:p>
             <a:fld id="{530820CF-B880-4189-942D-D702A7CBA730}" type="datetimeFigureOut">
               <a:rPr lang="zh-CN" altLang="en-US" smtClean="0"/>
-              <a:t>2017/5/13</a:t>
+              <a:t>2017/5/16</a:t>
             </a:fld>
             <a:endParaRPr lang="zh-CN" altLang="en-US"/>
           </a:p>
@@ -649,7 +649,7 @@
           <a:p>
             <a:fld id="{530820CF-B880-4189-942D-D702A7CBA730}" type="datetimeFigureOut">
               <a:rPr lang="zh-CN" altLang="en-US" smtClean="0"/>
-              <a:t>2017/5/13</a:t>
+              <a:t>2017/5/16</a:t>
             </a:fld>
             <a:endParaRPr lang="zh-CN" altLang="en-US"/>
           </a:p>
@@ -814,7 +814,7 @@
           <a:p>
             <a:fld id="{530820CF-B880-4189-942D-D702A7CBA730}" type="datetimeFigureOut">
               <a:rPr lang="zh-CN" altLang="en-US" smtClean="0"/>
-              <a:t>2017/5/13</a:t>
+              <a:t>2017/5/16</a:t>
             </a:fld>
             <a:endParaRPr lang="zh-CN" altLang="en-US"/>
           </a:p>
@@ -1055,7 +1055,7 @@
           <a:p>
             <a:fld id="{530820CF-B880-4189-942D-D702A7CBA730}" type="datetimeFigureOut">
               <a:rPr lang="zh-CN" altLang="en-US" smtClean="0"/>
-              <a:t>2017/5/13</a:t>
+              <a:t>2017/5/16</a:t>
             </a:fld>
             <a:endParaRPr lang="zh-CN" altLang="en-US"/>
           </a:p>
@@ -1338,7 +1338,7 @@
           <a:p>
             <a:fld id="{530820CF-B880-4189-942D-D702A7CBA730}" type="datetimeFigureOut">
               <a:rPr lang="zh-CN" altLang="en-US" smtClean="0"/>
-              <a:t>2017/5/13</a:t>
+              <a:t>2017/5/16</a:t>
             </a:fld>
             <a:endParaRPr lang="zh-CN" altLang="en-US"/>
           </a:p>
@@ -1755,7 +1755,7 @@
           <a:p>
             <a:fld id="{530820CF-B880-4189-942D-D702A7CBA730}" type="datetimeFigureOut">
               <a:rPr lang="zh-CN" altLang="en-US" smtClean="0"/>
-              <a:t>2017/5/13</a:t>
+              <a:t>2017/5/16</a:t>
             </a:fld>
             <a:endParaRPr lang="zh-CN" altLang="en-US"/>
           </a:p>
@@ -1868,7 +1868,7 @@
           <a:p>
             <a:fld id="{530820CF-B880-4189-942D-D702A7CBA730}" type="datetimeFigureOut">
               <a:rPr lang="zh-CN" altLang="en-US" smtClean="0"/>
-              <a:t>2017/5/13</a:t>
+              <a:t>2017/5/16</a:t>
             </a:fld>
             <a:endParaRPr lang="zh-CN" altLang="en-US"/>
           </a:p>
@@ -1958,7 +1958,7 @@
           <a:p>
             <a:fld id="{530820CF-B880-4189-942D-D702A7CBA730}" type="datetimeFigureOut">
               <a:rPr lang="zh-CN" altLang="en-US" smtClean="0"/>
-              <a:t>2017/5/13</a:t>
+              <a:t>2017/5/16</a:t>
             </a:fld>
             <a:endParaRPr lang="zh-CN" altLang="en-US"/>
           </a:p>
@@ -2230,7 +2230,7 @@
           <a:p>
             <a:fld id="{530820CF-B880-4189-942D-D702A7CBA730}" type="datetimeFigureOut">
               <a:rPr lang="zh-CN" altLang="en-US" smtClean="0"/>
-              <a:t>2017/5/13</a:t>
+              <a:t>2017/5/16</a:t>
             </a:fld>
             <a:endParaRPr lang="zh-CN" altLang="en-US"/>
           </a:p>
@@ -2478,7 +2478,7 @@
           <a:p>
             <a:fld id="{530820CF-B880-4189-942D-D702A7CBA730}" type="datetimeFigureOut">
               <a:rPr lang="zh-CN" altLang="en-US" smtClean="0"/>
-              <a:t>2017/5/13</a:t>
+              <a:t>2017/5/16</a:t>
             </a:fld>
             <a:endParaRPr lang="zh-CN" altLang="en-US"/>
           </a:p>
@@ -2686,7 +2686,7 @@
           <a:p>
             <a:fld id="{530820CF-B880-4189-942D-D702A7CBA730}" type="datetimeFigureOut">
               <a:rPr lang="zh-CN" altLang="en-US" smtClean="0"/>
-              <a:t>2017/5/13</a:t>
+              <a:t>2017/5/16</a:t>
             </a:fld>
             <a:endParaRPr lang="zh-CN" altLang="en-US"/>
           </a:p>
@@ -9038,7 +9038,27 @@
           <a:bodyPr/>
           <a:lstStyle/>
           <a:p>
-            <a:endParaRPr lang="zh-CN" altLang="en-US"/>
+            <a:r>
+              <a:rPr lang="en-US" altLang="zh-CN" sz="3200" dirty="0" smtClean="0"/>
+              <a:t>GO enrichment analysis were implemented in </a:t>
+            </a:r>
+            <a:r>
+              <a:rPr lang="en-US" altLang="zh-CN" sz="3200" dirty="0" err="1" smtClean="0"/>
+              <a:t>GOenrichment</a:t>
+            </a:r>
+            <a:r>
+              <a:rPr lang="en-US" altLang="zh-CN" sz="3200" dirty="0" smtClean="0"/>
+              <a:t>() </a:t>
+            </a:r>
+            <a:r>
+              <a:rPr lang="en-US" altLang="zh-CN" sz="3200" dirty="0" err="1" smtClean="0"/>
+              <a:t>func</a:t>
+            </a:r>
+            <a:r>
+              <a:rPr lang="en-US" altLang="zh-CN" sz="3200" dirty="0" smtClean="0"/>
+              <a:t> in geneUtil.py</a:t>
+            </a:r>
+            <a:endParaRPr lang="zh-CN" altLang="en-US" sz="3200" dirty="0"/>
           </a:p>
         </p:txBody>
       </p:sp>
@@ -9057,7 +9077,53 @@
           <a:bodyPr/>
           <a:lstStyle/>
           <a:p>
-            <a:endParaRPr lang="zh-CN" altLang="en-US"/>
+            <a:r>
+              <a:rPr lang="en-US" altLang="zh-CN" dirty="0" smtClean="0"/>
+              <a:t>Fisher’s Exact Test</a:t>
+            </a:r>
+          </a:p>
+          <a:p>
+            <a:r>
+              <a:rPr lang="en-US" altLang="zh-CN" dirty="0" err="1" smtClean="0"/>
+              <a:t>gotablefile</a:t>
+            </a:r>
+            <a:r>
+              <a:rPr lang="en-US" altLang="zh-CN" dirty="0" smtClean="0"/>
+              <a:t> could download from </a:t>
+            </a:r>
+            <a:r>
+              <a:rPr lang="en-US" altLang="zh-CN" dirty="0" err="1" smtClean="0"/>
+              <a:t>ensembl</a:t>
+            </a:r>
+            <a:r>
+              <a:rPr lang="en-US" altLang="zh-CN" dirty="0" smtClean="0"/>
+              <a:t> </a:t>
+            </a:r>
+            <a:r>
+              <a:rPr lang="en-US" altLang="zh-CN" dirty="0" err="1" smtClean="0"/>
+              <a:t>biomart</a:t>
+            </a:r>
+            <a:r>
+              <a:rPr lang="en-US" altLang="zh-CN" dirty="0" smtClean="0"/>
+              <a:t> . An example were </a:t>
+            </a:r>
+            <a:r>
+              <a:rPr lang="en-US" altLang="zh-CN" dirty="0"/>
+              <a:t>given </a:t>
+            </a:r>
+            <a:r>
+              <a:rPr lang="en-US" altLang="zh-CN" dirty="0" smtClean="0"/>
+              <a:t>“</a:t>
+            </a:r>
+            <a:r>
+              <a:rPr lang="en-US" altLang="zh-CN" dirty="0" err="1" smtClean="0"/>
+              <a:t>gotablefile.lite</a:t>
+            </a:r>
+            <a:r>
+              <a:rPr lang="en-US" altLang="zh-CN" smtClean="0"/>
+              <a:t>”</a:t>
+            </a:r>
+            <a:endParaRPr lang="zh-CN" altLang="en-US" dirty="0"/>
           </a:p>
         </p:txBody>
       </p:sp>
@@ -10040,7 +10106,7 @@
         </p:nvSpPr>
         <p:spPr>
           <a:xfrm>
-            <a:off x="3901812" y="4617710"/>
+            <a:off x="3923928" y="4617710"/>
             <a:ext cx="1728192" cy="1152128"/>
           </a:xfrm>
           <a:prstGeom prst="rect">
@@ -10504,7 +10570,11 @@
           <a:p>
             <a:r>
               <a:rPr lang="en-US" altLang="zh-CN" sz="3200" dirty="0" smtClean="0"/>
-              <a:t>results</a:t>
+              <a:t>mode 1 results (many input to </a:t>
+            </a:r>
+            <a:r>
+              <a:rPr lang="en-US" altLang="zh-CN" sz="3200" smtClean="0"/>
+              <a:t>many output)</a:t>
             </a:r>
             <a:endParaRPr lang="zh-CN" altLang="en-US" sz="3200" dirty="0"/>
           </a:p>
@@ -10717,7 +10787,7 @@
           <a:p>
             <a:r>
               <a:rPr lang="en-US" altLang="zh-CN" sz="3200" dirty="0" smtClean="0"/>
-              <a:t>Mode 2</a:t>
+              <a:t>Mode 2: many input to one output</a:t>
             </a:r>
             <a:endParaRPr lang="zh-CN" altLang="en-US" sz="3200" dirty="0"/>
           </a:p>

--- a/userGuide.pptx
+++ b/userGuide.pptx
@@ -309,7 +309,7 @@
           <a:p>
             <a:fld id="{530820CF-B880-4189-942D-D702A7CBA730}" type="datetimeFigureOut">
               <a:rPr lang="zh-CN" altLang="en-US" smtClean="0"/>
-              <a:t>2017/5/16</a:t>
+              <a:t>2017/5/22</a:t>
             </a:fld>
             <a:endParaRPr lang="zh-CN" altLang="en-US"/>
           </a:p>
@@ -474,7 +474,7 @@
           <a:p>
             <a:fld id="{530820CF-B880-4189-942D-D702A7CBA730}" type="datetimeFigureOut">
               <a:rPr lang="zh-CN" altLang="en-US" smtClean="0"/>
-              <a:t>2017/5/16</a:t>
+              <a:t>2017/5/22</a:t>
             </a:fld>
             <a:endParaRPr lang="zh-CN" altLang="en-US"/>
           </a:p>
@@ -649,7 +649,7 @@
           <a:p>
             <a:fld id="{530820CF-B880-4189-942D-D702A7CBA730}" type="datetimeFigureOut">
               <a:rPr lang="zh-CN" altLang="en-US" smtClean="0"/>
-              <a:t>2017/5/16</a:t>
+              <a:t>2017/5/22</a:t>
             </a:fld>
             <a:endParaRPr lang="zh-CN" altLang="en-US"/>
           </a:p>
@@ -814,7 +814,7 @@
           <a:p>
             <a:fld id="{530820CF-B880-4189-942D-D702A7CBA730}" type="datetimeFigureOut">
               <a:rPr lang="zh-CN" altLang="en-US" smtClean="0"/>
-              <a:t>2017/5/16</a:t>
+              <a:t>2017/5/22</a:t>
             </a:fld>
             <a:endParaRPr lang="zh-CN" altLang="en-US"/>
           </a:p>
@@ -1055,7 +1055,7 @@
           <a:p>
             <a:fld id="{530820CF-B880-4189-942D-D702A7CBA730}" type="datetimeFigureOut">
               <a:rPr lang="zh-CN" altLang="en-US" smtClean="0"/>
-              <a:t>2017/5/16</a:t>
+              <a:t>2017/5/22</a:t>
             </a:fld>
             <a:endParaRPr lang="zh-CN" altLang="en-US"/>
           </a:p>
@@ -1338,7 +1338,7 @@
           <a:p>
             <a:fld id="{530820CF-B880-4189-942D-D702A7CBA730}" type="datetimeFigureOut">
               <a:rPr lang="zh-CN" altLang="en-US" smtClean="0"/>
-              <a:t>2017/5/16</a:t>
+              <a:t>2017/5/22</a:t>
             </a:fld>
             <a:endParaRPr lang="zh-CN" altLang="en-US"/>
           </a:p>
@@ -1755,7 +1755,7 @@
           <a:p>
             <a:fld id="{530820CF-B880-4189-942D-D702A7CBA730}" type="datetimeFigureOut">
               <a:rPr lang="zh-CN" altLang="en-US" smtClean="0"/>
-              <a:t>2017/5/16</a:t>
+              <a:t>2017/5/22</a:t>
             </a:fld>
             <a:endParaRPr lang="zh-CN" altLang="en-US"/>
           </a:p>
@@ -1868,7 +1868,7 @@
           <a:p>
             <a:fld id="{530820CF-B880-4189-942D-D702A7CBA730}" type="datetimeFigureOut">
               <a:rPr lang="zh-CN" altLang="en-US" smtClean="0"/>
-              <a:t>2017/5/16</a:t>
+              <a:t>2017/5/22</a:t>
             </a:fld>
             <a:endParaRPr lang="zh-CN" altLang="en-US"/>
           </a:p>
@@ -1958,7 +1958,7 @@
           <a:p>
             <a:fld id="{530820CF-B880-4189-942D-D702A7CBA730}" type="datetimeFigureOut">
               <a:rPr lang="zh-CN" altLang="en-US" smtClean="0"/>
-              <a:t>2017/5/16</a:t>
+              <a:t>2017/5/22</a:t>
             </a:fld>
             <a:endParaRPr lang="zh-CN" altLang="en-US"/>
           </a:p>
@@ -2230,7 +2230,7 @@
           <a:p>
             <a:fld id="{530820CF-B880-4189-942D-D702A7CBA730}" type="datetimeFigureOut">
               <a:rPr lang="zh-CN" altLang="en-US" smtClean="0"/>
-              <a:t>2017/5/16</a:t>
+              <a:t>2017/5/22</a:t>
             </a:fld>
             <a:endParaRPr lang="zh-CN" altLang="en-US"/>
           </a:p>
@@ -2478,7 +2478,7 @@
           <a:p>
             <a:fld id="{530820CF-B880-4189-942D-D702A7CBA730}" type="datetimeFigureOut">
               <a:rPr lang="zh-CN" altLang="en-US" smtClean="0"/>
-              <a:t>2017/5/16</a:t>
+              <a:t>2017/5/22</a:t>
             </a:fld>
             <a:endParaRPr lang="zh-CN" altLang="en-US"/>
           </a:p>
@@ -2686,7 +2686,7 @@
           <a:p>
             <a:fld id="{530820CF-B880-4189-942D-D702A7CBA730}" type="datetimeFigureOut">
               <a:rPr lang="zh-CN" altLang="en-US" smtClean="0"/>
-              <a:t>2017/5/16</a:t>
+              <a:t>2017/5/22</a:t>
             </a:fld>
             <a:endParaRPr lang="zh-CN" altLang="en-US"/>
           </a:p>
@@ -3152,13 +3152,25 @@
         <p:spPr/>
         <p:txBody>
           <a:bodyPr>
-            <a:normAutofit/>
+            <a:normAutofit fontScale="90000"/>
           </a:bodyPr>
           <a:lstStyle/>
           <a:p>
             <a:r>
               <a:rPr lang="en-US" altLang="zh-CN" sz="4000" b="1" dirty="0" smtClean="0"/>
-              <a:t>3. task management module</a:t>
+              <a:t>3. </a:t>
+            </a:r>
+            <a:r>
+              <a:rPr lang="en-US" altLang="zh-CN" sz="4000" b="1" dirty="0" smtClean="0"/>
+              <a:t>Task </a:t>
+            </a:r>
+            <a:r>
+              <a:rPr lang="en-US" altLang="zh-CN" sz="4000" b="1" smtClean="0"/>
+              <a:t>and record </a:t>
+            </a:r>
+            <a:r>
+              <a:rPr lang="en-US" altLang="zh-CN" sz="4000" b="1" dirty="0" smtClean="0"/>
+              <a:t>management module</a:t>
             </a:r>
             <a:endParaRPr lang="zh-CN" altLang="en-US" sz="4000" b="1" dirty="0"/>
           </a:p>
@@ -9170,13 +9182,21 @@
         <p:spPr/>
         <p:txBody>
           <a:bodyPr>
-            <a:normAutofit/>
+            <a:normAutofit fontScale="90000"/>
           </a:bodyPr>
           <a:lstStyle/>
           <a:p>
             <a:r>
               <a:rPr lang="en-US" altLang="zh-CN" sz="4000" b="1" dirty="0" smtClean="0"/>
-              <a:t>1. data management module</a:t>
+              <a:t>1. data </a:t>
+            </a:r>
+            <a:r>
+              <a:rPr lang="en-US" altLang="zh-CN" sz="4000" b="1" dirty="0" smtClean="0"/>
+              <a:t>management and visualization </a:t>
+            </a:r>
+            <a:r>
+              <a:rPr lang="en-US" altLang="zh-CN" sz="4000" b="1" dirty="0" smtClean="0"/>
+              <a:t>module</a:t>
             </a:r>
             <a:endParaRPr lang="zh-CN" altLang="en-US" sz="4000" b="1" dirty="0"/>
           </a:p>
@@ -9370,7 +9390,11 @@
           <a:p>
             <a:r>
               <a:rPr lang="en-US" altLang="zh-CN" sz="3200" dirty="0" smtClean="0"/>
-              <a:t>Data store and name arrangement</a:t>
+              <a:t>Data store and </a:t>
+            </a:r>
+            <a:r>
+              <a:rPr lang="en-US" altLang="zh-CN" sz="3200" dirty="0" smtClean="0"/>
+              <a:t>naming agreement</a:t>
             </a:r>
             <a:endParaRPr lang="zh-CN" altLang="en-US" sz="3200" dirty="0"/>
           </a:p>

--- a/userGuide.pptx
+++ b/userGuide.pptx
@@ -309,7 +309,7 @@
           <a:p>
             <a:fld id="{530820CF-B880-4189-942D-D702A7CBA730}" type="datetimeFigureOut">
               <a:rPr lang="zh-CN" altLang="en-US" smtClean="0"/>
-              <a:t>2017/5/22</a:t>
+              <a:t>2017/6/2</a:t>
             </a:fld>
             <a:endParaRPr lang="zh-CN" altLang="en-US"/>
           </a:p>
@@ -474,7 +474,7 @@
           <a:p>
             <a:fld id="{530820CF-B880-4189-942D-D702A7CBA730}" type="datetimeFigureOut">
               <a:rPr lang="zh-CN" altLang="en-US" smtClean="0"/>
-              <a:t>2017/5/22</a:t>
+              <a:t>2017/6/2</a:t>
             </a:fld>
             <a:endParaRPr lang="zh-CN" altLang="en-US"/>
           </a:p>
@@ -649,7 +649,7 @@
           <a:p>
             <a:fld id="{530820CF-B880-4189-942D-D702A7CBA730}" type="datetimeFigureOut">
               <a:rPr lang="zh-CN" altLang="en-US" smtClean="0"/>
-              <a:t>2017/5/22</a:t>
+              <a:t>2017/6/2</a:t>
             </a:fld>
             <a:endParaRPr lang="zh-CN" altLang="en-US"/>
           </a:p>
@@ -814,7 +814,7 @@
           <a:p>
             <a:fld id="{530820CF-B880-4189-942D-D702A7CBA730}" type="datetimeFigureOut">
               <a:rPr lang="zh-CN" altLang="en-US" smtClean="0"/>
-              <a:t>2017/5/22</a:t>
+              <a:t>2017/6/2</a:t>
             </a:fld>
             <a:endParaRPr lang="zh-CN" altLang="en-US"/>
           </a:p>
@@ -1055,7 +1055,7 @@
           <a:p>
             <a:fld id="{530820CF-B880-4189-942D-D702A7CBA730}" type="datetimeFigureOut">
               <a:rPr lang="zh-CN" altLang="en-US" smtClean="0"/>
-              <a:t>2017/5/22</a:t>
+              <a:t>2017/6/2</a:t>
             </a:fld>
             <a:endParaRPr lang="zh-CN" altLang="en-US"/>
           </a:p>
@@ -1338,7 +1338,7 @@
           <a:p>
             <a:fld id="{530820CF-B880-4189-942D-D702A7CBA730}" type="datetimeFigureOut">
               <a:rPr lang="zh-CN" altLang="en-US" smtClean="0"/>
-              <a:t>2017/5/22</a:t>
+              <a:t>2017/6/2</a:t>
             </a:fld>
             <a:endParaRPr lang="zh-CN" altLang="en-US"/>
           </a:p>
@@ -1755,7 +1755,7 @@
           <a:p>
             <a:fld id="{530820CF-B880-4189-942D-D702A7CBA730}" type="datetimeFigureOut">
               <a:rPr lang="zh-CN" altLang="en-US" smtClean="0"/>
-              <a:t>2017/5/22</a:t>
+              <a:t>2017/6/2</a:t>
             </a:fld>
             <a:endParaRPr lang="zh-CN" altLang="en-US"/>
           </a:p>
@@ -1868,7 +1868,7 @@
           <a:p>
             <a:fld id="{530820CF-B880-4189-942D-D702A7CBA730}" type="datetimeFigureOut">
               <a:rPr lang="zh-CN" altLang="en-US" smtClean="0"/>
-              <a:t>2017/5/22</a:t>
+              <a:t>2017/6/2</a:t>
             </a:fld>
             <a:endParaRPr lang="zh-CN" altLang="en-US"/>
           </a:p>
@@ -1958,7 +1958,7 @@
           <a:p>
             <a:fld id="{530820CF-B880-4189-942D-D702A7CBA730}" type="datetimeFigureOut">
               <a:rPr lang="zh-CN" altLang="en-US" smtClean="0"/>
-              <a:t>2017/5/22</a:t>
+              <a:t>2017/6/2</a:t>
             </a:fld>
             <a:endParaRPr lang="zh-CN" altLang="en-US"/>
           </a:p>
@@ -2230,7 +2230,7 @@
           <a:p>
             <a:fld id="{530820CF-B880-4189-942D-D702A7CBA730}" type="datetimeFigureOut">
               <a:rPr lang="zh-CN" altLang="en-US" smtClean="0"/>
-              <a:t>2017/5/22</a:t>
+              <a:t>2017/6/2</a:t>
             </a:fld>
             <a:endParaRPr lang="zh-CN" altLang="en-US"/>
           </a:p>
@@ -2478,7 +2478,7 @@
           <a:p>
             <a:fld id="{530820CF-B880-4189-942D-D702A7CBA730}" type="datetimeFigureOut">
               <a:rPr lang="zh-CN" altLang="en-US" smtClean="0"/>
-              <a:t>2017/5/22</a:t>
+              <a:t>2017/6/2</a:t>
             </a:fld>
             <a:endParaRPr lang="zh-CN" altLang="en-US"/>
           </a:p>
@@ -2686,7 +2686,7 @@
           <a:p>
             <a:fld id="{530820CF-B880-4189-942D-D702A7CBA730}" type="datetimeFigureOut">
               <a:rPr lang="zh-CN" altLang="en-US" smtClean="0"/>
-              <a:t>2017/5/22</a:t>
+              <a:t>2017/6/2</a:t>
             </a:fld>
             <a:endParaRPr lang="zh-CN" altLang="en-US"/>
           </a:p>
@@ -3158,11 +3158,7 @@
           <a:p>
             <a:r>
               <a:rPr lang="en-US" altLang="zh-CN" sz="4000" b="1" dirty="0" smtClean="0"/>
-              <a:t>3. </a:t>
-            </a:r>
-            <a:r>
-              <a:rPr lang="en-US" altLang="zh-CN" sz="4000" b="1" dirty="0" smtClean="0"/>
-              <a:t>Task </a:t>
+              <a:t>3. Task </a:t>
             </a:r>
             <a:r>
               <a:rPr lang="en-US" altLang="zh-CN" sz="4000" b="1" smtClean="0"/>
@@ -7765,8 +7761,25 @@
           <a:p>
             <a:r>
               <a:rPr lang="en-US" altLang="zh-CN" dirty="0" smtClean="0"/>
-              <a:t>Current version mainly consist of four modules, focus on evolutionary genomics, and could be easy to develop into more powerful system to visualize, mine and analyses genomes.</a:t>
-            </a:r>
+              <a:t>Current version mainly consist of four modules, focus on evolutionary genomics, and could be </a:t>
+            </a:r>
+            <a:r>
+              <a:rPr lang="en-US" altLang="zh-CN" dirty="0" smtClean="0"/>
+              <a:t>easily develop </a:t>
+            </a:r>
+            <a:r>
+              <a:rPr lang="en-US" altLang="zh-CN" dirty="0" smtClean="0"/>
+              <a:t>into more powerful system to visualize, mine and </a:t>
+            </a:r>
+            <a:r>
+              <a:rPr lang="en-US" altLang="zh-CN" smtClean="0"/>
+              <a:t>analyses </a:t>
+            </a:r>
+            <a:r>
+              <a:rPr lang="en-US" altLang="zh-CN" smtClean="0"/>
+              <a:t>genomes data.</a:t>
+            </a:r>
+            <a:endParaRPr lang="en-US" altLang="zh-CN" dirty="0" smtClean="0"/>
           </a:p>
           <a:p>
             <a:r>
@@ -9188,15 +9201,7 @@
           <a:p>
             <a:r>
               <a:rPr lang="en-US" altLang="zh-CN" sz="4000" b="1" dirty="0" smtClean="0"/>
-              <a:t>1. data </a:t>
-            </a:r>
-            <a:r>
-              <a:rPr lang="en-US" altLang="zh-CN" sz="4000" b="1" dirty="0" smtClean="0"/>
-              <a:t>management and visualization </a:t>
-            </a:r>
-            <a:r>
-              <a:rPr lang="en-US" altLang="zh-CN" sz="4000" b="1" dirty="0" smtClean="0"/>
-              <a:t>module</a:t>
+              <a:t>1. data management and visualization module</a:t>
             </a:r>
             <a:endParaRPr lang="zh-CN" altLang="en-US" sz="4000" b="1" dirty="0"/>
           </a:p>
@@ -9390,11 +9395,7 @@
           <a:p>
             <a:r>
               <a:rPr lang="en-US" altLang="zh-CN" sz="3200" dirty="0" smtClean="0"/>
-              <a:t>Data store and </a:t>
-            </a:r>
-            <a:r>
-              <a:rPr lang="en-US" altLang="zh-CN" sz="3200" dirty="0" smtClean="0"/>
-              <a:t>naming agreement</a:t>
+              <a:t>Data store and naming agreement</a:t>
             </a:r>
             <a:endParaRPr lang="zh-CN" altLang="en-US" sz="3200" dirty="0"/>
           </a:p>

--- a/userGuide.pptx
+++ b/userGuide.pptx
@@ -8,25 +8,26 @@
     <p:sldId id="256" r:id="rId2"/>
     <p:sldId id="257" r:id="rId3"/>
     <p:sldId id="258" r:id="rId4"/>
-    <p:sldId id="260" r:id="rId5"/>
-    <p:sldId id="271" r:id="rId6"/>
-    <p:sldId id="270" r:id="rId7"/>
-    <p:sldId id="272" r:id="rId8"/>
-    <p:sldId id="274" r:id="rId9"/>
-    <p:sldId id="277" r:id="rId10"/>
-    <p:sldId id="261" r:id="rId11"/>
-    <p:sldId id="275" r:id="rId12"/>
-    <p:sldId id="259" r:id="rId13"/>
-    <p:sldId id="262" r:id="rId14"/>
-    <p:sldId id="263" r:id="rId15"/>
-    <p:sldId id="264" r:id="rId16"/>
-    <p:sldId id="265" r:id="rId17"/>
-    <p:sldId id="266" r:id="rId18"/>
-    <p:sldId id="267" r:id="rId19"/>
-    <p:sldId id="268" r:id="rId20"/>
-    <p:sldId id="269" r:id="rId21"/>
-    <p:sldId id="273" r:id="rId22"/>
-    <p:sldId id="276" r:id="rId23"/>
+    <p:sldId id="278" r:id="rId5"/>
+    <p:sldId id="260" r:id="rId6"/>
+    <p:sldId id="271" r:id="rId7"/>
+    <p:sldId id="270" r:id="rId8"/>
+    <p:sldId id="272" r:id="rId9"/>
+    <p:sldId id="274" r:id="rId10"/>
+    <p:sldId id="277" r:id="rId11"/>
+    <p:sldId id="261" r:id="rId12"/>
+    <p:sldId id="275" r:id="rId13"/>
+    <p:sldId id="259" r:id="rId14"/>
+    <p:sldId id="262" r:id="rId15"/>
+    <p:sldId id="263" r:id="rId16"/>
+    <p:sldId id="264" r:id="rId17"/>
+    <p:sldId id="265" r:id="rId18"/>
+    <p:sldId id="266" r:id="rId19"/>
+    <p:sldId id="267" r:id="rId20"/>
+    <p:sldId id="268" r:id="rId21"/>
+    <p:sldId id="269" r:id="rId22"/>
+    <p:sldId id="273" r:id="rId23"/>
+    <p:sldId id="276" r:id="rId24"/>
   </p:sldIdLst>
   <p:sldSz cx="9144000" cy="6858000" type="screen4x3"/>
   <p:notesSz cx="6858000" cy="9144000"/>
@@ -309,7 +310,7 @@
           <a:p>
             <a:fld id="{530820CF-B880-4189-942D-D702A7CBA730}" type="datetimeFigureOut">
               <a:rPr lang="zh-CN" altLang="en-US" smtClean="0"/>
-              <a:t>2017/6/2</a:t>
+              <a:t>2017/8/6</a:t>
             </a:fld>
             <a:endParaRPr lang="zh-CN" altLang="en-US"/>
           </a:p>
@@ -474,7 +475,7 @@
           <a:p>
             <a:fld id="{530820CF-B880-4189-942D-D702A7CBA730}" type="datetimeFigureOut">
               <a:rPr lang="zh-CN" altLang="en-US" smtClean="0"/>
-              <a:t>2017/6/2</a:t>
+              <a:t>2017/8/6</a:t>
             </a:fld>
             <a:endParaRPr lang="zh-CN" altLang="en-US"/>
           </a:p>
@@ -649,7 +650,7 @@
           <a:p>
             <a:fld id="{530820CF-B880-4189-942D-D702A7CBA730}" type="datetimeFigureOut">
               <a:rPr lang="zh-CN" altLang="en-US" smtClean="0"/>
-              <a:t>2017/6/2</a:t>
+              <a:t>2017/8/6</a:t>
             </a:fld>
             <a:endParaRPr lang="zh-CN" altLang="en-US"/>
           </a:p>
@@ -814,7 +815,7 @@
           <a:p>
             <a:fld id="{530820CF-B880-4189-942D-D702A7CBA730}" type="datetimeFigureOut">
               <a:rPr lang="zh-CN" altLang="en-US" smtClean="0"/>
-              <a:t>2017/6/2</a:t>
+              <a:t>2017/8/6</a:t>
             </a:fld>
             <a:endParaRPr lang="zh-CN" altLang="en-US"/>
           </a:p>
@@ -1055,7 +1056,7 @@
           <a:p>
             <a:fld id="{530820CF-B880-4189-942D-D702A7CBA730}" type="datetimeFigureOut">
               <a:rPr lang="zh-CN" altLang="en-US" smtClean="0"/>
-              <a:t>2017/6/2</a:t>
+              <a:t>2017/8/6</a:t>
             </a:fld>
             <a:endParaRPr lang="zh-CN" altLang="en-US"/>
           </a:p>
@@ -1338,7 +1339,7 @@
           <a:p>
             <a:fld id="{530820CF-B880-4189-942D-D702A7CBA730}" type="datetimeFigureOut">
               <a:rPr lang="zh-CN" altLang="en-US" smtClean="0"/>
-              <a:t>2017/6/2</a:t>
+              <a:t>2017/8/6</a:t>
             </a:fld>
             <a:endParaRPr lang="zh-CN" altLang="en-US"/>
           </a:p>
@@ -1755,7 +1756,7 @@
           <a:p>
             <a:fld id="{530820CF-B880-4189-942D-D702A7CBA730}" type="datetimeFigureOut">
               <a:rPr lang="zh-CN" altLang="en-US" smtClean="0"/>
-              <a:t>2017/6/2</a:t>
+              <a:t>2017/8/6</a:t>
             </a:fld>
             <a:endParaRPr lang="zh-CN" altLang="en-US"/>
           </a:p>
@@ -1868,7 +1869,7 @@
           <a:p>
             <a:fld id="{530820CF-B880-4189-942D-D702A7CBA730}" type="datetimeFigureOut">
               <a:rPr lang="zh-CN" altLang="en-US" smtClean="0"/>
-              <a:t>2017/6/2</a:t>
+              <a:t>2017/8/6</a:t>
             </a:fld>
             <a:endParaRPr lang="zh-CN" altLang="en-US"/>
           </a:p>
@@ -1958,7 +1959,7 @@
           <a:p>
             <a:fld id="{530820CF-B880-4189-942D-D702A7CBA730}" type="datetimeFigureOut">
               <a:rPr lang="zh-CN" altLang="en-US" smtClean="0"/>
-              <a:t>2017/6/2</a:t>
+              <a:t>2017/8/6</a:t>
             </a:fld>
             <a:endParaRPr lang="zh-CN" altLang="en-US"/>
           </a:p>
@@ -2230,7 +2231,7 @@
           <a:p>
             <a:fld id="{530820CF-B880-4189-942D-D702A7CBA730}" type="datetimeFigureOut">
               <a:rPr lang="zh-CN" altLang="en-US" smtClean="0"/>
-              <a:t>2017/6/2</a:t>
+              <a:t>2017/8/6</a:t>
             </a:fld>
             <a:endParaRPr lang="zh-CN" altLang="en-US"/>
           </a:p>
@@ -2478,7 +2479,7 @@
           <a:p>
             <a:fld id="{530820CF-B880-4189-942D-D702A7CBA730}" type="datetimeFigureOut">
               <a:rPr lang="zh-CN" altLang="en-US" smtClean="0"/>
-              <a:t>2017/6/2</a:t>
+              <a:t>2017/8/6</a:t>
             </a:fld>
             <a:endParaRPr lang="zh-CN" altLang="en-US"/>
           </a:p>
@@ -2686,7 +2687,7 @@
           <a:p>
             <a:fld id="{530820CF-B880-4189-942D-D702A7CBA730}" type="datetimeFigureOut">
               <a:rPr lang="zh-CN" altLang="en-US" smtClean="0"/>
-              <a:t>2017/6/2</a:t>
+              <a:t>2017/8/6</a:t>
             </a:fld>
             <a:endParaRPr lang="zh-CN" altLang="en-US"/>
           </a:p>
@@ -3152,23 +3153,15 @@
         <p:spPr/>
         <p:txBody>
           <a:bodyPr>
-            <a:normAutofit fontScale="90000"/>
+            <a:normAutofit/>
           </a:bodyPr>
           <a:lstStyle/>
           <a:p>
             <a:r>
-              <a:rPr lang="en-US" altLang="zh-CN" sz="4000" b="1" dirty="0" smtClean="0"/>
-              <a:t>3. Task </a:t>
-            </a:r>
-            <a:r>
-              <a:rPr lang="en-US" altLang="zh-CN" sz="4000" b="1" smtClean="0"/>
-              <a:t>and record </a:t>
-            </a:r>
-            <a:r>
-              <a:rPr lang="en-US" altLang="zh-CN" sz="4000" b="1" dirty="0" smtClean="0"/>
-              <a:t>management module</a:t>
-            </a:r>
-            <a:endParaRPr lang="zh-CN" altLang="en-US" sz="4000" b="1" dirty="0"/>
+              <a:rPr lang="en-US" altLang="zh-CN" sz="3200" dirty="0" smtClean="0"/>
+              <a:t>Mode 2: many input to one output</a:t>
+            </a:r>
+            <a:endParaRPr lang="zh-CN" altLang="en-US" sz="3200" dirty="0"/>
           </a:p>
         </p:txBody>
       </p:sp>
@@ -3187,6 +3180,110 @@
           <a:bodyPr/>
           <a:lstStyle/>
           <a:p>
+            <a:endParaRPr lang="zh-CN" altLang="en-US"/>
+          </a:p>
+        </p:txBody>
+      </p:sp>
+      <p:sp>
+        <p:nvSpPr>
+          <p:cNvPr id="4" name="TextBox 3"/>
+          <p:cNvSpPr txBox="1"/>
+          <p:nvPr/>
+        </p:nvSpPr>
+        <p:spPr>
+          <a:xfrm>
+            <a:off x="0" y="0"/>
+            <a:ext cx="9139472" cy="369332"/>
+          </a:xfrm>
+          <a:prstGeom prst="rect">
+            <a:avLst/>
+          </a:prstGeom>
+          <a:noFill/>
+        </p:spPr>
+        <p:txBody>
+          <a:bodyPr wrap="square" rtlCol="0">
+            <a:spAutoFit/>
+          </a:bodyPr>
+          <a:lstStyle/>
+          <a:p>
+            <a:r>
+              <a:rPr lang="en-US" altLang="zh-CN" dirty="0" smtClean="0"/>
+              <a:t>Produce batch of scripts: scriptcontrol.py</a:t>
+            </a:r>
+            <a:endParaRPr lang="zh-CN" altLang="en-US" dirty="0"/>
+          </a:p>
+        </p:txBody>
+      </p:sp>
+    </p:spTree>
+    <p:extLst>
+      <p:ext uri="{BB962C8B-B14F-4D97-AF65-F5344CB8AC3E}">
+        <p14:creationId xmlns:p14="http://schemas.microsoft.com/office/powerpoint/2010/main" val="3796959593"/>
+      </p:ext>
+    </p:extLst>
+  </p:cSld>
+  <p:clrMapOvr>
+    <a:masterClrMapping/>
+  </p:clrMapOvr>
+</p:sld>
+</file>
+
+<file path=ppt/slides/slide11.xml><?xml version="1.0" encoding="utf-8"?>
+<p:sld xmlns:a="http://schemas.openxmlformats.org/drawingml/2006/main" xmlns:r="http://schemas.openxmlformats.org/officeDocument/2006/relationships" xmlns:p="http://schemas.openxmlformats.org/presentationml/2006/main">
+  <p:cSld>
+    <p:spTree>
+      <p:nvGrpSpPr>
+        <p:cNvPr id="1" name=""/>
+        <p:cNvGrpSpPr/>
+        <p:nvPr/>
+      </p:nvGrpSpPr>
+      <p:grpSpPr>
+        <a:xfrm>
+          <a:off x="0" y="0"/>
+          <a:ext cx="0" cy="0"/>
+          <a:chOff x="0" y="0"/>
+          <a:chExt cx="0" cy="0"/>
+        </a:xfrm>
+      </p:grpSpPr>
+      <p:sp>
+        <p:nvSpPr>
+          <p:cNvPr id="2" name="标题 1"/>
+          <p:cNvSpPr>
+            <a:spLocks noGrp="1"/>
+          </p:cNvSpPr>
+          <p:nvPr>
+            <p:ph type="title"/>
+          </p:nvPr>
+        </p:nvSpPr>
+        <p:spPr/>
+        <p:txBody>
+          <a:bodyPr>
+            <a:normAutofit/>
+          </a:bodyPr>
+          <a:lstStyle/>
+          <a:p>
+            <a:r>
+              <a:rPr lang="en-US" altLang="zh-CN" sz="4000" b="1" dirty="0" smtClean="0"/>
+              <a:t>Task and record management module</a:t>
+            </a:r>
+            <a:endParaRPr lang="zh-CN" altLang="en-US" sz="4000" b="1" dirty="0"/>
+          </a:p>
+        </p:txBody>
+      </p:sp>
+      <p:sp>
+        <p:nvSpPr>
+          <p:cNvPr id="3" name="内容占位符 2"/>
+          <p:cNvSpPr>
+            <a:spLocks noGrp="1"/>
+          </p:cNvSpPr>
+          <p:nvPr>
+            <p:ph idx="1"/>
+          </p:nvPr>
+        </p:nvSpPr>
+        <p:spPr/>
+        <p:txBody>
+          <a:bodyPr/>
+          <a:lstStyle/>
+          <a:p>
             <a:r>
               <a:rPr lang="en-US" altLang="zh-CN" dirty="0" smtClean="0"/>
               <a:t>Throw several scripts into running at once </a:t>
@@ -3230,6 +3327,52 @@
           </a:p>
           <a:p>
             <a:endParaRPr lang="en-US" altLang="zh-CN" dirty="0" smtClean="0"/>
+          </a:p>
+        </p:txBody>
+      </p:sp>
+      <p:sp>
+        <p:nvSpPr>
+          <p:cNvPr id="4" name="TextBox 3"/>
+          <p:cNvSpPr txBox="1"/>
+          <p:nvPr/>
+        </p:nvSpPr>
+        <p:spPr>
+          <a:xfrm>
+            <a:off x="0" y="0"/>
+            <a:ext cx="9139472" cy="369332"/>
+          </a:xfrm>
+          <a:prstGeom prst="rect">
+            <a:avLst/>
+          </a:prstGeom>
+          <a:noFill/>
+        </p:spPr>
+        <p:txBody>
+          <a:bodyPr wrap="square" rtlCol="0">
+            <a:spAutoFit/>
+          </a:bodyPr>
+          <a:lstStyle/>
+          <a:p>
+            <a:r>
+              <a:rPr lang="en-US" altLang="zh-CN" b="1" dirty="0">
+                <a:solidFill>
+                  <a:srgbClr val="FF0000"/>
+                </a:solidFill>
+              </a:rPr>
+              <a:t>Module </a:t>
+            </a:r>
+            <a:r>
+              <a:rPr lang="en-US" altLang="zh-CN" b="1" dirty="0" smtClean="0">
+                <a:solidFill>
+                  <a:srgbClr val="FF0000"/>
+                </a:solidFill>
+              </a:rPr>
+              <a:t>3</a:t>
+            </a:r>
+            <a:endParaRPr lang="zh-CN" altLang="en-US" dirty="0">
+              <a:solidFill>
+                <a:srgbClr val="FF0000"/>
+              </a:solidFill>
+            </a:endParaRPr>
           </a:p>
         </p:txBody>
       </p:sp>
@@ -3253,78 +3396,6 @@
 </p:sld>
 </file>
 
-<file path=ppt/slides/slide11.xml><?xml version="1.0" encoding="utf-8"?>
-<p:sld xmlns:a="http://schemas.openxmlformats.org/drawingml/2006/main" xmlns:r="http://schemas.openxmlformats.org/officeDocument/2006/relationships" xmlns:p="http://schemas.openxmlformats.org/presentationml/2006/main">
-  <p:cSld>
-    <p:spTree>
-      <p:nvGrpSpPr>
-        <p:cNvPr id="1" name=""/>
-        <p:cNvGrpSpPr/>
-        <p:nvPr/>
-      </p:nvGrpSpPr>
-      <p:grpSpPr>
-        <a:xfrm>
-          <a:off x="0" y="0"/>
-          <a:ext cx="0" cy="0"/>
-          <a:chOff x="0" y="0"/>
-          <a:chExt cx="0" cy="0"/>
-        </a:xfrm>
-      </p:grpSpPr>
-      <p:sp>
-        <p:nvSpPr>
-          <p:cNvPr id="2" name="标题 1"/>
-          <p:cNvSpPr>
-            <a:spLocks noGrp="1"/>
-          </p:cNvSpPr>
-          <p:nvPr>
-            <p:ph type="title"/>
-          </p:nvPr>
-        </p:nvSpPr>
-        <p:spPr/>
-        <p:txBody>
-          <a:bodyPr/>
-          <a:lstStyle/>
-          <a:p>
-            <a:endParaRPr lang="zh-CN" altLang="en-US"/>
-          </a:p>
-        </p:txBody>
-      </p:sp>
-      <p:sp>
-        <p:nvSpPr>
-          <p:cNvPr id="3" name="内容占位符 2"/>
-          <p:cNvSpPr>
-            <a:spLocks noGrp="1"/>
-          </p:cNvSpPr>
-          <p:nvPr>
-            <p:ph idx="1"/>
-          </p:nvPr>
-        </p:nvSpPr>
-        <p:spPr/>
-        <p:txBody>
-          <a:bodyPr/>
-          <a:lstStyle/>
-          <a:p>
-            <a:r>
-              <a:rPr lang="en-US" altLang="zh-CN" dirty="0" smtClean="0"/>
-              <a:t>… …</a:t>
-            </a:r>
-            <a:endParaRPr lang="zh-CN" altLang="en-US" dirty="0"/>
-          </a:p>
-        </p:txBody>
-      </p:sp>
-    </p:spTree>
-    <p:extLst>
-      <p:ext uri="{BB962C8B-B14F-4D97-AF65-F5344CB8AC3E}">
-        <p14:creationId xmlns:p14="http://schemas.microsoft.com/office/powerpoint/2010/main" val="4174471164"/>
-      </p:ext>
-    </p:extLst>
-  </p:cSld>
-  <p:clrMapOvr>
-    <a:masterClrMapping/>
-  </p:clrMapOvr>
-</p:sld>
-</file>
-
 <file path=ppt/slides/slide12.xml><?xml version="1.0" encoding="utf-8"?>
 <p:sld xmlns:a="http://schemas.openxmlformats.org/drawingml/2006/main" xmlns:r="http://schemas.openxmlformats.org/officeDocument/2006/relationships" xmlns:p="http://schemas.openxmlformats.org/presentationml/2006/main">
   <p:cSld>
@@ -3354,20 +3425,10 @@
         </p:nvSpPr>
         <p:spPr/>
         <p:txBody>
-          <a:bodyPr>
-            <a:normAutofit/>
-          </a:bodyPr>
-          <a:lstStyle/>
-          <a:p>
-            <a:r>
-              <a:rPr lang="en-US" altLang="zh-CN" sz="4000" b="1" dirty="0" smtClean="0"/>
-              <a:t>4. analysis </a:t>
-            </a:r>
-            <a:r>
-              <a:rPr lang="en-US" altLang="zh-CN" sz="4000" b="1" dirty="0"/>
-              <a:t>module</a:t>
-            </a:r>
-            <a:endParaRPr lang="zh-CN" altLang="en-US" sz="4000" b="1" dirty="0"/>
+          <a:bodyPr/>
+          <a:lstStyle/>
+          <a:p>
+            <a:endParaRPr lang="zh-CN" altLang="en-US"/>
           </a:p>
         </p:txBody>
       </p:sp>
@@ -3386,6 +3447,10 @@
           <a:bodyPr/>
           <a:lstStyle/>
           <a:p>
+            <a:r>
+              <a:rPr lang="en-US" altLang="zh-CN" dirty="0" smtClean="0"/>
+              <a:t>… …</a:t>
+            </a:r>
             <a:endParaRPr lang="zh-CN" altLang="en-US" dirty="0"/>
           </a:p>
         </p:txBody>
@@ -3393,20 +3458,13 @@
     </p:spTree>
     <p:extLst>
       <p:ext uri="{BB962C8B-B14F-4D97-AF65-F5344CB8AC3E}">
-        <p14:creationId xmlns:p14="http://schemas.microsoft.com/office/powerpoint/2010/main" val="837385016"/>
+        <p14:creationId xmlns:p14="http://schemas.microsoft.com/office/powerpoint/2010/main" val="4174471164"/>
       </p:ext>
     </p:extLst>
   </p:cSld>
   <p:clrMapOvr>
     <a:masterClrMapping/>
   </p:clrMapOvr>
-  <p:timing>
-    <p:tnLst>
-      <p:par>
-        <p:cTn id="1" dur="indefinite" restart="never" nodeType="tmRoot"/>
-      </p:par>
-    </p:tnLst>
-  </p:timing>
 </p:sld>
 </file>
 
@@ -3445,10 +3503,33 @@
           <a:lstStyle/>
           <a:p>
             <a:r>
-              <a:rPr lang="en-US" altLang="zh-CN" sz="3200" dirty="0" smtClean="0"/>
-              <a:t>overview</a:t>
-            </a:r>
-            <a:endParaRPr lang="zh-CN" altLang="en-US" sz="3200" dirty="0"/>
+              <a:rPr lang="en-US" altLang="zh-CN" sz="4000" b="1" dirty="0" smtClean="0"/>
+              <a:t> analysis </a:t>
+            </a:r>
+            <a:r>
+              <a:rPr lang="en-US" altLang="zh-CN" sz="4000" b="1" dirty="0"/>
+              <a:t>module</a:t>
+            </a:r>
+            <a:endParaRPr lang="zh-CN" altLang="en-US" sz="4000" b="1" dirty="0"/>
+          </a:p>
+        </p:txBody>
+      </p:sp>
+      <p:sp>
+        <p:nvSpPr>
+          <p:cNvPr id="3" name="内容占位符 2"/>
+          <p:cNvSpPr>
+            <a:spLocks noGrp="1"/>
+          </p:cNvSpPr>
+          <p:nvPr>
+            <p:ph idx="1"/>
+          </p:nvPr>
+        </p:nvSpPr>
+        <p:spPr/>
+        <p:txBody>
+          <a:bodyPr/>
+          <a:lstStyle/>
+          <a:p>
+            <a:endParaRPr lang="zh-CN" altLang="en-US" dirty="0"/>
           </a:p>
         </p:txBody>
       </p:sp>
@@ -3475,966 +3556,33 @@
           <a:lstStyle/>
           <a:p>
             <a:r>
-              <a:rPr lang="en-US" altLang="zh-CN" dirty="0" smtClean="0"/>
-              <a:t>Detect </a:t>
-            </a:r>
-            <a:r>
-              <a:rPr lang="en-US" altLang="zh-CN" dirty="0"/>
-              <a:t>selection </a:t>
-            </a:r>
-            <a:r>
-              <a:rPr lang="en-US" altLang="zh-CN" dirty="0" err="1"/>
-              <a:t>signal:Detectsignalacrossgenome_master.py</a:t>
-            </a:r>
-            <a:endParaRPr lang="zh-CN" altLang="en-US" dirty="0"/>
-          </a:p>
-        </p:txBody>
-      </p:sp>
-      <p:sp>
-        <p:nvSpPr>
-          <p:cNvPr id="5" name="矩形 4"/>
-          <p:cNvSpPr/>
-          <p:nvPr/>
-        </p:nvSpPr>
-        <p:spPr>
-          <a:xfrm>
-            <a:off x="4074541" y="2323332"/>
-            <a:ext cx="1728192" cy="1152128"/>
-          </a:xfrm>
-          <a:prstGeom prst="rect">
-            <a:avLst/>
-          </a:prstGeom>
-          <a:solidFill>
-            <a:schemeClr val="accent1">
-              <a:alpha val="0"/>
-            </a:schemeClr>
-          </a:solidFill>
-        </p:spPr>
-        <p:style>
-          <a:lnRef idx="2">
-            <a:schemeClr val="accent1">
-              <a:shade val="50000"/>
-            </a:schemeClr>
-          </a:lnRef>
-          <a:fillRef idx="1">
-            <a:schemeClr val="accent1"/>
-          </a:fillRef>
-          <a:effectRef idx="0">
-            <a:schemeClr val="accent1"/>
-          </a:effectRef>
-          <a:fontRef idx="minor">
-            <a:schemeClr val="lt1"/>
-          </a:fontRef>
-        </p:style>
-        <p:txBody>
-          <a:bodyPr rtlCol="0" anchor="ctr"/>
-          <a:lstStyle/>
-          <a:p>
-            <a:pPr algn="ctr"/>
-            <a:r>
-              <a:rPr lang="en-US" altLang="zh-CN" dirty="0">
+              <a:rPr lang="en-US" altLang="zh-CN" b="1" dirty="0">
                 <a:solidFill>
-                  <a:schemeClr val="tx1"/>
+                  <a:srgbClr val="FF0000"/>
                 </a:solidFill>
               </a:rPr>
-              <a:t>Detectsignalacrossgenome_master.py</a:t>
+              <a:t>Module </a:t>
+            </a:r>
+            <a:r>
+              <a:rPr lang="en-US" altLang="zh-CN" b="1" dirty="0" smtClean="0">
+                <a:solidFill>
+                  <a:srgbClr val="FF0000"/>
+                </a:solidFill>
+              </a:rPr>
+              <a:t>4</a:t>
             </a:r>
             <a:endParaRPr lang="zh-CN" altLang="en-US" dirty="0">
               <a:solidFill>
-                <a:schemeClr val="tx1"/>
+                <a:srgbClr val="FF0000"/>
               </a:solidFill>
             </a:endParaRPr>
-          </a:p>
-        </p:txBody>
-      </p:sp>
-      <p:sp>
-        <p:nvSpPr>
-          <p:cNvPr id="6" name="TextBox 5"/>
-          <p:cNvSpPr txBox="1"/>
-          <p:nvPr/>
-        </p:nvSpPr>
-        <p:spPr>
-          <a:xfrm>
-            <a:off x="-16046" y="332656"/>
-            <a:ext cx="3363910" cy="6740307"/>
-          </a:xfrm>
-          <a:prstGeom prst="rect">
-            <a:avLst/>
-          </a:prstGeom>
-          <a:noFill/>
-        </p:spPr>
-        <p:txBody>
-          <a:bodyPr wrap="square" rtlCol="0">
-            <a:spAutoFit/>
-          </a:bodyPr>
-          <a:lstStyle/>
-          <a:p>
-            <a:r>
-              <a:rPr lang="en-US" altLang="zh-CN" dirty="0" smtClean="0"/>
-              <a:t>-o path to </a:t>
-            </a:r>
-            <a:r>
-              <a:rPr lang="en-US" altLang="zh-CN" dirty="0" err="1" smtClean="0"/>
-              <a:t>ouput</a:t>
-            </a:r>
-            <a:r>
-              <a:rPr lang="en-US" altLang="zh-CN" dirty="0" smtClean="0"/>
-              <a:t> prefix name</a:t>
-            </a:r>
-          </a:p>
-          <a:p>
-            <a:r>
-              <a:rPr lang="en-US" altLang="zh-CN" dirty="0" smtClean="0"/>
-              <a:t>-T </a:t>
-            </a:r>
-            <a:r>
-              <a:rPr lang="en-US" altLang="zh-CN" dirty="0" err="1" smtClean="0"/>
-              <a:t>targetpopvcf</a:t>
-            </a:r>
-            <a:r>
-              <a:rPr lang="en-US" altLang="zh-CN" dirty="0"/>
-              <a:t> </a:t>
-            </a:r>
-            <a:r>
-              <a:rPr lang="en-US" altLang="zh-CN" dirty="0" err="1" smtClean="0"/>
-              <a:t>depthconfig</a:t>
-            </a:r>
-            <a:r>
-              <a:rPr lang="en-US" altLang="zh-CN" dirty="0" smtClean="0"/>
-              <a:t> </a:t>
-            </a:r>
-            <a:r>
-              <a:rPr lang="en-US" altLang="zh-CN" dirty="0"/>
-              <a:t>(multiple –R when multiple populations were used, omit when calculate </a:t>
-            </a:r>
-            <a:r>
-              <a:rPr lang="en-US" altLang="zh-CN" dirty="0" err="1" smtClean="0"/>
-              <a:t>Hp</a:t>
-            </a:r>
-            <a:r>
-              <a:rPr lang="en-US" altLang="zh-CN" dirty="0" smtClean="0"/>
-              <a:t>)</a:t>
-            </a:r>
-          </a:p>
-          <a:p>
-            <a:r>
-              <a:rPr lang="en-US" altLang="zh-CN" dirty="0" smtClean="0"/>
-              <a:t>-</a:t>
-            </a:r>
-            <a:r>
-              <a:rPr lang="en-US" altLang="zh-CN" dirty="0"/>
-              <a:t>R </a:t>
-            </a:r>
-            <a:r>
-              <a:rPr lang="en-US" altLang="zh-CN" dirty="0" err="1" smtClean="0"/>
-              <a:t>refpopvcf</a:t>
-            </a:r>
-            <a:r>
-              <a:rPr lang="en-US" altLang="zh-CN" dirty="0" smtClean="0"/>
-              <a:t> </a:t>
-            </a:r>
-            <a:r>
-              <a:rPr lang="en-US" altLang="zh-CN" dirty="0" err="1" smtClean="0"/>
-              <a:t>depthconfig</a:t>
-            </a:r>
-            <a:r>
-              <a:rPr lang="en-US" altLang="zh-CN" dirty="0" smtClean="0"/>
-              <a:t> (multiple)</a:t>
-            </a:r>
-            <a:endParaRPr lang="en-US" altLang="zh-CN" dirty="0"/>
-          </a:p>
-          <a:p>
-            <a:r>
-              <a:rPr lang="en-US" altLang="zh-CN" dirty="0" smtClean="0"/>
-              <a:t>-t </a:t>
-            </a:r>
-            <a:r>
-              <a:rPr lang="en-US" altLang="zh-CN" dirty="0" err="1" smtClean="0"/>
-              <a:t>toplevel_snp_table</a:t>
-            </a:r>
-            <a:r>
-              <a:rPr lang="en-US" altLang="zh-CN" dirty="0" smtClean="0"/>
-              <a:t> (to know ancestral allele and context bases)</a:t>
-            </a:r>
-          </a:p>
-          <a:p>
-            <a:r>
-              <a:rPr lang="en-US" altLang="zh-CN" dirty="0" smtClean="0"/>
-              <a:t>-c/-b multiple chromosome list or bed like file ( -c or –b only one is needed)</a:t>
-            </a:r>
-          </a:p>
-          <a:p>
-            <a:r>
-              <a:rPr lang="en-US" altLang="zh-CN" dirty="0" smtClean="0"/>
-              <a:t>-p type of signal (early, </a:t>
-            </a:r>
-            <a:r>
-              <a:rPr lang="en-US" altLang="zh-CN" dirty="0" err="1" smtClean="0"/>
-              <a:t>hp</a:t>
-            </a:r>
-            <a:r>
-              <a:rPr lang="en-US" altLang="zh-CN" dirty="0" smtClean="0"/>
-              <a:t>, </a:t>
-            </a:r>
-            <a:r>
-              <a:rPr lang="en-US" altLang="zh-CN" dirty="0" err="1" smtClean="0"/>
-              <a:t>Fst</a:t>
-            </a:r>
-            <a:r>
-              <a:rPr lang="en-US" altLang="zh-CN" dirty="0" smtClean="0"/>
-              <a:t>)</a:t>
-            </a:r>
-          </a:p>
-          <a:p>
-            <a:r>
-              <a:rPr lang="en-US" altLang="zh-CN" dirty="0" smtClean="0"/>
-              <a:t>-C </a:t>
-            </a:r>
-            <a:r>
-              <a:rPr lang="en-US" altLang="zh-CN" dirty="0" err="1" smtClean="0"/>
-              <a:t>freq_correlation</a:t>
-            </a:r>
-            <a:r>
-              <a:rPr lang="en-US" altLang="zh-CN" dirty="0"/>
-              <a:t> </a:t>
-            </a:r>
-            <a:r>
-              <a:rPr lang="en-US" altLang="zh-CN" dirty="0" smtClean="0"/>
-              <a:t>file ,for “early” only</a:t>
-            </a:r>
-          </a:p>
-          <a:p>
-            <a:r>
-              <a:rPr lang="en-US" altLang="zh-CN" dirty="0" smtClean="0"/>
-              <a:t>-n number of individuals , for “early” only. Decide to </a:t>
-            </a:r>
-            <a:r>
-              <a:rPr lang="en-US" altLang="zh-CN" dirty="0" err="1" smtClean="0"/>
-              <a:t>divid</a:t>
-            </a:r>
-            <a:r>
-              <a:rPr lang="en-US" altLang="zh-CN" dirty="0" smtClean="0"/>
-              <a:t> frequency in to how many bins</a:t>
-            </a:r>
-          </a:p>
-          <a:p>
-            <a:r>
-              <a:rPr lang="en-US" altLang="zh-CN" dirty="0" smtClean="0"/>
-              <a:t>-1 frequency correlation calculate slaver </a:t>
-            </a:r>
-            <a:r>
-              <a:rPr lang="en-US" altLang="zh-CN" dirty="0" err="1" smtClean="0"/>
-              <a:t>programm</a:t>
-            </a:r>
-            <a:r>
-              <a:rPr lang="en-US" altLang="zh-CN" dirty="0" smtClean="0"/>
-              <a:t> name</a:t>
-            </a:r>
-          </a:p>
-          <a:p>
-            <a:r>
-              <a:rPr lang="en-US" altLang="zh-CN" dirty="0" smtClean="0"/>
-              <a:t>-2 slaver that slide window to calculate signal</a:t>
-            </a:r>
-          </a:p>
-          <a:p>
-            <a:r>
-              <a:rPr lang="en-US" altLang="zh-CN" dirty="0" smtClean="0"/>
-              <a:t>-w window size</a:t>
-            </a:r>
-          </a:p>
-          <a:p>
-            <a:r>
-              <a:rPr lang="en-US" altLang="zh-CN" dirty="0" smtClean="0"/>
-              <a:t>-s slide steps</a:t>
-            </a:r>
-          </a:p>
-        </p:txBody>
-      </p:sp>
-      <p:sp>
-        <p:nvSpPr>
-          <p:cNvPr id="7" name="右大括号 6"/>
-          <p:cNvSpPr/>
-          <p:nvPr/>
-        </p:nvSpPr>
-        <p:spPr>
-          <a:xfrm>
-            <a:off x="3059832" y="1628801"/>
-            <a:ext cx="432048" cy="3612018"/>
-          </a:xfrm>
-          <a:prstGeom prst="rightBrace">
-            <a:avLst>
-              <a:gd name="adj1" fmla="val 8333"/>
-              <a:gd name="adj2" fmla="val 36699"/>
-            </a:avLst>
-          </a:prstGeom>
-        </p:spPr>
-        <p:style>
-          <a:lnRef idx="1">
-            <a:schemeClr val="accent1"/>
-          </a:lnRef>
-          <a:fillRef idx="0">
-            <a:schemeClr val="accent1"/>
-          </a:fillRef>
-          <a:effectRef idx="0">
-            <a:schemeClr val="accent1"/>
-          </a:effectRef>
-          <a:fontRef idx="minor">
-            <a:schemeClr val="tx1"/>
-          </a:fontRef>
-        </p:style>
-        <p:txBody>
-          <a:bodyPr rtlCol="0" anchor="ctr"/>
-          <a:lstStyle/>
-          <a:p>
-            <a:pPr algn="ctr"/>
-            <a:endParaRPr lang="zh-CN" altLang="en-US"/>
-          </a:p>
-        </p:txBody>
-      </p:sp>
-      <p:sp>
-        <p:nvSpPr>
-          <p:cNvPr id="8" name="右箭头 7"/>
-          <p:cNvSpPr/>
-          <p:nvPr/>
-        </p:nvSpPr>
-        <p:spPr>
-          <a:xfrm>
-            <a:off x="5809999" y="2899396"/>
-            <a:ext cx="638092" cy="108012"/>
-          </a:xfrm>
-          <a:prstGeom prst="rightArrow">
-            <a:avLst/>
-          </a:prstGeom>
-        </p:spPr>
-        <p:style>
-          <a:lnRef idx="2">
-            <a:schemeClr val="accent1">
-              <a:shade val="50000"/>
-            </a:schemeClr>
-          </a:lnRef>
-          <a:fillRef idx="1">
-            <a:schemeClr val="accent1"/>
-          </a:fillRef>
-          <a:effectRef idx="0">
-            <a:schemeClr val="accent1"/>
-          </a:effectRef>
-          <a:fontRef idx="minor">
-            <a:schemeClr val="lt1"/>
-          </a:fontRef>
-        </p:style>
-        <p:txBody>
-          <a:bodyPr rtlCol="0" anchor="ctr"/>
-          <a:lstStyle/>
-          <a:p>
-            <a:pPr algn="ctr"/>
-            <a:endParaRPr lang="zh-CN" altLang="en-US"/>
-          </a:p>
-        </p:txBody>
-      </p:sp>
-      <p:sp>
-        <p:nvSpPr>
-          <p:cNvPr id="9" name="右箭头 8"/>
-          <p:cNvSpPr/>
-          <p:nvPr/>
-        </p:nvSpPr>
-        <p:spPr>
-          <a:xfrm>
-            <a:off x="3534989" y="2899396"/>
-            <a:ext cx="539552" cy="108012"/>
-          </a:xfrm>
-          <a:prstGeom prst="rightArrow">
-            <a:avLst/>
-          </a:prstGeom>
-        </p:spPr>
-        <p:style>
-          <a:lnRef idx="2">
-            <a:schemeClr val="accent1">
-              <a:shade val="50000"/>
-            </a:schemeClr>
-          </a:lnRef>
-          <a:fillRef idx="1">
-            <a:schemeClr val="accent1"/>
-          </a:fillRef>
-          <a:effectRef idx="0">
-            <a:schemeClr val="accent1"/>
-          </a:effectRef>
-          <a:fontRef idx="minor">
-            <a:schemeClr val="lt1"/>
-          </a:fontRef>
-        </p:style>
-        <p:txBody>
-          <a:bodyPr rtlCol="0" anchor="ctr"/>
-          <a:lstStyle/>
-          <a:p>
-            <a:pPr algn="ctr"/>
-            <a:endParaRPr lang="zh-CN" altLang="en-US"/>
-          </a:p>
-        </p:txBody>
-      </p:sp>
-      <p:sp>
-        <p:nvSpPr>
-          <p:cNvPr id="10" name="TextBox 9"/>
-          <p:cNvSpPr txBox="1"/>
-          <p:nvPr/>
-        </p:nvSpPr>
-        <p:spPr>
-          <a:xfrm>
-            <a:off x="3275856" y="2539356"/>
-            <a:ext cx="798685" cy="369332"/>
-          </a:xfrm>
-          <a:prstGeom prst="rect">
-            <a:avLst/>
-          </a:prstGeom>
-          <a:noFill/>
-        </p:spPr>
-        <p:txBody>
-          <a:bodyPr wrap="square" rtlCol="0">
-            <a:spAutoFit/>
-          </a:bodyPr>
-          <a:lstStyle/>
-          <a:p>
-            <a:r>
-              <a:rPr lang="en-US" altLang="zh-CN" dirty="0" smtClean="0"/>
-              <a:t>input</a:t>
-            </a:r>
-            <a:endParaRPr lang="zh-CN" altLang="en-US" dirty="0"/>
-          </a:p>
-        </p:txBody>
-      </p:sp>
-      <p:sp>
-        <p:nvSpPr>
-          <p:cNvPr id="11" name="TextBox 10"/>
-          <p:cNvSpPr txBox="1"/>
-          <p:nvPr/>
-        </p:nvSpPr>
-        <p:spPr>
-          <a:xfrm>
-            <a:off x="6907224" y="2576230"/>
-            <a:ext cx="2232248" cy="646331"/>
-          </a:xfrm>
-          <a:prstGeom prst="rect">
-            <a:avLst/>
-          </a:prstGeom>
-          <a:noFill/>
-        </p:spPr>
-        <p:txBody>
-          <a:bodyPr wrap="square" rtlCol="0">
-            <a:spAutoFit/>
-          </a:bodyPr>
-          <a:lstStyle/>
-          <a:p>
-            <a:r>
-              <a:rPr lang="en-US" altLang="zh-CN" dirty="0" err="1" smtClean="0"/>
-              <a:t>winfile</a:t>
-            </a:r>
-            <a:endParaRPr lang="en-US" altLang="zh-CN" dirty="0" smtClean="0"/>
-          </a:p>
-          <a:p>
-            <a:r>
-              <a:rPr lang="en-US" altLang="zh-CN" dirty="0"/>
-              <a:t>(</a:t>
-            </a:r>
-            <a:r>
-              <a:rPr lang="en-US" altLang="zh-CN" dirty="0" err="1" smtClean="0"/>
-              <a:t>freq_correlation</a:t>
-            </a:r>
-            <a:r>
-              <a:rPr lang="en-US" altLang="zh-CN" dirty="0" smtClean="0"/>
-              <a:t>  file)</a:t>
-            </a:r>
-          </a:p>
-        </p:txBody>
-      </p:sp>
-      <p:sp>
-        <p:nvSpPr>
-          <p:cNvPr id="12" name="TextBox 11"/>
-          <p:cNvSpPr txBox="1"/>
-          <p:nvPr/>
-        </p:nvSpPr>
-        <p:spPr>
-          <a:xfrm>
-            <a:off x="5802733" y="2564904"/>
-            <a:ext cx="915918" cy="369332"/>
-          </a:xfrm>
-          <a:prstGeom prst="rect">
-            <a:avLst/>
-          </a:prstGeom>
-          <a:noFill/>
-        </p:spPr>
-        <p:txBody>
-          <a:bodyPr wrap="square" rtlCol="0">
-            <a:spAutoFit/>
-          </a:bodyPr>
-          <a:lstStyle/>
-          <a:p>
-            <a:r>
-              <a:rPr lang="en-US" altLang="zh-CN" dirty="0" smtClean="0"/>
-              <a:t>output</a:t>
-            </a:r>
-            <a:endParaRPr lang="zh-CN" altLang="en-US" dirty="0"/>
-          </a:p>
-        </p:txBody>
-      </p:sp>
-      <p:sp>
-        <p:nvSpPr>
-          <p:cNvPr id="13" name="左大括号 12"/>
-          <p:cNvSpPr/>
-          <p:nvPr/>
-        </p:nvSpPr>
-        <p:spPr>
-          <a:xfrm>
-            <a:off x="6530079" y="2060848"/>
-            <a:ext cx="377145" cy="1800200"/>
-          </a:xfrm>
-          <a:prstGeom prst="leftBrace">
-            <a:avLst/>
-          </a:prstGeom>
-        </p:spPr>
-        <p:style>
-          <a:lnRef idx="1">
-            <a:schemeClr val="accent1"/>
-          </a:lnRef>
-          <a:fillRef idx="0">
-            <a:schemeClr val="accent1"/>
-          </a:fillRef>
-          <a:effectRef idx="0">
-            <a:schemeClr val="accent1"/>
-          </a:effectRef>
-          <a:fontRef idx="minor">
-            <a:schemeClr val="tx1"/>
-          </a:fontRef>
-        </p:style>
-        <p:txBody>
-          <a:bodyPr rtlCol="0" anchor="ctr"/>
-          <a:lstStyle/>
-          <a:p>
-            <a:pPr algn="ctr"/>
-            <a:endParaRPr lang="zh-CN" altLang="en-US"/>
-          </a:p>
-        </p:txBody>
-      </p:sp>
-      <p:cxnSp>
-        <p:nvCxnSpPr>
-          <p:cNvPr id="14" name="直接箭头连接符 13"/>
-          <p:cNvCxnSpPr/>
-          <p:nvPr/>
-        </p:nvCxnSpPr>
-        <p:spPr>
-          <a:xfrm flipH="1">
-            <a:off x="3975991" y="3475460"/>
-            <a:ext cx="425450" cy="1396027"/>
-          </a:xfrm>
-          <a:prstGeom prst="straightConnector1">
-            <a:avLst/>
-          </a:prstGeom>
-          <a:ln>
-            <a:tailEnd type="arrow"/>
-          </a:ln>
-        </p:spPr>
-        <p:style>
-          <a:lnRef idx="1">
-            <a:schemeClr val="accent1"/>
-          </a:lnRef>
-          <a:fillRef idx="0">
-            <a:schemeClr val="accent1"/>
-          </a:fillRef>
-          <a:effectRef idx="0">
-            <a:schemeClr val="accent1"/>
-          </a:effectRef>
-          <a:fontRef idx="minor">
-            <a:schemeClr val="tx1"/>
-          </a:fontRef>
-        </p:style>
-      </p:cxnSp>
-      <p:cxnSp>
-        <p:nvCxnSpPr>
-          <p:cNvPr id="15" name="直接箭头连接符 14"/>
-          <p:cNvCxnSpPr/>
-          <p:nvPr/>
-        </p:nvCxnSpPr>
-        <p:spPr>
-          <a:xfrm>
-            <a:off x="4788024" y="3575343"/>
-            <a:ext cx="0" cy="1296144"/>
-          </a:xfrm>
-          <a:prstGeom prst="straightConnector1">
-            <a:avLst/>
-          </a:prstGeom>
-          <a:ln>
-            <a:tailEnd type="arrow"/>
-          </a:ln>
-        </p:spPr>
-        <p:style>
-          <a:lnRef idx="1">
-            <a:schemeClr val="accent1"/>
-          </a:lnRef>
-          <a:fillRef idx="0">
-            <a:schemeClr val="accent1"/>
-          </a:fillRef>
-          <a:effectRef idx="0">
-            <a:schemeClr val="accent1"/>
-          </a:effectRef>
-          <a:fontRef idx="minor">
-            <a:schemeClr val="tx1"/>
-          </a:fontRef>
-        </p:style>
-      </p:cxnSp>
-      <p:cxnSp>
-        <p:nvCxnSpPr>
-          <p:cNvPr id="16" name="直接箭头连接符 15"/>
-          <p:cNvCxnSpPr/>
-          <p:nvPr/>
-        </p:nvCxnSpPr>
-        <p:spPr>
-          <a:xfrm>
-            <a:off x="5249144" y="3575343"/>
-            <a:ext cx="373903" cy="1296144"/>
-          </a:xfrm>
-          <a:prstGeom prst="straightConnector1">
-            <a:avLst/>
-          </a:prstGeom>
-          <a:ln>
-            <a:tailEnd type="arrow"/>
-          </a:ln>
-        </p:spPr>
-        <p:style>
-          <a:lnRef idx="1">
-            <a:schemeClr val="accent1"/>
-          </a:lnRef>
-          <a:fillRef idx="0">
-            <a:schemeClr val="accent1"/>
-          </a:fillRef>
-          <a:effectRef idx="0">
-            <a:schemeClr val="accent1"/>
-          </a:effectRef>
-          <a:fontRef idx="minor">
-            <a:schemeClr val="tx1"/>
-          </a:fontRef>
-        </p:style>
-      </p:cxnSp>
-      <p:sp>
-        <p:nvSpPr>
-          <p:cNvPr id="17" name="TextBox 16"/>
-          <p:cNvSpPr txBox="1"/>
-          <p:nvPr/>
-        </p:nvSpPr>
-        <p:spPr>
-          <a:xfrm>
-            <a:off x="4188716" y="4029457"/>
-            <a:ext cx="1247379" cy="369332"/>
-          </a:xfrm>
-          <a:prstGeom prst="rect">
-            <a:avLst/>
-          </a:prstGeom>
-          <a:noFill/>
-          <a:ln>
-            <a:noFill/>
-          </a:ln>
-        </p:spPr>
-        <p:txBody>
-          <a:bodyPr wrap="square" rtlCol="0">
-            <a:spAutoFit/>
-          </a:bodyPr>
-          <a:lstStyle/>
-          <a:p>
-            <a:r>
-              <a:rPr lang="en-US" altLang="zh-CN" dirty="0" smtClean="0">
-                <a:solidFill>
-                  <a:schemeClr val="tx2">
-                    <a:lumMod val="60000"/>
-                    <a:lumOff val="40000"/>
-                  </a:schemeClr>
-                </a:solidFill>
-              </a:rPr>
-              <a:t>. . .       . . .</a:t>
-            </a:r>
-            <a:endParaRPr lang="zh-CN" altLang="en-US" dirty="0">
-              <a:solidFill>
-                <a:schemeClr val="tx2">
-                  <a:lumMod val="60000"/>
-                  <a:lumOff val="40000"/>
-                </a:schemeClr>
-              </a:solidFill>
-            </a:endParaRPr>
-          </a:p>
-        </p:txBody>
-      </p:sp>
-      <p:sp>
-        <p:nvSpPr>
-          <p:cNvPr id="18" name="TextBox 17"/>
-          <p:cNvSpPr txBox="1"/>
-          <p:nvPr/>
-        </p:nvSpPr>
-        <p:spPr>
-          <a:xfrm>
-            <a:off x="3604795" y="4871487"/>
-            <a:ext cx="651460" cy="369332"/>
-          </a:xfrm>
-          <a:prstGeom prst="rect">
-            <a:avLst/>
-          </a:prstGeom>
-          <a:noFill/>
-        </p:spPr>
-        <p:txBody>
-          <a:bodyPr wrap="none" rtlCol="0">
-            <a:spAutoFit/>
-          </a:bodyPr>
-          <a:lstStyle/>
-          <a:p>
-            <a:r>
-              <a:rPr lang="en-US" altLang="zh-CN" dirty="0" smtClean="0"/>
-              <a:t>slave</a:t>
-            </a:r>
-            <a:endParaRPr lang="zh-CN" altLang="en-US" dirty="0"/>
-          </a:p>
-        </p:txBody>
-      </p:sp>
-      <p:sp>
-        <p:nvSpPr>
-          <p:cNvPr id="19" name="TextBox 18"/>
-          <p:cNvSpPr txBox="1"/>
-          <p:nvPr/>
-        </p:nvSpPr>
-        <p:spPr>
-          <a:xfrm>
-            <a:off x="4462294" y="4871487"/>
-            <a:ext cx="651460" cy="369332"/>
-          </a:xfrm>
-          <a:prstGeom prst="rect">
-            <a:avLst/>
-          </a:prstGeom>
-          <a:noFill/>
-        </p:spPr>
-        <p:txBody>
-          <a:bodyPr wrap="none" rtlCol="0">
-            <a:spAutoFit/>
-          </a:bodyPr>
-          <a:lstStyle/>
-          <a:p>
-            <a:r>
-              <a:rPr lang="en-US" altLang="zh-CN" dirty="0" smtClean="0"/>
-              <a:t>slave</a:t>
-            </a:r>
-            <a:endParaRPr lang="zh-CN" altLang="en-US" dirty="0"/>
-          </a:p>
-        </p:txBody>
-      </p:sp>
-      <p:sp>
-        <p:nvSpPr>
-          <p:cNvPr id="20" name="TextBox 19"/>
-          <p:cNvSpPr txBox="1"/>
-          <p:nvPr/>
-        </p:nvSpPr>
-        <p:spPr>
-          <a:xfrm>
-            <a:off x="5297317" y="4871487"/>
-            <a:ext cx="651460" cy="369332"/>
-          </a:xfrm>
-          <a:prstGeom prst="rect">
-            <a:avLst/>
-          </a:prstGeom>
-          <a:noFill/>
-        </p:spPr>
-        <p:txBody>
-          <a:bodyPr wrap="none" rtlCol="0">
-            <a:spAutoFit/>
-          </a:bodyPr>
-          <a:lstStyle/>
-          <a:p>
-            <a:r>
-              <a:rPr lang="en-US" altLang="zh-CN" dirty="0" smtClean="0"/>
-              <a:t>slave</a:t>
-            </a:r>
-            <a:endParaRPr lang="zh-CN" altLang="en-US" dirty="0"/>
-          </a:p>
-        </p:txBody>
-      </p:sp>
-      <p:sp>
-        <p:nvSpPr>
-          <p:cNvPr id="21" name="左弧形箭头 20"/>
-          <p:cNvSpPr/>
-          <p:nvPr/>
-        </p:nvSpPr>
-        <p:spPr>
-          <a:xfrm rot="11639433">
-            <a:off x="5260879" y="3203804"/>
-            <a:ext cx="860480" cy="2776383"/>
-          </a:xfrm>
-          <a:prstGeom prst="curvedRightArrow">
-            <a:avLst/>
-          </a:prstGeom>
-        </p:spPr>
-        <p:style>
-          <a:lnRef idx="2">
-            <a:schemeClr val="accent1">
-              <a:shade val="50000"/>
-            </a:schemeClr>
-          </a:lnRef>
-          <a:fillRef idx="1">
-            <a:schemeClr val="accent1"/>
-          </a:fillRef>
-          <a:effectRef idx="0">
-            <a:schemeClr val="accent1"/>
-          </a:effectRef>
-          <a:fontRef idx="minor">
-            <a:schemeClr val="lt1"/>
-          </a:fontRef>
-        </p:style>
-        <p:txBody>
-          <a:bodyPr rtlCol="0" anchor="ctr"/>
-          <a:lstStyle/>
-          <a:p>
-            <a:pPr algn="ctr"/>
-            <a:endParaRPr lang="zh-CN" altLang="en-US">
-              <a:solidFill>
-                <a:schemeClr val="tx1"/>
-              </a:solidFill>
-            </a:endParaRPr>
-          </a:p>
-        </p:txBody>
-      </p:sp>
-      <p:cxnSp>
-        <p:nvCxnSpPr>
-          <p:cNvPr id="22" name="直接箭头连接符 21"/>
-          <p:cNvCxnSpPr/>
-          <p:nvPr/>
-        </p:nvCxnSpPr>
-        <p:spPr>
-          <a:xfrm>
-            <a:off x="3930525" y="5240819"/>
-            <a:ext cx="641475" cy="383615"/>
-          </a:xfrm>
-          <a:prstGeom prst="straightConnector1">
-            <a:avLst/>
-          </a:prstGeom>
-          <a:ln>
-            <a:tailEnd type="arrow"/>
-          </a:ln>
-        </p:spPr>
-        <p:style>
-          <a:lnRef idx="1">
-            <a:schemeClr val="accent1"/>
-          </a:lnRef>
-          <a:fillRef idx="0">
-            <a:schemeClr val="accent1"/>
-          </a:fillRef>
-          <a:effectRef idx="0">
-            <a:schemeClr val="accent1"/>
-          </a:effectRef>
-          <a:fontRef idx="minor">
-            <a:schemeClr val="tx1"/>
-          </a:fontRef>
-        </p:style>
-      </p:cxnSp>
-      <p:cxnSp>
-        <p:nvCxnSpPr>
-          <p:cNvPr id="23" name="直接箭头连接符 22"/>
-          <p:cNvCxnSpPr/>
-          <p:nvPr/>
-        </p:nvCxnSpPr>
-        <p:spPr>
-          <a:xfrm>
-            <a:off x="4788024" y="5240819"/>
-            <a:ext cx="0" cy="383615"/>
-          </a:xfrm>
-          <a:prstGeom prst="straightConnector1">
-            <a:avLst/>
-          </a:prstGeom>
-          <a:ln>
-            <a:tailEnd type="arrow"/>
-          </a:ln>
-        </p:spPr>
-        <p:style>
-          <a:lnRef idx="1">
-            <a:schemeClr val="accent1"/>
-          </a:lnRef>
-          <a:fillRef idx="0">
-            <a:schemeClr val="accent1"/>
-          </a:fillRef>
-          <a:effectRef idx="0">
-            <a:schemeClr val="accent1"/>
-          </a:effectRef>
-          <a:fontRef idx="minor">
-            <a:schemeClr val="tx1"/>
-          </a:fontRef>
-        </p:style>
-      </p:cxnSp>
-      <p:cxnSp>
-        <p:nvCxnSpPr>
-          <p:cNvPr id="24" name="直接箭头连接符 23"/>
-          <p:cNvCxnSpPr/>
-          <p:nvPr/>
-        </p:nvCxnSpPr>
-        <p:spPr>
-          <a:xfrm flipH="1">
-            <a:off x="4938637" y="5240819"/>
-            <a:ext cx="621939" cy="383615"/>
-          </a:xfrm>
-          <a:prstGeom prst="straightConnector1">
-            <a:avLst/>
-          </a:prstGeom>
-          <a:ln>
-            <a:tailEnd type="arrow"/>
-          </a:ln>
-        </p:spPr>
-        <p:style>
-          <a:lnRef idx="1">
-            <a:schemeClr val="accent1"/>
-          </a:lnRef>
-          <a:fillRef idx="0">
-            <a:schemeClr val="accent1"/>
-          </a:fillRef>
-          <a:effectRef idx="0">
-            <a:schemeClr val="accent1"/>
-          </a:effectRef>
-          <a:fontRef idx="minor">
-            <a:schemeClr val="tx1"/>
-          </a:fontRef>
-        </p:style>
-      </p:cxnSp>
-      <p:sp>
-        <p:nvSpPr>
-          <p:cNvPr id="25" name="TextBox 24"/>
-          <p:cNvSpPr txBox="1"/>
-          <p:nvPr/>
-        </p:nvSpPr>
-        <p:spPr>
-          <a:xfrm>
-            <a:off x="3230955" y="5733256"/>
-            <a:ext cx="3861325" cy="1200329"/>
-          </a:xfrm>
-          <a:prstGeom prst="rect">
-            <a:avLst/>
-          </a:prstGeom>
-          <a:noFill/>
-        </p:spPr>
-        <p:txBody>
-          <a:bodyPr wrap="square" rtlCol="0">
-            <a:spAutoFit/>
-          </a:bodyPr>
-          <a:lstStyle/>
-          <a:p>
-            <a:r>
-              <a:rPr lang="en-US" altLang="zh-CN" dirty="0" smtClean="0"/>
-              <a:t>Whole genome was divided into multiple chromosomes or scaffolds (-c). And each scaffold was calculated by Slave </a:t>
-            </a:r>
-            <a:r>
-              <a:rPr lang="en-US" altLang="zh-CN" dirty="0" err="1" smtClean="0"/>
-              <a:t>programm</a:t>
-            </a:r>
-            <a:r>
-              <a:rPr lang="en-US" altLang="zh-CN" dirty="0" smtClean="0"/>
-              <a:t> simultaneously. </a:t>
-            </a:r>
-            <a:endParaRPr lang="zh-CN" altLang="en-US" dirty="0"/>
           </a:p>
         </p:txBody>
       </p:sp>
     </p:spTree>
     <p:extLst>
       <p:ext uri="{BB962C8B-B14F-4D97-AF65-F5344CB8AC3E}">
-        <p14:creationId xmlns:p14="http://schemas.microsoft.com/office/powerpoint/2010/main" val="3455380252"/>
+        <p14:creationId xmlns:p14="http://schemas.microsoft.com/office/powerpoint/2010/main" val="837385016"/>
       </p:ext>
     </p:extLst>
   </p:cSld>
@@ -4480,425 +3628,22 @@
         </p:nvSpPr>
         <p:spPr/>
         <p:txBody>
-          <a:bodyPr/>
-          <a:lstStyle/>
-          <a:p>
-            <a:r>
-              <a:rPr lang="en-US" altLang="zh-CN" sz="4000" dirty="0" smtClean="0"/>
-              <a:t>usage</a:t>
-            </a:r>
-            <a:endParaRPr lang="zh-CN" altLang="en-US" sz="4000" dirty="0"/>
-          </a:p>
-        </p:txBody>
-      </p:sp>
-      <p:sp>
-        <p:nvSpPr>
-          <p:cNvPr id="3" name="内容占位符 2"/>
-          <p:cNvSpPr>
-            <a:spLocks noGrp="1"/>
-          </p:cNvSpPr>
-          <p:nvPr>
-            <p:ph idx="1"/>
-          </p:nvPr>
-        </p:nvSpPr>
-        <p:spPr/>
-        <p:txBody>
           <a:bodyPr>
-            <a:noAutofit/>
+            <a:normAutofit/>
           </a:bodyPr>
           <a:lstStyle/>
           <a:p>
             <a:r>
-              <a:rPr lang="en-US" altLang="zh-CN" sz="1800" dirty="0" smtClean="0"/>
-              <a:t>Python-3.3.3/python life/src/NGS/Analysis/</a:t>
-            </a:r>
-            <a:r>
-              <a:rPr lang="en-US" altLang="zh-CN" sz="1800" dirty="0"/>
-              <a:t>Detectsignalacrossgenome_master.</a:t>
-            </a:r>
-            <a:r>
-              <a:rPr lang="en-US" altLang="zh-CN" sz="1800" dirty="0" smtClean="0"/>
-              <a:t>py </a:t>
-            </a:r>
-            <a:r>
-              <a:rPr lang="en-US" altLang="zh-CN" sz="1800" b="1" dirty="0"/>
-              <a:t>-o </a:t>
-            </a:r>
-            <a:r>
-              <a:rPr lang="en-US" altLang="zh-CN" sz="1800" dirty="0"/>
-              <a:t>/</a:t>
-            </a:r>
-            <a:r>
-              <a:rPr lang="en-US" altLang="zh-CN" sz="1800" dirty="0" smtClean="0"/>
-              <a:t>home/</a:t>
-            </a:r>
-            <a:r>
-              <a:rPr lang="en-US" altLang="zh-CN" sz="1800" dirty="0" err="1" smtClean="0"/>
-              <a:t>bioinfo</a:t>
-            </a:r>
-            <a:r>
-              <a:rPr lang="en-US" altLang="zh-CN" sz="1800" dirty="0" smtClean="0"/>
-              <a:t>/</a:t>
-            </a:r>
-            <a:r>
-              <a:rPr lang="en-US" altLang="zh-CN" sz="1800" dirty="0" err="1" smtClean="0"/>
-              <a:t>liurui</a:t>
-            </a:r>
-            <a:r>
-              <a:rPr lang="en-US" altLang="zh-CN" sz="1800" dirty="0" smtClean="0"/>
-              <a:t>/data/</a:t>
-            </a:r>
-            <a:r>
-              <a:rPr lang="en-US" altLang="zh-CN" sz="1800" dirty="0" err="1" smtClean="0"/>
-              <a:t>detectselection</a:t>
-            </a:r>
-            <a:r>
-              <a:rPr lang="en-US" altLang="zh-CN" sz="1800" dirty="0" smtClean="0"/>
-              <a:t>/</a:t>
-            </a:r>
-            <a:r>
-              <a:rPr lang="en-US" altLang="zh-CN" sz="1800" dirty="0" err="1" smtClean="0"/>
-              <a:t>uniqmap</a:t>
-            </a:r>
-            <a:r>
-              <a:rPr lang="en-US" altLang="zh-CN" sz="1800" dirty="0" smtClean="0"/>
-              <a:t>/</a:t>
-            </a:r>
-            <a:r>
-              <a:rPr lang="en-US" altLang="zh-CN" sz="1800" dirty="0" err="1" smtClean="0"/>
-              <a:t>earlystageselectivesweep</a:t>
-            </a:r>
-            <a:r>
-              <a:rPr lang="en-US" altLang="zh-CN" sz="1800" dirty="0" smtClean="0"/>
-              <a:t>/</a:t>
-            </a:r>
-            <a:r>
-              <a:rPr lang="en-US" altLang="zh-CN" sz="1800" dirty="0" err="1" smtClean="0"/>
-              <a:t>finaleditionfromproducetoslidwin</a:t>
-            </a:r>
-            <a:r>
-              <a:rPr lang="en-US" altLang="zh-CN" sz="1800" dirty="0" smtClean="0"/>
-              <a:t>  </a:t>
-            </a:r>
-            <a:r>
-              <a:rPr lang="en-US" altLang="zh-CN" sz="1800" b="1" dirty="0" smtClean="0"/>
-              <a:t>-</a:t>
-            </a:r>
-            <a:r>
-              <a:rPr lang="en-US" altLang="zh-CN" sz="1800" b="1" dirty="0"/>
-              <a:t>n</a:t>
-            </a:r>
-            <a:r>
-              <a:rPr lang="en-US" altLang="zh-CN" sz="1800" dirty="0"/>
-              <a:t> 14  -t mspsgjlksy10pop_toplevel_pekingduckref </a:t>
-            </a:r>
-            <a:r>
-              <a:rPr lang="en-US" altLang="zh-CN" sz="1800" b="1" dirty="0"/>
-              <a:t>-T </a:t>
-            </a:r>
-            <a:r>
-              <a:rPr lang="en-US" altLang="zh-CN" sz="1800" dirty="0" err="1" smtClean="0"/>
-              <a:t>mallard.VCFBAMconfig</a:t>
-            </a:r>
-            <a:r>
-              <a:rPr lang="en-US" altLang="zh-CN" sz="1800" dirty="0" smtClean="0"/>
-              <a:t> </a:t>
-            </a:r>
-            <a:r>
-              <a:rPr lang="en-US" altLang="zh-CN" sz="1800" b="1" dirty="0"/>
-              <a:t>-T </a:t>
-            </a:r>
-            <a:r>
-              <a:rPr lang="en-US" altLang="zh-CN" sz="1800" dirty="0" err="1" smtClean="0"/>
-              <a:t>spotbilled.VCFBAMconfig</a:t>
-            </a:r>
-            <a:r>
-              <a:rPr lang="en-US" altLang="zh-CN" sz="1800" dirty="0" smtClean="0"/>
-              <a:t> </a:t>
-            </a:r>
-            <a:r>
-              <a:rPr lang="en-US" altLang="zh-CN" sz="1800" b="1" dirty="0"/>
-              <a:t>-R</a:t>
-            </a:r>
-            <a:r>
-              <a:rPr lang="en-US" altLang="zh-CN" sz="1800" dirty="0"/>
-              <a:t> </a:t>
-            </a:r>
-            <a:r>
-              <a:rPr lang="en-US" altLang="zh-CN" sz="1800" dirty="0" err="1" smtClean="0"/>
-              <a:t>gaoyou.VCFBAMconfig</a:t>
-            </a:r>
-            <a:r>
-              <a:rPr lang="en-US" altLang="zh-CN" sz="1800" dirty="0" smtClean="0"/>
-              <a:t> </a:t>
-            </a:r>
-            <a:r>
-              <a:rPr lang="en-US" altLang="zh-CN" sz="1800" b="1" dirty="0"/>
-              <a:t>-R</a:t>
-            </a:r>
-            <a:r>
-              <a:rPr lang="en-US" altLang="zh-CN" sz="1800" dirty="0"/>
-              <a:t> </a:t>
-            </a:r>
-            <a:r>
-              <a:rPr lang="en-US" altLang="zh-CN" sz="1800" dirty="0" err="1" smtClean="0"/>
-              <a:t>lianchengbai.VCFBAMconfig</a:t>
-            </a:r>
-            <a:r>
-              <a:rPr lang="en-US" altLang="zh-CN" sz="1800" dirty="0" smtClean="0"/>
-              <a:t> </a:t>
-            </a:r>
-            <a:r>
-              <a:rPr lang="en-US" altLang="zh-CN" sz="1800" b="1" dirty="0"/>
-              <a:t>-R</a:t>
-            </a:r>
-            <a:r>
-              <a:rPr lang="en-US" altLang="zh-CN" sz="1800" dirty="0"/>
-              <a:t> </a:t>
-            </a:r>
-            <a:r>
-              <a:rPr lang="en-US" altLang="zh-CN" sz="1800" dirty="0" err="1" smtClean="0"/>
-              <a:t>jinding.VCFBAMconfig</a:t>
-            </a:r>
-            <a:r>
-              <a:rPr lang="en-US" altLang="zh-CN" sz="1800" dirty="0" smtClean="0"/>
-              <a:t> </a:t>
-            </a:r>
-            <a:r>
-              <a:rPr lang="en-US" altLang="zh-CN" sz="1800" b="1" dirty="0"/>
-              <a:t>-R</a:t>
-            </a:r>
-            <a:r>
-              <a:rPr lang="en-US" altLang="zh-CN" sz="1800" dirty="0"/>
-              <a:t> </a:t>
-            </a:r>
-            <a:r>
-              <a:rPr lang="en-US" altLang="zh-CN" sz="1800" dirty="0" err="1" smtClean="0"/>
-              <a:t>campbell.VCFBAMconfig</a:t>
-            </a:r>
-            <a:r>
-              <a:rPr lang="en-US" altLang="zh-CN" sz="1800" dirty="0" smtClean="0"/>
-              <a:t> </a:t>
-            </a:r>
-            <a:r>
-              <a:rPr lang="en-US" altLang="zh-CN" sz="1800" b="1" dirty="0"/>
-              <a:t>-R </a:t>
-            </a:r>
-            <a:r>
-              <a:rPr lang="en-US" altLang="zh-CN" sz="1800" dirty="0" err="1" smtClean="0"/>
-              <a:t>cherryvalley.VCFBAMconfig</a:t>
-            </a:r>
-            <a:r>
-              <a:rPr lang="en-US" altLang="zh-CN" sz="1800" dirty="0" smtClean="0"/>
-              <a:t> </a:t>
-            </a:r>
-            <a:r>
-              <a:rPr lang="en-US" altLang="zh-CN" sz="1800" b="1" dirty="0"/>
-              <a:t>-R</a:t>
-            </a:r>
-            <a:r>
-              <a:rPr lang="en-US" altLang="zh-CN" sz="1800" dirty="0"/>
-              <a:t> </a:t>
-            </a:r>
-            <a:r>
-              <a:rPr lang="en-US" altLang="zh-CN" sz="1800" dirty="0" err="1" smtClean="0"/>
-              <a:t>beijing.VCFBAMconfig</a:t>
-            </a:r>
-            <a:r>
-              <a:rPr lang="en-US" altLang="zh-CN" sz="1800" dirty="0" smtClean="0"/>
-              <a:t> </a:t>
-            </a:r>
-            <a:r>
-              <a:rPr lang="en-US" altLang="zh-CN" sz="1800" b="1" dirty="0" smtClean="0"/>
-              <a:t>-R</a:t>
-            </a:r>
-            <a:r>
-              <a:rPr lang="en-US" altLang="zh-CN" sz="1800" dirty="0" smtClean="0"/>
-              <a:t> </a:t>
-            </a:r>
-            <a:r>
-              <a:rPr lang="en-US" altLang="zh-CN" sz="1800" dirty="0" err="1" smtClean="0"/>
-              <a:t>shaoxing.VCFBAMconfig</a:t>
-            </a:r>
-            <a:r>
-              <a:rPr lang="en-US" altLang="zh-CN" sz="1800" dirty="0" smtClean="0"/>
-              <a:t> </a:t>
-            </a:r>
-            <a:r>
-              <a:rPr lang="en-US" altLang="zh-CN" sz="1800" b="1" dirty="0"/>
-              <a:t>-R</a:t>
-            </a:r>
-            <a:r>
-              <a:rPr lang="en-US" altLang="zh-CN" sz="1800" dirty="0"/>
-              <a:t> </a:t>
-            </a:r>
-            <a:r>
-              <a:rPr lang="en-US" altLang="zh-CN" sz="1800" dirty="0" err="1" smtClean="0"/>
-              <a:t>shanma.VCFBAMconfig</a:t>
-            </a:r>
-            <a:r>
-              <a:rPr lang="en-US" altLang="zh-CN" sz="1800" dirty="0" smtClean="0"/>
-              <a:t> </a:t>
-            </a:r>
-            <a:r>
-              <a:rPr lang="en-US" altLang="zh-CN" sz="1800" b="1" dirty="0"/>
-              <a:t>-w</a:t>
-            </a:r>
-            <a:r>
-              <a:rPr lang="en-US" altLang="zh-CN" sz="1800" dirty="0"/>
-              <a:t> 20000 </a:t>
-            </a:r>
-            <a:r>
-              <a:rPr lang="en-US" altLang="zh-CN" sz="1800" b="1" dirty="0"/>
-              <a:t>-s</a:t>
-            </a:r>
-            <a:r>
-              <a:rPr lang="en-US" altLang="zh-CN" sz="1800" dirty="0"/>
-              <a:t> 10000 </a:t>
-            </a:r>
-            <a:r>
-              <a:rPr lang="en-US" altLang="zh-CN" sz="1800" b="1" dirty="0"/>
-              <a:t>-c</a:t>
-            </a:r>
-            <a:r>
-              <a:rPr lang="en-US" altLang="zh-CN" sz="1800" dirty="0"/>
-              <a:t> </a:t>
-            </a:r>
-            <a:r>
-              <a:rPr lang="en-US" altLang="zh-CN" sz="1800" dirty="0" smtClean="0"/>
-              <a:t>pekingduckchrominfo.autosomescaffolds_1  </a:t>
-            </a:r>
-            <a:r>
-              <a:rPr lang="en-US" altLang="zh-CN" sz="1800" dirty="0"/>
-              <a:t>-</a:t>
-            </a:r>
-            <a:r>
-              <a:rPr lang="en-US" altLang="zh-CN" sz="1800" b="1" dirty="0"/>
-              <a:t>c</a:t>
-            </a:r>
-            <a:r>
-              <a:rPr lang="en-US" altLang="zh-CN" sz="1800" dirty="0"/>
-              <a:t> </a:t>
-            </a:r>
-            <a:r>
-              <a:rPr lang="en-US" altLang="zh-CN" sz="1800" dirty="0" smtClean="0"/>
-              <a:t>pekingduckchrominfo.autosomescaffolds_2  -</a:t>
-            </a:r>
-            <a:r>
-              <a:rPr lang="en-US" altLang="zh-CN" sz="1800" b="1" dirty="0"/>
-              <a:t>c</a:t>
-            </a:r>
-            <a:r>
-              <a:rPr lang="en-US" altLang="zh-CN" sz="1800" dirty="0"/>
-              <a:t> </a:t>
-            </a:r>
-            <a:r>
-              <a:rPr lang="en-US" altLang="zh-CN" sz="1800" dirty="0" smtClean="0"/>
-              <a:t>pekingduckchrominfo.autosomescaffolds_3   -</a:t>
-            </a:r>
-            <a:r>
-              <a:rPr lang="en-US" altLang="zh-CN" sz="1800" b="1" dirty="0"/>
-              <a:t>c</a:t>
-            </a:r>
-            <a:r>
-              <a:rPr lang="en-US" altLang="zh-CN" sz="1800" dirty="0"/>
-              <a:t> </a:t>
-            </a:r>
-            <a:r>
-              <a:rPr lang="en-US" altLang="zh-CN" sz="1800" dirty="0" smtClean="0"/>
-              <a:t>pekingduckchrominfo.autosomescaffolds_4  -</a:t>
-            </a:r>
-            <a:r>
-              <a:rPr lang="en-US" altLang="zh-CN" sz="1800" b="1" dirty="0"/>
-              <a:t>c</a:t>
-            </a:r>
-            <a:r>
-              <a:rPr lang="en-US" altLang="zh-CN" sz="1800" dirty="0"/>
-              <a:t> </a:t>
-            </a:r>
-            <a:r>
-              <a:rPr lang="en-US" altLang="zh-CN" sz="1800" dirty="0" smtClean="0"/>
-              <a:t>pekingduckchrominfo.autosomescaffolds_5   -</a:t>
-            </a:r>
-            <a:r>
-              <a:rPr lang="en-US" altLang="zh-CN" sz="1800" b="1" dirty="0"/>
-              <a:t>c</a:t>
-            </a:r>
-            <a:r>
-              <a:rPr lang="en-US" altLang="zh-CN" sz="1800" dirty="0"/>
-              <a:t> </a:t>
-            </a:r>
-            <a:r>
-              <a:rPr lang="en-US" altLang="zh-CN" sz="1800" dirty="0" smtClean="0"/>
-              <a:t>pekingduckchrominfo.autosomescaffolds_6  </a:t>
-            </a:r>
-            <a:r>
-              <a:rPr lang="en-US" altLang="zh-CN" sz="1800" dirty="0"/>
-              <a:t>-</a:t>
-            </a:r>
-            <a:r>
-              <a:rPr lang="en-US" altLang="zh-CN" sz="1800" b="1" dirty="0"/>
-              <a:t>c</a:t>
-            </a:r>
-            <a:r>
-              <a:rPr lang="en-US" altLang="zh-CN" sz="1800" dirty="0"/>
-              <a:t> </a:t>
-            </a:r>
-            <a:r>
-              <a:rPr lang="en-US" altLang="zh-CN" sz="1800" dirty="0" smtClean="0"/>
-              <a:t>pekingduckchrominfo.autosomescaffolds_7  -</a:t>
-            </a:r>
-            <a:r>
-              <a:rPr lang="en-US" altLang="zh-CN" sz="1800" b="1" dirty="0"/>
-              <a:t>c</a:t>
-            </a:r>
-            <a:r>
-              <a:rPr lang="en-US" altLang="zh-CN" sz="1800" dirty="0"/>
-              <a:t> </a:t>
-            </a:r>
-            <a:r>
-              <a:rPr lang="en-US" altLang="zh-CN" sz="1800" dirty="0" smtClean="0"/>
-              <a:t>pekingduckchrominfo.autosomescaffolds_8  </a:t>
-            </a:r>
-            <a:r>
-              <a:rPr lang="en-US" altLang="zh-CN" sz="1800" b="1" dirty="0"/>
-              <a:t>-1</a:t>
-            </a:r>
-            <a:r>
-              <a:rPr lang="en-US" altLang="zh-CN" sz="1800" dirty="0"/>
-              <a:t> </a:t>
-            </a:r>
-            <a:r>
-              <a:rPr lang="en-US" altLang="zh-CN" sz="1800" dirty="0" smtClean="0"/>
-              <a:t>life/src/NGS/Slave/Detectsignalacrossgenome_producecorrelation_slave.py </a:t>
-            </a:r>
-            <a:r>
-              <a:rPr lang="en-US" altLang="zh-CN" sz="1800" dirty="0"/>
-              <a:t>-</a:t>
-            </a:r>
-            <a:r>
-              <a:rPr lang="en-US" altLang="zh-CN" sz="1800" b="1" dirty="0"/>
-              <a:t>2</a:t>
-            </a:r>
-            <a:r>
-              <a:rPr lang="en-US" altLang="zh-CN" sz="1800" dirty="0"/>
-              <a:t> life/src/NGS/Slave/Detectsignalacrossgenome_slidewin_slave.py -</a:t>
-            </a:r>
-            <a:r>
-              <a:rPr lang="en-US" altLang="zh-CN" sz="1800" b="1" dirty="0"/>
-              <a:t>p</a:t>
-            </a:r>
-            <a:r>
-              <a:rPr lang="en-US" altLang="zh-CN" sz="1800" dirty="0"/>
-              <a:t> early</a:t>
-            </a:r>
-            <a:endParaRPr lang="zh-CN" altLang="en-US" sz="1800" dirty="0"/>
-          </a:p>
-        </p:txBody>
-      </p:sp>
-      <p:sp>
-        <p:nvSpPr>
-          <p:cNvPr id="5" name="TextBox 4"/>
+              <a:rPr lang="en-US" altLang="zh-CN" sz="3200" dirty="0" smtClean="0"/>
+              <a:t>overview</a:t>
+            </a:r>
+            <a:endParaRPr lang="zh-CN" altLang="en-US" sz="3200" dirty="0"/>
+          </a:p>
+        </p:txBody>
+      </p:sp>
+      <p:sp>
+        <p:nvSpPr>
+          <p:cNvPr id="4" name="TextBox 3"/>
           <p:cNvSpPr txBox="1"/>
           <p:nvPr/>
         </p:nvSpPr>
@@ -4934,10 +3679,1016 @@
           </a:p>
         </p:txBody>
       </p:sp>
+      <p:sp>
+        <p:nvSpPr>
+          <p:cNvPr id="5" name="矩形 4"/>
+          <p:cNvSpPr/>
+          <p:nvPr/>
+        </p:nvSpPr>
+        <p:spPr>
+          <a:xfrm>
+            <a:off x="4074541" y="2323332"/>
+            <a:ext cx="1728192" cy="1152128"/>
+          </a:xfrm>
+          <a:prstGeom prst="rect">
+            <a:avLst/>
+          </a:prstGeom>
+          <a:solidFill>
+            <a:schemeClr val="accent1">
+              <a:alpha val="0"/>
+            </a:schemeClr>
+          </a:solidFill>
+        </p:spPr>
+        <p:style>
+          <a:lnRef idx="2">
+            <a:schemeClr val="accent1">
+              <a:shade val="50000"/>
+            </a:schemeClr>
+          </a:lnRef>
+          <a:fillRef idx="1">
+            <a:schemeClr val="accent1"/>
+          </a:fillRef>
+          <a:effectRef idx="0">
+            <a:schemeClr val="accent1"/>
+          </a:effectRef>
+          <a:fontRef idx="minor">
+            <a:schemeClr val="lt1"/>
+          </a:fontRef>
+        </p:style>
+        <p:txBody>
+          <a:bodyPr rtlCol="0" anchor="ctr"/>
+          <a:lstStyle/>
+          <a:p>
+            <a:pPr algn="ctr"/>
+            <a:r>
+              <a:rPr lang="en-US" altLang="zh-CN" dirty="0">
+                <a:solidFill>
+                  <a:schemeClr val="tx1"/>
+                </a:solidFill>
+              </a:rPr>
+              <a:t>Detectsignalacrossgenome_master.py</a:t>
+            </a:r>
+            <a:endParaRPr lang="zh-CN" altLang="en-US" dirty="0">
+              <a:solidFill>
+                <a:schemeClr val="tx1"/>
+              </a:solidFill>
+            </a:endParaRPr>
+          </a:p>
+        </p:txBody>
+      </p:sp>
+      <p:sp>
+        <p:nvSpPr>
+          <p:cNvPr id="6" name="TextBox 5"/>
+          <p:cNvSpPr txBox="1"/>
+          <p:nvPr/>
+        </p:nvSpPr>
+        <p:spPr>
+          <a:xfrm>
+            <a:off x="-16046" y="332656"/>
+            <a:ext cx="3363910" cy="6740307"/>
+          </a:xfrm>
+          <a:prstGeom prst="rect">
+            <a:avLst/>
+          </a:prstGeom>
+          <a:noFill/>
+        </p:spPr>
+        <p:txBody>
+          <a:bodyPr wrap="square" rtlCol="0">
+            <a:spAutoFit/>
+          </a:bodyPr>
+          <a:lstStyle/>
+          <a:p>
+            <a:r>
+              <a:rPr lang="en-US" altLang="zh-CN" dirty="0" smtClean="0"/>
+              <a:t>-o path to </a:t>
+            </a:r>
+            <a:r>
+              <a:rPr lang="en-US" altLang="zh-CN" dirty="0" err="1" smtClean="0"/>
+              <a:t>ouput</a:t>
+            </a:r>
+            <a:r>
+              <a:rPr lang="en-US" altLang="zh-CN" dirty="0" smtClean="0"/>
+              <a:t> prefix name</a:t>
+            </a:r>
+          </a:p>
+          <a:p>
+            <a:r>
+              <a:rPr lang="en-US" altLang="zh-CN" dirty="0" smtClean="0"/>
+              <a:t>-T </a:t>
+            </a:r>
+            <a:r>
+              <a:rPr lang="en-US" altLang="zh-CN" dirty="0" err="1" smtClean="0"/>
+              <a:t>targetpopvcf</a:t>
+            </a:r>
+            <a:r>
+              <a:rPr lang="en-US" altLang="zh-CN" dirty="0"/>
+              <a:t> </a:t>
+            </a:r>
+            <a:r>
+              <a:rPr lang="en-US" altLang="zh-CN" dirty="0" err="1" smtClean="0"/>
+              <a:t>depthconfig</a:t>
+            </a:r>
+            <a:r>
+              <a:rPr lang="en-US" altLang="zh-CN" dirty="0" smtClean="0"/>
+              <a:t> </a:t>
+            </a:r>
+            <a:r>
+              <a:rPr lang="en-US" altLang="zh-CN" dirty="0"/>
+              <a:t>(multiple –R when multiple populations were used, omit when calculate </a:t>
+            </a:r>
+            <a:r>
+              <a:rPr lang="en-US" altLang="zh-CN" dirty="0" err="1" smtClean="0"/>
+              <a:t>Hp</a:t>
+            </a:r>
+            <a:r>
+              <a:rPr lang="en-US" altLang="zh-CN" dirty="0" smtClean="0"/>
+              <a:t>)</a:t>
+            </a:r>
+          </a:p>
+          <a:p>
+            <a:r>
+              <a:rPr lang="en-US" altLang="zh-CN" dirty="0" smtClean="0"/>
+              <a:t>-</a:t>
+            </a:r>
+            <a:r>
+              <a:rPr lang="en-US" altLang="zh-CN" dirty="0"/>
+              <a:t>R </a:t>
+            </a:r>
+            <a:r>
+              <a:rPr lang="en-US" altLang="zh-CN" dirty="0" err="1" smtClean="0"/>
+              <a:t>refpopvcf</a:t>
+            </a:r>
+            <a:r>
+              <a:rPr lang="en-US" altLang="zh-CN" dirty="0" smtClean="0"/>
+              <a:t> </a:t>
+            </a:r>
+            <a:r>
+              <a:rPr lang="en-US" altLang="zh-CN" dirty="0" err="1" smtClean="0"/>
+              <a:t>depthconfig</a:t>
+            </a:r>
+            <a:r>
+              <a:rPr lang="en-US" altLang="zh-CN" dirty="0" smtClean="0"/>
+              <a:t> (multiple)</a:t>
+            </a:r>
+            <a:endParaRPr lang="en-US" altLang="zh-CN" dirty="0"/>
+          </a:p>
+          <a:p>
+            <a:r>
+              <a:rPr lang="en-US" altLang="zh-CN" dirty="0" smtClean="0"/>
+              <a:t>-t </a:t>
+            </a:r>
+            <a:r>
+              <a:rPr lang="en-US" altLang="zh-CN" dirty="0" err="1" smtClean="0"/>
+              <a:t>toplevel_snp_table</a:t>
+            </a:r>
+            <a:r>
+              <a:rPr lang="en-US" altLang="zh-CN" dirty="0" smtClean="0"/>
+              <a:t> (to know ancestral allele and context bases)</a:t>
+            </a:r>
+          </a:p>
+          <a:p>
+            <a:r>
+              <a:rPr lang="en-US" altLang="zh-CN" dirty="0" smtClean="0"/>
+              <a:t>-c/-b multiple chromosome list or bed like file ( -c or –b only one is needed)</a:t>
+            </a:r>
+          </a:p>
+          <a:p>
+            <a:r>
+              <a:rPr lang="en-US" altLang="zh-CN" dirty="0" smtClean="0"/>
+              <a:t>-p type of signal (early, </a:t>
+            </a:r>
+            <a:r>
+              <a:rPr lang="en-US" altLang="zh-CN" dirty="0" err="1" smtClean="0"/>
+              <a:t>hp</a:t>
+            </a:r>
+            <a:r>
+              <a:rPr lang="en-US" altLang="zh-CN" dirty="0" smtClean="0"/>
+              <a:t>, </a:t>
+            </a:r>
+            <a:r>
+              <a:rPr lang="en-US" altLang="zh-CN" dirty="0" err="1" smtClean="0"/>
+              <a:t>Fst</a:t>
+            </a:r>
+            <a:r>
+              <a:rPr lang="en-US" altLang="zh-CN" dirty="0" smtClean="0"/>
+              <a:t>)</a:t>
+            </a:r>
+          </a:p>
+          <a:p>
+            <a:r>
+              <a:rPr lang="en-US" altLang="zh-CN" dirty="0" smtClean="0"/>
+              <a:t>-C </a:t>
+            </a:r>
+            <a:r>
+              <a:rPr lang="en-US" altLang="zh-CN" dirty="0" err="1" smtClean="0"/>
+              <a:t>freq_correlation</a:t>
+            </a:r>
+            <a:r>
+              <a:rPr lang="en-US" altLang="zh-CN" dirty="0"/>
+              <a:t> </a:t>
+            </a:r>
+            <a:r>
+              <a:rPr lang="en-US" altLang="zh-CN" dirty="0" smtClean="0"/>
+              <a:t>file ,for “early” only</a:t>
+            </a:r>
+          </a:p>
+          <a:p>
+            <a:r>
+              <a:rPr lang="en-US" altLang="zh-CN" dirty="0" smtClean="0"/>
+              <a:t>-n number of individuals , for “early” only. Decide to </a:t>
+            </a:r>
+            <a:r>
+              <a:rPr lang="en-US" altLang="zh-CN" dirty="0" err="1" smtClean="0"/>
+              <a:t>divid</a:t>
+            </a:r>
+            <a:r>
+              <a:rPr lang="en-US" altLang="zh-CN" dirty="0" smtClean="0"/>
+              <a:t> frequency in to how many bins</a:t>
+            </a:r>
+          </a:p>
+          <a:p>
+            <a:r>
+              <a:rPr lang="en-US" altLang="zh-CN" dirty="0" smtClean="0"/>
+              <a:t>-1 frequency correlation calculate slaver </a:t>
+            </a:r>
+            <a:r>
+              <a:rPr lang="en-US" altLang="zh-CN" dirty="0" err="1" smtClean="0"/>
+              <a:t>programm</a:t>
+            </a:r>
+            <a:r>
+              <a:rPr lang="en-US" altLang="zh-CN" dirty="0" smtClean="0"/>
+              <a:t> name</a:t>
+            </a:r>
+          </a:p>
+          <a:p>
+            <a:r>
+              <a:rPr lang="en-US" altLang="zh-CN" dirty="0" smtClean="0"/>
+              <a:t>-2 slaver that slide window to calculate signal</a:t>
+            </a:r>
+          </a:p>
+          <a:p>
+            <a:r>
+              <a:rPr lang="en-US" altLang="zh-CN" dirty="0" smtClean="0"/>
+              <a:t>-w window size</a:t>
+            </a:r>
+          </a:p>
+          <a:p>
+            <a:r>
+              <a:rPr lang="en-US" altLang="zh-CN" dirty="0" smtClean="0"/>
+              <a:t>-s slide steps</a:t>
+            </a:r>
+          </a:p>
+        </p:txBody>
+      </p:sp>
+      <p:sp>
+        <p:nvSpPr>
+          <p:cNvPr id="7" name="右大括号 6"/>
+          <p:cNvSpPr/>
+          <p:nvPr/>
+        </p:nvSpPr>
+        <p:spPr>
+          <a:xfrm>
+            <a:off x="3059832" y="1628801"/>
+            <a:ext cx="432048" cy="3612018"/>
+          </a:xfrm>
+          <a:prstGeom prst="rightBrace">
+            <a:avLst>
+              <a:gd name="adj1" fmla="val 8333"/>
+              <a:gd name="adj2" fmla="val 36699"/>
+            </a:avLst>
+          </a:prstGeom>
+        </p:spPr>
+        <p:style>
+          <a:lnRef idx="1">
+            <a:schemeClr val="accent1"/>
+          </a:lnRef>
+          <a:fillRef idx="0">
+            <a:schemeClr val="accent1"/>
+          </a:fillRef>
+          <a:effectRef idx="0">
+            <a:schemeClr val="accent1"/>
+          </a:effectRef>
+          <a:fontRef idx="minor">
+            <a:schemeClr val="tx1"/>
+          </a:fontRef>
+        </p:style>
+        <p:txBody>
+          <a:bodyPr rtlCol="0" anchor="ctr"/>
+          <a:lstStyle/>
+          <a:p>
+            <a:pPr algn="ctr"/>
+            <a:endParaRPr lang="zh-CN" altLang="en-US"/>
+          </a:p>
+        </p:txBody>
+      </p:sp>
+      <p:sp>
+        <p:nvSpPr>
+          <p:cNvPr id="8" name="右箭头 7"/>
+          <p:cNvSpPr/>
+          <p:nvPr/>
+        </p:nvSpPr>
+        <p:spPr>
+          <a:xfrm>
+            <a:off x="5809999" y="2899396"/>
+            <a:ext cx="638092" cy="108012"/>
+          </a:xfrm>
+          <a:prstGeom prst="rightArrow">
+            <a:avLst/>
+          </a:prstGeom>
+        </p:spPr>
+        <p:style>
+          <a:lnRef idx="2">
+            <a:schemeClr val="accent1">
+              <a:shade val="50000"/>
+            </a:schemeClr>
+          </a:lnRef>
+          <a:fillRef idx="1">
+            <a:schemeClr val="accent1"/>
+          </a:fillRef>
+          <a:effectRef idx="0">
+            <a:schemeClr val="accent1"/>
+          </a:effectRef>
+          <a:fontRef idx="minor">
+            <a:schemeClr val="lt1"/>
+          </a:fontRef>
+        </p:style>
+        <p:txBody>
+          <a:bodyPr rtlCol="0" anchor="ctr"/>
+          <a:lstStyle/>
+          <a:p>
+            <a:pPr algn="ctr"/>
+            <a:endParaRPr lang="zh-CN" altLang="en-US"/>
+          </a:p>
+        </p:txBody>
+      </p:sp>
+      <p:sp>
+        <p:nvSpPr>
+          <p:cNvPr id="9" name="右箭头 8"/>
+          <p:cNvSpPr/>
+          <p:nvPr/>
+        </p:nvSpPr>
+        <p:spPr>
+          <a:xfrm>
+            <a:off x="3534989" y="2899396"/>
+            <a:ext cx="539552" cy="108012"/>
+          </a:xfrm>
+          <a:prstGeom prst="rightArrow">
+            <a:avLst/>
+          </a:prstGeom>
+        </p:spPr>
+        <p:style>
+          <a:lnRef idx="2">
+            <a:schemeClr val="accent1">
+              <a:shade val="50000"/>
+            </a:schemeClr>
+          </a:lnRef>
+          <a:fillRef idx="1">
+            <a:schemeClr val="accent1"/>
+          </a:fillRef>
+          <a:effectRef idx="0">
+            <a:schemeClr val="accent1"/>
+          </a:effectRef>
+          <a:fontRef idx="minor">
+            <a:schemeClr val="lt1"/>
+          </a:fontRef>
+        </p:style>
+        <p:txBody>
+          <a:bodyPr rtlCol="0" anchor="ctr"/>
+          <a:lstStyle/>
+          <a:p>
+            <a:pPr algn="ctr"/>
+            <a:endParaRPr lang="zh-CN" altLang="en-US"/>
+          </a:p>
+        </p:txBody>
+      </p:sp>
+      <p:sp>
+        <p:nvSpPr>
+          <p:cNvPr id="10" name="TextBox 9"/>
+          <p:cNvSpPr txBox="1"/>
+          <p:nvPr/>
+        </p:nvSpPr>
+        <p:spPr>
+          <a:xfrm>
+            <a:off x="3275856" y="2539356"/>
+            <a:ext cx="798685" cy="369332"/>
+          </a:xfrm>
+          <a:prstGeom prst="rect">
+            <a:avLst/>
+          </a:prstGeom>
+          <a:noFill/>
+        </p:spPr>
+        <p:txBody>
+          <a:bodyPr wrap="square" rtlCol="0">
+            <a:spAutoFit/>
+          </a:bodyPr>
+          <a:lstStyle/>
+          <a:p>
+            <a:r>
+              <a:rPr lang="en-US" altLang="zh-CN" dirty="0" smtClean="0"/>
+              <a:t>input</a:t>
+            </a:r>
+            <a:endParaRPr lang="zh-CN" altLang="en-US" dirty="0"/>
+          </a:p>
+        </p:txBody>
+      </p:sp>
+      <p:sp>
+        <p:nvSpPr>
+          <p:cNvPr id="11" name="TextBox 10"/>
+          <p:cNvSpPr txBox="1"/>
+          <p:nvPr/>
+        </p:nvSpPr>
+        <p:spPr>
+          <a:xfrm>
+            <a:off x="6907224" y="2576230"/>
+            <a:ext cx="2232248" cy="646331"/>
+          </a:xfrm>
+          <a:prstGeom prst="rect">
+            <a:avLst/>
+          </a:prstGeom>
+          <a:noFill/>
+        </p:spPr>
+        <p:txBody>
+          <a:bodyPr wrap="square" rtlCol="0">
+            <a:spAutoFit/>
+          </a:bodyPr>
+          <a:lstStyle/>
+          <a:p>
+            <a:r>
+              <a:rPr lang="en-US" altLang="zh-CN" dirty="0" err="1" smtClean="0"/>
+              <a:t>winfile</a:t>
+            </a:r>
+            <a:endParaRPr lang="en-US" altLang="zh-CN" dirty="0" smtClean="0"/>
+          </a:p>
+          <a:p>
+            <a:r>
+              <a:rPr lang="en-US" altLang="zh-CN" dirty="0"/>
+              <a:t>(</a:t>
+            </a:r>
+            <a:r>
+              <a:rPr lang="en-US" altLang="zh-CN" dirty="0" err="1" smtClean="0"/>
+              <a:t>freq_correlation</a:t>
+            </a:r>
+            <a:r>
+              <a:rPr lang="en-US" altLang="zh-CN" dirty="0" smtClean="0"/>
+              <a:t>  file)</a:t>
+            </a:r>
+          </a:p>
+        </p:txBody>
+      </p:sp>
+      <p:sp>
+        <p:nvSpPr>
+          <p:cNvPr id="12" name="TextBox 11"/>
+          <p:cNvSpPr txBox="1"/>
+          <p:nvPr/>
+        </p:nvSpPr>
+        <p:spPr>
+          <a:xfrm>
+            <a:off x="5802733" y="2564904"/>
+            <a:ext cx="915918" cy="369332"/>
+          </a:xfrm>
+          <a:prstGeom prst="rect">
+            <a:avLst/>
+          </a:prstGeom>
+          <a:noFill/>
+        </p:spPr>
+        <p:txBody>
+          <a:bodyPr wrap="square" rtlCol="0">
+            <a:spAutoFit/>
+          </a:bodyPr>
+          <a:lstStyle/>
+          <a:p>
+            <a:r>
+              <a:rPr lang="en-US" altLang="zh-CN" dirty="0" smtClean="0"/>
+              <a:t>output</a:t>
+            </a:r>
+            <a:endParaRPr lang="zh-CN" altLang="en-US" dirty="0"/>
+          </a:p>
+        </p:txBody>
+      </p:sp>
+      <p:sp>
+        <p:nvSpPr>
+          <p:cNvPr id="13" name="左大括号 12"/>
+          <p:cNvSpPr/>
+          <p:nvPr/>
+        </p:nvSpPr>
+        <p:spPr>
+          <a:xfrm>
+            <a:off x="6530079" y="2060848"/>
+            <a:ext cx="377145" cy="1800200"/>
+          </a:xfrm>
+          <a:prstGeom prst="leftBrace">
+            <a:avLst/>
+          </a:prstGeom>
+        </p:spPr>
+        <p:style>
+          <a:lnRef idx="1">
+            <a:schemeClr val="accent1"/>
+          </a:lnRef>
+          <a:fillRef idx="0">
+            <a:schemeClr val="accent1"/>
+          </a:fillRef>
+          <a:effectRef idx="0">
+            <a:schemeClr val="accent1"/>
+          </a:effectRef>
+          <a:fontRef idx="minor">
+            <a:schemeClr val="tx1"/>
+          </a:fontRef>
+        </p:style>
+        <p:txBody>
+          <a:bodyPr rtlCol="0" anchor="ctr"/>
+          <a:lstStyle/>
+          <a:p>
+            <a:pPr algn="ctr"/>
+            <a:endParaRPr lang="zh-CN" altLang="en-US"/>
+          </a:p>
+        </p:txBody>
+      </p:sp>
+      <p:cxnSp>
+        <p:nvCxnSpPr>
+          <p:cNvPr id="14" name="直接箭头连接符 13"/>
+          <p:cNvCxnSpPr/>
+          <p:nvPr/>
+        </p:nvCxnSpPr>
+        <p:spPr>
+          <a:xfrm flipH="1">
+            <a:off x="3975991" y="3475460"/>
+            <a:ext cx="425450" cy="1396027"/>
+          </a:xfrm>
+          <a:prstGeom prst="straightConnector1">
+            <a:avLst/>
+          </a:prstGeom>
+          <a:ln>
+            <a:tailEnd type="arrow"/>
+          </a:ln>
+        </p:spPr>
+        <p:style>
+          <a:lnRef idx="1">
+            <a:schemeClr val="accent1"/>
+          </a:lnRef>
+          <a:fillRef idx="0">
+            <a:schemeClr val="accent1"/>
+          </a:fillRef>
+          <a:effectRef idx="0">
+            <a:schemeClr val="accent1"/>
+          </a:effectRef>
+          <a:fontRef idx="minor">
+            <a:schemeClr val="tx1"/>
+          </a:fontRef>
+        </p:style>
+      </p:cxnSp>
+      <p:cxnSp>
+        <p:nvCxnSpPr>
+          <p:cNvPr id="15" name="直接箭头连接符 14"/>
+          <p:cNvCxnSpPr/>
+          <p:nvPr/>
+        </p:nvCxnSpPr>
+        <p:spPr>
+          <a:xfrm>
+            <a:off x="4788024" y="3575343"/>
+            <a:ext cx="0" cy="1296144"/>
+          </a:xfrm>
+          <a:prstGeom prst="straightConnector1">
+            <a:avLst/>
+          </a:prstGeom>
+          <a:ln>
+            <a:tailEnd type="arrow"/>
+          </a:ln>
+        </p:spPr>
+        <p:style>
+          <a:lnRef idx="1">
+            <a:schemeClr val="accent1"/>
+          </a:lnRef>
+          <a:fillRef idx="0">
+            <a:schemeClr val="accent1"/>
+          </a:fillRef>
+          <a:effectRef idx="0">
+            <a:schemeClr val="accent1"/>
+          </a:effectRef>
+          <a:fontRef idx="minor">
+            <a:schemeClr val="tx1"/>
+          </a:fontRef>
+        </p:style>
+      </p:cxnSp>
+      <p:cxnSp>
+        <p:nvCxnSpPr>
+          <p:cNvPr id="16" name="直接箭头连接符 15"/>
+          <p:cNvCxnSpPr/>
+          <p:nvPr/>
+        </p:nvCxnSpPr>
+        <p:spPr>
+          <a:xfrm>
+            <a:off x="5249144" y="3575343"/>
+            <a:ext cx="373903" cy="1296144"/>
+          </a:xfrm>
+          <a:prstGeom prst="straightConnector1">
+            <a:avLst/>
+          </a:prstGeom>
+          <a:ln>
+            <a:tailEnd type="arrow"/>
+          </a:ln>
+        </p:spPr>
+        <p:style>
+          <a:lnRef idx="1">
+            <a:schemeClr val="accent1"/>
+          </a:lnRef>
+          <a:fillRef idx="0">
+            <a:schemeClr val="accent1"/>
+          </a:fillRef>
+          <a:effectRef idx="0">
+            <a:schemeClr val="accent1"/>
+          </a:effectRef>
+          <a:fontRef idx="minor">
+            <a:schemeClr val="tx1"/>
+          </a:fontRef>
+        </p:style>
+      </p:cxnSp>
+      <p:sp>
+        <p:nvSpPr>
+          <p:cNvPr id="17" name="TextBox 16"/>
+          <p:cNvSpPr txBox="1"/>
+          <p:nvPr/>
+        </p:nvSpPr>
+        <p:spPr>
+          <a:xfrm>
+            <a:off x="4188716" y="4029457"/>
+            <a:ext cx="1247379" cy="369332"/>
+          </a:xfrm>
+          <a:prstGeom prst="rect">
+            <a:avLst/>
+          </a:prstGeom>
+          <a:noFill/>
+          <a:ln>
+            <a:noFill/>
+          </a:ln>
+        </p:spPr>
+        <p:txBody>
+          <a:bodyPr wrap="square" rtlCol="0">
+            <a:spAutoFit/>
+          </a:bodyPr>
+          <a:lstStyle/>
+          <a:p>
+            <a:r>
+              <a:rPr lang="en-US" altLang="zh-CN" dirty="0" smtClean="0">
+                <a:solidFill>
+                  <a:schemeClr val="tx2">
+                    <a:lumMod val="60000"/>
+                    <a:lumOff val="40000"/>
+                  </a:schemeClr>
+                </a:solidFill>
+              </a:rPr>
+              <a:t>. . .       . . .</a:t>
+            </a:r>
+            <a:endParaRPr lang="zh-CN" altLang="en-US" dirty="0">
+              <a:solidFill>
+                <a:schemeClr val="tx2">
+                  <a:lumMod val="60000"/>
+                  <a:lumOff val="40000"/>
+                </a:schemeClr>
+              </a:solidFill>
+            </a:endParaRPr>
+          </a:p>
+        </p:txBody>
+      </p:sp>
+      <p:sp>
+        <p:nvSpPr>
+          <p:cNvPr id="18" name="TextBox 17"/>
+          <p:cNvSpPr txBox="1"/>
+          <p:nvPr/>
+        </p:nvSpPr>
+        <p:spPr>
+          <a:xfrm>
+            <a:off x="3604795" y="4871487"/>
+            <a:ext cx="651460" cy="369332"/>
+          </a:xfrm>
+          <a:prstGeom prst="rect">
+            <a:avLst/>
+          </a:prstGeom>
+          <a:noFill/>
+        </p:spPr>
+        <p:txBody>
+          <a:bodyPr wrap="none" rtlCol="0">
+            <a:spAutoFit/>
+          </a:bodyPr>
+          <a:lstStyle/>
+          <a:p>
+            <a:r>
+              <a:rPr lang="en-US" altLang="zh-CN" dirty="0" smtClean="0"/>
+              <a:t>slave</a:t>
+            </a:r>
+            <a:endParaRPr lang="zh-CN" altLang="en-US" dirty="0"/>
+          </a:p>
+        </p:txBody>
+      </p:sp>
+      <p:sp>
+        <p:nvSpPr>
+          <p:cNvPr id="19" name="TextBox 18"/>
+          <p:cNvSpPr txBox="1"/>
+          <p:nvPr/>
+        </p:nvSpPr>
+        <p:spPr>
+          <a:xfrm>
+            <a:off x="4462294" y="4871487"/>
+            <a:ext cx="651460" cy="369332"/>
+          </a:xfrm>
+          <a:prstGeom prst="rect">
+            <a:avLst/>
+          </a:prstGeom>
+          <a:noFill/>
+        </p:spPr>
+        <p:txBody>
+          <a:bodyPr wrap="none" rtlCol="0">
+            <a:spAutoFit/>
+          </a:bodyPr>
+          <a:lstStyle/>
+          <a:p>
+            <a:r>
+              <a:rPr lang="en-US" altLang="zh-CN" dirty="0" smtClean="0"/>
+              <a:t>slave</a:t>
+            </a:r>
+            <a:endParaRPr lang="zh-CN" altLang="en-US" dirty="0"/>
+          </a:p>
+        </p:txBody>
+      </p:sp>
+      <p:sp>
+        <p:nvSpPr>
+          <p:cNvPr id="20" name="TextBox 19"/>
+          <p:cNvSpPr txBox="1"/>
+          <p:nvPr/>
+        </p:nvSpPr>
+        <p:spPr>
+          <a:xfrm>
+            <a:off x="5297317" y="4871487"/>
+            <a:ext cx="651460" cy="369332"/>
+          </a:xfrm>
+          <a:prstGeom prst="rect">
+            <a:avLst/>
+          </a:prstGeom>
+          <a:noFill/>
+        </p:spPr>
+        <p:txBody>
+          <a:bodyPr wrap="none" rtlCol="0">
+            <a:spAutoFit/>
+          </a:bodyPr>
+          <a:lstStyle/>
+          <a:p>
+            <a:r>
+              <a:rPr lang="en-US" altLang="zh-CN" dirty="0" smtClean="0"/>
+              <a:t>slave</a:t>
+            </a:r>
+            <a:endParaRPr lang="zh-CN" altLang="en-US" dirty="0"/>
+          </a:p>
+        </p:txBody>
+      </p:sp>
+      <p:sp>
+        <p:nvSpPr>
+          <p:cNvPr id="21" name="左弧形箭头 20"/>
+          <p:cNvSpPr/>
+          <p:nvPr/>
+        </p:nvSpPr>
+        <p:spPr>
+          <a:xfrm rot="11639433">
+            <a:off x="5260879" y="3203804"/>
+            <a:ext cx="860480" cy="2776383"/>
+          </a:xfrm>
+          <a:prstGeom prst="curvedRightArrow">
+            <a:avLst/>
+          </a:prstGeom>
+        </p:spPr>
+        <p:style>
+          <a:lnRef idx="2">
+            <a:schemeClr val="accent1">
+              <a:shade val="50000"/>
+            </a:schemeClr>
+          </a:lnRef>
+          <a:fillRef idx="1">
+            <a:schemeClr val="accent1"/>
+          </a:fillRef>
+          <a:effectRef idx="0">
+            <a:schemeClr val="accent1"/>
+          </a:effectRef>
+          <a:fontRef idx="minor">
+            <a:schemeClr val="lt1"/>
+          </a:fontRef>
+        </p:style>
+        <p:txBody>
+          <a:bodyPr rtlCol="0" anchor="ctr"/>
+          <a:lstStyle/>
+          <a:p>
+            <a:pPr algn="ctr"/>
+            <a:endParaRPr lang="zh-CN" altLang="en-US">
+              <a:solidFill>
+                <a:schemeClr val="tx1"/>
+              </a:solidFill>
+            </a:endParaRPr>
+          </a:p>
+        </p:txBody>
+      </p:sp>
+      <p:cxnSp>
+        <p:nvCxnSpPr>
+          <p:cNvPr id="22" name="直接箭头连接符 21"/>
+          <p:cNvCxnSpPr/>
+          <p:nvPr/>
+        </p:nvCxnSpPr>
+        <p:spPr>
+          <a:xfrm>
+            <a:off x="3930525" y="5240819"/>
+            <a:ext cx="641475" cy="383615"/>
+          </a:xfrm>
+          <a:prstGeom prst="straightConnector1">
+            <a:avLst/>
+          </a:prstGeom>
+          <a:ln>
+            <a:tailEnd type="arrow"/>
+          </a:ln>
+        </p:spPr>
+        <p:style>
+          <a:lnRef idx="1">
+            <a:schemeClr val="accent1"/>
+          </a:lnRef>
+          <a:fillRef idx="0">
+            <a:schemeClr val="accent1"/>
+          </a:fillRef>
+          <a:effectRef idx="0">
+            <a:schemeClr val="accent1"/>
+          </a:effectRef>
+          <a:fontRef idx="minor">
+            <a:schemeClr val="tx1"/>
+          </a:fontRef>
+        </p:style>
+      </p:cxnSp>
+      <p:cxnSp>
+        <p:nvCxnSpPr>
+          <p:cNvPr id="23" name="直接箭头连接符 22"/>
+          <p:cNvCxnSpPr/>
+          <p:nvPr/>
+        </p:nvCxnSpPr>
+        <p:spPr>
+          <a:xfrm>
+            <a:off x="4788024" y="5240819"/>
+            <a:ext cx="0" cy="383615"/>
+          </a:xfrm>
+          <a:prstGeom prst="straightConnector1">
+            <a:avLst/>
+          </a:prstGeom>
+          <a:ln>
+            <a:tailEnd type="arrow"/>
+          </a:ln>
+        </p:spPr>
+        <p:style>
+          <a:lnRef idx="1">
+            <a:schemeClr val="accent1"/>
+          </a:lnRef>
+          <a:fillRef idx="0">
+            <a:schemeClr val="accent1"/>
+          </a:fillRef>
+          <a:effectRef idx="0">
+            <a:schemeClr val="accent1"/>
+          </a:effectRef>
+          <a:fontRef idx="minor">
+            <a:schemeClr val="tx1"/>
+          </a:fontRef>
+        </p:style>
+      </p:cxnSp>
+      <p:cxnSp>
+        <p:nvCxnSpPr>
+          <p:cNvPr id="24" name="直接箭头连接符 23"/>
+          <p:cNvCxnSpPr/>
+          <p:nvPr/>
+        </p:nvCxnSpPr>
+        <p:spPr>
+          <a:xfrm flipH="1">
+            <a:off x="4938637" y="5240819"/>
+            <a:ext cx="621939" cy="383615"/>
+          </a:xfrm>
+          <a:prstGeom prst="straightConnector1">
+            <a:avLst/>
+          </a:prstGeom>
+          <a:ln>
+            <a:tailEnd type="arrow"/>
+          </a:ln>
+        </p:spPr>
+        <p:style>
+          <a:lnRef idx="1">
+            <a:schemeClr val="accent1"/>
+          </a:lnRef>
+          <a:fillRef idx="0">
+            <a:schemeClr val="accent1"/>
+          </a:fillRef>
+          <a:effectRef idx="0">
+            <a:schemeClr val="accent1"/>
+          </a:effectRef>
+          <a:fontRef idx="minor">
+            <a:schemeClr val="tx1"/>
+          </a:fontRef>
+        </p:style>
+      </p:cxnSp>
+      <p:sp>
+        <p:nvSpPr>
+          <p:cNvPr id="25" name="TextBox 24"/>
+          <p:cNvSpPr txBox="1"/>
+          <p:nvPr/>
+        </p:nvSpPr>
+        <p:spPr>
+          <a:xfrm>
+            <a:off x="3230955" y="5733256"/>
+            <a:ext cx="3861325" cy="1200329"/>
+          </a:xfrm>
+          <a:prstGeom prst="rect">
+            <a:avLst/>
+          </a:prstGeom>
+          <a:noFill/>
+        </p:spPr>
+        <p:txBody>
+          <a:bodyPr wrap="square" rtlCol="0">
+            <a:spAutoFit/>
+          </a:bodyPr>
+          <a:lstStyle/>
+          <a:p>
+            <a:r>
+              <a:rPr lang="en-US" altLang="zh-CN" dirty="0" smtClean="0"/>
+              <a:t>Whole genome was divided into multiple chromosomes or scaffolds (-c). And each scaffold was calculated by Slave </a:t>
+            </a:r>
+            <a:r>
+              <a:rPr lang="en-US" altLang="zh-CN" dirty="0" err="1" smtClean="0"/>
+              <a:t>programm</a:t>
+            </a:r>
+            <a:r>
+              <a:rPr lang="en-US" altLang="zh-CN" dirty="0" smtClean="0"/>
+              <a:t> simultaneously. </a:t>
+            </a:r>
+            <a:endParaRPr lang="zh-CN" altLang="en-US" dirty="0"/>
+          </a:p>
+        </p:txBody>
+      </p:sp>
+      <p:cxnSp>
+        <p:nvCxnSpPr>
+          <p:cNvPr id="28" name="直接箭头连接符 27"/>
+          <p:cNvCxnSpPr>
+            <a:stCxn id="30" idx="1"/>
+          </p:cNvCxnSpPr>
+          <p:nvPr/>
+        </p:nvCxnSpPr>
+        <p:spPr>
+          <a:xfrm flipH="1" flipV="1">
+            <a:off x="3014941" y="3861048"/>
+            <a:ext cx="3703710" cy="774090"/>
+          </a:xfrm>
+          <a:prstGeom prst="straightConnector1">
+            <a:avLst/>
+          </a:prstGeom>
+          <a:ln>
+            <a:tailEnd type="arrow"/>
+          </a:ln>
+        </p:spPr>
+        <p:style>
+          <a:lnRef idx="1">
+            <a:schemeClr val="accent1"/>
+          </a:lnRef>
+          <a:fillRef idx="0">
+            <a:schemeClr val="accent1"/>
+          </a:fillRef>
+          <a:effectRef idx="0">
+            <a:schemeClr val="accent1"/>
+          </a:effectRef>
+          <a:fontRef idx="minor">
+            <a:schemeClr val="tx1"/>
+          </a:fontRef>
+        </p:style>
+      </p:cxnSp>
+      <p:sp>
+        <p:nvSpPr>
+          <p:cNvPr id="30" name="TextBox 29"/>
+          <p:cNvSpPr txBox="1"/>
+          <p:nvPr/>
+        </p:nvSpPr>
+        <p:spPr>
+          <a:xfrm>
+            <a:off x="6718651" y="4173473"/>
+            <a:ext cx="2420821" cy="923330"/>
+          </a:xfrm>
+          <a:prstGeom prst="rect">
+            <a:avLst/>
+          </a:prstGeom>
+          <a:noFill/>
+        </p:spPr>
+        <p:txBody>
+          <a:bodyPr wrap="square" rtlCol="0">
+            <a:spAutoFit/>
+          </a:bodyPr>
+          <a:lstStyle/>
+          <a:p>
+            <a:r>
+              <a:rPr lang="en-US" altLang="zh-CN" dirty="0" smtClean="0"/>
+              <a:t>Calculate different population parameters in each window</a:t>
+            </a:r>
+            <a:endParaRPr lang="zh-CN" altLang="en-US" dirty="0"/>
+          </a:p>
+        </p:txBody>
+      </p:sp>
     </p:spTree>
     <p:extLst>
       <p:ext uri="{BB962C8B-B14F-4D97-AF65-F5344CB8AC3E}">
-        <p14:creationId xmlns:p14="http://schemas.microsoft.com/office/powerpoint/2010/main" val="1538647101"/>
+        <p14:creationId xmlns:p14="http://schemas.microsoft.com/office/powerpoint/2010/main" val="3455380252"/>
       </p:ext>
     </p:extLst>
   </p:cSld>
@@ -4981,80 +4732,476 @@
             <p:ph type="title"/>
           </p:nvPr>
         </p:nvSpPr>
-        <p:spPr>
-          <a:xfrm>
-            <a:off x="457200" y="274638"/>
-            <a:ext cx="8229600" cy="922114"/>
-          </a:xfrm>
-        </p:spPr>
-        <p:txBody>
-          <a:bodyPr>
-            <a:normAutofit/>
-          </a:bodyPr>
-          <a:lstStyle/>
-          <a:p>
-            <a:r>
-              <a:rPr lang="en-US" altLang="zh-CN" sz="3200" dirty="0" smtClean="0"/>
-              <a:t>-T/-R </a:t>
-            </a:r>
-            <a:r>
-              <a:rPr lang="en-US" altLang="zh-CN" sz="3200" dirty="0" err="1" smtClean="0"/>
-              <a:t>mallard.VCFBAMconfig</a:t>
-            </a:r>
-            <a:r>
-              <a:rPr lang="en-US" altLang="zh-CN" sz="3200" dirty="0" smtClean="0"/>
-              <a:t>  file</a:t>
-            </a:r>
-            <a:endParaRPr lang="zh-CN" altLang="en-US" sz="3200" dirty="0"/>
-          </a:p>
-        </p:txBody>
-      </p:sp>
-      <p:pic>
-        <p:nvPicPr>
-          <p:cNvPr id="6" name="内容占位符 5"/>
-          <p:cNvPicPr>
-            <a:picLocks noGrp="1" noChangeAspect="1"/>
-          </p:cNvPicPr>
+        <p:spPr/>
+        <p:txBody>
+          <a:bodyPr/>
+          <a:lstStyle/>
+          <a:p>
+            <a:r>
+              <a:rPr lang="en-US" altLang="zh-CN" sz="4000" dirty="0" smtClean="0"/>
+              <a:t>usage</a:t>
+            </a:r>
+            <a:endParaRPr lang="zh-CN" altLang="en-US" sz="4000" dirty="0"/>
+          </a:p>
+        </p:txBody>
+      </p:sp>
+      <p:sp>
+        <p:nvSpPr>
+          <p:cNvPr id="3" name="内容占位符 2"/>
+          <p:cNvSpPr>
+            <a:spLocks noGrp="1"/>
+          </p:cNvSpPr>
           <p:nvPr>
             <p:ph idx="1"/>
           </p:nvPr>
-        </p:nvPicPr>
-        <p:blipFill>
-          <a:blip r:embed="rId2">
-            <a:extLst>
-              <a:ext uri="{28A0092B-C50C-407E-A947-70E740481C1C}">
-                <a14:useLocalDpi xmlns:a14="http://schemas.microsoft.com/office/drawing/2010/main" val="0"/>
-              </a:ext>
-            </a:extLst>
-          </a:blip>
-          <a:stretch>
-            <a:fillRect/>
-          </a:stretch>
-        </p:blipFill>
-        <p:spPr>
-          <a:xfrm>
-            <a:off x="611560" y="1268760"/>
-            <a:ext cx="7800975" cy="2924175"/>
-          </a:xfrm>
-        </p:spPr>
-      </p:pic>
-      <p:cxnSp>
-        <p:nvCxnSpPr>
-          <p:cNvPr id="9" name="直接箭头连接符 8"/>
-          <p:cNvCxnSpPr/>
-          <p:nvPr/>
-        </p:nvCxnSpPr>
-        <p:spPr>
-          <a:xfrm>
-            <a:off x="1296144" y="3814936"/>
-            <a:ext cx="0" cy="838200"/>
-          </a:xfrm>
-          <a:prstGeom prst="straightConnector1">
-            <a:avLst/>
-          </a:prstGeom>
-          <a:ln>
-            <a:tailEnd type="arrow"/>
-          </a:ln>
+        </p:nvSpPr>
+        <p:spPr/>
+        <p:txBody>
+          <a:bodyPr>
+            <a:noAutofit/>
+          </a:bodyPr>
+          <a:lstStyle/>
+          <a:p>
+            <a:r>
+              <a:rPr lang="en-US" altLang="zh-CN" sz="1800" dirty="0" smtClean="0"/>
+              <a:t>Python-3.3.3/python life/src/NGS/Analysis/</a:t>
+            </a:r>
+            <a:r>
+              <a:rPr lang="en-US" altLang="zh-CN" sz="1800" dirty="0"/>
+              <a:t>Detectsignalacrossgenome_master.</a:t>
+            </a:r>
+            <a:r>
+              <a:rPr lang="en-US" altLang="zh-CN" sz="1800" dirty="0" smtClean="0"/>
+              <a:t>py </a:t>
+            </a:r>
+            <a:r>
+              <a:rPr lang="en-US" altLang="zh-CN" sz="1800" b="1" dirty="0"/>
+              <a:t>-o </a:t>
+            </a:r>
+            <a:r>
+              <a:rPr lang="en-US" altLang="zh-CN" sz="1800" dirty="0"/>
+              <a:t>/</a:t>
+            </a:r>
+            <a:r>
+              <a:rPr lang="en-US" altLang="zh-CN" sz="1800" dirty="0" smtClean="0"/>
+              <a:t>home/</a:t>
+            </a:r>
+            <a:r>
+              <a:rPr lang="en-US" altLang="zh-CN" sz="1800" dirty="0" err="1" smtClean="0"/>
+              <a:t>bioinfo</a:t>
+            </a:r>
+            <a:r>
+              <a:rPr lang="en-US" altLang="zh-CN" sz="1800" dirty="0" smtClean="0"/>
+              <a:t>/</a:t>
+            </a:r>
+            <a:r>
+              <a:rPr lang="en-US" altLang="zh-CN" sz="1800" dirty="0" err="1" smtClean="0"/>
+              <a:t>liurui</a:t>
+            </a:r>
+            <a:r>
+              <a:rPr lang="en-US" altLang="zh-CN" sz="1800" dirty="0" smtClean="0"/>
+              <a:t>/data/</a:t>
+            </a:r>
+            <a:r>
+              <a:rPr lang="en-US" altLang="zh-CN" sz="1800" dirty="0" err="1" smtClean="0"/>
+              <a:t>detectselection</a:t>
+            </a:r>
+            <a:r>
+              <a:rPr lang="en-US" altLang="zh-CN" sz="1800" dirty="0" smtClean="0"/>
+              <a:t>/</a:t>
+            </a:r>
+            <a:r>
+              <a:rPr lang="en-US" altLang="zh-CN" sz="1800" dirty="0" err="1" smtClean="0"/>
+              <a:t>uniqmap</a:t>
+            </a:r>
+            <a:r>
+              <a:rPr lang="en-US" altLang="zh-CN" sz="1800" dirty="0" smtClean="0"/>
+              <a:t>/</a:t>
+            </a:r>
+            <a:r>
+              <a:rPr lang="en-US" altLang="zh-CN" sz="1800" dirty="0" err="1" smtClean="0"/>
+              <a:t>earlystageselectivesweep</a:t>
+            </a:r>
+            <a:r>
+              <a:rPr lang="en-US" altLang="zh-CN" sz="1800" dirty="0" smtClean="0"/>
+              <a:t>/</a:t>
+            </a:r>
+            <a:r>
+              <a:rPr lang="en-US" altLang="zh-CN" sz="1800" dirty="0" err="1" smtClean="0"/>
+              <a:t>finaleditionfromproducetoslidwin</a:t>
+            </a:r>
+            <a:r>
+              <a:rPr lang="en-US" altLang="zh-CN" sz="1800" dirty="0" smtClean="0"/>
+              <a:t>  </a:t>
+            </a:r>
+            <a:r>
+              <a:rPr lang="en-US" altLang="zh-CN" sz="1800" b="1" dirty="0" smtClean="0"/>
+              <a:t>-</a:t>
+            </a:r>
+            <a:r>
+              <a:rPr lang="en-US" altLang="zh-CN" sz="1800" b="1" dirty="0"/>
+              <a:t>n</a:t>
+            </a:r>
+            <a:r>
+              <a:rPr lang="en-US" altLang="zh-CN" sz="1800" dirty="0"/>
+              <a:t> 14  -t mspsgjlksy10pop_toplevel_pekingduckref </a:t>
+            </a:r>
+            <a:r>
+              <a:rPr lang="en-US" altLang="zh-CN" sz="1800" b="1" dirty="0"/>
+              <a:t>-T </a:t>
+            </a:r>
+            <a:r>
+              <a:rPr lang="en-US" altLang="zh-CN" sz="1800" dirty="0" err="1" smtClean="0"/>
+              <a:t>mallard.VCFBAMconfig</a:t>
+            </a:r>
+            <a:r>
+              <a:rPr lang="en-US" altLang="zh-CN" sz="1800" dirty="0" smtClean="0"/>
+              <a:t> </a:t>
+            </a:r>
+            <a:r>
+              <a:rPr lang="en-US" altLang="zh-CN" sz="1800" b="1" dirty="0"/>
+              <a:t>-T </a:t>
+            </a:r>
+            <a:r>
+              <a:rPr lang="en-US" altLang="zh-CN" sz="1800" dirty="0" err="1" smtClean="0"/>
+              <a:t>spotbilled.VCFBAMconfig</a:t>
+            </a:r>
+            <a:r>
+              <a:rPr lang="en-US" altLang="zh-CN" sz="1800" dirty="0" smtClean="0"/>
+              <a:t> </a:t>
+            </a:r>
+            <a:r>
+              <a:rPr lang="en-US" altLang="zh-CN" sz="1800" b="1" dirty="0"/>
+              <a:t>-R</a:t>
+            </a:r>
+            <a:r>
+              <a:rPr lang="en-US" altLang="zh-CN" sz="1800" dirty="0"/>
+              <a:t> </a:t>
+            </a:r>
+            <a:r>
+              <a:rPr lang="en-US" altLang="zh-CN" sz="1800" dirty="0" err="1" smtClean="0"/>
+              <a:t>gaoyou.VCFBAMconfig</a:t>
+            </a:r>
+            <a:r>
+              <a:rPr lang="en-US" altLang="zh-CN" sz="1800" dirty="0" smtClean="0"/>
+              <a:t> </a:t>
+            </a:r>
+            <a:r>
+              <a:rPr lang="en-US" altLang="zh-CN" sz="1800" b="1" dirty="0"/>
+              <a:t>-R</a:t>
+            </a:r>
+            <a:r>
+              <a:rPr lang="en-US" altLang="zh-CN" sz="1800" dirty="0"/>
+              <a:t> </a:t>
+            </a:r>
+            <a:r>
+              <a:rPr lang="en-US" altLang="zh-CN" sz="1800" dirty="0" err="1" smtClean="0"/>
+              <a:t>lianchengbai.VCFBAMconfig</a:t>
+            </a:r>
+            <a:r>
+              <a:rPr lang="en-US" altLang="zh-CN" sz="1800" dirty="0" smtClean="0"/>
+              <a:t> </a:t>
+            </a:r>
+            <a:r>
+              <a:rPr lang="en-US" altLang="zh-CN" sz="1800" b="1" dirty="0"/>
+              <a:t>-R</a:t>
+            </a:r>
+            <a:r>
+              <a:rPr lang="en-US" altLang="zh-CN" sz="1800" dirty="0"/>
+              <a:t> </a:t>
+            </a:r>
+            <a:r>
+              <a:rPr lang="en-US" altLang="zh-CN" sz="1800" dirty="0" err="1" smtClean="0"/>
+              <a:t>jinding.VCFBAMconfig</a:t>
+            </a:r>
+            <a:r>
+              <a:rPr lang="en-US" altLang="zh-CN" sz="1800" dirty="0" smtClean="0"/>
+              <a:t> </a:t>
+            </a:r>
+            <a:r>
+              <a:rPr lang="en-US" altLang="zh-CN" sz="1800" b="1" dirty="0"/>
+              <a:t>-R</a:t>
+            </a:r>
+            <a:r>
+              <a:rPr lang="en-US" altLang="zh-CN" sz="1800" dirty="0"/>
+              <a:t> </a:t>
+            </a:r>
+            <a:r>
+              <a:rPr lang="en-US" altLang="zh-CN" sz="1800" dirty="0" err="1" smtClean="0"/>
+              <a:t>campbell.VCFBAMconfig</a:t>
+            </a:r>
+            <a:r>
+              <a:rPr lang="en-US" altLang="zh-CN" sz="1800" dirty="0" smtClean="0"/>
+              <a:t> </a:t>
+            </a:r>
+            <a:r>
+              <a:rPr lang="en-US" altLang="zh-CN" sz="1800" b="1" dirty="0"/>
+              <a:t>-R </a:t>
+            </a:r>
+            <a:r>
+              <a:rPr lang="en-US" altLang="zh-CN" sz="1800" dirty="0" err="1" smtClean="0"/>
+              <a:t>cherryvalley.VCFBAMconfig</a:t>
+            </a:r>
+            <a:r>
+              <a:rPr lang="en-US" altLang="zh-CN" sz="1800" dirty="0" smtClean="0"/>
+              <a:t> </a:t>
+            </a:r>
+            <a:r>
+              <a:rPr lang="en-US" altLang="zh-CN" sz="1800" b="1" dirty="0"/>
+              <a:t>-R</a:t>
+            </a:r>
+            <a:r>
+              <a:rPr lang="en-US" altLang="zh-CN" sz="1800" dirty="0"/>
+              <a:t> </a:t>
+            </a:r>
+            <a:r>
+              <a:rPr lang="en-US" altLang="zh-CN" sz="1800" dirty="0" err="1" smtClean="0"/>
+              <a:t>beijing.VCFBAMconfig</a:t>
+            </a:r>
+            <a:r>
+              <a:rPr lang="en-US" altLang="zh-CN" sz="1800" dirty="0" smtClean="0"/>
+              <a:t> </a:t>
+            </a:r>
+            <a:r>
+              <a:rPr lang="en-US" altLang="zh-CN" sz="1800" b="1" dirty="0" smtClean="0"/>
+              <a:t>-R</a:t>
+            </a:r>
+            <a:r>
+              <a:rPr lang="en-US" altLang="zh-CN" sz="1800" dirty="0" smtClean="0"/>
+              <a:t> </a:t>
+            </a:r>
+            <a:r>
+              <a:rPr lang="en-US" altLang="zh-CN" sz="1800" dirty="0" err="1" smtClean="0"/>
+              <a:t>shaoxing.VCFBAMconfig</a:t>
+            </a:r>
+            <a:r>
+              <a:rPr lang="en-US" altLang="zh-CN" sz="1800" dirty="0" smtClean="0"/>
+              <a:t> </a:t>
+            </a:r>
+            <a:r>
+              <a:rPr lang="en-US" altLang="zh-CN" sz="1800" b="1" dirty="0"/>
+              <a:t>-R</a:t>
+            </a:r>
+            <a:r>
+              <a:rPr lang="en-US" altLang="zh-CN" sz="1800" dirty="0"/>
+              <a:t> </a:t>
+            </a:r>
+            <a:r>
+              <a:rPr lang="en-US" altLang="zh-CN" sz="1800" dirty="0" err="1" smtClean="0"/>
+              <a:t>shanma.VCFBAMconfig</a:t>
+            </a:r>
+            <a:r>
+              <a:rPr lang="en-US" altLang="zh-CN" sz="1800" dirty="0" smtClean="0"/>
+              <a:t> </a:t>
+            </a:r>
+            <a:r>
+              <a:rPr lang="en-US" altLang="zh-CN" sz="1800" b="1" dirty="0"/>
+              <a:t>-w</a:t>
+            </a:r>
+            <a:r>
+              <a:rPr lang="en-US" altLang="zh-CN" sz="1800" dirty="0"/>
+              <a:t> 20000 </a:t>
+            </a:r>
+            <a:r>
+              <a:rPr lang="en-US" altLang="zh-CN" sz="1800" b="1" dirty="0"/>
+              <a:t>-s</a:t>
+            </a:r>
+            <a:r>
+              <a:rPr lang="en-US" altLang="zh-CN" sz="1800" dirty="0"/>
+              <a:t> 10000 </a:t>
+            </a:r>
+            <a:r>
+              <a:rPr lang="en-US" altLang="zh-CN" sz="1800" b="1" dirty="0"/>
+              <a:t>-c</a:t>
+            </a:r>
+            <a:r>
+              <a:rPr lang="en-US" altLang="zh-CN" sz="1800" dirty="0"/>
+              <a:t> </a:t>
+            </a:r>
+            <a:r>
+              <a:rPr lang="en-US" altLang="zh-CN" sz="1800" dirty="0" smtClean="0"/>
+              <a:t>pekingduckchrominfo.autosomescaffolds_1  </a:t>
+            </a:r>
+            <a:r>
+              <a:rPr lang="en-US" altLang="zh-CN" sz="1800" dirty="0"/>
+              <a:t>-</a:t>
+            </a:r>
+            <a:r>
+              <a:rPr lang="en-US" altLang="zh-CN" sz="1800" b="1" dirty="0"/>
+              <a:t>c</a:t>
+            </a:r>
+            <a:r>
+              <a:rPr lang="en-US" altLang="zh-CN" sz="1800" dirty="0"/>
+              <a:t> </a:t>
+            </a:r>
+            <a:r>
+              <a:rPr lang="en-US" altLang="zh-CN" sz="1800" dirty="0" smtClean="0"/>
+              <a:t>pekingduckchrominfo.autosomescaffolds_2  -</a:t>
+            </a:r>
+            <a:r>
+              <a:rPr lang="en-US" altLang="zh-CN" sz="1800" b="1" dirty="0"/>
+              <a:t>c</a:t>
+            </a:r>
+            <a:r>
+              <a:rPr lang="en-US" altLang="zh-CN" sz="1800" dirty="0"/>
+              <a:t> </a:t>
+            </a:r>
+            <a:r>
+              <a:rPr lang="en-US" altLang="zh-CN" sz="1800" dirty="0" smtClean="0"/>
+              <a:t>pekingduckchrominfo.autosomescaffolds_3   -</a:t>
+            </a:r>
+            <a:r>
+              <a:rPr lang="en-US" altLang="zh-CN" sz="1800" b="1" dirty="0"/>
+              <a:t>c</a:t>
+            </a:r>
+            <a:r>
+              <a:rPr lang="en-US" altLang="zh-CN" sz="1800" dirty="0"/>
+              <a:t> </a:t>
+            </a:r>
+            <a:r>
+              <a:rPr lang="en-US" altLang="zh-CN" sz="1800" dirty="0" smtClean="0"/>
+              <a:t>pekingduckchrominfo.autosomescaffolds_4  -</a:t>
+            </a:r>
+            <a:r>
+              <a:rPr lang="en-US" altLang="zh-CN" sz="1800" b="1" dirty="0"/>
+              <a:t>c</a:t>
+            </a:r>
+            <a:r>
+              <a:rPr lang="en-US" altLang="zh-CN" sz="1800" dirty="0"/>
+              <a:t> </a:t>
+            </a:r>
+            <a:r>
+              <a:rPr lang="en-US" altLang="zh-CN" sz="1800" dirty="0" smtClean="0"/>
+              <a:t>pekingduckchrominfo.autosomescaffolds_5   -</a:t>
+            </a:r>
+            <a:r>
+              <a:rPr lang="en-US" altLang="zh-CN" sz="1800" b="1" dirty="0"/>
+              <a:t>c</a:t>
+            </a:r>
+            <a:r>
+              <a:rPr lang="en-US" altLang="zh-CN" sz="1800" dirty="0"/>
+              <a:t> </a:t>
+            </a:r>
+            <a:r>
+              <a:rPr lang="en-US" altLang="zh-CN" sz="1800" dirty="0" smtClean="0"/>
+              <a:t>pekingduckchrominfo.autosomescaffolds_6  </a:t>
+            </a:r>
+            <a:r>
+              <a:rPr lang="en-US" altLang="zh-CN" sz="1800" dirty="0"/>
+              <a:t>-</a:t>
+            </a:r>
+            <a:r>
+              <a:rPr lang="en-US" altLang="zh-CN" sz="1800" b="1" dirty="0"/>
+              <a:t>c</a:t>
+            </a:r>
+            <a:r>
+              <a:rPr lang="en-US" altLang="zh-CN" sz="1800" dirty="0"/>
+              <a:t> </a:t>
+            </a:r>
+            <a:r>
+              <a:rPr lang="en-US" altLang="zh-CN" sz="1800" dirty="0" smtClean="0"/>
+              <a:t>pekingduckchrominfo.autosomescaffolds_7  -</a:t>
+            </a:r>
+            <a:r>
+              <a:rPr lang="en-US" altLang="zh-CN" sz="1800" b="1" dirty="0"/>
+              <a:t>c</a:t>
+            </a:r>
+            <a:r>
+              <a:rPr lang="en-US" altLang="zh-CN" sz="1800" dirty="0"/>
+              <a:t> </a:t>
+            </a:r>
+            <a:r>
+              <a:rPr lang="en-US" altLang="zh-CN" sz="1800" dirty="0" smtClean="0"/>
+              <a:t>pekingduckchrominfo.autosomescaffolds_8  </a:t>
+            </a:r>
+            <a:r>
+              <a:rPr lang="en-US" altLang="zh-CN" sz="1800" b="1" dirty="0"/>
+              <a:t>-1</a:t>
+            </a:r>
+            <a:r>
+              <a:rPr lang="en-US" altLang="zh-CN" sz="1800" dirty="0"/>
+              <a:t> </a:t>
+            </a:r>
+            <a:r>
+              <a:rPr lang="en-US" altLang="zh-CN" sz="1800" dirty="0" smtClean="0"/>
+              <a:t>life/src/NGS/Slave/Detectsignalacrossgenome_producecorrelation_slave.py </a:t>
+            </a:r>
+            <a:r>
+              <a:rPr lang="en-US" altLang="zh-CN" sz="1800" dirty="0"/>
+              <a:t>-</a:t>
+            </a:r>
+            <a:r>
+              <a:rPr lang="en-US" altLang="zh-CN" sz="1800" b="1" dirty="0"/>
+              <a:t>2</a:t>
+            </a:r>
+            <a:r>
+              <a:rPr lang="en-US" altLang="zh-CN" sz="1800" dirty="0"/>
+              <a:t> life/src/NGS/Slave/Detectsignalacrossgenome_slidewin_slave.py -</a:t>
+            </a:r>
+            <a:r>
+              <a:rPr lang="en-US" altLang="zh-CN" sz="1800" b="1" dirty="0"/>
+              <a:t>p</a:t>
+            </a:r>
+            <a:r>
+              <a:rPr lang="en-US" altLang="zh-CN" sz="1800" dirty="0"/>
+              <a:t> early</a:t>
+            </a:r>
+            <a:endParaRPr lang="zh-CN" altLang="en-US" sz="1800" dirty="0"/>
+          </a:p>
+        </p:txBody>
+      </p:sp>
+      <p:sp>
+        <p:nvSpPr>
+          <p:cNvPr id="5" name="TextBox 4"/>
+          <p:cNvSpPr txBox="1"/>
+          <p:nvPr/>
+        </p:nvSpPr>
+        <p:spPr>
+          <a:xfrm>
+            <a:off x="0" y="0"/>
+            <a:ext cx="9139472" cy="369332"/>
+          </a:xfrm>
+          <a:prstGeom prst="rect">
+            <a:avLst/>
+          </a:prstGeom>
+          <a:noFill/>
+        </p:spPr>
+        <p:txBody>
+          <a:bodyPr wrap="square" rtlCol="0">
+            <a:spAutoFit/>
+          </a:bodyPr>
+          <a:lstStyle/>
+          <a:p>
+            <a:r>
+              <a:rPr lang="en-US" altLang="zh-CN" dirty="0" smtClean="0"/>
+              <a:t>Detect </a:t>
+            </a:r>
+            <a:r>
+              <a:rPr lang="en-US" altLang="zh-CN" dirty="0"/>
+              <a:t>selection </a:t>
+            </a:r>
+            <a:r>
+              <a:rPr lang="en-US" altLang="zh-CN" dirty="0" err="1"/>
+              <a:t>signal:Detectsignalacrossgenome_master.py</a:t>
+            </a:r>
+            <a:endParaRPr lang="zh-CN" altLang="en-US" dirty="0"/>
+          </a:p>
+        </p:txBody>
+      </p:sp>
+      <p:sp>
+        <p:nvSpPr>
+          <p:cNvPr id="4" name="右大括号 3"/>
+          <p:cNvSpPr/>
+          <p:nvPr/>
+        </p:nvSpPr>
+        <p:spPr>
+          <a:xfrm>
+            <a:off x="5436096" y="3789040"/>
+            <a:ext cx="216024" cy="1800200"/>
+          </a:xfrm>
+          <a:prstGeom prst="rightBrace">
+            <a:avLst/>
+          </a:prstGeom>
         </p:spPr>
         <p:style>
           <a:lnRef idx="1">
@@ -5070,17 +5217,25 @@
             <a:schemeClr val="tx1"/>
           </a:fontRef>
         </p:style>
-      </p:cxnSp>
-      <p:sp>
-        <p:nvSpPr>
-          <p:cNvPr id="11" name="TextBox 10"/>
+        <p:txBody>
+          <a:bodyPr rtlCol="0" anchor="ctr"/>
+          <a:lstStyle/>
+          <a:p>
+            <a:pPr algn="ctr"/>
+            <a:endParaRPr lang="zh-CN" altLang="en-US"/>
+          </a:p>
+        </p:txBody>
+      </p:sp>
+      <p:sp>
+        <p:nvSpPr>
+          <p:cNvPr id="6" name="TextBox 5"/>
           <p:cNvSpPr txBox="1"/>
           <p:nvPr/>
         </p:nvSpPr>
         <p:spPr>
           <a:xfrm>
-            <a:off x="683568" y="4869160"/>
-            <a:ext cx="1368152" cy="646331"/>
+            <a:off x="5652120" y="4504474"/>
+            <a:ext cx="3487352" cy="923330"/>
           </a:xfrm>
           <a:prstGeom prst="rect">
             <a:avLst/>
@@ -5095,138 +5250,7 @@
           <a:p>
             <a:r>
               <a:rPr lang="en-US" altLang="zh-CN" dirty="0" smtClean="0"/>
-              <a:t>Population </a:t>
-            </a:r>
-            <a:r>
-              <a:rPr lang="en-US" altLang="zh-CN" dirty="0" err="1" smtClean="0"/>
-              <a:t>vcf</a:t>
-            </a:r>
-            <a:r>
-              <a:rPr lang="en-US" altLang="zh-CN" dirty="0" smtClean="0"/>
-              <a:t> file</a:t>
-            </a:r>
-            <a:endParaRPr lang="zh-CN" altLang="en-US" dirty="0"/>
-          </a:p>
-        </p:txBody>
-      </p:sp>
-      <p:cxnSp>
-        <p:nvCxnSpPr>
-          <p:cNvPr id="12" name="直接箭头连接符 11"/>
-          <p:cNvCxnSpPr/>
-          <p:nvPr/>
-        </p:nvCxnSpPr>
-        <p:spPr>
-          <a:xfrm>
-            <a:off x="4932040" y="4026701"/>
-            <a:ext cx="0" cy="838200"/>
-          </a:xfrm>
-          <a:prstGeom prst="straightConnector1">
-            <a:avLst/>
-          </a:prstGeom>
-          <a:ln>
-            <a:tailEnd type="arrow"/>
-          </a:ln>
-        </p:spPr>
-        <p:style>
-          <a:lnRef idx="1">
-            <a:schemeClr val="accent1"/>
-          </a:lnRef>
-          <a:fillRef idx="0">
-            <a:schemeClr val="accent1"/>
-          </a:fillRef>
-          <a:effectRef idx="0">
-            <a:schemeClr val="accent1"/>
-          </a:effectRef>
-          <a:fontRef idx="minor">
-            <a:schemeClr val="tx1"/>
-          </a:fontRef>
-        </p:style>
-      </p:cxnSp>
-      <p:sp>
-        <p:nvSpPr>
-          <p:cNvPr id="14" name="TextBox 13"/>
-          <p:cNvSpPr txBox="1"/>
-          <p:nvPr/>
-        </p:nvSpPr>
-        <p:spPr>
-          <a:xfrm>
-            <a:off x="2771800" y="4869160"/>
-            <a:ext cx="6120680" cy="923330"/>
-          </a:xfrm>
-          <a:prstGeom prst="rect">
-            <a:avLst/>
-          </a:prstGeom>
-          <a:noFill/>
-        </p:spPr>
-        <p:txBody>
-          <a:bodyPr wrap="square" rtlCol="0">
-            <a:spAutoFit/>
-          </a:bodyPr>
-          <a:lstStyle/>
-          <a:p>
-            <a:r>
-              <a:rPr lang="en-US" altLang="zh-CN" dirty="0" smtClean="0"/>
-              <a:t>Bam file list that used to produce </a:t>
-            </a:r>
-            <a:r>
-              <a:rPr lang="en-US" altLang="zh-CN" dirty="0" err="1" smtClean="0"/>
-              <a:t>vcf</a:t>
-            </a:r>
-            <a:r>
-              <a:rPr lang="en-US" altLang="zh-CN" dirty="0" smtClean="0"/>
-              <a:t> file.</a:t>
-            </a:r>
-          </a:p>
-          <a:p>
-            <a:r>
-              <a:rPr lang="en-US" altLang="zh-CN" dirty="0" smtClean="0"/>
-              <a:t>Used to check sites is uncovered or fixed as reference allele </a:t>
-            </a:r>
-            <a:r>
-              <a:rPr lang="en-US" altLang="zh-CN" dirty="0" err="1" smtClean="0"/>
-              <a:t>whhen</a:t>
-            </a:r>
-            <a:r>
-              <a:rPr lang="en-US" altLang="zh-CN" dirty="0" smtClean="0"/>
-              <a:t> multiple populations are used in frequency calculation</a:t>
-            </a:r>
-            <a:endParaRPr lang="zh-CN" altLang="en-US" dirty="0"/>
-          </a:p>
-        </p:txBody>
-      </p:sp>
-      <p:sp>
-        <p:nvSpPr>
-          <p:cNvPr id="15" name="TextBox 14"/>
-          <p:cNvSpPr txBox="1"/>
-          <p:nvPr/>
-        </p:nvSpPr>
-        <p:spPr>
-          <a:xfrm>
-            <a:off x="0" y="0"/>
-            <a:ext cx="9139472" cy="369332"/>
-          </a:xfrm>
-          <a:prstGeom prst="rect">
-            <a:avLst/>
-          </a:prstGeom>
-          <a:noFill/>
-        </p:spPr>
-        <p:txBody>
-          <a:bodyPr wrap="square" rtlCol="0">
-            <a:spAutoFit/>
-          </a:bodyPr>
-          <a:lstStyle/>
-          <a:p>
-            <a:r>
-              <a:rPr lang="en-US" altLang="zh-CN" dirty="0" smtClean="0"/>
-              <a:t>Detect </a:t>
-            </a:r>
-            <a:r>
-              <a:rPr lang="en-US" altLang="zh-CN" dirty="0"/>
-              <a:t>selection </a:t>
-            </a:r>
-            <a:r>
-              <a:rPr lang="en-US" altLang="zh-CN" dirty="0" err="1"/>
-              <a:t>signal:Detectsignalacrossgenome_master.py</a:t>
+              <a:t>Split whole genome into different stretch to calculate in different slave process or machine</a:t>
             </a:r>
             <a:endParaRPr lang="zh-CN" altLang="en-US" dirty="0"/>
           </a:p>
@@ -5235,7 +5259,7 @@
     </p:spTree>
     <p:extLst>
       <p:ext uri="{BB962C8B-B14F-4D97-AF65-F5344CB8AC3E}">
-        <p14:creationId xmlns:p14="http://schemas.microsoft.com/office/powerpoint/2010/main" val="531900783"/>
+        <p14:creationId xmlns:p14="http://schemas.microsoft.com/office/powerpoint/2010/main" val="1538647101"/>
       </p:ext>
     </p:extLst>
   </p:cSld>
@@ -5279,7 +5303,12 @@
             <p:ph type="title"/>
           </p:nvPr>
         </p:nvSpPr>
-        <p:spPr/>
+        <p:spPr>
+          <a:xfrm>
+            <a:off x="457200" y="274638"/>
+            <a:ext cx="8229600" cy="922114"/>
+          </a:xfrm>
+        </p:spPr>
         <p:txBody>
           <a:bodyPr>
             <a:normAutofit/>
@@ -5287,8 +5316,16 @@
           <a:lstStyle/>
           <a:p>
             <a:r>
-              <a:rPr lang="en-US" altLang="zh-CN" sz="3200" dirty="0"/>
-              <a:t>-c pekingduckchrominfo.autosomescaffolds_1</a:t>
+              <a:rPr lang="en-US" altLang="zh-CN" sz="3200" dirty="0" smtClean="0"/>
+              <a:t>-T/-R </a:t>
+            </a:r>
+            <a:r>
+              <a:rPr lang="en-US" altLang="zh-CN" sz="3200" dirty="0" err="1" smtClean="0"/>
+              <a:t>mallard.VCFBAMconfig</a:t>
+            </a:r>
+            <a:r>
+              <a:rPr lang="en-US" altLang="zh-CN" sz="3200" dirty="0" smtClean="0"/>
+              <a:t>  file</a:t>
             </a:r>
             <a:endParaRPr lang="zh-CN" altLang="en-US" sz="3200" dirty="0"/>
           </a:p>
@@ -5296,7 +5333,7 @@
       </p:sp>
       <p:pic>
         <p:nvPicPr>
-          <p:cNvPr id="5" name="内容占位符 4"/>
+          <p:cNvPr id="6" name="内容占位符 5"/>
           <p:cNvPicPr>
             <a:picLocks noGrp="1" noChangeAspect="1"/>
           </p:cNvPicPr>
@@ -5318,59 +5355,21 @@
         </p:blipFill>
         <p:spPr>
           <a:xfrm>
-            <a:off x="959761" y="1484784"/>
-            <a:ext cx="7219950" cy="2466975"/>
+            <a:off x="611560" y="1268760"/>
+            <a:ext cx="7800975" cy="2924175"/>
           </a:xfrm>
         </p:spPr>
       </p:pic>
-      <p:sp>
-        <p:nvSpPr>
-          <p:cNvPr id="4" name="TextBox 3"/>
-          <p:cNvSpPr txBox="1"/>
-          <p:nvPr/>
-        </p:nvSpPr>
-        <p:spPr>
-          <a:xfrm>
-            <a:off x="0" y="0"/>
-            <a:ext cx="9139472" cy="369332"/>
-          </a:xfrm>
-          <a:prstGeom prst="rect">
-            <a:avLst/>
-          </a:prstGeom>
-          <a:noFill/>
-        </p:spPr>
-        <p:txBody>
-          <a:bodyPr wrap="square" rtlCol="0">
-            <a:spAutoFit/>
-          </a:bodyPr>
-          <a:lstStyle/>
-          <a:p>
-            <a:r>
-              <a:rPr lang="en-US" altLang="zh-CN" dirty="0" smtClean="0"/>
-              <a:t>Detect </a:t>
-            </a:r>
-            <a:r>
-              <a:rPr lang="en-US" altLang="zh-CN" dirty="0"/>
-              <a:t>selection </a:t>
-            </a:r>
-            <a:r>
-              <a:rPr lang="en-US" altLang="zh-CN" dirty="0" err="1"/>
-              <a:t>signal:Detectsignalacrossgenome_master.py</a:t>
-            </a:r>
-            <a:endParaRPr lang="zh-CN" altLang="en-US" dirty="0"/>
-          </a:p>
-        </p:txBody>
-      </p:sp>
       <p:cxnSp>
         <p:nvCxnSpPr>
-          <p:cNvPr id="7" name="直接箭头连接符 6"/>
+          <p:cNvPr id="9" name="直接箭头连接符 8"/>
           <p:cNvCxnSpPr/>
           <p:nvPr/>
         </p:nvCxnSpPr>
         <p:spPr>
-          <a:xfrm flipH="1">
-            <a:off x="827584" y="3933056"/>
-            <a:ext cx="360040" cy="936104"/>
+          <a:xfrm>
+            <a:off x="1296144" y="3814936"/>
+            <a:ext cx="0" cy="838200"/>
           </a:xfrm>
           <a:prstGeom prst="straightConnector1">
             <a:avLst/>
@@ -5394,16 +5393,54 @@
           </a:fontRef>
         </p:style>
       </p:cxnSp>
+      <p:sp>
+        <p:nvSpPr>
+          <p:cNvPr id="11" name="TextBox 10"/>
+          <p:cNvSpPr txBox="1"/>
+          <p:nvPr/>
+        </p:nvSpPr>
+        <p:spPr>
+          <a:xfrm>
+            <a:off x="683568" y="4869160"/>
+            <a:ext cx="1368152" cy="646331"/>
+          </a:xfrm>
+          <a:prstGeom prst="rect">
+            <a:avLst/>
+          </a:prstGeom>
+          <a:noFill/>
+        </p:spPr>
+        <p:txBody>
+          <a:bodyPr wrap="square" rtlCol="0">
+            <a:spAutoFit/>
+          </a:bodyPr>
+          <a:lstStyle/>
+          <a:p>
+            <a:r>
+              <a:rPr lang="en-US" altLang="zh-CN" dirty="0" smtClean="0"/>
+              <a:t>Population </a:t>
+            </a:r>
+            <a:r>
+              <a:rPr lang="en-US" altLang="zh-CN" dirty="0" err="1" smtClean="0"/>
+              <a:t>vcf</a:t>
+            </a:r>
+            <a:r>
+              <a:rPr lang="en-US" altLang="zh-CN" dirty="0" smtClean="0"/>
+              <a:t> file</a:t>
+            </a:r>
+            <a:endParaRPr lang="zh-CN" altLang="en-US" dirty="0"/>
+          </a:p>
+        </p:txBody>
+      </p:sp>
       <p:cxnSp>
         <p:nvCxnSpPr>
-          <p:cNvPr id="9" name="直接箭头连接符 8"/>
+          <p:cNvPr id="12" name="直接箭头连接符 11"/>
           <p:cNvCxnSpPr/>
           <p:nvPr/>
         </p:nvCxnSpPr>
         <p:spPr>
           <a:xfrm>
-            <a:off x="2627784" y="3933056"/>
-            <a:ext cx="432048" cy="936104"/>
+            <a:off x="4932040" y="4026701"/>
+            <a:ext cx="0" cy="838200"/>
           </a:xfrm>
           <a:prstGeom prst="straightConnector1">
             <a:avLst/>
@@ -5429,14 +5466,14 @@
       </p:cxnSp>
       <p:sp>
         <p:nvSpPr>
-          <p:cNvPr id="11" name="TextBox 10"/>
+          <p:cNvPr id="14" name="TextBox 13"/>
           <p:cNvSpPr txBox="1"/>
           <p:nvPr/>
         </p:nvSpPr>
         <p:spPr>
           <a:xfrm>
-            <a:off x="323528" y="5013176"/>
-            <a:ext cx="1656184" cy="369332"/>
+            <a:off x="2771800" y="4869160"/>
+            <a:ext cx="6120680" cy="923330"/>
           </a:xfrm>
           <a:prstGeom prst="rect">
             <a:avLst/>
@@ -5451,7 +5488,29 @@
           <a:p>
             <a:r>
               <a:rPr lang="en-US" altLang="zh-CN" dirty="0" smtClean="0"/>
-              <a:t>Scaffold ID</a:t>
+              <a:t>Bam file list that used to produce </a:t>
+            </a:r>
+            <a:r>
+              <a:rPr lang="en-US" altLang="zh-CN" dirty="0" err="1" smtClean="0"/>
+              <a:t>vcf</a:t>
+            </a:r>
+            <a:r>
+              <a:rPr lang="en-US" altLang="zh-CN" dirty="0" smtClean="0"/>
+              <a:t> file.</a:t>
+            </a:r>
+          </a:p>
+          <a:p>
+            <a:r>
+              <a:rPr lang="en-US" altLang="zh-CN" dirty="0" smtClean="0"/>
+              <a:t>Used to check sites is uncovered or fixed as reference allele </a:t>
+            </a:r>
+            <a:r>
+              <a:rPr lang="en-US" altLang="zh-CN" dirty="0" err="1" smtClean="0"/>
+              <a:t>whhen</a:t>
+            </a:r>
+            <a:r>
+              <a:rPr lang="en-US" altLang="zh-CN" dirty="0" smtClean="0"/>
+              <a:t> multiple populations are used in frequency calculation</a:t>
             </a:r>
             <a:endParaRPr lang="zh-CN" altLang="en-US" dirty="0"/>
           </a:p>
@@ -5459,14 +5518,14 @@
       </p:sp>
       <p:sp>
         <p:nvSpPr>
-          <p:cNvPr id="12" name="TextBox 11"/>
+          <p:cNvPr id="15" name="TextBox 14"/>
           <p:cNvSpPr txBox="1"/>
           <p:nvPr/>
         </p:nvSpPr>
         <p:spPr>
           <a:xfrm>
-            <a:off x="2610226" y="5013176"/>
-            <a:ext cx="1656184" cy="369332"/>
+            <a:off x="0" y="0"/>
+            <a:ext cx="9139472" cy="369332"/>
           </a:xfrm>
           <a:prstGeom prst="rect">
             <a:avLst/>
@@ -5481,37 +5540,15 @@
           <a:p>
             <a:r>
               <a:rPr lang="en-US" altLang="zh-CN" dirty="0" smtClean="0"/>
-              <a:t>Scaffold length</a:t>
-            </a:r>
-            <a:endParaRPr lang="zh-CN" altLang="en-US" dirty="0"/>
-          </a:p>
-        </p:txBody>
-      </p:sp>
-      <p:sp>
-        <p:nvSpPr>
-          <p:cNvPr id="13" name="TextBox 12"/>
-          <p:cNvSpPr txBox="1"/>
-          <p:nvPr/>
-        </p:nvSpPr>
-        <p:spPr>
-          <a:xfrm>
-            <a:off x="4932040" y="4401108"/>
-            <a:ext cx="3384376" cy="1477328"/>
-          </a:xfrm>
-          <a:prstGeom prst="rect">
-            <a:avLst/>
-          </a:prstGeom>
-          <a:noFill/>
-        </p:spPr>
-        <p:txBody>
-          <a:bodyPr wrap="square" rtlCol="0">
-            <a:spAutoFit/>
-          </a:bodyPr>
-          <a:lstStyle/>
-          <a:p>
-            <a:r>
-              <a:rPr lang="en-US" altLang="zh-CN" dirty="0" smtClean="0"/>
-              <a:t>In this case , calculation was divided into 8 threads. And all the results from those 8 threads will be merged automatically in the end.</a:t>
+              <a:t>Detect </a:t>
+            </a:r>
+            <a:r>
+              <a:rPr lang="en-US" altLang="zh-CN" dirty="0"/>
+              <a:t>selection </a:t>
+            </a:r>
+            <a:r>
+              <a:rPr lang="en-US" altLang="zh-CN" dirty="0" err="1"/>
+              <a:t>signal:Detectsignalacrossgenome_master.py</a:t>
             </a:r>
             <a:endParaRPr lang="zh-CN" altLang="en-US" dirty="0"/>
           </a:p>
@@ -5520,7 +5557,7 @@
     </p:spTree>
     <p:extLst>
       <p:ext uri="{BB962C8B-B14F-4D97-AF65-F5344CB8AC3E}">
-        <p14:creationId xmlns:p14="http://schemas.microsoft.com/office/powerpoint/2010/main" val="2241269385"/>
+        <p14:creationId xmlns:p14="http://schemas.microsoft.com/office/powerpoint/2010/main" val="531900783"/>
       </p:ext>
     </p:extLst>
   </p:cSld>
@@ -5564,12 +5601,7 @@
             <p:ph type="title"/>
           </p:nvPr>
         </p:nvSpPr>
-        <p:spPr>
-          <a:xfrm>
-            <a:off x="457200" y="116632"/>
-            <a:ext cx="8229600" cy="936104"/>
-          </a:xfrm>
-        </p:spPr>
+        <p:spPr/>
         <p:txBody>
           <a:bodyPr>
             <a:normAutofit/>
@@ -5578,7 +5610,7 @@
           <a:p>
             <a:r>
               <a:rPr lang="en-US" altLang="zh-CN" sz="3200" dirty="0"/>
-              <a:t>-t mspsgjlksy10pop_toplevel_pekingduckref</a:t>
+              <a:t>-c pekingduckchrominfo.autosomescaffolds_1</a:t>
             </a:r>
             <a:endParaRPr lang="zh-CN" altLang="en-US" sz="3200" dirty="0"/>
           </a:p>
@@ -5586,7 +5618,7 @@
       </p:sp>
       <p:pic>
         <p:nvPicPr>
-          <p:cNvPr id="4" name="内容占位符 3"/>
+          <p:cNvPr id="5" name="内容占位符 4"/>
           <p:cNvPicPr>
             <a:picLocks noGrp="1" noChangeAspect="1"/>
           </p:cNvPicPr>
@@ -5608,330 +5640,21 @@
         </p:blipFill>
         <p:spPr>
           <a:xfrm>
-            <a:off x="251520" y="908720"/>
-            <a:ext cx="8572110" cy="2218049"/>
+            <a:off x="959761" y="1484784"/>
+            <a:ext cx="7219950" cy="2466975"/>
           </a:xfrm>
         </p:spPr>
       </p:pic>
       <p:sp>
         <p:nvSpPr>
-          <p:cNvPr id="6" name="矩形 5"/>
-          <p:cNvSpPr/>
-          <p:nvPr/>
-        </p:nvSpPr>
-        <p:spPr>
-          <a:xfrm>
-            <a:off x="-36512" y="3212976"/>
-            <a:ext cx="5701186" cy="3754874"/>
-          </a:xfrm>
-          <a:prstGeom prst="rect">
-            <a:avLst/>
-          </a:prstGeom>
-        </p:spPr>
-        <p:txBody>
-          <a:bodyPr wrap="square">
-            <a:spAutoFit/>
-          </a:bodyPr>
-          <a:lstStyle/>
-          <a:p>
-            <a:r>
-              <a:rPr lang="en-US" altLang="zh-CN" sz="1400" dirty="0" smtClean="0"/>
-              <a:t>CREATE </a:t>
-            </a:r>
-            <a:r>
-              <a:rPr lang="en-US" altLang="zh-CN" sz="1400" dirty="0"/>
-              <a:t>TABLE `mspsgjlksy10pop_toplevel_pekingduckref` (                </a:t>
-            </a:r>
-          </a:p>
-          <a:p>
-            <a:r>
-              <a:rPr lang="en-US" altLang="zh-CN" sz="1400" dirty="0" smtClean="0"/>
-              <a:t>`</a:t>
-            </a:r>
-            <a:r>
-              <a:rPr lang="en-US" altLang="zh-CN" sz="1400" dirty="0" err="1"/>
-              <a:t>chrID</a:t>
-            </a:r>
-            <a:r>
-              <a:rPr lang="en-US" altLang="zh-CN" sz="1400" dirty="0"/>
-              <a:t>` char(128) NOT NULL DEFAULT '',                               </a:t>
-            </a:r>
-          </a:p>
-          <a:p>
-            <a:r>
-              <a:rPr lang="en-US" altLang="zh-CN" sz="1400" dirty="0" smtClean="0"/>
-              <a:t>`</a:t>
-            </a:r>
-            <a:r>
-              <a:rPr lang="en-US" altLang="zh-CN" sz="1400" dirty="0" err="1"/>
-              <a:t>snp_pos</a:t>
-            </a:r>
-            <a:r>
-              <a:rPr lang="en-US" altLang="zh-CN" sz="1400" dirty="0"/>
-              <a:t>` </a:t>
-            </a:r>
-            <a:r>
-              <a:rPr lang="en-US" altLang="zh-CN" sz="1400" dirty="0" err="1"/>
-              <a:t>bigint</a:t>
-            </a:r>
-            <a:r>
-              <a:rPr lang="en-US" altLang="zh-CN" sz="1400" dirty="0"/>
-              <a:t>(20) NOT NULL DEFAULT '0',                           </a:t>
-            </a:r>
-          </a:p>
-          <a:p>
-            <a:r>
-              <a:rPr lang="en-US" altLang="zh-CN" sz="1400" dirty="0" smtClean="0"/>
-              <a:t>`</a:t>
-            </a:r>
-            <a:r>
-              <a:rPr lang="en-US" altLang="zh-CN" sz="1400" dirty="0" err="1"/>
-              <a:t>snpID</a:t>
-            </a:r>
-            <a:r>
-              <a:rPr lang="en-US" altLang="zh-CN" sz="1400" dirty="0"/>
-              <a:t>` char(128) NOT NULL,                                          </a:t>
-            </a:r>
-          </a:p>
-          <a:p>
-            <a:r>
-              <a:rPr lang="en-US" altLang="zh-CN" sz="1400" dirty="0" smtClean="0"/>
-              <a:t>`</a:t>
-            </a:r>
-            <a:r>
-              <a:rPr lang="en-US" altLang="zh-CN" sz="1400" dirty="0" err="1"/>
-              <a:t>ref_base</a:t>
-            </a:r>
-            <a:r>
-              <a:rPr lang="en-US" altLang="zh-CN" sz="1400" dirty="0"/>
-              <a:t>` </a:t>
-            </a:r>
-            <a:r>
-              <a:rPr lang="en-US" altLang="zh-CN" sz="1400" dirty="0" err="1"/>
-              <a:t>varchar</a:t>
-            </a:r>
-            <a:r>
-              <a:rPr lang="en-US" altLang="zh-CN" sz="1400" dirty="0"/>
-              <a:t>(1000) DEFAULT NULL,                               </a:t>
-            </a:r>
-          </a:p>
-          <a:p>
-            <a:r>
-              <a:rPr lang="en-US" altLang="zh-CN" sz="1400" dirty="0" smtClean="0"/>
-              <a:t>`</a:t>
-            </a:r>
-            <a:r>
-              <a:rPr lang="en-US" altLang="zh-CN" sz="1400" dirty="0" err="1"/>
-              <a:t>alt_base</a:t>
-            </a:r>
-            <a:r>
-              <a:rPr lang="en-US" altLang="zh-CN" sz="1400" dirty="0"/>
-              <a:t>` </a:t>
-            </a:r>
-            <a:r>
-              <a:rPr lang="en-US" altLang="zh-CN" sz="1400" dirty="0" err="1"/>
-              <a:t>varchar</a:t>
-            </a:r>
-            <a:r>
-              <a:rPr lang="en-US" altLang="zh-CN" sz="1400" dirty="0"/>
-              <a:t>(1000) DEFAULT NULL,                               </a:t>
-            </a:r>
-          </a:p>
-          <a:p>
-            <a:r>
-              <a:rPr lang="en-US" altLang="zh-CN" sz="1400" dirty="0" smtClean="0"/>
-              <a:t>`</a:t>
-            </a:r>
-            <a:r>
-              <a:rPr lang="en-US" altLang="zh-CN" sz="1400" dirty="0"/>
-              <a:t>context` </a:t>
-            </a:r>
-            <a:r>
-              <a:rPr lang="en-US" altLang="zh-CN" sz="1400" dirty="0" err="1"/>
-              <a:t>varchar</a:t>
-            </a:r>
-            <a:r>
-              <a:rPr lang="en-US" altLang="zh-CN" sz="1400" dirty="0"/>
-              <a:t>(3) DEFAULT NULL,                                   </a:t>
-            </a:r>
-          </a:p>
-          <a:p>
-            <a:r>
-              <a:rPr lang="en-US" altLang="zh-CN" sz="1400" dirty="0" smtClean="0"/>
-              <a:t>`</a:t>
-            </a:r>
-            <a:r>
-              <a:rPr lang="en-US" altLang="zh-CN" sz="1400" dirty="0" err="1"/>
-              <a:t>wegeon</a:t>
-            </a:r>
-            <a:r>
-              <a:rPr lang="en-US" altLang="zh-CN" sz="1400" dirty="0"/>
-              <a:t>__</a:t>
-            </a:r>
-            <a:r>
-              <a:rPr lang="en-US" altLang="zh-CN" sz="1400" dirty="0" err="1"/>
-              <a:t>pool_withindel_vcf_alt</a:t>
-            </a:r>
-            <a:r>
-              <a:rPr lang="en-US" altLang="zh-CN" sz="1400" dirty="0"/>
-              <a:t>` char(128) DEFAULT NULL,             </a:t>
-            </a:r>
-          </a:p>
-          <a:p>
-            <a:r>
-              <a:rPr lang="en-US" altLang="zh-CN" sz="1400" dirty="0" smtClean="0"/>
-              <a:t>`</a:t>
-            </a:r>
-            <a:r>
-              <a:rPr lang="en-US" altLang="zh-CN" sz="1400" dirty="0" err="1"/>
-              <a:t>wegeon</a:t>
-            </a:r>
-            <a:r>
-              <a:rPr lang="en-US" altLang="zh-CN" sz="1400" dirty="0"/>
-              <a:t>__</a:t>
-            </a:r>
-            <a:r>
-              <a:rPr lang="en-US" altLang="zh-CN" sz="1400" dirty="0" err="1"/>
-              <a:t>pool_withindel_vcf_dep</a:t>
-            </a:r>
-            <a:r>
-              <a:rPr lang="en-US" altLang="zh-CN" sz="1400" dirty="0"/>
-              <a:t>` char(128) DEFAULT NULL,             </a:t>
-            </a:r>
-          </a:p>
-          <a:p>
-            <a:r>
-              <a:rPr lang="en-US" altLang="zh-CN" sz="1400" dirty="0" smtClean="0"/>
-              <a:t>`</a:t>
-            </a:r>
-            <a:r>
-              <a:rPr lang="en-US" altLang="zh-CN" sz="1400" dirty="0"/>
-              <a:t>fanya1_pool_withindel_vcf_alt` char(128) DEFAULT NULL,              </a:t>
-            </a:r>
-          </a:p>
-          <a:p>
-            <a:r>
-              <a:rPr lang="en-US" altLang="zh-CN" sz="1400" dirty="0" smtClean="0"/>
-              <a:t>`</a:t>
-            </a:r>
-            <a:r>
-              <a:rPr lang="en-US" altLang="zh-CN" sz="1400" dirty="0"/>
-              <a:t>fanya1_pool_withindel_vcf_dep` char(128) DEFAULT NULL,              </a:t>
-            </a:r>
-          </a:p>
-          <a:p>
-            <a:r>
-              <a:rPr lang="en-US" altLang="zh-CN" sz="1400" dirty="0" smtClean="0"/>
-              <a:t>`</a:t>
-            </a:r>
-            <a:r>
-              <a:rPr lang="en-US" altLang="zh-CN" sz="1400" dirty="0" err="1"/>
-              <a:t>barheadedgoose_pool_withindel_vcf_alt</a:t>
-            </a:r>
-            <a:r>
-              <a:rPr lang="en-US" altLang="zh-CN" sz="1400" dirty="0"/>
-              <a:t>` char(128) DEFAULT NULL,      </a:t>
-            </a:r>
-          </a:p>
-          <a:p>
-            <a:r>
-              <a:rPr lang="en-US" altLang="zh-CN" sz="1400" dirty="0" smtClean="0"/>
-              <a:t>`</a:t>
-            </a:r>
-            <a:r>
-              <a:rPr lang="en-US" altLang="zh-CN" sz="1400" dirty="0" err="1"/>
-              <a:t>barheadedgoose_pool_withindel_vcf_dep</a:t>
-            </a:r>
-            <a:r>
-              <a:rPr lang="en-US" altLang="zh-CN" sz="1400" dirty="0"/>
-              <a:t>` char(128) DEFAULT NULL,      </a:t>
-            </a:r>
-          </a:p>
-          <a:p>
-            <a:r>
-              <a:rPr lang="en-US" altLang="zh-CN" sz="1400" dirty="0" smtClean="0"/>
-              <a:t>`</a:t>
-            </a:r>
-            <a:r>
-              <a:rPr lang="en-US" altLang="zh-CN" sz="1400" dirty="0" err="1"/>
-              <a:t>taihudomesticgoose_pool_withindel_vcf_alt</a:t>
-            </a:r>
-            <a:r>
-              <a:rPr lang="en-US" altLang="zh-CN" sz="1400" dirty="0"/>
-              <a:t>` char(128) DEFAULT NULL,  </a:t>
-            </a:r>
-          </a:p>
-          <a:p>
-            <a:r>
-              <a:rPr lang="en-US" altLang="zh-CN" sz="1400" dirty="0" smtClean="0"/>
-              <a:t>`</a:t>
-            </a:r>
-            <a:r>
-              <a:rPr lang="en-US" altLang="zh-CN" sz="1400" dirty="0" err="1"/>
-              <a:t>taihudomesticgoose_pool_withindel_vcf_dep</a:t>
-            </a:r>
-            <a:r>
-              <a:rPr lang="en-US" altLang="zh-CN" sz="1400" dirty="0"/>
-              <a:t>` char(128) DEFAULT NULL,  </a:t>
-            </a:r>
-          </a:p>
-          <a:p>
-            <a:r>
-              <a:rPr lang="en-US" altLang="zh-CN" sz="1400" dirty="0" smtClean="0"/>
-              <a:t>PRIMARY </a:t>
-            </a:r>
-            <a:r>
-              <a:rPr lang="en-US" altLang="zh-CN" sz="1400" dirty="0"/>
-              <a:t>KEY (`</a:t>
-            </a:r>
-            <a:r>
-              <a:rPr lang="en-US" altLang="zh-CN" sz="1400" dirty="0" err="1"/>
-              <a:t>chrID</a:t>
-            </a:r>
-            <a:r>
-              <a:rPr lang="en-US" altLang="zh-CN" sz="1400" dirty="0"/>
-              <a:t>`,`</a:t>
-            </a:r>
-            <a:r>
-              <a:rPr lang="en-US" altLang="zh-CN" sz="1400" dirty="0" err="1"/>
-              <a:t>snp_pos</a:t>
-            </a:r>
-            <a:r>
-              <a:rPr lang="en-US" altLang="zh-CN" sz="1400" dirty="0"/>
-              <a:t>`)                                      </a:t>
-            </a:r>
-          </a:p>
-          <a:p>
-            <a:r>
-              <a:rPr lang="en-US" altLang="zh-CN" sz="1400" dirty="0" smtClean="0"/>
-              <a:t>) </a:t>
-            </a:r>
-            <a:r>
-              <a:rPr lang="en-US" altLang="zh-CN" sz="1400" dirty="0"/>
-              <a:t>ENGINE=</a:t>
-            </a:r>
-            <a:r>
-              <a:rPr lang="en-US" altLang="zh-CN" sz="1400" dirty="0" err="1"/>
-              <a:t>InnoDB</a:t>
-            </a:r>
-            <a:r>
-              <a:rPr lang="en-US" altLang="zh-CN" sz="1400" dirty="0"/>
-              <a:t> DEFAULT CHARSET=utf8</a:t>
-            </a:r>
-            <a:endParaRPr lang="zh-CN" altLang="en-US" sz="1400" dirty="0"/>
-          </a:p>
-        </p:txBody>
-      </p:sp>
-      <p:sp>
-        <p:nvSpPr>
-          <p:cNvPr id="7" name="TextBox 6"/>
+          <p:cNvPr id="4" name="TextBox 3"/>
           <p:cNvSpPr txBox="1"/>
           <p:nvPr/>
         </p:nvSpPr>
         <p:spPr>
           <a:xfrm>
-            <a:off x="4932040" y="3068960"/>
-            <a:ext cx="4536504" cy="2893100"/>
+            <a:off x="0" y="0"/>
+            <a:ext cx="9139472" cy="369332"/>
           </a:xfrm>
           <a:prstGeom prst="rect">
             <a:avLst/>
@@ -5945,184 +5668,31 @@
           <a:lstStyle/>
           <a:p>
             <a:r>
-              <a:rPr lang="en-US" altLang="zh-CN" sz="1400" dirty="0" err="1" smtClean="0"/>
-              <a:t>Thit</a:t>
-            </a:r>
-            <a:r>
-              <a:rPr lang="en-US" altLang="zh-CN" sz="1400" dirty="0" smtClean="0"/>
-              <a:t> table can be initially create by such command:</a:t>
-            </a:r>
-          </a:p>
-          <a:p>
-            <a:r>
-              <a:rPr lang="en-US" altLang="zh-CN" sz="1400" dirty="0" smtClean="0"/>
-              <a:t>CREATE </a:t>
-            </a:r>
-            <a:r>
-              <a:rPr lang="en-US" altLang="zh-CN" sz="1400" dirty="0"/>
-              <a:t>TABLE `mspsgjlksy10pop_toplevel_pekingduckref` (                </a:t>
-            </a:r>
-          </a:p>
-          <a:p>
-            <a:r>
-              <a:rPr lang="en-US" altLang="zh-CN" sz="1400" dirty="0"/>
-              <a:t>`</a:t>
-            </a:r>
-            <a:r>
-              <a:rPr lang="en-US" altLang="zh-CN" sz="1400" dirty="0" err="1"/>
-              <a:t>chrID</a:t>
-            </a:r>
-            <a:r>
-              <a:rPr lang="en-US" altLang="zh-CN" sz="1400" dirty="0"/>
-              <a:t>` char(128) NOT NULL DEFAULT '',                               </a:t>
-            </a:r>
-          </a:p>
-          <a:p>
-            <a:r>
-              <a:rPr lang="en-US" altLang="zh-CN" sz="1400" dirty="0"/>
-              <a:t>`</a:t>
-            </a:r>
-            <a:r>
-              <a:rPr lang="en-US" altLang="zh-CN" sz="1400" dirty="0" err="1"/>
-              <a:t>snp_pos</a:t>
-            </a:r>
-            <a:r>
-              <a:rPr lang="en-US" altLang="zh-CN" sz="1400" dirty="0"/>
-              <a:t>` </a:t>
-            </a:r>
-            <a:r>
-              <a:rPr lang="en-US" altLang="zh-CN" sz="1400" dirty="0" err="1"/>
-              <a:t>bigint</a:t>
-            </a:r>
-            <a:r>
-              <a:rPr lang="en-US" altLang="zh-CN" sz="1400" dirty="0"/>
-              <a:t>(20) NOT NULL DEFAULT '0',                           </a:t>
-            </a:r>
-          </a:p>
-          <a:p>
-            <a:r>
-              <a:rPr lang="en-US" altLang="zh-CN" sz="1400" dirty="0"/>
-              <a:t>`</a:t>
-            </a:r>
-            <a:r>
-              <a:rPr lang="en-US" altLang="zh-CN" sz="1400" dirty="0" err="1"/>
-              <a:t>snpID</a:t>
-            </a:r>
-            <a:r>
-              <a:rPr lang="en-US" altLang="zh-CN" sz="1400" dirty="0"/>
-              <a:t>` char(128) NOT NULL,                                          </a:t>
-            </a:r>
-          </a:p>
-          <a:p>
-            <a:r>
-              <a:rPr lang="en-US" altLang="zh-CN" sz="1400" dirty="0"/>
-              <a:t>`</a:t>
-            </a:r>
-            <a:r>
-              <a:rPr lang="en-US" altLang="zh-CN" sz="1400" dirty="0" err="1"/>
-              <a:t>ref_base</a:t>
-            </a:r>
-            <a:r>
-              <a:rPr lang="en-US" altLang="zh-CN" sz="1400" dirty="0"/>
-              <a:t>` </a:t>
-            </a:r>
-            <a:r>
-              <a:rPr lang="en-US" altLang="zh-CN" sz="1400" dirty="0" err="1"/>
-              <a:t>varchar</a:t>
-            </a:r>
-            <a:r>
-              <a:rPr lang="en-US" altLang="zh-CN" sz="1400" dirty="0"/>
-              <a:t>(1000) DEFAULT NULL,                               </a:t>
-            </a:r>
-          </a:p>
-          <a:p>
-            <a:r>
-              <a:rPr lang="en-US" altLang="zh-CN" sz="1400" dirty="0"/>
-              <a:t>`</a:t>
-            </a:r>
-            <a:r>
-              <a:rPr lang="en-US" altLang="zh-CN" sz="1400" dirty="0" err="1"/>
-              <a:t>alt_base</a:t>
-            </a:r>
-            <a:r>
-              <a:rPr lang="en-US" altLang="zh-CN" sz="1400" dirty="0"/>
-              <a:t>` </a:t>
-            </a:r>
-            <a:r>
-              <a:rPr lang="en-US" altLang="zh-CN" sz="1400" dirty="0" err="1"/>
-              <a:t>varchar</a:t>
-            </a:r>
-            <a:r>
-              <a:rPr lang="en-US" altLang="zh-CN" sz="1400" dirty="0"/>
-              <a:t>(1000) DEFAULT NULL,                               </a:t>
-            </a:r>
-          </a:p>
-          <a:p>
-            <a:r>
-              <a:rPr lang="en-US" altLang="zh-CN" sz="1400" dirty="0"/>
-              <a:t>`context` </a:t>
-            </a:r>
-            <a:r>
-              <a:rPr lang="en-US" altLang="zh-CN" sz="1400" dirty="0" err="1"/>
-              <a:t>varchar</a:t>
-            </a:r>
-            <a:r>
-              <a:rPr lang="en-US" altLang="zh-CN" sz="1400" dirty="0"/>
-              <a:t>(3) DEFAULT NULL, PRIMARY KEY (`</a:t>
-            </a:r>
-            <a:r>
-              <a:rPr lang="en-US" altLang="zh-CN" sz="1400" dirty="0" err="1"/>
-              <a:t>chrID</a:t>
-            </a:r>
-            <a:r>
-              <a:rPr lang="en-US" altLang="zh-CN" sz="1400" dirty="0"/>
-              <a:t>`,`</a:t>
-            </a:r>
-            <a:r>
-              <a:rPr lang="en-US" altLang="zh-CN" sz="1400" dirty="0" err="1"/>
-              <a:t>snp_pos</a:t>
-            </a:r>
-            <a:r>
-              <a:rPr lang="en-US" altLang="zh-CN" sz="1400" dirty="0"/>
-              <a:t>`)                                      </a:t>
-            </a:r>
-          </a:p>
-          <a:p>
-            <a:r>
-              <a:rPr lang="en-US" altLang="zh-CN" sz="1400" dirty="0"/>
-              <a:t>) ENGINE=</a:t>
-            </a:r>
-            <a:r>
-              <a:rPr lang="en-US" altLang="zh-CN" sz="1400" dirty="0" err="1"/>
-              <a:t>InnoDB</a:t>
-            </a:r>
-            <a:r>
-              <a:rPr lang="en-US" altLang="zh-CN" sz="1400" dirty="0"/>
-              <a:t> DEFAULT CHARSET=utf8</a:t>
-            </a:r>
-            <a:endParaRPr lang="zh-CN" altLang="en-US" sz="1400" dirty="0"/>
-          </a:p>
-          <a:p>
-            <a:r>
-              <a:rPr lang="en-US" altLang="zh-CN" sz="1400" dirty="0" smtClean="0"/>
-              <a:t>The other information(sites and out group population information) could be filled automatically when this table is used.</a:t>
-            </a:r>
-            <a:endParaRPr lang="zh-CN" altLang="en-US" sz="1400" dirty="0"/>
+              <a:rPr lang="en-US" altLang="zh-CN" dirty="0" smtClean="0"/>
+              <a:t>Detect </a:t>
+            </a:r>
+            <a:r>
+              <a:rPr lang="en-US" altLang="zh-CN" dirty="0"/>
+              <a:t>selection </a:t>
+            </a:r>
+            <a:r>
+              <a:rPr lang="en-US" altLang="zh-CN" dirty="0" err="1"/>
+              <a:t>signal:Detectsignalacrossgenome_master.py</a:t>
+            </a:r>
+            <a:endParaRPr lang="zh-CN" altLang="en-US" dirty="0"/>
           </a:p>
         </p:txBody>
       </p:sp>
       <p:cxnSp>
         <p:nvCxnSpPr>
-          <p:cNvPr id="9" name="直接箭头连接符 8"/>
-          <p:cNvCxnSpPr>
-            <a:endCxn id="10" idx="0"/>
-          </p:cNvCxnSpPr>
+          <p:cNvPr id="7" name="直接箭头连接符 6"/>
+          <p:cNvCxnSpPr/>
           <p:nvPr/>
         </p:nvCxnSpPr>
         <p:spPr>
-          <a:xfrm>
-            <a:off x="7200292" y="2132856"/>
-            <a:ext cx="269776" cy="360040"/>
+          <a:xfrm flipH="1">
+            <a:off x="827584" y="3933056"/>
+            <a:ext cx="360040" cy="936104"/>
           </a:xfrm>
           <a:prstGeom prst="straightConnector1">
             <a:avLst/>
@@ -6146,16 +5716,49 @@
           </a:fontRef>
         </p:style>
       </p:cxnSp>
-      <p:sp>
-        <p:nvSpPr>
-          <p:cNvPr id="10" name="TextBox 9"/>
+      <p:cxnSp>
+        <p:nvCxnSpPr>
+          <p:cNvPr id="9" name="直接箭头连接符 8"/>
+          <p:cNvCxnSpPr/>
+          <p:nvPr/>
+        </p:nvCxnSpPr>
+        <p:spPr>
+          <a:xfrm>
+            <a:off x="2627784" y="3933056"/>
+            <a:ext cx="432048" cy="936104"/>
+          </a:xfrm>
+          <a:prstGeom prst="straightConnector1">
+            <a:avLst/>
+          </a:prstGeom>
+          <a:ln>
+            <a:tailEnd type="arrow"/>
+          </a:ln>
+        </p:spPr>
+        <p:style>
+          <a:lnRef idx="1">
+            <a:schemeClr val="accent1"/>
+          </a:lnRef>
+          <a:fillRef idx="0">
+            <a:schemeClr val="accent1"/>
+          </a:fillRef>
+          <a:effectRef idx="0">
+            <a:schemeClr val="accent1"/>
+          </a:effectRef>
+          <a:fontRef idx="minor">
+            <a:schemeClr val="tx1"/>
+          </a:fontRef>
+        </p:style>
+      </p:cxnSp>
+      <p:sp>
+        <p:nvSpPr>
+          <p:cNvPr id="11" name="TextBox 10"/>
           <p:cNvSpPr txBox="1"/>
           <p:nvPr/>
         </p:nvSpPr>
         <p:spPr>
           <a:xfrm>
-            <a:off x="5796136" y="2492896"/>
-            <a:ext cx="3347864" cy="369332"/>
+            <a:off x="323528" y="5013176"/>
+            <a:ext cx="1656184" cy="369332"/>
           </a:xfrm>
           <a:prstGeom prst="rect">
             <a:avLst/>
@@ -6170,7 +5773,7 @@
           <a:p>
             <a:r>
               <a:rPr lang="en-US" altLang="zh-CN" dirty="0" smtClean="0"/>
-              <a:t>Ref allele depth, alt allele depth</a:t>
+              <a:t>Scaffold ID</a:t>
             </a:r>
             <a:endParaRPr lang="zh-CN" altLang="en-US" dirty="0"/>
           </a:p>
@@ -6178,14 +5781,14 @@
       </p:sp>
       <p:sp>
         <p:nvSpPr>
-          <p:cNvPr id="14" name="TextBox 13"/>
+          <p:cNvPr id="12" name="TextBox 11"/>
           <p:cNvSpPr txBox="1"/>
           <p:nvPr/>
         </p:nvSpPr>
         <p:spPr>
           <a:xfrm>
-            <a:off x="0" y="0"/>
-            <a:ext cx="9139472" cy="369332"/>
+            <a:off x="2610226" y="5013176"/>
+            <a:ext cx="1656184" cy="369332"/>
           </a:xfrm>
           <a:prstGeom prst="rect">
             <a:avLst/>
@@ -6200,15 +5803,37 @@
           <a:p>
             <a:r>
               <a:rPr lang="en-US" altLang="zh-CN" dirty="0" smtClean="0"/>
-              <a:t>Detect </a:t>
-            </a:r>
-            <a:r>
-              <a:rPr lang="en-US" altLang="zh-CN" dirty="0"/>
-              <a:t>selection </a:t>
-            </a:r>
-            <a:r>
-              <a:rPr lang="en-US" altLang="zh-CN" dirty="0" err="1"/>
-              <a:t>signal:Detectsignalacrossgenome_master.py</a:t>
+              <a:t>Scaffold length</a:t>
+            </a:r>
+            <a:endParaRPr lang="zh-CN" altLang="en-US" dirty="0"/>
+          </a:p>
+        </p:txBody>
+      </p:sp>
+      <p:sp>
+        <p:nvSpPr>
+          <p:cNvPr id="13" name="TextBox 12"/>
+          <p:cNvSpPr txBox="1"/>
+          <p:nvPr/>
+        </p:nvSpPr>
+        <p:spPr>
+          <a:xfrm>
+            <a:off x="4932040" y="4401108"/>
+            <a:ext cx="3384376" cy="1477328"/>
+          </a:xfrm>
+          <a:prstGeom prst="rect">
+            <a:avLst/>
+          </a:prstGeom>
+          <a:noFill/>
+        </p:spPr>
+        <p:txBody>
+          <a:bodyPr wrap="square" rtlCol="0">
+            <a:spAutoFit/>
+          </a:bodyPr>
+          <a:lstStyle/>
+          <a:p>
+            <a:r>
+              <a:rPr lang="en-US" altLang="zh-CN" dirty="0" smtClean="0"/>
+              <a:t>In this case , calculation was divided into 8 threads. And all the results from those 8 threads will be merged automatically in the end.</a:t>
             </a:r>
             <a:endParaRPr lang="zh-CN" altLang="en-US" dirty="0"/>
           </a:p>
@@ -6217,7 +5842,7 @@
     </p:spTree>
     <p:extLst>
       <p:ext uri="{BB962C8B-B14F-4D97-AF65-F5344CB8AC3E}">
-        <p14:creationId xmlns:p14="http://schemas.microsoft.com/office/powerpoint/2010/main" val="229221375"/>
+        <p14:creationId xmlns:p14="http://schemas.microsoft.com/office/powerpoint/2010/main" val="2241269385"/>
       </p:ext>
     </p:extLst>
   </p:cSld>
@@ -6263,6 +5888,703 @@
         </p:nvSpPr>
         <p:spPr>
           <a:xfrm>
+            <a:off x="457200" y="116632"/>
+            <a:ext cx="8229600" cy="936104"/>
+          </a:xfrm>
+        </p:spPr>
+        <p:txBody>
+          <a:bodyPr>
+            <a:normAutofit/>
+          </a:bodyPr>
+          <a:lstStyle/>
+          <a:p>
+            <a:r>
+              <a:rPr lang="en-US" altLang="zh-CN" sz="3200" dirty="0"/>
+              <a:t>-t mspsgjlksy10pop_toplevel_pekingduckref</a:t>
+            </a:r>
+            <a:endParaRPr lang="zh-CN" altLang="en-US" sz="3200" dirty="0"/>
+          </a:p>
+        </p:txBody>
+      </p:sp>
+      <p:pic>
+        <p:nvPicPr>
+          <p:cNvPr id="4" name="内容占位符 3"/>
+          <p:cNvPicPr>
+            <a:picLocks noGrp="1" noChangeAspect="1"/>
+          </p:cNvPicPr>
+          <p:nvPr>
+            <p:ph idx="1"/>
+          </p:nvPr>
+        </p:nvPicPr>
+        <p:blipFill>
+          <a:blip r:embed="rId2">
+            <a:extLst>
+              <a:ext uri="{28A0092B-C50C-407E-A947-70E740481C1C}">
+                <a14:useLocalDpi xmlns:a14="http://schemas.microsoft.com/office/drawing/2010/main" val="0"/>
+              </a:ext>
+            </a:extLst>
+          </a:blip>
+          <a:stretch>
+            <a:fillRect/>
+          </a:stretch>
+        </p:blipFill>
+        <p:spPr>
+          <a:xfrm>
+            <a:off x="251520" y="908720"/>
+            <a:ext cx="8572110" cy="2218049"/>
+          </a:xfrm>
+        </p:spPr>
+      </p:pic>
+      <p:sp>
+        <p:nvSpPr>
+          <p:cNvPr id="6" name="矩形 5"/>
+          <p:cNvSpPr/>
+          <p:nvPr/>
+        </p:nvSpPr>
+        <p:spPr>
+          <a:xfrm>
+            <a:off x="-36512" y="3212976"/>
+            <a:ext cx="5701186" cy="3754874"/>
+          </a:xfrm>
+          <a:prstGeom prst="rect">
+            <a:avLst/>
+          </a:prstGeom>
+        </p:spPr>
+        <p:txBody>
+          <a:bodyPr wrap="square">
+            <a:spAutoFit/>
+          </a:bodyPr>
+          <a:lstStyle/>
+          <a:p>
+            <a:r>
+              <a:rPr lang="en-US" altLang="zh-CN" sz="1400" dirty="0" smtClean="0"/>
+              <a:t>CREATE </a:t>
+            </a:r>
+            <a:r>
+              <a:rPr lang="en-US" altLang="zh-CN" sz="1400" dirty="0"/>
+              <a:t>TABLE `mspsgjlksy10pop_toplevel_pekingduckref` (                </a:t>
+            </a:r>
+          </a:p>
+          <a:p>
+            <a:r>
+              <a:rPr lang="en-US" altLang="zh-CN" sz="1400" dirty="0" smtClean="0"/>
+              <a:t>`</a:t>
+            </a:r>
+            <a:r>
+              <a:rPr lang="en-US" altLang="zh-CN" sz="1400" dirty="0" err="1"/>
+              <a:t>chrID</a:t>
+            </a:r>
+            <a:r>
+              <a:rPr lang="en-US" altLang="zh-CN" sz="1400" dirty="0"/>
+              <a:t>` char(128) NOT NULL DEFAULT '',                               </a:t>
+            </a:r>
+          </a:p>
+          <a:p>
+            <a:r>
+              <a:rPr lang="en-US" altLang="zh-CN" sz="1400" dirty="0" smtClean="0"/>
+              <a:t>`</a:t>
+            </a:r>
+            <a:r>
+              <a:rPr lang="en-US" altLang="zh-CN" sz="1400" dirty="0" err="1"/>
+              <a:t>snp_pos</a:t>
+            </a:r>
+            <a:r>
+              <a:rPr lang="en-US" altLang="zh-CN" sz="1400" dirty="0"/>
+              <a:t>` </a:t>
+            </a:r>
+            <a:r>
+              <a:rPr lang="en-US" altLang="zh-CN" sz="1400" dirty="0" err="1"/>
+              <a:t>bigint</a:t>
+            </a:r>
+            <a:r>
+              <a:rPr lang="en-US" altLang="zh-CN" sz="1400" dirty="0"/>
+              <a:t>(20) NOT NULL DEFAULT '0',                           </a:t>
+            </a:r>
+          </a:p>
+          <a:p>
+            <a:r>
+              <a:rPr lang="en-US" altLang="zh-CN" sz="1400" dirty="0" smtClean="0"/>
+              <a:t>`</a:t>
+            </a:r>
+            <a:r>
+              <a:rPr lang="en-US" altLang="zh-CN" sz="1400" dirty="0" err="1"/>
+              <a:t>snpID</a:t>
+            </a:r>
+            <a:r>
+              <a:rPr lang="en-US" altLang="zh-CN" sz="1400" dirty="0"/>
+              <a:t>` char(128) NOT NULL,                                          </a:t>
+            </a:r>
+          </a:p>
+          <a:p>
+            <a:r>
+              <a:rPr lang="en-US" altLang="zh-CN" sz="1400" dirty="0" smtClean="0"/>
+              <a:t>`</a:t>
+            </a:r>
+            <a:r>
+              <a:rPr lang="en-US" altLang="zh-CN" sz="1400" dirty="0" err="1"/>
+              <a:t>ref_base</a:t>
+            </a:r>
+            <a:r>
+              <a:rPr lang="en-US" altLang="zh-CN" sz="1400" dirty="0"/>
+              <a:t>` </a:t>
+            </a:r>
+            <a:r>
+              <a:rPr lang="en-US" altLang="zh-CN" sz="1400" dirty="0" err="1"/>
+              <a:t>varchar</a:t>
+            </a:r>
+            <a:r>
+              <a:rPr lang="en-US" altLang="zh-CN" sz="1400" dirty="0"/>
+              <a:t>(1000) DEFAULT NULL,                               </a:t>
+            </a:r>
+          </a:p>
+          <a:p>
+            <a:r>
+              <a:rPr lang="en-US" altLang="zh-CN" sz="1400" dirty="0" smtClean="0"/>
+              <a:t>`</a:t>
+            </a:r>
+            <a:r>
+              <a:rPr lang="en-US" altLang="zh-CN" sz="1400" dirty="0" err="1"/>
+              <a:t>alt_base</a:t>
+            </a:r>
+            <a:r>
+              <a:rPr lang="en-US" altLang="zh-CN" sz="1400" dirty="0"/>
+              <a:t>` </a:t>
+            </a:r>
+            <a:r>
+              <a:rPr lang="en-US" altLang="zh-CN" sz="1400" dirty="0" err="1"/>
+              <a:t>varchar</a:t>
+            </a:r>
+            <a:r>
+              <a:rPr lang="en-US" altLang="zh-CN" sz="1400" dirty="0"/>
+              <a:t>(1000) DEFAULT NULL,                               </a:t>
+            </a:r>
+          </a:p>
+          <a:p>
+            <a:r>
+              <a:rPr lang="en-US" altLang="zh-CN" sz="1400" dirty="0" smtClean="0"/>
+              <a:t>`</a:t>
+            </a:r>
+            <a:r>
+              <a:rPr lang="en-US" altLang="zh-CN" sz="1400" dirty="0"/>
+              <a:t>context` </a:t>
+            </a:r>
+            <a:r>
+              <a:rPr lang="en-US" altLang="zh-CN" sz="1400" dirty="0" err="1"/>
+              <a:t>varchar</a:t>
+            </a:r>
+            <a:r>
+              <a:rPr lang="en-US" altLang="zh-CN" sz="1400" dirty="0"/>
+              <a:t>(3) DEFAULT NULL,                                   </a:t>
+            </a:r>
+          </a:p>
+          <a:p>
+            <a:r>
+              <a:rPr lang="en-US" altLang="zh-CN" sz="1400" dirty="0" smtClean="0"/>
+              <a:t>`</a:t>
+            </a:r>
+            <a:r>
+              <a:rPr lang="en-US" altLang="zh-CN" sz="1400" dirty="0" err="1"/>
+              <a:t>wegeon</a:t>
+            </a:r>
+            <a:r>
+              <a:rPr lang="en-US" altLang="zh-CN" sz="1400" dirty="0"/>
+              <a:t>__</a:t>
+            </a:r>
+            <a:r>
+              <a:rPr lang="en-US" altLang="zh-CN" sz="1400" dirty="0" err="1"/>
+              <a:t>pool_withindel_vcf_alt</a:t>
+            </a:r>
+            <a:r>
+              <a:rPr lang="en-US" altLang="zh-CN" sz="1400" dirty="0"/>
+              <a:t>` char(128) DEFAULT NULL,             </a:t>
+            </a:r>
+          </a:p>
+          <a:p>
+            <a:r>
+              <a:rPr lang="en-US" altLang="zh-CN" sz="1400" dirty="0" smtClean="0"/>
+              <a:t>`</a:t>
+            </a:r>
+            <a:r>
+              <a:rPr lang="en-US" altLang="zh-CN" sz="1400" dirty="0" err="1"/>
+              <a:t>wegeon</a:t>
+            </a:r>
+            <a:r>
+              <a:rPr lang="en-US" altLang="zh-CN" sz="1400" dirty="0"/>
+              <a:t>__</a:t>
+            </a:r>
+            <a:r>
+              <a:rPr lang="en-US" altLang="zh-CN" sz="1400" dirty="0" err="1"/>
+              <a:t>pool_withindel_vcf_dep</a:t>
+            </a:r>
+            <a:r>
+              <a:rPr lang="en-US" altLang="zh-CN" sz="1400" dirty="0"/>
+              <a:t>` char(128) DEFAULT NULL,             </a:t>
+            </a:r>
+          </a:p>
+          <a:p>
+            <a:r>
+              <a:rPr lang="en-US" altLang="zh-CN" sz="1400" dirty="0" smtClean="0"/>
+              <a:t>`</a:t>
+            </a:r>
+            <a:r>
+              <a:rPr lang="en-US" altLang="zh-CN" sz="1400" dirty="0"/>
+              <a:t>fanya1_pool_withindel_vcf_alt` char(128) DEFAULT NULL,              </a:t>
+            </a:r>
+          </a:p>
+          <a:p>
+            <a:r>
+              <a:rPr lang="en-US" altLang="zh-CN" sz="1400" dirty="0" smtClean="0"/>
+              <a:t>`</a:t>
+            </a:r>
+            <a:r>
+              <a:rPr lang="en-US" altLang="zh-CN" sz="1400" dirty="0"/>
+              <a:t>fanya1_pool_withindel_vcf_dep` char(128) DEFAULT NULL,              </a:t>
+            </a:r>
+          </a:p>
+          <a:p>
+            <a:r>
+              <a:rPr lang="en-US" altLang="zh-CN" sz="1400" dirty="0" smtClean="0"/>
+              <a:t>`</a:t>
+            </a:r>
+            <a:r>
+              <a:rPr lang="en-US" altLang="zh-CN" sz="1400" dirty="0" err="1"/>
+              <a:t>barheadedgoose_pool_withindel_vcf_alt</a:t>
+            </a:r>
+            <a:r>
+              <a:rPr lang="en-US" altLang="zh-CN" sz="1400" dirty="0"/>
+              <a:t>` char(128) DEFAULT NULL,      </a:t>
+            </a:r>
+          </a:p>
+          <a:p>
+            <a:r>
+              <a:rPr lang="en-US" altLang="zh-CN" sz="1400" dirty="0" smtClean="0"/>
+              <a:t>`</a:t>
+            </a:r>
+            <a:r>
+              <a:rPr lang="en-US" altLang="zh-CN" sz="1400" dirty="0" err="1"/>
+              <a:t>barheadedgoose_pool_withindel_vcf_dep</a:t>
+            </a:r>
+            <a:r>
+              <a:rPr lang="en-US" altLang="zh-CN" sz="1400" dirty="0"/>
+              <a:t>` char(128) DEFAULT NULL,      </a:t>
+            </a:r>
+          </a:p>
+          <a:p>
+            <a:r>
+              <a:rPr lang="en-US" altLang="zh-CN" sz="1400" dirty="0" smtClean="0"/>
+              <a:t>`</a:t>
+            </a:r>
+            <a:r>
+              <a:rPr lang="en-US" altLang="zh-CN" sz="1400" dirty="0" err="1"/>
+              <a:t>taihudomesticgoose_pool_withindel_vcf_alt</a:t>
+            </a:r>
+            <a:r>
+              <a:rPr lang="en-US" altLang="zh-CN" sz="1400" dirty="0"/>
+              <a:t>` char(128) DEFAULT NULL,  </a:t>
+            </a:r>
+          </a:p>
+          <a:p>
+            <a:r>
+              <a:rPr lang="en-US" altLang="zh-CN" sz="1400" dirty="0" smtClean="0"/>
+              <a:t>`</a:t>
+            </a:r>
+            <a:r>
+              <a:rPr lang="en-US" altLang="zh-CN" sz="1400" dirty="0" err="1"/>
+              <a:t>taihudomesticgoose_pool_withindel_vcf_dep</a:t>
+            </a:r>
+            <a:r>
+              <a:rPr lang="en-US" altLang="zh-CN" sz="1400" dirty="0"/>
+              <a:t>` char(128) DEFAULT NULL,  </a:t>
+            </a:r>
+          </a:p>
+          <a:p>
+            <a:r>
+              <a:rPr lang="en-US" altLang="zh-CN" sz="1400" dirty="0" smtClean="0"/>
+              <a:t>PRIMARY </a:t>
+            </a:r>
+            <a:r>
+              <a:rPr lang="en-US" altLang="zh-CN" sz="1400" dirty="0"/>
+              <a:t>KEY (`</a:t>
+            </a:r>
+            <a:r>
+              <a:rPr lang="en-US" altLang="zh-CN" sz="1400" dirty="0" err="1"/>
+              <a:t>chrID</a:t>
+            </a:r>
+            <a:r>
+              <a:rPr lang="en-US" altLang="zh-CN" sz="1400" dirty="0"/>
+              <a:t>`,`</a:t>
+            </a:r>
+            <a:r>
+              <a:rPr lang="en-US" altLang="zh-CN" sz="1400" dirty="0" err="1"/>
+              <a:t>snp_pos</a:t>
+            </a:r>
+            <a:r>
+              <a:rPr lang="en-US" altLang="zh-CN" sz="1400" dirty="0"/>
+              <a:t>`)                                      </a:t>
+            </a:r>
+          </a:p>
+          <a:p>
+            <a:r>
+              <a:rPr lang="en-US" altLang="zh-CN" sz="1400" dirty="0" smtClean="0"/>
+              <a:t>) </a:t>
+            </a:r>
+            <a:r>
+              <a:rPr lang="en-US" altLang="zh-CN" sz="1400" dirty="0"/>
+              <a:t>ENGINE=</a:t>
+            </a:r>
+            <a:r>
+              <a:rPr lang="en-US" altLang="zh-CN" sz="1400" dirty="0" err="1"/>
+              <a:t>InnoDB</a:t>
+            </a:r>
+            <a:r>
+              <a:rPr lang="en-US" altLang="zh-CN" sz="1400" dirty="0"/>
+              <a:t> DEFAULT CHARSET=utf8</a:t>
+            </a:r>
+            <a:endParaRPr lang="zh-CN" altLang="en-US" sz="1400" dirty="0"/>
+          </a:p>
+        </p:txBody>
+      </p:sp>
+      <p:sp>
+        <p:nvSpPr>
+          <p:cNvPr id="7" name="TextBox 6"/>
+          <p:cNvSpPr txBox="1"/>
+          <p:nvPr/>
+        </p:nvSpPr>
+        <p:spPr>
+          <a:xfrm>
+            <a:off x="4932040" y="3068960"/>
+            <a:ext cx="4536504" cy="2893100"/>
+          </a:xfrm>
+          <a:prstGeom prst="rect">
+            <a:avLst/>
+          </a:prstGeom>
+          <a:noFill/>
+        </p:spPr>
+        <p:txBody>
+          <a:bodyPr wrap="square" rtlCol="0">
+            <a:spAutoFit/>
+          </a:bodyPr>
+          <a:lstStyle/>
+          <a:p>
+            <a:r>
+              <a:rPr lang="en-US" altLang="zh-CN" sz="1400" dirty="0" err="1" smtClean="0"/>
+              <a:t>Thit</a:t>
+            </a:r>
+            <a:r>
+              <a:rPr lang="en-US" altLang="zh-CN" sz="1400" dirty="0" smtClean="0"/>
+              <a:t> table can be initially create by such command:</a:t>
+            </a:r>
+          </a:p>
+          <a:p>
+            <a:r>
+              <a:rPr lang="en-US" altLang="zh-CN" sz="1400" dirty="0" smtClean="0"/>
+              <a:t>CREATE </a:t>
+            </a:r>
+            <a:r>
+              <a:rPr lang="en-US" altLang="zh-CN" sz="1400" dirty="0"/>
+              <a:t>TABLE `mspsgjlksy10pop_toplevel_pekingduckref` (                </a:t>
+            </a:r>
+          </a:p>
+          <a:p>
+            <a:r>
+              <a:rPr lang="en-US" altLang="zh-CN" sz="1400" dirty="0"/>
+              <a:t>`</a:t>
+            </a:r>
+            <a:r>
+              <a:rPr lang="en-US" altLang="zh-CN" sz="1400" dirty="0" err="1"/>
+              <a:t>chrID</a:t>
+            </a:r>
+            <a:r>
+              <a:rPr lang="en-US" altLang="zh-CN" sz="1400" dirty="0"/>
+              <a:t>` char(128) NOT NULL DEFAULT '',                               </a:t>
+            </a:r>
+          </a:p>
+          <a:p>
+            <a:r>
+              <a:rPr lang="en-US" altLang="zh-CN" sz="1400" dirty="0"/>
+              <a:t>`</a:t>
+            </a:r>
+            <a:r>
+              <a:rPr lang="en-US" altLang="zh-CN" sz="1400" dirty="0" err="1"/>
+              <a:t>snp_pos</a:t>
+            </a:r>
+            <a:r>
+              <a:rPr lang="en-US" altLang="zh-CN" sz="1400" dirty="0"/>
+              <a:t>` </a:t>
+            </a:r>
+            <a:r>
+              <a:rPr lang="en-US" altLang="zh-CN" sz="1400" dirty="0" err="1"/>
+              <a:t>bigint</a:t>
+            </a:r>
+            <a:r>
+              <a:rPr lang="en-US" altLang="zh-CN" sz="1400" dirty="0"/>
+              <a:t>(20) NOT NULL DEFAULT '0',                           </a:t>
+            </a:r>
+          </a:p>
+          <a:p>
+            <a:r>
+              <a:rPr lang="en-US" altLang="zh-CN" sz="1400" dirty="0"/>
+              <a:t>`</a:t>
+            </a:r>
+            <a:r>
+              <a:rPr lang="en-US" altLang="zh-CN" sz="1400" dirty="0" err="1"/>
+              <a:t>snpID</a:t>
+            </a:r>
+            <a:r>
+              <a:rPr lang="en-US" altLang="zh-CN" sz="1400" dirty="0"/>
+              <a:t>` char(128) NOT NULL,                                          </a:t>
+            </a:r>
+          </a:p>
+          <a:p>
+            <a:r>
+              <a:rPr lang="en-US" altLang="zh-CN" sz="1400" dirty="0"/>
+              <a:t>`</a:t>
+            </a:r>
+            <a:r>
+              <a:rPr lang="en-US" altLang="zh-CN" sz="1400" dirty="0" err="1"/>
+              <a:t>ref_base</a:t>
+            </a:r>
+            <a:r>
+              <a:rPr lang="en-US" altLang="zh-CN" sz="1400" dirty="0"/>
+              <a:t>` </a:t>
+            </a:r>
+            <a:r>
+              <a:rPr lang="en-US" altLang="zh-CN" sz="1400" dirty="0" err="1"/>
+              <a:t>varchar</a:t>
+            </a:r>
+            <a:r>
+              <a:rPr lang="en-US" altLang="zh-CN" sz="1400" dirty="0"/>
+              <a:t>(1000) DEFAULT NULL,                               </a:t>
+            </a:r>
+          </a:p>
+          <a:p>
+            <a:r>
+              <a:rPr lang="en-US" altLang="zh-CN" sz="1400" dirty="0"/>
+              <a:t>`</a:t>
+            </a:r>
+            <a:r>
+              <a:rPr lang="en-US" altLang="zh-CN" sz="1400" dirty="0" err="1"/>
+              <a:t>alt_base</a:t>
+            </a:r>
+            <a:r>
+              <a:rPr lang="en-US" altLang="zh-CN" sz="1400" dirty="0"/>
+              <a:t>` </a:t>
+            </a:r>
+            <a:r>
+              <a:rPr lang="en-US" altLang="zh-CN" sz="1400" dirty="0" err="1"/>
+              <a:t>varchar</a:t>
+            </a:r>
+            <a:r>
+              <a:rPr lang="en-US" altLang="zh-CN" sz="1400" dirty="0"/>
+              <a:t>(1000) DEFAULT NULL,                               </a:t>
+            </a:r>
+          </a:p>
+          <a:p>
+            <a:r>
+              <a:rPr lang="en-US" altLang="zh-CN" sz="1400" dirty="0"/>
+              <a:t>`context` </a:t>
+            </a:r>
+            <a:r>
+              <a:rPr lang="en-US" altLang="zh-CN" sz="1400" dirty="0" err="1"/>
+              <a:t>varchar</a:t>
+            </a:r>
+            <a:r>
+              <a:rPr lang="en-US" altLang="zh-CN" sz="1400" dirty="0"/>
+              <a:t>(3) DEFAULT NULL, PRIMARY KEY (`</a:t>
+            </a:r>
+            <a:r>
+              <a:rPr lang="en-US" altLang="zh-CN" sz="1400" dirty="0" err="1"/>
+              <a:t>chrID</a:t>
+            </a:r>
+            <a:r>
+              <a:rPr lang="en-US" altLang="zh-CN" sz="1400" dirty="0"/>
+              <a:t>`,`</a:t>
+            </a:r>
+            <a:r>
+              <a:rPr lang="en-US" altLang="zh-CN" sz="1400" dirty="0" err="1"/>
+              <a:t>snp_pos</a:t>
+            </a:r>
+            <a:r>
+              <a:rPr lang="en-US" altLang="zh-CN" sz="1400" dirty="0"/>
+              <a:t>`)                                      </a:t>
+            </a:r>
+          </a:p>
+          <a:p>
+            <a:r>
+              <a:rPr lang="en-US" altLang="zh-CN" sz="1400" dirty="0"/>
+              <a:t>) ENGINE=</a:t>
+            </a:r>
+            <a:r>
+              <a:rPr lang="en-US" altLang="zh-CN" sz="1400" dirty="0" err="1"/>
+              <a:t>InnoDB</a:t>
+            </a:r>
+            <a:r>
+              <a:rPr lang="en-US" altLang="zh-CN" sz="1400" dirty="0"/>
+              <a:t> DEFAULT CHARSET=utf8</a:t>
+            </a:r>
+            <a:endParaRPr lang="zh-CN" altLang="en-US" sz="1400" dirty="0"/>
+          </a:p>
+          <a:p>
+            <a:r>
+              <a:rPr lang="en-US" altLang="zh-CN" sz="1400" dirty="0" smtClean="0"/>
+              <a:t>The other information(sites and out group population information) could be filled automatically when this table is used.</a:t>
+            </a:r>
+            <a:endParaRPr lang="zh-CN" altLang="en-US" sz="1400" dirty="0"/>
+          </a:p>
+        </p:txBody>
+      </p:sp>
+      <p:cxnSp>
+        <p:nvCxnSpPr>
+          <p:cNvPr id="9" name="直接箭头连接符 8"/>
+          <p:cNvCxnSpPr>
+            <a:endCxn id="10" idx="0"/>
+          </p:cNvCxnSpPr>
+          <p:nvPr/>
+        </p:nvCxnSpPr>
+        <p:spPr>
+          <a:xfrm>
+            <a:off x="7200292" y="2132856"/>
+            <a:ext cx="269776" cy="360040"/>
+          </a:xfrm>
+          <a:prstGeom prst="straightConnector1">
+            <a:avLst/>
+          </a:prstGeom>
+          <a:ln>
+            <a:tailEnd type="arrow"/>
+          </a:ln>
+        </p:spPr>
+        <p:style>
+          <a:lnRef idx="1">
+            <a:schemeClr val="accent1"/>
+          </a:lnRef>
+          <a:fillRef idx="0">
+            <a:schemeClr val="accent1"/>
+          </a:fillRef>
+          <a:effectRef idx="0">
+            <a:schemeClr val="accent1"/>
+          </a:effectRef>
+          <a:fontRef idx="minor">
+            <a:schemeClr val="tx1"/>
+          </a:fontRef>
+        </p:style>
+      </p:cxnSp>
+      <p:sp>
+        <p:nvSpPr>
+          <p:cNvPr id="10" name="TextBox 9"/>
+          <p:cNvSpPr txBox="1"/>
+          <p:nvPr/>
+        </p:nvSpPr>
+        <p:spPr>
+          <a:xfrm>
+            <a:off x="5796136" y="2492896"/>
+            <a:ext cx="3347864" cy="369332"/>
+          </a:xfrm>
+          <a:prstGeom prst="rect">
+            <a:avLst/>
+          </a:prstGeom>
+          <a:noFill/>
+        </p:spPr>
+        <p:txBody>
+          <a:bodyPr wrap="square" rtlCol="0">
+            <a:spAutoFit/>
+          </a:bodyPr>
+          <a:lstStyle/>
+          <a:p>
+            <a:r>
+              <a:rPr lang="en-US" altLang="zh-CN" dirty="0" smtClean="0"/>
+              <a:t>Ref allele depth, alt allele depth</a:t>
+            </a:r>
+            <a:endParaRPr lang="zh-CN" altLang="en-US" dirty="0"/>
+          </a:p>
+        </p:txBody>
+      </p:sp>
+      <p:sp>
+        <p:nvSpPr>
+          <p:cNvPr id="14" name="TextBox 13"/>
+          <p:cNvSpPr txBox="1"/>
+          <p:nvPr/>
+        </p:nvSpPr>
+        <p:spPr>
+          <a:xfrm>
+            <a:off x="0" y="0"/>
+            <a:ext cx="9139472" cy="369332"/>
+          </a:xfrm>
+          <a:prstGeom prst="rect">
+            <a:avLst/>
+          </a:prstGeom>
+          <a:noFill/>
+        </p:spPr>
+        <p:txBody>
+          <a:bodyPr wrap="square" rtlCol="0">
+            <a:spAutoFit/>
+          </a:bodyPr>
+          <a:lstStyle/>
+          <a:p>
+            <a:r>
+              <a:rPr lang="en-US" altLang="zh-CN" dirty="0" smtClean="0"/>
+              <a:t>Detect </a:t>
+            </a:r>
+            <a:r>
+              <a:rPr lang="en-US" altLang="zh-CN" dirty="0"/>
+              <a:t>selection </a:t>
+            </a:r>
+            <a:r>
+              <a:rPr lang="en-US" altLang="zh-CN" dirty="0" err="1"/>
+              <a:t>signal:Detectsignalacrossgenome_master.py</a:t>
+            </a:r>
+            <a:endParaRPr lang="zh-CN" altLang="en-US" dirty="0"/>
+          </a:p>
+        </p:txBody>
+      </p:sp>
+    </p:spTree>
+    <p:extLst>
+      <p:ext uri="{BB962C8B-B14F-4D97-AF65-F5344CB8AC3E}">
+        <p14:creationId xmlns:p14="http://schemas.microsoft.com/office/powerpoint/2010/main" val="229221375"/>
+      </p:ext>
+    </p:extLst>
+  </p:cSld>
+  <p:clrMapOvr>
+    <a:masterClrMapping/>
+  </p:clrMapOvr>
+  <p:timing>
+    <p:tnLst>
+      <p:par>
+        <p:cTn id="1" dur="indefinite" restart="never" nodeType="tmRoot"/>
+      </p:par>
+    </p:tnLst>
+  </p:timing>
+</p:sld>
+</file>
+
+<file path=ppt/slides/slide19.xml><?xml version="1.0" encoding="utf-8"?>
+<p:sld xmlns:a="http://schemas.openxmlformats.org/drawingml/2006/main" xmlns:r="http://schemas.openxmlformats.org/officeDocument/2006/relationships" xmlns:p="http://schemas.openxmlformats.org/presentationml/2006/main">
+  <p:cSld>
+    <p:spTree>
+      <p:nvGrpSpPr>
+        <p:cNvPr id="1" name=""/>
+        <p:cNvGrpSpPr/>
+        <p:nvPr/>
+      </p:nvGrpSpPr>
+      <p:grpSpPr>
+        <a:xfrm>
+          <a:off x="0" y="0"/>
+          <a:ext cx="0" cy="0"/>
+          <a:chOff x="0" y="0"/>
+          <a:chExt cx="0" cy="0"/>
+        </a:xfrm>
+      </p:grpSpPr>
+      <p:sp>
+        <p:nvSpPr>
+          <p:cNvPr id="2" name="标题 1"/>
+          <p:cNvSpPr>
+            <a:spLocks noGrp="1"/>
+          </p:cNvSpPr>
+          <p:nvPr>
+            <p:ph type="title"/>
+          </p:nvPr>
+        </p:nvSpPr>
+        <p:spPr>
+          <a:xfrm>
             <a:off x="457200" y="274638"/>
             <a:ext cx="8229600" cy="706090"/>
           </a:xfrm>
@@ -6918,7 +7240,102 @@
 </p:sld>
 </file>
 
-<file path=ppt/slides/slide19.xml><?xml version="1.0" encoding="utf-8"?>
+<file path=ppt/slides/slide2.xml><?xml version="1.0" encoding="utf-8"?>
+<p:sld xmlns:a="http://schemas.openxmlformats.org/drawingml/2006/main" xmlns:r="http://schemas.openxmlformats.org/officeDocument/2006/relationships" xmlns:p="http://schemas.openxmlformats.org/presentationml/2006/main">
+  <p:cSld>
+    <p:spTree>
+      <p:nvGrpSpPr>
+        <p:cNvPr id="1" name=""/>
+        <p:cNvGrpSpPr/>
+        <p:nvPr/>
+      </p:nvGrpSpPr>
+      <p:grpSpPr>
+        <a:xfrm>
+          <a:off x="0" y="0"/>
+          <a:ext cx="0" cy="0"/>
+          <a:chOff x="0" y="0"/>
+          <a:chExt cx="0" cy="0"/>
+        </a:xfrm>
+      </p:grpSpPr>
+      <p:sp>
+        <p:nvSpPr>
+          <p:cNvPr id="3" name="内容占位符 2"/>
+          <p:cNvSpPr>
+            <a:spLocks noGrp="1"/>
+          </p:cNvSpPr>
+          <p:nvPr>
+            <p:ph idx="1"/>
+          </p:nvPr>
+        </p:nvSpPr>
+        <p:spPr>
+          <a:xfrm>
+            <a:off x="323528" y="332656"/>
+            <a:ext cx="8363272" cy="6048672"/>
+          </a:xfrm>
+        </p:spPr>
+        <p:txBody>
+          <a:bodyPr>
+            <a:normAutofit/>
+          </a:bodyPr>
+          <a:lstStyle/>
+          <a:p>
+            <a:r>
+              <a:rPr lang="en-US" altLang="zh-CN" dirty="0"/>
+              <a:t>Life is an integrated biology data analyses and observation </a:t>
+            </a:r>
+            <a:r>
+              <a:rPr lang="en-US" altLang="zh-CN" dirty="0" smtClean="0"/>
+              <a:t>system.</a:t>
+            </a:r>
+          </a:p>
+          <a:p>
+            <a:r>
+              <a:rPr lang="en-US" altLang="zh-CN" dirty="0" smtClean="0"/>
+              <a:t>Current version mainly consist of </a:t>
+            </a:r>
+            <a:r>
+              <a:rPr lang="en-US" altLang="zh-CN" b="1" dirty="0" smtClean="0">
+                <a:solidFill>
+                  <a:srgbClr val="FF0000"/>
+                </a:solidFill>
+              </a:rPr>
+              <a:t>four modules</a:t>
+            </a:r>
+            <a:r>
+              <a:rPr lang="en-US" altLang="zh-CN" dirty="0" smtClean="0"/>
+              <a:t>, focus on evolutionary genomics, and could be easily develop into more powerful system to visualize, mine and analyses genomes data.</a:t>
+            </a:r>
+          </a:p>
+          <a:p>
+            <a:r>
+              <a:rPr lang="en-US" altLang="zh-CN" dirty="0" smtClean="0"/>
+              <a:t>As its idea is to simple the data process and to manipulate the data in a intuition way that is in line with mathematic description of evolutionary theory. It is easy to vary to design new idea, observation, calculation and theory.</a:t>
+            </a:r>
+            <a:endParaRPr lang="zh-CN" altLang="en-US" dirty="0"/>
+          </a:p>
+        </p:txBody>
+      </p:sp>
+    </p:spTree>
+    <p:extLst>
+      <p:ext uri="{BB962C8B-B14F-4D97-AF65-F5344CB8AC3E}">
+        <p14:creationId xmlns:p14="http://schemas.microsoft.com/office/powerpoint/2010/main" val="1011378635"/>
+      </p:ext>
+    </p:extLst>
+  </p:cSld>
+  <p:clrMapOvr>
+    <a:masterClrMapping/>
+  </p:clrMapOvr>
+  <p:timing>
+    <p:tnLst>
+      <p:par>
+        <p:cTn id="1" dur="indefinite" restart="never" nodeType="tmRoot"/>
+      </p:par>
+    </p:tnLst>
+  </p:timing>
+</p:sld>
+</file>
+
+<file path=ppt/slides/slide20.xml><?xml version="1.0" encoding="utf-8"?>
 <p:sld xmlns:a="http://schemas.openxmlformats.org/drawingml/2006/main" xmlns:r="http://schemas.openxmlformats.org/officeDocument/2006/relationships" xmlns:p="http://schemas.openxmlformats.org/presentationml/2006/main">
   <p:cSld>
     <p:spTree>
@@ -7710,107 +8127,7 @@
 </p:sld>
 </file>
 
-<file path=ppt/slides/slide2.xml><?xml version="1.0" encoding="utf-8"?>
-<p:sld xmlns:a="http://schemas.openxmlformats.org/drawingml/2006/main" xmlns:r="http://schemas.openxmlformats.org/officeDocument/2006/relationships" xmlns:p="http://schemas.openxmlformats.org/presentationml/2006/main">
-  <p:cSld>
-    <p:spTree>
-      <p:nvGrpSpPr>
-        <p:cNvPr id="1" name=""/>
-        <p:cNvGrpSpPr/>
-        <p:nvPr/>
-      </p:nvGrpSpPr>
-      <p:grpSpPr>
-        <a:xfrm>
-          <a:off x="0" y="0"/>
-          <a:ext cx="0" cy="0"/>
-          <a:chOff x="0" y="0"/>
-          <a:chExt cx="0" cy="0"/>
-        </a:xfrm>
-      </p:grpSpPr>
-      <p:sp>
-        <p:nvSpPr>
-          <p:cNvPr id="3" name="内容占位符 2"/>
-          <p:cNvSpPr>
-            <a:spLocks noGrp="1"/>
-          </p:cNvSpPr>
-          <p:nvPr>
-            <p:ph idx="1"/>
-          </p:nvPr>
-        </p:nvSpPr>
-        <p:spPr>
-          <a:xfrm>
-            <a:off x="457200" y="332656"/>
-            <a:ext cx="8229600" cy="6048672"/>
-          </a:xfrm>
-        </p:spPr>
-        <p:txBody>
-          <a:bodyPr>
-            <a:normAutofit/>
-          </a:bodyPr>
-          <a:lstStyle/>
-          <a:p>
-            <a:r>
-              <a:rPr lang="en-US" altLang="zh-CN" dirty="0"/>
-              <a:t>Life is an integrated biology data analyses and observation </a:t>
-            </a:r>
-            <a:r>
-              <a:rPr lang="en-US" altLang="zh-CN" dirty="0" smtClean="0"/>
-              <a:t>system.</a:t>
-            </a:r>
-          </a:p>
-          <a:p>
-            <a:r>
-              <a:rPr lang="en-US" altLang="zh-CN" dirty="0" smtClean="0"/>
-              <a:t>Current version mainly consist of four modules, focus on evolutionary genomics, and could be </a:t>
-            </a:r>
-            <a:r>
-              <a:rPr lang="en-US" altLang="zh-CN" dirty="0" smtClean="0"/>
-              <a:t>easily develop </a:t>
-            </a:r>
-            <a:r>
-              <a:rPr lang="en-US" altLang="zh-CN" dirty="0" smtClean="0"/>
-              <a:t>into more powerful system to visualize, mine and </a:t>
-            </a:r>
-            <a:r>
-              <a:rPr lang="en-US" altLang="zh-CN" smtClean="0"/>
-              <a:t>analyses </a:t>
-            </a:r>
-            <a:r>
-              <a:rPr lang="en-US" altLang="zh-CN" smtClean="0"/>
-              <a:t>genomes data.</a:t>
-            </a:r>
-            <a:endParaRPr lang="en-US" altLang="zh-CN" dirty="0" smtClean="0"/>
-          </a:p>
-          <a:p>
-            <a:r>
-              <a:rPr lang="en-US" altLang="zh-CN" dirty="0" smtClean="0"/>
-              <a:t>As its idea is to simple the data process and to manipulate the data in a intuition way that is in line with mathematic description of evolutionary theory. It is easy to vary to design new idea, observation, calculation and theory.</a:t>
-            </a:r>
-            <a:endParaRPr lang="zh-CN" altLang="en-US" dirty="0"/>
-          </a:p>
-        </p:txBody>
-      </p:sp>
-    </p:spTree>
-    <p:extLst>
-      <p:ext uri="{BB962C8B-B14F-4D97-AF65-F5344CB8AC3E}">
-        <p14:creationId xmlns:p14="http://schemas.microsoft.com/office/powerpoint/2010/main" val="1011378635"/>
-      </p:ext>
-    </p:extLst>
-  </p:cSld>
-  <p:clrMapOvr>
-    <a:masterClrMapping/>
-  </p:clrMapOvr>
-  <p:timing>
-    <p:tnLst>
-      <p:par>
-        <p:cTn id="1" dur="indefinite" restart="never" nodeType="tmRoot"/>
-      </p:par>
-    </p:tnLst>
-  </p:timing>
-</p:sld>
-</file>
-
-<file path=ppt/slides/slide20.xml><?xml version="1.0" encoding="utf-8"?>
+<file path=ppt/slides/slide21.xml><?xml version="1.0" encoding="utf-8"?>
 <p:sld xmlns:a="http://schemas.openxmlformats.org/drawingml/2006/main" xmlns:r="http://schemas.openxmlformats.org/officeDocument/2006/relationships" xmlns:p="http://schemas.openxmlformats.org/presentationml/2006/main">
   <p:cSld>
     <p:spTree>
@@ -8312,7 +8629,7 @@
 </p:sld>
 </file>
 
-<file path=ppt/slides/slide21.xml><?xml version="1.0" encoding="utf-8"?>
+<file path=ppt/slides/slide22.xml><?xml version="1.0" encoding="utf-8"?>
 <p:sld xmlns:a="http://schemas.openxmlformats.org/drawingml/2006/main" xmlns:r="http://schemas.openxmlformats.org/officeDocument/2006/relationships" xmlns:p="http://schemas.openxmlformats.org/presentationml/2006/main">
   <p:cSld>
     <p:spTree>
@@ -9031,7 +9348,7 @@
 </p:sld>
 </file>
 
-<file path=ppt/slides/slide22.xml><?xml version="1.0" encoding="utf-8"?>
+<file path=ppt/slides/slide23.xml><?xml version="1.0" encoding="utf-8"?>
 <p:sld xmlns:a="http://schemas.openxmlformats.org/drawingml/2006/main" xmlns:r="http://schemas.openxmlformats.org/officeDocument/2006/relationships" xmlns:p="http://schemas.openxmlformats.org/presentationml/2006/main">
   <p:cSld>
     <p:spTree>
@@ -9201,7 +9518,7 @@
           <a:p>
             <a:r>
               <a:rPr lang="en-US" altLang="zh-CN" sz="4000" b="1" dirty="0" smtClean="0"/>
-              <a:t>1. data management and visualization module</a:t>
+              <a:t>data management and visualization module</a:t>
             </a:r>
             <a:endParaRPr lang="zh-CN" altLang="en-US" sz="4000" b="1" dirty="0"/>
           </a:p>
@@ -9217,14 +9534,1451 @@
             <p:ph idx="1"/>
           </p:nvPr>
         </p:nvSpPr>
-        <p:spPr/>
-        <p:txBody>
-          <a:bodyPr/>
-          <a:lstStyle/>
-          <a:p>
-            <a:r>
-              <a:rPr lang="en-US" altLang="zh-CN" dirty="0" smtClean="0"/>
-              <a:t>… …</a:t>
+        <p:spPr>
+          <a:xfrm>
+            <a:off x="457201" y="1600201"/>
+            <a:ext cx="3209600" cy="2147192"/>
+          </a:xfrm>
+        </p:spPr>
+        <p:txBody>
+          <a:bodyPr>
+            <a:normAutofit/>
+          </a:bodyPr>
+          <a:lstStyle/>
+          <a:p>
+            <a:pPr marL="0" indent="0">
+              <a:buNone/>
+            </a:pPr>
+            <a:r>
+              <a:rPr lang="en-US" altLang="zh-CN" sz="2400" dirty="0" smtClean="0"/>
+              <a:t>Variants </a:t>
+            </a:r>
+            <a:r>
+              <a:rPr lang="en-US" altLang="zh-CN" sz="2400" dirty="0" smtClean="0"/>
+              <a:t>data management were designed based on population genetics</a:t>
+            </a:r>
+            <a:endParaRPr lang="zh-CN" altLang="en-US" sz="2400" dirty="0"/>
+          </a:p>
+        </p:txBody>
+      </p:sp>
+      <p:sp>
+        <p:nvSpPr>
+          <p:cNvPr id="4" name="TextBox 3"/>
+          <p:cNvSpPr txBox="1"/>
+          <p:nvPr/>
+        </p:nvSpPr>
+        <p:spPr>
+          <a:xfrm>
+            <a:off x="0" y="0"/>
+            <a:ext cx="9139472" cy="369332"/>
+          </a:xfrm>
+          <a:prstGeom prst="rect">
+            <a:avLst/>
+          </a:prstGeom>
+          <a:noFill/>
+        </p:spPr>
+        <p:txBody>
+          <a:bodyPr wrap="square" rtlCol="0">
+            <a:spAutoFit/>
+          </a:bodyPr>
+          <a:lstStyle/>
+          <a:p>
+            <a:r>
+              <a:rPr lang="en-US" altLang="zh-CN" b="1" dirty="0">
+                <a:solidFill>
+                  <a:srgbClr val="FF0000"/>
+                </a:solidFill>
+              </a:rPr>
+              <a:t>Module 1</a:t>
+            </a:r>
+            <a:endParaRPr lang="zh-CN" altLang="en-US" dirty="0">
+              <a:solidFill>
+                <a:srgbClr val="FF0000"/>
+              </a:solidFill>
+            </a:endParaRPr>
+          </a:p>
+        </p:txBody>
+      </p:sp>
+      <p:sp>
+        <p:nvSpPr>
+          <p:cNvPr id="5" name="流程图: 联系 4"/>
+          <p:cNvSpPr/>
+          <p:nvPr/>
+        </p:nvSpPr>
+        <p:spPr>
+          <a:xfrm>
+            <a:off x="3649547" y="5207633"/>
+            <a:ext cx="936104" cy="792088"/>
+          </a:xfrm>
+          <a:prstGeom prst="flowChartConnector">
+            <a:avLst/>
+          </a:prstGeom>
+          <a:solidFill>
+            <a:schemeClr val="accent3">
+              <a:lumMod val="40000"/>
+              <a:lumOff val="60000"/>
+            </a:schemeClr>
+          </a:solidFill>
+        </p:spPr>
+        <p:style>
+          <a:lnRef idx="2">
+            <a:schemeClr val="accent1">
+              <a:shade val="50000"/>
+            </a:schemeClr>
+          </a:lnRef>
+          <a:fillRef idx="1">
+            <a:schemeClr val="accent1"/>
+          </a:fillRef>
+          <a:effectRef idx="0">
+            <a:schemeClr val="accent1"/>
+          </a:effectRef>
+          <a:fontRef idx="minor">
+            <a:schemeClr val="lt1"/>
+          </a:fontRef>
+        </p:style>
+        <p:txBody>
+          <a:bodyPr rtlCol="0" anchor="ctr"/>
+          <a:lstStyle/>
+          <a:p>
+            <a:pPr algn="ctr"/>
+            <a:r>
+              <a:rPr lang="en-US" altLang="zh-CN" dirty="0" err="1" smtClean="0">
+                <a:solidFill>
+                  <a:schemeClr val="tx1">
+                    <a:lumMod val="95000"/>
+                    <a:lumOff val="5000"/>
+                  </a:schemeClr>
+                </a:solidFill>
+              </a:rPr>
+              <a:t>vcf</a:t>
+            </a:r>
+            <a:endParaRPr lang="zh-CN" altLang="en-US" dirty="0">
+              <a:solidFill>
+                <a:schemeClr val="tx1">
+                  <a:lumMod val="95000"/>
+                  <a:lumOff val="5000"/>
+                </a:schemeClr>
+              </a:solidFill>
+            </a:endParaRPr>
+          </a:p>
+        </p:txBody>
+      </p:sp>
+      <p:sp>
+        <p:nvSpPr>
+          <p:cNvPr id="6" name="右箭头 5"/>
+          <p:cNvSpPr/>
+          <p:nvPr/>
+        </p:nvSpPr>
+        <p:spPr>
+          <a:xfrm rot="1672818">
+            <a:off x="2744428" y="5179056"/>
+            <a:ext cx="928672" cy="84383"/>
+          </a:xfrm>
+          <a:prstGeom prst="rightArrow">
+            <a:avLst/>
+          </a:prstGeom>
+        </p:spPr>
+        <p:style>
+          <a:lnRef idx="2">
+            <a:schemeClr val="accent1">
+              <a:shade val="50000"/>
+            </a:schemeClr>
+          </a:lnRef>
+          <a:fillRef idx="1">
+            <a:schemeClr val="accent1"/>
+          </a:fillRef>
+          <a:effectRef idx="0">
+            <a:schemeClr val="accent1"/>
+          </a:effectRef>
+          <a:fontRef idx="minor">
+            <a:schemeClr val="lt1"/>
+          </a:fontRef>
+        </p:style>
+        <p:txBody>
+          <a:bodyPr rtlCol="0" anchor="ctr"/>
+          <a:lstStyle/>
+          <a:p>
+            <a:pPr algn="ctr"/>
+            <a:endParaRPr lang="zh-CN" altLang="en-US"/>
+          </a:p>
+        </p:txBody>
+      </p:sp>
+      <p:sp>
+        <p:nvSpPr>
+          <p:cNvPr id="7" name="右箭头 6"/>
+          <p:cNvSpPr/>
+          <p:nvPr/>
+        </p:nvSpPr>
+        <p:spPr>
+          <a:xfrm rot="20369654">
+            <a:off x="4621459" y="5459902"/>
+            <a:ext cx="866504" cy="81693"/>
+          </a:xfrm>
+          <a:prstGeom prst="rightArrow">
+            <a:avLst/>
+          </a:prstGeom>
+        </p:spPr>
+        <p:style>
+          <a:lnRef idx="2">
+            <a:schemeClr val="accent1">
+              <a:shade val="50000"/>
+            </a:schemeClr>
+          </a:lnRef>
+          <a:fillRef idx="1">
+            <a:schemeClr val="accent1"/>
+          </a:fillRef>
+          <a:effectRef idx="0">
+            <a:schemeClr val="accent1"/>
+          </a:effectRef>
+          <a:fontRef idx="minor">
+            <a:schemeClr val="lt1"/>
+          </a:fontRef>
+        </p:style>
+        <p:txBody>
+          <a:bodyPr rtlCol="0" anchor="ctr"/>
+          <a:lstStyle/>
+          <a:p>
+            <a:pPr algn="ctr"/>
+            <a:endParaRPr lang="zh-CN" altLang="en-US"/>
+          </a:p>
+        </p:txBody>
+      </p:sp>
+      <p:sp>
+        <p:nvSpPr>
+          <p:cNvPr id="8" name="圆柱形 7"/>
+          <p:cNvSpPr/>
+          <p:nvPr/>
+        </p:nvSpPr>
+        <p:spPr>
+          <a:xfrm>
+            <a:off x="5609862" y="4116724"/>
+            <a:ext cx="792088" cy="1440160"/>
+          </a:xfrm>
+          <a:prstGeom prst="can">
+            <a:avLst/>
+          </a:prstGeom>
+        </p:spPr>
+        <p:style>
+          <a:lnRef idx="2">
+            <a:schemeClr val="accent1">
+              <a:shade val="50000"/>
+            </a:schemeClr>
+          </a:lnRef>
+          <a:fillRef idx="1">
+            <a:schemeClr val="accent1"/>
+          </a:fillRef>
+          <a:effectRef idx="0">
+            <a:schemeClr val="accent1"/>
+          </a:effectRef>
+          <a:fontRef idx="minor">
+            <a:schemeClr val="lt1"/>
+          </a:fontRef>
+        </p:style>
+        <p:txBody>
+          <a:bodyPr rtlCol="0" anchor="ctr"/>
+          <a:lstStyle/>
+          <a:p>
+            <a:pPr algn="ctr"/>
+            <a:r>
+              <a:rPr lang="en-US" altLang="zh-CN" dirty="0" smtClean="0">
+                <a:solidFill>
+                  <a:schemeClr val="tx1"/>
+                </a:solidFill>
+              </a:rPr>
+              <a:t>Data</a:t>
+            </a:r>
+          </a:p>
+          <a:p>
+            <a:pPr algn="ctr"/>
+            <a:r>
+              <a:rPr lang="en-US" altLang="zh-CN" dirty="0" smtClean="0">
+                <a:solidFill>
+                  <a:schemeClr val="tx1"/>
+                </a:solidFill>
+              </a:rPr>
+              <a:t>base</a:t>
+            </a:r>
+            <a:endParaRPr lang="zh-CN" altLang="en-US" dirty="0">
+              <a:solidFill>
+                <a:schemeClr val="tx1"/>
+              </a:solidFill>
+            </a:endParaRPr>
+          </a:p>
+        </p:txBody>
+      </p:sp>
+      <p:sp>
+        <p:nvSpPr>
+          <p:cNvPr id="9" name="TextBox 8"/>
+          <p:cNvSpPr txBox="1"/>
+          <p:nvPr/>
+        </p:nvSpPr>
+        <p:spPr>
+          <a:xfrm>
+            <a:off x="3050925" y="4732832"/>
+            <a:ext cx="615874" cy="369332"/>
+          </a:xfrm>
+          <a:prstGeom prst="rect">
+            <a:avLst/>
+          </a:prstGeom>
+          <a:noFill/>
+        </p:spPr>
+        <p:txBody>
+          <a:bodyPr wrap="none" rtlCol="0">
+            <a:spAutoFit/>
+          </a:bodyPr>
+          <a:lstStyle/>
+          <a:p>
+            <a:r>
+              <a:rPr lang="en-US" altLang="zh-CN" dirty="0" smtClean="0"/>
+              <a:t>m:m</a:t>
+            </a:r>
+            <a:endParaRPr lang="zh-CN" altLang="en-US" dirty="0"/>
+          </a:p>
+        </p:txBody>
+      </p:sp>
+      <p:sp>
+        <p:nvSpPr>
+          <p:cNvPr id="10" name="TextBox 9"/>
+          <p:cNvSpPr txBox="1"/>
+          <p:nvPr/>
+        </p:nvSpPr>
+        <p:spPr>
+          <a:xfrm>
+            <a:off x="4683020" y="5126056"/>
+            <a:ext cx="615874" cy="369332"/>
+          </a:xfrm>
+          <a:prstGeom prst="rect">
+            <a:avLst/>
+          </a:prstGeom>
+          <a:noFill/>
+        </p:spPr>
+        <p:txBody>
+          <a:bodyPr wrap="none" rtlCol="0">
+            <a:spAutoFit/>
+          </a:bodyPr>
+          <a:lstStyle/>
+          <a:p>
+            <a:r>
+              <a:rPr lang="en-US" altLang="zh-CN" dirty="0" smtClean="0"/>
+              <a:t>m:m</a:t>
+            </a:r>
+            <a:endParaRPr lang="zh-CN" altLang="en-US" dirty="0"/>
+          </a:p>
+        </p:txBody>
+      </p:sp>
+      <p:sp>
+        <p:nvSpPr>
+          <p:cNvPr id="11" name="流程图: 联系 10"/>
+          <p:cNvSpPr/>
+          <p:nvPr/>
+        </p:nvSpPr>
+        <p:spPr>
+          <a:xfrm>
+            <a:off x="481195" y="4150150"/>
+            <a:ext cx="936104" cy="792088"/>
+          </a:xfrm>
+          <a:prstGeom prst="flowChartConnector">
+            <a:avLst/>
+          </a:prstGeom>
+          <a:solidFill>
+            <a:schemeClr val="accent3">
+              <a:lumMod val="40000"/>
+              <a:lumOff val="60000"/>
+            </a:schemeClr>
+          </a:solidFill>
+        </p:spPr>
+        <p:style>
+          <a:lnRef idx="2">
+            <a:schemeClr val="accent1">
+              <a:shade val="50000"/>
+            </a:schemeClr>
+          </a:lnRef>
+          <a:fillRef idx="1">
+            <a:schemeClr val="accent1"/>
+          </a:fillRef>
+          <a:effectRef idx="0">
+            <a:schemeClr val="accent1"/>
+          </a:effectRef>
+          <a:fontRef idx="minor">
+            <a:schemeClr val="lt1"/>
+          </a:fontRef>
+        </p:style>
+        <p:txBody>
+          <a:bodyPr rtlCol="0" anchor="ctr"/>
+          <a:lstStyle/>
+          <a:p>
+            <a:pPr algn="ctr"/>
+            <a:r>
+              <a:rPr lang="en-US" altLang="zh-CN" dirty="0" err="1">
+                <a:solidFill>
+                  <a:schemeClr val="tx1">
+                    <a:lumMod val="95000"/>
+                    <a:lumOff val="5000"/>
+                  </a:schemeClr>
+                </a:solidFill>
+              </a:rPr>
+              <a:t>fq</a:t>
+            </a:r>
+            <a:endParaRPr lang="zh-CN" altLang="en-US" dirty="0">
+              <a:solidFill>
+                <a:schemeClr val="tx1">
+                  <a:lumMod val="95000"/>
+                  <a:lumOff val="5000"/>
+                </a:schemeClr>
+              </a:solidFill>
+            </a:endParaRPr>
+          </a:p>
+        </p:txBody>
+      </p:sp>
+      <p:sp>
+        <p:nvSpPr>
+          <p:cNvPr id="12" name="流程图: 联系 11"/>
+          <p:cNvSpPr/>
+          <p:nvPr/>
+        </p:nvSpPr>
+        <p:spPr>
+          <a:xfrm>
+            <a:off x="2114821" y="4150150"/>
+            <a:ext cx="936104" cy="792088"/>
+          </a:xfrm>
+          <a:prstGeom prst="flowChartConnector">
+            <a:avLst/>
+          </a:prstGeom>
+          <a:solidFill>
+            <a:schemeClr val="accent3">
+              <a:lumMod val="40000"/>
+              <a:lumOff val="60000"/>
+            </a:schemeClr>
+          </a:solidFill>
+        </p:spPr>
+        <p:style>
+          <a:lnRef idx="2">
+            <a:schemeClr val="accent1">
+              <a:shade val="50000"/>
+            </a:schemeClr>
+          </a:lnRef>
+          <a:fillRef idx="1">
+            <a:schemeClr val="accent1"/>
+          </a:fillRef>
+          <a:effectRef idx="0">
+            <a:schemeClr val="accent1"/>
+          </a:effectRef>
+          <a:fontRef idx="minor">
+            <a:schemeClr val="lt1"/>
+          </a:fontRef>
+        </p:style>
+        <p:txBody>
+          <a:bodyPr rtlCol="0" anchor="ctr"/>
+          <a:lstStyle/>
+          <a:p>
+            <a:pPr algn="ctr"/>
+            <a:r>
+              <a:rPr lang="en-US" altLang="zh-CN" dirty="0" smtClean="0">
+                <a:solidFill>
+                  <a:schemeClr val="tx1">
+                    <a:lumMod val="95000"/>
+                    <a:lumOff val="5000"/>
+                  </a:schemeClr>
+                </a:solidFill>
+              </a:rPr>
+              <a:t>bam</a:t>
+            </a:r>
+            <a:endParaRPr lang="zh-CN" altLang="en-US" dirty="0">
+              <a:solidFill>
+                <a:schemeClr val="tx1">
+                  <a:lumMod val="95000"/>
+                  <a:lumOff val="5000"/>
+                </a:schemeClr>
+              </a:solidFill>
+            </a:endParaRPr>
+          </a:p>
+        </p:txBody>
+      </p:sp>
+      <p:sp>
+        <p:nvSpPr>
+          <p:cNvPr id="13" name="流程图: 联系 12"/>
+          <p:cNvSpPr/>
+          <p:nvPr/>
+        </p:nvSpPr>
+        <p:spPr>
+          <a:xfrm>
+            <a:off x="3666799" y="3194285"/>
+            <a:ext cx="936104" cy="792088"/>
+          </a:xfrm>
+          <a:prstGeom prst="flowChartConnector">
+            <a:avLst/>
+          </a:prstGeom>
+          <a:solidFill>
+            <a:schemeClr val="accent3">
+              <a:lumMod val="40000"/>
+              <a:lumOff val="60000"/>
+            </a:schemeClr>
+          </a:solidFill>
+        </p:spPr>
+        <p:style>
+          <a:lnRef idx="2">
+            <a:schemeClr val="accent1">
+              <a:shade val="50000"/>
+            </a:schemeClr>
+          </a:lnRef>
+          <a:fillRef idx="1">
+            <a:schemeClr val="accent1"/>
+          </a:fillRef>
+          <a:effectRef idx="0">
+            <a:schemeClr val="accent1"/>
+          </a:effectRef>
+          <a:fontRef idx="minor">
+            <a:schemeClr val="lt1"/>
+          </a:fontRef>
+        </p:style>
+        <p:txBody>
+          <a:bodyPr rtlCol="0" anchor="ctr"/>
+          <a:lstStyle/>
+          <a:p>
+            <a:pPr algn="ctr"/>
+            <a:r>
+              <a:rPr lang="en-US" altLang="zh-CN" dirty="0" err="1" smtClean="0">
+                <a:solidFill>
+                  <a:schemeClr val="tx1">
+                    <a:lumMod val="95000"/>
+                    <a:lumOff val="5000"/>
+                  </a:schemeClr>
+                </a:solidFill>
+              </a:rPr>
+              <a:t>vcf</a:t>
+            </a:r>
+            <a:endParaRPr lang="zh-CN" altLang="en-US" dirty="0">
+              <a:solidFill>
+                <a:schemeClr val="tx1">
+                  <a:lumMod val="95000"/>
+                  <a:lumOff val="5000"/>
+                </a:schemeClr>
+              </a:solidFill>
+            </a:endParaRPr>
+          </a:p>
+        </p:txBody>
+      </p:sp>
+      <p:sp>
+        <p:nvSpPr>
+          <p:cNvPr id="14" name="右箭头 13"/>
+          <p:cNvSpPr/>
+          <p:nvPr/>
+        </p:nvSpPr>
+        <p:spPr>
+          <a:xfrm>
+            <a:off x="1401200" y="4587131"/>
+            <a:ext cx="648072" cy="87965"/>
+          </a:xfrm>
+          <a:prstGeom prst="rightArrow">
+            <a:avLst/>
+          </a:prstGeom>
+        </p:spPr>
+        <p:style>
+          <a:lnRef idx="2">
+            <a:schemeClr val="accent1">
+              <a:shade val="50000"/>
+            </a:schemeClr>
+          </a:lnRef>
+          <a:fillRef idx="1">
+            <a:schemeClr val="accent1"/>
+          </a:fillRef>
+          <a:effectRef idx="0">
+            <a:schemeClr val="accent1"/>
+          </a:effectRef>
+          <a:fontRef idx="minor">
+            <a:schemeClr val="lt1"/>
+          </a:fontRef>
+        </p:style>
+        <p:txBody>
+          <a:bodyPr rtlCol="0" anchor="ctr"/>
+          <a:lstStyle/>
+          <a:p>
+            <a:pPr algn="ctr"/>
+            <a:endParaRPr lang="zh-CN" altLang="en-US"/>
+          </a:p>
+        </p:txBody>
+      </p:sp>
+      <p:sp>
+        <p:nvSpPr>
+          <p:cNvPr id="15" name="右箭头 14"/>
+          <p:cNvSpPr/>
+          <p:nvPr/>
+        </p:nvSpPr>
+        <p:spPr>
+          <a:xfrm rot="19509990">
+            <a:off x="2895526" y="3929509"/>
+            <a:ext cx="828394" cy="59865"/>
+          </a:xfrm>
+          <a:prstGeom prst="rightArrow">
+            <a:avLst/>
+          </a:prstGeom>
+        </p:spPr>
+        <p:style>
+          <a:lnRef idx="2">
+            <a:schemeClr val="accent1">
+              <a:shade val="50000"/>
+            </a:schemeClr>
+          </a:lnRef>
+          <a:fillRef idx="1">
+            <a:schemeClr val="accent1"/>
+          </a:fillRef>
+          <a:effectRef idx="0">
+            <a:schemeClr val="accent1"/>
+          </a:effectRef>
+          <a:fontRef idx="minor">
+            <a:schemeClr val="lt1"/>
+          </a:fontRef>
+        </p:style>
+        <p:txBody>
+          <a:bodyPr rtlCol="0" anchor="ctr"/>
+          <a:lstStyle/>
+          <a:p>
+            <a:pPr algn="ctr"/>
+            <a:endParaRPr lang="zh-CN" altLang="en-US"/>
+          </a:p>
+        </p:txBody>
+      </p:sp>
+      <p:sp>
+        <p:nvSpPr>
+          <p:cNvPr id="16" name="右箭头 15"/>
+          <p:cNvSpPr/>
+          <p:nvPr/>
+        </p:nvSpPr>
+        <p:spPr>
+          <a:xfrm rot="1456379">
+            <a:off x="4587990" y="3998993"/>
+            <a:ext cx="904591" cy="108118"/>
+          </a:xfrm>
+          <a:prstGeom prst="rightArrow">
+            <a:avLst/>
+          </a:prstGeom>
+        </p:spPr>
+        <p:style>
+          <a:lnRef idx="2">
+            <a:schemeClr val="accent1">
+              <a:shade val="50000"/>
+            </a:schemeClr>
+          </a:lnRef>
+          <a:fillRef idx="1">
+            <a:schemeClr val="accent1"/>
+          </a:fillRef>
+          <a:effectRef idx="0">
+            <a:schemeClr val="accent1"/>
+          </a:effectRef>
+          <a:fontRef idx="minor">
+            <a:schemeClr val="lt1"/>
+          </a:fontRef>
+        </p:style>
+        <p:txBody>
+          <a:bodyPr rtlCol="0" anchor="ctr"/>
+          <a:lstStyle/>
+          <a:p>
+            <a:pPr algn="ctr"/>
+            <a:endParaRPr lang="zh-CN" altLang="en-US"/>
+          </a:p>
+        </p:txBody>
+      </p:sp>
+      <p:sp>
+        <p:nvSpPr>
+          <p:cNvPr id="17" name="TextBox 16"/>
+          <p:cNvSpPr txBox="1"/>
+          <p:nvPr/>
+        </p:nvSpPr>
+        <p:spPr>
+          <a:xfrm>
+            <a:off x="1429618" y="4120639"/>
+            <a:ext cx="615874" cy="369332"/>
+          </a:xfrm>
+          <a:prstGeom prst="rect">
+            <a:avLst/>
+          </a:prstGeom>
+          <a:noFill/>
+        </p:spPr>
+        <p:txBody>
+          <a:bodyPr wrap="none" rtlCol="0">
+            <a:spAutoFit/>
+          </a:bodyPr>
+          <a:lstStyle/>
+          <a:p>
+            <a:r>
+              <a:rPr lang="en-US" altLang="zh-CN" dirty="0" smtClean="0"/>
+              <a:t>m:m</a:t>
+            </a:r>
+            <a:endParaRPr lang="zh-CN" altLang="en-US" dirty="0"/>
+          </a:p>
+        </p:txBody>
+      </p:sp>
+      <p:sp>
+        <p:nvSpPr>
+          <p:cNvPr id="18" name="TextBox 17"/>
+          <p:cNvSpPr txBox="1"/>
+          <p:nvPr/>
+        </p:nvSpPr>
+        <p:spPr>
+          <a:xfrm>
+            <a:off x="3017574" y="3448989"/>
+            <a:ext cx="548548" cy="369332"/>
+          </a:xfrm>
+          <a:prstGeom prst="rect">
+            <a:avLst/>
+          </a:prstGeom>
+          <a:noFill/>
+        </p:spPr>
+        <p:txBody>
+          <a:bodyPr wrap="none" rtlCol="0">
+            <a:spAutoFit/>
+          </a:bodyPr>
+          <a:lstStyle/>
+          <a:p>
+            <a:r>
+              <a:rPr lang="en-US" altLang="zh-CN" dirty="0" smtClean="0"/>
+              <a:t>m:1</a:t>
+            </a:r>
+            <a:endParaRPr lang="zh-CN" altLang="en-US" dirty="0"/>
+          </a:p>
+        </p:txBody>
+      </p:sp>
+      <p:sp>
+        <p:nvSpPr>
+          <p:cNvPr id="19" name="TextBox 18"/>
+          <p:cNvSpPr txBox="1"/>
+          <p:nvPr/>
+        </p:nvSpPr>
+        <p:spPr>
+          <a:xfrm>
+            <a:off x="4805966" y="3573016"/>
+            <a:ext cx="2397414" cy="646331"/>
+          </a:xfrm>
+          <a:prstGeom prst="rect">
+            <a:avLst/>
+          </a:prstGeom>
+          <a:noFill/>
+        </p:spPr>
+        <p:txBody>
+          <a:bodyPr wrap="square" rtlCol="0">
+            <a:spAutoFit/>
+          </a:bodyPr>
+          <a:lstStyle/>
+          <a:p>
+            <a:pPr algn="ctr"/>
+            <a:r>
+              <a:rPr lang="en-US" altLang="zh-CN" dirty="0" smtClean="0"/>
+              <a:t>Produce </a:t>
+            </a:r>
+            <a:r>
+              <a:rPr lang="en-US" altLang="zh-CN" dirty="0" err="1" smtClean="0"/>
+              <a:t>snp_toplevel</a:t>
+            </a:r>
+            <a:r>
+              <a:rPr lang="en-US" altLang="zh-CN" dirty="0" smtClean="0"/>
+              <a:t> </a:t>
+            </a:r>
+            <a:r>
+              <a:rPr lang="zh-CN" altLang="en-US" dirty="0" smtClean="0"/>
+              <a:t> </a:t>
+            </a:r>
+            <a:r>
+              <a:rPr lang="en-US" altLang="zh-CN" dirty="0" smtClean="0"/>
+              <a:t>table </a:t>
+            </a:r>
+            <a:endParaRPr lang="zh-CN" altLang="en-US" dirty="0"/>
+          </a:p>
+        </p:txBody>
+      </p:sp>
+      <p:sp>
+        <p:nvSpPr>
+          <p:cNvPr id="21" name="TextBox 20"/>
+          <p:cNvSpPr txBox="1"/>
+          <p:nvPr/>
+        </p:nvSpPr>
+        <p:spPr>
+          <a:xfrm>
+            <a:off x="4551010" y="4176862"/>
+            <a:ext cx="481222" cy="369332"/>
+          </a:xfrm>
+          <a:prstGeom prst="rect">
+            <a:avLst/>
+          </a:prstGeom>
+          <a:noFill/>
+        </p:spPr>
+        <p:txBody>
+          <a:bodyPr wrap="none" rtlCol="0">
+            <a:spAutoFit/>
+          </a:bodyPr>
+          <a:lstStyle/>
+          <a:p>
+            <a:r>
+              <a:rPr lang="en-US" altLang="zh-CN" dirty="0" smtClean="0"/>
+              <a:t>1:1</a:t>
+            </a:r>
+            <a:endParaRPr lang="zh-CN" altLang="en-US" dirty="0"/>
+          </a:p>
+        </p:txBody>
+      </p:sp>
+      <p:sp>
+        <p:nvSpPr>
+          <p:cNvPr id="22" name="矩形 21"/>
+          <p:cNvSpPr/>
+          <p:nvPr/>
+        </p:nvSpPr>
+        <p:spPr>
+          <a:xfrm>
+            <a:off x="7239285" y="2924273"/>
+            <a:ext cx="1083621" cy="985008"/>
+          </a:xfrm>
+          <a:prstGeom prst="rect">
+            <a:avLst/>
+          </a:prstGeom>
+          <a:solidFill>
+            <a:schemeClr val="accent2">
+              <a:lumMod val="60000"/>
+              <a:lumOff val="40000"/>
+            </a:schemeClr>
+          </a:solidFill>
+        </p:spPr>
+        <p:style>
+          <a:lnRef idx="2">
+            <a:schemeClr val="accent1">
+              <a:shade val="50000"/>
+            </a:schemeClr>
+          </a:lnRef>
+          <a:fillRef idx="1">
+            <a:schemeClr val="accent1"/>
+          </a:fillRef>
+          <a:effectRef idx="0">
+            <a:schemeClr val="accent1"/>
+          </a:effectRef>
+          <a:fontRef idx="minor">
+            <a:schemeClr val="lt1"/>
+          </a:fontRef>
+        </p:style>
+        <p:txBody>
+          <a:bodyPr rtlCol="0" anchor="ctr"/>
+          <a:lstStyle/>
+          <a:p>
+            <a:pPr algn="ctr"/>
+            <a:r>
+              <a:rPr lang="en-US" altLang="zh-CN" dirty="0" err="1" smtClean="0">
+                <a:solidFill>
+                  <a:schemeClr val="tx1">
+                    <a:lumMod val="95000"/>
+                    <a:lumOff val="5000"/>
+                  </a:schemeClr>
+                </a:solidFill>
+              </a:rPr>
+              <a:t>snp_toplevel</a:t>
+            </a:r>
+            <a:r>
+              <a:rPr lang="zh-CN" altLang="en-US" dirty="0" smtClean="0">
+                <a:solidFill>
+                  <a:schemeClr val="tx1">
+                    <a:lumMod val="95000"/>
+                    <a:lumOff val="5000"/>
+                  </a:schemeClr>
+                </a:solidFill>
+              </a:rPr>
+              <a:t> </a:t>
+            </a:r>
+            <a:r>
+              <a:rPr lang="en-US" altLang="zh-CN" dirty="0" smtClean="0">
+                <a:solidFill>
+                  <a:schemeClr val="tx1">
+                    <a:lumMod val="95000"/>
+                    <a:lumOff val="5000"/>
+                  </a:schemeClr>
+                </a:solidFill>
+              </a:rPr>
+              <a:t>table</a:t>
+            </a:r>
+            <a:endParaRPr lang="zh-CN" altLang="en-US" dirty="0">
+              <a:solidFill>
+                <a:schemeClr val="tx1">
+                  <a:lumMod val="95000"/>
+                  <a:lumOff val="5000"/>
+                </a:schemeClr>
+              </a:solidFill>
+            </a:endParaRPr>
+          </a:p>
+        </p:txBody>
+      </p:sp>
+      <p:sp>
+        <p:nvSpPr>
+          <p:cNvPr id="23" name="矩形 22"/>
+          <p:cNvSpPr/>
+          <p:nvPr/>
+        </p:nvSpPr>
+        <p:spPr>
+          <a:xfrm>
+            <a:off x="7249841" y="3983242"/>
+            <a:ext cx="1083621" cy="985008"/>
+          </a:xfrm>
+          <a:prstGeom prst="rect">
+            <a:avLst/>
+          </a:prstGeom>
+          <a:solidFill>
+            <a:srgbClr val="00B0F0"/>
+          </a:solidFill>
+        </p:spPr>
+        <p:style>
+          <a:lnRef idx="2">
+            <a:schemeClr val="accent1">
+              <a:shade val="50000"/>
+            </a:schemeClr>
+          </a:lnRef>
+          <a:fillRef idx="1">
+            <a:schemeClr val="accent1"/>
+          </a:fillRef>
+          <a:effectRef idx="0">
+            <a:schemeClr val="accent1"/>
+          </a:effectRef>
+          <a:fontRef idx="minor">
+            <a:schemeClr val="lt1"/>
+          </a:fontRef>
+        </p:style>
+        <p:txBody>
+          <a:bodyPr rtlCol="0" anchor="ctr"/>
+          <a:lstStyle/>
+          <a:p>
+            <a:pPr algn="ctr"/>
+            <a:r>
+              <a:rPr lang="en-US" altLang="zh-CN" dirty="0" smtClean="0">
+                <a:solidFill>
+                  <a:schemeClr val="tx1"/>
+                </a:solidFill>
+              </a:rPr>
+              <a:t>Table </a:t>
+            </a:r>
+            <a:r>
+              <a:rPr lang="en-US" altLang="zh-CN" dirty="0" smtClean="0">
+                <a:solidFill>
+                  <a:schemeClr val="tx1"/>
+                </a:solidFill>
+              </a:rPr>
+              <a:t>correspond to </a:t>
+            </a:r>
+            <a:r>
+              <a:rPr lang="en-US" altLang="zh-CN" dirty="0" err="1" smtClean="0">
+                <a:solidFill>
+                  <a:schemeClr val="tx1"/>
+                </a:solidFill>
+              </a:rPr>
+              <a:t>vcf</a:t>
+            </a:r>
+            <a:endParaRPr lang="zh-CN" altLang="en-US" dirty="0">
+              <a:solidFill>
+                <a:schemeClr val="tx1"/>
+              </a:solidFill>
+            </a:endParaRPr>
+          </a:p>
+        </p:txBody>
+      </p:sp>
+      <p:sp>
+        <p:nvSpPr>
+          <p:cNvPr id="24" name="矩形 23"/>
+          <p:cNvSpPr/>
+          <p:nvPr/>
+        </p:nvSpPr>
+        <p:spPr>
+          <a:xfrm>
+            <a:off x="7243350" y="5482423"/>
+            <a:ext cx="1083621" cy="985008"/>
+          </a:xfrm>
+          <a:prstGeom prst="rect">
+            <a:avLst/>
+          </a:prstGeom>
+          <a:solidFill>
+            <a:srgbClr val="00B0F0"/>
+          </a:solidFill>
+        </p:spPr>
+        <p:style>
+          <a:lnRef idx="2">
+            <a:schemeClr val="accent1">
+              <a:shade val="50000"/>
+            </a:schemeClr>
+          </a:lnRef>
+          <a:fillRef idx="1">
+            <a:schemeClr val="accent1"/>
+          </a:fillRef>
+          <a:effectRef idx="0">
+            <a:schemeClr val="accent1"/>
+          </a:effectRef>
+          <a:fontRef idx="minor">
+            <a:schemeClr val="lt1"/>
+          </a:fontRef>
+        </p:style>
+        <p:txBody>
+          <a:bodyPr rtlCol="0" anchor="ctr"/>
+          <a:lstStyle/>
+          <a:p>
+            <a:pPr algn="ctr"/>
+            <a:r>
+              <a:rPr lang="en-US" altLang="zh-CN" dirty="0" smtClean="0">
+                <a:solidFill>
+                  <a:schemeClr val="tx1">
+                    <a:lumMod val="95000"/>
+                    <a:lumOff val="5000"/>
+                  </a:schemeClr>
+                </a:solidFill>
+              </a:rPr>
+              <a:t>Table correspond to </a:t>
+            </a:r>
+            <a:r>
+              <a:rPr lang="en-US" altLang="zh-CN" dirty="0" err="1" smtClean="0">
+                <a:solidFill>
+                  <a:schemeClr val="tx1">
+                    <a:lumMod val="95000"/>
+                    <a:lumOff val="5000"/>
+                  </a:schemeClr>
+                </a:solidFill>
+              </a:rPr>
+              <a:t>vcf</a:t>
+            </a:r>
+            <a:endParaRPr lang="zh-CN" altLang="en-US" dirty="0">
+              <a:solidFill>
+                <a:schemeClr val="tx1">
+                  <a:lumMod val="95000"/>
+                  <a:lumOff val="5000"/>
+                </a:schemeClr>
+              </a:solidFill>
+            </a:endParaRPr>
+          </a:p>
+        </p:txBody>
+      </p:sp>
+      <p:sp>
+        <p:nvSpPr>
+          <p:cNvPr id="25" name="TextBox 24"/>
+          <p:cNvSpPr txBox="1"/>
+          <p:nvPr/>
+        </p:nvSpPr>
+        <p:spPr>
+          <a:xfrm>
+            <a:off x="7239286" y="5092513"/>
+            <a:ext cx="877163" cy="369332"/>
+          </a:xfrm>
+          <a:prstGeom prst="rect">
+            <a:avLst/>
+          </a:prstGeom>
+          <a:noFill/>
+        </p:spPr>
+        <p:txBody>
+          <a:bodyPr wrap="none" rtlCol="0">
+            <a:spAutoFit/>
+          </a:bodyPr>
+          <a:lstStyle/>
+          <a:p>
+            <a:r>
+              <a:rPr lang="zh-CN" altLang="en-US" dirty="0" smtClean="0">
+                <a:solidFill>
+                  <a:srgbClr val="00B0F0"/>
+                </a:solidFill>
+              </a:rPr>
+              <a:t>。。。</a:t>
+            </a:r>
+            <a:endParaRPr lang="zh-CN" altLang="en-US" dirty="0">
+              <a:solidFill>
+                <a:srgbClr val="00B0F0"/>
+              </a:solidFill>
+            </a:endParaRPr>
+          </a:p>
+        </p:txBody>
+      </p:sp>
+      <p:sp>
+        <p:nvSpPr>
+          <p:cNvPr id="26" name="流程图: 联系 25"/>
+          <p:cNvSpPr/>
+          <p:nvPr/>
+        </p:nvSpPr>
+        <p:spPr>
+          <a:xfrm>
+            <a:off x="3923928" y="2132856"/>
+            <a:ext cx="1735349" cy="792088"/>
+          </a:xfrm>
+          <a:prstGeom prst="flowChartConnector">
+            <a:avLst/>
+          </a:prstGeom>
+          <a:solidFill>
+            <a:schemeClr val="accent3">
+              <a:lumMod val="40000"/>
+              <a:lumOff val="60000"/>
+            </a:schemeClr>
+          </a:solidFill>
+        </p:spPr>
+        <p:style>
+          <a:lnRef idx="2">
+            <a:schemeClr val="accent1">
+              <a:shade val="50000"/>
+            </a:schemeClr>
+          </a:lnRef>
+          <a:fillRef idx="1">
+            <a:schemeClr val="accent1"/>
+          </a:fillRef>
+          <a:effectRef idx="0">
+            <a:schemeClr val="accent1"/>
+          </a:effectRef>
+          <a:fontRef idx="minor">
+            <a:schemeClr val="lt1"/>
+          </a:fontRef>
+        </p:style>
+        <p:txBody>
+          <a:bodyPr rtlCol="0" anchor="ctr"/>
+          <a:lstStyle/>
+          <a:p>
+            <a:pPr algn="ctr"/>
+            <a:r>
+              <a:rPr lang="en-US" altLang="zh-CN" dirty="0" smtClean="0">
+                <a:solidFill>
+                  <a:schemeClr val="tx1">
+                    <a:lumMod val="95000"/>
+                    <a:lumOff val="5000"/>
+                  </a:schemeClr>
+                </a:solidFill>
+              </a:rPr>
+              <a:t>Ref </a:t>
+            </a:r>
+            <a:r>
+              <a:rPr lang="en-US" altLang="zh-CN" dirty="0" err="1" smtClean="0">
+                <a:solidFill>
+                  <a:schemeClr val="tx1">
+                    <a:lumMod val="95000"/>
+                    <a:lumOff val="5000"/>
+                  </a:schemeClr>
+                </a:solidFill>
+              </a:rPr>
+              <a:t>fasta</a:t>
+            </a:r>
+            <a:r>
+              <a:rPr lang="en-US" altLang="zh-CN" dirty="0" smtClean="0">
+                <a:solidFill>
+                  <a:schemeClr val="tx1">
+                    <a:lumMod val="95000"/>
+                    <a:lumOff val="5000"/>
+                  </a:schemeClr>
+                </a:solidFill>
+              </a:rPr>
+              <a:t> of close species</a:t>
+            </a:r>
+            <a:endParaRPr lang="zh-CN" altLang="en-US" dirty="0">
+              <a:solidFill>
+                <a:schemeClr val="tx1">
+                  <a:lumMod val="95000"/>
+                  <a:lumOff val="5000"/>
+                </a:schemeClr>
+              </a:solidFill>
+            </a:endParaRPr>
+          </a:p>
+        </p:txBody>
+      </p:sp>
+      <p:sp>
+        <p:nvSpPr>
+          <p:cNvPr id="27" name="右弧形箭头 26"/>
+          <p:cNvSpPr/>
+          <p:nvPr/>
+        </p:nvSpPr>
+        <p:spPr>
+          <a:xfrm rot="6129089">
+            <a:off x="5909849" y="2345955"/>
+            <a:ext cx="440066" cy="2101447"/>
+          </a:xfrm>
+          <a:prstGeom prst="curvedLeftArrow">
+            <a:avLst>
+              <a:gd name="adj1" fmla="val 43230"/>
+              <a:gd name="adj2" fmla="val 93978"/>
+              <a:gd name="adj3" fmla="val 25000"/>
+            </a:avLst>
+          </a:prstGeom>
+        </p:spPr>
+        <p:style>
+          <a:lnRef idx="2">
+            <a:schemeClr val="accent1">
+              <a:shade val="50000"/>
+            </a:schemeClr>
+          </a:lnRef>
+          <a:fillRef idx="1">
+            <a:schemeClr val="accent1"/>
+          </a:fillRef>
+          <a:effectRef idx="0">
+            <a:schemeClr val="accent1"/>
+          </a:effectRef>
+          <a:fontRef idx="minor">
+            <a:schemeClr val="lt1"/>
+          </a:fontRef>
+        </p:style>
+        <p:txBody>
+          <a:bodyPr rtlCol="0" anchor="ctr"/>
+          <a:lstStyle/>
+          <a:p>
+            <a:pPr algn="ctr"/>
+            <a:endParaRPr lang="zh-CN" altLang="en-US">
+              <a:solidFill>
+                <a:schemeClr val="tx1"/>
+              </a:solidFill>
+            </a:endParaRPr>
+          </a:p>
+        </p:txBody>
+      </p:sp>
+      <p:sp>
+        <p:nvSpPr>
+          <p:cNvPr id="28" name="左弧形箭头 27"/>
+          <p:cNvSpPr/>
+          <p:nvPr/>
+        </p:nvSpPr>
+        <p:spPr>
+          <a:xfrm rot="20055449" flipH="1">
+            <a:off x="7539703" y="1302914"/>
+            <a:ext cx="526960" cy="1668863"/>
+          </a:xfrm>
+          <a:prstGeom prst="curvedRightArrow">
+            <a:avLst/>
+          </a:prstGeom>
+        </p:spPr>
+        <p:style>
+          <a:lnRef idx="2">
+            <a:schemeClr val="accent1">
+              <a:shade val="50000"/>
+            </a:schemeClr>
+          </a:lnRef>
+          <a:fillRef idx="1">
+            <a:schemeClr val="accent1"/>
+          </a:fillRef>
+          <a:effectRef idx="0">
+            <a:schemeClr val="accent1"/>
+          </a:effectRef>
+          <a:fontRef idx="minor">
+            <a:schemeClr val="lt1"/>
+          </a:fontRef>
+        </p:style>
+        <p:txBody>
+          <a:bodyPr rtlCol="0" anchor="ctr"/>
+          <a:lstStyle/>
+          <a:p>
+            <a:pPr algn="ctr"/>
+            <a:endParaRPr lang="zh-CN" altLang="en-US">
+              <a:solidFill>
+                <a:schemeClr val="tx1"/>
+              </a:solidFill>
+            </a:endParaRPr>
+          </a:p>
+        </p:txBody>
+      </p:sp>
+      <p:sp>
+        <p:nvSpPr>
+          <p:cNvPr id="29" name="上弧形箭头 28"/>
+          <p:cNvSpPr/>
+          <p:nvPr/>
+        </p:nvSpPr>
+        <p:spPr>
+          <a:xfrm rot="1467459">
+            <a:off x="5562252" y="2430407"/>
+            <a:ext cx="2020865" cy="468760"/>
+          </a:xfrm>
+          <a:prstGeom prst="curvedDownArrow">
+            <a:avLst/>
+          </a:prstGeom>
+        </p:spPr>
+        <p:style>
+          <a:lnRef idx="2">
+            <a:schemeClr val="accent1">
+              <a:shade val="50000"/>
+            </a:schemeClr>
+          </a:lnRef>
+          <a:fillRef idx="1">
+            <a:schemeClr val="accent1"/>
+          </a:fillRef>
+          <a:effectRef idx="0">
+            <a:schemeClr val="accent1"/>
+          </a:effectRef>
+          <a:fontRef idx="minor">
+            <a:schemeClr val="lt1"/>
+          </a:fontRef>
+        </p:style>
+        <p:txBody>
+          <a:bodyPr rtlCol="0" anchor="ctr"/>
+          <a:lstStyle/>
+          <a:p>
+            <a:pPr algn="ctr"/>
+            <a:endParaRPr lang="zh-CN" altLang="en-US">
+              <a:solidFill>
+                <a:schemeClr val="tx1"/>
+              </a:solidFill>
+            </a:endParaRPr>
+          </a:p>
+        </p:txBody>
+      </p:sp>
+      <p:sp>
+        <p:nvSpPr>
+          <p:cNvPr id="30" name="TextBox 29"/>
+          <p:cNvSpPr txBox="1"/>
+          <p:nvPr/>
+        </p:nvSpPr>
+        <p:spPr>
+          <a:xfrm>
+            <a:off x="5609862" y="2791862"/>
+            <a:ext cx="1645111" cy="646331"/>
+          </a:xfrm>
+          <a:prstGeom prst="rect">
+            <a:avLst/>
+          </a:prstGeom>
+          <a:noFill/>
+        </p:spPr>
+        <p:txBody>
+          <a:bodyPr wrap="square" rtlCol="0">
+            <a:spAutoFit/>
+          </a:bodyPr>
+          <a:lstStyle/>
+          <a:p>
+            <a:r>
+              <a:rPr lang="en-US" altLang="zh-CN" dirty="0" smtClean="0"/>
+              <a:t>Close related species</a:t>
+            </a:r>
+            <a:endParaRPr lang="zh-CN" altLang="en-US" dirty="0"/>
+          </a:p>
+        </p:txBody>
+      </p:sp>
+      <p:sp>
+        <p:nvSpPr>
+          <p:cNvPr id="31" name="TextBox 30"/>
+          <p:cNvSpPr txBox="1"/>
+          <p:nvPr/>
+        </p:nvSpPr>
+        <p:spPr>
+          <a:xfrm>
+            <a:off x="6990692" y="1948190"/>
+            <a:ext cx="2251514" cy="369332"/>
+          </a:xfrm>
+          <a:prstGeom prst="rect">
+            <a:avLst/>
+          </a:prstGeom>
+          <a:noFill/>
+        </p:spPr>
+        <p:txBody>
+          <a:bodyPr wrap="none" rtlCol="0">
+            <a:spAutoFit/>
+          </a:bodyPr>
+          <a:lstStyle/>
+          <a:p>
+            <a:r>
+              <a:rPr lang="en-US" altLang="zh-CN" dirty="0" smtClean="0"/>
+              <a:t>Outgroup populations</a:t>
+            </a:r>
+            <a:endParaRPr lang="zh-CN" altLang="en-US" dirty="0"/>
+          </a:p>
+        </p:txBody>
+      </p:sp>
+      <p:sp>
+        <p:nvSpPr>
+          <p:cNvPr id="32" name="流程图: 联系 31"/>
+          <p:cNvSpPr/>
+          <p:nvPr/>
+        </p:nvSpPr>
+        <p:spPr>
+          <a:xfrm>
+            <a:off x="6129882" y="1124744"/>
+            <a:ext cx="1109403" cy="792088"/>
+          </a:xfrm>
+          <a:prstGeom prst="flowChartConnector">
+            <a:avLst/>
+          </a:prstGeom>
+          <a:solidFill>
+            <a:schemeClr val="accent3">
+              <a:lumMod val="40000"/>
+              <a:lumOff val="60000"/>
+            </a:schemeClr>
+          </a:solidFill>
+        </p:spPr>
+        <p:style>
+          <a:lnRef idx="2">
+            <a:schemeClr val="accent1">
+              <a:shade val="50000"/>
+            </a:schemeClr>
+          </a:lnRef>
+          <a:fillRef idx="1">
+            <a:schemeClr val="accent1"/>
+          </a:fillRef>
+          <a:effectRef idx="0">
+            <a:schemeClr val="accent1"/>
+          </a:effectRef>
+          <a:fontRef idx="minor">
+            <a:schemeClr val="lt1"/>
+          </a:fontRef>
+        </p:style>
+        <p:txBody>
+          <a:bodyPr rtlCol="0" anchor="ctr"/>
+          <a:lstStyle/>
+          <a:p>
+            <a:pPr algn="ctr"/>
+            <a:r>
+              <a:rPr lang="en-US" altLang="zh-CN" dirty="0" err="1" smtClean="0">
+                <a:solidFill>
+                  <a:schemeClr val="tx1">
+                    <a:lumMod val="95000"/>
+                    <a:lumOff val="5000"/>
+                  </a:schemeClr>
+                </a:solidFill>
+              </a:rPr>
+              <a:t>vcf</a:t>
+            </a:r>
+            <a:r>
+              <a:rPr lang="zh-CN" altLang="en-US" dirty="0" smtClean="0">
+                <a:solidFill>
+                  <a:schemeClr val="tx1">
+                    <a:lumMod val="95000"/>
+                    <a:lumOff val="5000"/>
+                  </a:schemeClr>
+                </a:solidFill>
+              </a:rPr>
+              <a:t>，</a:t>
+            </a:r>
+            <a:r>
+              <a:rPr lang="en-US" altLang="zh-CN" dirty="0" smtClean="0">
+                <a:solidFill>
+                  <a:schemeClr val="tx1">
+                    <a:lumMod val="95000"/>
+                    <a:lumOff val="5000"/>
+                  </a:schemeClr>
+                </a:solidFill>
+              </a:rPr>
+              <a:t>depth</a:t>
+            </a:r>
+            <a:endParaRPr lang="zh-CN" altLang="en-US" dirty="0">
+              <a:solidFill>
+                <a:schemeClr val="tx1">
+                  <a:lumMod val="95000"/>
+                  <a:lumOff val="5000"/>
+                </a:schemeClr>
+              </a:solidFill>
+            </a:endParaRPr>
+          </a:p>
+        </p:txBody>
+      </p:sp>
+      <p:sp>
+        <p:nvSpPr>
+          <p:cNvPr id="33" name="TextBox 32"/>
+          <p:cNvSpPr txBox="1"/>
+          <p:nvPr/>
+        </p:nvSpPr>
+        <p:spPr>
+          <a:xfrm>
+            <a:off x="4791602" y="5999721"/>
+            <a:ext cx="2084654" cy="923330"/>
+          </a:xfrm>
+          <a:prstGeom prst="rect">
+            <a:avLst/>
+          </a:prstGeom>
+          <a:noFill/>
+        </p:spPr>
+        <p:txBody>
+          <a:bodyPr wrap="square" rtlCol="0">
+            <a:spAutoFit/>
+          </a:bodyPr>
+          <a:lstStyle/>
+          <a:p>
+            <a:r>
+              <a:rPr lang="en-US" altLang="zh-CN" dirty="0" err="1" smtClean="0"/>
+              <a:t>Toplevel</a:t>
+            </a:r>
+            <a:r>
+              <a:rPr lang="en-US" altLang="zh-CN" dirty="0" smtClean="0"/>
+              <a:t> table could be modified dynamically </a:t>
             </a:r>
             <a:endParaRPr lang="zh-CN" altLang="en-US" dirty="0"/>
           </a:p>
@@ -9279,24 +11033,10 @@
         </p:nvSpPr>
         <p:spPr/>
         <p:txBody>
-          <a:bodyPr>
-            <a:normAutofit fontScale="90000"/>
-          </a:bodyPr>
-          <a:lstStyle/>
-          <a:p>
-            <a:r>
-              <a:rPr lang="en-US" altLang="zh-CN" b="1" dirty="0" smtClean="0"/>
-              <a:t>2. analysis </a:t>
-            </a:r>
-            <a:r>
-              <a:rPr lang="en-US" altLang="zh-CN" b="1" dirty="0"/>
-              <a:t>pipeline </a:t>
-            </a:r>
-            <a:r>
-              <a:rPr lang="en-US" altLang="zh-CN" b="1" dirty="0" smtClean="0"/>
-              <a:t>management module</a:t>
-            </a:r>
-            <a:endParaRPr lang="zh-CN" altLang="en-US" b="1" dirty="0"/>
+          <a:bodyPr/>
+          <a:lstStyle/>
+          <a:p>
+            <a:endParaRPr lang="zh-CN" altLang="en-US"/>
           </a:p>
         </p:txBody>
       </p:sp>
@@ -9310,27 +11050,14 @@
             <p:ph idx="1"/>
           </p:nvPr>
         </p:nvSpPr>
-        <p:spPr>
-          <a:xfrm>
-            <a:off x="457200" y="1600200"/>
-            <a:ext cx="8229600" cy="4925144"/>
-          </a:xfrm>
-        </p:spPr>
-        <p:txBody>
-          <a:bodyPr>
-            <a:normAutofit fontScale="92500"/>
-          </a:bodyPr>
-          <a:lstStyle/>
-          <a:p>
-            <a:r>
-              <a:rPr lang="en-US" altLang="zh-CN" dirty="0" smtClean="0"/>
-              <a:t>NGS project usually involve in multiple data sets and multiple steps. Similar commands with same parameters but different input and output could be produced by program. In this way could not only avoid mistaken by manually commands coding, reduce labor. Arrangement rule could also help to manage data and pipeline scripts.</a:t>
-            </a:r>
-          </a:p>
-          <a:p>
-            <a:r>
-              <a:rPr lang="en-US" altLang="zh-CN" dirty="0" smtClean="0"/>
-              <a:t>In the base of such semi automatic arrangement, an B/S mode system is easy to implement</a:t>
+        <p:spPr/>
+        <p:txBody>
+          <a:bodyPr/>
+          <a:lstStyle/>
+          <a:p>
+            <a:r>
+              <a:rPr lang="en-US" altLang="zh-CN" dirty="0" smtClean="0"/>
+              <a:t>… …</a:t>
             </a:r>
             <a:endParaRPr lang="zh-CN" altLang="en-US" dirty="0"/>
           </a:p>
@@ -9339,20 +11066,13 @@
     </p:spTree>
     <p:extLst>
       <p:ext uri="{BB962C8B-B14F-4D97-AF65-F5344CB8AC3E}">
-        <p14:creationId xmlns:p14="http://schemas.microsoft.com/office/powerpoint/2010/main" val="3881638786"/>
+        <p14:creationId xmlns:p14="http://schemas.microsoft.com/office/powerpoint/2010/main" val="3686333479"/>
       </p:ext>
     </p:extLst>
   </p:cSld>
   <p:clrMapOvr>
     <a:masterClrMapping/>
   </p:clrMapOvr>
-  <p:timing>
-    <p:tnLst>
-      <p:par>
-        <p:cTn id="1" dur="indefinite" restart="never" nodeType="tmRoot"/>
-      </p:par>
-    </p:tnLst>
-  </p:timing>
 </p:sld>
 </file>
 
@@ -9383,21 +11103,26 @@
             <p:ph type="title"/>
           </p:nvPr>
         </p:nvSpPr>
-        <p:spPr>
-          <a:xfrm>
-            <a:off x="467544" y="12778"/>
-            <a:ext cx="8229600" cy="1143000"/>
-          </a:xfrm>
-        </p:spPr>
-        <p:txBody>
-          <a:bodyPr/>
-          <a:lstStyle/>
-          <a:p>
-            <a:r>
-              <a:rPr lang="en-US" altLang="zh-CN" sz="3200" dirty="0" smtClean="0"/>
-              <a:t>Data store and naming agreement</a:t>
-            </a:r>
-            <a:endParaRPr lang="zh-CN" altLang="en-US" sz="3200" dirty="0"/>
+        <p:spPr/>
+        <p:txBody>
+          <a:bodyPr>
+            <a:normAutofit/>
+          </a:bodyPr>
+          <a:lstStyle/>
+          <a:p>
+            <a:r>
+              <a:rPr lang="en-US" altLang="zh-CN" sz="3600" b="1" dirty="0" smtClean="0"/>
+              <a:t>analysis </a:t>
+            </a:r>
+            <a:r>
+              <a:rPr lang="en-US" altLang="zh-CN" sz="3600" b="1" dirty="0"/>
+              <a:t>pipeline </a:t>
+            </a:r>
+            <a:r>
+              <a:rPr lang="en-US" altLang="zh-CN" sz="3600" b="1" dirty="0" smtClean="0"/>
+              <a:t>management module</a:t>
+            </a:r>
+            <a:endParaRPr lang="zh-CN" altLang="en-US" sz="3600" b="1" dirty="0"/>
           </a:p>
         </p:txBody>
       </p:sp>
@@ -9413,160 +11138,80 @@
         </p:nvSpPr>
         <p:spPr>
           <a:xfrm>
-            <a:off x="457200" y="980728"/>
-            <a:ext cx="5770984" cy="5145435"/>
-          </a:xfrm>
-        </p:spPr>
-        <p:txBody>
-          <a:bodyPr/>
-          <a:lstStyle/>
-          <a:p>
-            <a:r>
-              <a:rPr lang="en-US" altLang="zh-CN" dirty="0" smtClean="0"/>
-              <a:t>Similar </a:t>
-            </a:r>
-            <a:r>
-              <a:rPr lang="en-US" altLang="zh-CN" dirty="0"/>
-              <a:t>d</a:t>
-            </a:r>
-            <a:r>
-              <a:rPr lang="en-US" altLang="zh-CN" dirty="0" smtClean="0"/>
-              <a:t>ata were stored in different folders but same suffix. Those folders are under same folder and same depth.</a:t>
-            </a:r>
-          </a:p>
-          <a:p>
-            <a:r>
-              <a:rPr lang="en-US" altLang="zh-CN" dirty="0" smtClean="0"/>
-              <a:t>For example.</a:t>
-            </a:r>
-          </a:p>
-          <a:p>
-            <a:pPr marL="0" indent="0">
-              <a:buNone/>
-            </a:pPr>
-            <a:r>
-              <a:rPr lang="en-US" altLang="zh-CN" dirty="0" smtClean="0"/>
-              <a:t>A batch of paired </a:t>
-            </a:r>
-          </a:p>
-          <a:p>
-            <a:pPr marL="0" indent="0">
-              <a:buNone/>
-            </a:pPr>
-            <a:r>
-              <a:rPr lang="en-US" altLang="zh-CN" dirty="0" err="1" smtClean="0"/>
-              <a:t>fastq</a:t>
-            </a:r>
-            <a:r>
-              <a:rPr lang="en-US" altLang="zh-CN" dirty="0" smtClean="0"/>
-              <a:t> data.</a:t>
-            </a:r>
-          </a:p>
-          <a:p>
+            <a:off x="457200" y="1600200"/>
+            <a:ext cx="8229600" cy="4925144"/>
+          </a:xfrm>
+        </p:spPr>
+        <p:txBody>
+          <a:bodyPr>
+            <a:normAutofit fontScale="92500"/>
+          </a:bodyPr>
+          <a:lstStyle/>
+          <a:p>
+            <a:r>
+              <a:rPr lang="en-US" altLang="zh-CN" dirty="0" smtClean="0"/>
+              <a:t>NGS project usually involve in multiple data sets and multiple steps. Similar commands with same parameters but different input and output could be produced by program. In this way could not only avoid mistaken by manually commands coding, reduce labor. Arrangement rule could also help to manage data and pipeline scripts.</a:t>
+            </a:r>
+          </a:p>
+          <a:p>
+            <a:r>
+              <a:rPr lang="en-US" altLang="zh-CN" dirty="0" smtClean="0"/>
+              <a:t>In the base of such semi automatic arrangement, an B/S mode system is easy to implement</a:t>
+            </a:r>
             <a:endParaRPr lang="zh-CN" altLang="en-US" dirty="0"/>
           </a:p>
         </p:txBody>
       </p:sp>
-      <p:pic>
-        <p:nvPicPr>
-          <p:cNvPr id="4" name="图片 3"/>
-          <p:cNvPicPr>
-            <a:picLocks noChangeAspect="1"/>
-          </p:cNvPicPr>
-          <p:nvPr/>
-        </p:nvPicPr>
-        <p:blipFill>
-          <a:blip r:embed="rId2">
-            <a:extLst>
-              <a:ext uri="{28A0092B-C50C-407E-A947-70E740481C1C}">
-                <a14:useLocalDpi xmlns:a14="http://schemas.microsoft.com/office/drawing/2010/main" val="0"/>
-              </a:ext>
-            </a:extLst>
-          </a:blip>
-          <a:stretch>
-            <a:fillRect/>
-          </a:stretch>
-        </p:blipFill>
-        <p:spPr>
-          <a:xfrm>
-            <a:off x="4288457" y="2981325"/>
-            <a:ext cx="4829175" cy="3876675"/>
+      <p:sp>
+        <p:nvSpPr>
+          <p:cNvPr id="4" name="TextBox 3"/>
+          <p:cNvSpPr txBox="1"/>
+          <p:nvPr/>
+        </p:nvSpPr>
+        <p:spPr>
+          <a:xfrm>
+            <a:off x="0" y="0"/>
+            <a:ext cx="9139472" cy="369332"/>
           </a:xfrm>
           <a:prstGeom prst="rect">
             <a:avLst/>
           </a:prstGeom>
-        </p:spPr>
-      </p:pic>
-      <p:pic>
-        <p:nvPicPr>
-          <p:cNvPr id="6" name="图片 5"/>
-          <p:cNvPicPr>
-            <a:picLocks noChangeAspect="1"/>
-          </p:cNvPicPr>
-          <p:nvPr/>
-        </p:nvPicPr>
-        <p:blipFill>
-          <a:blip r:embed="rId3">
-            <a:extLst>
-              <a:ext uri="{28A0092B-C50C-407E-A947-70E740481C1C}">
-                <a14:useLocalDpi xmlns:a14="http://schemas.microsoft.com/office/drawing/2010/main" val="0"/>
-              </a:ext>
-            </a:extLst>
-          </a:blip>
-          <a:stretch>
-            <a:fillRect/>
-          </a:stretch>
-        </p:blipFill>
-        <p:spPr>
-          <a:xfrm>
-            <a:off x="0" y="5301208"/>
-            <a:ext cx="4248150" cy="1104900"/>
-          </a:xfrm>
-          <a:prstGeom prst="rect">
-            <a:avLst/>
-          </a:prstGeom>
-        </p:spPr>
-      </p:pic>
-      <p:cxnSp>
-        <p:nvCxnSpPr>
-          <p:cNvPr id="8" name="直接箭头连接符 7"/>
-          <p:cNvCxnSpPr/>
-          <p:nvPr/>
-        </p:nvCxnSpPr>
-        <p:spPr>
-          <a:xfrm flipH="1" flipV="1">
-            <a:off x="4139952" y="6165304"/>
-            <a:ext cx="3528392" cy="144016"/>
-          </a:xfrm>
-          <a:prstGeom prst="straightConnector1">
-            <a:avLst/>
-          </a:prstGeom>
-          <a:ln>
-            <a:solidFill>
-              <a:srgbClr val="FF0000"/>
-            </a:solidFill>
-            <a:tailEnd type="arrow"/>
-          </a:ln>
-        </p:spPr>
-        <p:style>
-          <a:lnRef idx="1">
-            <a:schemeClr val="accent1"/>
-          </a:lnRef>
-          <a:fillRef idx="0">
-            <a:schemeClr val="accent1"/>
-          </a:fillRef>
-          <a:effectRef idx="0">
-            <a:schemeClr val="accent1"/>
-          </a:effectRef>
-          <a:fontRef idx="minor">
-            <a:schemeClr val="tx1"/>
-          </a:fontRef>
-        </p:style>
-      </p:cxnSp>
+          <a:noFill/>
+        </p:spPr>
+        <p:txBody>
+          <a:bodyPr wrap="square" rtlCol="0">
+            <a:spAutoFit/>
+          </a:bodyPr>
+          <a:lstStyle/>
+          <a:p>
+            <a:r>
+              <a:rPr lang="en-US" altLang="zh-CN" b="1" dirty="0">
+                <a:solidFill>
+                  <a:srgbClr val="FF0000"/>
+                </a:solidFill>
+              </a:rPr>
+              <a:t>Module </a:t>
+            </a:r>
+            <a:r>
+              <a:rPr lang="en-US" altLang="zh-CN" b="1" dirty="0" smtClean="0">
+                <a:solidFill>
+                  <a:srgbClr val="FF0000"/>
+                </a:solidFill>
+              </a:rPr>
+              <a:t>2</a:t>
+            </a:r>
+            <a:endParaRPr lang="zh-CN" altLang="en-US" dirty="0">
+              <a:solidFill>
+                <a:srgbClr val="FF0000"/>
+              </a:solidFill>
+            </a:endParaRPr>
+          </a:p>
+        </p:txBody>
+      </p:sp>
     </p:spTree>
     <p:extLst>
       <p:ext uri="{BB962C8B-B14F-4D97-AF65-F5344CB8AC3E}">
-        <p14:creationId xmlns:p14="http://schemas.microsoft.com/office/powerpoint/2010/main" val="4097813005"/>
+        <p14:creationId xmlns:p14="http://schemas.microsoft.com/office/powerpoint/2010/main" val="3881638786"/>
       </p:ext>
     </p:extLst>
   </p:cSld>
@@ -9610,16 +11255,19 @@
             <p:ph type="title"/>
           </p:nvPr>
         </p:nvSpPr>
-        <p:spPr/>
-        <p:txBody>
-          <a:bodyPr>
-            <a:normAutofit/>
-          </a:bodyPr>
-          <a:lstStyle/>
-          <a:p>
-            <a:r>
-              <a:rPr lang="en-US" altLang="zh-CN" sz="3200" dirty="0"/>
-              <a:t>Scripts template </a:t>
+        <p:spPr>
+          <a:xfrm>
+            <a:off x="467544" y="12778"/>
+            <a:ext cx="8229600" cy="1143000"/>
+          </a:xfrm>
+        </p:spPr>
+        <p:txBody>
+          <a:bodyPr/>
+          <a:lstStyle/>
+          <a:p>
+            <a:r>
+              <a:rPr lang="en-US" altLang="zh-CN" sz="3200" dirty="0" smtClean="0"/>
+              <a:t>Data store and naming agreement</a:t>
             </a:r>
             <a:endParaRPr lang="zh-CN" altLang="en-US" sz="3200" dirty="0"/>
           </a:p>
@@ -9637,8 +11285,8 @@
         </p:nvSpPr>
         <p:spPr>
           <a:xfrm>
-            <a:off x="457200" y="1600200"/>
-            <a:ext cx="8229600" cy="4925144"/>
+            <a:off x="457200" y="980728"/>
+            <a:ext cx="5770984" cy="5145435"/>
           </a:xfrm>
         </p:spPr>
         <p:txBody>
@@ -9647,34 +11295,43 @@
           <a:p>
             <a:r>
               <a:rPr lang="en-US" altLang="zh-CN" dirty="0" smtClean="0"/>
-              <a:t>For example. produce bam file from paired </a:t>
-            </a:r>
+              <a:t>Similar </a:t>
+            </a:r>
+            <a:r>
+              <a:rPr lang="en-US" altLang="zh-CN" dirty="0"/>
+              <a:t>d</a:t>
+            </a:r>
+            <a:r>
+              <a:rPr lang="en-US" altLang="zh-CN" dirty="0" smtClean="0"/>
+              <a:t>ata were stored in different folders but same suffix. Those folders are under same folder and same depth.</a:t>
+            </a:r>
+          </a:p>
+          <a:p>
+            <a:r>
+              <a:rPr lang="en-US" altLang="zh-CN" dirty="0" smtClean="0"/>
+              <a:t>For example.</a:t>
+            </a:r>
+          </a:p>
+          <a:p>
+            <a:pPr marL="0" indent="0">
+              <a:buNone/>
+            </a:pPr>
+            <a:r>
+              <a:rPr lang="en-US" altLang="zh-CN" dirty="0" smtClean="0"/>
+              <a:t>A batch of paired </a:t>
+            </a:r>
+          </a:p>
+          <a:p>
+            <a:pPr marL="0" indent="0">
+              <a:buNone/>
+            </a:pPr>
             <a:r>
               <a:rPr lang="en-US" altLang="zh-CN" dirty="0" err="1" smtClean="0"/>
               <a:t>fastq</a:t>
             </a:r>
             <a:r>
-              <a:rPr lang="en-US" altLang="zh-CN" dirty="0"/>
-              <a:t> </a:t>
-            </a:r>
-            <a:r>
-              <a:rPr lang="en-US" altLang="zh-CN" dirty="0" smtClean="0"/>
-              <a:t>for all individuals of different populations. Template file was shown blow.</a:t>
-            </a:r>
-          </a:p>
-          <a:p>
-            <a:endParaRPr lang="en-US" altLang="zh-CN" dirty="0"/>
-          </a:p>
-          <a:p>
-            <a:endParaRPr lang="en-US" altLang="zh-CN" dirty="0" smtClean="0"/>
-          </a:p>
-          <a:p>
-            <a:endParaRPr lang="en-US" altLang="zh-CN" dirty="0"/>
-          </a:p>
-          <a:p>
-            <a:r>
-              <a:rPr lang="en-US" altLang="zh-CN" dirty="0" smtClean="0"/>
-              <a:t>${} represent  variable parameters in each scripts.</a:t>
+              <a:rPr lang="en-US" altLang="zh-CN" dirty="0" smtClean="0"/>
+              <a:t> data.</a:t>
             </a:r>
           </a:p>
           <a:p>
@@ -9682,36 +11339,36 @@
           </a:p>
         </p:txBody>
       </p:sp>
-      <p:sp>
-        <p:nvSpPr>
-          <p:cNvPr id="4" name="TextBox 3"/>
-          <p:cNvSpPr txBox="1"/>
-          <p:nvPr/>
-        </p:nvSpPr>
-        <p:spPr>
-          <a:xfrm>
-            <a:off x="0" y="0"/>
-            <a:ext cx="9139472" cy="369332"/>
+      <p:pic>
+        <p:nvPicPr>
+          <p:cNvPr id="4" name="图片 3"/>
+          <p:cNvPicPr>
+            <a:picLocks noChangeAspect="1"/>
+          </p:cNvPicPr>
+          <p:nvPr/>
+        </p:nvPicPr>
+        <p:blipFill>
+          <a:blip>
+            <a:extLst>
+              <a:ext uri="{28A0092B-C50C-407E-A947-70E740481C1C}">
+                <a14:useLocalDpi xmlns:a14="http://schemas.microsoft.com/office/drawing/2010/main" val="0"/>
+              </a:ext>
+            </a:extLst>
+          </a:blip>
+          <a:stretch>
+            <a:fillRect/>
+          </a:stretch>
+        </p:blipFill>
+        <p:spPr>
+          <a:xfrm>
+            <a:off x="4288457" y="2981325"/>
+            <a:ext cx="4829175" cy="3876675"/>
           </a:xfrm>
           <a:prstGeom prst="rect">
             <a:avLst/>
           </a:prstGeom>
-          <a:noFill/>
-        </p:spPr>
-        <p:txBody>
-          <a:bodyPr wrap="square" rtlCol="0">
-            <a:spAutoFit/>
-          </a:bodyPr>
-          <a:lstStyle/>
-          <a:p>
-            <a:r>
-              <a:rPr lang="en-US" altLang="zh-CN" dirty="0" smtClean="0"/>
-              <a:t>Produce batch of scripts: scriptcontrol.py</a:t>
-            </a:r>
-            <a:endParaRPr lang="zh-CN" altLang="en-US" dirty="0"/>
-          </a:p>
-        </p:txBody>
-      </p:sp>
+        </p:spPr>
+      </p:pic>
       <p:pic>
         <p:nvPicPr>
           <p:cNvPr id="6" name="图片 5"/>
@@ -9734,18 +11391,54 @@
         </p:blipFill>
         <p:spPr>
           <a:xfrm>
-            <a:off x="1201358" y="3284984"/>
-            <a:ext cx="6724650" cy="1762125"/>
+            <a:off x="0" y="5301208"/>
+            <a:ext cx="4248150" cy="1104900"/>
           </a:xfrm>
           <a:prstGeom prst="rect">
             <a:avLst/>
           </a:prstGeom>
         </p:spPr>
       </p:pic>
+      <p:cxnSp>
+        <p:nvCxnSpPr>
+          <p:cNvPr id="8" name="直接箭头连接符 7"/>
+          <p:cNvCxnSpPr/>
+          <p:nvPr/>
+        </p:nvCxnSpPr>
+        <p:spPr>
+          <a:xfrm flipH="1" flipV="1">
+            <a:off x="4139952" y="6165304"/>
+            <a:ext cx="3528392" cy="144016"/>
+          </a:xfrm>
+          <a:prstGeom prst="straightConnector1">
+            <a:avLst/>
+          </a:prstGeom>
+          <a:ln>
+            <a:solidFill>
+              <a:srgbClr val="FF0000"/>
+            </a:solidFill>
+            <a:tailEnd type="arrow"/>
+          </a:ln>
+        </p:spPr>
+        <p:style>
+          <a:lnRef idx="1">
+            <a:schemeClr val="accent1"/>
+          </a:lnRef>
+          <a:fillRef idx="0">
+            <a:schemeClr val="accent1"/>
+          </a:fillRef>
+          <a:effectRef idx="0">
+            <a:schemeClr val="accent1"/>
+          </a:effectRef>
+          <a:fontRef idx="minor">
+            <a:schemeClr val="tx1"/>
+          </a:fontRef>
+        </p:style>
+      </p:cxnSp>
     </p:spTree>
     <p:extLst>
       <p:ext uri="{BB962C8B-B14F-4D97-AF65-F5344CB8AC3E}">
-        <p14:creationId xmlns:p14="http://schemas.microsoft.com/office/powerpoint/2010/main" val="1349072874"/>
+        <p14:creationId xmlns:p14="http://schemas.microsoft.com/office/powerpoint/2010/main" val="4097813005"/>
       </p:ext>
     </p:extLst>
   </p:cSld>
@@ -9797,16 +11490,8 @@
           <a:lstStyle/>
           <a:p>
             <a:r>
-              <a:rPr lang="en-US" altLang="zh-CN" sz="3200" dirty="0" smtClean="0"/>
-              <a:t>Produce scripts for every individual paired </a:t>
-            </a:r>
-            <a:r>
-              <a:rPr lang="en-US" altLang="zh-CN" sz="3200" dirty="0" err="1" smtClean="0"/>
-              <a:t>fq</a:t>
-            </a:r>
-            <a:r>
-              <a:rPr lang="en-US" altLang="zh-CN" sz="3200" dirty="0" smtClean="0"/>
-              <a:t> files according the template </a:t>
+              <a:rPr lang="en-US" altLang="zh-CN" sz="3200" dirty="0"/>
+              <a:t>Scripts template </a:t>
             </a:r>
             <a:endParaRPr lang="zh-CN" altLang="en-US" sz="3200" dirty="0"/>
           </a:p>
@@ -9824,79 +11509,48 @@
         </p:nvSpPr>
         <p:spPr>
           <a:xfrm>
-            <a:off x="457200" y="1340768"/>
-            <a:ext cx="8229600" cy="4785395"/>
-          </a:xfrm>
-        </p:spPr>
-        <p:txBody>
-          <a:bodyPr>
-            <a:normAutofit/>
-          </a:bodyPr>
-          <a:lstStyle/>
-          <a:p>
-            <a:r>
-              <a:rPr lang="en-US" altLang="zh-CN" sz="2400" dirty="0"/>
-              <a:t>Python ~/life/src/pipelinecontrol/scriptcontrol.py </a:t>
-            </a:r>
-            <a:r>
-              <a:rPr lang="en-US" altLang="zh-CN" sz="2400" dirty="0" smtClean="0"/>
+            <a:off x="457200" y="1600200"/>
+            <a:ext cx="8229600" cy="4925144"/>
+          </a:xfrm>
+        </p:spPr>
+        <p:txBody>
+          <a:bodyPr/>
+          <a:lstStyle/>
+          <a:p>
+            <a:r>
+              <a:rPr lang="en-US" altLang="zh-CN" dirty="0" smtClean="0"/>
+              <a:t>For example. produce bam file from paired </a:t>
+            </a:r>
+            <a:r>
+              <a:rPr lang="en-US" altLang="zh-CN" dirty="0" err="1" smtClean="0"/>
+              <a:t>fastq</a:t>
+            </a:r>
+            <a:r>
+              <a:rPr lang="en-US" altLang="zh-CN" dirty="0"/>
               <a:t> </a:t>
             </a:r>
             <a:r>
-              <a:rPr lang="en-US" altLang="zh-CN" sz="2400" b="1" dirty="0" smtClean="0"/>
-              <a:t>-c</a:t>
-            </a:r>
-            <a:r>
-              <a:rPr lang="en-US" altLang="zh-CN" sz="2400" dirty="0" smtClean="0"/>
-              <a:t> 1_getbam_D2L.sh </a:t>
-            </a:r>
-            <a:r>
-              <a:rPr lang="en-US" altLang="zh-CN" sz="2400" b="1" dirty="0" smtClean="0"/>
-              <a:t>–d</a:t>
-            </a:r>
-            <a:r>
-              <a:rPr lang="en-US" altLang="zh-CN" sz="2400" dirty="0" smtClean="0"/>
-              <a:t>  2 </a:t>
-            </a:r>
-            <a:r>
-              <a:rPr lang="en-US" altLang="zh-CN" sz="2400" b="1" dirty="0" smtClean="0"/>
-              <a:t>–s</a:t>
-            </a:r>
-            <a:r>
-              <a:rPr lang="en-US" altLang="zh-CN" sz="2400" dirty="0" smtClean="0"/>
-              <a:t> /</a:t>
-            </a:r>
-            <a:r>
-              <a:rPr lang="en-US" altLang="zh-CN" sz="2400" dirty="0" err="1" smtClean="0"/>
-              <a:t>pathto</a:t>
-            </a:r>
-            <a:r>
-              <a:rPr lang="en-US" altLang="zh-CN" sz="2400" dirty="0" smtClean="0"/>
-              <a:t>/step1_scripts </a:t>
-            </a:r>
-            <a:r>
-              <a:rPr lang="en-US" altLang="zh-CN" sz="2400" b="1" dirty="0" smtClean="0"/>
-              <a:t>–m</a:t>
-            </a:r>
-            <a:r>
-              <a:rPr lang="en-US" altLang="zh-CN" sz="2400" dirty="0" smtClean="0"/>
-              <a:t> 1 </a:t>
-            </a:r>
-            <a:r>
-              <a:rPr lang="en-US" altLang="zh-CN" sz="2400" b="1" dirty="0" smtClean="0"/>
-              <a:t>-1</a:t>
-            </a:r>
-            <a:r>
-              <a:rPr lang="en-US" altLang="zh-CN" sz="2400" dirty="0" smtClean="0"/>
-              <a:t> 2</a:t>
-            </a:r>
-          </a:p>
-          <a:p>
-            <a:r>
-              <a:rPr lang="en-US" altLang="zh-CN" sz="2400" dirty="0" smtClean="0"/>
-              <a:t>It will produce runnable scripts that is used to call bam for every individual of all populations.</a:t>
-            </a:r>
-            <a:endParaRPr lang="zh-CN" altLang="en-US" sz="2400" dirty="0"/>
+              <a:rPr lang="en-US" altLang="zh-CN" dirty="0" smtClean="0"/>
+              <a:t>for all individuals of different populations. Template file was shown blow.</a:t>
+            </a:r>
+          </a:p>
+          <a:p>
+            <a:endParaRPr lang="en-US" altLang="zh-CN" dirty="0"/>
+          </a:p>
+          <a:p>
+            <a:endParaRPr lang="en-US" altLang="zh-CN" dirty="0" smtClean="0"/>
+          </a:p>
+          <a:p>
+            <a:endParaRPr lang="en-US" altLang="zh-CN" dirty="0"/>
+          </a:p>
+          <a:p>
+            <a:r>
+              <a:rPr lang="en-US" altLang="zh-CN" dirty="0" smtClean="0"/>
+              <a:t>${} represent  variable parameters in each scripts.</a:t>
+            </a:r>
+          </a:p>
+          <a:p>
+            <a:endParaRPr lang="zh-CN" altLang="en-US" dirty="0"/>
           </a:p>
         </p:txBody>
       </p:sp>
@@ -9930,619 +11584,40 @@
           </a:p>
         </p:txBody>
       </p:sp>
-      <p:cxnSp>
-        <p:nvCxnSpPr>
-          <p:cNvPr id="6" name="直接箭头连接符 5"/>
-          <p:cNvCxnSpPr>
-            <a:endCxn id="9" idx="0"/>
-          </p:cNvCxnSpPr>
-          <p:nvPr/>
-        </p:nvCxnSpPr>
-        <p:spPr>
-          <a:xfrm flipH="1">
-            <a:off x="2303748" y="2035778"/>
-            <a:ext cx="1309228" cy="817158"/>
-          </a:xfrm>
-          <a:prstGeom prst="straightConnector1">
-            <a:avLst/>
-          </a:prstGeom>
-          <a:ln>
-            <a:tailEnd type="arrow"/>
-          </a:ln>
-        </p:spPr>
-        <p:style>
-          <a:lnRef idx="1">
-            <a:schemeClr val="accent1"/>
-          </a:lnRef>
-          <a:fillRef idx="0">
-            <a:schemeClr val="accent1"/>
-          </a:fillRef>
-          <a:effectRef idx="0">
-            <a:schemeClr val="accent1"/>
-          </a:effectRef>
-          <a:fontRef idx="minor">
-            <a:schemeClr val="tx1"/>
-          </a:fontRef>
-        </p:style>
-      </p:cxnSp>
-      <p:cxnSp>
-        <p:nvCxnSpPr>
-          <p:cNvPr id="8" name="直接箭头连接符 7"/>
-          <p:cNvCxnSpPr/>
-          <p:nvPr/>
-        </p:nvCxnSpPr>
-        <p:spPr>
-          <a:xfrm flipH="1">
-            <a:off x="7862766" y="1990158"/>
-            <a:ext cx="144016" cy="792088"/>
-          </a:xfrm>
-          <a:prstGeom prst="straightConnector1">
-            <a:avLst/>
-          </a:prstGeom>
-          <a:ln>
-            <a:tailEnd type="arrow"/>
-          </a:ln>
-        </p:spPr>
-        <p:style>
-          <a:lnRef idx="1">
-            <a:schemeClr val="accent1"/>
-          </a:lnRef>
-          <a:fillRef idx="0">
-            <a:schemeClr val="accent1"/>
-          </a:fillRef>
-          <a:effectRef idx="0">
-            <a:schemeClr val="accent1"/>
-          </a:effectRef>
-          <a:fontRef idx="minor">
-            <a:schemeClr val="tx1"/>
-          </a:fontRef>
-        </p:style>
-      </p:cxnSp>
-      <p:sp>
-        <p:nvSpPr>
-          <p:cNvPr id="9" name="TextBox 8"/>
-          <p:cNvSpPr txBox="1"/>
-          <p:nvPr/>
-        </p:nvSpPr>
-        <p:spPr>
-          <a:xfrm>
-            <a:off x="323528" y="2852936"/>
-            <a:ext cx="3960440" cy="646331"/>
+      <p:pic>
+        <p:nvPicPr>
+          <p:cNvPr id="6" name="图片 5"/>
+          <p:cNvPicPr>
+            <a:picLocks noChangeAspect="1"/>
+          </p:cNvPicPr>
+          <p:nvPr/>
+        </p:nvPicPr>
+        <p:blipFill>
+          <a:blip r:embed="rId2">
+            <a:extLst>
+              <a:ext uri="{28A0092B-C50C-407E-A947-70E740481C1C}">
+                <a14:useLocalDpi xmlns:a14="http://schemas.microsoft.com/office/drawing/2010/main" val="0"/>
+              </a:ext>
+            </a:extLst>
+          </a:blip>
+          <a:stretch>
+            <a:fillRect/>
+          </a:stretch>
+        </p:blipFill>
+        <p:spPr>
+          <a:xfrm>
+            <a:off x="1201358" y="3284984"/>
+            <a:ext cx="6724650" cy="1762125"/>
           </a:xfrm>
           <a:prstGeom prst="rect">
             <a:avLst/>
           </a:prstGeom>
-          <a:noFill/>
-        </p:spPr>
-        <p:txBody>
-          <a:bodyPr wrap="square" rtlCol="0">
-            <a:spAutoFit/>
-          </a:bodyPr>
-          <a:lstStyle/>
-          <a:p>
-            <a:r>
-              <a:rPr lang="en-US" altLang="zh-CN" dirty="0" smtClean="0"/>
-              <a:t>Input data files were in the second level folder under the 0-the level folder.</a:t>
-            </a:r>
-            <a:endParaRPr lang="zh-CN" altLang="en-US" dirty="0"/>
-          </a:p>
-        </p:txBody>
-      </p:sp>
-      <p:sp>
-        <p:nvSpPr>
-          <p:cNvPr id="10" name="TextBox 9"/>
-          <p:cNvSpPr txBox="1"/>
-          <p:nvPr/>
-        </p:nvSpPr>
-        <p:spPr>
-          <a:xfrm>
-            <a:off x="4745732" y="2780928"/>
-            <a:ext cx="3888432" cy="923330"/>
-          </a:xfrm>
-          <a:prstGeom prst="rect">
-            <a:avLst/>
-          </a:prstGeom>
-          <a:noFill/>
-        </p:spPr>
-        <p:txBody>
-          <a:bodyPr wrap="square" rtlCol="0">
-            <a:spAutoFit/>
-          </a:bodyPr>
-          <a:lstStyle/>
-          <a:p>
-            <a:r>
-              <a:rPr lang="en-US" altLang="zh-CN" dirty="0" smtClean="0"/>
-              <a:t>Produce scripts for every second level folder under the 0-th level folder. This parameter is usually same with -d</a:t>
-            </a:r>
-            <a:endParaRPr lang="zh-CN" altLang="en-US" dirty="0"/>
-          </a:p>
-        </p:txBody>
-      </p:sp>
-      <p:sp>
-        <p:nvSpPr>
-          <p:cNvPr id="11" name="TextBox 10"/>
-          <p:cNvSpPr txBox="1"/>
-          <p:nvPr/>
-        </p:nvSpPr>
-        <p:spPr>
-          <a:xfrm>
-            <a:off x="922512" y="3573016"/>
-            <a:ext cx="3312368" cy="369332"/>
-          </a:xfrm>
-          <a:prstGeom prst="rect">
-            <a:avLst/>
-          </a:prstGeom>
-          <a:noFill/>
-        </p:spPr>
-        <p:txBody>
-          <a:bodyPr wrap="square" rtlCol="0">
-            <a:spAutoFit/>
-          </a:bodyPr>
-          <a:lstStyle/>
-          <a:p>
-            <a:r>
-              <a:rPr lang="en-US" altLang="zh-CN" dirty="0" smtClean="0"/>
-              <a:t>Template file describe as above</a:t>
-            </a:r>
-            <a:endParaRPr lang="zh-CN" altLang="en-US" dirty="0"/>
-          </a:p>
-        </p:txBody>
-      </p:sp>
-      <p:cxnSp>
-        <p:nvCxnSpPr>
-          <p:cNvPr id="13" name="直接箭头连接符 12"/>
-          <p:cNvCxnSpPr>
-            <a:endCxn id="11" idx="0"/>
-          </p:cNvCxnSpPr>
-          <p:nvPr/>
-        </p:nvCxnSpPr>
-        <p:spPr>
-          <a:xfrm>
-            <a:off x="2398676" y="2017194"/>
-            <a:ext cx="180020" cy="1555822"/>
-          </a:xfrm>
-          <a:prstGeom prst="straightConnector1">
-            <a:avLst/>
-          </a:prstGeom>
-          <a:ln>
-            <a:tailEnd type="arrow"/>
-          </a:ln>
-        </p:spPr>
-        <p:style>
-          <a:lnRef idx="1">
-            <a:schemeClr val="accent1"/>
-          </a:lnRef>
-          <a:fillRef idx="0">
-            <a:schemeClr val="accent1"/>
-          </a:fillRef>
-          <a:effectRef idx="0">
-            <a:schemeClr val="accent1"/>
-          </a:effectRef>
-          <a:fontRef idx="minor">
-            <a:schemeClr val="tx1"/>
-          </a:fontRef>
-        </p:style>
-      </p:cxnSp>
-      <p:sp>
-        <p:nvSpPr>
-          <p:cNvPr id="17" name="矩形 16"/>
-          <p:cNvSpPr/>
-          <p:nvPr/>
-        </p:nvSpPr>
-        <p:spPr>
-          <a:xfrm>
-            <a:off x="3923928" y="4617710"/>
-            <a:ext cx="1728192" cy="1152128"/>
-          </a:xfrm>
-          <a:prstGeom prst="rect">
-            <a:avLst/>
-          </a:prstGeom>
-          <a:solidFill>
-            <a:schemeClr val="accent1">
-              <a:alpha val="0"/>
-            </a:schemeClr>
-          </a:solidFill>
-        </p:spPr>
-        <p:style>
-          <a:lnRef idx="2">
-            <a:schemeClr val="accent1">
-              <a:shade val="50000"/>
-            </a:schemeClr>
-          </a:lnRef>
-          <a:fillRef idx="1">
-            <a:schemeClr val="accent1"/>
-          </a:fillRef>
-          <a:effectRef idx="0">
-            <a:schemeClr val="accent1"/>
-          </a:effectRef>
-          <a:fontRef idx="minor">
-            <a:schemeClr val="lt1"/>
-          </a:fontRef>
-        </p:style>
-        <p:txBody>
-          <a:bodyPr rtlCol="0" anchor="ctr"/>
-          <a:lstStyle/>
-          <a:p>
-            <a:pPr algn="ctr"/>
-            <a:r>
-              <a:rPr lang="en-US" altLang="zh-CN" dirty="0">
-                <a:solidFill>
-                  <a:schemeClr val="tx1"/>
-                </a:solidFill>
-              </a:rPr>
-              <a:t>scriptcontrol.py</a:t>
-            </a:r>
-            <a:endParaRPr lang="zh-CN" altLang="en-US" dirty="0">
-              <a:solidFill>
-                <a:schemeClr val="tx1"/>
-              </a:solidFill>
-            </a:endParaRPr>
-          </a:p>
-        </p:txBody>
-      </p:sp>
-      <p:sp>
-        <p:nvSpPr>
-          <p:cNvPr id="18" name="TextBox 17"/>
-          <p:cNvSpPr txBox="1"/>
-          <p:nvPr/>
-        </p:nvSpPr>
-        <p:spPr>
-          <a:xfrm>
-            <a:off x="0" y="3861048"/>
-            <a:ext cx="3275856" cy="3416320"/>
-          </a:xfrm>
-          <a:prstGeom prst="rect">
-            <a:avLst/>
-          </a:prstGeom>
-          <a:noFill/>
-        </p:spPr>
-        <p:txBody>
-          <a:bodyPr wrap="square" rtlCol="0">
-            <a:spAutoFit/>
-          </a:bodyPr>
-          <a:lstStyle/>
-          <a:p>
-            <a:r>
-              <a:rPr lang="en-US" altLang="zh-CN" dirty="0" smtClean="0"/>
-              <a:t>-c </a:t>
-            </a:r>
-            <a:r>
-              <a:rPr lang="en-US" altLang="zh-CN" dirty="0"/>
-              <a:t>Template file </a:t>
-            </a:r>
-            <a:endParaRPr lang="en-US" altLang="zh-CN" dirty="0" smtClean="0"/>
-          </a:p>
-          <a:p>
-            <a:r>
-              <a:rPr lang="en-US" altLang="zh-CN" dirty="0" smtClean="0"/>
-              <a:t>-d depth of input </a:t>
-            </a:r>
-            <a:r>
-              <a:rPr lang="en-US" altLang="zh-CN" dirty="0"/>
-              <a:t>data </a:t>
-            </a:r>
-            <a:r>
-              <a:rPr lang="en-US" altLang="zh-CN" dirty="0" smtClean="0"/>
-              <a:t>(</a:t>
-            </a:r>
-            <a:r>
-              <a:rPr lang="en-US" altLang="zh-CN" dirty="0" err="1" smtClean="0"/>
-              <a:t>inputdatafilesrootpath</a:t>
-            </a:r>
-            <a:r>
-              <a:rPr lang="en-US" altLang="zh-CN" dirty="0" smtClean="0"/>
-              <a:t>=0</a:t>
-            </a:r>
-            <a:r>
-              <a:rPr lang="en-US" altLang="zh-CN" baseline="30000" dirty="0" smtClean="0"/>
-              <a:t>th</a:t>
-            </a:r>
-            <a:r>
-              <a:rPr lang="en-US" altLang="zh-CN" dirty="0" smtClean="0"/>
-              <a:t> level</a:t>
-            </a:r>
-            <a:r>
-              <a:rPr lang="en-US" altLang="zh-CN" dirty="0"/>
-              <a:t>)</a:t>
-            </a:r>
-            <a:endParaRPr lang="en-US" altLang="zh-CN" dirty="0" smtClean="0"/>
-          </a:p>
-          <a:p>
-            <a:r>
-              <a:rPr lang="en-US" altLang="zh-CN" dirty="0" smtClean="0"/>
-              <a:t>-s folder to store scripts</a:t>
-            </a:r>
-          </a:p>
-          <a:p>
-            <a:r>
-              <a:rPr lang="en-US" altLang="zh-CN" dirty="0" smtClean="0"/>
-              <a:t>-m mode1/2</a:t>
-            </a:r>
-          </a:p>
-          <a:p>
-            <a:r>
-              <a:rPr lang="en-US" altLang="zh-CN" dirty="0" smtClean="0"/>
-              <a:t>-I depth of intercept folders</a:t>
-            </a:r>
-          </a:p>
-          <a:p>
-            <a:r>
-              <a:rPr lang="en-US" altLang="zh-CN" dirty="0" smtClean="0"/>
-              <a:t>-l names </a:t>
-            </a:r>
-            <a:r>
-              <a:rPr lang="en-US" altLang="zh-CN" dirty="0"/>
-              <a:t>of intercept </a:t>
-            </a:r>
-            <a:r>
-              <a:rPr lang="en-US" altLang="zh-CN" dirty="0" smtClean="0"/>
-              <a:t>folders in the assigned level</a:t>
-            </a:r>
-          </a:p>
-          <a:p>
-            <a:r>
-              <a:rPr lang="en-US" altLang="zh-CN" dirty="0" smtClean="0"/>
-              <a:t>-t level of the folder name used to substitute </a:t>
-            </a:r>
-            <a:r>
-              <a:rPr lang="en-US" altLang="zh-CN" dirty="0" err="1" smtClean="0"/>
-              <a:t>tha</a:t>
-            </a:r>
-            <a:r>
-              <a:rPr lang="en-US" altLang="zh-CN" dirty="0" smtClean="0"/>
-              <a:t> ${tag}</a:t>
-            </a:r>
-          </a:p>
-          <a:p>
-            <a:r>
-              <a:rPr lang="en-US" altLang="zh-CN" dirty="0" smtClean="0"/>
-              <a:t>-</a:t>
-            </a:r>
-            <a:r>
-              <a:rPr lang="en-US" altLang="zh-CN" dirty="0"/>
-              <a:t>1</a:t>
-            </a:r>
-          </a:p>
-          <a:p>
-            <a:r>
-              <a:rPr lang="en-US" altLang="zh-CN" dirty="0"/>
-              <a:t>-</a:t>
-            </a:r>
-            <a:r>
-              <a:rPr lang="en-US" altLang="zh-CN" dirty="0" smtClean="0"/>
-              <a:t>2</a:t>
-            </a:r>
-            <a:endParaRPr lang="en-US" altLang="zh-CN" dirty="0"/>
-          </a:p>
-        </p:txBody>
-      </p:sp>
-      <p:sp>
-        <p:nvSpPr>
-          <p:cNvPr id="19" name="右大括号 18"/>
-          <p:cNvSpPr/>
-          <p:nvPr/>
-        </p:nvSpPr>
-        <p:spPr>
-          <a:xfrm>
-            <a:off x="3189487" y="4617710"/>
-            <a:ext cx="432048" cy="1152128"/>
-          </a:xfrm>
-          <a:prstGeom prst="rightBrace">
-            <a:avLst/>
-          </a:prstGeom>
-        </p:spPr>
-        <p:style>
-          <a:lnRef idx="1">
-            <a:schemeClr val="accent1"/>
-          </a:lnRef>
-          <a:fillRef idx="0">
-            <a:schemeClr val="accent1"/>
-          </a:fillRef>
-          <a:effectRef idx="0">
-            <a:schemeClr val="accent1"/>
-          </a:effectRef>
-          <a:fontRef idx="minor">
-            <a:schemeClr val="tx1"/>
-          </a:fontRef>
-        </p:style>
-        <p:txBody>
-          <a:bodyPr rtlCol="0" anchor="ctr"/>
-          <a:lstStyle/>
-          <a:p>
-            <a:pPr algn="ctr"/>
-            <a:endParaRPr lang="zh-CN" altLang="en-US"/>
-          </a:p>
-        </p:txBody>
-      </p:sp>
-      <p:sp>
-        <p:nvSpPr>
-          <p:cNvPr id="20" name="右箭头 19"/>
-          <p:cNvSpPr/>
-          <p:nvPr/>
-        </p:nvSpPr>
-        <p:spPr>
-          <a:xfrm>
-            <a:off x="5717554" y="5157192"/>
-            <a:ext cx="720080" cy="144016"/>
-          </a:xfrm>
-          <a:prstGeom prst="rightArrow">
-            <a:avLst/>
-          </a:prstGeom>
-        </p:spPr>
-        <p:style>
-          <a:lnRef idx="2">
-            <a:schemeClr val="accent1">
-              <a:shade val="50000"/>
-            </a:schemeClr>
-          </a:lnRef>
-          <a:fillRef idx="1">
-            <a:schemeClr val="accent1"/>
-          </a:fillRef>
-          <a:effectRef idx="0">
-            <a:schemeClr val="accent1"/>
-          </a:effectRef>
-          <a:fontRef idx="minor">
-            <a:schemeClr val="lt1"/>
-          </a:fontRef>
-        </p:style>
-        <p:txBody>
-          <a:bodyPr rtlCol="0" anchor="ctr"/>
-          <a:lstStyle/>
-          <a:p>
-            <a:pPr algn="ctr"/>
-            <a:endParaRPr lang="zh-CN" altLang="en-US"/>
-          </a:p>
-        </p:txBody>
-      </p:sp>
-      <p:sp>
-        <p:nvSpPr>
-          <p:cNvPr id="21" name="TextBox 20"/>
-          <p:cNvSpPr txBox="1"/>
-          <p:nvPr/>
-        </p:nvSpPr>
-        <p:spPr>
-          <a:xfrm>
-            <a:off x="3362259" y="4833734"/>
-            <a:ext cx="763332" cy="369332"/>
-          </a:xfrm>
-          <a:prstGeom prst="rect">
-            <a:avLst/>
-          </a:prstGeom>
-          <a:noFill/>
-        </p:spPr>
-        <p:txBody>
-          <a:bodyPr wrap="square" rtlCol="0">
-            <a:spAutoFit/>
-          </a:bodyPr>
-          <a:lstStyle/>
-          <a:p>
-            <a:r>
-              <a:rPr lang="en-US" altLang="zh-CN" dirty="0" smtClean="0"/>
-              <a:t>input</a:t>
-            </a:r>
-            <a:endParaRPr lang="zh-CN" altLang="en-US" dirty="0"/>
-          </a:p>
-        </p:txBody>
-      </p:sp>
-      <p:sp>
-        <p:nvSpPr>
-          <p:cNvPr id="22" name="TextBox 21"/>
-          <p:cNvSpPr txBox="1"/>
-          <p:nvPr/>
-        </p:nvSpPr>
-        <p:spPr>
-          <a:xfrm>
-            <a:off x="6876256" y="4870608"/>
-            <a:ext cx="2232248" cy="1200329"/>
-          </a:xfrm>
-          <a:prstGeom prst="rect">
-            <a:avLst/>
-          </a:prstGeom>
-          <a:noFill/>
-        </p:spPr>
-        <p:txBody>
-          <a:bodyPr wrap="square" rtlCol="0">
-            <a:spAutoFit/>
-          </a:bodyPr>
-          <a:lstStyle/>
-          <a:p>
-            <a:r>
-              <a:rPr lang="en-US" altLang="zh-CN" dirty="0"/>
-              <a:t>Produce </a:t>
-            </a:r>
-            <a:r>
-              <a:rPr lang="en-US" altLang="zh-CN" dirty="0" smtClean="0"/>
-              <a:t>batch </a:t>
-            </a:r>
-            <a:r>
-              <a:rPr lang="en-US" altLang="zh-CN" dirty="0"/>
-              <a:t>of </a:t>
-            </a:r>
-            <a:r>
-              <a:rPr lang="en-US" altLang="zh-CN" dirty="0" smtClean="0"/>
-              <a:t>scripts</a:t>
-            </a:r>
-          </a:p>
-          <a:p>
-            <a:r>
-              <a:rPr lang="en-US" altLang="zh-CN" dirty="0" smtClean="0"/>
-              <a:t>Create folders for all output data</a:t>
-            </a:r>
-          </a:p>
-        </p:txBody>
-      </p:sp>
-      <p:sp>
-        <p:nvSpPr>
-          <p:cNvPr id="23" name="TextBox 22"/>
-          <p:cNvSpPr txBox="1"/>
-          <p:nvPr/>
-        </p:nvSpPr>
-        <p:spPr>
-          <a:xfrm>
-            <a:off x="5630003" y="4797152"/>
-            <a:ext cx="869107" cy="369332"/>
-          </a:xfrm>
-          <a:prstGeom prst="rect">
-            <a:avLst/>
-          </a:prstGeom>
-          <a:noFill/>
-        </p:spPr>
-        <p:txBody>
-          <a:bodyPr wrap="square" rtlCol="0">
-            <a:spAutoFit/>
-          </a:bodyPr>
-          <a:lstStyle/>
-          <a:p>
-            <a:r>
-              <a:rPr lang="en-US" altLang="zh-CN" dirty="0" smtClean="0"/>
-              <a:t>output</a:t>
-            </a:r>
-            <a:endParaRPr lang="zh-CN" altLang="en-US" dirty="0"/>
-          </a:p>
-        </p:txBody>
-      </p:sp>
-      <p:sp>
-        <p:nvSpPr>
-          <p:cNvPr id="24" name="左大括号 23"/>
-          <p:cNvSpPr/>
-          <p:nvPr/>
-        </p:nvSpPr>
-        <p:spPr>
-          <a:xfrm>
-            <a:off x="6499111" y="4293096"/>
-            <a:ext cx="377145" cy="1800200"/>
-          </a:xfrm>
-          <a:prstGeom prst="leftBrace">
-            <a:avLst/>
-          </a:prstGeom>
-        </p:spPr>
-        <p:style>
-          <a:lnRef idx="1">
-            <a:schemeClr val="accent1"/>
-          </a:lnRef>
-          <a:fillRef idx="0">
-            <a:schemeClr val="accent1"/>
-          </a:fillRef>
-          <a:effectRef idx="0">
-            <a:schemeClr val="accent1"/>
-          </a:effectRef>
-          <a:fontRef idx="minor">
-            <a:schemeClr val="tx1"/>
-          </a:fontRef>
-        </p:style>
-        <p:txBody>
-          <a:bodyPr rtlCol="0" anchor="ctr"/>
-          <a:lstStyle/>
-          <a:p>
-            <a:pPr algn="ctr"/>
-            <a:endParaRPr lang="zh-CN" altLang="en-US"/>
-          </a:p>
-        </p:txBody>
-      </p:sp>
+        </p:spPr>
+      </p:pic>
     </p:spTree>
     <p:extLst>
       <p:ext uri="{BB962C8B-B14F-4D97-AF65-F5344CB8AC3E}">
-        <p14:creationId xmlns:p14="http://schemas.microsoft.com/office/powerpoint/2010/main" val="508241294"/>
+        <p14:creationId xmlns:p14="http://schemas.microsoft.com/office/powerpoint/2010/main" val="1349072874"/>
       </p:ext>
     </p:extLst>
   </p:cSld>
@@ -10595,6 +11670,803 @@
           <a:p>
             <a:r>
               <a:rPr lang="en-US" altLang="zh-CN" sz="3200" dirty="0" smtClean="0"/>
+              <a:t>Produce scripts for every individual paired </a:t>
+            </a:r>
+            <a:r>
+              <a:rPr lang="en-US" altLang="zh-CN" sz="3200" dirty="0" err="1" smtClean="0"/>
+              <a:t>fq</a:t>
+            </a:r>
+            <a:r>
+              <a:rPr lang="en-US" altLang="zh-CN" sz="3200" dirty="0" smtClean="0"/>
+              <a:t> files according the template </a:t>
+            </a:r>
+            <a:endParaRPr lang="zh-CN" altLang="en-US" sz="3200" dirty="0"/>
+          </a:p>
+        </p:txBody>
+      </p:sp>
+      <p:sp>
+        <p:nvSpPr>
+          <p:cNvPr id="3" name="内容占位符 2"/>
+          <p:cNvSpPr>
+            <a:spLocks noGrp="1"/>
+          </p:cNvSpPr>
+          <p:nvPr>
+            <p:ph idx="1"/>
+          </p:nvPr>
+        </p:nvSpPr>
+        <p:spPr>
+          <a:xfrm>
+            <a:off x="457200" y="1340768"/>
+            <a:ext cx="8229600" cy="4785395"/>
+          </a:xfrm>
+        </p:spPr>
+        <p:txBody>
+          <a:bodyPr>
+            <a:normAutofit/>
+          </a:bodyPr>
+          <a:lstStyle/>
+          <a:p>
+            <a:r>
+              <a:rPr lang="en-US" altLang="zh-CN" sz="2400" dirty="0"/>
+              <a:t>Python ~/life/src/pipelinecontrol/scriptcontrol.py </a:t>
+            </a:r>
+            <a:r>
+              <a:rPr lang="en-US" altLang="zh-CN" sz="2400" dirty="0" smtClean="0"/>
+              <a:t> </a:t>
+            </a:r>
+            <a:r>
+              <a:rPr lang="en-US" altLang="zh-CN" sz="2400" b="1" dirty="0" smtClean="0"/>
+              <a:t>-c</a:t>
+            </a:r>
+            <a:r>
+              <a:rPr lang="en-US" altLang="zh-CN" sz="2400" dirty="0" smtClean="0"/>
+              <a:t> 1_getbam_D2L.sh </a:t>
+            </a:r>
+            <a:r>
+              <a:rPr lang="en-US" altLang="zh-CN" sz="2400" b="1" dirty="0" smtClean="0"/>
+              <a:t>–d</a:t>
+            </a:r>
+            <a:r>
+              <a:rPr lang="en-US" altLang="zh-CN" sz="2400" dirty="0" smtClean="0"/>
+              <a:t>  2 </a:t>
+            </a:r>
+            <a:r>
+              <a:rPr lang="en-US" altLang="zh-CN" sz="2400" b="1" dirty="0" smtClean="0"/>
+              <a:t>–s</a:t>
+            </a:r>
+            <a:r>
+              <a:rPr lang="en-US" altLang="zh-CN" sz="2400" dirty="0" smtClean="0"/>
+              <a:t> /</a:t>
+            </a:r>
+            <a:r>
+              <a:rPr lang="en-US" altLang="zh-CN" sz="2400" dirty="0" err="1" smtClean="0"/>
+              <a:t>pathto</a:t>
+            </a:r>
+            <a:r>
+              <a:rPr lang="en-US" altLang="zh-CN" sz="2400" dirty="0" smtClean="0"/>
+              <a:t>/step1_scripts </a:t>
+            </a:r>
+            <a:r>
+              <a:rPr lang="en-US" altLang="zh-CN" sz="2400" b="1" dirty="0" smtClean="0"/>
+              <a:t>–m</a:t>
+            </a:r>
+            <a:r>
+              <a:rPr lang="en-US" altLang="zh-CN" sz="2400" dirty="0" smtClean="0"/>
+              <a:t> 1 </a:t>
+            </a:r>
+            <a:r>
+              <a:rPr lang="en-US" altLang="zh-CN" sz="2400" b="1" dirty="0" smtClean="0"/>
+              <a:t>-1</a:t>
+            </a:r>
+            <a:r>
+              <a:rPr lang="en-US" altLang="zh-CN" sz="2400" dirty="0" smtClean="0"/>
+              <a:t> 2</a:t>
+            </a:r>
+          </a:p>
+          <a:p>
+            <a:r>
+              <a:rPr lang="en-US" altLang="zh-CN" sz="2400" dirty="0" smtClean="0"/>
+              <a:t>It will produce runnable scripts that is used to call bam for every individual of all populations.</a:t>
+            </a:r>
+            <a:endParaRPr lang="zh-CN" altLang="en-US" sz="2400" dirty="0"/>
+          </a:p>
+        </p:txBody>
+      </p:sp>
+      <p:sp>
+        <p:nvSpPr>
+          <p:cNvPr id="4" name="TextBox 3"/>
+          <p:cNvSpPr txBox="1"/>
+          <p:nvPr/>
+        </p:nvSpPr>
+        <p:spPr>
+          <a:xfrm>
+            <a:off x="0" y="0"/>
+            <a:ext cx="9139472" cy="369332"/>
+          </a:xfrm>
+          <a:prstGeom prst="rect">
+            <a:avLst/>
+          </a:prstGeom>
+          <a:noFill/>
+        </p:spPr>
+        <p:txBody>
+          <a:bodyPr wrap="square" rtlCol="0">
+            <a:spAutoFit/>
+          </a:bodyPr>
+          <a:lstStyle/>
+          <a:p>
+            <a:r>
+              <a:rPr lang="en-US" altLang="zh-CN" dirty="0" smtClean="0"/>
+              <a:t>Produce batch of scripts: scriptcontrol.py</a:t>
+            </a:r>
+            <a:endParaRPr lang="zh-CN" altLang="en-US" dirty="0"/>
+          </a:p>
+        </p:txBody>
+      </p:sp>
+      <p:cxnSp>
+        <p:nvCxnSpPr>
+          <p:cNvPr id="6" name="直接箭头连接符 5"/>
+          <p:cNvCxnSpPr>
+            <a:endCxn id="9" idx="0"/>
+          </p:cNvCxnSpPr>
+          <p:nvPr/>
+        </p:nvCxnSpPr>
+        <p:spPr>
+          <a:xfrm flipH="1">
+            <a:off x="2303748" y="2035778"/>
+            <a:ext cx="1309228" cy="817158"/>
+          </a:xfrm>
+          <a:prstGeom prst="straightConnector1">
+            <a:avLst/>
+          </a:prstGeom>
+          <a:ln>
+            <a:tailEnd type="arrow"/>
+          </a:ln>
+        </p:spPr>
+        <p:style>
+          <a:lnRef idx="1">
+            <a:schemeClr val="accent1"/>
+          </a:lnRef>
+          <a:fillRef idx="0">
+            <a:schemeClr val="accent1"/>
+          </a:fillRef>
+          <a:effectRef idx="0">
+            <a:schemeClr val="accent1"/>
+          </a:effectRef>
+          <a:fontRef idx="minor">
+            <a:schemeClr val="tx1"/>
+          </a:fontRef>
+        </p:style>
+      </p:cxnSp>
+      <p:cxnSp>
+        <p:nvCxnSpPr>
+          <p:cNvPr id="8" name="直接箭头连接符 7"/>
+          <p:cNvCxnSpPr/>
+          <p:nvPr/>
+        </p:nvCxnSpPr>
+        <p:spPr>
+          <a:xfrm flipH="1">
+            <a:off x="7862766" y="1990158"/>
+            <a:ext cx="144016" cy="792088"/>
+          </a:xfrm>
+          <a:prstGeom prst="straightConnector1">
+            <a:avLst/>
+          </a:prstGeom>
+          <a:ln>
+            <a:tailEnd type="arrow"/>
+          </a:ln>
+        </p:spPr>
+        <p:style>
+          <a:lnRef idx="1">
+            <a:schemeClr val="accent1"/>
+          </a:lnRef>
+          <a:fillRef idx="0">
+            <a:schemeClr val="accent1"/>
+          </a:fillRef>
+          <a:effectRef idx="0">
+            <a:schemeClr val="accent1"/>
+          </a:effectRef>
+          <a:fontRef idx="minor">
+            <a:schemeClr val="tx1"/>
+          </a:fontRef>
+        </p:style>
+      </p:cxnSp>
+      <p:sp>
+        <p:nvSpPr>
+          <p:cNvPr id="9" name="TextBox 8"/>
+          <p:cNvSpPr txBox="1"/>
+          <p:nvPr/>
+        </p:nvSpPr>
+        <p:spPr>
+          <a:xfrm>
+            <a:off x="323528" y="2852936"/>
+            <a:ext cx="3960440" cy="646331"/>
+          </a:xfrm>
+          <a:prstGeom prst="rect">
+            <a:avLst/>
+          </a:prstGeom>
+          <a:noFill/>
+        </p:spPr>
+        <p:txBody>
+          <a:bodyPr wrap="square" rtlCol="0">
+            <a:spAutoFit/>
+          </a:bodyPr>
+          <a:lstStyle/>
+          <a:p>
+            <a:r>
+              <a:rPr lang="en-US" altLang="zh-CN" dirty="0" smtClean="0"/>
+              <a:t>Input data files were in the second level folder under the 0-the level folder.</a:t>
+            </a:r>
+            <a:endParaRPr lang="zh-CN" altLang="en-US" dirty="0"/>
+          </a:p>
+        </p:txBody>
+      </p:sp>
+      <p:sp>
+        <p:nvSpPr>
+          <p:cNvPr id="10" name="TextBox 9"/>
+          <p:cNvSpPr txBox="1"/>
+          <p:nvPr/>
+        </p:nvSpPr>
+        <p:spPr>
+          <a:xfrm>
+            <a:off x="4745732" y="2780928"/>
+            <a:ext cx="3888432" cy="923330"/>
+          </a:xfrm>
+          <a:prstGeom prst="rect">
+            <a:avLst/>
+          </a:prstGeom>
+          <a:noFill/>
+        </p:spPr>
+        <p:txBody>
+          <a:bodyPr wrap="square" rtlCol="0">
+            <a:spAutoFit/>
+          </a:bodyPr>
+          <a:lstStyle/>
+          <a:p>
+            <a:r>
+              <a:rPr lang="en-US" altLang="zh-CN" dirty="0" smtClean="0"/>
+              <a:t>Produce scripts for every second level folder under the 0-th level folder. This parameter is usually same with -d</a:t>
+            </a:r>
+            <a:endParaRPr lang="zh-CN" altLang="en-US" dirty="0"/>
+          </a:p>
+        </p:txBody>
+      </p:sp>
+      <p:sp>
+        <p:nvSpPr>
+          <p:cNvPr id="11" name="TextBox 10"/>
+          <p:cNvSpPr txBox="1"/>
+          <p:nvPr/>
+        </p:nvSpPr>
+        <p:spPr>
+          <a:xfrm>
+            <a:off x="922512" y="3573016"/>
+            <a:ext cx="3312368" cy="369332"/>
+          </a:xfrm>
+          <a:prstGeom prst="rect">
+            <a:avLst/>
+          </a:prstGeom>
+          <a:noFill/>
+        </p:spPr>
+        <p:txBody>
+          <a:bodyPr wrap="square" rtlCol="0">
+            <a:spAutoFit/>
+          </a:bodyPr>
+          <a:lstStyle/>
+          <a:p>
+            <a:r>
+              <a:rPr lang="en-US" altLang="zh-CN" dirty="0" smtClean="0"/>
+              <a:t>Template file describe as above</a:t>
+            </a:r>
+            <a:endParaRPr lang="zh-CN" altLang="en-US" dirty="0"/>
+          </a:p>
+        </p:txBody>
+      </p:sp>
+      <p:cxnSp>
+        <p:nvCxnSpPr>
+          <p:cNvPr id="13" name="直接箭头连接符 12"/>
+          <p:cNvCxnSpPr>
+            <a:endCxn id="11" idx="0"/>
+          </p:cNvCxnSpPr>
+          <p:nvPr/>
+        </p:nvCxnSpPr>
+        <p:spPr>
+          <a:xfrm>
+            <a:off x="2398676" y="2017194"/>
+            <a:ext cx="180020" cy="1555822"/>
+          </a:xfrm>
+          <a:prstGeom prst="straightConnector1">
+            <a:avLst/>
+          </a:prstGeom>
+          <a:ln>
+            <a:tailEnd type="arrow"/>
+          </a:ln>
+        </p:spPr>
+        <p:style>
+          <a:lnRef idx="1">
+            <a:schemeClr val="accent1"/>
+          </a:lnRef>
+          <a:fillRef idx="0">
+            <a:schemeClr val="accent1"/>
+          </a:fillRef>
+          <a:effectRef idx="0">
+            <a:schemeClr val="accent1"/>
+          </a:effectRef>
+          <a:fontRef idx="minor">
+            <a:schemeClr val="tx1"/>
+          </a:fontRef>
+        </p:style>
+      </p:cxnSp>
+      <p:sp>
+        <p:nvSpPr>
+          <p:cNvPr id="17" name="矩形 16"/>
+          <p:cNvSpPr/>
+          <p:nvPr/>
+        </p:nvSpPr>
+        <p:spPr>
+          <a:xfrm>
+            <a:off x="3923928" y="4617710"/>
+            <a:ext cx="1728192" cy="1152128"/>
+          </a:xfrm>
+          <a:prstGeom prst="rect">
+            <a:avLst/>
+          </a:prstGeom>
+          <a:solidFill>
+            <a:schemeClr val="accent1">
+              <a:alpha val="0"/>
+            </a:schemeClr>
+          </a:solidFill>
+        </p:spPr>
+        <p:style>
+          <a:lnRef idx="2">
+            <a:schemeClr val="accent1">
+              <a:shade val="50000"/>
+            </a:schemeClr>
+          </a:lnRef>
+          <a:fillRef idx="1">
+            <a:schemeClr val="accent1"/>
+          </a:fillRef>
+          <a:effectRef idx="0">
+            <a:schemeClr val="accent1"/>
+          </a:effectRef>
+          <a:fontRef idx="minor">
+            <a:schemeClr val="lt1"/>
+          </a:fontRef>
+        </p:style>
+        <p:txBody>
+          <a:bodyPr rtlCol="0" anchor="ctr"/>
+          <a:lstStyle/>
+          <a:p>
+            <a:pPr algn="ctr"/>
+            <a:r>
+              <a:rPr lang="en-US" altLang="zh-CN" dirty="0">
+                <a:solidFill>
+                  <a:schemeClr val="tx1"/>
+                </a:solidFill>
+              </a:rPr>
+              <a:t>scriptcontrol.py</a:t>
+            </a:r>
+            <a:endParaRPr lang="zh-CN" altLang="en-US" dirty="0">
+              <a:solidFill>
+                <a:schemeClr val="tx1"/>
+              </a:solidFill>
+            </a:endParaRPr>
+          </a:p>
+        </p:txBody>
+      </p:sp>
+      <p:sp>
+        <p:nvSpPr>
+          <p:cNvPr id="18" name="TextBox 17"/>
+          <p:cNvSpPr txBox="1"/>
+          <p:nvPr/>
+        </p:nvSpPr>
+        <p:spPr>
+          <a:xfrm>
+            <a:off x="0" y="3861048"/>
+            <a:ext cx="3275856" cy="3416320"/>
+          </a:xfrm>
+          <a:prstGeom prst="rect">
+            <a:avLst/>
+          </a:prstGeom>
+          <a:noFill/>
+        </p:spPr>
+        <p:txBody>
+          <a:bodyPr wrap="square" rtlCol="0">
+            <a:spAutoFit/>
+          </a:bodyPr>
+          <a:lstStyle/>
+          <a:p>
+            <a:r>
+              <a:rPr lang="en-US" altLang="zh-CN" dirty="0" smtClean="0"/>
+              <a:t>-c </a:t>
+            </a:r>
+            <a:r>
+              <a:rPr lang="en-US" altLang="zh-CN" dirty="0"/>
+              <a:t>Template file </a:t>
+            </a:r>
+            <a:endParaRPr lang="en-US" altLang="zh-CN" dirty="0" smtClean="0"/>
+          </a:p>
+          <a:p>
+            <a:r>
+              <a:rPr lang="en-US" altLang="zh-CN" dirty="0" smtClean="0"/>
+              <a:t>-d depth of input </a:t>
+            </a:r>
+            <a:r>
+              <a:rPr lang="en-US" altLang="zh-CN" dirty="0"/>
+              <a:t>data </a:t>
+            </a:r>
+            <a:r>
+              <a:rPr lang="en-US" altLang="zh-CN" dirty="0" smtClean="0"/>
+              <a:t>(</a:t>
+            </a:r>
+            <a:r>
+              <a:rPr lang="en-US" altLang="zh-CN" dirty="0" err="1" smtClean="0"/>
+              <a:t>inputdatafilesrootpath</a:t>
+            </a:r>
+            <a:r>
+              <a:rPr lang="en-US" altLang="zh-CN" dirty="0" smtClean="0"/>
+              <a:t>=0</a:t>
+            </a:r>
+            <a:r>
+              <a:rPr lang="en-US" altLang="zh-CN" baseline="30000" dirty="0" smtClean="0"/>
+              <a:t>th</a:t>
+            </a:r>
+            <a:r>
+              <a:rPr lang="en-US" altLang="zh-CN" dirty="0" smtClean="0"/>
+              <a:t> level</a:t>
+            </a:r>
+            <a:r>
+              <a:rPr lang="en-US" altLang="zh-CN" dirty="0"/>
+              <a:t>)</a:t>
+            </a:r>
+            <a:endParaRPr lang="en-US" altLang="zh-CN" dirty="0" smtClean="0"/>
+          </a:p>
+          <a:p>
+            <a:r>
+              <a:rPr lang="en-US" altLang="zh-CN" dirty="0" smtClean="0"/>
+              <a:t>-s folder to store scripts</a:t>
+            </a:r>
+          </a:p>
+          <a:p>
+            <a:r>
+              <a:rPr lang="en-US" altLang="zh-CN" dirty="0" smtClean="0"/>
+              <a:t>-m mode1/2</a:t>
+            </a:r>
+          </a:p>
+          <a:p>
+            <a:r>
+              <a:rPr lang="en-US" altLang="zh-CN" dirty="0" smtClean="0"/>
+              <a:t>-I depth of intercept folders</a:t>
+            </a:r>
+          </a:p>
+          <a:p>
+            <a:r>
+              <a:rPr lang="en-US" altLang="zh-CN" dirty="0" smtClean="0"/>
+              <a:t>-l names </a:t>
+            </a:r>
+            <a:r>
+              <a:rPr lang="en-US" altLang="zh-CN" dirty="0"/>
+              <a:t>of intercept </a:t>
+            </a:r>
+            <a:r>
+              <a:rPr lang="en-US" altLang="zh-CN" dirty="0" smtClean="0"/>
+              <a:t>folders in the assigned level</a:t>
+            </a:r>
+          </a:p>
+          <a:p>
+            <a:r>
+              <a:rPr lang="en-US" altLang="zh-CN" dirty="0" smtClean="0"/>
+              <a:t>-t level of the folder name used to substitute </a:t>
+            </a:r>
+            <a:r>
+              <a:rPr lang="en-US" altLang="zh-CN" dirty="0" err="1" smtClean="0"/>
+              <a:t>tha</a:t>
+            </a:r>
+            <a:r>
+              <a:rPr lang="en-US" altLang="zh-CN" dirty="0" smtClean="0"/>
+              <a:t> ${tag}</a:t>
+            </a:r>
+          </a:p>
+          <a:p>
+            <a:r>
+              <a:rPr lang="en-US" altLang="zh-CN" dirty="0" smtClean="0"/>
+              <a:t>-</a:t>
+            </a:r>
+            <a:r>
+              <a:rPr lang="en-US" altLang="zh-CN" dirty="0"/>
+              <a:t>1</a:t>
+            </a:r>
+          </a:p>
+          <a:p>
+            <a:r>
+              <a:rPr lang="en-US" altLang="zh-CN" dirty="0"/>
+              <a:t>-</a:t>
+            </a:r>
+            <a:r>
+              <a:rPr lang="en-US" altLang="zh-CN" dirty="0" smtClean="0"/>
+              <a:t>2</a:t>
+            </a:r>
+            <a:endParaRPr lang="en-US" altLang="zh-CN" dirty="0"/>
+          </a:p>
+        </p:txBody>
+      </p:sp>
+      <p:sp>
+        <p:nvSpPr>
+          <p:cNvPr id="19" name="右大括号 18"/>
+          <p:cNvSpPr/>
+          <p:nvPr/>
+        </p:nvSpPr>
+        <p:spPr>
+          <a:xfrm>
+            <a:off x="3189487" y="4617710"/>
+            <a:ext cx="432048" cy="1152128"/>
+          </a:xfrm>
+          <a:prstGeom prst="rightBrace">
+            <a:avLst/>
+          </a:prstGeom>
+        </p:spPr>
+        <p:style>
+          <a:lnRef idx="1">
+            <a:schemeClr val="accent1"/>
+          </a:lnRef>
+          <a:fillRef idx="0">
+            <a:schemeClr val="accent1"/>
+          </a:fillRef>
+          <a:effectRef idx="0">
+            <a:schemeClr val="accent1"/>
+          </a:effectRef>
+          <a:fontRef idx="minor">
+            <a:schemeClr val="tx1"/>
+          </a:fontRef>
+        </p:style>
+        <p:txBody>
+          <a:bodyPr rtlCol="0" anchor="ctr"/>
+          <a:lstStyle/>
+          <a:p>
+            <a:pPr algn="ctr"/>
+            <a:endParaRPr lang="zh-CN" altLang="en-US"/>
+          </a:p>
+        </p:txBody>
+      </p:sp>
+      <p:sp>
+        <p:nvSpPr>
+          <p:cNvPr id="20" name="右箭头 19"/>
+          <p:cNvSpPr/>
+          <p:nvPr/>
+        </p:nvSpPr>
+        <p:spPr>
+          <a:xfrm>
+            <a:off x="5717554" y="5157192"/>
+            <a:ext cx="720080" cy="144016"/>
+          </a:xfrm>
+          <a:prstGeom prst="rightArrow">
+            <a:avLst/>
+          </a:prstGeom>
+        </p:spPr>
+        <p:style>
+          <a:lnRef idx="2">
+            <a:schemeClr val="accent1">
+              <a:shade val="50000"/>
+            </a:schemeClr>
+          </a:lnRef>
+          <a:fillRef idx="1">
+            <a:schemeClr val="accent1"/>
+          </a:fillRef>
+          <a:effectRef idx="0">
+            <a:schemeClr val="accent1"/>
+          </a:effectRef>
+          <a:fontRef idx="minor">
+            <a:schemeClr val="lt1"/>
+          </a:fontRef>
+        </p:style>
+        <p:txBody>
+          <a:bodyPr rtlCol="0" anchor="ctr"/>
+          <a:lstStyle/>
+          <a:p>
+            <a:pPr algn="ctr"/>
+            <a:endParaRPr lang="zh-CN" altLang="en-US"/>
+          </a:p>
+        </p:txBody>
+      </p:sp>
+      <p:sp>
+        <p:nvSpPr>
+          <p:cNvPr id="21" name="TextBox 20"/>
+          <p:cNvSpPr txBox="1"/>
+          <p:nvPr/>
+        </p:nvSpPr>
+        <p:spPr>
+          <a:xfrm>
+            <a:off x="3362259" y="4833734"/>
+            <a:ext cx="763332" cy="369332"/>
+          </a:xfrm>
+          <a:prstGeom prst="rect">
+            <a:avLst/>
+          </a:prstGeom>
+          <a:noFill/>
+        </p:spPr>
+        <p:txBody>
+          <a:bodyPr wrap="square" rtlCol="0">
+            <a:spAutoFit/>
+          </a:bodyPr>
+          <a:lstStyle/>
+          <a:p>
+            <a:r>
+              <a:rPr lang="en-US" altLang="zh-CN" dirty="0" smtClean="0"/>
+              <a:t>input</a:t>
+            </a:r>
+            <a:endParaRPr lang="zh-CN" altLang="en-US" dirty="0"/>
+          </a:p>
+        </p:txBody>
+      </p:sp>
+      <p:sp>
+        <p:nvSpPr>
+          <p:cNvPr id="22" name="TextBox 21"/>
+          <p:cNvSpPr txBox="1"/>
+          <p:nvPr/>
+        </p:nvSpPr>
+        <p:spPr>
+          <a:xfrm>
+            <a:off x="6876256" y="4870608"/>
+            <a:ext cx="2232248" cy="1200329"/>
+          </a:xfrm>
+          <a:prstGeom prst="rect">
+            <a:avLst/>
+          </a:prstGeom>
+          <a:noFill/>
+        </p:spPr>
+        <p:txBody>
+          <a:bodyPr wrap="square" rtlCol="0">
+            <a:spAutoFit/>
+          </a:bodyPr>
+          <a:lstStyle/>
+          <a:p>
+            <a:r>
+              <a:rPr lang="en-US" altLang="zh-CN" dirty="0"/>
+              <a:t>Produce </a:t>
+            </a:r>
+            <a:r>
+              <a:rPr lang="en-US" altLang="zh-CN" dirty="0" smtClean="0"/>
+              <a:t>batch </a:t>
+            </a:r>
+            <a:r>
+              <a:rPr lang="en-US" altLang="zh-CN" dirty="0"/>
+              <a:t>of </a:t>
+            </a:r>
+            <a:r>
+              <a:rPr lang="en-US" altLang="zh-CN" dirty="0" smtClean="0"/>
+              <a:t>scripts</a:t>
+            </a:r>
+          </a:p>
+          <a:p>
+            <a:r>
+              <a:rPr lang="en-US" altLang="zh-CN" dirty="0" smtClean="0"/>
+              <a:t>Create folders for all output data</a:t>
+            </a:r>
+          </a:p>
+        </p:txBody>
+      </p:sp>
+      <p:sp>
+        <p:nvSpPr>
+          <p:cNvPr id="23" name="TextBox 22"/>
+          <p:cNvSpPr txBox="1"/>
+          <p:nvPr/>
+        </p:nvSpPr>
+        <p:spPr>
+          <a:xfrm>
+            <a:off x="5630003" y="4797152"/>
+            <a:ext cx="869107" cy="369332"/>
+          </a:xfrm>
+          <a:prstGeom prst="rect">
+            <a:avLst/>
+          </a:prstGeom>
+          <a:noFill/>
+        </p:spPr>
+        <p:txBody>
+          <a:bodyPr wrap="square" rtlCol="0">
+            <a:spAutoFit/>
+          </a:bodyPr>
+          <a:lstStyle/>
+          <a:p>
+            <a:r>
+              <a:rPr lang="en-US" altLang="zh-CN" dirty="0" smtClean="0"/>
+              <a:t>output</a:t>
+            </a:r>
+            <a:endParaRPr lang="zh-CN" altLang="en-US" dirty="0"/>
+          </a:p>
+        </p:txBody>
+      </p:sp>
+      <p:sp>
+        <p:nvSpPr>
+          <p:cNvPr id="24" name="左大括号 23"/>
+          <p:cNvSpPr/>
+          <p:nvPr/>
+        </p:nvSpPr>
+        <p:spPr>
+          <a:xfrm>
+            <a:off x="6499111" y="4293096"/>
+            <a:ext cx="377145" cy="1800200"/>
+          </a:xfrm>
+          <a:prstGeom prst="leftBrace">
+            <a:avLst/>
+          </a:prstGeom>
+        </p:spPr>
+        <p:style>
+          <a:lnRef idx="1">
+            <a:schemeClr val="accent1"/>
+          </a:lnRef>
+          <a:fillRef idx="0">
+            <a:schemeClr val="accent1"/>
+          </a:fillRef>
+          <a:effectRef idx="0">
+            <a:schemeClr val="accent1"/>
+          </a:effectRef>
+          <a:fontRef idx="minor">
+            <a:schemeClr val="tx1"/>
+          </a:fontRef>
+        </p:style>
+        <p:txBody>
+          <a:bodyPr rtlCol="0" anchor="ctr"/>
+          <a:lstStyle/>
+          <a:p>
+            <a:pPr algn="ctr"/>
+            <a:endParaRPr lang="zh-CN" altLang="en-US"/>
+          </a:p>
+        </p:txBody>
+      </p:sp>
+    </p:spTree>
+    <p:extLst>
+      <p:ext uri="{BB962C8B-B14F-4D97-AF65-F5344CB8AC3E}">
+        <p14:creationId xmlns:p14="http://schemas.microsoft.com/office/powerpoint/2010/main" val="508241294"/>
+      </p:ext>
+    </p:extLst>
+  </p:cSld>
+  <p:clrMapOvr>
+    <a:masterClrMapping/>
+  </p:clrMapOvr>
+  <p:timing>
+    <p:tnLst>
+      <p:par>
+        <p:cTn id="1" dur="indefinite" restart="never" nodeType="tmRoot"/>
+      </p:par>
+    </p:tnLst>
+  </p:timing>
+</p:sld>
+</file>
+
+<file path=ppt/slides/slide9.xml><?xml version="1.0" encoding="utf-8"?>
+<p:sld xmlns:a="http://schemas.openxmlformats.org/drawingml/2006/main" xmlns:r="http://schemas.openxmlformats.org/officeDocument/2006/relationships" xmlns:p="http://schemas.openxmlformats.org/presentationml/2006/main">
+  <p:cSld>
+    <p:spTree>
+      <p:nvGrpSpPr>
+        <p:cNvPr id="1" name=""/>
+        <p:cNvGrpSpPr/>
+        <p:nvPr/>
+      </p:nvGrpSpPr>
+      <p:grpSpPr>
+        <a:xfrm>
+          <a:off x="0" y="0"/>
+          <a:ext cx="0" cy="0"/>
+          <a:chOff x="0" y="0"/>
+          <a:chExt cx="0" cy="0"/>
+        </a:xfrm>
+      </p:grpSpPr>
+      <p:sp>
+        <p:nvSpPr>
+          <p:cNvPr id="2" name="标题 1"/>
+          <p:cNvSpPr>
+            <a:spLocks noGrp="1"/>
+          </p:cNvSpPr>
+          <p:nvPr>
+            <p:ph type="title"/>
+          </p:nvPr>
+        </p:nvSpPr>
+        <p:spPr/>
+        <p:txBody>
+          <a:bodyPr>
+            <a:normAutofit/>
+          </a:bodyPr>
+          <a:lstStyle/>
+          <a:p>
+            <a:r>
+              <a:rPr lang="en-US" altLang="zh-CN" sz="3200" dirty="0" smtClean="0"/>
               <a:t>mode 1 results (many input to </a:t>
             </a:r>
             <a:r>
@@ -10767,110 +12639,6 @@
     <p:extLst>
       <p:ext uri="{BB962C8B-B14F-4D97-AF65-F5344CB8AC3E}">
         <p14:creationId xmlns:p14="http://schemas.microsoft.com/office/powerpoint/2010/main" val="3105647256"/>
-      </p:ext>
-    </p:extLst>
-  </p:cSld>
-  <p:clrMapOvr>
-    <a:masterClrMapping/>
-  </p:clrMapOvr>
-</p:sld>
-</file>
-
-<file path=ppt/slides/slide9.xml><?xml version="1.0" encoding="utf-8"?>
-<p:sld xmlns:a="http://schemas.openxmlformats.org/drawingml/2006/main" xmlns:r="http://schemas.openxmlformats.org/officeDocument/2006/relationships" xmlns:p="http://schemas.openxmlformats.org/presentationml/2006/main">
-  <p:cSld>
-    <p:spTree>
-      <p:nvGrpSpPr>
-        <p:cNvPr id="1" name=""/>
-        <p:cNvGrpSpPr/>
-        <p:nvPr/>
-      </p:nvGrpSpPr>
-      <p:grpSpPr>
-        <a:xfrm>
-          <a:off x="0" y="0"/>
-          <a:ext cx="0" cy="0"/>
-          <a:chOff x="0" y="0"/>
-          <a:chExt cx="0" cy="0"/>
-        </a:xfrm>
-      </p:grpSpPr>
-      <p:sp>
-        <p:nvSpPr>
-          <p:cNvPr id="2" name="标题 1"/>
-          <p:cNvSpPr>
-            <a:spLocks noGrp="1"/>
-          </p:cNvSpPr>
-          <p:nvPr>
-            <p:ph type="title"/>
-          </p:nvPr>
-        </p:nvSpPr>
-        <p:spPr/>
-        <p:txBody>
-          <a:bodyPr>
-            <a:normAutofit/>
-          </a:bodyPr>
-          <a:lstStyle/>
-          <a:p>
-            <a:r>
-              <a:rPr lang="en-US" altLang="zh-CN" sz="3200" dirty="0" smtClean="0"/>
-              <a:t>Mode 2: many input to one output</a:t>
-            </a:r>
-            <a:endParaRPr lang="zh-CN" altLang="en-US" sz="3200" dirty="0"/>
-          </a:p>
-        </p:txBody>
-      </p:sp>
-      <p:sp>
-        <p:nvSpPr>
-          <p:cNvPr id="3" name="内容占位符 2"/>
-          <p:cNvSpPr>
-            <a:spLocks noGrp="1"/>
-          </p:cNvSpPr>
-          <p:nvPr>
-            <p:ph idx="1"/>
-          </p:nvPr>
-        </p:nvSpPr>
-        <p:spPr/>
-        <p:txBody>
-          <a:bodyPr/>
-          <a:lstStyle/>
-          <a:p>
-            <a:endParaRPr lang="zh-CN" altLang="en-US"/>
-          </a:p>
-        </p:txBody>
-      </p:sp>
-      <p:sp>
-        <p:nvSpPr>
-          <p:cNvPr id="4" name="TextBox 3"/>
-          <p:cNvSpPr txBox="1"/>
-          <p:nvPr/>
-        </p:nvSpPr>
-        <p:spPr>
-          <a:xfrm>
-            <a:off x="0" y="0"/>
-            <a:ext cx="9139472" cy="369332"/>
-          </a:xfrm>
-          <a:prstGeom prst="rect">
-            <a:avLst/>
-          </a:prstGeom>
-          <a:noFill/>
-        </p:spPr>
-        <p:txBody>
-          <a:bodyPr wrap="square" rtlCol="0">
-            <a:spAutoFit/>
-          </a:bodyPr>
-          <a:lstStyle/>
-          <a:p>
-            <a:r>
-              <a:rPr lang="en-US" altLang="zh-CN" dirty="0" smtClean="0"/>
-              <a:t>Produce batch of scripts: scriptcontrol.py</a:t>
-            </a:r>
-            <a:endParaRPr lang="zh-CN" altLang="en-US" dirty="0"/>
-          </a:p>
-        </p:txBody>
-      </p:sp>
-    </p:spTree>
-    <p:extLst>
-      <p:ext uri="{BB962C8B-B14F-4D97-AF65-F5344CB8AC3E}">
-        <p14:creationId xmlns:p14="http://schemas.microsoft.com/office/powerpoint/2010/main" val="3796959593"/>
       </p:ext>
     </p:extLst>
   </p:cSld>

--- a/userGuide.pptx
+++ b/userGuide.pptx
@@ -310,7 +310,7 @@
           <a:p>
             <a:fld id="{530820CF-B880-4189-942D-D702A7CBA730}" type="datetimeFigureOut">
               <a:rPr lang="zh-CN" altLang="en-US" smtClean="0"/>
-              <a:t>2017/8/6</a:t>
+              <a:t>2017/9/16</a:t>
             </a:fld>
             <a:endParaRPr lang="zh-CN" altLang="en-US"/>
           </a:p>
@@ -475,7 +475,7 @@
           <a:p>
             <a:fld id="{530820CF-B880-4189-942D-D702A7CBA730}" type="datetimeFigureOut">
               <a:rPr lang="zh-CN" altLang="en-US" smtClean="0"/>
-              <a:t>2017/8/6</a:t>
+              <a:t>2017/9/16</a:t>
             </a:fld>
             <a:endParaRPr lang="zh-CN" altLang="en-US"/>
           </a:p>
@@ -650,7 +650,7 @@
           <a:p>
             <a:fld id="{530820CF-B880-4189-942D-D702A7CBA730}" type="datetimeFigureOut">
               <a:rPr lang="zh-CN" altLang="en-US" smtClean="0"/>
-              <a:t>2017/8/6</a:t>
+              <a:t>2017/9/16</a:t>
             </a:fld>
             <a:endParaRPr lang="zh-CN" altLang="en-US"/>
           </a:p>
@@ -815,7 +815,7 @@
           <a:p>
             <a:fld id="{530820CF-B880-4189-942D-D702A7CBA730}" type="datetimeFigureOut">
               <a:rPr lang="zh-CN" altLang="en-US" smtClean="0"/>
-              <a:t>2017/8/6</a:t>
+              <a:t>2017/9/16</a:t>
             </a:fld>
             <a:endParaRPr lang="zh-CN" altLang="en-US"/>
           </a:p>
@@ -1056,7 +1056,7 @@
           <a:p>
             <a:fld id="{530820CF-B880-4189-942D-D702A7CBA730}" type="datetimeFigureOut">
               <a:rPr lang="zh-CN" altLang="en-US" smtClean="0"/>
-              <a:t>2017/8/6</a:t>
+              <a:t>2017/9/16</a:t>
             </a:fld>
             <a:endParaRPr lang="zh-CN" altLang="en-US"/>
           </a:p>
@@ -1339,7 +1339,7 @@
           <a:p>
             <a:fld id="{530820CF-B880-4189-942D-D702A7CBA730}" type="datetimeFigureOut">
               <a:rPr lang="zh-CN" altLang="en-US" smtClean="0"/>
-              <a:t>2017/8/6</a:t>
+              <a:t>2017/9/16</a:t>
             </a:fld>
             <a:endParaRPr lang="zh-CN" altLang="en-US"/>
           </a:p>
@@ -1756,7 +1756,7 @@
           <a:p>
             <a:fld id="{530820CF-B880-4189-942D-D702A7CBA730}" type="datetimeFigureOut">
               <a:rPr lang="zh-CN" altLang="en-US" smtClean="0"/>
-              <a:t>2017/8/6</a:t>
+              <a:t>2017/9/16</a:t>
             </a:fld>
             <a:endParaRPr lang="zh-CN" altLang="en-US"/>
           </a:p>
@@ -1869,7 +1869,7 @@
           <a:p>
             <a:fld id="{530820CF-B880-4189-942D-D702A7CBA730}" type="datetimeFigureOut">
               <a:rPr lang="zh-CN" altLang="en-US" smtClean="0"/>
-              <a:t>2017/8/6</a:t>
+              <a:t>2017/9/16</a:t>
             </a:fld>
             <a:endParaRPr lang="zh-CN" altLang="en-US"/>
           </a:p>
@@ -1959,7 +1959,7 @@
           <a:p>
             <a:fld id="{530820CF-B880-4189-942D-D702A7CBA730}" type="datetimeFigureOut">
               <a:rPr lang="zh-CN" altLang="en-US" smtClean="0"/>
-              <a:t>2017/8/6</a:t>
+              <a:t>2017/9/16</a:t>
             </a:fld>
             <a:endParaRPr lang="zh-CN" altLang="en-US"/>
           </a:p>
@@ -2231,7 +2231,7 @@
           <a:p>
             <a:fld id="{530820CF-B880-4189-942D-D702A7CBA730}" type="datetimeFigureOut">
               <a:rPr lang="zh-CN" altLang="en-US" smtClean="0"/>
-              <a:t>2017/8/6</a:t>
+              <a:t>2017/9/16</a:t>
             </a:fld>
             <a:endParaRPr lang="zh-CN" altLang="en-US"/>
           </a:p>
@@ -2479,7 +2479,7 @@
           <a:p>
             <a:fld id="{530820CF-B880-4189-942D-D702A7CBA730}" type="datetimeFigureOut">
               <a:rPr lang="zh-CN" altLang="en-US" smtClean="0"/>
-              <a:t>2017/8/6</a:t>
+              <a:t>2017/9/16</a:t>
             </a:fld>
             <a:endParaRPr lang="zh-CN" altLang="en-US"/>
           </a:p>
@@ -2687,7 +2687,7 @@
           <a:p>
             <a:fld id="{530820CF-B880-4189-942D-D702A7CBA730}" type="datetimeFigureOut">
               <a:rPr lang="zh-CN" altLang="en-US" smtClean="0"/>
-              <a:t>2017/8/6</a:t>
+              <a:t>2017/9/16</a:t>
             </a:fld>
             <a:endParaRPr lang="zh-CN" altLang="en-US"/>
           </a:p>
@@ -9551,11 +9551,7 @@
             </a:pPr>
             <a:r>
               <a:rPr lang="en-US" altLang="zh-CN" sz="2400" dirty="0" smtClean="0"/>
-              <a:t>Variants </a:t>
-            </a:r>
-            <a:r>
-              <a:rPr lang="en-US" altLang="zh-CN" sz="2400" dirty="0" smtClean="0"/>
-              <a:t>data management were designed based on population genetics</a:t>
+              <a:t>Variants data management were designed based on population genetics</a:t>
             </a:r>
             <a:endParaRPr lang="zh-CN" altLang="en-US" sz="2400" dirty="0"/>
           </a:p>
@@ -10446,15 +10442,7 @@
                   <a:schemeClr val="tx1"/>
                 </a:solidFill>
               </a:rPr>
-              <a:t>Table </a:t>
-            </a:r>
-            <a:r>
-              <a:rPr lang="en-US" altLang="zh-CN" dirty="0" smtClean="0">
-                <a:solidFill>
-                  <a:schemeClr val="tx1"/>
-                </a:solidFill>
-              </a:rPr>
-              <a:t>correspond to </a:t>
+              <a:t>Table correspond to </a:t>
             </a:r>
             <a:r>
               <a:rPr lang="en-US" altLang="zh-CN" dirty="0" err="1" smtClean="0">
@@ -11341,36 +11329,6 @@
       </p:sp>
       <p:pic>
         <p:nvPicPr>
-          <p:cNvPr id="4" name="图片 3"/>
-          <p:cNvPicPr>
-            <a:picLocks noChangeAspect="1"/>
-          </p:cNvPicPr>
-          <p:nvPr/>
-        </p:nvPicPr>
-        <p:blipFill>
-          <a:blip>
-            <a:extLst>
-              <a:ext uri="{28A0092B-C50C-407E-A947-70E740481C1C}">
-                <a14:useLocalDpi xmlns:a14="http://schemas.microsoft.com/office/drawing/2010/main" val="0"/>
-              </a:ext>
-            </a:extLst>
-          </a:blip>
-          <a:stretch>
-            <a:fillRect/>
-          </a:stretch>
-        </p:blipFill>
-        <p:spPr>
-          <a:xfrm>
-            <a:off x="4288457" y="2981325"/>
-            <a:ext cx="4829175" cy="3876675"/>
-          </a:xfrm>
-          <a:prstGeom prst="rect">
-            <a:avLst/>
-          </a:prstGeom>
-        </p:spPr>
-      </p:pic>
-      <p:pic>
-        <p:nvPicPr>
           <p:cNvPr id="6" name="图片 5"/>
           <p:cNvPicPr>
             <a:picLocks noChangeAspect="1"/>
@@ -11435,6 +11393,36 @@
           </a:fontRef>
         </p:style>
       </p:cxnSp>
+      <p:pic>
+        <p:nvPicPr>
+          <p:cNvPr id="7" name="图片 6"/>
+          <p:cNvPicPr>
+            <a:picLocks noChangeAspect="1"/>
+          </p:cNvPicPr>
+          <p:nvPr/>
+        </p:nvPicPr>
+        <p:blipFill>
+          <a:blip r:embed="rId3">
+            <a:extLst>
+              <a:ext uri="{28A0092B-C50C-407E-A947-70E740481C1C}">
+                <a14:useLocalDpi xmlns:a14="http://schemas.microsoft.com/office/drawing/2010/main" val="0"/>
+              </a:ext>
+            </a:extLst>
+          </a:blip>
+          <a:stretch>
+            <a:fillRect/>
+          </a:stretch>
+        </p:blipFill>
+        <p:spPr>
+          <a:xfrm>
+            <a:off x="4288457" y="2981325"/>
+            <a:ext cx="4829175" cy="3876675"/>
+          </a:xfrm>
+          <a:prstGeom prst="rect">
+            <a:avLst/>
+          </a:prstGeom>
+        </p:spPr>
+      </p:pic>
     </p:spTree>
     <p:extLst>
       <p:ext uri="{BB962C8B-B14F-4D97-AF65-F5344CB8AC3E}">
